--- a/Literature Review.pptx
+++ b/Literature Review.pptx
@@ -5,7 +5,7 @@
     <p:sldMasterId id="2147483648" r:id="rId1"/>
   </p:sldMasterIdLst>
   <p:notesMasterIdLst>
-    <p:notesMasterId r:id="rId9"/>
+    <p:notesMasterId r:id="rId12"/>
   </p:notesMasterIdLst>
   <p:sldIdLst>
     <p:sldId id="256" r:id="rId2"/>
@@ -15,6 +15,9 @@
     <p:sldId id="259" r:id="rId6"/>
     <p:sldId id="260" r:id="rId7"/>
     <p:sldId id="262" r:id="rId8"/>
+    <p:sldId id="263" r:id="rId9"/>
+    <p:sldId id="264" r:id="rId10"/>
+    <p:sldId id="265" r:id="rId11"/>
   </p:sldIdLst>
   <p:sldSz cx="9144000" cy="6858000" type="screen4x3"/>
   <p:notesSz cx="6858000" cy="9144000"/>
@@ -113,6 +116,22 @@
       </a:defRPr>
     </a:lvl9pPr>
   </p:defaultTextStyle>
+  <p:extLst>
+    <p:ext uri="{EFAFB233-063F-42B5-8137-9DF3F51BA10A}">
+      <p15:sldGuideLst xmlns:p15="http://schemas.microsoft.com/office/powerpoint/2012/main">
+        <p15:guide id="1" orient="horz" pos="2160">
+          <p15:clr>
+            <a:srgbClr val="A4A3A4"/>
+          </p15:clr>
+        </p15:guide>
+        <p15:guide id="2" pos="2880">
+          <p15:clr>
+            <a:srgbClr val="A4A3A4"/>
+          </p15:clr>
+        </p15:guide>
+      </p15:sldGuideLst>
+    </p:ext>
+  </p:extLst>
 </p:presentation>
 </file>
 
@@ -198,7 +217,7 @@
           <a:p>
             <a:fld id="{112A0E23-1B25-1A4E-BE77-9E66B1F818DF}" type="datetimeFigureOut">
               <a:rPr lang="en-US" smtClean="0"/>
-              <a:t>7/5/17</a:t>
+              <a:t>7/7/17</a:t>
             </a:fld>
             <a:endParaRPr lang="en-US"/>
           </a:p>
@@ -516,7 +535,13 @@
             </a:r>
             <a:r>
               <a:rPr lang="en-US" baseline="0" dirty="0" smtClean="0"/>
-              <a:t> is how the system responds after a loss of generation or power imbalance</a:t>
+              <a:t> is how the system responds after a significant loss of generation. </a:t>
+            </a:r>
+          </a:p>
+          <a:p>
+            <a:r>
+              <a:rPr lang="en-US" baseline="0" dirty="0" smtClean="0"/>
+              <a:t>Frequency control in power systems is made possible because of the rotational inertia from conventional generators in the system. This inertia is what keeps the system frequency from deviating too much when generation losses occur because the inertia from the generators keep spinning at the same rate for a set time and the PFR is able to kick in before it changes too much. Without this inertia, or with decreased inertia, the system frequency will change much faster, often too quickly for the PFR to to kick in before it drops below the safe values which can cause a cascade of trips and interrupt service. </a:t>
             </a:r>
             <a:endParaRPr lang="en-US" dirty="0"/>
           </a:p>
@@ -700,17 +725,18 @@
             </a:r>
             <a:r>
               <a:rPr lang="en-US" baseline="0" dirty="0" smtClean="0"/>
-              <a:t> model the frequency response because</a:t>
-            </a:r>
+              <a:t> model the frequency response because it is more accurate than</a:t>
+            </a:r>
+            <a:r>
+              <a:rPr lang="mr-IN" baseline="0" dirty="0" smtClean="0"/>
+              <a:t>…</a:t>
+            </a:r>
+            <a:endParaRPr lang="is-IS" baseline="0" dirty="0" smtClean="0"/>
+          </a:p>
+          <a:p>
             <a:r>
               <a:rPr lang="is-IS" baseline="0" dirty="0" smtClean="0"/>
-              <a:t>…</a:t>
-            </a:r>
-          </a:p>
-          <a:p>
-            <a:r>
-              <a:rPr lang="is-IS" baseline="0" dirty="0" smtClean="0"/>
-              <a:t>Others have used the aggregated swing equation </a:t>
+              <a:t>We are using the aggregated swing equation to adapt the equation to model a whole network. </a:t>
             </a:r>
             <a:endParaRPr lang="en-US" dirty="0"/>
           </a:p>
@@ -743,6 +769,98 @@
     <p:extLst>
       <p:ext uri="{BB962C8B-B14F-4D97-AF65-F5344CB8AC3E}">
         <p14:creationId xmlns:p14="http://schemas.microsoft.com/office/powerpoint/2010/main" val="132424320"/>
+      </p:ext>
+    </p:extLst>
+  </p:cSld>
+  <p:clrMapOvr>
+    <a:masterClrMapping/>
+  </p:clrMapOvr>
+</p:notes>
+</file>
+
+<file path=ppt/notesSlides/notesSlide4.xml><?xml version="1.0" encoding="utf-8"?>
+<p:notes xmlns:a="http://schemas.openxmlformats.org/drawingml/2006/main" xmlns:r="http://schemas.openxmlformats.org/officeDocument/2006/relationships" xmlns:p="http://schemas.openxmlformats.org/presentationml/2006/main">
+  <p:cSld>
+    <p:spTree>
+      <p:nvGrpSpPr>
+        <p:cNvPr id="1" name=""/>
+        <p:cNvGrpSpPr/>
+        <p:nvPr/>
+      </p:nvGrpSpPr>
+      <p:grpSpPr>
+        <a:xfrm>
+          <a:off x="0" y="0"/>
+          <a:ext cx="0" cy="0"/>
+          <a:chOff x="0" y="0"/>
+          <a:chExt cx="0" cy="0"/>
+        </a:xfrm>
+      </p:grpSpPr>
+      <p:sp>
+        <p:nvSpPr>
+          <p:cNvPr id="2" name="Slide Image Placeholder 1"/>
+          <p:cNvSpPr>
+            <a:spLocks noGrp="1" noRot="1" noChangeAspect="1"/>
+          </p:cNvSpPr>
+          <p:nvPr>
+            <p:ph type="sldImg"/>
+          </p:nvPr>
+        </p:nvSpPr>
+        <p:spPr/>
+      </p:sp>
+      <p:sp>
+        <p:nvSpPr>
+          <p:cNvPr id="3" name="Notes Placeholder 2"/>
+          <p:cNvSpPr>
+            <a:spLocks noGrp="1"/>
+          </p:cNvSpPr>
+          <p:nvPr>
+            <p:ph type="body" idx="1"/>
+          </p:nvPr>
+        </p:nvSpPr>
+        <p:spPr/>
+        <p:txBody>
+          <a:bodyPr/>
+          <a:lstStyle/>
+          <a:p>
+            <a:r>
+              <a:rPr lang="en-US" dirty="0" smtClean="0"/>
+              <a:t>Variable</a:t>
+            </a:r>
+            <a:r>
+              <a:rPr lang="en-US" baseline="0" dirty="0" smtClean="0"/>
+              <a:t> renewable energy sources like wind and solar do not contribute any rotational inertia. Because of this, when more renewables are incorporated into power systems, the overall system inertia decreases. A decrease in inertia means that the frequency response in the event of a major fault or loss of generation (basically any major power imbalance) will be much more severe because the entire system will react faster when there is less inertia to maintain the frequency. This response will be too quick for the primary frequency response controls and could cause cascading trips and wide spread blackouts. </a:t>
+            </a:r>
+            <a:endParaRPr lang="en-US" dirty="0"/>
+          </a:p>
+        </p:txBody>
+      </p:sp>
+      <p:sp>
+        <p:nvSpPr>
+          <p:cNvPr id="4" name="Slide Number Placeholder 3"/>
+          <p:cNvSpPr>
+            <a:spLocks noGrp="1"/>
+          </p:cNvSpPr>
+          <p:nvPr>
+            <p:ph type="sldNum" sz="quarter" idx="10"/>
+          </p:nvPr>
+        </p:nvSpPr>
+        <p:spPr/>
+        <p:txBody>
+          <a:bodyPr/>
+          <a:lstStyle/>
+          <a:p>
+            <a:fld id="{063B06ED-AAE6-1643-931F-B078EBBEF119}" type="slidenum">
+              <a:rPr lang="en-US" smtClean="0"/>
+              <a:t>7</a:t>
+            </a:fld>
+            <a:endParaRPr lang="en-US"/>
+          </a:p>
+        </p:txBody>
+      </p:sp>
+    </p:spTree>
+    <p:extLst>
+      <p:ext uri="{BB962C8B-B14F-4D97-AF65-F5344CB8AC3E}">
+        <p14:creationId xmlns:p14="http://schemas.microsoft.com/office/powerpoint/2010/main" val="26804224"/>
       </p:ext>
     </p:extLst>
   </p:cSld>
@@ -933,7 +1051,7 @@
           <a:p>
             <a:fld id="{16D63410-F318-9644-9110-6B614613545F}" type="datetimeFigureOut">
               <a:rPr lang="en-US" smtClean="0"/>
-              <a:t>7/5/17</a:t>
+              <a:t>7/7/17</a:t>
             </a:fld>
             <a:endParaRPr lang="en-US"/>
           </a:p>
@@ -1103,7 +1221,7 @@
           <a:p>
             <a:fld id="{16D63410-F318-9644-9110-6B614613545F}" type="datetimeFigureOut">
               <a:rPr lang="en-US" smtClean="0"/>
-              <a:t>7/5/17</a:t>
+              <a:t>7/7/17</a:t>
             </a:fld>
             <a:endParaRPr lang="en-US"/>
           </a:p>
@@ -1283,7 +1401,7 @@
           <a:p>
             <a:fld id="{16D63410-F318-9644-9110-6B614613545F}" type="datetimeFigureOut">
               <a:rPr lang="en-US" smtClean="0"/>
-              <a:t>7/5/17</a:t>
+              <a:t>7/7/17</a:t>
             </a:fld>
             <a:endParaRPr lang="en-US"/>
           </a:p>
@@ -1453,7 +1571,7 @@
           <a:p>
             <a:fld id="{16D63410-F318-9644-9110-6B614613545F}" type="datetimeFigureOut">
               <a:rPr lang="en-US" smtClean="0"/>
-              <a:t>7/5/17</a:t>
+              <a:t>7/7/17</a:t>
             </a:fld>
             <a:endParaRPr lang="en-US"/>
           </a:p>
@@ -1699,7 +1817,7 @@
           <a:p>
             <a:fld id="{16D63410-F318-9644-9110-6B614613545F}" type="datetimeFigureOut">
               <a:rPr lang="en-US" smtClean="0"/>
-              <a:t>7/5/17</a:t>
+              <a:t>7/7/17</a:t>
             </a:fld>
             <a:endParaRPr lang="en-US"/>
           </a:p>
@@ -1987,7 +2105,7 @@
           <a:p>
             <a:fld id="{16D63410-F318-9644-9110-6B614613545F}" type="datetimeFigureOut">
               <a:rPr lang="en-US" smtClean="0"/>
-              <a:t>7/5/17</a:t>
+              <a:t>7/7/17</a:t>
             </a:fld>
             <a:endParaRPr lang="en-US"/>
           </a:p>
@@ -2409,7 +2527,7 @@
           <a:p>
             <a:fld id="{16D63410-F318-9644-9110-6B614613545F}" type="datetimeFigureOut">
               <a:rPr lang="en-US" smtClean="0"/>
-              <a:t>7/5/17</a:t>
+              <a:t>7/7/17</a:t>
             </a:fld>
             <a:endParaRPr lang="en-US"/>
           </a:p>
@@ -2527,7 +2645,7 @@
           <a:p>
             <a:fld id="{16D63410-F318-9644-9110-6B614613545F}" type="datetimeFigureOut">
               <a:rPr lang="en-US" smtClean="0"/>
-              <a:t>7/5/17</a:t>
+              <a:t>7/7/17</a:t>
             </a:fld>
             <a:endParaRPr lang="en-US"/>
           </a:p>
@@ -2622,7 +2740,7 @@
           <a:p>
             <a:fld id="{16D63410-F318-9644-9110-6B614613545F}" type="datetimeFigureOut">
               <a:rPr lang="en-US" smtClean="0"/>
-              <a:t>7/5/17</a:t>
+              <a:t>7/7/17</a:t>
             </a:fld>
             <a:endParaRPr lang="en-US"/>
           </a:p>
@@ -2899,7 +3017,7 @@
           <a:p>
             <a:fld id="{16D63410-F318-9644-9110-6B614613545F}" type="datetimeFigureOut">
               <a:rPr lang="en-US" smtClean="0"/>
-              <a:t>7/5/17</a:t>
+              <a:t>7/7/17</a:t>
             </a:fld>
             <a:endParaRPr lang="en-US"/>
           </a:p>
@@ -3152,7 +3270,7 @@
           <a:p>
             <a:fld id="{16D63410-F318-9644-9110-6B614613545F}" type="datetimeFigureOut">
               <a:rPr lang="en-US" smtClean="0"/>
-              <a:t>7/5/17</a:t>
+              <a:t>7/7/17</a:t>
             </a:fld>
             <a:endParaRPr lang="en-US"/>
           </a:p>
@@ -3365,7 +3483,7 @@
           <a:p>
             <a:fld id="{16D63410-F318-9644-9110-6B614613545F}" type="datetimeFigureOut">
               <a:rPr lang="en-US" smtClean="0"/>
-              <a:t>7/5/17</a:t>
+              <a:t>7/7/17</a:t>
             </a:fld>
             <a:endParaRPr lang="en-US"/>
           </a:p>
@@ -3752,10 +3870,16 @@
         </p:nvSpPr>
         <p:spPr/>
         <p:txBody>
-          <a:bodyPr/>
-          <a:lstStyle/>
-          <a:p>
-            <a:endParaRPr lang="en-US"/>
+          <a:bodyPr>
+            <a:normAutofit/>
+          </a:bodyPr>
+          <a:lstStyle/>
+          <a:p>
+            <a:r>
+              <a:rPr lang="en-US" dirty="0" smtClean="0"/>
+              <a:t>Frequency Response and Control in Power Systems</a:t>
+            </a:r>
+            <a:endParaRPr lang="en-US" dirty="0"/>
           </a:p>
         </p:txBody>
       </p:sp>
@@ -3774,7 +3898,23 @@
           <a:bodyPr/>
           <a:lstStyle/>
           <a:p>
-            <a:endParaRPr lang="en-US"/>
+            <a:r>
+              <a:rPr lang="en-US" dirty="0" smtClean="0"/>
+              <a:t>Megan Swanson</a:t>
+            </a:r>
+          </a:p>
+          <a:p>
+            <a:r>
+              <a:rPr lang="en-US" dirty="0" smtClean="0"/>
+              <a:t>SUPERB Project</a:t>
+            </a:r>
+          </a:p>
+          <a:p>
+            <a:r>
+              <a:rPr lang="en-US" dirty="0" smtClean="0"/>
+              <a:t>July 2017</a:t>
+            </a:r>
+            <a:endParaRPr lang="en-US" dirty="0"/>
           </a:p>
         </p:txBody>
       </p:sp>
@@ -3782,6 +3922,90 @@
     <p:extLst>
       <p:ext uri="{BB962C8B-B14F-4D97-AF65-F5344CB8AC3E}">
         <p14:creationId xmlns:p14="http://schemas.microsoft.com/office/powerpoint/2010/main" val="1734473665"/>
+      </p:ext>
+    </p:extLst>
+  </p:cSld>
+  <p:clrMapOvr>
+    <a:masterClrMapping/>
+  </p:clrMapOvr>
+</p:sld>
+</file>
+
+<file path=ppt/slides/slide10.xml><?xml version="1.0" encoding="utf-8"?>
+<p:sld xmlns:a="http://schemas.openxmlformats.org/drawingml/2006/main" xmlns:r="http://schemas.openxmlformats.org/officeDocument/2006/relationships" xmlns:p="http://schemas.openxmlformats.org/presentationml/2006/main">
+  <p:cSld>
+    <p:spTree>
+      <p:nvGrpSpPr>
+        <p:cNvPr id="1" name=""/>
+        <p:cNvGrpSpPr/>
+        <p:nvPr/>
+      </p:nvGrpSpPr>
+      <p:grpSpPr>
+        <a:xfrm>
+          <a:off x="0" y="0"/>
+          <a:ext cx="0" cy="0"/>
+          <a:chOff x="0" y="0"/>
+          <a:chExt cx="0" cy="0"/>
+        </a:xfrm>
+      </p:grpSpPr>
+      <p:sp>
+        <p:nvSpPr>
+          <p:cNvPr id="2" name="Title 1"/>
+          <p:cNvSpPr>
+            <a:spLocks noGrp="1"/>
+          </p:cNvSpPr>
+          <p:nvPr>
+            <p:ph type="title"/>
+          </p:nvPr>
+        </p:nvSpPr>
+        <p:spPr/>
+        <p:txBody>
+          <a:bodyPr/>
+          <a:lstStyle/>
+          <a:p>
+            <a:r>
+              <a:rPr lang="en-US" dirty="0" smtClean="0"/>
+              <a:t>Energy Storage Systems</a:t>
+            </a:r>
+            <a:endParaRPr lang="en-US" dirty="0"/>
+          </a:p>
+        </p:txBody>
+      </p:sp>
+      <p:sp>
+        <p:nvSpPr>
+          <p:cNvPr id="3" name="Content Placeholder 2"/>
+          <p:cNvSpPr>
+            <a:spLocks noGrp="1"/>
+          </p:cNvSpPr>
+          <p:nvPr>
+            <p:ph idx="1"/>
+          </p:nvPr>
+        </p:nvSpPr>
+        <p:spPr/>
+        <p:txBody>
+          <a:bodyPr/>
+          <a:lstStyle/>
+          <a:p>
+            <a:r>
+              <a:rPr lang="en-US" dirty="0" smtClean="0"/>
+              <a:t>Pros:</a:t>
+            </a:r>
+          </a:p>
+          <a:p>
+            <a:r>
+              <a:rPr lang="en-US" dirty="0" smtClean="0"/>
+              <a:t>Cons:</a:t>
+            </a:r>
+          </a:p>
+          <a:p>
+            <a:endParaRPr lang="en-US" dirty="0"/>
+          </a:p>
+        </p:txBody>
+      </p:sp>
+    </p:spTree>
+    <p:extLst>
+      <p:ext uri="{BB962C8B-B14F-4D97-AF65-F5344CB8AC3E}">
+        <p14:creationId xmlns:p14="http://schemas.microsoft.com/office/powerpoint/2010/main" val="1818619930"/>
       </p:ext>
     </p:extLst>
   </p:cSld>
@@ -3953,7 +4177,7 @@
             </a:pPr>
             <a:r>
               <a:rPr lang="en-US" dirty="0" smtClean="0"/>
-              <a:t>The purpose of this review is to increase my understanding of frequency response and control in power systems with a focus on how variable renewable energy affects these.</a:t>
+              <a:t>The purpose of this review is to increase my understanding of frequency response and control in power systems with a focus on how variable renewable energy affects the system.</a:t>
             </a:r>
             <a:endParaRPr lang="en-US" dirty="0"/>
           </a:p>
@@ -4053,6 +4277,20 @@
               <a:rPr lang="en-US" dirty="0" smtClean="0"/>
               <a:t>Lower damping = faster frequency response</a:t>
             </a:r>
+          </a:p>
+          <a:p>
+            <a:r>
+              <a:rPr lang="en-US" dirty="0" smtClean="0"/>
+              <a:t>Faster frequency response = </a:t>
+            </a:r>
+            <a:r>
+              <a:rPr lang="en-US" dirty="0" smtClean="0"/>
+              <a:t>more severe consequences</a:t>
+            </a:r>
+            <a:endParaRPr lang="en-US" dirty="0"/>
+          </a:p>
+          <a:p>
+            <a:pPr lvl="1"/>
             <a:endParaRPr lang="en-US" dirty="0"/>
           </a:p>
         </p:txBody>
@@ -4129,7 +4367,9 @@
           </a:xfrm>
         </p:spPr>
         <p:txBody>
-          <a:bodyPr/>
+          <a:bodyPr>
+            <a:normAutofit lnSpcReduction="10000"/>
+          </a:bodyPr>
           <a:lstStyle/>
           <a:p>
             <a:r>
@@ -4174,14 +4414,27 @@
           <a:p>
             <a:r>
               <a:rPr lang="en-US" dirty="0" smtClean="0"/>
-              <a:t>Simplified Models</a:t>
-            </a:r>
+              <a:t>Simplified </a:t>
+            </a:r>
+            <a:r>
+              <a:rPr lang="en-US" dirty="0" smtClean="0"/>
+              <a:t>Models (Aggregated Swing eq. Average Freq.)</a:t>
+            </a:r>
+            <a:endParaRPr lang="en-US" dirty="0" smtClean="0"/>
           </a:p>
           <a:p>
             <a:pPr lvl="1"/>
             <a:r>
               <a:rPr lang="en-US" dirty="0" smtClean="0"/>
-              <a:t>Less accurate</a:t>
+              <a:t>Marginally l</a:t>
+            </a:r>
+            <a:r>
+              <a:rPr lang="en-US" dirty="0" smtClean="0"/>
+              <a:t>ess </a:t>
+            </a:r>
+            <a:r>
+              <a:rPr lang="en-US" dirty="0" smtClean="0"/>
+              <a:t>accurate</a:t>
             </a:r>
           </a:p>
           <a:p>
@@ -4341,6 +4594,22 @@
           <a:bodyPr/>
           <a:lstStyle/>
           <a:p>
+            <a:r>
+              <a:rPr lang="en-US" dirty="0" smtClean="0"/>
+              <a:t>No inertia (H = 0) </a:t>
+            </a:r>
+          </a:p>
+          <a:p>
+            <a:r>
+              <a:rPr lang="en-US" dirty="0" smtClean="0"/>
+              <a:t>Increased frequency response</a:t>
+            </a:r>
+          </a:p>
+          <a:p>
+            <a:r>
+              <a:rPr lang="en-US" dirty="0" smtClean="0"/>
+              <a:t>Less control</a:t>
+            </a:r>
             <a:endParaRPr lang="en-US" dirty="0"/>
           </a:p>
         </p:txBody>
@@ -4349,6 +4618,178 @@
     <p:extLst>
       <p:ext uri="{BB962C8B-B14F-4D97-AF65-F5344CB8AC3E}">
         <p14:creationId xmlns:p14="http://schemas.microsoft.com/office/powerpoint/2010/main" val="3602025122"/>
+      </p:ext>
+    </p:extLst>
+  </p:cSld>
+  <p:clrMapOvr>
+    <a:masterClrMapping/>
+  </p:clrMapOvr>
+</p:sld>
+</file>
+
+<file path=ppt/slides/slide8.xml><?xml version="1.0" encoding="utf-8"?>
+<p:sld xmlns:a="http://schemas.openxmlformats.org/drawingml/2006/main" xmlns:r="http://schemas.openxmlformats.org/officeDocument/2006/relationships" xmlns:p="http://schemas.openxmlformats.org/presentationml/2006/main">
+  <p:cSld>
+    <p:spTree>
+      <p:nvGrpSpPr>
+        <p:cNvPr id="1" name=""/>
+        <p:cNvGrpSpPr/>
+        <p:nvPr/>
+      </p:nvGrpSpPr>
+      <p:grpSpPr>
+        <a:xfrm>
+          <a:off x="0" y="0"/>
+          <a:ext cx="0" cy="0"/>
+          <a:chOff x="0" y="0"/>
+          <a:chExt cx="0" cy="0"/>
+        </a:xfrm>
+      </p:grpSpPr>
+      <p:sp>
+        <p:nvSpPr>
+          <p:cNvPr id="2" name="Title 1"/>
+          <p:cNvSpPr>
+            <a:spLocks noGrp="1"/>
+          </p:cNvSpPr>
+          <p:nvPr>
+            <p:ph type="title"/>
+          </p:nvPr>
+        </p:nvSpPr>
+        <p:spPr/>
+        <p:txBody>
+          <a:bodyPr/>
+          <a:lstStyle/>
+          <a:p>
+            <a:r>
+              <a:rPr lang="en-US" dirty="0" smtClean="0"/>
+              <a:t>Proposed Methods</a:t>
+            </a:r>
+            <a:endParaRPr lang="en-US" dirty="0"/>
+          </a:p>
+        </p:txBody>
+      </p:sp>
+      <p:sp>
+        <p:nvSpPr>
+          <p:cNvPr id="3" name="Content Placeholder 2"/>
+          <p:cNvSpPr>
+            <a:spLocks noGrp="1"/>
+          </p:cNvSpPr>
+          <p:nvPr>
+            <p:ph idx="1"/>
+          </p:nvPr>
+        </p:nvSpPr>
+        <p:spPr/>
+        <p:txBody>
+          <a:bodyPr/>
+          <a:lstStyle/>
+          <a:p>
+            <a:r>
+              <a:rPr lang="en-US" dirty="0" smtClean="0"/>
+              <a:t>Synthetic or Virtual Inertia</a:t>
+            </a:r>
+          </a:p>
+          <a:p>
+            <a:r>
+              <a:rPr lang="en-US" dirty="0" smtClean="0"/>
+              <a:t>Energy Storage Systems</a:t>
+            </a:r>
+          </a:p>
+          <a:p>
+            <a:endParaRPr lang="en-US" dirty="0" smtClean="0"/>
+          </a:p>
+        </p:txBody>
+      </p:sp>
+    </p:spTree>
+    <p:extLst>
+      <p:ext uri="{BB962C8B-B14F-4D97-AF65-F5344CB8AC3E}">
+        <p14:creationId xmlns:p14="http://schemas.microsoft.com/office/powerpoint/2010/main" val="1775937893"/>
+      </p:ext>
+    </p:extLst>
+  </p:cSld>
+  <p:clrMapOvr>
+    <a:masterClrMapping/>
+  </p:clrMapOvr>
+</p:sld>
+</file>
+
+<file path=ppt/slides/slide9.xml><?xml version="1.0" encoding="utf-8"?>
+<p:sld xmlns:a="http://schemas.openxmlformats.org/drawingml/2006/main" xmlns:r="http://schemas.openxmlformats.org/officeDocument/2006/relationships" xmlns:p="http://schemas.openxmlformats.org/presentationml/2006/main">
+  <p:cSld>
+    <p:spTree>
+      <p:nvGrpSpPr>
+        <p:cNvPr id="1" name=""/>
+        <p:cNvGrpSpPr/>
+        <p:nvPr/>
+      </p:nvGrpSpPr>
+      <p:grpSpPr>
+        <a:xfrm>
+          <a:off x="0" y="0"/>
+          <a:ext cx="0" cy="0"/>
+          <a:chOff x="0" y="0"/>
+          <a:chExt cx="0" cy="0"/>
+        </a:xfrm>
+      </p:grpSpPr>
+      <p:sp>
+        <p:nvSpPr>
+          <p:cNvPr id="2" name="Title 1"/>
+          <p:cNvSpPr>
+            <a:spLocks noGrp="1"/>
+          </p:cNvSpPr>
+          <p:nvPr>
+            <p:ph type="title"/>
+          </p:nvPr>
+        </p:nvSpPr>
+        <p:spPr/>
+        <p:txBody>
+          <a:bodyPr/>
+          <a:lstStyle/>
+          <a:p>
+            <a:r>
+              <a:rPr lang="en-US" dirty="0" smtClean="0"/>
+              <a:t>Virtual Inertia</a:t>
+            </a:r>
+            <a:endParaRPr lang="en-US" dirty="0"/>
+          </a:p>
+        </p:txBody>
+      </p:sp>
+      <p:sp>
+        <p:nvSpPr>
+          <p:cNvPr id="3" name="Content Placeholder 2"/>
+          <p:cNvSpPr>
+            <a:spLocks noGrp="1"/>
+          </p:cNvSpPr>
+          <p:nvPr>
+            <p:ph idx="1"/>
+          </p:nvPr>
+        </p:nvSpPr>
+        <p:spPr/>
+        <p:txBody>
+          <a:bodyPr/>
+          <a:lstStyle/>
+          <a:p>
+            <a:r>
+              <a:rPr lang="en-US" dirty="0" smtClean="0"/>
+              <a:t>WTGs</a:t>
+            </a:r>
+          </a:p>
+          <a:p>
+            <a:r>
+              <a:rPr lang="en-US" dirty="0" smtClean="0"/>
+              <a:t>Pros:</a:t>
+            </a:r>
+          </a:p>
+          <a:p>
+            <a:r>
+              <a:rPr lang="en-US" dirty="0" smtClean="0"/>
+              <a:t>Cons:</a:t>
+            </a:r>
+            <a:endParaRPr lang="en-US" dirty="0"/>
+          </a:p>
+        </p:txBody>
+      </p:sp>
+    </p:spTree>
+    <p:extLst>
+      <p:ext uri="{BB962C8B-B14F-4D97-AF65-F5344CB8AC3E}">
+        <p14:creationId xmlns:p14="http://schemas.microsoft.com/office/powerpoint/2010/main" val="708870289"/>
       </p:ext>
     </p:extLst>
   </p:cSld>

--- a/Literature Review.pptx
+++ b/Literature Review.pptx
@@ -5,7 +5,7 @@
     <p:sldMasterId id="2147483648" r:id="rId1"/>
   </p:sldMasterIdLst>
   <p:notesMasterIdLst>
-    <p:notesMasterId r:id="rId12"/>
+    <p:notesMasterId r:id="rId14"/>
   </p:notesMasterIdLst>
   <p:sldIdLst>
     <p:sldId id="256" r:id="rId2"/>
@@ -18,6 +18,8 @@
     <p:sldId id="263" r:id="rId9"/>
     <p:sldId id="264" r:id="rId10"/>
     <p:sldId id="265" r:id="rId11"/>
+    <p:sldId id="267" r:id="rId12"/>
+    <p:sldId id="266" r:id="rId13"/>
   </p:sldIdLst>
   <p:sldSz cx="9144000" cy="6858000" type="screen4x3"/>
   <p:notesSz cx="6858000" cy="9144000"/>
@@ -3988,14 +3990,24 @@
           <a:p>
             <a:r>
               <a:rPr lang="en-US" dirty="0" smtClean="0"/>
-              <a:t>Pros:</a:t>
-            </a:r>
-          </a:p>
-          <a:p>
-            <a:r>
-              <a:rPr lang="en-US" dirty="0" smtClean="0"/>
-              <a:t>Cons:</a:t>
-            </a:r>
+              <a:t>Pros</a:t>
+            </a:r>
+            <a:r>
+              <a:rPr lang="en-US" dirty="0" smtClean="0"/>
+              <a:t>: Provides reserve power</a:t>
+            </a:r>
+            <a:endParaRPr lang="en-US" dirty="0" smtClean="0"/>
+          </a:p>
+          <a:p>
+            <a:r>
+              <a:rPr lang="en-US" dirty="0" smtClean="0"/>
+              <a:t>Cons</a:t>
+            </a:r>
+            <a:r>
+              <a:rPr lang="en-US" dirty="0" smtClean="0"/>
+              <a:t>: Costly</a:t>
+            </a:r>
+            <a:endParaRPr lang="en-US" dirty="0" smtClean="0"/>
           </a:p>
           <a:p>
             <a:endParaRPr lang="en-US" dirty="0"/>
@@ -4006,6 +4018,551 @@
     <p:extLst>
       <p:ext uri="{BB962C8B-B14F-4D97-AF65-F5344CB8AC3E}">
         <p14:creationId xmlns:p14="http://schemas.microsoft.com/office/powerpoint/2010/main" val="1818619930"/>
+      </p:ext>
+    </p:extLst>
+  </p:cSld>
+  <p:clrMapOvr>
+    <a:masterClrMapping/>
+  </p:clrMapOvr>
+</p:sld>
+</file>
+
+<file path=ppt/slides/slide11.xml><?xml version="1.0" encoding="utf-8"?>
+<p:sld xmlns:a="http://schemas.openxmlformats.org/drawingml/2006/main" xmlns:r="http://schemas.openxmlformats.org/officeDocument/2006/relationships" xmlns:p="http://schemas.openxmlformats.org/presentationml/2006/main">
+  <p:cSld>
+    <p:spTree>
+      <p:nvGrpSpPr>
+        <p:cNvPr id="1" name=""/>
+        <p:cNvGrpSpPr/>
+        <p:nvPr/>
+      </p:nvGrpSpPr>
+      <p:grpSpPr>
+        <a:xfrm>
+          <a:off x="0" y="0"/>
+          <a:ext cx="0" cy="0"/>
+          <a:chOff x="0" y="0"/>
+          <a:chExt cx="0" cy="0"/>
+        </a:xfrm>
+      </p:grpSpPr>
+      <p:sp>
+        <p:nvSpPr>
+          <p:cNvPr id="2" name="Title 1"/>
+          <p:cNvSpPr>
+            <a:spLocks noGrp="1"/>
+          </p:cNvSpPr>
+          <p:nvPr>
+            <p:ph type="title"/>
+          </p:nvPr>
+        </p:nvSpPr>
+        <p:spPr/>
+        <p:txBody>
+          <a:bodyPr/>
+          <a:lstStyle/>
+          <a:p>
+            <a:r>
+              <a:rPr lang="en-US" dirty="0" err="1" smtClean="0"/>
+              <a:t>Deloading</a:t>
+            </a:r>
+            <a:endParaRPr lang="en-US" dirty="0"/>
+          </a:p>
+        </p:txBody>
+      </p:sp>
+      <p:sp>
+        <p:nvSpPr>
+          <p:cNvPr id="3" name="Content Placeholder 2"/>
+          <p:cNvSpPr>
+            <a:spLocks noGrp="1"/>
+          </p:cNvSpPr>
+          <p:nvPr>
+            <p:ph idx="1"/>
+          </p:nvPr>
+        </p:nvSpPr>
+        <p:spPr/>
+        <p:txBody>
+          <a:bodyPr/>
+          <a:lstStyle/>
+          <a:p>
+            <a:r>
+              <a:rPr lang="en-US" dirty="0" smtClean="0"/>
+              <a:t>Pros: Provides primary control for longer periods of time</a:t>
+            </a:r>
+          </a:p>
+          <a:p>
+            <a:r>
+              <a:rPr lang="en-US" dirty="0" smtClean="0"/>
+              <a:t>Cons: Inefficient and expensive</a:t>
+            </a:r>
+            <a:endParaRPr lang="en-US" dirty="0"/>
+          </a:p>
+        </p:txBody>
+      </p:sp>
+    </p:spTree>
+    <p:extLst>
+      <p:ext uri="{BB962C8B-B14F-4D97-AF65-F5344CB8AC3E}">
+        <p14:creationId xmlns:p14="http://schemas.microsoft.com/office/powerpoint/2010/main" val="1632728426"/>
+      </p:ext>
+    </p:extLst>
+  </p:cSld>
+  <p:clrMapOvr>
+    <a:masterClrMapping/>
+  </p:clrMapOvr>
+</p:sld>
+</file>
+
+<file path=ppt/slides/slide12.xml><?xml version="1.0" encoding="utf-8"?>
+<p:sld xmlns:a="http://schemas.openxmlformats.org/drawingml/2006/main" xmlns:r="http://schemas.openxmlformats.org/officeDocument/2006/relationships" xmlns:p="http://schemas.openxmlformats.org/presentationml/2006/main">
+  <p:cSld>
+    <p:spTree>
+      <p:nvGrpSpPr>
+        <p:cNvPr id="1" name=""/>
+        <p:cNvGrpSpPr/>
+        <p:nvPr/>
+      </p:nvGrpSpPr>
+      <p:grpSpPr>
+        <a:xfrm>
+          <a:off x="0" y="0"/>
+          <a:ext cx="0" cy="0"/>
+          <a:chOff x="0" y="0"/>
+          <a:chExt cx="0" cy="0"/>
+        </a:xfrm>
+      </p:grpSpPr>
+      <p:sp>
+        <p:nvSpPr>
+          <p:cNvPr id="2" name="Title 1"/>
+          <p:cNvSpPr>
+            <a:spLocks noGrp="1"/>
+          </p:cNvSpPr>
+          <p:nvPr>
+            <p:ph type="title"/>
+          </p:nvPr>
+        </p:nvSpPr>
+        <p:spPr/>
+        <p:txBody>
+          <a:bodyPr/>
+          <a:lstStyle/>
+          <a:p>
+            <a:r>
+              <a:rPr lang="en-US" dirty="0" smtClean="0"/>
+              <a:t>References</a:t>
+            </a:r>
+            <a:endParaRPr lang="en-US" dirty="0"/>
+          </a:p>
+        </p:txBody>
+      </p:sp>
+      <p:sp>
+        <p:nvSpPr>
+          <p:cNvPr id="3" name="Content Placeholder 2"/>
+          <p:cNvSpPr>
+            <a:spLocks noGrp="1"/>
+          </p:cNvSpPr>
+          <p:nvPr>
+            <p:ph idx="1"/>
+          </p:nvPr>
+        </p:nvSpPr>
+        <p:spPr>
+          <a:xfrm>
+            <a:off x="457200" y="1617453"/>
+            <a:ext cx="8229600" cy="4525963"/>
+          </a:xfrm>
+        </p:spPr>
+        <p:txBody>
+          <a:bodyPr>
+            <a:normAutofit fontScale="47500" lnSpcReduction="20000"/>
+          </a:bodyPr>
+          <a:lstStyle/>
+          <a:p>
+            <a:pPr marL="0" indent="0">
+              <a:buNone/>
+            </a:pPr>
+            <a:r>
+              <a:rPr lang="en-US" dirty="0"/>
+              <a:t>[1</a:t>
+            </a:r>
+            <a:r>
+              <a:rPr lang="en-US" dirty="0" smtClean="0"/>
+              <a:t>]	A</a:t>
+            </a:r>
+            <a:r>
+              <a:rPr lang="en-US" dirty="0"/>
+              <a:t>. </a:t>
+            </a:r>
+            <a:r>
+              <a:rPr lang="en-US" dirty="0" err="1"/>
+              <a:t>Ulbig</a:t>
+            </a:r>
+            <a:r>
+              <a:rPr lang="en-US" dirty="0"/>
+              <a:t>, T. </a:t>
+            </a:r>
+            <a:r>
+              <a:rPr lang="en-US" dirty="0" err="1"/>
+              <a:t>Borsche</a:t>
+            </a:r>
+            <a:r>
+              <a:rPr lang="en-US" dirty="0"/>
+              <a:t> and G. </a:t>
+            </a:r>
+            <a:r>
+              <a:rPr lang="en-US" dirty="0" err="1"/>
+              <a:t>Andersson</a:t>
+            </a:r>
+            <a:r>
+              <a:rPr lang="en-US" dirty="0"/>
+              <a:t>, "Impact of Low Rotational Inertia on Power System Stability </a:t>
+            </a:r>
+            <a:r>
+              <a:rPr lang="en-US" dirty="0" smtClean="0"/>
+              <a:t>	and </a:t>
+            </a:r>
+            <a:r>
+              <a:rPr lang="en-US" dirty="0"/>
+              <a:t>Operation", </a:t>
+            </a:r>
+            <a:r>
+              <a:rPr lang="en-US" i="1" dirty="0"/>
+              <a:t>IFAC Proceedings Volumes</a:t>
+            </a:r>
+            <a:r>
+              <a:rPr lang="en-US" dirty="0"/>
+              <a:t>, vol. 47, no. 3, pp. 7290-7297, 2014.</a:t>
+            </a:r>
+            <a:endParaRPr lang="en-US" dirty="0"/>
+          </a:p>
+          <a:p>
+            <a:pPr marL="0" indent="0">
+              <a:buNone/>
+            </a:pPr>
+            <a:r>
+              <a:rPr lang="en-US" dirty="0"/>
+              <a:t>[2</a:t>
+            </a:r>
+            <a:r>
+              <a:rPr lang="en-US" dirty="0" smtClean="0"/>
+              <a:t>]	H</a:t>
+            </a:r>
+            <a:r>
+              <a:rPr lang="en-US" dirty="0"/>
+              <a:t>. Chiang, F. Wu and P. </a:t>
+            </a:r>
+            <a:r>
+              <a:rPr lang="en-US" dirty="0" err="1"/>
+              <a:t>Varaiya</a:t>
+            </a:r>
+            <a:r>
+              <a:rPr lang="en-US" dirty="0"/>
+              <a:t>, "Foundations of direct methods for power system transient </a:t>
+            </a:r>
+            <a:r>
+              <a:rPr lang="en-US" dirty="0" smtClean="0"/>
+              <a:t>	stability </a:t>
+            </a:r>
+            <a:r>
+              <a:rPr lang="en-US" dirty="0"/>
+              <a:t>analysis", </a:t>
+            </a:r>
+            <a:r>
+              <a:rPr lang="en-US" i="1" dirty="0"/>
+              <a:t>IEEE Transactions on Circuits and Systems</a:t>
+            </a:r>
+            <a:r>
+              <a:rPr lang="en-US" dirty="0"/>
+              <a:t>, vol. 34, no. 2, pp. 160-173, 1987.</a:t>
+            </a:r>
+            <a:endParaRPr lang="en-US" dirty="0"/>
+          </a:p>
+          <a:p>
+            <a:pPr marL="0" indent="0">
+              <a:buNone/>
+            </a:pPr>
+            <a:r>
+              <a:rPr lang="en-US" dirty="0"/>
+              <a:t>[3</a:t>
+            </a:r>
+            <a:r>
+              <a:rPr lang="en-US" dirty="0" smtClean="0"/>
+              <a:t>]	P</a:t>
+            </a:r>
+            <a:r>
+              <a:rPr lang="en-US" dirty="0"/>
+              <a:t>. </a:t>
+            </a:r>
+            <a:r>
+              <a:rPr lang="en-US" dirty="0" err="1"/>
+              <a:t>Varaiya</a:t>
+            </a:r>
+            <a:r>
+              <a:rPr lang="en-US" dirty="0"/>
+              <a:t>, F. Wu and R. Chen, "Direct methods for transient stability analysis of power systems: </a:t>
+            </a:r>
+            <a:r>
+              <a:rPr lang="en-US" dirty="0" smtClean="0"/>
+              <a:t>	Recent </a:t>
+            </a:r>
+            <a:r>
+              <a:rPr lang="en-US" dirty="0"/>
+              <a:t>results", </a:t>
+            </a:r>
+            <a:r>
+              <a:rPr lang="en-US" i="1" dirty="0"/>
+              <a:t>Proceedings of the IEEE</a:t>
+            </a:r>
+            <a:r>
+              <a:rPr lang="en-US" dirty="0"/>
+              <a:t>, vol. 73, no. 12, pp. 1703-1715, 1985.</a:t>
+            </a:r>
+            <a:endParaRPr lang="en-US" dirty="0"/>
+          </a:p>
+          <a:p>
+            <a:pPr marL="0" indent="0">
+              <a:buNone/>
+            </a:pPr>
+            <a:r>
+              <a:rPr lang="en-US" dirty="0"/>
+              <a:t>[</a:t>
+            </a:r>
+            <a:r>
+              <a:rPr lang="en-US" dirty="0" smtClean="0"/>
+              <a:t>4	]</a:t>
+            </a:r>
+            <a:r>
+              <a:rPr lang="en-US" dirty="0"/>
+              <a:t>R. Yan and T. </a:t>
+            </a:r>
+            <a:r>
+              <a:rPr lang="en-US" dirty="0" err="1"/>
+              <a:t>Saha</a:t>
+            </a:r>
+            <a:r>
+              <a:rPr lang="en-US" dirty="0"/>
+              <a:t>, "Frequency response estimation method for high wind penetration </a:t>
+            </a:r>
+            <a:r>
+              <a:rPr lang="en-US" dirty="0" smtClean="0"/>
+              <a:t>	considering </a:t>
+            </a:r>
+            <a:r>
+              <a:rPr lang="en-US" dirty="0"/>
+              <a:t>wind turbine frequency support functions", </a:t>
+            </a:r>
+            <a:r>
+              <a:rPr lang="en-US" i="1" dirty="0"/>
+              <a:t>IET Renewable Power Generation</a:t>
+            </a:r>
+            <a:r>
+              <a:rPr lang="en-US" dirty="0"/>
+              <a:t>, vol. 9, </a:t>
+            </a:r>
+            <a:r>
+              <a:rPr lang="en-US" dirty="0" smtClean="0"/>
+              <a:t>	no</a:t>
+            </a:r>
+            <a:r>
+              <a:rPr lang="en-US" dirty="0"/>
+              <a:t>. 7, pp. 775-782, 2015.</a:t>
+            </a:r>
+            <a:endParaRPr lang="en-US" dirty="0"/>
+          </a:p>
+          <a:p>
+            <a:pPr marL="0" indent="0">
+              <a:buNone/>
+            </a:pPr>
+            <a:r>
+              <a:rPr lang="en-US" dirty="0"/>
+              <a:t>[5</a:t>
+            </a:r>
+            <a:r>
+              <a:rPr lang="en-US" dirty="0" smtClean="0"/>
+              <a:t>]	M</a:t>
+            </a:r>
+            <a:r>
+              <a:rPr lang="en-US" dirty="0"/>
+              <a:t>. Chan, R. Dunlop and F. </a:t>
+            </a:r>
+            <a:r>
+              <a:rPr lang="en-US" dirty="0" err="1"/>
+              <a:t>Schweppe</a:t>
+            </a:r>
+            <a:r>
+              <a:rPr lang="en-US" dirty="0"/>
+              <a:t>, "Dynamic Equivalents for Average System Frequency </a:t>
+            </a:r>
+            <a:r>
+              <a:rPr lang="en-US" dirty="0" smtClean="0"/>
+              <a:t>	Behavior </a:t>
+            </a:r>
+            <a:r>
+              <a:rPr lang="en-US" dirty="0"/>
+              <a:t>Following Major </a:t>
+            </a:r>
+            <a:r>
+              <a:rPr lang="en-US" dirty="0" smtClean="0"/>
+              <a:t>Disturbances</a:t>
+            </a:r>
+            <a:r>
+              <a:rPr lang="en-US" dirty="0"/>
+              <a:t>", </a:t>
+            </a:r>
+            <a:r>
+              <a:rPr lang="en-US" i="1" dirty="0"/>
+              <a:t>IEEE Transactions on Power Apparatus and Systems</a:t>
+            </a:r>
+            <a:r>
+              <a:rPr lang="en-US" dirty="0"/>
+              <a:t>, vol. </a:t>
+            </a:r>
+            <a:r>
+              <a:rPr lang="en-US" dirty="0" smtClean="0"/>
+              <a:t>-	91</a:t>
+            </a:r>
+            <a:r>
+              <a:rPr lang="en-US" dirty="0"/>
+              <a:t>, no. 4, pp. 1637-1642, 1972.</a:t>
+            </a:r>
+            <a:endParaRPr lang="en-US" dirty="0"/>
+          </a:p>
+          <a:p>
+            <a:pPr marL="0" indent="0">
+              <a:buNone/>
+            </a:pPr>
+            <a:r>
+              <a:rPr lang="en-US" dirty="0"/>
+              <a:t>[6</a:t>
+            </a:r>
+            <a:r>
+              <a:rPr lang="en-US" dirty="0" smtClean="0"/>
+              <a:t>]	B</a:t>
+            </a:r>
+            <a:r>
+              <a:rPr lang="en-US" dirty="0"/>
+              <a:t>. </a:t>
+            </a:r>
+            <a:r>
+              <a:rPr lang="en-US" dirty="0" err="1"/>
+              <a:t>Poolla</a:t>
+            </a:r>
+            <a:r>
+              <a:rPr lang="en-US" dirty="0"/>
+              <a:t>, S. </a:t>
+            </a:r>
+            <a:r>
+              <a:rPr lang="en-US" dirty="0" err="1"/>
+              <a:t>Bolognani</a:t>
+            </a:r>
+            <a:r>
+              <a:rPr lang="en-US" dirty="0"/>
+              <a:t> and F. </a:t>
+            </a:r>
+            <a:r>
+              <a:rPr lang="en-US" dirty="0" err="1"/>
+              <a:t>Dorfler</a:t>
+            </a:r>
+            <a:r>
+              <a:rPr lang="en-US" dirty="0"/>
+              <a:t>, "Optimal Placement of Virtual Inertia in Power Grids", </a:t>
+            </a:r>
+            <a:r>
+              <a:rPr lang="en-US" i="1" dirty="0"/>
+              <a:t>IEEE </a:t>
+            </a:r>
+            <a:r>
+              <a:rPr lang="en-US" i="1" dirty="0" smtClean="0"/>
+              <a:t>	Transactions </a:t>
+            </a:r>
+            <a:r>
+              <a:rPr lang="en-US" i="1" dirty="0"/>
+              <a:t>on Automatic Control</a:t>
+            </a:r>
+            <a:r>
+              <a:rPr lang="en-US" dirty="0"/>
+              <a:t>, vol., no. 99, pp. 1-1, 2016.</a:t>
+            </a:r>
+            <a:endParaRPr lang="en-US" dirty="0"/>
+          </a:p>
+          <a:p>
+            <a:pPr marL="0" indent="0">
+              <a:buNone/>
+            </a:pPr>
+            <a:r>
+              <a:rPr lang="en-US" dirty="0"/>
+              <a:t>[7</a:t>
+            </a:r>
+            <a:r>
+              <a:rPr lang="en-US" dirty="0" smtClean="0"/>
+              <a:t>]	N</a:t>
+            </a:r>
+            <a:r>
+              <a:rPr lang="en-US" dirty="0"/>
+              <a:t>. Miller, M. Shao, S. </a:t>
+            </a:r>
+            <a:r>
+              <a:rPr lang="en-US" dirty="0" err="1"/>
+              <a:t>Venkataraman</a:t>
+            </a:r>
+            <a:r>
+              <a:rPr lang="en-US" dirty="0"/>
+              <a:t>, C. </a:t>
+            </a:r>
+            <a:r>
+              <a:rPr lang="en-US" dirty="0" err="1"/>
+              <a:t>Loutan</a:t>
+            </a:r>
+            <a:r>
+              <a:rPr lang="en-US" dirty="0"/>
+              <a:t> and M. </a:t>
+            </a:r>
+            <a:r>
+              <a:rPr lang="en-US" dirty="0" err="1"/>
+              <a:t>Rothleder</a:t>
+            </a:r>
+            <a:r>
+              <a:rPr lang="en-US" dirty="0"/>
+              <a:t>, "Frequency response of </a:t>
+            </a:r>
+            <a:r>
+              <a:rPr lang="en-US" dirty="0" smtClean="0"/>
+              <a:t>	California </a:t>
+            </a:r>
+            <a:r>
+              <a:rPr lang="en-US" dirty="0"/>
+              <a:t>and WECC under high wind and solar conditions", </a:t>
+            </a:r>
+            <a:r>
+              <a:rPr lang="en-US" i="1" dirty="0"/>
+              <a:t>2012 IEEE Power and Energy Society </a:t>
+            </a:r>
+            <a:r>
+              <a:rPr lang="en-US" i="1" dirty="0" smtClean="0"/>
+              <a:t>	General </a:t>
+            </a:r>
+            <a:r>
+              <a:rPr lang="en-US" i="1" dirty="0"/>
+              <a:t>Meeting</a:t>
+            </a:r>
+            <a:r>
+              <a:rPr lang="en-US" dirty="0"/>
+              <a:t>, pp. 1-8, 2012.</a:t>
+            </a:r>
+            <a:endParaRPr lang="en-US" dirty="0"/>
+          </a:p>
+          <a:p>
+            <a:pPr marL="0" indent="0">
+              <a:buNone/>
+            </a:pPr>
+            <a:r>
+              <a:rPr lang="en-US" dirty="0"/>
+              <a:t/>
+            </a:r>
+            <a:br>
+              <a:rPr lang="en-US" dirty="0"/>
+            </a:br>
+            <a:endParaRPr lang="en-US" dirty="0"/>
+          </a:p>
+        </p:txBody>
+      </p:sp>
+    </p:spTree>
+    <p:extLst>
+      <p:ext uri="{BB962C8B-B14F-4D97-AF65-F5344CB8AC3E}">
+        <p14:creationId xmlns:p14="http://schemas.microsoft.com/office/powerpoint/2010/main" val="2039904875"/>
       </p:ext>
     </p:extLst>
   </p:cSld>
@@ -4090,8 +4647,20 @@
           <a:p>
             <a:r>
               <a:rPr lang="en-US" dirty="0" smtClean="0"/>
-              <a:t>Impact of variable renewable energy</a:t>
-            </a:r>
+              <a:t>Swing Equation</a:t>
+            </a:r>
+            <a:endParaRPr lang="en-US" dirty="0" smtClean="0"/>
+          </a:p>
+          <a:p>
+            <a:r>
+              <a:rPr lang="en-US" dirty="0" smtClean="0"/>
+              <a:t>Impact of </a:t>
+            </a:r>
+            <a:r>
+              <a:rPr lang="en-US" dirty="0" smtClean="0"/>
+              <a:t>Renewables</a:t>
+            </a:r>
+            <a:endParaRPr lang="en-US" dirty="0" smtClean="0"/>
           </a:p>
           <a:p>
             <a:r>
@@ -4522,6 +5091,111 @@
           <a:bodyPr/>
           <a:lstStyle/>
           <a:p>
+            <a:r>
+              <a:rPr lang="en-US" dirty="0" smtClean="0"/>
+              <a:t>Aggregate Swing Equation:</a:t>
+            </a:r>
+          </a:p>
+          <a:p>
+            <a:endParaRPr lang="en-US" dirty="0"/>
+          </a:p>
+          <a:p>
+            <a:endParaRPr lang="en-US" dirty="0" smtClean="0"/>
+          </a:p>
+          <a:p>
+            <a:r>
+              <a:rPr lang="en-US" dirty="0" smtClean="0"/>
+              <a:t>Two-Area Model:</a:t>
+            </a:r>
+          </a:p>
+        </p:txBody>
+      </p:sp>
+      <p:pic>
+        <p:nvPicPr>
+          <p:cNvPr id="5" name="Picture 4"/>
+          <p:cNvPicPr>
+            <a:picLocks noChangeAspect="1"/>
+          </p:cNvPicPr>
+          <p:nvPr/>
+        </p:nvPicPr>
+        <p:blipFill>
+          <a:blip r:embed="rId3">
+            <a:extLst>
+              <a:ext uri="{28A0092B-C50C-407E-A947-70E740481C1C}">
+                <a14:useLocalDpi xmlns:a14="http://schemas.microsoft.com/office/drawing/2010/main" val="0"/>
+              </a:ext>
+            </a:extLst>
+          </a:blip>
+          <a:stretch>
+            <a:fillRect/>
+          </a:stretch>
+        </p:blipFill>
+        <p:spPr>
+          <a:xfrm>
+            <a:off x="2216150" y="2443193"/>
+            <a:ext cx="4711700" cy="647700"/>
+          </a:xfrm>
+          <a:prstGeom prst="rect">
+            <a:avLst/>
+          </a:prstGeom>
+        </p:spPr>
+      </p:pic>
+      <p:pic>
+        <p:nvPicPr>
+          <p:cNvPr id="6" name="Picture 5"/>
+          <p:cNvPicPr>
+            <a:picLocks noChangeAspect="1"/>
+          </p:cNvPicPr>
+          <p:nvPr/>
+        </p:nvPicPr>
+        <p:blipFill>
+          <a:blip r:embed="rId4">
+            <a:extLst>
+              <a:ext uri="{28A0092B-C50C-407E-A947-70E740481C1C}">
+                <a14:useLocalDpi xmlns:a14="http://schemas.microsoft.com/office/drawing/2010/main" val="0"/>
+              </a:ext>
+            </a:extLst>
+          </a:blip>
+          <a:stretch>
+            <a:fillRect/>
+          </a:stretch>
+        </p:blipFill>
+        <p:spPr>
+          <a:xfrm>
+            <a:off x="2184400" y="4013441"/>
+            <a:ext cx="4775200" cy="2451100"/>
+          </a:xfrm>
+          <a:prstGeom prst="rect">
+            <a:avLst/>
+          </a:prstGeom>
+        </p:spPr>
+      </p:pic>
+      <p:sp>
+        <p:nvSpPr>
+          <p:cNvPr id="7" name="TextBox 6"/>
+          <p:cNvSpPr txBox="1"/>
+          <p:nvPr/>
+        </p:nvSpPr>
+        <p:spPr>
+          <a:xfrm>
+            <a:off x="8367623" y="6464541"/>
+            <a:ext cx="517585" cy="369332"/>
+          </a:xfrm>
+          <a:prstGeom prst="rect">
+            <a:avLst/>
+          </a:prstGeom>
+          <a:noFill/>
+        </p:spPr>
+        <p:txBody>
+          <a:bodyPr wrap="square" rtlCol="0">
+            <a:spAutoFit/>
+          </a:bodyPr>
+          <a:lstStyle/>
+          <a:p>
+            <a:r>
+              <a:rPr lang="en-US" dirty="0" smtClean="0"/>
+              <a:t>[1]</a:t>
+            </a:r>
             <a:endParaRPr lang="en-US" dirty="0"/>
           </a:p>
         </p:txBody>
@@ -4690,8 +5364,19 @@
           <a:p>
             <a:r>
               <a:rPr lang="en-US" dirty="0" smtClean="0"/>
-              <a:t>Energy Storage Systems</a:t>
-            </a:r>
+              <a:t>Energy Storage </a:t>
+            </a:r>
+            <a:r>
+              <a:rPr lang="en-US" dirty="0" smtClean="0"/>
+              <a:t>Systems</a:t>
+            </a:r>
+          </a:p>
+          <a:p>
+            <a:r>
+              <a:rPr lang="en-US" dirty="0" err="1" smtClean="0"/>
+              <a:t>Deloading</a:t>
+            </a:r>
+            <a:endParaRPr lang="en-US" dirty="0" smtClean="0"/>
           </a:p>
           <a:p>
             <a:endParaRPr lang="en-US" dirty="0" smtClean="0"/>
@@ -4768,19 +5453,18 @@
           <a:p>
             <a:r>
               <a:rPr lang="en-US" dirty="0" smtClean="0"/>
-              <a:t>WTGs</a:t>
-            </a:r>
-          </a:p>
-          <a:p>
-            <a:r>
-              <a:rPr lang="en-US" dirty="0" smtClean="0"/>
-              <a:t>Pros:</a:t>
-            </a:r>
-          </a:p>
-          <a:p>
-            <a:r>
-              <a:rPr lang="en-US" dirty="0" smtClean="0"/>
-              <a:t>Cons:</a:t>
+              <a:t>Pros: Increases overall inertia</a:t>
+            </a:r>
+            <a:endParaRPr lang="en-US" dirty="0" smtClean="0"/>
+          </a:p>
+          <a:p>
+            <a:r>
+              <a:rPr lang="en-US" dirty="0" smtClean="0"/>
+              <a:t>Cons</a:t>
+            </a:r>
+            <a:r>
+              <a:rPr lang="en-US" dirty="0" smtClean="0"/>
+              <a:t>: High cost to update all facilities with the necessary control mechanisms</a:t>
             </a:r>
             <a:endParaRPr lang="en-US" dirty="0"/>
           </a:p>

--- a/Literature Review.pptx
+++ b/Literature Review.pptx
@@ -2,10 +2,10 @@
 <file path=ppt/presentation.xml><?xml version="1.0" encoding="utf-8"?>
 <p:presentation xmlns:a="http://schemas.openxmlformats.org/drawingml/2006/main" xmlns:r="http://schemas.openxmlformats.org/officeDocument/2006/relationships" xmlns:p="http://schemas.openxmlformats.org/presentationml/2006/main" saveSubsetFonts="1" autoCompressPictures="0">
   <p:sldMasterIdLst>
-    <p:sldMasterId id="2147483648" r:id="rId1"/>
+    <p:sldMasterId id="2147483766" r:id="rId1"/>
   </p:sldMasterIdLst>
   <p:notesMasterIdLst>
-    <p:notesMasterId r:id="rId14"/>
+    <p:notesMasterId r:id="rId18"/>
   </p:notesMasterIdLst>
   <p:sldIdLst>
     <p:sldId id="256" r:id="rId2"/>
@@ -13,13 +13,17 @@
     <p:sldId id="258" r:id="rId4"/>
     <p:sldId id="261" r:id="rId5"/>
     <p:sldId id="259" r:id="rId6"/>
-    <p:sldId id="260" r:id="rId7"/>
-    <p:sldId id="262" r:id="rId8"/>
-    <p:sldId id="263" r:id="rId9"/>
-    <p:sldId id="264" r:id="rId10"/>
-    <p:sldId id="265" r:id="rId11"/>
-    <p:sldId id="267" r:id="rId12"/>
-    <p:sldId id="266" r:id="rId13"/>
+    <p:sldId id="269" r:id="rId7"/>
+    <p:sldId id="270" r:id="rId8"/>
+    <p:sldId id="260" r:id="rId9"/>
+    <p:sldId id="271" r:id="rId10"/>
+    <p:sldId id="262" r:id="rId11"/>
+    <p:sldId id="268" r:id="rId12"/>
+    <p:sldId id="263" r:id="rId13"/>
+    <p:sldId id="264" r:id="rId14"/>
+    <p:sldId id="265" r:id="rId15"/>
+    <p:sldId id="267" r:id="rId16"/>
+    <p:sldId id="266" r:id="rId17"/>
   </p:sldIdLst>
   <p:sldSz cx="9144000" cy="6858000" type="screen4x3"/>
   <p:notesSz cx="6858000" cy="9144000"/>
@@ -219,7 +223,7 @@
           <a:p>
             <a:fld id="{112A0E23-1B25-1A4E-BE77-9E66B1F818DF}" type="datetimeFigureOut">
               <a:rPr lang="en-US" smtClean="0"/>
-              <a:t>7/7/17</a:t>
+              <a:t>7/18/17</a:t>
             </a:fld>
             <a:endParaRPr lang="en-US"/>
           </a:p>
@@ -723,22 +727,11 @@
           <a:p>
             <a:r>
               <a:rPr lang="en-US" dirty="0" smtClean="0"/>
-              <a:t>We are going to use the swing equation to</a:t>
+              <a:t>Full network modeling requires</a:t>
             </a:r>
             <a:r>
               <a:rPr lang="en-US" baseline="0" dirty="0" smtClean="0"/>
-              <a:t> model the frequency response because it is more accurate than</a:t>
-            </a:r>
-            <a:r>
-              <a:rPr lang="mr-IN" baseline="0" dirty="0" smtClean="0"/>
-              <a:t>…</a:t>
-            </a:r>
-            <a:endParaRPr lang="is-IS" baseline="0" dirty="0" smtClean="0"/>
-          </a:p>
-          <a:p>
-            <a:r>
-              <a:rPr lang="is-IS" baseline="0" dirty="0" smtClean="0"/>
-              <a:t>We are using the aggregated swing equation to adapt the equation to model a whole network. </a:t>
+              <a:t> information about all components in the network for each parameter used which is unfeasible for larger systems. Because of the great number of inputs, it also takes a lot of time.</a:t>
             </a:r>
             <a:endParaRPr lang="en-US" dirty="0"/>
           </a:p>
@@ -770,7 +763,7 @@
     </p:spTree>
     <p:extLst>
       <p:ext uri="{BB962C8B-B14F-4D97-AF65-F5344CB8AC3E}">
-        <p14:creationId xmlns:p14="http://schemas.microsoft.com/office/powerpoint/2010/main" val="132424320"/>
+        <p14:creationId xmlns:p14="http://schemas.microsoft.com/office/powerpoint/2010/main" val="651235159"/>
       </p:ext>
     </p:extLst>
   </p:cSld>
@@ -826,6 +819,201 @@
           <a:p>
             <a:r>
               <a:rPr lang="en-US" dirty="0" smtClean="0"/>
+              <a:t>Simplified models are less accurate but require much less</a:t>
+            </a:r>
+            <a:r>
+              <a:rPr lang="en-US" baseline="0" dirty="0" smtClean="0"/>
+              <a:t> information which makes it feasible for large network modeling. Also, as THIS paper has shown, the Aggregated Swing eq. is pretty accurate when compared to a simulation.</a:t>
+            </a:r>
+            <a:endParaRPr lang="en-US" dirty="0"/>
+          </a:p>
+        </p:txBody>
+      </p:sp>
+      <p:sp>
+        <p:nvSpPr>
+          <p:cNvPr id="4" name="Slide Number Placeholder 3"/>
+          <p:cNvSpPr>
+            <a:spLocks noGrp="1"/>
+          </p:cNvSpPr>
+          <p:nvPr>
+            <p:ph type="sldNum" sz="quarter" idx="10"/>
+          </p:nvPr>
+        </p:nvSpPr>
+        <p:spPr/>
+        <p:txBody>
+          <a:bodyPr/>
+          <a:lstStyle/>
+          <a:p>
+            <a:fld id="{063B06ED-AAE6-1643-931F-B078EBBEF119}" type="slidenum">
+              <a:rPr lang="en-US" smtClean="0"/>
+              <a:t>7</a:t>
+            </a:fld>
+            <a:endParaRPr lang="en-US"/>
+          </a:p>
+        </p:txBody>
+      </p:sp>
+    </p:spTree>
+    <p:extLst>
+      <p:ext uri="{BB962C8B-B14F-4D97-AF65-F5344CB8AC3E}">
+        <p14:creationId xmlns:p14="http://schemas.microsoft.com/office/powerpoint/2010/main" val="1944213096"/>
+      </p:ext>
+    </p:extLst>
+  </p:cSld>
+  <p:clrMapOvr>
+    <a:masterClrMapping/>
+  </p:clrMapOvr>
+</p:notes>
+</file>
+
+<file path=ppt/notesSlides/notesSlide5.xml><?xml version="1.0" encoding="utf-8"?>
+<p:notes xmlns:a="http://schemas.openxmlformats.org/drawingml/2006/main" xmlns:r="http://schemas.openxmlformats.org/officeDocument/2006/relationships" xmlns:p="http://schemas.openxmlformats.org/presentationml/2006/main">
+  <p:cSld>
+    <p:spTree>
+      <p:nvGrpSpPr>
+        <p:cNvPr id="1" name=""/>
+        <p:cNvGrpSpPr/>
+        <p:nvPr/>
+      </p:nvGrpSpPr>
+      <p:grpSpPr>
+        <a:xfrm>
+          <a:off x="0" y="0"/>
+          <a:ext cx="0" cy="0"/>
+          <a:chOff x="0" y="0"/>
+          <a:chExt cx="0" cy="0"/>
+        </a:xfrm>
+      </p:grpSpPr>
+      <p:sp>
+        <p:nvSpPr>
+          <p:cNvPr id="2" name="Slide Image Placeholder 1"/>
+          <p:cNvSpPr>
+            <a:spLocks noGrp="1" noRot="1" noChangeAspect="1"/>
+          </p:cNvSpPr>
+          <p:nvPr>
+            <p:ph type="sldImg"/>
+          </p:nvPr>
+        </p:nvSpPr>
+        <p:spPr/>
+      </p:sp>
+      <p:sp>
+        <p:nvSpPr>
+          <p:cNvPr id="3" name="Notes Placeholder 2"/>
+          <p:cNvSpPr>
+            <a:spLocks noGrp="1"/>
+          </p:cNvSpPr>
+          <p:nvPr>
+            <p:ph type="body" idx="1"/>
+          </p:nvPr>
+        </p:nvSpPr>
+        <p:spPr/>
+        <p:txBody>
+          <a:bodyPr/>
+          <a:lstStyle/>
+          <a:p>
+            <a:r>
+              <a:rPr lang="en-US" dirty="0" smtClean="0"/>
+              <a:t>We are going to use the swing equation to</a:t>
+            </a:r>
+            <a:r>
+              <a:rPr lang="en-US" baseline="0" dirty="0" smtClean="0"/>
+              <a:t> model the frequency response because it is more accurate than</a:t>
+            </a:r>
+            <a:r>
+              <a:rPr lang="mr-IN" baseline="0" dirty="0" smtClean="0"/>
+              <a:t>…</a:t>
+            </a:r>
+            <a:endParaRPr lang="is-IS" baseline="0" dirty="0" smtClean="0"/>
+          </a:p>
+          <a:p>
+            <a:r>
+              <a:rPr lang="is-IS" baseline="0" dirty="0" smtClean="0"/>
+              <a:t>We are using the aggregated swing equation to adapt the equation to model a whole network. </a:t>
+            </a:r>
+            <a:endParaRPr lang="en-US" dirty="0"/>
+          </a:p>
+        </p:txBody>
+      </p:sp>
+      <p:sp>
+        <p:nvSpPr>
+          <p:cNvPr id="4" name="Slide Number Placeholder 3"/>
+          <p:cNvSpPr>
+            <a:spLocks noGrp="1"/>
+          </p:cNvSpPr>
+          <p:nvPr>
+            <p:ph type="sldNum" sz="quarter" idx="10"/>
+          </p:nvPr>
+        </p:nvSpPr>
+        <p:spPr/>
+        <p:txBody>
+          <a:bodyPr/>
+          <a:lstStyle/>
+          <a:p>
+            <a:fld id="{063B06ED-AAE6-1643-931F-B078EBBEF119}" type="slidenum">
+              <a:rPr lang="en-US" smtClean="0"/>
+              <a:t>8</a:t>
+            </a:fld>
+            <a:endParaRPr lang="en-US"/>
+          </a:p>
+        </p:txBody>
+      </p:sp>
+    </p:spTree>
+    <p:extLst>
+      <p:ext uri="{BB962C8B-B14F-4D97-AF65-F5344CB8AC3E}">
+        <p14:creationId xmlns:p14="http://schemas.microsoft.com/office/powerpoint/2010/main" val="132424320"/>
+      </p:ext>
+    </p:extLst>
+  </p:cSld>
+  <p:clrMapOvr>
+    <a:masterClrMapping/>
+  </p:clrMapOvr>
+</p:notes>
+</file>
+
+<file path=ppt/notesSlides/notesSlide6.xml><?xml version="1.0" encoding="utf-8"?>
+<p:notes xmlns:a="http://schemas.openxmlformats.org/drawingml/2006/main" xmlns:r="http://schemas.openxmlformats.org/officeDocument/2006/relationships" xmlns:p="http://schemas.openxmlformats.org/presentationml/2006/main">
+  <p:cSld>
+    <p:spTree>
+      <p:nvGrpSpPr>
+        <p:cNvPr id="1" name=""/>
+        <p:cNvGrpSpPr/>
+        <p:nvPr/>
+      </p:nvGrpSpPr>
+      <p:grpSpPr>
+        <a:xfrm>
+          <a:off x="0" y="0"/>
+          <a:ext cx="0" cy="0"/>
+          <a:chOff x="0" y="0"/>
+          <a:chExt cx="0" cy="0"/>
+        </a:xfrm>
+      </p:grpSpPr>
+      <p:sp>
+        <p:nvSpPr>
+          <p:cNvPr id="2" name="Slide Image Placeholder 1"/>
+          <p:cNvSpPr>
+            <a:spLocks noGrp="1" noRot="1" noChangeAspect="1"/>
+          </p:cNvSpPr>
+          <p:nvPr>
+            <p:ph type="sldImg"/>
+          </p:nvPr>
+        </p:nvSpPr>
+        <p:spPr/>
+      </p:sp>
+      <p:sp>
+        <p:nvSpPr>
+          <p:cNvPr id="3" name="Notes Placeholder 2"/>
+          <p:cNvSpPr>
+            <a:spLocks noGrp="1"/>
+          </p:cNvSpPr>
+          <p:nvPr>
+            <p:ph type="body" idx="1"/>
+          </p:nvPr>
+        </p:nvSpPr>
+        <p:spPr/>
+        <p:txBody>
+          <a:bodyPr/>
+          <a:lstStyle/>
+          <a:p>
+            <a:r>
+              <a:rPr lang="en-US" dirty="0" smtClean="0"/>
               <a:t>Variable</a:t>
             </a:r>
             <a:r>
@@ -853,7 +1041,7 @@
           <a:p>
             <a:fld id="{063B06ED-AAE6-1643-931F-B078EBBEF119}" type="slidenum">
               <a:rPr lang="en-US" smtClean="0"/>
-              <a:t>7</a:t>
+              <a:t>10</a:t>
             </a:fld>
             <a:endParaRPr lang="en-US"/>
           </a:p>
@@ -873,8 +1061,18 @@
 </file>
 
 <file path=ppt/slideLayouts/slideLayout1.xml><?xml version="1.0" encoding="utf-8"?>
-<p:sldLayout xmlns:a="http://schemas.openxmlformats.org/drawingml/2006/main" xmlns:r="http://schemas.openxmlformats.org/officeDocument/2006/relationships" xmlns:p="http://schemas.openxmlformats.org/presentationml/2006/main" type="title" preserve="1">
+<p:sldLayout xmlns:a="http://schemas.openxmlformats.org/drawingml/2006/main" xmlns:r="http://schemas.openxmlformats.org/officeDocument/2006/relationships" xmlns:p="http://schemas.openxmlformats.org/presentationml/2006/main" showMasterSp="0" type="title" preserve="1">
   <p:cSld name="Title Slide">
+    <p:bg>
+      <p:bgPr>
+        <a:solidFill>
+          <a:schemeClr val="bg2">
+            <a:lumMod val="75000"/>
+          </a:schemeClr>
+        </a:solidFill>
+        <a:effectLst/>
+      </p:bgPr>
+    </p:bg>
     <p:spTree>
       <p:nvGrpSpPr>
         <p:cNvPr id="1" name=""/>
@@ -901,19 +1099,32 @@
         </p:nvSpPr>
         <p:spPr>
           <a:xfrm>
-            <a:off x="685800" y="2130425"/>
-            <a:ext cx="7772400" cy="1470025"/>
+            <a:off x="946404" y="758952"/>
+            <a:ext cx="7063740" cy="4041648"/>
           </a:xfrm>
         </p:spPr>
         <p:txBody>
-          <a:bodyPr/>
-          <a:lstStyle/>
+          <a:bodyPr anchor="b">
+            <a:normAutofit/>
+          </a:bodyPr>
+          <a:lstStyle>
+            <a:lvl1pPr algn="l">
+              <a:lnSpc>
+                <a:spcPct val="85000"/>
+              </a:lnSpc>
+              <a:defRPr sz="6600" baseline="0">
+                <a:solidFill>
+                  <a:schemeClr val="tx1"/>
+                </a:solidFill>
+              </a:defRPr>
+            </a:lvl1pPr>
+          </a:lstStyle>
           <a:p>
             <a:r>
               <a:rPr lang="en-US" smtClean="0"/>
               <a:t>Click to edit Master title style</a:t>
             </a:r>
-            <a:endParaRPr lang="en-US"/>
+            <a:endParaRPr lang="en-US" dirty="0"/>
           </a:p>
         </p:txBody>
       </p:sp>
@@ -929,169 +1140,194 @@
         </p:nvSpPr>
         <p:spPr>
           <a:xfrm>
-            <a:off x="1371600" y="3886200"/>
-            <a:ext cx="6400800" cy="1752600"/>
+            <a:off x="946404" y="4800600"/>
+            <a:ext cx="7063740" cy="1691640"/>
           </a:xfrm>
         </p:spPr>
         <p:txBody>
-          <a:bodyPr/>
+          <a:bodyPr>
+            <a:normAutofit/>
+          </a:bodyPr>
           <a:lstStyle>
-            <a:lvl1pPr marL="0" indent="0" algn="ctr">
+            <a:lvl1pPr marL="0" indent="0" algn="l">
               <a:buNone/>
-              <a:defRPr>
+              <a:defRPr sz="2000" baseline="0">
                 <a:solidFill>
                   <a:schemeClr val="tx1">
-                    <a:tint val="75000"/>
+                    <a:lumMod val="85000"/>
                   </a:schemeClr>
                 </a:solidFill>
               </a:defRPr>
             </a:lvl1pPr>
             <a:lvl2pPr marL="457200" indent="0" algn="ctr">
               <a:buNone/>
+              <a:defRPr sz="2000"/>
+            </a:lvl2pPr>
+            <a:lvl3pPr marL="914400" indent="0" algn="ctr">
+              <a:buNone/>
+              <a:defRPr sz="2000"/>
+            </a:lvl3pPr>
+            <a:lvl4pPr marL="1371600" indent="0" algn="ctr">
+              <a:buNone/>
+              <a:defRPr sz="2000"/>
+            </a:lvl4pPr>
+            <a:lvl5pPr marL="1828800" indent="0" algn="ctr">
+              <a:buNone/>
+              <a:defRPr sz="2000"/>
+            </a:lvl5pPr>
+            <a:lvl6pPr marL="2286000" indent="0" algn="ctr">
+              <a:buNone/>
+              <a:defRPr sz="2000"/>
+            </a:lvl6pPr>
+            <a:lvl7pPr marL="2743200" indent="0" algn="ctr">
+              <a:buNone/>
+              <a:defRPr sz="2000"/>
+            </a:lvl7pPr>
+            <a:lvl8pPr marL="3200400" indent="0" algn="ctr">
+              <a:buNone/>
+              <a:defRPr sz="2000"/>
+            </a:lvl8pPr>
+            <a:lvl9pPr marL="3657600" indent="0" algn="ctr">
+              <a:buNone/>
+              <a:defRPr sz="2000"/>
+            </a:lvl9pPr>
+          </a:lstStyle>
+          <a:p>
+            <a:r>
+              <a:rPr lang="en-US" smtClean="0"/>
+              <a:t>Click to edit Master subtitle style</a:t>
+            </a:r>
+            <a:endParaRPr lang="en-US" dirty="0"/>
+          </a:p>
+        </p:txBody>
+      </p:sp>
+      <p:sp>
+        <p:nvSpPr>
+          <p:cNvPr id="7" name="Rectangle 6"/>
+          <p:cNvSpPr/>
+          <p:nvPr/>
+        </p:nvSpPr>
+        <p:spPr>
+          <a:xfrm>
+            <a:off x="0" y="0"/>
+            <a:ext cx="342900" cy="6858000"/>
+          </a:xfrm>
+          <a:prstGeom prst="rect">
+            <a:avLst/>
+          </a:prstGeom>
+          <a:solidFill>
+            <a:schemeClr val="accent1"/>
+          </a:solidFill>
+          <a:ln>
+            <a:noFill/>
+          </a:ln>
+        </p:spPr>
+        <p:style>
+          <a:lnRef idx="2">
+            <a:schemeClr val="accent1">
+              <a:shade val="50000"/>
+            </a:schemeClr>
+          </a:lnRef>
+          <a:fillRef idx="1">
+            <a:schemeClr val="accent1"/>
+          </a:fillRef>
+          <a:effectRef idx="0">
+            <a:schemeClr val="accent1"/>
+          </a:effectRef>
+          <a:fontRef idx="minor">
+            <a:schemeClr val="lt1"/>
+          </a:fontRef>
+        </p:style>
+      </p:sp>
+      <p:sp>
+        <p:nvSpPr>
+          <p:cNvPr id="8" name="Date Placeholder 7"/>
+          <p:cNvSpPr>
+            <a:spLocks noGrp="1"/>
+          </p:cNvSpPr>
+          <p:nvPr>
+            <p:ph type="dt" sz="half" idx="10"/>
+          </p:nvPr>
+        </p:nvSpPr>
+        <p:spPr/>
+        <p:txBody>
+          <a:bodyPr/>
+          <a:lstStyle>
+            <a:lvl1pPr>
               <a:defRPr>
                 <a:solidFill>
-                  <a:schemeClr val="tx1">
-                    <a:tint val="75000"/>
+                  <a:schemeClr val="bg2">
+                    <a:lumMod val="20000"/>
+                    <a:lumOff val="80000"/>
                   </a:schemeClr>
                 </a:solidFill>
               </a:defRPr>
-            </a:lvl2pPr>
-            <a:lvl3pPr marL="914400" indent="0" algn="ctr">
-              <a:buNone/>
+            </a:lvl1pPr>
+          </a:lstStyle>
+          <a:p>
+            <a:fld id="{16D63410-F318-9644-9110-6B614613545F}" type="datetimeFigureOut">
+              <a:rPr lang="en-US" smtClean="0"/>
+              <a:t>7/18/17</a:t>
+            </a:fld>
+            <a:endParaRPr lang="en-US"/>
+          </a:p>
+        </p:txBody>
+      </p:sp>
+      <p:sp>
+        <p:nvSpPr>
+          <p:cNvPr id="9" name="Footer Placeholder 8"/>
+          <p:cNvSpPr>
+            <a:spLocks noGrp="1"/>
+          </p:cNvSpPr>
+          <p:nvPr>
+            <p:ph type="ftr" sz="quarter" idx="11"/>
+          </p:nvPr>
+        </p:nvSpPr>
+        <p:spPr/>
+        <p:txBody>
+          <a:bodyPr/>
+          <a:lstStyle>
+            <a:lvl1pPr>
               <a:defRPr>
                 <a:solidFill>
-                  <a:schemeClr val="tx1">
-                    <a:tint val="75000"/>
+                  <a:schemeClr val="bg2">
+                    <a:lumMod val="20000"/>
+                    <a:lumOff val="80000"/>
                   </a:schemeClr>
                 </a:solidFill>
               </a:defRPr>
-            </a:lvl3pPr>
-            <a:lvl4pPr marL="1371600" indent="0" algn="ctr">
-              <a:buNone/>
+            </a:lvl1pPr>
+          </a:lstStyle>
+          <a:p>
+            <a:endParaRPr lang="en-US"/>
+          </a:p>
+        </p:txBody>
+      </p:sp>
+      <p:sp>
+        <p:nvSpPr>
+          <p:cNvPr id="10" name="Slide Number Placeholder 9"/>
+          <p:cNvSpPr>
+            <a:spLocks noGrp="1"/>
+          </p:cNvSpPr>
+          <p:nvPr>
+            <p:ph type="sldNum" sz="quarter" idx="12"/>
+          </p:nvPr>
+        </p:nvSpPr>
+        <p:spPr/>
+        <p:txBody>
+          <a:bodyPr/>
+          <a:lstStyle>
+            <a:lvl1pPr>
               <a:defRPr>
                 <a:solidFill>
-                  <a:schemeClr val="tx1">
-                    <a:tint val="75000"/>
+                  <a:schemeClr val="bg2">
+                    <a:lumMod val="60000"/>
+                    <a:lumOff val="40000"/>
                   </a:schemeClr>
                 </a:solidFill>
               </a:defRPr>
-            </a:lvl4pPr>
-            <a:lvl5pPr marL="1828800" indent="0" algn="ctr">
-              <a:buNone/>
-              <a:defRPr>
-                <a:solidFill>
-                  <a:schemeClr val="tx1">
-                    <a:tint val="75000"/>
-                  </a:schemeClr>
-                </a:solidFill>
-              </a:defRPr>
-            </a:lvl5pPr>
-            <a:lvl6pPr marL="2286000" indent="0" algn="ctr">
-              <a:buNone/>
-              <a:defRPr>
-                <a:solidFill>
-                  <a:schemeClr val="tx1">
-                    <a:tint val="75000"/>
-                  </a:schemeClr>
-                </a:solidFill>
-              </a:defRPr>
-            </a:lvl6pPr>
-            <a:lvl7pPr marL="2743200" indent="0" algn="ctr">
-              <a:buNone/>
-              <a:defRPr>
-                <a:solidFill>
-                  <a:schemeClr val="tx1">
-                    <a:tint val="75000"/>
-                  </a:schemeClr>
-                </a:solidFill>
-              </a:defRPr>
-            </a:lvl7pPr>
-            <a:lvl8pPr marL="3200400" indent="0" algn="ctr">
-              <a:buNone/>
-              <a:defRPr>
-                <a:solidFill>
-                  <a:schemeClr val="tx1">
-                    <a:tint val="75000"/>
-                  </a:schemeClr>
-                </a:solidFill>
-              </a:defRPr>
-            </a:lvl8pPr>
-            <a:lvl9pPr marL="3657600" indent="0" algn="ctr">
-              <a:buNone/>
-              <a:defRPr>
-                <a:solidFill>
-                  <a:schemeClr val="tx1">
-                    <a:tint val="75000"/>
-                  </a:schemeClr>
-                </a:solidFill>
-              </a:defRPr>
-            </a:lvl9pPr>
+            </a:lvl1pPr>
           </a:lstStyle>
-          <a:p>
-            <a:r>
-              <a:rPr lang="en-US" smtClean="0"/>
-              <a:t>Click to edit Master subtitle style</a:t>
-            </a:r>
-            <a:endParaRPr lang="en-US"/>
-          </a:p>
-        </p:txBody>
-      </p:sp>
-      <p:sp>
-        <p:nvSpPr>
-          <p:cNvPr id="4" name="Date Placeholder 3"/>
-          <p:cNvSpPr>
-            <a:spLocks noGrp="1"/>
-          </p:cNvSpPr>
-          <p:nvPr>
-            <p:ph type="dt" sz="half" idx="10"/>
-          </p:nvPr>
-        </p:nvSpPr>
-        <p:spPr/>
-        <p:txBody>
-          <a:bodyPr/>
-          <a:lstStyle/>
-          <a:p>
-            <a:fld id="{16D63410-F318-9644-9110-6B614613545F}" type="datetimeFigureOut">
-              <a:rPr lang="en-US" smtClean="0"/>
-              <a:t>7/7/17</a:t>
-            </a:fld>
-            <a:endParaRPr lang="en-US"/>
-          </a:p>
-        </p:txBody>
-      </p:sp>
-      <p:sp>
-        <p:nvSpPr>
-          <p:cNvPr id="5" name="Footer Placeholder 4"/>
-          <p:cNvSpPr>
-            <a:spLocks noGrp="1"/>
-          </p:cNvSpPr>
-          <p:nvPr>
-            <p:ph type="ftr" sz="quarter" idx="11"/>
-          </p:nvPr>
-        </p:nvSpPr>
-        <p:spPr/>
-        <p:txBody>
-          <a:bodyPr/>
-          <a:lstStyle/>
-          <a:p>
-            <a:endParaRPr lang="en-US"/>
-          </a:p>
-        </p:txBody>
-      </p:sp>
-      <p:sp>
-        <p:nvSpPr>
-          <p:cNvPr id="6" name="Slide Number Placeholder 5"/>
-          <p:cNvSpPr>
-            <a:spLocks noGrp="1"/>
-          </p:cNvSpPr>
-          <p:nvPr>
-            <p:ph type="sldNum" sz="quarter" idx="12"/>
-          </p:nvPr>
-        </p:nvSpPr>
-        <p:spPr/>
-        <p:txBody>
-          <a:bodyPr/>
-          <a:lstStyle/>
           <a:p>
             <a:fld id="{D9B2932B-FC26-324E-BFB3-EF3B29A304B4}" type="slidenum">
               <a:rPr lang="en-US" smtClean="0"/>
@@ -1104,12 +1340,12 @@
     </p:spTree>
     <p:extLst>
       <p:ext uri="{BB962C8B-B14F-4D97-AF65-F5344CB8AC3E}">
-        <p14:creationId xmlns:p14="http://schemas.microsoft.com/office/powerpoint/2010/main" val="3264119463"/>
+        <p14:creationId xmlns:p14="http://schemas.microsoft.com/office/powerpoint/2010/main" val="726365108"/>
       </p:ext>
     </p:extLst>
   </p:cSld>
   <p:clrMapOvr>
-    <a:masterClrMapping/>
+    <a:overrideClrMapping bg1="dk1" tx1="lt1" bg2="dk2" tx2="lt2" accent1="accent1" accent2="accent2" accent3="accent3" accent4="accent4" accent5="accent5" accent6="accent6" hlink="hlink" folHlink="folHlink"/>
   </p:clrMapOvr>
 </p:sldLayout>
 </file>
@@ -1150,7 +1386,7 @@
               <a:rPr lang="en-US" smtClean="0"/>
               <a:t>Click to edit Master title style</a:t>
             </a:r>
-            <a:endParaRPr lang="en-US"/>
+            <a:endParaRPr lang="en-US" dirty="0"/>
           </a:p>
         </p:txBody>
       </p:sp>
@@ -1202,7 +1438,7 @@
               <a:rPr lang="en-US" smtClean="0"/>
               <a:t>Fifth level</a:t>
             </a:r>
-            <a:endParaRPr lang="en-US"/>
+            <a:endParaRPr lang="en-US" dirty="0"/>
           </a:p>
         </p:txBody>
       </p:sp>
@@ -1223,7 +1459,7 @@
           <a:p>
             <a:fld id="{16D63410-F318-9644-9110-6B614613545F}" type="datetimeFigureOut">
               <a:rPr lang="en-US" smtClean="0"/>
-              <a:t>7/7/17</a:t>
+              <a:t>7/18/17</a:t>
             </a:fld>
             <a:endParaRPr lang="en-US"/>
           </a:p>
@@ -1274,7 +1510,7 @@
     </p:spTree>
     <p:extLst>
       <p:ext uri="{BB962C8B-B14F-4D97-AF65-F5344CB8AC3E}">
-        <p14:creationId xmlns:p14="http://schemas.microsoft.com/office/powerpoint/2010/main" val="977746725"/>
+        <p14:creationId xmlns:p14="http://schemas.microsoft.com/office/powerpoint/2010/main" val="406996755"/>
       </p:ext>
     </p:extLst>
   </p:cSld>
@@ -1313,8 +1549,8 @@
         </p:nvSpPr>
         <p:spPr>
           <a:xfrm>
-            <a:off x="6629400" y="274638"/>
-            <a:ext cx="2057400" cy="5851525"/>
+            <a:off x="6486525" y="381000"/>
+            <a:ext cx="1857375" cy="5897562"/>
           </a:xfrm>
         </p:spPr>
         <p:txBody>
@@ -1325,7 +1561,7 @@
               <a:rPr lang="en-US" smtClean="0"/>
               <a:t>Click to edit Master title style</a:t>
             </a:r>
-            <a:endParaRPr lang="en-US"/>
+            <a:endParaRPr lang="en-US" dirty="0"/>
           </a:p>
         </p:txBody>
       </p:sp>
@@ -1341,8 +1577,8 @@
         </p:nvSpPr>
         <p:spPr>
           <a:xfrm>
-            <a:off x="457200" y="274638"/>
-            <a:ext cx="6019800" cy="5851525"/>
+            <a:off x="571500" y="381000"/>
+            <a:ext cx="5800725" cy="5897562"/>
           </a:xfrm>
         </p:spPr>
         <p:txBody>
@@ -1382,7 +1618,7 @@
               <a:rPr lang="en-US" smtClean="0"/>
               <a:t>Fifth level</a:t>
             </a:r>
-            <a:endParaRPr lang="en-US"/>
+            <a:endParaRPr lang="en-US" dirty="0"/>
           </a:p>
         </p:txBody>
       </p:sp>
@@ -1403,7 +1639,7 @@
           <a:p>
             <a:fld id="{16D63410-F318-9644-9110-6B614613545F}" type="datetimeFigureOut">
               <a:rPr lang="en-US" smtClean="0"/>
-              <a:t>7/7/17</a:t>
+              <a:t>7/18/17</a:t>
             </a:fld>
             <a:endParaRPr lang="en-US"/>
           </a:p>
@@ -1454,7 +1690,7 @@
     </p:spTree>
     <p:extLst>
       <p:ext uri="{BB962C8B-B14F-4D97-AF65-F5344CB8AC3E}">
-        <p14:creationId xmlns:p14="http://schemas.microsoft.com/office/powerpoint/2010/main" val="2797915147"/>
+        <p14:creationId xmlns:p14="http://schemas.microsoft.com/office/powerpoint/2010/main" val="659045590"/>
       </p:ext>
     </p:extLst>
   </p:cSld>
@@ -1500,7 +1736,7 @@
               <a:rPr lang="en-US" smtClean="0"/>
               <a:t>Click to edit Master title style</a:t>
             </a:r>
-            <a:endParaRPr lang="en-US"/>
+            <a:endParaRPr lang="en-US" dirty="0"/>
           </a:p>
         </p:txBody>
       </p:sp>
@@ -1552,7 +1788,7 @@
               <a:rPr lang="en-US" smtClean="0"/>
               <a:t>Fifth level</a:t>
             </a:r>
-            <a:endParaRPr lang="en-US"/>
+            <a:endParaRPr lang="en-US" dirty="0"/>
           </a:p>
         </p:txBody>
       </p:sp>
@@ -1573,7 +1809,7 @@
           <a:p>
             <a:fld id="{16D63410-F318-9644-9110-6B614613545F}" type="datetimeFigureOut">
               <a:rPr lang="en-US" smtClean="0"/>
-              <a:t>7/7/17</a:t>
+              <a:t>7/18/17</a:t>
             </a:fld>
             <a:endParaRPr lang="en-US"/>
           </a:p>
@@ -1624,7 +1860,7 @@
     </p:spTree>
     <p:extLst>
       <p:ext uri="{BB962C8B-B14F-4D97-AF65-F5344CB8AC3E}">
-        <p14:creationId xmlns:p14="http://schemas.microsoft.com/office/powerpoint/2010/main" val="4093916385"/>
+        <p14:creationId xmlns:p14="http://schemas.microsoft.com/office/powerpoint/2010/main" val="1721320608"/>
       </p:ext>
     </p:extLst>
   </p:cSld>
@@ -1663,15 +1899,20 @@
         </p:nvSpPr>
         <p:spPr>
           <a:xfrm>
-            <a:off x="722313" y="4406900"/>
-            <a:ext cx="7772400" cy="1362075"/>
+            <a:off x="946404" y="758952"/>
+            <a:ext cx="7063740" cy="4041648"/>
           </a:xfrm>
         </p:spPr>
         <p:txBody>
-          <a:bodyPr anchor="t"/>
+          <a:bodyPr anchor="b">
+            <a:normAutofit/>
+          </a:bodyPr>
           <a:lstStyle>
-            <a:lvl1pPr algn="l">
-              <a:defRPr sz="4000" b="1" cap="all"/>
+            <a:lvl1pPr>
+              <a:lnSpc>
+                <a:spcPct val="85000"/>
+              </a:lnSpc>
+              <a:defRPr sz="6600" b="0"/>
             </a:lvl1pPr>
           </a:lstStyle>
           <a:p>
@@ -1679,7 +1920,7 @@
               <a:rPr lang="en-US" smtClean="0"/>
               <a:t>Click to edit Master title style</a:t>
             </a:r>
-            <a:endParaRPr lang="en-US"/>
+            <a:endParaRPr lang="en-US" dirty="0"/>
           </a:p>
         </p:txBody>
       </p:sp>
@@ -1695,19 +1936,22 @@
         </p:nvSpPr>
         <p:spPr>
           <a:xfrm>
-            <a:off x="722313" y="2906713"/>
-            <a:ext cx="7772400" cy="1500187"/>
+            <a:off x="946404" y="4800600"/>
+            <a:ext cx="7063740" cy="1691640"/>
           </a:xfrm>
         </p:spPr>
         <p:txBody>
-          <a:bodyPr anchor="b"/>
+          <a:bodyPr anchor="t">
+            <a:normAutofit/>
+          </a:bodyPr>
           <a:lstStyle>
             <a:lvl1pPr marL="0" indent="0">
               <a:buNone/>
               <a:defRPr sz="2000">
                 <a:solidFill>
                   <a:schemeClr val="tx1">
-                    <a:tint val="75000"/>
+                    <a:lumMod val="75000"/>
+                    <a:lumOff val="25000"/>
                   </a:schemeClr>
                 </a:solidFill>
               </a:defRPr>
@@ -1819,7 +2063,7 @@
           <a:p>
             <a:fld id="{16D63410-F318-9644-9110-6B614613545F}" type="datetimeFigureOut">
               <a:rPr lang="en-US" smtClean="0"/>
-              <a:t>7/7/17</a:t>
+              <a:t>7/18/17</a:t>
             </a:fld>
             <a:endParaRPr lang="en-US"/>
           </a:p>
@@ -1867,10 +2111,48 @@
           </a:p>
         </p:txBody>
       </p:sp>
+      <p:sp>
+        <p:nvSpPr>
+          <p:cNvPr id="7" name="Rectangle 6"/>
+          <p:cNvSpPr/>
+          <p:nvPr/>
+        </p:nvSpPr>
+        <p:spPr>
+          <a:xfrm>
+            <a:off x="0" y="0"/>
+            <a:ext cx="342900" cy="6858000"/>
+          </a:xfrm>
+          <a:prstGeom prst="rect">
+            <a:avLst/>
+          </a:prstGeom>
+          <a:solidFill>
+            <a:schemeClr val="accent1"/>
+          </a:solidFill>
+          <a:ln>
+            <a:noFill/>
+          </a:ln>
+        </p:spPr>
+        <p:style>
+          <a:lnRef idx="2">
+            <a:schemeClr val="accent1">
+              <a:shade val="50000"/>
+            </a:schemeClr>
+          </a:lnRef>
+          <a:fillRef idx="1">
+            <a:schemeClr val="accent1"/>
+          </a:fillRef>
+          <a:effectRef idx="0">
+            <a:schemeClr val="accent1"/>
+          </a:effectRef>
+          <a:fontRef idx="minor">
+            <a:schemeClr val="lt1"/>
+          </a:fontRef>
+        </p:style>
+      </p:sp>
     </p:spTree>
     <p:extLst>
       <p:ext uri="{BB962C8B-B14F-4D97-AF65-F5344CB8AC3E}">
-        <p14:creationId xmlns:p14="http://schemas.microsoft.com/office/powerpoint/2010/main" val="3256289870"/>
+        <p14:creationId xmlns:p14="http://schemas.microsoft.com/office/powerpoint/2010/main" val="1483249919"/>
       </p:ext>
     </p:extLst>
   </p:cSld>
@@ -1916,7 +2198,7 @@
               <a:rPr lang="en-US" smtClean="0"/>
               <a:t>Click to edit Master title style</a:t>
             </a:r>
-            <a:endParaRPr lang="en-US"/>
+            <a:endParaRPr lang="en-US" dirty="0"/>
           </a:p>
         </p:txBody>
       </p:sp>
@@ -1932,39 +2214,39 @@
         </p:nvSpPr>
         <p:spPr>
           <a:xfrm>
-            <a:off x="457200" y="1600200"/>
-            <a:ext cx="4038600" cy="4525963"/>
+            <a:off x="946404" y="1828801"/>
+            <a:ext cx="3360420" cy="4351337"/>
           </a:xfrm>
         </p:spPr>
         <p:txBody>
           <a:bodyPr/>
           <a:lstStyle>
             <a:lvl1pPr>
-              <a:defRPr sz="2800"/>
+              <a:defRPr sz="1800"/>
             </a:lvl1pPr>
             <a:lvl2pPr>
-              <a:defRPr sz="2400"/>
+              <a:defRPr sz="1600"/>
             </a:lvl2pPr>
             <a:lvl3pPr>
-              <a:defRPr sz="2000"/>
+              <a:defRPr sz="1400"/>
             </a:lvl3pPr>
             <a:lvl4pPr>
-              <a:defRPr sz="1800"/>
+              <a:defRPr sz="1400"/>
             </a:lvl4pPr>
             <a:lvl5pPr>
-              <a:defRPr sz="1800"/>
+              <a:defRPr sz="1400"/>
             </a:lvl5pPr>
             <a:lvl6pPr>
-              <a:defRPr sz="1800"/>
+              <a:defRPr sz="1400"/>
             </a:lvl6pPr>
             <a:lvl7pPr>
-              <a:defRPr sz="1800"/>
+              <a:defRPr sz="1400"/>
             </a:lvl7pPr>
             <a:lvl8pPr>
-              <a:defRPr sz="1800"/>
+              <a:defRPr sz="1400"/>
             </a:lvl8pPr>
             <a:lvl9pPr>
-              <a:defRPr sz="1800"/>
+              <a:defRPr sz="1400"/>
             </a:lvl9pPr>
           </a:lstStyle>
           <a:p>
@@ -2001,7 +2283,7 @@
               <a:rPr lang="en-US" smtClean="0"/>
               <a:t>Fifth level</a:t>
             </a:r>
-            <a:endParaRPr lang="en-US"/>
+            <a:endParaRPr lang="en-US" dirty="0"/>
           </a:p>
         </p:txBody>
       </p:sp>
@@ -2017,39 +2299,39 @@
         </p:nvSpPr>
         <p:spPr>
           <a:xfrm>
-            <a:off x="4648200" y="1600200"/>
-            <a:ext cx="4038600" cy="4525963"/>
+            <a:off x="4594860" y="1828801"/>
+            <a:ext cx="3360420" cy="4351337"/>
           </a:xfrm>
         </p:spPr>
         <p:txBody>
           <a:bodyPr/>
           <a:lstStyle>
             <a:lvl1pPr>
-              <a:defRPr sz="2800"/>
+              <a:defRPr sz="1800"/>
             </a:lvl1pPr>
             <a:lvl2pPr>
-              <a:defRPr sz="2400"/>
+              <a:defRPr sz="1600"/>
             </a:lvl2pPr>
             <a:lvl3pPr>
-              <a:defRPr sz="2000"/>
+              <a:defRPr sz="1400"/>
             </a:lvl3pPr>
             <a:lvl4pPr>
-              <a:defRPr sz="1800"/>
+              <a:defRPr sz="1400"/>
             </a:lvl4pPr>
             <a:lvl5pPr>
-              <a:defRPr sz="1800"/>
+              <a:defRPr sz="1400"/>
             </a:lvl5pPr>
             <a:lvl6pPr>
-              <a:defRPr sz="1800"/>
+              <a:defRPr sz="1400"/>
             </a:lvl6pPr>
             <a:lvl7pPr>
-              <a:defRPr sz="1800"/>
+              <a:defRPr sz="1400"/>
             </a:lvl7pPr>
             <a:lvl8pPr>
-              <a:defRPr sz="1800"/>
+              <a:defRPr sz="1400"/>
             </a:lvl8pPr>
             <a:lvl9pPr>
-              <a:defRPr sz="1800"/>
+              <a:defRPr sz="1400"/>
             </a:lvl9pPr>
           </a:lstStyle>
           <a:p>
@@ -2086,7 +2368,7 @@
               <a:rPr lang="en-US" smtClean="0"/>
               <a:t>Fifth level</a:t>
             </a:r>
-            <a:endParaRPr lang="en-US"/>
+            <a:endParaRPr lang="en-US" dirty="0"/>
           </a:p>
         </p:txBody>
       </p:sp>
@@ -2107,7 +2389,7 @@
           <a:p>
             <a:fld id="{16D63410-F318-9644-9110-6B614613545F}" type="datetimeFigureOut">
               <a:rPr lang="en-US" smtClean="0"/>
-              <a:t>7/7/17</a:t>
+              <a:t>7/18/17</a:t>
             </a:fld>
             <a:endParaRPr lang="en-US"/>
           </a:p>
@@ -2158,7 +2440,7 @@
     </p:spTree>
     <p:extLst>
       <p:ext uri="{BB962C8B-B14F-4D97-AF65-F5344CB8AC3E}">
-        <p14:creationId xmlns:p14="http://schemas.microsoft.com/office/powerpoint/2010/main" val="3162475512"/>
+        <p14:creationId xmlns:p14="http://schemas.microsoft.com/office/powerpoint/2010/main" val="991214257"/>
       </p:ext>
     </p:extLst>
   </p:cSld>
@@ -2187,7 +2469,7 @@
       </p:grpSpPr>
       <p:sp>
         <p:nvSpPr>
-          <p:cNvPr id="2" name="Title 1"/>
+          <p:cNvPr id="10" name="Title 9"/>
           <p:cNvSpPr>
             <a:spLocks noGrp="1"/>
           </p:cNvSpPr>
@@ -2198,17 +2480,13 @@
         <p:spPr/>
         <p:txBody>
           <a:bodyPr/>
-          <a:lstStyle>
-            <a:lvl1pPr>
-              <a:defRPr/>
-            </a:lvl1pPr>
-          </a:lstStyle>
+          <a:lstStyle/>
           <a:p>
             <a:r>
               <a:rPr lang="en-US" smtClean="0"/>
               <a:t>Click to edit Master title style</a:t>
             </a:r>
-            <a:endParaRPr lang="en-US"/>
+            <a:endParaRPr lang="en-US" dirty="0"/>
           </a:p>
         </p:txBody>
       </p:sp>
@@ -2224,20 +2502,29 @@
         </p:nvSpPr>
         <p:spPr>
           <a:xfrm>
-            <a:off x="457200" y="1535113"/>
-            <a:ext cx="4040188" cy="639762"/>
+            <a:off x="946404" y="1717185"/>
+            <a:ext cx="3360420" cy="731520"/>
           </a:xfrm>
         </p:spPr>
         <p:txBody>
-          <a:bodyPr anchor="b"/>
+          <a:bodyPr anchor="b">
+            <a:normAutofit/>
+          </a:bodyPr>
           <a:lstStyle>
             <a:lvl1pPr marL="0" indent="0">
+              <a:spcBef>
+                <a:spcPts val="0"/>
+              </a:spcBef>
               <a:buNone/>
-              <a:defRPr sz="2400" b="1"/>
+              <a:defRPr sz="1800" b="0">
+                <a:solidFill>
+                  <a:schemeClr val="tx2"/>
+                </a:solidFill>
+              </a:defRPr>
             </a:lvl1pPr>
             <a:lvl2pPr marL="457200" indent="0">
               <a:buNone/>
-              <a:defRPr sz="2000" b="1"/>
+              <a:defRPr sz="1800" b="1"/>
             </a:lvl2pPr>
             <a:lvl3pPr marL="914400" indent="0">
               <a:buNone/>
@@ -2289,39 +2576,39 @@
         </p:nvSpPr>
         <p:spPr>
           <a:xfrm>
-            <a:off x="457200" y="2174875"/>
-            <a:ext cx="4040188" cy="3951288"/>
+            <a:off x="946404" y="2507550"/>
+            <a:ext cx="3360420" cy="3664650"/>
           </a:xfrm>
         </p:spPr>
         <p:txBody>
           <a:bodyPr/>
           <a:lstStyle>
             <a:lvl1pPr>
-              <a:defRPr sz="2400"/>
+              <a:defRPr sz="1800"/>
             </a:lvl1pPr>
             <a:lvl2pPr>
-              <a:defRPr sz="2000"/>
+              <a:defRPr sz="1600"/>
             </a:lvl2pPr>
             <a:lvl3pPr>
-              <a:defRPr sz="1800"/>
+              <a:defRPr sz="1400"/>
             </a:lvl3pPr>
             <a:lvl4pPr>
-              <a:defRPr sz="1600"/>
+              <a:defRPr sz="1400"/>
             </a:lvl4pPr>
             <a:lvl5pPr>
-              <a:defRPr sz="1600"/>
+              <a:defRPr sz="1400"/>
             </a:lvl5pPr>
             <a:lvl6pPr>
-              <a:defRPr sz="1600"/>
+              <a:defRPr sz="1400"/>
             </a:lvl6pPr>
             <a:lvl7pPr>
-              <a:defRPr sz="1600"/>
+              <a:defRPr sz="1400"/>
             </a:lvl7pPr>
             <a:lvl8pPr>
-              <a:defRPr sz="1600"/>
+              <a:defRPr sz="1400"/>
             </a:lvl8pPr>
             <a:lvl9pPr>
-              <a:defRPr sz="1600"/>
+              <a:defRPr sz="1400"/>
             </a:lvl9pPr>
           </a:lstStyle>
           <a:p>
@@ -2358,64 +2645,113 @@
               <a:rPr lang="en-US" smtClean="0"/>
               <a:t>Fifth level</a:t>
             </a:r>
-            <a:endParaRPr lang="en-US"/>
-          </a:p>
-        </p:txBody>
-      </p:sp>
-      <p:sp>
-        <p:nvSpPr>
-          <p:cNvPr id="5" name="Text Placeholder 4"/>
-          <p:cNvSpPr>
-            <a:spLocks noGrp="1"/>
-          </p:cNvSpPr>
-          <p:nvPr>
-            <p:ph type="body" sz="quarter" idx="3"/>
+            <a:endParaRPr lang="en-US" dirty="0"/>
+          </a:p>
+        </p:txBody>
+      </p:sp>
+      <p:sp>
+        <p:nvSpPr>
+          <p:cNvPr id="11" name="Text Placeholder 10"/>
+          <p:cNvSpPr>
+            <a:spLocks noGrp="1"/>
+          </p:cNvSpPr>
+          <p:nvPr>
+            <p:ph type="body" sz="quarter" idx="13"/>
           </p:nvPr>
         </p:nvSpPr>
         <p:spPr>
           <a:xfrm>
-            <a:off x="4645025" y="1535113"/>
-            <a:ext cx="4041775" cy="639762"/>
+            <a:off x="4599432" y="1717185"/>
+            <a:ext cx="3364992" cy="731520"/>
           </a:xfrm>
         </p:spPr>
         <p:txBody>
-          <a:bodyPr anchor="b"/>
+          <a:bodyPr anchor="b">
+            <a:normAutofit/>
+          </a:bodyPr>
           <a:lstStyle>
             <a:lvl1pPr marL="0" indent="0">
+              <a:buFontTx/>
               <a:buNone/>
-              <a:defRPr sz="2400" b="1"/>
+              <a:defRPr lang="en-US" sz="1800" b="0" kern="1200" spc="10" baseline="0" dirty="0">
+                <a:solidFill>
+                  <a:schemeClr val="tx2"/>
+                </a:solidFill>
+                <a:latin typeface="+mn-lt"/>
+                <a:ea typeface="+mn-ea"/>
+                <a:cs typeface="+mn-cs"/>
+              </a:defRPr>
             </a:lvl1pPr>
-            <a:lvl2pPr marL="457200" indent="0">
+          </a:lstStyle>
+          <a:p>
+            <a:pPr marL="0" lvl="0" indent="0" algn="l" defTabSz="914400" rtl="0" eaLnBrk="1" latinLnBrk="0" hangingPunct="1">
+              <a:lnSpc>
+                <a:spcPct val="95000"/>
+              </a:lnSpc>
+              <a:spcBef>
+                <a:spcPts val="0"/>
+              </a:spcBef>
+              <a:spcAft>
+                <a:spcPts val="200"/>
+              </a:spcAft>
+              <a:buClr>
+                <a:schemeClr val="accent1"/>
+              </a:buClr>
+              <a:buSzPct val="80000"/>
               <a:buNone/>
-              <a:defRPr sz="2000" b="1"/>
+            </a:pPr>
+            <a:r>
+              <a:rPr lang="en-US" smtClean="0"/>
+              <a:t>Click to edit Master text styles</a:t>
+            </a:r>
+          </a:p>
+        </p:txBody>
+      </p:sp>
+      <p:sp>
+        <p:nvSpPr>
+          <p:cNvPr id="6" name="Content Placeholder 5"/>
+          <p:cNvSpPr>
+            <a:spLocks noGrp="1"/>
+          </p:cNvSpPr>
+          <p:nvPr>
+            <p:ph sz="quarter" idx="4"/>
+          </p:nvPr>
+        </p:nvSpPr>
+        <p:spPr>
+          <a:xfrm>
+            <a:off x="4594860" y="2507550"/>
+            <a:ext cx="3360420" cy="3664650"/>
+          </a:xfrm>
+        </p:spPr>
+        <p:txBody>
+          <a:bodyPr/>
+          <a:lstStyle>
+            <a:lvl1pPr>
+              <a:defRPr sz="1800"/>
+            </a:lvl1pPr>
+            <a:lvl2pPr>
+              <a:defRPr sz="1600"/>
             </a:lvl2pPr>
-            <a:lvl3pPr marL="914400" indent="0">
-              <a:buNone/>
-              <a:defRPr sz="1800" b="1"/>
+            <a:lvl3pPr>
+              <a:defRPr sz="1400"/>
             </a:lvl3pPr>
-            <a:lvl4pPr marL="1371600" indent="0">
-              <a:buNone/>
-              <a:defRPr sz="1600" b="1"/>
+            <a:lvl4pPr>
+              <a:defRPr sz="1400"/>
             </a:lvl4pPr>
-            <a:lvl5pPr marL="1828800" indent="0">
-              <a:buNone/>
-              <a:defRPr sz="1600" b="1"/>
+            <a:lvl5pPr>
+              <a:defRPr sz="1400"/>
             </a:lvl5pPr>
-            <a:lvl6pPr marL="2286000" indent="0">
-              <a:buNone/>
-              <a:defRPr sz="1600" b="1"/>
+            <a:lvl6pPr>
+              <a:defRPr sz="1400"/>
             </a:lvl6pPr>
-            <a:lvl7pPr marL="2743200" indent="0">
-              <a:buNone/>
-              <a:defRPr sz="1600" b="1"/>
+            <a:lvl7pPr>
+              <a:defRPr sz="1400"/>
             </a:lvl7pPr>
-            <a:lvl8pPr marL="3200400" indent="0">
-              <a:buNone/>
-              <a:defRPr sz="1600" b="1"/>
+            <a:lvl8pPr>
+              <a:defRPr sz="1400"/>
             </a:lvl8pPr>
-            <a:lvl9pPr marL="3657600" indent="0">
-              <a:buNone/>
-              <a:defRPr sz="1600" b="1"/>
+            <a:lvl9pPr>
+              <a:defRPr sz="1400"/>
             </a:lvl9pPr>
           </a:lstStyle>
           <a:p>
@@ -2425,62 +2761,6 @@
               <a:t>Click to edit Master text styles</a:t>
             </a:r>
           </a:p>
-        </p:txBody>
-      </p:sp>
-      <p:sp>
-        <p:nvSpPr>
-          <p:cNvPr id="6" name="Content Placeholder 5"/>
-          <p:cNvSpPr>
-            <a:spLocks noGrp="1"/>
-          </p:cNvSpPr>
-          <p:nvPr>
-            <p:ph sz="quarter" idx="4"/>
-          </p:nvPr>
-        </p:nvSpPr>
-        <p:spPr>
-          <a:xfrm>
-            <a:off x="4645025" y="2174875"/>
-            <a:ext cx="4041775" cy="3951288"/>
-          </a:xfrm>
-        </p:spPr>
-        <p:txBody>
-          <a:bodyPr/>
-          <a:lstStyle>
-            <a:lvl1pPr>
-              <a:defRPr sz="2400"/>
-            </a:lvl1pPr>
-            <a:lvl2pPr>
-              <a:defRPr sz="2000"/>
-            </a:lvl2pPr>
-            <a:lvl3pPr>
-              <a:defRPr sz="1800"/>
-            </a:lvl3pPr>
-            <a:lvl4pPr>
-              <a:defRPr sz="1600"/>
-            </a:lvl4pPr>
-            <a:lvl5pPr>
-              <a:defRPr sz="1600"/>
-            </a:lvl5pPr>
-            <a:lvl6pPr>
-              <a:defRPr sz="1600"/>
-            </a:lvl6pPr>
-            <a:lvl7pPr>
-              <a:defRPr sz="1600"/>
-            </a:lvl7pPr>
-            <a:lvl8pPr>
-              <a:defRPr sz="1600"/>
-            </a:lvl8pPr>
-            <a:lvl9pPr>
-              <a:defRPr sz="1600"/>
-            </a:lvl9pPr>
-          </a:lstStyle>
-          <a:p>
-            <a:pPr lvl="0"/>
-            <a:r>
-              <a:rPr lang="en-US" smtClean="0"/>
-              <a:t>Click to edit Master text styles</a:t>
-            </a:r>
-          </a:p>
           <a:p>
             <a:pPr lvl="1"/>
             <a:r>
@@ -2508,7 +2788,7 @@
               <a:rPr lang="en-US" smtClean="0"/>
               <a:t>Fifth level</a:t>
             </a:r>
-            <a:endParaRPr lang="en-US"/>
+            <a:endParaRPr lang="en-US" dirty="0"/>
           </a:p>
         </p:txBody>
       </p:sp>
@@ -2529,7 +2809,7 @@
           <a:p>
             <a:fld id="{16D63410-F318-9644-9110-6B614613545F}" type="datetimeFigureOut">
               <a:rPr lang="en-US" smtClean="0"/>
-              <a:t>7/7/17</a:t>
+              <a:t>7/18/17</a:t>
             </a:fld>
             <a:endParaRPr lang="en-US"/>
           </a:p>
@@ -2580,7 +2860,7 @@
     </p:spTree>
     <p:extLst>
       <p:ext uri="{BB962C8B-B14F-4D97-AF65-F5344CB8AC3E}">
-        <p14:creationId xmlns:p14="http://schemas.microsoft.com/office/powerpoint/2010/main" val="31205332"/>
+        <p14:creationId xmlns:p14="http://schemas.microsoft.com/office/powerpoint/2010/main" val="1307367620"/>
       </p:ext>
     </p:extLst>
   </p:cSld>
@@ -2609,7 +2889,7 @@
       </p:grpSpPr>
       <p:sp>
         <p:nvSpPr>
-          <p:cNvPr id="2" name="Title 1"/>
+          <p:cNvPr id="6" name="Title 5"/>
           <p:cNvSpPr>
             <a:spLocks noGrp="1"/>
           </p:cNvSpPr>
@@ -2626,7 +2906,7 @@
               <a:rPr lang="en-US" smtClean="0"/>
               <a:t>Click to edit Master title style</a:t>
             </a:r>
-            <a:endParaRPr lang="en-US"/>
+            <a:endParaRPr lang="en-US" dirty="0"/>
           </a:p>
         </p:txBody>
       </p:sp>
@@ -2647,7 +2927,7 @@
           <a:p>
             <a:fld id="{16D63410-F318-9644-9110-6B614613545F}" type="datetimeFigureOut">
               <a:rPr lang="en-US" smtClean="0"/>
-              <a:t>7/7/17</a:t>
+              <a:t>7/18/17</a:t>
             </a:fld>
             <a:endParaRPr lang="en-US"/>
           </a:p>
@@ -2698,7 +2978,7 @@
     </p:spTree>
     <p:extLst>
       <p:ext uri="{BB962C8B-B14F-4D97-AF65-F5344CB8AC3E}">
-        <p14:creationId xmlns:p14="http://schemas.microsoft.com/office/powerpoint/2010/main" val="3499421409"/>
+        <p14:creationId xmlns:p14="http://schemas.microsoft.com/office/powerpoint/2010/main" val="2022396883"/>
       </p:ext>
     </p:extLst>
   </p:cSld>
@@ -2742,7 +3022,7 @@
           <a:p>
             <a:fld id="{16D63410-F318-9644-9110-6B614613545F}" type="datetimeFigureOut">
               <a:rPr lang="en-US" smtClean="0"/>
-              <a:t>7/7/17</a:t>
+              <a:t>7/18/17</a:t>
             </a:fld>
             <a:endParaRPr lang="en-US"/>
           </a:p>
@@ -2793,7 +3073,7 @@
     </p:spTree>
     <p:extLst>
       <p:ext uri="{BB962C8B-B14F-4D97-AF65-F5344CB8AC3E}">
-        <p14:creationId xmlns:p14="http://schemas.microsoft.com/office/powerpoint/2010/main" val="4166390957"/>
+        <p14:creationId xmlns:p14="http://schemas.microsoft.com/office/powerpoint/2010/main" val="53247865"/>
       </p:ext>
     </p:extLst>
   </p:cSld>
@@ -2832,15 +3112,17 @@
         </p:nvSpPr>
         <p:spPr>
           <a:xfrm>
-            <a:off x="457200" y="273050"/>
-            <a:ext cx="3008313" cy="1162050"/>
+            <a:off x="630936" y="457201"/>
+            <a:ext cx="2400300" cy="1600197"/>
           </a:xfrm>
         </p:spPr>
         <p:txBody>
-          <a:bodyPr anchor="b"/>
+          <a:bodyPr anchor="b">
+            <a:normAutofit/>
+          </a:bodyPr>
           <a:lstStyle>
-            <a:lvl1pPr algn="l">
-              <a:defRPr sz="2000" b="1"/>
+            <a:lvl1pPr>
+              <a:defRPr sz="2800" b="0" baseline="0"/>
             </a:lvl1pPr>
           </a:lstStyle>
           <a:p>
@@ -2848,7 +3130,7 @@
               <a:rPr lang="en-US" smtClean="0"/>
               <a:t>Click to edit Master title style</a:t>
             </a:r>
-            <a:endParaRPr lang="en-US"/>
+            <a:endParaRPr lang="en-US" dirty="0"/>
           </a:p>
         </p:txBody>
       </p:sp>
@@ -2864,39 +3146,39 @@
         </p:nvSpPr>
         <p:spPr>
           <a:xfrm>
-            <a:off x="3575050" y="273050"/>
-            <a:ext cx="5111750" cy="5853113"/>
+            <a:off x="3378200" y="685800"/>
+            <a:ext cx="4559300" cy="5486400"/>
           </a:xfrm>
         </p:spPr>
         <p:txBody>
           <a:bodyPr/>
           <a:lstStyle>
             <a:lvl1pPr>
-              <a:defRPr sz="3200"/>
+              <a:defRPr sz="1800"/>
             </a:lvl1pPr>
             <a:lvl2pPr>
-              <a:defRPr sz="2800"/>
+              <a:defRPr sz="1600"/>
             </a:lvl2pPr>
             <a:lvl3pPr>
-              <a:defRPr sz="2400"/>
+              <a:defRPr sz="1400"/>
             </a:lvl3pPr>
             <a:lvl4pPr>
-              <a:defRPr sz="2000"/>
+              <a:defRPr sz="1400"/>
             </a:lvl4pPr>
             <a:lvl5pPr>
-              <a:defRPr sz="2000"/>
+              <a:defRPr sz="1400"/>
             </a:lvl5pPr>
             <a:lvl6pPr>
-              <a:defRPr sz="2000"/>
+              <a:defRPr sz="1400"/>
             </a:lvl6pPr>
             <a:lvl7pPr>
-              <a:defRPr sz="2000"/>
+              <a:defRPr sz="1400"/>
             </a:lvl7pPr>
             <a:lvl8pPr>
-              <a:defRPr sz="2000"/>
+              <a:defRPr sz="1400"/>
             </a:lvl8pPr>
             <a:lvl9pPr>
-              <a:defRPr sz="2000"/>
+              <a:defRPr sz="1400"/>
             </a:lvl9pPr>
           </a:lstStyle>
           <a:p>
@@ -2933,7 +3215,7 @@
               <a:rPr lang="en-US" smtClean="0"/>
               <a:t>Fifth level</a:t>
             </a:r>
-            <a:endParaRPr lang="en-US"/>
+            <a:endParaRPr lang="en-US" dirty="0"/>
           </a:p>
         </p:txBody>
       </p:sp>
@@ -2949,16 +3231,24 @@
         </p:nvSpPr>
         <p:spPr>
           <a:xfrm>
-            <a:off x="457200" y="1435100"/>
-            <a:ext cx="3008313" cy="4691063"/>
+            <a:off x="630936" y="2099735"/>
+            <a:ext cx="2400300" cy="3810001"/>
           </a:xfrm>
         </p:spPr>
         <p:txBody>
-          <a:bodyPr/>
+          <a:bodyPr>
+            <a:normAutofit/>
+          </a:bodyPr>
           <a:lstStyle>
             <a:lvl1pPr marL="0" indent="0">
+              <a:lnSpc>
+                <a:spcPct val="114000"/>
+              </a:lnSpc>
+              <a:spcBef>
+                <a:spcPts val="800"/>
+              </a:spcBef>
               <a:buNone/>
-              <a:defRPr sz="1400"/>
+              <a:defRPr sz="1300"/>
             </a:lvl1pPr>
             <a:lvl2pPr marL="457200" indent="0">
               <a:buNone/>
@@ -3019,7 +3309,7 @@
           <a:p>
             <a:fld id="{16D63410-F318-9644-9110-6B614613545F}" type="datetimeFigureOut">
               <a:rPr lang="en-US" smtClean="0"/>
-              <a:t>7/7/17</a:t>
+              <a:t>7/18/17</a:t>
             </a:fld>
             <a:endParaRPr lang="en-US"/>
           </a:p>
@@ -3070,7 +3360,7 @@
     </p:spTree>
     <p:extLst>
       <p:ext uri="{BB962C8B-B14F-4D97-AF65-F5344CB8AC3E}">
-        <p14:creationId xmlns:p14="http://schemas.microsoft.com/office/powerpoint/2010/main" val="1874997955"/>
+        <p14:creationId xmlns:p14="http://schemas.microsoft.com/office/powerpoint/2010/main" val="1583669903"/>
       </p:ext>
     </p:extLst>
   </p:cSld>
@@ -3099,25 +3389,69 @@
       </p:grpSpPr>
       <p:sp>
         <p:nvSpPr>
-          <p:cNvPr id="2" name="Title 1"/>
-          <p:cNvSpPr>
-            <a:spLocks noGrp="1"/>
-          </p:cNvSpPr>
-          <p:nvPr>
-            <p:ph type="title"/>
-          </p:nvPr>
+          <p:cNvPr id="8" name="Rectangle 7"/>
+          <p:cNvSpPr/>
+          <p:nvPr/>
         </p:nvSpPr>
         <p:spPr>
           <a:xfrm>
-            <a:off x="1792288" y="4800600"/>
-            <a:ext cx="5486400" cy="566738"/>
+            <a:off x="0" y="5105400"/>
+            <a:ext cx="8469630" cy="1752600"/>
+          </a:xfrm>
+          <a:prstGeom prst="rect">
+            <a:avLst/>
+          </a:prstGeom>
+          <a:solidFill>
+            <a:srgbClr val="000000"/>
+          </a:solidFill>
+          <a:ln>
+            <a:noFill/>
+          </a:ln>
+        </p:spPr>
+        <p:style>
+          <a:lnRef idx="2">
+            <a:schemeClr val="accent1">
+              <a:shade val="50000"/>
+            </a:schemeClr>
+          </a:lnRef>
+          <a:fillRef idx="1">
+            <a:schemeClr val="accent1"/>
+          </a:fillRef>
+          <a:effectRef idx="0">
+            <a:schemeClr val="accent1"/>
+          </a:effectRef>
+          <a:fontRef idx="minor">
+            <a:schemeClr val="lt1"/>
+          </a:fontRef>
+        </p:style>
+      </p:sp>
+      <p:sp>
+        <p:nvSpPr>
+          <p:cNvPr id="2" name="Title 1"/>
+          <p:cNvSpPr>
+            <a:spLocks noGrp="1"/>
+          </p:cNvSpPr>
+          <p:nvPr>
+            <p:ph type="title"/>
+          </p:nvPr>
+        </p:nvSpPr>
+        <p:spPr>
+          <a:xfrm>
+            <a:off x="685800" y="5257800"/>
+            <a:ext cx="7486650" cy="914400"/>
           </a:xfrm>
         </p:spPr>
         <p:txBody>
-          <a:bodyPr anchor="b"/>
+          <a:bodyPr anchor="b">
+            <a:normAutofit/>
+          </a:bodyPr>
           <a:lstStyle>
-            <a:lvl1pPr algn="l">
-              <a:defRPr sz="2000" b="1"/>
+            <a:lvl1pPr>
+              <a:defRPr sz="2800" b="0">
+                <a:solidFill>
+                  <a:schemeClr val="bg1"/>
+                </a:solidFill>
+              </a:defRPr>
             </a:lvl1pPr>
           </a:lstStyle>
           <a:p>
@@ -3125,7 +3459,7 @@
               <a:rPr lang="en-US" smtClean="0"/>
               <a:t>Click to edit Master title style</a:t>
             </a:r>
-            <a:endParaRPr lang="en-US"/>
+            <a:endParaRPr lang="en-US" dirty="0"/>
           </a:p>
         </p:txBody>
       </p:sp>
@@ -3133,7 +3467,7 @@
         <p:nvSpPr>
           <p:cNvPr id="3" name="Picture Placeholder 2"/>
           <p:cNvSpPr>
-            <a:spLocks noGrp="1"/>
+            <a:spLocks noGrp="1" noChangeAspect="1"/>
           </p:cNvSpPr>
           <p:nvPr>
             <p:ph type="pic" idx="1"/>
@@ -3141,16 +3475,26 @@
         </p:nvSpPr>
         <p:spPr>
           <a:xfrm>
-            <a:off x="1792288" y="612775"/>
-            <a:ext cx="5486400" cy="4114800"/>
+            <a:off x="0" y="1"/>
+            <a:ext cx="8469630" cy="5128923"/>
           </a:xfrm>
+          <a:blipFill>
+            <a:blip r:embed="rId2"/>
+            <a:stretch>
+              <a:fillRect/>
+            </a:stretch>
+          </a:blipFill>
         </p:spPr>
         <p:txBody>
-          <a:bodyPr/>
+          <a:bodyPr anchor="t"/>
           <a:lstStyle>
             <a:lvl1pPr marL="0" indent="0">
               <a:buNone/>
-              <a:defRPr sz="3200"/>
+              <a:defRPr sz="3200">
+                <a:solidFill>
+                  <a:schemeClr val="bg1"/>
+                </a:solidFill>
+              </a:defRPr>
             </a:lvl1pPr>
             <a:lvl2pPr marL="457200" indent="0">
               <a:buNone/>
@@ -3186,7 +3530,11 @@
             </a:lvl9pPr>
           </a:lstStyle>
           <a:p>
-            <a:endParaRPr lang="en-US"/>
+            <a:r>
+              <a:rPr lang="en-US" smtClean="0"/>
+              <a:t>Drag picture to placeholder or click icon to add</a:t>
+            </a:r>
+            <a:endParaRPr lang="en-US" dirty="0"/>
           </a:p>
         </p:txBody>
       </p:sp>
@@ -3202,16 +3550,30 @@
         </p:nvSpPr>
         <p:spPr>
           <a:xfrm>
-            <a:off x="1792288" y="5367338"/>
-            <a:ext cx="5486400" cy="804862"/>
+            <a:off x="685800" y="6108590"/>
+            <a:ext cx="7486650" cy="597011"/>
           </a:xfrm>
         </p:spPr>
         <p:txBody>
-          <a:bodyPr/>
+          <a:bodyPr>
+            <a:normAutofit/>
+          </a:bodyPr>
           <a:lstStyle>
             <a:lvl1pPr marL="0" indent="0">
+              <a:lnSpc>
+                <a:spcPct val="100000"/>
+              </a:lnSpc>
+              <a:spcBef>
+                <a:spcPts val="800"/>
+              </a:spcBef>
               <a:buNone/>
-              <a:defRPr sz="1400"/>
+              <a:defRPr sz="1300">
+                <a:solidFill>
+                  <a:schemeClr val="bg1">
+                    <a:lumMod val="85000"/>
+                  </a:schemeClr>
+                </a:solidFill>
+              </a:defRPr>
             </a:lvl1pPr>
             <a:lvl2pPr marL="457200" indent="0">
               <a:buNone/>
@@ -3272,7 +3634,7 @@
           <a:p>
             <a:fld id="{16D63410-F318-9644-9110-6B614613545F}" type="datetimeFigureOut">
               <a:rPr lang="en-US" smtClean="0"/>
-              <a:t>7/7/17</a:t>
+              <a:t>7/18/17</a:t>
             </a:fld>
             <a:endParaRPr lang="en-US"/>
           </a:p>
@@ -3323,7 +3685,7 @@
     </p:spTree>
     <p:extLst>
       <p:ext uri="{BB962C8B-B14F-4D97-AF65-F5344CB8AC3E}">
-        <p14:creationId xmlns:p14="http://schemas.microsoft.com/office/powerpoint/2010/main" val="2865037575"/>
+        <p14:creationId xmlns:p14="http://schemas.microsoft.com/office/powerpoint/2010/main" val="827738803"/>
       </p:ext>
     </p:extLst>
   </p:cSld>
@@ -3357,25 +3719,65 @@
       </p:grpSpPr>
       <p:sp>
         <p:nvSpPr>
-          <p:cNvPr id="2" name="Title Placeholder 1"/>
-          <p:cNvSpPr>
-            <a:spLocks noGrp="1"/>
-          </p:cNvSpPr>
-          <p:nvPr>
-            <p:ph type="title"/>
-          </p:nvPr>
+          <p:cNvPr id="7" name="Rectangle 6"/>
+          <p:cNvSpPr/>
+          <p:nvPr/>
         </p:nvSpPr>
         <p:spPr>
           <a:xfrm>
-            <a:off x="457200" y="274638"/>
-            <a:ext cx="8229600" cy="1143000"/>
+            <a:off x="8418195" y="0"/>
+            <a:ext cx="731520" cy="6858000"/>
+          </a:xfrm>
+          <a:prstGeom prst="rect">
+            <a:avLst/>
+          </a:prstGeom>
+          <a:solidFill>
+            <a:schemeClr val="tx2">
+              <a:lumMod val="75000"/>
+            </a:schemeClr>
+          </a:solidFill>
+          <a:ln>
+            <a:noFill/>
+          </a:ln>
+        </p:spPr>
+        <p:style>
+          <a:lnRef idx="2">
+            <a:schemeClr val="accent1">
+              <a:shade val="50000"/>
+            </a:schemeClr>
+          </a:lnRef>
+          <a:fillRef idx="1">
+            <a:schemeClr val="accent1"/>
+          </a:fillRef>
+          <a:effectRef idx="0">
+            <a:schemeClr val="accent1"/>
+          </a:effectRef>
+          <a:fontRef idx="minor">
+            <a:schemeClr val="lt1"/>
+          </a:fontRef>
+        </p:style>
+      </p:sp>
+      <p:sp>
+        <p:nvSpPr>
+          <p:cNvPr id="2" name="Title Placeholder 1"/>
+          <p:cNvSpPr>
+            <a:spLocks noGrp="1"/>
+          </p:cNvSpPr>
+          <p:nvPr>
+            <p:ph type="title"/>
+          </p:nvPr>
+        </p:nvSpPr>
+        <p:spPr>
+          <a:xfrm>
+            <a:off x="946404" y="365760"/>
+            <a:ext cx="7269480" cy="1325562"/>
           </a:xfrm>
           <a:prstGeom prst="rect">
             <a:avLst/>
           </a:prstGeom>
         </p:spPr>
         <p:txBody>
-          <a:bodyPr vert="horz" lIns="91440" tIns="45720" rIns="91440" bIns="45720" rtlCol="0" anchor="ctr">
+          <a:bodyPr vert="horz" lIns="91440" tIns="45720" rIns="91440" bIns="45720" rtlCol="0" anchor="b">
             <a:normAutofit/>
           </a:bodyPr>
           <a:lstStyle/>
@@ -3384,7 +3786,7 @@
               <a:rPr lang="en-US" smtClean="0"/>
               <a:t>Click to edit Master title style</a:t>
             </a:r>
-            <a:endParaRPr lang="en-US"/>
+            <a:endParaRPr lang="en-US" dirty="0"/>
           </a:p>
         </p:txBody>
       </p:sp>
@@ -3400,8 +3802,8 @@
         </p:nvSpPr>
         <p:spPr>
           <a:xfrm>
-            <a:off x="457200" y="1600200"/>
-            <a:ext cx="8229600" cy="4525963"/>
+            <a:off x="946404" y="1828801"/>
+            <a:ext cx="6446520" cy="4351337"/>
           </a:xfrm>
           <a:prstGeom prst="rect">
             <a:avLst/>
@@ -3446,7 +3848,7 @@
               <a:rPr lang="en-US" smtClean="0"/>
               <a:t>Fifth level</a:t>
             </a:r>
-            <a:endParaRPr lang="en-US"/>
+            <a:endParaRPr lang="en-US" dirty="0"/>
           </a:p>
         </p:txBody>
       </p:sp>
@@ -3461,9 +3863,9 @@
           </p:nvPr>
         </p:nvSpPr>
         <p:spPr>
-          <a:xfrm>
-            <a:off x="457200" y="6356350"/>
-            <a:ext cx="2133600" cy="365125"/>
+          <a:xfrm rot="16200000">
+            <a:off x="7831456" y="1044178"/>
+            <a:ext cx="1904999" cy="273844"/>
           </a:xfrm>
           <a:prstGeom prst="rect">
             <a:avLst/>
@@ -3472,11 +3874,12 @@
         <p:txBody>
           <a:bodyPr vert="horz" lIns="91440" tIns="45720" rIns="91440" bIns="45720" rtlCol="0" anchor="ctr"/>
           <a:lstStyle>
-            <a:lvl1pPr algn="l">
-              <a:defRPr sz="1200">
+            <a:lvl1pPr algn="r">
+              <a:defRPr sz="1050" b="0">
                 <a:solidFill>
-                  <a:schemeClr val="tx1">
-                    <a:tint val="75000"/>
+                  <a:schemeClr val="tx2">
+                    <a:lumMod val="20000"/>
+                    <a:lumOff val="80000"/>
                   </a:schemeClr>
                 </a:solidFill>
               </a:defRPr>
@@ -3485,7 +3888,7 @@
           <a:p>
             <a:fld id="{16D63410-F318-9644-9110-6B614613545F}" type="datetimeFigureOut">
               <a:rPr lang="en-US" smtClean="0"/>
-              <a:t>7/7/17</a:t>
+              <a:t>7/18/17</a:t>
             </a:fld>
             <a:endParaRPr lang="en-US"/>
           </a:p>
@@ -3502,9 +3905,9 @@
           </p:nvPr>
         </p:nvSpPr>
         <p:spPr>
-          <a:xfrm>
-            <a:off x="3124200" y="6356350"/>
-            <a:ext cx="2895600" cy="365125"/>
+          <a:xfrm rot="16200000">
+            <a:off x="6993255" y="4092178"/>
+            <a:ext cx="3581400" cy="273844"/>
           </a:xfrm>
           <a:prstGeom prst="rect">
             <a:avLst/>
@@ -3513,11 +3916,12 @@
         <p:txBody>
           <a:bodyPr vert="horz" lIns="91440" tIns="45720" rIns="91440" bIns="45720" rtlCol="0" anchor="ctr"/>
           <a:lstStyle>
-            <a:lvl1pPr algn="ctr">
-              <a:defRPr sz="1200">
+            <a:lvl1pPr algn="l">
+              <a:defRPr sz="1050">
                 <a:solidFill>
-                  <a:schemeClr val="tx1">
-                    <a:tint val="75000"/>
+                  <a:schemeClr val="tx2">
+                    <a:lumMod val="20000"/>
+                    <a:lumOff val="80000"/>
                   </a:schemeClr>
                 </a:solidFill>
               </a:defRPr>
@@ -3540,21 +3944,24 @@
         </p:nvSpPr>
         <p:spPr>
           <a:xfrm>
-            <a:off x="6553200" y="6356350"/>
-            <a:ext cx="2133600" cy="365125"/>
+            <a:off x="8441055" y="6172201"/>
+            <a:ext cx="685800" cy="593725"/>
           </a:xfrm>
           <a:prstGeom prst="rect">
             <a:avLst/>
           </a:prstGeom>
         </p:spPr>
         <p:txBody>
-          <a:bodyPr vert="horz" lIns="91440" tIns="45720" rIns="91440" bIns="45720" rtlCol="0" anchor="ctr"/>
+          <a:bodyPr vert="horz" lIns="27432" tIns="45720" rIns="27432" bIns="45720" rtlCol="0" anchor="ctr">
+            <a:normAutofit/>
+          </a:bodyPr>
           <a:lstStyle>
-            <a:lvl1pPr algn="r">
-              <a:defRPr sz="1200">
+            <a:lvl1pPr algn="ctr">
+              <a:defRPr sz="3200">
                 <a:solidFill>
-                  <a:schemeClr val="tx1">
-                    <a:tint val="75000"/>
+                  <a:schemeClr val="tx2">
+                    <a:lumMod val="60000"/>
+                    <a:lumOff val="40000"/>
                   </a:schemeClr>
                 </a:solidFill>
               </a:defRPr>
@@ -3572,32 +3979,35 @@
     </p:spTree>
     <p:extLst>
       <p:ext uri="{BB962C8B-B14F-4D97-AF65-F5344CB8AC3E}">
-        <p14:creationId xmlns:p14="http://schemas.microsoft.com/office/powerpoint/2010/main" val="2925787246"/>
+        <p14:creationId xmlns:p14="http://schemas.microsoft.com/office/powerpoint/2010/main" val="646703225"/>
       </p:ext>
     </p:extLst>
   </p:cSld>
   <p:clrMap bg1="lt1" tx1="dk1" bg2="lt2" tx2="dk2" accent1="accent1" accent2="accent2" accent3="accent3" accent4="accent4" accent5="accent5" accent6="accent6" hlink="hlink" folHlink="folHlink"/>
   <p:sldLayoutIdLst>
-    <p:sldLayoutId id="2147483649" r:id="rId1"/>
-    <p:sldLayoutId id="2147483650" r:id="rId2"/>
-    <p:sldLayoutId id="2147483651" r:id="rId3"/>
-    <p:sldLayoutId id="2147483652" r:id="rId4"/>
-    <p:sldLayoutId id="2147483653" r:id="rId5"/>
-    <p:sldLayoutId id="2147483654" r:id="rId6"/>
-    <p:sldLayoutId id="2147483655" r:id="rId7"/>
-    <p:sldLayoutId id="2147483656" r:id="rId8"/>
-    <p:sldLayoutId id="2147483657" r:id="rId9"/>
-    <p:sldLayoutId id="2147483658" r:id="rId10"/>
-    <p:sldLayoutId id="2147483659" r:id="rId11"/>
+    <p:sldLayoutId id="2147483767" r:id="rId1"/>
+    <p:sldLayoutId id="2147483768" r:id="rId2"/>
+    <p:sldLayoutId id="2147483769" r:id="rId3"/>
+    <p:sldLayoutId id="2147483770" r:id="rId4"/>
+    <p:sldLayoutId id="2147483771" r:id="rId5"/>
+    <p:sldLayoutId id="2147483772" r:id="rId6"/>
+    <p:sldLayoutId id="2147483773" r:id="rId7"/>
+    <p:sldLayoutId id="2147483774" r:id="rId8"/>
+    <p:sldLayoutId id="2147483775" r:id="rId9"/>
+    <p:sldLayoutId id="2147483776" r:id="rId10"/>
+    <p:sldLayoutId id="2147483777" r:id="rId11"/>
   </p:sldLayoutIdLst>
   <p:txStyles>
     <p:titleStyle>
-      <a:lvl1pPr algn="ctr" defTabSz="457200" rtl="0" eaLnBrk="1" latinLnBrk="0" hangingPunct="1">
+      <a:lvl1pPr algn="l" defTabSz="914400" rtl="0" eaLnBrk="1" latinLnBrk="0" hangingPunct="1">
+        <a:lnSpc>
+          <a:spcPct val="90000"/>
+        </a:lnSpc>
         <a:spcBef>
           <a:spcPct val="0"/>
         </a:spcBef>
         <a:buNone/>
-        <a:defRPr sz="4400" kern="1200">
+        <a:defRPr sz="4000" kern="1200" spc="-50" baseline="0">
           <a:solidFill>
             <a:schemeClr val="tx1"/>
           </a:solidFill>
@@ -3608,13 +4018,23 @@
       </a:lvl1pPr>
     </p:titleStyle>
     <p:bodyStyle>
-      <a:lvl1pPr marL="342900" indent="-342900" algn="l" defTabSz="457200" rtl="0" eaLnBrk="1" latinLnBrk="0" hangingPunct="1">
+      <a:lvl1pPr marL="182880" indent="-182880" algn="l" defTabSz="914400" rtl="0" eaLnBrk="1" latinLnBrk="0" hangingPunct="1">
+        <a:lnSpc>
+          <a:spcPct val="95000"/>
+        </a:lnSpc>
         <a:spcBef>
-          <a:spcPct val="20000"/>
+          <a:spcPts val="1400"/>
         </a:spcBef>
-        <a:buFont typeface="Arial"/>
+        <a:spcAft>
+          <a:spcPts val="200"/>
+        </a:spcAft>
+        <a:buClr>
+          <a:schemeClr val="accent1"/>
+        </a:buClr>
+        <a:buSzPct val="80000"/>
+        <a:buFont typeface="Arial" pitchFamily="34" charset="0"/>
         <a:buChar char="•"/>
-        <a:defRPr sz="3200" kern="1200">
+        <a:defRPr sz="1800" kern="1200" spc="10" baseline="0">
           <a:solidFill>
             <a:schemeClr val="tx1"/>
           </a:solidFill>
@@ -3623,120 +4043,216 @@
           <a:cs typeface="+mn-cs"/>
         </a:defRPr>
       </a:lvl1pPr>
-      <a:lvl2pPr marL="742950" indent="-285750" algn="l" defTabSz="457200" rtl="0" eaLnBrk="1" latinLnBrk="0" hangingPunct="1">
+      <a:lvl2pPr marL="457200" indent="-182880" algn="l" defTabSz="914400" rtl="0" eaLnBrk="1" latinLnBrk="0" hangingPunct="1">
+        <a:lnSpc>
+          <a:spcPct val="90000"/>
+        </a:lnSpc>
         <a:spcBef>
-          <a:spcPct val="20000"/>
+          <a:spcPts val="300"/>
         </a:spcBef>
-        <a:buFont typeface="Arial"/>
-        <a:buChar char="–"/>
-        <a:defRPr sz="2800" kern="1200">
+        <a:spcAft>
+          <a:spcPts val="300"/>
+        </a:spcAft>
+        <a:buClr>
+          <a:schemeClr val="accent1"/>
+        </a:buClr>
+        <a:buFont typeface="Wingdings 2" pitchFamily="18" charset="2"/>
+        <a:buChar char=""/>
+        <a:defRPr sz="1600" kern="1200">
           <a:solidFill>
-            <a:schemeClr val="tx1"/>
+            <a:schemeClr val="tx1">
+              <a:lumMod val="85000"/>
+              <a:lumOff val="15000"/>
+            </a:schemeClr>
           </a:solidFill>
           <a:latin typeface="+mn-lt"/>
           <a:ea typeface="+mn-ea"/>
           <a:cs typeface="+mn-cs"/>
         </a:defRPr>
       </a:lvl2pPr>
-      <a:lvl3pPr marL="1143000" indent="-228600" algn="l" defTabSz="457200" rtl="0" eaLnBrk="1" latinLnBrk="0" hangingPunct="1">
+      <a:lvl3pPr marL="731520" indent="-182880" algn="l" defTabSz="914400" rtl="0" eaLnBrk="1" latinLnBrk="0" hangingPunct="1">
+        <a:lnSpc>
+          <a:spcPct val="90000"/>
+        </a:lnSpc>
         <a:spcBef>
-          <a:spcPct val="20000"/>
+          <a:spcPts val="300"/>
         </a:spcBef>
-        <a:buFont typeface="Arial"/>
-        <a:buChar char="•"/>
-        <a:defRPr sz="2400" kern="1200">
+        <a:spcAft>
+          <a:spcPts val="300"/>
+        </a:spcAft>
+        <a:buClr>
+          <a:schemeClr val="accent1"/>
+        </a:buClr>
+        <a:buFont typeface="Wingdings 2" pitchFamily="18" charset="2"/>
+        <a:buChar char=""/>
+        <a:defRPr sz="1400" kern="1200">
           <a:solidFill>
-            <a:schemeClr val="tx1"/>
+            <a:schemeClr val="tx1">
+              <a:lumMod val="85000"/>
+              <a:lumOff val="15000"/>
+            </a:schemeClr>
           </a:solidFill>
           <a:latin typeface="+mn-lt"/>
           <a:ea typeface="+mn-ea"/>
           <a:cs typeface="+mn-cs"/>
         </a:defRPr>
       </a:lvl3pPr>
-      <a:lvl4pPr marL="1600200" indent="-228600" algn="l" defTabSz="457200" rtl="0" eaLnBrk="1" latinLnBrk="0" hangingPunct="1">
+      <a:lvl4pPr marL="1005840" indent="-182880" algn="l" defTabSz="914400" rtl="0" eaLnBrk="1" latinLnBrk="0" hangingPunct="1">
+        <a:lnSpc>
+          <a:spcPct val="90000"/>
+        </a:lnSpc>
         <a:spcBef>
-          <a:spcPct val="20000"/>
+          <a:spcPts val="300"/>
         </a:spcBef>
-        <a:buFont typeface="Arial"/>
-        <a:buChar char="–"/>
-        <a:defRPr sz="2000" kern="1200">
+        <a:spcAft>
+          <a:spcPts val="300"/>
+        </a:spcAft>
+        <a:buClr>
+          <a:schemeClr val="accent1"/>
+        </a:buClr>
+        <a:buFont typeface="Wingdings 2" pitchFamily="18" charset="2"/>
+        <a:buChar char=""/>
+        <a:defRPr sz="1400" kern="1200">
           <a:solidFill>
-            <a:schemeClr val="tx1"/>
+            <a:schemeClr val="tx1">
+              <a:lumMod val="85000"/>
+              <a:lumOff val="15000"/>
+            </a:schemeClr>
           </a:solidFill>
           <a:latin typeface="+mn-lt"/>
           <a:ea typeface="+mn-ea"/>
           <a:cs typeface="+mn-cs"/>
         </a:defRPr>
       </a:lvl4pPr>
-      <a:lvl5pPr marL="2057400" indent="-228600" algn="l" defTabSz="457200" rtl="0" eaLnBrk="1" latinLnBrk="0" hangingPunct="1">
+      <a:lvl5pPr marL="1280160" indent="-182880" algn="l" defTabSz="914400" rtl="0" eaLnBrk="1" latinLnBrk="0" hangingPunct="1">
+        <a:lnSpc>
+          <a:spcPct val="90000"/>
+        </a:lnSpc>
         <a:spcBef>
-          <a:spcPct val="20000"/>
+          <a:spcPts val="300"/>
         </a:spcBef>
-        <a:buFont typeface="Arial"/>
-        <a:buChar char="»"/>
-        <a:defRPr sz="2000" kern="1200">
+        <a:spcAft>
+          <a:spcPts val="300"/>
+        </a:spcAft>
+        <a:buClr>
+          <a:schemeClr val="accent1"/>
+        </a:buClr>
+        <a:buFont typeface="Wingdings 2" pitchFamily="18" charset="2"/>
+        <a:buChar char=""/>
+        <a:defRPr sz="1400" kern="1200">
           <a:solidFill>
-            <a:schemeClr val="tx1"/>
+            <a:schemeClr val="tx1">
+              <a:lumMod val="85000"/>
+              <a:lumOff val="15000"/>
+            </a:schemeClr>
           </a:solidFill>
           <a:latin typeface="+mn-lt"/>
           <a:ea typeface="+mn-ea"/>
           <a:cs typeface="+mn-cs"/>
         </a:defRPr>
       </a:lvl5pPr>
-      <a:lvl6pPr marL="2514600" indent="-228600" algn="l" defTabSz="457200" rtl="0" eaLnBrk="1" latinLnBrk="0" hangingPunct="1">
+      <a:lvl6pPr marL="1600000" indent="-228600" algn="l" defTabSz="914400" rtl="0" eaLnBrk="1" latinLnBrk="0" hangingPunct="1">
+        <a:lnSpc>
+          <a:spcPct val="90000"/>
+        </a:lnSpc>
         <a:spcBef>
-          <a:spcPct val="20000"/>
+          <a:spcPts val="300"/>
         </a:spcBef>
-        <a:buFont typeface="Arial"/>
-        <a:buChar char="•"/>
-        <a:defRPr sz="2000" kern="1200">
+        <a:spcAft>
+          <a:spcPts val="300"/>
+        </a:spcAft>
+        <a:buClr>
+          <a:schemeClr val="accent1"/>
+        </a:buClr>
+        <a:buFont typeface="Wingdings 2" pitchFamily="18" charset="2"/>
+        <a:buChar char=""/>
+        <a:defRPr sz="1400" kern="1200">
           <a:solidFill>
-            <a:schemeClr val="tx1"/>
+            <a:schemeClr val="tx1">
+              <a:lumMod val="85000"/>
+              <a:lumOff val="15000"/>
+            </a:schemeClr>
           </a:solidFill>
           <a:latin typeface="+mn-lt"/>
           <a:ea typeface="+mn-ea"/>
           <a:cs typeface="+mn-cs"/>
         </a:defRPr>
       </a:lvl6pPr>
-      <a:lvl7pPr marL="2971800" indent="-228600" algn="l" defTabSz="457200" rtl="0" eaLnBrk="1" latinLnBrk="0" hangingPunct="1">
+      <a:lvl7pPr marL="1900000" indent="-228600" algn="l" defTabSz="914400" rtl="0" eaLnBrk="1" latinLnBrk="0" hangingPunct="1">
+        <a:lnSpc>
+          <a:spcPct val="90000"/>
+        </a:lnSpc>
         <a:spcBef>
-          <a:spcPct val="20000"/>
+          <a:spcPts val="300"/>
         </a:spcBef>
-        <a:buFont typeface="Arial"/>
-        <a:buChar char="•"/>
-        <a:defRPr sz="2000" kern="1200">
+        <a:spcAft>
+          <a:spcPts val="300"/>
+        </a:spcAft>
+        <a:buClr>
+          <a:schemeClr val="accent1"/>
+        </a:buClr>
+        <a:buFont typeface="Wingdings 2" pitchFamily="18" charset="2"/>
+        <a:buChar char=""/>
+        <a:defRPr sz="1400" kern="1200">
           <a:solidFill>
-            <a:schemeClr val="tx1"/>
+            <a:schemeClr val="tx1">
+              <a:lumMod val="85000"/>
+              <a:lumOff val="15000"/>
+            </a:schemeClr>
           </a:solidFill>
           <a:latin typeface="+mn-lt"/>
           <a:ea typeface="+mn-ea"/>
           <a:cs typeface="+mn-cs"/>
         </a:defRPr>
       </a:lvl7pPr>
-      <a:lvl8pPr marL="3429000" indent="-228600" algn="l" defTabSz="457200" rtl="0" eaLnBrk="1" latinLnBrk="0" hangingPunct="1">
+      <a:lvl8pPr marL="2200000" indent="-228600" algn="l" defTabSz="914400" rtl="0" eaLnBrk="1" latinLnBrk="0" hangingPunct="1">
+        <a:lnSpc>
+          <a:spcPct val="90000"/>
+        </a:lnSpc>
         <a:spcBef>
-          <a:spcPct val="20000"/>
+          <a:spcPts val="300"/>
         </a:spcBef>
-        <a:buFont typeface="Arial"/>
-        <a:buChar char="•"/>
-        <a:defRPr sz="2000" kern="1200">
+        <a:spcAft>
+          <a:spcPts val="300"/>
+        </a:spcAft>
+        <a:buClr>
+          <a:schemeClr val="accent1"/>
+        </a:buClr>
+        <a:buFont typeface="Wingdings 2" pitchFamily="18" charset="2"/>
+        <a:buChar char=""/>
+        <a:defRPr sz="1400" kern="1200">
           <a:solidFill>
-            <a:schemeClr val="tx1"/>
+            <a:schemeClr val="tx1">
+              <a:lumMod val="85000"/>
+              <a:lumOff val="15000"/>
+            </a:schemeClr>
           </a:solidFill>
           <a:latin typeface="+mn-lt"/>
           <a:ea typeface="+mn-ea"/>
           <a:cs typeface="+mn-cs"/>
         </a:defRPr>
       </a:lvl8pPr>
-      <a:lvl9pPr marL="3886200" indent="-228600" algn="l" defTabSz="457200" rtl="0" eaLnBrk="1" latinLnBrk="0" hangingPunct="1">
+      <a:lvl9pPr marL="2500000" indent="-228600" algn="l" defTabSz="914400" rtl="0" eaLnBrk="1" latinLnBrk="0" hangingPunct="1">
+        <a:lnSpc>
+          <a:spcPct val="90000"/>
+        </a:lnSpc>
         <a:spcBef>
-          <a:spcPct val="20000"/>
+          <a:spcPts val="300"/>
         </a:spcBef>
-        <a:buFont typeface="Arial"/>
-        <a:buChar char="•"/>
-        <a:defRPr sz="2000" kern="1200">
+        <a:spcAft>
+          <a:spcPts val="300"/>
+        </a:spcAft>
+        <a:buClr>
+          <a:schemeClr val="accent1"/>
+        </a:buClr>
+        <a:buFont typeface="Wingdings 2" pitchFamily="18" charset="2"/>
+        <a:buChar char=""/>
+        <a:defRPr sz="1400" kern="1200">
           <a:solidFill>
-            <a:schemeClr val="tx1"/>
+            <a:schemeClr val="tx1">
+              <a:lumMod val="85000"/>
+              <a:lumOff val="15000"/>
+            </a:schemeClr>
           </a:solidFill>
           <a:latin typeface="+mn-lt"/>
           <a:ea typeface="+mn-ea"/>
@@ -3748,7 +4264,7 @@
       <a:defPPr>
         <a:defRPr lang="en-US"/>
       </a:defPPr>
-      <a:lvl1pPr marL="0" algn="l" defTabSz="457200" rtl="0" eaLnBrk="1" latinLnBrk="0" hangingPunct="1">
+      <a:lvl1pPr marL="0" algn="l" defTabSz="914400" rtl="0" eaLnBrk="1" latinLnBrk="0" hangingPunct="1">
         <a:defRPr sz="1800" kern="1200">
           <a:solidFill>
             <a:schemeClr val="tx1"/>
@@ -3758,7 +4274,7 @@
           <a:cs typeface="+mn-cs"/>
         </a:defRPr>
       </a:lvl1pPr>
-      <a:lvl2pPr marL="457200" algn="l" defTabSz="457200" rtl="0" eaLnBrk="1" latinLnBrk="0" hangingPunct="1">
+      <a:lvl2pPr marL="457200" algn="l" defTabSz="914400" rtl="0" eaLnBrk="1" latinLnBrk="0" hangingPunct="1">
         <a:defRPr sz="1800" kern="1200">
           <a:solidFill>
             <a:schemeClr val="tx1"/>
@@ -3768,7 +4284,7 @@
           <a:cs typeface="+mn-cs"/>
         </a:defRPr>
       </a:lvl2pPr>
-      <a:lvl3pPr marL="914400" algn="l" defTabSz="457200" rtl="0" eaLnBrk="1" latinLnBrk="0" hangingPunct="1">
+      <a:lvl3pPr marL="914400" algn="l" defTabSz="914400" rtl="0" eaLnBrk="1" latinLnBrk="0" hangingPunct="1">
         <a:defRPr sz="1800" kern="1200">
           <a:solidFill>
             <a:schemeClr val="tx1"/>
@@ -3778,7 +4294,7 @@
           <a:cs typeface="+mn-cs"/>
         </a:defRPr>
       </a:lvl3pPr>
-      <a:lvl4pPr marL="1371600" algn="l" defTabSz="457200" rtl="0" eaLnBrk="1" latinLnBrk="0" hangingPunct="1">
+      <a:lvl4pPr marL="1371600" algn="l" defTabSz="914400" rtl="0" eaLnBrk="1" latinLnBrk="0" hangingPunct="1">
         <a:defRPr sz="1800" kern="1200">
           <a:solidFill>
             <a:schemeClr val="tx1"/>
@@ -3788,7 +4304,7 @@
           <a:cs typeface="+mn-cs"/>
         </a:defRPr>
       </a:lvl4pPr>
-      <a:lvl5pPr marL="1828800" algn="l" defTabSz="457200" rtl="0" eaLnBrk="1" latinLnBrk="0" hangingPunct="1">
+      <a:lvl5pPr marL="1828800" algn="l" defTabSz="914400" rtl="0" eaLnBrk="1" latinLnBrk="0" hangingPunct="1">
         <a:defRPr sz="1800" kern="1200">
           <a:solidFill>
             <a:schemeClr val="tx1"/>
@@ -3798,7 +4314,7 @@
           <a:cs typeface="+mn-cs"/>
         </a:defRPr>
       </a:lvl5pPr>
-      <a:lvl6pPr marL="2286000" algn="l" defTabSz="457200" rtl="0" eaLnBrk="1" latinLnBrk="0" hangingPunct="1">
+      <a:lvl6pPr marL="2286000" algn="l" defTabSz="914400" rtl="0" eaLnBrk="1" latinLnBrk="0" hangingPunct="1">
         <a:defRPr sz="1800" kern="1200">
           <a:solidFill>
             <a:schemeClr val="tx1"/>
@@ -3808,7 +4324,7 @@
           <a:cs typeface="+mn-cs"/>
         </a:defRPr>
       </a:lvl6pPr>
-      <a:lvl7pPr marL="2743200" algn="l" defTabSz="457200" rtl="0" eaLnBrk="1" latinLnBrk="0" hangingPunct="1">
+      <a:lvl7pPr marL="2743200" algn="l" defTabSz="914400" rtl="0" eaLnBrk="1" latinLnBrk="0" hangingPunct="1">
         <a:defRPr sz="1800" kern="1200">
           <a:solidFill>
             <a:schemeClr val="tx1"/>
@@ -3818,7 +4334,7 @@
           <a:cs typeface="+mn-cs"/>
         </a:defRPr>
       </a:lvl7pPr>
-      <a:lvl8pPr marL="3200400" algn="l" defTabSz="457200" rtl="0" eaLnBrk="1" latinLnBrk="0" hangingPunct="1">
+      <a:lvl8pPr marL="3200400" algn="l" defTabSz="914400" rtl="0" eaLnBrk="1" latinLnBrk="0" hangingPunct="1">
         <a:defRPr sz="1800" kern="1200">
           <a:solidFill>
             <a:schemeClr val="tx1"/>
@@ -3828,7 +4344,7 @@
           <a:cs typeface="+mn-cs"/>
         </a:defRPr>
       </a:lvl8pPr>
-      <a:lvl9pPr marL="3657600" algn="l" defTabSz="457200" rtl="0" eaLnBrk="1" latinLnBrk="0" hangingPunct="1">
+      <a:lvl9pPr marL="3657600" algn="l" defTabSz="914400" rtl="0" eaLnBrk="1" latinLnBrk="0" hangingPunct="1">
         <a:defRPr sz="1800" kern="1200">
           <a:solidFill>
             <a:schemeClr val="tx1"/>
@@ -3840,6 +4356,11 @@
       </a:lvl9pPr>
     </p:otherStyle>
   </p:txStyles>
+  <p:extLst>
+    <p:ext uri="{27BBF7A9-308A-43DC-89C8-2F10F3537804}">
+      <p15:sldGuideLst xmlns:p15="http://schemas.microsoft.com/office/powerpoint/2012/main"/>
+    </p:ext>
+  </p:extLst>
 </p:sldMaster>
 </file>
 
@@ -3897,7 +4418,9 @@
         </p:nvSpPr>
         <p:spPr/>
         <p:txBody>
-          <a:bodyPr/>
+          <a:bodyPr>
+            <a:normAutofit/>
+          </a:bodyPr>
           <a:lstStyle/>
           <a:p>
             <a:r>
@@ -3967,7 +4490,7 @@
           <a:p>
             <a:r>
               <a:rPr lang="en-US" dirty="0" smtClean="0"/>
-              <a:t>Energy Storage Systems</a:t>
+              <a:t>Impact of Renewables</a:t>
             </a:r>
             <a:endParaRPr lang="en-US" dirty="0"/>
           </a:p>
@@ -3990,26 +4513,20 @@
           <a:p>
             <a:r>
               <a:rPr lang="en-US" dirty="0" smtClean="0"/>
-              <a:t>Pros</a:t>
-            </a:r>
+              <a:t>No inertia (H = 0) </a:t>
+            </a:r>
+          </a:p>
+          <a:p>
             <a:r>
               <a:rPr lang="en-US" dirty="0" smtClean="0"/>
-              <a:t>: Provides reserve power</a:t>
-            </a:r>
-            <a:endParaRPr lang="en-US" dirty="0" smtClean="0"/>
+              <a:t>Increased frequency response</a:t>
+            </a:r>
           </a:p>
           <a:p>
             <a:r>
               <a:rPr lang="en-US" dirty="0" smtClean="0"/>
-              <a:t>Cons</a:t>
-            </a:r>
-            <a:r>
-              <a:rPr lang="en-US" dirty="0" smtClean="0"/>
-              <a:t>: Costly</a:t>
-            </a:r>
-            <a:endParaRPr lang="en-US" dirty="0" smtClean="0"/>
-          </a:p>
-          <a:p>
+              <a:t>Less control</a:t>
+            </a:r>
             <a:endParaRPr lang="en-US" dirty="0"/>
           </a:p>
         </p:txBody>
@@ -4017,7 +4534,7 @@
     </p:spTree>
     <p:extLst>
       <p:ext uri="{BB962C8B-B14F-4D97-AF65-F5344CB8AC3E}">
-        <p14:creationId xmlns:p14="http://schemas.microsoft.com/office/powerpoint/2010/main" val="1818619930"/>
+        <p14:creationId xmlns:p14="http://schemas.microsoft.com/office/powerpoint/2010/main" val="3602025122"/>
       </p:ext>
     </p:extLst>
   </p:cSld>
@@ -4059,11 +4576,7 @@
           <a:bodyPr/>
           <a:lstStyle/>
           <a:p>
-            <a:r>
-              <a:rPr lang="en-US" dirty="0" err="1" smtClean="0"/>
-              <a:t>Deloading</a:t>
-            </a:r>
-            <a:endParaRPr lang="en-US" dirty="0"/>
+            <a:endParaRPr lang="en-US"/>
           </a:p>
         </p:txBody>
       </p:sp>
@@ -4082,24 +4595,14 @@
           <a:bodyPr/>
           <a:lstStyle/>
           <a:p>
-            <a:r>
-              <a:rPr lang="en-US" dirty="0" smtClean="0"/>
-              <a:t>Pros: Provides primary control for longer periods of time</a:t>
-            </a:r>
-          </a:p>
-          <a:p>
-            <a:r>
-              <a:rPr lang="en-US" dirty="0" smtClean="0"/>
-              <a:t>Cons: Inefficient and expensive</a:t>
-            </a:r>
-            <a:endParaRPr lang="en-US" dirty="0"/>
+            <a:endParaRPr lang="en-US"/>
           </a:p>
         </p:txBody>
       </p:sp>
     </p:spTree>
     <p:extLst>
       <p:ext uri="{BB962C8B-B14F-4D97-AF65-F5344CB8AC3E}">
-        <p14:creationId xmlns:p14="http://schemas.microsoft.com/office/powerpoint/2010/main" val="1632728426"/>
+        <p14:creationId xmlns:p14="http://schemas.microsoft.com/office/powerpoint/2010/main" val="132979184"/>
       </p:ext>
     </p:extLst>
   </p:cSld>
@@ -4143,6 +4646,345 @@
           <a:p>
             <a:r>
               <a:rPr lang="en-US" dirty="0" smtClean="0"/>
+              <a:t>Proposed Methods</a:t>
+            </a:r>
+            <a:endParaRPr lang="en-US" dirty="0"/>
+          </a:p>
+        </p:txBody>
+      </p:sp>
+      <p:sp>
+        <p:nvSpPr>
+          <p:cNvPr id="3" name="Content Placeholder 2"/>
+          <p:cNvSpPr>
+            <a:spLocks noGrp="1"/>
+          </p:cNvSpPr>
+          <p:nvPr>
+            <p:ph idx="1"/>
+          </p:nvPr>
+        </p:nvSpPr>
+        <p:spPr/>
+        <p:txBody>
+          <a:bodyPr/>
+          <a:lstStyle/>
+          <a:p>
+            <a:r>
+              <a:rPr lang="en-US" dirty="0" smtClean="0"/>
+              <a:t>Synthetic or Virtual Inertia</a:t>
+            </a:r>
+          </a:p>
+          <a:p>
+            <a:r>
+              <a:rPr lang="en-US" dirty="0" smtClean="0"/>
+              <a:t>Energy Storage Systems</a:t>
+            </a:r>
+          </a:p>
+          <a:p>
+            <a:r>
+              <a:rPr lang="en-US" dirty="0" err="1" smtClean="0"/>
+              <a:t>Deloading</a:t>
+            </a:r>
+            <a:endParaRPr lang="en-US" dirty="0" smtClean="0"/>
+          </a:p>
+          <a:p>
+            <a:endParaRPr lang="en-US" dirty="0" smtClean="0"/>
+          </a:p>
+        </p:txBody>
+      </p:sp>
+    </p:spTree>
+    <p:extLst>
+      <p:ext uri="{BB962C8B-B14F-4D97-AF65-F5344CB8AC3E}">
+        <p14:creationId xmlns:p14="http://schemas.microsoft.com/office/powerpoint/2010/main" val="1775937893"/>
+      </p:ext>
+    </p:extLst>
+  </p:cSld>
+  <p:clrMapOvr>
+    <a:masterClrMapping/>
+  </p:clrMapOvr>
+</p:sld>
+</file>
+
+<file path=ppt/slides/slide13.xml><?xml version="1.0" encoding="utf-8"?>
+<p:sld xmlns:a="http://schemas.openxmlformats.org/drawingml/2006/main" xmlns:r="http://schemas.openxmlformats.org/officeDocument/2006/relationships" xmlns:p="http://schemas.openxmlformats.org/presentationml/2006/main">
+  <p:cSld>
+    <p:spTree>
+      <p:nvGrpSpPr>
+        <p:cNvPr id="1" name=""/>
+        <p:cNvGrpSpPr/>
+        <p:nvPr/>
+      </p:nvGrpSpPr>
+      <p:grpSpPr>
+        <a:xfrm>
+          <a:off x="0" y="0"/>
+          <a:ext cx="0" cy="0"/>
+          <a:chOff x="0" y="0"/>
+          <a:chExt cx="0" cy="0"/>
+        </a:xfrm>
+      </p:grpSpPr>
+      <p:sp>
+        <p:nvSpPr>
+          <p:cNvPr id="2" name="Title 1"/>
+          <p:cNvSpPr>
+            <a:spLocks noGrp="1"/>
+          </p:cNvSpPr>
+          <p:nvPr>
+            <p:ph type="title"/>
+          </p:nvPr>
+        </p:nvSpPr>
+        <p:spPr/>
+        <p:txBody>
+          <a:bodyPr/>
+          <a:lstStyle/>
+          <a:p>
+            <a:r>
+              <a:rPr lang="en-US" dirty="0" smtClean="0"/>
+              <a:t>Virtual Inertia</a:t>
+            </a:r>
+            <a:endParaRPr lang="en-US" dirty="0"/>
+          </a:p>
+        </p:txBody>
+      </p:sp>
+      <p:sp>
+        <p:nvSpPr>
+          <p:cNvPr id="3" name="Content Placeholder 2"/>
+          <p:cNvSpPr>
+            <a:spLocks noGrp="1"/>
+          </p:cNvSpPr>
+          <p:nvPr>
+            <p:ph idx="1"/>
+          </p:nvPr>
+        </p:nvSpPr>
+        <p:spPr/>
+        <p:txBody>
+          <a:bodyPr/>
+          <a:lstStyle/>
+          <a:p>
+            <a:r>
+              <a:rPr lang="en-US" dirty="0" smtClean="0"/>
+              <a:t>Pros: Increases overall inertia</a:t>
+            </a:r>
+          </a:p>
+          <a:p>
+            <a:r>
+              <a:rPr lang="en-US" dirty="0" smtClean="0"/>
+              <a:t>Cons: High cost to update all facilities with the necessary control mechanisms</a:t>
+            </a:r>
+            <a:endParaRPr lang="en-US" dirty="0"/>
+          </a:p>
+        </p:txBody>
+      </p:sp>
+    </p:spTree>
+    <p:extLst>
+      <p:ext uri="{BB962C8B-B14F-4D97-AF65-F5344CB8AC3E}">
+        <p14:creationId xmlns:p14="http://schemas.microsoft.com/office/powerpoint/2010/main" val="708870289"/>
+      </p:ext>
+    </p:extLst>
+  </p:cSld>
+  <p:clrMapOvr>
+    <a:masterClrMapping/>
+  </p:clrMapOvr>
+</p:sld>
+</file>
+
+<file path=ppt/slides/slide14.xml><?xml version="1.0" encoding="utf-8"?>
+<p:sld xmlns:a="http://schemas.openxmlformats.org/drawingml/2006/main" xmlns:r="http://schemas.openxmlformats.org/officeDocument/2006/relationships" xmlns:p="http://schemas.openxmlformats.org/presentationml/2006/main">
+  <p:cSld>
+    <p:spTree>
+      <p:nvGrpSpPr>
+        <p:cNvPr id="1" name=""/>
+        <p:cNvGrpSpPr/>
+        <p:nvPr/>
+      </p:nvGrpSpPr>
+      <p:grpSpPr>
+        <a:xfrm>
+          <a:off x="0" y="0"/>
+          <a:ext cx="0" cy="0"/>
+          <a:chOff x="0" y="0"/>
+          <a:chExt cx="0" cy="0"/>
+        </a:xfrm>
+      </p:grpSpPr>
+      <p:sp>
+        <p:nvSpPr>
+          <p:cNvPr id="2" name="Title 1"/>
+          <p:cNvSpPr>
+            <a:spLocks noGrp="1"/>
+          </p:cNvSpPr>
+          <p:nvPr>
+            <p:ph type="title"/>
+          </p:nvPr>
+        </p:nvSpPr>
+        <p:spPr/>
+        <p:txBody>
+          <a:bodyPr/>
+          <a:lstStyle/>
+          <a:p>
+            <a:r>
+              <a:rPr lang="en-US" dirty="0" smtClean="0"/>
+              <a:t>Energy Storage Systems</a:t>
+            </a:r>
+            <a:endParaRPr lang="en-US" dirty="0"/>
+          </a:p>
+        </p:txBody>
+      </p:sp>
+      <p:sp>
+        <p:nvSpPr>
+          <p:cNvPr id="3" name="Content Placeholder 2"/>
+          <p:cNvSpPr>
+            <a:spLocks noGrp="1"/>
+          </p:cNvSpPr>
+          <p:nvPr>
+            <p:ph idx="1"/>
+          </p:nvPr>
+        </p:nvSpPr>
+        <p:spPr/>
+        <p:txBody>
+          <a:bodyPr/>
+          <a:lstStyle/>
+          <a:p>
+            <a:r>
+              <a:rPr lang="en-US" dirty="0" smtClean="0"/>
+              <a:t>Pros: Provides reserve power</a:t>
+            </a:r>
+          </a:p>
+          <a:p>
+            <a:r>
+              <a:rPr lang="en-US" dirty="0" smtClean="0"/>
+              <a:t>Cons: Costly</a:t>
+            </a:r>
+          </a:p>
+          <a:p>
+            <a:endParaRPr lang="en-US" dirty="0"/>
+          </a:p>
+        </p:txBody>
+      </p:sp>
+    </p:spTree>
+    <p:extLst>
+      <p:ext uri="{BB962C8B-B14F-4D97-AF65-F5344CB8AC3E}">
+        <p14:creationId xmlns:p14="http://schemas.microsoft.com/office/powerpoint/2010/main" val="1818619930"/>
+      </p:ext>
+    </p:extLst>
+  </p:cSld>
+  <p:clrMapOvr>
+    <a:masterClrMapping/>
+  </p:clrMapOvr>
+</p:sld>
+</file>
+
+<file path=ppt/slides/slide15.xml><?xml version="1.0" encoding="utf-8"?>
+<p:sld xmlns:a="http://schemas.openxmlformats.org/drawingml/2006/main" xmlns:r="http://schemas.openxmlformats.org/officeDocument/2006/relationships" xmlns:p="http://schemas.openxmlformats.org/presentationml/2006/main">
+  <p:cSld>
+    <p:spTree>
+      <p:nvGrpSpPr>
+        <p:cNvPr id="1" name=""/>
+        <p:cNvGrpSpPr/>
+        <p:nvPr/>
+      </p:nvGrpSpPr>
+      <p:grpSpPr>
+        <a:xfrm>
+          <a:off x="0" y="0"/>
+          <a:ext cx="0" cy="0"/>
+          <a:chOff x="0" y="0"/>
+          <a:chExt cx="0" cy="0"/>
+        </a:xfrm>
+      </p:grpSpPr>
+      <p:sp>
+        <p:nvSpPr>
+          <p:cNvPr id="2" name="Title 1"/>
+          <p:cNvSpPr>
+            <a:spLocks noGrp="1"/>
+          </p:cNvSpPr>
+          <p:nvPr>
+            <p:ph type="title"/>
+          </p:nvPr>
+        </p:nvSpPr>
+        <p:spPr/>
+        <p:txBody>
+          <a:bodyPr/>
+          <a:lstStyle/>
+          <a:p>
+            <a:r>
+              <a:rPr lang="en-US" dirty="0" err="1" smtClean="0"/>
+              <a:t>Deloading</a:t>
+            </a:r>
+            <a:endParaRPr lang="en-US" dirty="0"/>
+          </a:p>
+        </p:txBody>
+      </p:sp>
+      <p:sp>
+        <p:nvSpPr>
+          <p:cNvPr id="3" name="Content Placeholder 2"/>
+          <p:cNvSpPr>
+            <a:spLocks noGrp="1"/>
+          </p:cNvSpPr>
+          <p:nvPr>
+            <p:ph idx="1"/>
+          </p:nvPr>
+        </p:nvSpPr>
+        <p:spPr/>
+        <p:txBody>
+          <a:bodyPr/>
+          <a:lstStyle/>
+          <a:p>
+            <a:r>
+              <a:rPr lang="en-US" dirty="0" smtClean="0"/>
+              <a:t>Pros: Provides primary control for longer periods of time</a:t>
+            </a:r>
+          </a:p>
+          <a:p>
+            <a:r>
+              <a:rPr lang="en-US" dirty="0" smtClean="0"/>
+              <a:t>Cons: Inefficient and expensive</a:t>
+            </a:r>
+            <a:endParaRPr lang="en-US" dirty="0"/>
+          </a:p>
+        </p:txBody>
+      </p:sp>
+    </p:spTree>
+    <p:extLst>
+      <p:ext uri="{BB962C8B-B14F-4D97-AF65-F5344CB8AC3E}">
+        <p14:creationId xmlns:p14="http://schemas.microsoft.com/office/powerpoint/2010/main" val="1632728426"/>
+      </p:ext>
+    </p:extLst>
+  </p:cSld>
+  <p:clrMapOvr>
+    <a:masterClrMapping/>
+  </p:clrMapOvr>
+</p:sld>
+</file>
+
+<file path=ppt/slides/slide16.xml><?xml version="1.0" encoding="utf-8"?>
+<p:sld xmlns:a="http://schemas.openxmlformats.org/drawingml/2006/main" xmlns:r="http://schemas.openxmlformats.org/officeDocument/2006/relationships" xmlns:p="http://schemas.openxmlformats.org/presentationml/2006/main">
+  <p:cSld>
+    <p:spTree>
+      <p:nvGrpSpPr>
+        <p:cNvPr id="1" name=""/>
+        <p:cNvGrpSpPr/>
+        <p:nvPr/>
+      </p:nvGrpSpPr>
+      <p:grpSpPr>
+        <a:xfrm>
+          <a:off x="0" y="0"/>
+          <a:ext cx="0" cy="0"/>
+          <a:chOff x="0" y="0"/>
+          <a:chExt cx="0" cy="0"/>
+        </a:xfrm>
+      </p:grpSpPr>
+      <p:sp>
+        <p:nvSpPr>
+          <p:cNvPr id="2" name="Title 1"/>
+          <p:cNvSpPr>
+            <a:spLocks noGrp="1"/>
+          </p:cNvSpPr>
+          <p:nvPr>
+            <p:ph type="title"/>
+          </p:nvPr>
+        </p:nvSpPr>
+        <p:spPr/>
+        <p:txBody>
+          <a:bodyPr/>
+          <a:lstStyle/>
+          <a:p>
+            <a:r>
+              <a:rPr lang="en-US" dirty="0" smtClean="0"/>
               <a:t>References</a:t>
             </a:r>
             <a:endParaRPr lang="en-US" dirty="0"/>
@@ -4167,7 +5009,7 @@
         </p:spPr>
         <p:txBody>
           <a:bodyPr>
-            <a:normAutofit fontScale="47500" lnSpcReduction="20000"/>
+            <a:normAutofit fontScale="70000" lnSpcReduction="20000"/>
           </a:bodyPr>
           <a:lstStyle/>
           <a:p>
@@ -4226,7 +5068,6 @@
               <a:rPr lang="en-US" dirty="0"/>
               <a:t>, vol. 47, no. 3, pp. 7290-7297, 2014.</a:t>
             </a:r>
-            <a:endParaRPr lang="en-US" dirty="0"/>
           </a:p>
           <a:p>
             <a:pPr marL="0" indent="0">
@@ -4268,7 +5109,6 @@
               <a:rPr lang="en-US" dirty="0"/>
               <a:t>, vol. 34, no. 2, pp. 160-173, 1987.</a:t>
             </a:r>
-            <a:endParaRPr lang="en-US" dirty="0"/>
           </a:p>
           <a:p>
             <a:pPr marL="0" indent="0">
@@ -4310,7 +5150,6 @@
               <a:rPr lang="en-US" dirty="0"/>
               <a:t>, vol. 73, no. 12, pp. 1703-1715, 1985.</a:t>
             </a:r>
-            <a:endParaRPr lang="en-US" dirty="0"/>
           </a:p>
           <a:p>
             <a:pPr marL="0" indent="0">
@@ -4360,7 +5199,6 @@
               <a:rPr lang="en-US" dirty="0"/>
               <a:t>. 7, pp. 775-782, 2015.</a:t>
             </a:r>
-            <a:endParaRPr lang="en-US" dirty="0"/>
           </a:p>
           <a:p>
             <a:pPr marL="0" indent="0">
@@ -4418,7 +5256,6 @@
               <a:rPr lang="en-US" dirty="0"/>
               <a:t>, no. 4, pp. 1637-1642, 1972.</a:t>
             </a:r>
-            <a:endParaRPr lang="en-US" dirty="0"/>
           </a:p>
           <a:p>
             <a:pPr marL="0" indent="0">
@@ -4476,7 +5313,6 @@
               <a:rPr lang="en-US" dirty="0"/>
               <a:t>, vol., no. 99, pp. 1-1, 2016.</a:t>
             </a:r>
-            <a:endParaRPr lang="en-US" dirty="0"/>
           </a:p>
           <a:p>
             <a:pPr marL="0" indent="0">
@@ -4542,7 +5378,6 @@
               <a:rPr lang="en-US" dirty="0"/>
               <a:t>, pp. 1-8, 2012.</a:t>
             </a:r>
-            <a:endParaRPr lang="en-US" dirty="0"/>
           </a:p>
           <a:p>
             <a:pPr marL="0" indent="0">
@@ -4624,7 +5459,9 @@
         </p:nvSpPr>
         <p:spPr/>
         <p:txBody>
-          <a:bodyPr/>
+          <a:bodyPr>
+            <a:normAutofit/>
+          </a:bodyPr>
           <a:lstStyle/>
           <a:p>
             <a:r>
@@ -4635,37 +5472,54 @@
           <a:p>
             <a:r>
               <a:rPr lang="en-US" dirty="0" smtClean="0"/>
-              <a:t>Frequency Response and Control in Power Systems</a:t>
-            </a:r>
+              <a:t>Background</a:t>
+            </a:r>
+            <a:endParaRPr lang="en-US" dirty="0" smtClean="0"/>
           </a:p>
           <a:p>
             <a:r>
               <a:rPr lang="en-US" dirty="0" smtClean="0"/>
               <a:t>Modeling</a:t>
             </a:r>
+            <a:endParaRPr lang="en-US" dirty="0" smtClean="0"/>
           </a:p>
           <a:p>
             <a:r>
               <a:rPr lang="en-US" dirty="0" smtClean="0"/>
-              <a:t>Swing Equation</a:t>
+              <a:t>Swing </a:t>
+            </a:r>
+            <a:r>
+              <a:rPr lang="en-US" dirty="0" smtClean="0"/>
+              <a:t>Equation</a:t>
+            </a:r>
+          </a:p>
+          <a:p>
+            <a:r>
+              <a:rPr lang="en-US" dirty="0" smtClean="0"/>
+              <a:t>Results</a:t>
             </a:r>
             <a:endParaRPr lang="en-US" dirty="0" smtClean="0"/>
           </a:p>
           <a:p>
             <a:r>
               <a:rPr lang="en-US" dirty="0" smtClean="0"/>
-              <a:t>Impact of </a:t>
-            </a:r>
+              <a:t>Impact of Renewables</a:t>
+            </a:r>
+          </a:p>
+          <a:p>
             <a:r>
               <a:rPr lang="en-US" dirty="0" smtClean="0"/>
-              <a:t>Renewables</a:t>
-            </a:r>
-            <a:endParaRPr lang="en-US" dirty="0" smtClean="0"/>
-          </a:p>
-          <a:p>
+              <a:t>Proposed </a:t>
+            </a:r>
             <a:r>
               <a:rPr lang="en-US" dirty="0" smtClean="0"/>
-              <a:t>Proposed methods</a:t>
+              <a:t>methods</a:t>
+            </a:r>
+          </a:p>
+          <a:p>
+            <a:r>
+              <a:rPr lang="en-US" dirty="0" smtClean="0"/>
+              <a:t>Results</a:t>
             </a:r>
             <a:endParaRPr lang="en-US" dirty="0"/>
           </a:p>
@@ -4795,7 +5649,7 @@
         <p:spPr/>
         <p:txBody>
           <a:bodyPr>
-            <a:normAutofit fontScale="90000"/>
+            <a:normAutofit/>
           </a:bodyPr>
           <a:lstStyle/>
           <a:p>
@@ -4850,11 +5704,7 @@
           <a:p>
             <a:r>
               <a:rPr lang="en-US" dirty="0" smtClean="0"/>
-              <a:t>Faster frequency response = </a:t>
-            </a:r>
-            <a:r>
-              <a:rPr lang="en-US" dirty="0" smtClean="0"/>
-              <a:t>more severe consequences</a:t>
+              <a:t>Faster frequency response = more severe consequences</a:t>
             </a:r>
             <a:endParaRPr lang="en-US" dirty="0"/>
           </a:p>
@@ -4931,26 +5781,46 @@
         </p:nvSpPr>
         <p:spPr>
           <a:xfrm>
-            <a:off x="457200" y="1600200"/>
-            <a:ext cx="8229600" cy="5077293"/>
+            <a:off x="946404" y="1828801"/>
+            <a:ext cx="6685319" cy="4325814"/>
           </a:xfrm>
         </p:spPr>
         <p:txBody>
           <a:bodyPr>
-            <a:normAutofit lnSpcReduction="10000"/>
+            <a:normAutofit/>
           </a:bodyPr>
           <a:lstStyle/>
           <a:p>
             <a:r>
               <a:rPr lang="en-US" dirty="0" smtClean="0"/>
-              <a:t>Simulation software</a:t>
-            </a:r>
+              <a:t>Simulation </a:t>
+            </a:r>
+            <a:r>
+              <a:rPr lang="en-US" dirty="0" smtClean="0"/>
+              <a:t>software (i.e. “insert simulation software name here”)</a:t>
+            </a:r>
+            <a:endParaRPr lang="en-US" dirty="0" smtClean="0"/>
           </a:p>
           <a:p>
             <a:pPr lvl="1"/>
             <a:r>
               <a:rPr lang="en-US" dirty="0" smtClean="0"/>
-              <a:t>Complicated (many variables)</a:t>
+              <a:t>Used </a:t>
+            </a:r>
+            <a:r>
+              <a:rPr lang="en-US" dirty="0" smtClean="0"/>
+              <a:t>as a comparison tool to validate simplified models in THIS paper</a:t>
+            </a:r>
+          </a:p>
+          <a:p>
+            <a:pPr lvl="1"/>
+            <a:r>
+              <a:rPr lang="en-US" dirty="0" smtClean="0"/>
+              <a:t>Complicated </a:t>
+            </a:r>
+            <a:r>
+              <a:rPr lang="en-US" dirty="0" smtClean="0"/>
+              <a:t>(many variables)</a:t>
             </a:r>
           </a:p>
           <a:p>
@@ -4958,59 +5828,6 @@
             <a:r>
               <a:rPr lang="en-US" dirty="0" smtClean="0"/>
               <a:t>Expensive (time and money)</a:t>
-            </a:r>
-          </a:p>
-          <a:p>
-            <a:r>
-              <a:rPr lang="en-US" dirty="0" smtClean="0"/>
-              <a:t>Full network models</a:t>
-            </a:r>
-          </a:p>
-          <a:p>
-            <a:pPr lvl="1"/>
-            <a:r>
-              <a:rPr lang="en-US" dirty="0" smtClean="0"/>
-              <a:t>Complicated (many variables)</a:t>
-            </a:r>
-          </a:p>
-          <a:p>
-            <a:pPr lvl="1"/>
-            <a:r>
-              <a:rPr lang="en-US" dirty="0" smtClean="0"/>
-              <a:t>Time</a:t>
-            </a:r>
-          </a:p>
-          <a:p>
-            <a:r>
-              <a:rPr lang="en-US" dirty="0" smtClean="0"/>
-              <a:t>Simplified </a:t>
-            </a:r>
-            <a:r>
-              <a:rPr lang="en-US" dirty="0" smtClean="0"/>
-              <a:t>Models (Aggregated Swing eq. Average Freq.)</a:t>
-            </a:r>
-            <a:endParaRPr lang="en-US" dirty="0" smtClean="0"/>
-          </a:p>
-          <a:p>
-            <a:pPr lvl="1"/>
-            <a:r>
-              <a:rPr lang="en-US" dirty="0" smtClean="0"/>
-              <a:t>Marginally l</a:t>
-            </a:r>
-            <a:r>
-              <a:rPr lang="en-US" dirty="0" smtClean="0"/>
-              <a:t>ess </a:t>
-            </a:r>
-            <a:r>
-              <a:rPr lang="en-US" dirty="0" smtClean="0"/>
-              <a:t>accurate</a:t>
-            </a:r>
-          </a:p>
-          <a:p>
-            <a:pPr lvl="1"/>
-            <a:r>
-              <a:rPr lang="en-US" dirty="0" smtClean="0"/>
-              <a:t>Easy to use</a:t>
             </a:r>
           </a:p>
           <a:p>
@@ -5070,7 +5887,7 @@
           <a:p>
             <a:r>
               <a:rPr lang="en-US" dirty="0" smtClean="0"/>
-              <a:t>Swing Equation</a:t>
+              <a:t>Modeling</a:t>
             </a:r>
             <a:endParaRPr lang="en-US" dirty="0"/>
           </a:p>
@@ -5086,116 +5903,41 @@
             <p:ph idx="1"/>
           </p:nvPr>
         </p:nvSpPr>
-        <p:spPr/>
-        <p:txBody>
-          <a:bodyPr/>
-          <a:lstStyle/>
-          <a:p>
-            <a:r>
-              <a:rPr lang="en-US" dirty="0" smtClean="0"/>
-              <a:t>Aggregate Swing Equation:</a:t>
-            </a:r>
-          </a:p>
-          <a:p>
-            <a:endParaRPr lang="en-US" dirty="0"/>
-          </a:p>
-          <a:p>
-            <a:endParaRPr lang="en-US" dirty="0" smtClean="0"/>
-          </a:p>
-          <a:p>
-            <a:r>
-              <a:rPr lang="en-US" dirty="0" smtClean="0"/>
-              <a:t>Two-Area Model:</a:t>
-            </a:r>
-          </a:p>
-        </p:txBody>
-      </p:sp>
-      <p:pic>
-        <p:nvPicPr>
-          <p:cNvPr id="5" name="Picture 4"/>
-          <p:cNvPicPr>
-            <a:picLocks noChangeAspect="1"/>
-          </p:cNvPicPr>
-          <p:nvPr/>
-        </p:nvPicPr>
-        <p:blipFill>
-          <a:blip r:embed="rId3">
-            <a:extLst>
-              <a:ext uri="{28A0092B-C50C-407E-A947-70E740481C1C}">
-                <a14:useLocalDpi xmlns:a14="http://schemas.microsoft.com/office/drawing/2010/main" val="0"/>
-              </a:ext>
-            </a:extLst>
-          </a:blip>
-          <a:stretch>
-            <a:fillRect/>
-          </a:stretch>
-        </p:blipFill>
         <p:spPr>
           <a:xfrm>
-            <a:off x="2216150" y="2443193"/>
-            <a:ext cx="4711700" cy="647700"/>
+            <a:off x="946404" y="1846385"/>
+            <a:ext cx="6446520" cy="4333753"/>
           </a:xfrm>
-          <a:prstGeom prst="rect">
-            <a:avLst/>
-          </a:prstGeom>
         </p:spPr>
-      </p:pic>
-      <p:pic>
-        <p:nvPicPr>
-          <p:cNvPr id="6" name="Picture 5"/>
-          <p:cNvPicPr>
-            <a:picLocks noChangeAspect="1"/>
-          </p:cNvPicPr>
-          <p:nvPr/>
-        </p:nvPicPr>
-        <p:blipFill>
-          <a:blip r:embed="rId4">
-            <a:extLst>
-              <a:ext uri="{28A0092B-C50C-407E-A947-70E740481C1C}">
-                <a14:useLocalDpi xmlns:a14="http://schemas.microsoft.com/office/drawing/2010/main" val="0"/>
-              </a:ext>
-            </a:extLst>
-          </a:blip>
-          <a:stretch>
-            <a:fillRect/>
-          </a:stretch>
-        </p:blipFill>
-        <p:spPr>
-          <a:xfrm>
-            <a:off x="2184400" y="4013441"/>
-            <a:ext cx="4775200" cy="2451100"/>
-          </a:xfrm>
-          <a:prstGeom prst="rect">
-            <a:avLst/>
-          </a:prstGeom>
-        </p:spPr>
-      </p:pic>
-      <p:sp>
-        <p:nvSpPr>
-          <p:cNvPr id="7" name="TextBox 6"/>
-          <p:cNvSpPr txBox="1"/>
-          <p:nvPr/>
-        </p:nvSpPr>
-        <p:spPr>
-          <a:xfrm>
-            <a:off x="8367623" y="6464541"/>
-            <a:ext cx="517585" cy="369332"/>
-          </a:xfrm>
-          <a:prstGeom prst="rect">
-            <a:avLst/>
-          </a:prstGeom>
-          <a:noFill/>
-        </p:spPr>
-        <p:txBody>
-          <a:bodyPr wrap="square" rtlCol="0">
-            <a:spAutoFit/>
-          </a:bodyPr>
-          <a:lstStyle/>
-          <a:p>
+        <p:txBody>
+          <a:bodyPr/>
+          <a:lstStyle/>
+          <a:p>
+            <a:r>
+              <a:rPr lang="en-US" dirty="0"/>
+              <a:t>Full network </a:t>
+            </a:r>
             <a:r>
               <a:rPr lang="en-US" dirty="0" smtClean="0"/>
-              <a:t>[1]</a:t>
-            </a:r>
+              <a:t>models (as in THIS paper)</a:t>
+            </a:r>
+            <a:endParaRPr lang="en-US" dirty="0"/>
+          </a:p>
+          <a:p>
+            <a:pPr lvl="1"/>
+            <a:r>
+              <a:rPr lang="en-US" dirty="0"/>
+              <a:t>Complicated (many variables)</a:t>
+            </a:r>
+          </a:p>
+          <a:p>
+            <a:pPr lvl="1"/>
+            <a:r>
+              <a:rPr lang="en-US" dirty="0"/>
+              <a:t>Time</a:t>
+            </a:r>
+          </a:p>
+          <a:p>
             <a:endParaRPr lang="en-US" dirty="0"/>
           </a:p>
         </p:txBody>
@@ -5203,7 +5945,7 @@
     </p:spTree>
     <p:extLst>
       <p:ext uri="{BB962C8B-B14F-4D97-AF65-F5344CB8AC3E}">
-        <p14:creationId xmlns:p14="http://schemas.microsoft.com/office/powerpoint/2010/main" val="1880205081"/>
+        <p14:creationId xmlns:p14="http://schemas.microsoft.com/office/powerpoint/2010/main" val="1809242005"/>
       </p:ext>
     </p:extLst>
   </p:cSld>
@@ -5247,7 +5989,7 @@
           <a:p>
             <a:r>
               <a:rPr lang="en-US" dirty="0" smtClean="0"/>
-              <a:t>Impact of Renewables</a:t>
+              <a:t>Modeling</a:t>
             </a:r>
             <a:endParaRPr lang="en-US" dirty="0"/>
           </a:p>
@@ -5269,21 +6011,25 @@
           <a:lstStyle/>
           <a:p>
             <a:r>
-              <a:rPr lang="en-US" dirty="0" smtClean="0"/>
-              <a:t>No inertia (H = 0) </a:t>
-            </a:r>
-          </a:p>
-          <a:p>
-            <a:r>
-              <a:rPr lang="en-US" dirty="0" smtClean="0"/>
-              <a:t>Increased frequency response</a:t>
-            </a:r>
-          </a:p>
-          <a:p>
-            <a:r>
-              <a:rPr lang="en-US" dirty="0" smtClean="0"/>
-              <a:t>Less control</a:t>
-            </a:r>
+              <a:rPr lang="en-US" dirty="0"/>
+              <a:t>Simplified Models (Aggregated Swing eq. Average Freq.)</a:t>
+            </a:r>
+          </a:p>
+          <a:p>
+            <a:pPr lvl="1"/>
+            <a:r>
+              <a:rPr lang="en-US" dirty="0"/>
+              <a:t>Marginally less accurate</a:t>
+            </a:r>
+          </a:p>
+          <a:p>
+            <a:pPr lvl="1"/>
+            <a:r>
+              <a:rPr lang="en-US" dirty="0"/>
+              <a:t>Easy to use</a:t>
+            </a:r>
+          </a:p>
+          <a:p>
             <a:endParaRPr lang="en-US" dirty="0"/>
           </a:p>
         </p:txBody>
@@ -5291,7 +6037,7 @@
     </p:spTree>
     <p:extLst>
       <p:ext uri="{BB962C8B-B14F-4D97-AF65-F5344CB8AC3E}">
-        <p14:creationId xmlns:p14="http://schemas.microsoft.com/office/powerpoint/2010/main" val="3602025122"/>
+        <p14:creationId xmlns:p14="http://schemas.microsoft.com/office/powerpoint/2010/main" val="1878603003"/>
       </p:ext>
     </p:extLst>
   </p:cSld>
@@ -5335,58 +6081,854 @@
           <a:p>
             <a:r>
               <a:rPr lang="en-US" dirty="0" smtClean="0"/>
-              <a:t>Proposed Methods</a:t>
+              <a:t>Swing </a:t>
+            </a:r>
+            <a:r>
+              <a:rPr lang="en-US" dirty="0" smtClean="0"/>
+              <a:t>Equation (no control)</a:t>
             </a:r>
             <a:endParaRPr lang="en-US" dirty="0"/>
           </a:p>
         </p:txBody>
       </p:sp>
-      <p:sp>
-        <p:nvSpPr>
-          <p:cNvPr id="3" name="Content Placeholder 2"/>
-          <p:cNvSpPr>
-            <a:spLocks noGrp="1"/>
-          </p:cNvSpPr>
-          <p:nvPr>
-            <p:ph idx="1"/>
-          </p:nvPr>
-        </p:nvSpPr>
-        <p:spPr/>
-        <p:txBody>
-          <a:bodyPr/>
+      <mc:AlternateContent xmlns:mc="http://schemas.openxmlformats.org/markup-compatibility/2006">
+        <mc:Choice xmlns:a14="http://schemas.microsoft.com/office/drawing/2010/main" Requires="a14">
+          <p:sp>
+            <p:nvSpPr>
+              <p:cNvPr id="3" name="Content Placeholder 2"/>
+              <p:cNvSpPr>
+                <a:spLocks noGrp="1"/>
+              </p:cNvSpPr>
+              <p:nvPr>
+                <p:ph idx="1"/>
+              </p:nvPr>
+            </p:nvSpPr>
+            <p:spPr>
+              <a:xfrm>
+                <a:off x="457200" y="1916723"/>
+                <a:ext cx="7758684" cy="4413739"/>
+              </a:xfrm>
+            </p:spPr>
+            <p:txBody>
+              <a:bodyPr>
+                <a:normAutofit/>
+              </a:bodyPr>
+              <a:lstStyle/>
+              <a:p>
+                <a:pPr>
+                  <a:lnSpc>
+                    <a:spcPct val="120000"/>
+                  </a:lnSpc>
+                </a:pPr>
+                <a:r>
+                  <a:rPr lang="en-US" dirty="0" smtClean="0"/>
+                  <a:t>Aggregate Swing Equation:</a:t>
+                </a:r>
+              </a:p>
+              <a:p>
+                <a:pPr marL="0" indent="0">
+                  <a:lnSpc>
+                    <a:spcPct val="120000"/>
+                  </a:lnSpc>
+                  <a:buNone/>
+                </a:pPr>
+                <a14:m>
+                  <m:oMathPara xmlns:m="http://schemas.openxmlformats.org/officeDocument/2006/math">
+                    <m:oMathParaPr>
+                      <m:jc m:val="centerGroup"/>
+                    </m:oMathParaPr>
+                    <m:oMath xmlns:m="http://schemas.openxmlformats.org/officeDocument/2006/math">
+                      <m:r>
+                        <a:rPr lang="en-US" i="1" smtClean="0">
+                          <a:latin typeface="Cambria Math" charset="0"/>
+                          <a:ea typeface="Cambria Math" charset="0"/>
+                          <a:cs typeface="Cambria Math" charset="0"/>
+                        </a:rPr>
+                        <m:t>∆</m:t>
+                      </m:r>
+                      <m:acc>
+                        <m:accPr>
+                          <m:chr m:val="̇"/>
+                          <m:ctrlPr>
+                            <a:rPr lang="en-US" i="1" smtClean="0">
+                              <a:latin typeface="Cambria Math" charset="0"/>
+                              <a:ea typeface="Cambria Math" charset="0"/>
+                              <a:cs typeface="Cambria Math" charset="0"/>
+                            </a:rPr>
+                          </m:ctrlPr>
+                        </m:accPr>
+                        <m:e>
+                          <m:r>
+                            <a:rPr lang="en-US" b="0" i="1" smtClean="0">
+                              <a:latin typeface="Cambria Math" charset="0"/>
+                              <a:ea typeface="Cambria Math" charset="0"/>
+                              <a:cs typeface="Cambria Math" charset="0"/>
+                            </a:rPr>
+                            <m:t>𝑓</m:t>
+                          </m:r>
+                        </m:e>
+                      </m:acc>
+                      <m:r>
+                        <a:rPr lang="en-US" b="0" i="1" smtClean="0">
+                          <a:latin typeface="Cambria Math" charset="0"/>
+                          <a:ea typeface="Cambria Math" charset="0"/>
+                          <a:cs typeface="Cambria Math" charset="0"/>
+                        </a:rPr>
+                        <m:t>=−</m:t>
+                      </m:r>
+                      <m:f>
+                        <m:fPr>
+                          <m:ctrlPr>
+                            <a:rPr lang="mr-IN" b="0" i="1" smtClean="0">
+                              <a:latin typeface="Cambria Math" charset="0"/>
+                              <a:ea typeface="Cambria Math" charset="0"/>
+                              <a:cs typeface="Cambria Math" charset="0"/>
+                            </a:rPr>
+                          </m:ctrlPr>
+                        </m:fPr>
+                        <m:num>
+                          <m:sSub>
+                            <m:sSubPr>
+                              <m:ctrlPr>
+                                <a:rPr lang="en-US" b="0" i="1" smtClean="0">
+                                  <a:latin typeface="Cambria Math" charset="0"/>
+                                  <a:ea typeface="Cambria Math" charset="0"/>
+                                  <a:cs typeface="Cambria Math" charset="0"/>
+                                </a:rPr>
+                              </m:ctrlPr>
+                            </m:sSubPr>
+                            <m:e>
+                              <m:r>
+                                <a:rPr lang="en-US" b="0" i="1" smtClean="0">
+                                  <a:latin typeface="Cambria Math" charset="0"/>
+                                  <a:ea typeface="Cambria Math" charset="0"/>
+                                  <a:cs typeface="Cambria Math" charset="0"/>
+                                </a:rPr>
+                                <m:t>𝑓</m:t>
+                              </m:r>
+                            </m:e>
+                            <m:sub>
+                              <m:r>
+                                <a:rPr lang="en-US" b="0" i="1" smtClean="0">
+                                  <a:latin typeface="Cambria Math" charset="0"/>
+                                  <a:ea typeface="Cambria Math" charset="0"/>
+                                  <a:cs typeface="Cambria Math" charset="0"/>
+                                </a:rPr>
+                                <m:t>0</m:t>
+                              </m:r>
+                            </m:sub>
+                          </m:sSub>
+                        </m:num>
+                        <m:den>
+                          <m:r>
+                            <a:rPr lang="en-US" b="0" i="1" smtClean="0">
+                              <a:latin typeface="Cambria Math" charset="0"/>
+                              <a:ea typeface="Cambria Math" charset="0"/>
+                              <a:cs typeface="Cambria Math" charset="0"/>
+                            </a:rPr>
+                            <m:t>2</m:t>
+                          </m:r>
+                          <m:r>
+                            <a:rPr lang="en-US" b="0" i="1" smtClean="0">
+                              <a:latin typeface="Cambria Math" charset="0"/>
+                              <a:ea typeface="Cambria Math" charset="0"/>
+                              <a:cs typeface="Cambria Math" charset="0"/>
+                            </a:rPr>
+                            <m:t>𝐻</m:t>
+                          </m:r>
+                          <m:sSub>
+                            <m:sSubPr>
+                              <m:ctrlPr>
+                                <a:rPr lang="en-US" b="0" i="1" smtClean="0">
+                                  <a:latin typeface="Cambria Math" charset="0"/>
+                                  <a:ea typeface="Cambria Math" charset="0"/>
+                                  <a:cs typeface="Cambria Math" charset="0"/>
+                                </a:rPr>
+                              </m:ctrlPr>
+                            </m:sSubPr>
+                            <m:e>
+                              <m:r>
+                                <a:rPr lang="en-US" b="0" i="1" smtClean="0">
+                                  <a:latin typeface="Cambria Math" charset="0"/>
+                                  <a:ea typeface="Cambria Math" charset="0"/>
+                                  <a:cs typeface="Cambria Math" charset="0"/>
+                                </a:rPr>
+                                <m:t>𝑆</m:t>
+                              </m:r>
+                            </m:e>
+                            <m:sub>
+                              <m:r>
+                                <a:rPr lang="en-US" b="0" i="1" smtClean="0">
+                                  <a:latin typeface="Cambria Math" charset="0"/>
+                                  <a:ea typeface="Cambria Math" charset="0"/>
+                                  <a:cs typeface="Cambria Math" charset="0"/>
+                                </a:rPr>
+                                <m:t>𝐵</m:t>
+                              </m:r>
+                            </m:sub>
+                          </m:sSub>
+                          <m:sSub>
+                            <m:sSubPr>
+                              <m:ctrlPr>
+                                <a:rPr lang="en-US" b="0" i="1" smtClean="0">
+                                  <a:latin typeface="Cambria Math" charset="0"/>
+                                  <a:ea typeface="Cambria Math" charset="0"/>
+                                  <a:cs typeface="Cambria Math" charset="0"/>
+                                </a:rPr>
+                              </m:ctrlPr>
+                            </m:sSubPr>
+                            <m:e>
+                              <m:r>
+                                <a:rPr lang="en-US" b="0" i="1" smtClean="0">
+                                  <a:latin typeface="Cambria Math" charset="0"/>
+                                  <a:ea typeface="Cambria Math" charset="0"/>
+                                  <a:cs typeface="Cambria Math" charset="0"/>
+                                </a:rPr>
+                                <m:t>𝐷</m:t>
+                              </m:r>
+                            </m:e>
+                            <m:sub>
+                              <m:r>
+                                <a:rPr lang="en-US" b="0" i="1" smtClean="0">
+                                  <a:latin typeface="Cambria Math" charset="0"/>
+                                  <a:ea typeface="Cambria Math" charset="0"/>
+                                  <a:cs typeface="Cambria Math" charset="0"/>
+                                </a:rPr>
+                                <m:t>𝑙𝑜𝑎𝑑</m:t>
+                              </m:r>
+                            </m:sub>
+                          </m:sSub>
+                        </m:den>
+                      </m:f>
+                      <m:r>
+                        <a:rPr lang="mr-IN" b="0" i="1" smtClean="0">
+                          <a:latin typeface="Cambria Math" charset="0"/>
+                          <a:ea typeface="Cambria Math" charset="0"/>
+                          <a:cs typeface="Cambria Math" charset="0"/>
+                        </a:rPr>
+                        <m:t>∆</m:t>
+                      </m:r>
+                      <m:r>
+                        <a:rPr lang="en-US" b="0" i="1" smtClean="0">
+                          <a:latin typeface="Cambria Math" charset="0"/>
+                          <a:ea typeface="Cambria Math" charset="0"/>
+                          <a:cs typeface="Cambria Math" charset="0"/>
+                        </a:rPr>
+                        <m:t>𝑓</m:t>
+                      </m:r>
+                      <m:r>
+                        <a:rPr lang="en-US" b="0" i="1" smtClean="0">
+                          <a:latin typeface="Cambria Math" charset="0"/>
+                          <a:ea typeface="Cambria Math" charset="0"/>
+                          <a:cs typeface="Cambria Math" charset="0"/>
+                        </a:rPr>
+                        <m:t>+</m:t>
+                      </m:r>
+                      <m:f>
+                        <m:fPr>
+                          <m:ctrlPr>
+                            <a:rPr lang="mr-IN" b="0" i="1" smtClean="0">
+                              <a:latin typeface="Cambria Math" charset="0"/>
+                              <a:ea typeface="Cambria Math" charset="0"/>
+                              <a:cs typeface="Cambria Math" charset="0"/>
+                            </a:rPr>
+                          </m:ctrlPr>
+                        </m:fPr>
+                        <m:num>
+                          <m:sSub>
+                            <m:sSubPr>
+                              <m:ctrlPr>
+                                <a:rPr lang="en-US" b="0" i="1" smtClean="0">
+                                  <a:latin typeface="Cambria Math" charset="0"/>
+                                  <a:ea typeface="Cambria Math" charset="0"/>
+                                  <a:cs typeface="Cambria Math" charset="0"/>
+                                </a:rPr>
+                              </m:ctrlPr>
+                            </m:sSubPr>
+                            <m:e>
+                              <m:r>
+                                <a:rPr lang="en-US" b="0" i="1" smtClean="0">
+                                  <a:latin typeface="Cambria Math" charset="0"/>
+                                  <a:ea typeface="Cambria Math" charset="0"/>
+                                  <a:cs typeface="Cambria Math" charset="0"/>
+                                </a:rPr>
+                                <m:t>𝑓</m:t>
+                              </m:r>
+                            </m:e>
+                            <m:sub>
+                              <m:r>
+                                <a:rPr lang="en-US" b="0" i="1" smtClean="0">
+                                  <a:latin typeface="Cambria Math" charset="0"/>
+                                  <a:ea typeface="Cambria Math" charset="0"/>
+                                  <a:cs typeface="Cambria Math" charset="0"/>
+                                </a:rPr>
+                                <m:t>0</m:t>
+                              </m:r>
+                            </m:sub>
+                          </m:sSub>
+                        </m:num>
+                        <m:den>
+                          <m:r>
+                            <a:rPr lang="en-US" b="0" i="1" smtClean="0">
+                              <a:latin typeface="Cambria Math" charset="0"/>
+                              <a:ea typeface="Cambria Math" charset="0"/>
+                              <a:cs typeface="Cambria Math" charset="0"/>
+                            </a:rPr>
+                            <m:t>2</m:t>
+                          </m:r>
+                          <m:r>
+                            <a:rPr lang="en-US" b="0" i="1" smtClean="0">
+                              <a:latin typeface="Cambria Math" charset="0"/>
+                              <a:ea typeface="Cambria Math" charset="0"/>
+                              <a:cs typeface="Cambria Math" charset="0"/>
+                            </a:rPr>
+                            <m:t>𝐻</m:t>
+                          </m:r>
+                          <m:sSub>
+                            <m:sSubPr>
+                              <m:ctrlPr>
+                                <a:rPr lang="en-US" b="0" i="1" smtClean="0">
+                                  <a:latin typeface="Cambria Math" charset="0"/>
+                                  <a:ea typeface="Cambria Math" charset="0"/>
+                                  <a:cs typeface="Cambria Math" charset="0"/>
+                                </a:rPr>
+                              </m:ctrlPr>
+                            </m:sSubPr>
+                            <m:e>
+                              <m:r>
+                                <a:rPr lang="en-US" b="0" i="1" smtClean="0">
+                                  <a:latin typeface="Cambria Math" charset="0"/>
+                                  <a:ea typeface="Cambria Math" charset="0"/>
+                                  <a:cs typeface="Cambria Math" charset="0"/>
+                                </a:rPr>
+                                <m:t>𝑆</m:t>
+                              </m:r>
+                            </m:e>
+                            <m:sub>
+                              <m:r>
+                                <a:rPr lang="en-US" b="0" i="1" smtClean="0">
+                                  <a:latin typeface="Cambria Math" charset="0"/>
+                                  <a:ea typeface="Cambria Math" charset="0"/>
+                                  <a:cs typeface="Cambria Math" charset="0"/>
+                                </a:rPr>
+                                <m:t>𝐵</m:t>
+                              </m:r>
+                            </m:sub>
+                          </m:sSub>
+                        </m:den>
+                      </m:f>
+                      <m:r>
+                        <a:rPr lang="en-US" b="0" i="1" smtClean="0">
+                          <a:latin typeface="Cambria Math" charset="0"/>
+                          <a:ea typeface="Cambria Math" charset="0"/>
+                          <a:cs typeface="Cambria Math" charset="0"/>
+                        </a:rPr>
+                        <m:t>(∆</m:t>
+                      </m:r>
+                      <m:sSub>
+                        <m:sSubPr>
+                          <m:ctrlPr>
+                            <a:rPr lang="en-US" b="0" i="1" smtClean="0">
+                              <a:latin typeface="Cambria Math" charset="0"/>
+                              <a:ea typeface="Cambria Math" charset="0"/>
+                              <a:cs typeface="Cambria Math" charset="0"/>
+                            </a:rPr>
+                          </m:ctrlPr>
+                        </m:sSubPr>
+                        <m:e>
+                          <m:r>
+                            <a:rPr lang="en-US" b="0" i="1" smtClean="0">
+                              <a:latin typeface="Cambria Math" charset="0"/>
+                              <a:ea typeface="Cambria Math" charset="0"/>
+                              <a:cs typeface="Cambria Math" charset="0"/>
+                            </a:rPr>
+                            <m:t>𝑃</m:t>
+                          </m:r>
+                        </m:e>
+                        <m:sub>
+                          <m:r>
+                            <a:rPr lang="en-US" b="0" i="1" smtClean="0">
+                              <a:latin typeface="Cambria Math" charset="0"/>
+                              <a:ea typeface="Cambria Math" charset="0"/>
+                              <a:cs typeface="Cambria Math" charset="0"/>
+                            </a:rPr>
+                            <m:t>𝑚</m:t>
+                          </m:r>
+                        </m:sub>
+                      </m:sSub>
+                      <m:r>
+                        <a:rPr lang="en-US" b="0" i="1" smtClean="0">
+                          <a:latin typeface="Cambria Math" charset="0"/>
+                          <a:ea typeface="Cambria Math" charset="0"/>
+                          <a:cs typeface="Cambria Math" charset="0"/>
+                        </a:rPr>
+                        <m:t>−∆</m:t>
+                      </m:r>
+                      <m:sSub>
+                        <m:sSubPr>
+                          <m:ctrlPr>
+                            <a:rPr lang="en-US" b="0" i="1" smtClean="0">
+                              <a:latin typeface="Cambria Math" charset="0"/>
+                              <a:ea typeface="Cambria Math" charset="0"/>
+                              <a:cs typeface="Cambria Math" charset="0"/>
+                            </a:rPr>
+                          </m:ctrlPr>
+                        </m:sSubPr>
+                        <m:e>
+                          <m:r>
+                            <a:rPr lang="en-US" b="0" i="1" smtClean="0">
+                              <a:latin typeface="Cambria Math" charset="0"/>
+                              <a:ea typeface="Cambria Math" charset="0"/>
+                              <a:cs typeface="Cambria Math" charset="0"/>
+                            </a:rPr>
+                            <m:t>𝑃</m:t>
+                          </m:r>
+                        </m:e>
+                        <m:sub>
+                          <m:r>
+                            <a:rPr lang="en-US" b="0" i="1" smtClean="0">
+                              <a:latin typeface="Cambria Math" charset="0"/>
+                              <a:ea typeface="Cambria Math" charset="0"/>
+                              <a:cs typeface="Cambria Math" charset="0"/>
+                            </a:rPr>
+                            <m:t>𝑙𝑜𝑎𝑑</m:t>
+                          </m:r>
+                        </m:sub>
+                      </m:sSub>
+                      <m:r>
+                        <a:rPr lang="en-US" b="0" i="1" smtClean="0">
+                          <a:latin typeface="Cambria Math" charset="0"/>
+                          <a:ea typeface="Cambria Math" charset="0"/>
+                          <a:cs typeface="Cambria Math" charset="0"/>
+                        </a:rPr>
+                        <m:t>)</m:t>
+                      </m:r>
+                    </m:oMath>
+                  </m:oMathPara>
+                </a14:m>
+                <a:endParaRPr lang="en-US" dirty="0" smtClean="0"/>
+              </a:p>
+              <a:p>
+                <a:pPr>
+                  <a:lnSpc>
+                    <a:spcPct val="120000"/>
+                  </a:lnSpc>
+                </a:pPr>
+                <a:r>
+                  <a:rPr lang="en-US" dirty="0" smtClean="0"/>
+                  <a:t>Assuming:</a:t>
+                </a:r>
+              </a:p>
+              <a:p>
+                <a:pPr lvl="1">
+                  <a:lnSpc>
+                    <a:spcPct val="120000"/>
+                  </a:lnSpc>
+                </a:pPr>
+                <a14:m>
+                  <m:oMath xmlns:m="http://schemas.openxmlformats.org/officeDocument/2006/math">
+                    <m:r>
+                      <a:rPr lang="en-US" b="0" i="1" smtClean="0">
+                        <a:latin typeface="Cambria Math" charset="0"/>
+                        <a:ea typeface="Cambria Math" charset="0"/>
+                        <a:cs typeface="Cambria Math" charset="0"/>
+                      </a:rPr>
+                      <m:t>∆</m:t>
+                    </m:r>
+                    <m:sSub>
+                      <m:sSubPr>
+                        <m:ctrlPr>
+                          <a:rPr lang="en-US" b="0" i="1" smtClean="0">
+                            <a:latin typeface="Cambria Math" charset="0"/>
+                            <a:ea typeface="Cambria Math" charset="0"/>
+                            <a:cs typeface="Cambria Math" charset="0"/>
+                          </a:rPr>
+                        </m:ctrlPr>
+                      </m:sSubPr>
+                      <m:e>
+                        <m:r>
+                          <a:rPr lang="en-US" b="0" i="1" smtClean="0">
+                            <a:latin typeface="Cambria Math" charset="0"/>
+                            <a:ea typeface="Cambria Math" charset="0"/>
+                            <a:cs typeface="Cambria Math" charset="0"/>
+                          </a:rPr>
+                          <m:t>𝑃</m:t>
+                        </m:r>
+                      </m:e>
+                      <m:sub>
+                        <m:r>
+                          <a:rPr lang="en-US" b="0" i="1" smtClean="0">
+                            <a:latin typeface="Cambria Math" charset="0"/>
+                            <a:ea typeface="Cambria Math" charset="0"/>
+                            <a:cs typeface="Cambria Math" charset="0"/>
+                          </a:rPr>
+                          <m:t>𝑙𝑜𝑠𝑠</m:t>
+                        </m:r>
+                      </m:sub>
+                    </m:sSub>
+                    <m:r>
+                      <a:rPr lang="en-US" b="0" i="1" smtClean="0">
+                        <a:latin typeface="Cambria Math" charset="0"/>
+                        <a:ea typeface="Cambria Math" charset="0"/>
+                        <a:cs typeface="Cambria Math" charset="0"/>
+                      </a:rPr>
+                      <m:t>=0</m:t>
+                    </m:r>
+                  </m:oMath>
+                </a14:m>
+                <a:endParaRPr lang="en-US" b="0" i="1" dirty="0" smtClean="0">
+                  <a:latin typeface="Cambria Math" charset="0"/>
+                </a:endParaRPr>
+              </a:p>
+              <a:p>
+                <a:pPr lvl="1">
+                  <a:lnSpc>
+                    <a:spcPct val="120000"/>
+                  </a:lnSpc>
+                </a:pPr>
+                <a14:m>
+                  <m:oMath xmlns:m="http://schemas.openxmlformats.org/officeDocument/2006/math">
+                    <m:sSub>
+                      <m:sSubPr>
+                        <m:ctrlPr>
+                          <a:rPr lang="en-US" b="0" i="1" smtClean="0">
+                            <a:latin typeface="Cambria Math" charset="0"/>
+                          </a:rPr>
+                        </m:ctrlPr>
+                      </m:sSubPr>
+                      <m:e>
+                        <m:r>
+                          <a:rPr lang="en-US" b="0" i="1" smtClean="0">
+                            <a:latin typeface="Cambria Math" charset="0"/>
+                          </a:rPr>
+                          <m:t>𝑓</m:t>
+                        </m:r>
+                      </m:e>
+                      <m:sub>
+                        <m:r>
+                          <a:rPr lang="en-US" b="0" i="1" smtClean="0">
+                            <a:latin typeface="Cambria Math" charset="0"/>
+                          </a:rPr>
+                          <m:t>0</m:t>
+                        </m:r>
+                      </m:sub>
+                    </m:sSub>
+                    <m:r>
+                      <a:rPr lang="en-US" b="0" i="1" smtClean="0">
+                        <a:latin typeface="Cambria Math" charset="0"/>
+                      </a:rPr>
+                      <m:t>=60</m:t>
+                    </m:r>
+                    <m:r>
+                      <a:rPr lang="en-US" b="0" i="1" smtClean="0">
+                        <a:latin typeface="Cambria Math" charset="0"/>
+                      </a:rPr>
+                      <m:t>𝐻𝑧</m:t>
+                    </m:r>
+                  </m:oMath>
+                </a14:m>
+                <a:endParaRPr lang="en-US" dirty="0" smtClean="0"/>
+              </a:p>
+              <a:p>
+                <a:pPr lvl="1">
+                  <a:lnSpc>
+                    <a:spcPct val="120000"/>
+                  </a:lnSpc>
+                </a:pPr>
+                <a14:m>
+                  <m:oMath xmlns:m="http://schemas.openxmlformats.org/officeDocument/2006/math">
+                    <m:r>
+                      <a:rPr lang="en-US" b="0" i="1" smtClean="0">
+                        <a:latin typeface="Cambria Math" charset="0"/>
+                      </a:rPr>
+                      <m:t>𝐻</m:t>
+                    </m:r>
+                    <m:r>
+                      <a:rPr lang="en-US" b="0" i="1" smtClean="0">
+                        <a:latin typeface="Cambria Math" charset="0"/>
+                      </a:rPr>
+                      <m:t>=0.01, 0.1, 1, 6, 8, 10</m:t>
+                    </m:r>
+                  </m:oMath>
+                </a14:m>
+                <a:endParaRPr lang="en-US" b="0" i="1" dirty="0" smtClean="0">
+                  <a:latin typeface="Cambria Math" charset="0"/>
+                </a:endParaRPr>
+              </a:p>
+              <a:p>
+                <a:pPr lvl="1">
+                  <a:lnSpc>
+                    <a:spcPct val="120000"/>
+                  </a:lnSpc>
+                </a:pPr>
+                <a14:m>
+                  <m:oMath xmlns:m="http://schemas.openxmlformats.org/officeDocument/2006/math">
+                    <m:sSub>
+                      <m:sSubPr>
+                        <m:ctrlPr>
+                          <a:rPr lang="en-US" b="0" i="1" smtClean="0">
+                            <a:latin typeface="Cambria Math" charset="0"/>
+                          </a:rPr>
+                        </m:ctrlPr>
+                      </m:sSubPr>
+                      <m:e>
+                        <m:r>
+                          <a:rPr lang="en-US" b="0" i="1" smtClean="0">
+                            <a:latin typeface="Cambria Math" charset="0"/>
+                          </a:rPr>
+                          <m:t>𝑆</m:t>
+                        </m:r>
+                      </m:e>
+                      <m:sub>
+                        <m:r>
+                          <a:rPr lang="en-US" b="0" i="1" smtClean="0">
+                            <a:latin typeface="Cambria Math" charset="0"/>
+                          </a:rPr>
+                          <m:t>𝐵</m:t>
+                        </m:r>
+                      </m:sub>
+                    </m:sSub>
+                    <m:r>
+                      <a:rPr lang="en-US" b="0" i="1" smtClean="0">
+                        <a:latin typeface="Cambria Math" charset="0"/>
+                      </a:rPr>
+                      <m:t>=1.8</m:t>
+                    </m:r>
+                  </m:oMath>
+                </a14:m>
+                <a:endParaRPr lang="en-US" b="0" i="1" dirty="0" smtClean="0">
+                  <a:latin typeface="Cambria Math" charset="0"/>
+                </a:endParaRPr>
+              </a:p>
+              <a:p>
+                <a:pPr lvl="1">
+                  <a:lnSpc>
+                    <a:spcPct val="120000"/>
+                  </a:lnSpc>
+                </a:pPr>
+                <a14:m>
+                  <m:oMath xmlns:m="http://schemas.openxmlformats.org/officeDocument/2006/math">
+                    <m:sSub>
+                      <m:sSubPr>
+                        <m:ctrlPr>
+                          <a:rPr lang="en-US" b="0" i="1" smtClean="0">
+                            <a:latin typeface="Cambria Math" charset="0"/>
+                          </a:rPr>
+                        </m:ctrlPr>
+                      </m:sSubPr>
+                      <m:e>
+                        <m:r>
+                          <a:rPr lang="en-US" b="0" i="1" smtClean="0">
+                            <a:latin typeface="Cambria Math" charset="0"/>
+                          </a:rPr>
+                          <m:t>𝐷</m:t>
+                        </m:r>
+                      </m:e>
+                      <m:sub>
+                        <m:r>
+                          <a:rPr lang="en-US" b="0" i="1" smtClean="0">
+                            <a:latin typeface="Cambria Math" charset="0"/>
+                          </a:rPr>
+                          <m:t>𝑙𝑜𝑎𝑑</m:t>
+                        </m:r>
+                      </m:sub>
+                    </m:sSub>
+                    <m:r>
+                      <a:rPr lang="en-US" b="0" i="1" smtClean="0">
+                        <a:latin typeface="Cambria Math" charset="0"/>
+                      </a:rPr>
+                      <m:t>=0.02</m:t>
+                    </m:r>
+                  </m:oMath>
+                </a14:m>
+                <a:endParaRPr lang="en-US" b="0" i="1" dirty="0" smtClean="0">
+                  <a:latin typeface="Cambria Math" charset="0"/>
+                </a:endParaRPr>
+              </a:p>
+              <a:p>
+                <a:pPr lvl="1">
+                  <a:lnSpc>
+                    <a:spcPct val="120000"/>
+                  </a:lnSpc>
+                </a:pPr>
+                <a:r>
+                  <a:rPr lang="en-US" b="0" dirty="0" smtClean="0"/>
+                  <a:t>Varying (</a:t>
+                </a:r>
+                <a14:m>
+                  <m:oMath xmlns:m="http://schemas.openxmlformats.org/officeDocument/2006/math">
+                    <m:r>
+                      <a:rPr lang="en-US" b="0" i="1" smtClean="0">
+                        <a:latin typeface="Cambria Math" charset="0"/>
+                        <a:ea typeface="Cambria Math" charset="0"/>
+                        <a:cs typeface="Cambria Math" charset="0"/>
+                      </a:rPr>
+                      <m:t>∆</m:t>
+                    </m:r>
+                    <m:sSub>
+                      <m:sSubPr>
+                        <m:ctrlPr>
+                          <a:rPr lang="en-US" b="0" i="1" smtClean="0">
+                            <a:latin typeface="Cambria Math" charset="0"/>
+                            <a:ea typeface="Cambria Math" charset="0"/>
+                            <a:cs typeface="Cambria Math" charset="0"/>
+                          </a:rPr>
+                        </m:ctrlPr>
+                      </m:sSubPr>
+                      <m:e>
+                        <m:r>
+                          <a:rPr lang="en-US" b="0" i="1" smtClean="0">
+                            <a:latin typeface="Cambria Math" charset="0"/>
+                            <a:ea typeface="Cambria Math" charset="0"/>
+                            <a:cs typeface="Cambria Math" charset="0"/>
+                          </a:rPr>
+                          <m:t>𝑃</m:t>
+                        </m:r>
+                      </m:e>
+                      <m:sub>
+                        <m:r>
+                          <a:rPr lang="en-US" b="0" i="1" smtClean="0">
+                            <a:latin typeface="Cambria Math" charset="0"/>
+                            <a:ea typeface="Cambria Math" charset="0"/>
+                            <a:cs typeface="Cambria Math" charset="0"/>
+                          </a:rPr>
+                          <m:t>𝑚</m:t>
+                        </m:r>
+                      </m:sub>
+                    </m:sSub>
+                    <m:r>
+                      <a:rPr lang="en-US" b="0" i="1" smtClean="0">
+                        <a:latin typeface="Cambria Math" charset="0"/>
+                        <a:ea typeface="Cambria Math" charset="0"/>
+                        <a:cs typeface="Cambria Math" charset="0"/>
+                      </a:rPr>
+                      <m:t>−∆</m:t>
+                    </m:r>
+                    <m:sSub>
+                      <m:sSubPr>
+                        <m:ctrlPr>
+                          <a:rPr lang="en-US" b="0" i="1" smtClean="0">
+                            <a:latin typeface="Cambria Math" charset="0"/>
+                            <a:ea typeface="Cambria Math" charset="0"/>
+                            <a:cs typeface="Cambria Math" charset="0"/>
+                          </a:rPr>
+                        </m:ctrlPr>
+                      </m:sSubPr>
+                      <m:e>
+                        <m:r>
+                          <a:rPr lang="en-US" b="0" i="1" smtClean="0">
+                            <a:latin typeface="Cambria Math" charset="0"/>
+                            <a:ea typeface="Cambria Math" charset="0"/>
+                            <a:cs typeface="Cambria Math" charset="0"/>
+                          </a:rPr>
+                          <m:t>𝑃</m:t>
+                        </m:r>
+                      </m:e>
+                      <m:sub>
+                        <m:r>
+                          <a:rPr lang="en-US" b="0" i="1" smtClean="0">
+                            <a:latin typeface="Cambria Math" charset="0"/>
+                            <a:ea typeface="Cambria Math" charset="0"/>
+                            <a:cs typeface="Cambria Math" charset="0"/>
+                          </a:rPr>
+                          <m:t>𝑙𝑜𝑎𝑑</m:t>
+                        </m:r>
+                      </m:sub>
+                    </m:sSub>
+                  </m:oMath>
+                </a14:m>
+                <a:r>
+                  <a:rPr lang="en-US" b="0" dirty="0" smtClean="0">
+                    <a:ea typeface="Cambria Math" charset="0"/>
+                    <a:cs typeface="Cambria Math" charset="0"/>
+                  </a:rPr>
+                  <a:t> ) as a function of time (shown on next slide)</a:t>
+                </a:r>
+                <a:endParaRPr lang="en-US" dirty="0" smtClean="0"/>
+              </a:p>
+              <a:p>
+                <a:pPr>
+                  <a:lnSpc>
+                    <a:spcPct val="120000"/>
+                  </a:lnSpc>
+                </a:pPr>
+                <a:endParaRPr lang="en-US" dirty="0" smtClean="0"/>
+              </a:p>
+            </p:txBody>
+          </p:sp>
+        </mc:Choice>
+        <mc:Fallback>
+          <p:sp>
+            <p:nvSpPr>
+              <p:cNvPr id="3" name="Content Placeholder 2"/>
+              <p:cNvSpPr>
+                <a:spLocks noGrp="1" noRot="1" noChangeAspect="1" noMove="1" noResize="1" noEditPoints="1" noAdjustHandles="1" noChangeArrowheads="1" noChangeShapeType="1" noTextEdit="1"/>
+              </p:cNvSpPr>
+              <p:nvPr>
+                <p:ph idx="1"/>
+              </p:nvPr>
+            </p:nvSpPr>
+            <p:spPr>
+              <a:xfrm>
+                <a:off x="457200" y="1916723"/>
+                <a:ext cx="7758684" cy="4413739"/>
+              </a:xfrm>
+              <a:blipFill rotWithShape="0">
+                <a:blip r:embed="rId3"/>
+                <a:stretch>
+                  <a:fillRect l="-157" t="-138"/>
+                </a:stretch>
+              </a:blipFill>
+            </p:spPr>
+            <p:txBody>
+              <a:bodyPr/>
+              <a:lstStyle/>
+              <a:p>
+                <a:r>
+                  <a:rPr lang="en-US">
+                    <a:noFill/>
+                  </a:rPr>
+                  <a:t> </a:t>
+                </a:r>
+              </a:p>
+            </p:txBody>
+          </p:sp>
+        </mc:Fallback>
+      </mc:AlternateContent>
+      <p:sp>
+        <p:nvSpPr>
+          <p:cNvPr id="7" name="TextBox 6"/>
+          <p:cNvSpPr txBox="1"/>
+          <p:nvPr/>
+        </p:nvSpPr>
+        <p:spPr>
+          <a:xfrm>
+            <a:off x="7957091" y="6379962"/>
+            <a:ext cx="517585" cy="369332"/>
+          </a:xfrm>
+          <a:prstGeom prst="rect">
+            <a:avLst/>
+          </a:prstGeom>
+          <a:noFill/>
+        </p:spPr>
+        <p:txBody>
+          <a:bodyPr wrap="square" rtlCol="0">
+            <a:spAutoFit/>
+          </a:bodyPr>
           <a:lstStyle/>
           <a:p>
             <a:r>
               <a:rPr lang="en-US" dirty="0" smtClean="0"/>
-              <a:t>Synthetic or Virtual Inertia</a:t>
-            </a:r>
-          </a:p>
-          <a:p>
-            <a:r>
-              <a:rPr lang="en-US" dirty="0" smtClean="0"/>
-              <a:t>Energy Storage </a:t>
-            </a:r>
-            <a:r>
-              <a:rPr lang="en-US" dirty="0" smtClean="0"/>
-              <a:t>Systems</a:t>
-            </a:r>
-          </a:p>
-          <a:p>
-            <a:r>
-              <a:rPr lang="en-US" dirty="0" err="1" smtClean="0"/>
-              <a:t>Deloading</a:t>
-            </a:r>
-            <a:endParaRPr lang="en-US" dirty="0" smtClean="0"/>
-          </a:p>
-          <a:p>
-            <a:endParaRPr lang="en-US" dirty="0" smtClean="0"/>
+              <a:t>[1]</a:t>
+            </a:r>
+            <a:endParaRPr lang="en-US" dirty="0"/>
           </a:p>
         </p:txBody>
       </p:sp>
     </p:spTree>
     <p:extLst>
       <p:ext uri="{BB962C8B-B14F-4D97-AF65-F5344CB8AC3E}">
-        <p14:creationId xmlns:p14="http://schemas.microsoft.com/office/powerpoint/2010/main" val="1775937893"/>
+        <p14:creationId xmlns:p14="http://schemas.microsoft.com/office/powerpoint/2010/main" val="1880205081"/>
       </p:ext>
     </p:extLst>
   </p:cSld>
@@ -5430,7 +6972,7 @@
           <a:p>
             <a:r>
               <a:rPr lang="en-US" dirty="0" smtClean="0"/>
-              <a:t>Virtual Inertia</a:t>
+              <a:t>Results</a:t>
             </a:r>
             <a:endParaRPr lang="en-US" dirty="0"/>
           </a:p>
@@ -5451,21 +6993,6 @@
           <a:bodyPr/>
           <a:lstStyle/>
           <a:p>
-            <a:r>
-              <a:rPr lang="en-US" dirty="0" smtClean="0"/>
-              <a:t>Pros: Increases overall inertia</a:t>
-            </a:r>
-            <a:endParaRPr lang="en-US" dirty="0" smtClean="0"/>
-          </a:p>
-          <a:p>
-            <a:r>
-              <a:rPr lang="en-US" dirty="0" smtClean="0"/>
-              <a:t>Cons</a:t>
-            </a:r>
-            <a:r>
-              <a:rPr lang="en-US" dirty="0" smtClean="0"/>
-              <a:t>: High cost to update all facilities with the necessary control mechanisms</a:t>
-            </a:r>
             <a:endParaRPr lang="en-US" dirty="0"/>
           </a:p>
         </p:txBody>
@@ -5473,7 +7000,7 @@
     </p:spTree>
     <p:extLst>
       <p:ext uri="{BB962C8B-B14F-4D97-AF65-F5344CB8AC3E}">
-        <p14:creationId xmlns:p14="http://schemas.microsoft.com/office/powerpoint/2010/main" val="708870289"/>
+        <p14:creationId xmlns:p14="http://schemas.microsoft.com/office/powerpoint/2010/main" val="1301709328"/>
       </p:ext>
     </p:extLst>
   </p:cSld>
@@ -5484,93 +7011,58 @@
 </file>
 
 <file path=ppt/theme/theme1.xml><?xml version="1.0" encoding="utf-8"?>
-<a:theme xmlns:a="http://schemas.openxmlformats.org/drawingml/2006/main" name="Office Theme">
+<a:theme xmlns:a="http://schemas.openxmlformats.org/drawingml/2006/main" name="View">
   <a:themeElements>
-    <a:clrScheme name="Office">
+    <a:clrScheme name="View">
       <a:dk1>
-        <a:sysClr val="windowText" lastClr="000000"/>
+        <a:srgbClr val="000000"/>
       </a:dk1>
       <a:lt1>
-        <a:sysClr val="window" lastClr="FFFFFF"/>
+        <a:srgbClr val="FFFFFF"/>
       </a:lt1>
       <a:dk2>
-        <a:srgbClr val="1F497D"/>
+        <a:srgbClr val="46464A"/>
       </a:dk2>
       <a:lt2>
-        <a:srgbClr val="EEECE1"/>
+        <a:srgbClr val="D6D3CC"/>
       </a:lt2>
       <a:accent1>
-        <a:srgbClr val="4F81BD"/>
+        <a:srgbClr val="6F6F74"/>
       </a:accent1>
       <a:accent2>
-        <a:srgbClr val="C0504D"/>
+        <a:srgbClr val="92A9B9"/>
       </a:accent2>
       <a:accent3>
-        <a:srgbClr val="9BBB59"/>
+        <a:srgbClr val="A7B789"/>
       </a:accent3>
       <a:accent4>
-        <a:srgbClr val="8064A2"/>
+        <a:srgbClr val="B9A489"/>
       </a:accent4>
       <a:accent5>
-        <a:srgbClr val="4BACC6"/>
+        <a:srgbClr val="8D6374"/>
       </a:accent5>
       <a:accent6>
-        <a:srgbClr val="F79646"/>
+        <a:srgbClr val="9B7362"/>
       </a:accent6>
       <a:hlink>
-        <a:srgbClr val="0000FF"/>
+        <a:srgbClr val="67AABF"/>
       </a:hlink>
       <a:folHlink>
-        <a:srgbClr val="800080"/>
+        <a:srgbClr val="ABAFA5"/>
       </a:folHlink>
     </a:clrScheme>
-    <a:fontScheme name="Office">
+    <a:fontScheme name="View">
       <a:majorFont>
-        <a:latin typeface="Calibri"/>
+        <a:latin typeface="Century Schoolbook" panose="02040604050505020304"/>
         <a:ea typeface=""/>
         <a:cs typeface=""/>
-        <a:font script="Jpan" typeface="ＭＳ Ｐゴシック"/>
+        <a:font script="Jpan" typeface="ＭＳ ゴシック"/>
         <a:font script="Hang" typeface="맑은 고딕"/>
         <a:font script="Hans" typeface="宋体"/>
         <a:font script="Hant" typeface="新細明體"/>
-        <a:font script="Arab" typeface="Times New Roman"/>
-        <a:font script="Hebr" typeface="Times New Roman"/>
-        <a:font script="Thai" typeface="Angsana New"/>
-        <a:font script="Ethi" typeface="Nyala"/>
-        <a:font script="Beng" typeface="Vrinda"/>
-        <a:font script="Gujr" typeface="Shruti"/>
-        <a:font script="Khmr" typeface="MoolBoran"/>
-        <a:font script="Knda" typeface="Tunga"/>
-        <a:font script="Guru" typeface="Raavi"/>
-        <a:font script="Cans" typeface="Euphemia"/>
-        <a:font script="Cher" typeface="Plantagenet Cherokee"/>
-        <a:font script="Yiii" typeface="Microsoft Yi Baiti"/>
-        <a:font script="Tibt" typeface="Microsoft Himalaya"/>
-        <a:font script="Thaa" typeface="MV Boli"/>
-        <a:font script="Deva" typeface="Mangal"/>
-        <a:font script="Telu" typeface="Gautami"/>
-        <a:font script="Taml" typeface="Latha"/>
-        <a:font script="Syrc" typeface="Estrangelo Edessa"/>
-        <a:font script="Orya" typeface="Kalinga"/>
-        <a:font script="Mlym" typeface="Kartika"/>
-        <a:font script="Laoo" typeface="DokChampa"/>
-        <a:font script="Sinh" typeface="Iskoola Pota"/>
-        <a:font script="Mong" typeface="Mongolian Baiti"/>
-        <a:font script="Viet" typeface="Times New Roman"/>
-        <a:font script="Uigh" typeface="Microsoft Uighur"/>
-        <a:font script="Geor" typeface="Sylfaen"/>
-      </a:majorFont>
-      <a:minorFont>
-        <a:latin typeface="Calibri"/>
-        <a:ea typeface=""/>
-        <a:cs typeface=""/>
-        <a:font script="Jpan" typeface="ＭＳ Ｐゴシック"/>
-        <a:font script="Hang" typeface="맑은 고딕"/>
-        <a:font script="Hans" typeface="宋体"/>
-        <a:font script="Hant" typeface="新細明體"/>
-        <a:font script="Arab" typeface="Arial"/>
-        <a:font script="Hebr" typeface="Arial"/>
-        <a:font script="Thai" typeface="Cordia New"/>
+        <a:font script="Arab" typeface="Tahoma"/>
+        <a:font script="Hebr" typeface="Gisha"/>
+        <a:font script="Thai" typeface="DilleniaUPC"/>
         <a:font script="Ethi" typeface="Nyala"/>
         <a:font script="Beng" typeface="Vrinda"/>
         <a:font script="Gujr" typeface="Shruti"/>
@@ -5591,106 +7083,97 @@
         <a:font script="Laoo" typeface="DokChampa"/>
         <a:font script="Sinh" typeface="Iskoola Pota"/>
         <a:font script="Mong" typeface="Mongolian Baiti"/>
-        <a:font script="Viet" typeface="Arial"/>
+        <a:font script="Viet" typeface="Tahoma"/>
+        <a:font script="Uigh" typeface="Microsoft Uighur"/>
+        <a:font script="Geor" typeface="Sylfaen"/>
+      </a:majorFont>
+      <a:minorFont>
+        <a:latin typeface="Century Schoolbook" panose="02040604050505020304"/>
+        <a:ea typeface=""/>
+        <a:cs typeface=""/>
+        <a:font script="Jpan" typeface="ＭＳ ゴシック"/>
+        <a:font script="Hang" typeface="맑은 고딕"/>
+        <a:font script="Hans" typeface="宋体"/>
+        <a:font script="Hant" typeface="新細明體"/>
+        <a:font script="Arab" typeface="Tahoma"/>
+        <a:font script="Hebr" typeface="Gisha"/>
+        <a:font script="Thai" typeface="DilleniaUPC"/>
+        <a:font script="Ethi" typeface="Nyala"/>
+        <a:font script="Beng" typeface="Vrinda"/>
+        <a:font script="Gujr" typeface="Shruti"/>
+        <a:font script="Khmr" typeface="DaunPenh"/>
+        <a:font script="Knda" typeface="Tunga"/>
+        <a:font script="Guru" typeface="Raavi"/>
+        <a:font script="Cans" typeface="Euphemia"/>
+        <a:font script="Cher" typeface="Plantagenet Cherokee"/>
+        <a:font script="Yiii" typeface="Microsoft Yi Baiti"/>
+        <a:font script="Tibt" typeface="Microsoft Himalaya"/>
+        <a:font script="Thaa" typeface="MV Boli"/>
+        <a:font script="Deva" typeface="Mangal"/>
+        <a:font script="Telu" typeface="Gautami"/>
+        <a:font script="Taml" typeface="Latha"/>
+        <a:font script="Syrc" typeface="Estrangelo Edessa"/>
+        <a:font script="Orya" typeface="Kalinga"/>
+        <a:font script="Mlym" typeface="Kartika"/>
+        <a:font script="Laoo" typeface="DokChampa"/>
+        <a:font script="Sinh" typeface="Iskoola Pota"/>
+        <a:font script="Mong" typeface="Mongolian Baiti"/>
+        <a:font script="Viet" typeface="Verdana"/>
         <a:font script="Uigh" typeface="Microsoft Uighur"/>
         <a:font script="Geor" typeface="Sylfaen"/>
       </a:minorFont>
     </a:fontScheme>
-    <a:fmtScheme name="Office">
+    <a:fmtScheme name="View">
       <a:fillStyleLst>
         <a:solidFill>
           <a:schemeClr val="phClr"/>
         </a:solidFill>
-        <a:gradFill rotWithShape="1">
-          <a:gsLst>
-            <a:gs pos="0">
-              <a:schemeClr val="phClr">
-                <a:tint val="50000"/>
-                <a:satMod val="300000"/>
-              </a:schemeClr>
-            </a:gs>
-            <a:gs pos="35000">
-              <a:schemeClr val="phClr">
-                <a:tint val="37000"/>
-                <a:satMod val="300000"/>
-              </a:schemeClr>
-            </a:gs>
-            <a:gs pos="100000">
-              <a:schemeClr val="phClr">
-                <a:tint val="15000"/>
-                <a:satMod val="350000"/>
-              </a:schemeClr>
-            </a:gs>
-          </a:gsLst>
-          <a:lin ang="16200000" scaled="1"/>
-        </a:gradFill>
-        <a:gradFill rotWithShape="1">
-          <a:gsLst>
-            <a:gs pos="0">
-              <a:schemeClr val="phClr">
-                <a:tint val="100000"/>
-                <a:shade val="100000"/>
-                <a:satMod val="130000"/>
-              </a:schemeClr>
-            </a:gs>
-            <a:gs pos="100000">
-              <a:schemeClr val="phClr">
-                <a:tint val="50000"/>
-                <a:shade val="100000"/>
-                <a:satMod val="350000"/>
-              </a:schemeClr>
-            </a:gs>
-          </a:gsLst>
-          <a:lin ang="16200000" scaled="0"/>
-        </a:gradFill>
+        <a:solidFill>
+          <a:schemeClr val="phClr">
+            <a:tint val="60000"/>
+            <a:satMod val="120000"/>
+          </a:schemeClr>
+        </a:solidFill>
+        <a:solidFill>
+          <a:schemeClr val="phClr">
+            <a:shade val="75000"/>
+            <a:satMod val="160000"/>
+          </a:schemeClr>
+        </a:solidFill>
       </a:fillStyleLst>
       <a:lnStyleLst>
         <a:ln w="9525" cap="flat" cmpd="sng" algn="ctr">
-          <a:solidFill>
-            <a:schemeClr val="phClr">
-              <a:shade val="95000"/>
-              <a:satMod val="105000"/>
-            </a:schemeClr>
-          </a:solidFill>
-          <a:prstDash val="solid"/>
-        </a:ln>
-        <a:ln w="25400" cap="flat" cmpd="sng" algn="ctr">
           <a:solidFill>
             <a:schemeClr val="phClr"/>
           </a:solidFill>
           <a:prstDash val="solid"/>
         </a:ln>
-        <a:ln w="38100" cap="flat" cmpd="sng" algn="ctr">
+        <a:ln w="13970" cap="flat" cmpd="sng" algn="ctr">
           <a:solidFill>
             <a:schemeClr val="phClr"/>
+          </a:solidFill>
+          <a:prstDash val="solid"/>
+        </a:ln>
+        <a:ln w="17145" cap="flat" cmpd="sng" algn="ctr">
+          <a:solidFill>
+            <a:schemeClr val="phClr">
+              <a:shade val="95000"/>
+              <a:alpha val="95000"/>
+              <a:satMod val="150000"/>
+            </a:schemeClr>
           </a:solidFill>
           <a:prstDash val="solid"/>
         </a:ln>
       </a:lnStyleLst>
       <a:effectStyleLst>
         <a:effectStyle>
-          <a:effectLst>
-            <a:outerShdw blurRad="40000" dist="20000" dir="5400000" rotWithShape="0">
-              <a:srgbClr val="000000">
-                <a:alpha val="38000"/>
-              </a:srgbClr>
-            </a:outerShdw>
-          </a:effectLst>
+          <a:effectLst/>
         </a:effectStyle>
         <a:effectStyle>
           <a:effectLst>
-            <a:outerShdw blurRad="40000" dist="23000" dir="5400000" rotWithShape="0">
+            <a:outerShdw blurRad="50800" dist="15240" dir="5400000" algn="tl" rotWithShape="0">
               <a:srgbClr val="000000">
-                <a:alpha val="35000"/>
-              </a:srgbClr>
-            </a:outerShdw>
-          </a:effectLst>
-        </a:effectStyle>
-        <a:effectStyle>
-          <a:effectLst>
-            <a:outerShdw blurRad="40000" dist="23000" dir="5400000" rotWithShape="0">
-              <a:srgbClr val="000000">
-                <a:alpha val="35000"/>
+                <a:alpha val="75000"/>
               </a:srgbClr>
             </a:outerShdw>
           </a:effectLst>
@@ -5698,12 +7181,40 @@
             <a:camera prst="orthographicFront">
               <a:rot lat="0" lon="0" rev="0"/>
             </a:camera>
-            <a:lightRig rig="threePt" dir="t">
-              <a:rot lat="0" lon="0" rev="1200000"/>
-            </a:lightRig>
+            <a:lightRig rig="brightRoom" dir="tl"/>
           </a:scene3d>
-          <a:sp3d>
-            <a:bevelT w="63500" h="25400"/>
+          <a:sp3d contourW="9525" prstMaterial="flat">
+            <a:bevelT w="0" h="0" prst="coolSlant"/>
+            <a:contourClr>
+              <a:schemeClr val="phClr">
+                <a:shade val="35000"/>
+                <a:satMod val="130000"/>
+              </a:schemeClr>
+            </a:contourClr>
+          </a:sp3d>
+        </a:effectStyle>
+        <a:effectStyle>
+          <a:effectLst>
+            <a:outerShdw blurRad="76200" dist="25400" dir="5400000" algn="tl" rotWithShape="0">
+              <a:srgbClr val="000000">
+                <a:alpha val="55000"/>
+              </a:srgbClr>
+            </a:outerShdw>
+          </a:effectLst>
+          <a:scene3d>
+            <a:camera prst="orthographicFront">
+              <a:rot lat="0" lon="0" rev="0"/>
+            </a:camera>
+            <a:lightRig rig="brightRoom" dir="tl"/>
+          </a:scene3d>
+          <a:sp3d contourW="19050" prstMaterial="flat">
+            <a:bevelT w="0" h="0" prst="coolSlant"/>
+            <a:contourClr>
+              <a:schemeClr val="phClr">
+                <a:shade val="25000"/>
+                <a:satMod val="140000"/>
+              </a:schemeClr>
+            </a:contourClr>
           </a:sp3d>
         </a:effectStyle>
       </a:effectStyleLst>
@@ -5711,95 +7222,44 @@
         <a:solidFill>
           <a:schemeClr val="phClr"/>
         </a:solidFill>
+        <a:solidFill>
+          <a:schemeClr val="phClr">
+            <a:tint val="95000"/>
+            <a:satMod val="170000"/>
+          </a:schemeClr>
+        </a:solidFill>
         <a:gradFill rotWithShape="1">
           <a:gsLst>
             <a:gs pos="0">
               <a:schemeClr val="phClr">
-                <a:tint val="40000"/>
-                <a:satMod val="350000"/>
-              </a:schemeClr>
-            </a:gs>
-            <a:gs pos="40000">
-              <a:schemeClr val="phClr">
-                <a:tint val="45000"/>
-                <a:shade val="99000"/>
-                <a:satMod val="350000"/>
+                <a:tint val="94000"/>
+                <a:shade val="98000"/>
+                <a:satMod val="130000"/>
+                <a:lumMod val="102000"/>
               </a:schemeClr>
             </a:gs>
             <a:gs pos="100000">
               <a:schemeClr val="phClr">
-                <a:shade val="20000"/>
-                <a:satMod val="255000"/>
+                <a:tint val="98000"/>
+                <a:shade val="78000"/>
+                <a:satMod val="140000"/>
               </a:schemeClr>
             </a:gs>
           </a:gsLst>
           <a:path path="circle">
-            <a:fillToRect l="50000" t="-80000" r="50000" b="180000"/>
-          </a:path>
-        </a:gradFill>
-        <a:gradFill rotWithShape="1">
-          <a:gsLst>
-            <a:gs pos="0">
-              <a:schemeClr val="phClr">
-                <a:tint val="80000"/>
-                <a:satMod val="300000"/>
-              </a:schemeClr>
-            </a:gs>
-            <a:gs pos="100000">
-              <a:schemeClr val="phClr">
-                <a:shade val="30000"/>
-                <a:satMod val="200000"/>
-              </a:schemeClr>
-            </a:gs>
-          </a:gsLst>
-          <a:path path="circle">
-            <a:fillToRect l="50000" t="50000" r="50000" b="50000"/>
+            <a:fillToRect l="100000" t="100000" r="100000" b="100000"/>
           </a:path>
         </a:gradFill>
       </a:bgFillStyleLst>
     </a:fmtScheme>
   </a:themeElements>
-  <a:objectDefaults>
-    <a:spDef>
-      <a:spPr/>
-      <a:bodyPr/>
-      <a:lstStyle/>
-      <a:style>
-        <a:lnRef idx="1">
-          <a:schemeClr val="accent1"/>
-        </a:lnRef>
-        <a:fillRef idx="3">
-          <a:schemeClr val="accent1"/>
-        </a:fillRef>
-        <a:effectRef idx="2">
-          <a:schemeClr val="accent1"/>
-        </a:effectRef>
-        <a:fontRef idx="minor">
-          <a:schemeClr val="lt1"/>
-        </a:fontRef>
-      </a:style>
-    </a:spDef>
-    <a:lnDef>
-      <a:spPr/>
-      <a:bodyPr/>
-      <a:lstStyle/>
-      <a:style>
-        <a:lnRef idx="2">
-          <a:schemeClr val="accent1"/>
-        </a:lnRef>
-        <a:fillRef idx="0">
-          <a:schemeClr val="accent1"/>
-        </a:fillRef>
-        <a:effectRef idx="1">
-          <a:schemeClr val="accent1"/>
-        </a:effectRef>
-        <a:fontRef idx="minor">
-          <a:schemeClr val="tx1"/>
-        </a:fontRef>
-      </a:style>
-    </a:lnDef>
-  </a:objectDefaults>
+  <a:objectDefaults/>
   <a:extraClrSchemeLst/>
+  <a:extLst>
+    <a:ext uri="{05A4C25C-085E-4340-85A3-A5531E510DB2}">
+      <thm15:themeFamily xmlns:thm15="http://schemas.microsoft.com/office/thememl/2012/main" name="View" id="{BA0EB5A6-F2D4-4F82-977B-64ADEE4A2A69}" vid="{3969A8A2-35DB-4E3B-8885-16FD20568674}"/>
+    </a:ext>
+  </a:extLst>
 </a:theme>
 </file>
 

--- a/Literature Review.pptx
+++ b/Literature Review.pptx
@@ -5,25 +5,26 @@
     <p:sldMasterId id="2147483766" r:id="rId1"/>
   </p:sldMasterIdLst>
   <p:notesMasterIdLst>
-    <p:notesMasterId r:id="rId18"/>
+    <p:notesMasterId r:id="rId19"/>
   </p:notesMasterIdLst>
   <p:sldIdLst>
     <p:sldId id="256" r:id="rId2"/>
     <p:sldId id="257" r:id="rId3"/>
     <p:sldId id="258" r:id="rId4"/>
     <p:sldId id="261" r:id="rId5"/>
-    <p:sldId id="259" r:id="rId6"/>
-    <p:sldId id="269" r:id="rId7"/>
-    <p:sldId id="270" r:id="rId8"/>
-    <p:sldId id="260" r:id="rId9"/>
-    <p:sldId id="271" r:id="rId10"/>
-    <p:sldId id="262" r:id="rId11"/>
+    <p:sldId id="262" r:id="rId6"/>
+    <p:sldId id="259" r:id="rId7"/>
+    <p:sldId id="269" r:id="rId8"/>
+    <p:sldId id="270" r:id="rId9"/>
+    <p:sldId id="260" r:id="rId10"/>
+    <p:sldId id="271" r:id="rId11"/>
     <p:sldId id="268" r:id="rId12"/>
-    <p:sldId id="263" r:id="rId13"/>
-    <p:sldId id="264" r:id="rId14"/>
-    <p:sldId id="265" r:id="rId15"/>
-    <p:sldId id="267" r:id="rId16"/>
-    <p:sldId id="266" r:id="rId17"/>
+    <p:sldId id="272" r:id="rId13"/>
+    <p:sldId id="263" r:id="rId14"/>
+    <p:sldId id="264" r:id="rId15"/>
+    <p:sldId id="265" r:id="rId16"/>
+    <p:sldId id="267" r:id="rId17"/>
+    <p:sldId id="266" r:id="rId18"/>
   </p:sldIdLst>
   <p:sldSz cx="9144000" cy="6858000" type="screen4x3"/>
   <p:notesSz cx="6858000" cy="9144000"/>
@@ -635,11 +636,11 @@
           <a:p>
             <a:r>
               <a:rPr lang="en-US" dirty="0" smtClean="0"/>
-              <a:t>In</a:t>
+              <a:t>Variable</a:t>
             </a:r>
             <a:r>
               <a:rPr lang="en-US" baseline="0" dirty="0" smtClean="0"/>
-              <a:t> power systems, the frequency response can be modeled with equations or simulation software. Simulations offer very precise results, however, they require knowledge of many different parameters related to all components of a system and are therefore difficult to use for large systems. Similarly, full network models have a similar restraint in which many parameters are necessary to be concise and they become very difficult to manage for large systems. Therefore, researchers tend to use simplified models to examine larger systems because they can be adapted to take less variables and still produce a relatively accurate result.</a:t>
+              <a:t> renewable energy sources like wind and solar do not contribute any rotational inertia. Because of this, when more renewables are incorporated into power systems, the overall system inertia decreases. A decrease in inertia means that the frequency response in the event of a major fault or loss of generation (basically any major power imbalance) will be much more severe because the entire system will react faster when there is less inertia to maintain the frequency. This response will be too quick for the primary frequency response controls and could cause cascading trips and wide spread blackouts. </a:t>
             </a:r>
             <a:endParaRPr lang="en-US" dirty="0"/>
           </a:p>
@@ -671,7 +672,7 @@
     </p:spTree>
     <p:extLst>
       <p:ext uri="{BB962C8B-B14F-4D97-AF65-F5344CB8AC3E}">
-        <p14:creationId xmlns:p14="http://schemas.microsoft.com/office/powerpoint/2010/main" val="560159780"/>
+        <p14:creationId xmlns:p14="http://schemas.microsoft.com/office/powerpoint/2010/main" val="26804224"/>
       </p:ext>
     </p:extLst>
   </p:cSld>
@@ -727,11 +728,11 @@
           <a:p>
             <a:r>
               <a:rPr lang="en-US" dirty="0" smtClean="0"/>
-              <a:t>Full network modeling requires</a:t>
+              <a:t>In</a:t>
             </a:r>
             <a:r>
               <a:rPr lang="en-US" baseline="0" dirty="0" smtClean="0"/>
-              <a:t> information about all components in the network for each parameter used which is unfeasible for larger systems. Because of the great number of inputs, it also takes a lot of time.</a:t>
+              <a:t> power systems, the frequency response can be modeled with equations or simulation software. Simulations offer very precise results, however, they require knowledge of many different parameters related to all components of a system and are therefore difficult to use for large systems. Similarly, full network models have a similar restraint in which many parameters are necessary to be concise and they become very difficult to manage for large systems. Therefore, researchers tend to use simplified models to examine larger systems because they can be adapted to take less variables and still produce a relatively accurate result.</a:t>
             </a:r>
             <a:endParaRPr lang="en-US" dirty="0"/>
           </a:p>
@@ -763,7 +764,7 @@
     </p:spTree>
     <p:extLst>
       <p:ext uri="{BB962C8B-B14F-4D97-AF65-F5344CB8AC3E}">
-        <p14:creationId xmlns:p14="http://schemas.microsoft.com/office/powerpoint/2010/main" val="651235159"/>
+        <p14:creationId xmlns:p14="http://schemas.microsoft.com/office/powerpoint/2010/main" val="560159780"/>
       </p:ext>
     </p:extLst>
   </p:cSld>
@@ -819,11 +820,11 @@
           <a:p>
             <a:r>
               <a:rPr lang="en-US" dirty="0" smtClean="0"/>
-              <a:t>Simplified models are less accurate but require much less</a:t>
+              <a:t>Full network modeling requires</a:t>
             </a:r>
             <a:r>
               <a:rPr lang="en-US" baseline="0" dirty="0" smtClean="0"/>
-              <a:t> information which makes it feasible for large network modeling. Also, as THIS paper has shown, the Aggregated Swing eq. is pretty accurate when compared to a simulation.</a:t>
+              <a:t> information about all components in the network for each parameter used which is unfeasible for larger systems. Because of the great number of inputs, it also takes a lot of time.</a:t>
             </a:r>
             <a:endParaRPr lang="en-US" dirty="0"/>
           </a:p>
@@ -855,7 +856,7 @@
     </p:spTree>
     <p:extLst>
       <p:ext uri="{BB962C8B-B14F-4D97-AF65-F5344CB8AC3E}">
-        <p14:creationId xmlns:p14="http://schemas.microsoft.com/office/powerpoint/2010/main" val="1944213096"/>
+        <p14:creationId xmlns:p14="http://schemas.microsoft.com/office/powerpoint/2010/main" val="651235159"/>
       </p:ext>
     </p:extLst>
   </p:cSld>
@@ -911,22 +912,11 @@
           <a:p>
             <a:r>
               <a:rPr lang="en-US" dirty="0" smtClean="0"/>
-              <a:t>We are going to use the swing equation to</a:t>
+              <a:t>Simplified models are less accurate but require much less</a:t>
             </a:r>
             <a:r>
               <a:rPr lang="en-US" baseline="0" dirty="0" smtClean="0"/>
-              <a:t> model the frequency response because it is more accurate than</a:t>
-            </a:r>
-            <a:r>
-              <a:rPr lang="mr-IN" baseline="0" dirty="0" smtClean="0"/>
-              <a:t>…</a:t>
-            </a:r>
-            <a:endParaRPr lang="is-IS" baseline="0" dirty="0" smtClean="0"/>
-          </a:p>
-          <a:p>
-            <a:r>
-              <a:rPr lang="is-IS" baseline="0" dirty="0" smtClean="0"/>
-              <a:t>We are using the aggregated swing equation to adapt the equation to model a whole network. </a:t>
+              <a:t> information which makes it feasible for large network modeling. Also, as THIS paper has shown, the Aggregated Swing eq. is pretty accurate when compared to a simulation.</a:t>
             </a:r>
             <a:endParaRPr lang="en-US" dirty="0"/>
           </a:p>
@@ -958,7 +948,7 @@
     </p:spTree>
     <p:extLst>
       <p:ext uri="{BB962C8B-B14F-4D97-AF65-F5344CB8AC3E}">
-        <p14:creationId xmlns:p14="http://schemas.microsoft.com/office/powerpoint/2010/main" val="132424320"/>
+        <p14:creationId xmlns:p14="http://schemas.microsoft.com/office/powerpoint/2010/main" val="1944213096"/>
       </p:ext>
     </p:extLst>
   </p:cSld>
@@ -1014,11 +1004,22 @@
           <a:p>
             <a:r>
               <a:rPr lang="en-US" dirty="0" smtClean="0"/>
-              <a:t>Variable</a:t>
+              <a:t>We are going to use the swing equation to</a:t>
             </a:r>
             <a:r>
               <a:rPr lang="en-US" baseline="0" dirty="0" smtClean="0"/>
-              <a:t> renewable energy sources like wind and solar do not contribute any rotational inertia. Because of this, when more renewables are incorporated into power systems, the overall system inertia decreases. A decrease in inertia means that the frequency response in the event of a major fault or loss of generation (basically any major power imbalance) will be much more severe because the entire system will react faster when there is less inertia to maintain the frequency. This response will be too quick for the primary frequency response controls and could cause cascading trips and wide spread blackouts. </a:t>
+              <a:t> model the frequency response because it is more accurate than</a:t>
+            </a:r>
+            <a:r>
+              <a:rPr lang="mr-IN" baseline="0" dirty="0" smtClean="0"/>
+              <a:t>…</a:t>
+            </a:r>
+            <a:endParaRPr lang="is-IS" baseline="0" dirty="0" smtClean="0"/>
+          </a:p>
+          <a:p>
+            <a:r>
+              <a:rPr lang="is-IS" baseline="0" dirty="0" smtClean="0"/>
+              <a:t>We are using the aggregated swing equation to adapt the equation to model a whole network. </a:t>
             </a:r>
             <a:endParaRPr lang="en-US" dirty="0"/>
           </a:p>
@@ -1041,7 +1042,7 @@
           <a:p>
             <a:fld id="{063B06ED-AAE6-1643-931F-B078EBBEF119}" type="slidenum">
               <a:rPr lang="en-US" smtClean="0"/>
-              <a:t>10</a:t>
+              <a:t>9</a:t>
             </a:fld>
             <a:endParaRPr lang="en-US"/>
           </a:p>
@@ -1050,7 +1051,7 @@
     </p:spTree>
     <p:extLst>
       <p:ext uri="{BB962C8B-B14F-4D97-AF65-F5344CB8AC3E}">
-        <p14:creationId xmlns:p14="http://schemas.microsoft.com/office/powerpoint/2010/main" val="26804224"/>
+        <p14:creationId xmlns:p14="http://schemas.microsoft.com/office/powerpoint/2010/main" val="132424320"/>
       </p:ext>
     </p:extLst>
   </p:cSld>
@@ -4490,57 +4491,58 @@
           <a:p>
             <a:r>
               <a:rPr lang="en-US" dirty="0" smtClean="0"/>
-              <a:t>Impact of Renewables</a:t>
+              <a:t>Results</a:t>
             </a:r>
             <a:endParaRPr lang="en-US" dirty="0"/>
           </a:p>
         </p:txBody>
       </p:sp>
-      <p:sp>
-        <p:nvSpPr>
-          <p:cNvPr id="3" name="Content Placeholder 2"/>
-          <p:cNvSpPr>
-            <a:spLocks noGrp="1"/>
-          </p:cNvSpPr>
+      <p:pic>
+        <p:nvPicPr>
+          <p:cNvPr id="6" name="Content Placeholder 5"/>
+          <p:cNvPicPr>
+            <a:picLocks noGrp="1" noChangeAspect="1"/>
+          </p:cNvPicPr>
           <p:nvPr>
             <p:ph idx="1"/>
           </p:nvPr>
-        </p:nvSpPr>
-        <p:spPr/>
-        <p:txBody>
-          <a:bodyPr/>
-          <a:lstStyle/>
-          <a:p>
-            <a:r>
-              <a:rPr lang="en-US" dirty="0" smtClean="0"/>
-              <a:t>No inertia (H = 0) </a:t>
-            </a:r>
-          </a:p>
-          <a:p>
-            <a:r>
-              <a:rPr lang="en-US" dirty="0" smtClean="0"/>
-              <a:t>Increased frequency response</a:t>
-            </a:r>
-          </a:p>
-          <a:p>
-            <a:r>
-              <a:rPr lang="en-US" dirty="0" smtClean="0"/>
-              <a:t>Less control</a:t>
-            </a:r>
-            <a:endParaRPr lang="en-US" dirty="0"/>
-          </a:p>
-        </p:txBody>
-      </p:sp>
+        </p:nvPicPr>
+        <p:blipFill>
+          <a:blip r:embed="rId2">
+            <a:extLst>
+              <a:ext uri="{28A0092B-C50C-407E-A947-70E740481C1C}">
+                <a14:useLocalDpi xmlns:a14="http://schemas.microsoft.com/office/drawing/2010/main" val="0"/>
+              </a:ext>
+            </a:extLst>
+          </a:blip>
+          <a:stretch>
+            <a:fillRect/>
+          </a:stretch>
+        </p:blipFill>
+        <p:spPr>
+          <a:xfrm>
+            <a:off x="946404" y="1691322"/>
+            <a:ext cx="6734907" cy="4950069"/>
+          </a:xfrm>
+        </p:spPr>
+      </p:pic>
     </p:spTree>
     <p:extLst>
       <p:ext uri="{BB962C8B-B14F-4D97-AF65-F5344CB8AC3E}">
-        <p14:creationId xmlns:p14="http://schemas.microsoft.com/office/powerpoint/2010/main" val="3602025122"/>
+        <p14:creationId xmlns:p14="http://schemas.microsoft.com/office/powerpoint/2010/main" val="1301709328"/>
       </p:ext>
     </p:extLst>
   </p:cSld>
   <p:clrMapOvr>
     <a:masterClrMapping/>
   </p:clrMapOvr>
+  <p:timing>
+    <p:tnLst>
+      <p:par>
+        <p:cTn id="1" dur="indefinite" restart="never" nodeType="tmRoot"/>
+      </p:par>
+    </p:tnLst>
+  </p:timing>
 </p:sld>
 </file>
 
@@ -4576,29 +4578,458 @@
           <a:bodyPr/>
           <a:lstStyle/>
           <a:p>
-            <a:endParaRPr lang="en-US"/>
-          </a:p>
-        </p:txBody>
-      </p:sp>
-      <p:sp>
-        <p:nvSpPr>
-          <p:cNvPr id="3" name="Content Placeholder 2"/>
-          <p:cNvSpPr>
-            <a:spLocks noGrp="1"/>
-          </p:cNvSpPr>
-          <p:nvPr>
-            <p:ph idx="1"/>
-          </p:nvPr>
-        </p:nvSpPr>
-        <p:spPr/>
-        <p:txBody>
-          <a:bodyPr/>
-          <a:lstStyle/>
-          <a:p>
-            <a:endParaRPr lang="en-US"/>
-          </a:p>
-        </p:txBody>
-      </p:sp>
+            <a:r>
+              <a:rPr lang="en-US" dirty="0" smtClean="0"/>
+              <a:t>Constant Power</a:t>
+            </a:r>
+            <a:endParaRPr lang="en-US" dirty="0"/>
+          </a:p>
+        </p:txBody>
+      </p:sp>
+      <mc:AlternateContent xmlns:mc="http://schemas.openxmlformats.org/markup-compatibility/2006">
+        <mc:Choice xmlns:a14="http://schemas.microsoft.com/office/drawing/2010/main" Requires="a14">
+          <p:sp>
+            <p:nvSpPr>
+              <p:cNvPr id="3" name="Content Placeholder 2"/>
+              <p:cNvSpPr>
+                <a:spLocks noGrp="1"/>
+              </p:cNvSpPr>
+              <p:nvPr>
+                <p:ph idx="1"/>
+              </p:nvPr>
+            </p:nvSpPr>
+            <p:spPr/>
+            <p:txBody>
+              <a:bodyPr/>
+              <a:lstStyle/>
+              <a:p>
+                <a14:m>
+                  <m:oMath xmlns:m="http://schemas.openxmlformats.org/officeDocument/2006/math">
+                    <m:r>
+                      <a:rPr lang="en-US" i="1" smtClean="0">
+                        <a:latin typeface="Cambria Math" charset="0"/>
+                        <a:ea typeface="Cambria Math" charset="0"/>
+                        <a:cs typeface="Cambria Math" charset="0"/>
+                      </a:rPr>
+                      <m:t>∆</m:t>
+                    </m:r>
+                    <m:acc>
+                      <m:accPr>
+                        <m:chr m:val="̇"/>
+                        <m:ctrlPr>
+                          <a:rPr lang="en-US" i="1">
+                            <a:latin typeface="Cambria Math" charset="0"/>
+                            <a:ea typeface="Cambria Math" charset="0"/>
+                            <a:cs typeface="Cambria Math" charset="0"/>
+                          </a:rPr>
+                        </m:ctrlPr>
+                      </m:accPr>
+                      <m:e>
+                        <m:r>
+                          <a:rPr lang="en-US" i="1">
+                            <a:latin typeface="Cambria Math" charset="0"/>
+                            <a:ea typeface="Cambria Math" charset="0"/>
+                            <a:cs typeface="Cambria Math" charset="0"/>
+                          </a:rPr>
+                          <m:t>𝑓</m:t>
+                        </m:r>
+                      </m:e>
+                    </m:acc>
+                    <m:r>
+                      <a:rPr lang="en-US" i="1">
+                        <a:latin typeface="Cambria Math" charset="0"/>
+                        <a:ea typeface="Cambria Math" charset="0"/>
+                        <a:cs typeface="Cambria Math" charset="0"/>
+                      </a:rPr>
+                      <m:t>=−</m:t>
+                    </m:r>
+                    <m:f>
+                      <m:fPr>
+                        <m:ctrlPr>
+                          <a:rPr lang="mr-IN" i="1">
+                            <a:latin typeface="Cambria Math" charset="0"/>
+                            <a:ea typeface="Cambria Math" charset="0"/>
+                            <a:cs typeface="Cambria Math" charset="0"/>
+                          </a:rPr>
+                        </m:ctrlPr>
+                      </m:fPr>
+                      <m:num>
+                        <m:sSub>
+                          <m:sSubPr>
+                            <m:ctrlPr>
+                              <a:rPr lang="en-US" i="1">
+                                <a:latin typeface="Cambria Math" charset="0"/>
+                                <a:ea typeface="Cambria Math" charset="0"/>
+                                <a:cs typeface="Cambria Math" charset="0"/>
+                              </a:rPr>
+                            </m:ctrlPr>
+                          </m:sSubPr>
+                          <m:e>
+                            <m:r>
+                              <a:rPr lang="en-US" i="1">
+                                <a:latin typeface="Cambria Math" charset="0"/>
+                                <a:ea typeface="Cambria Math" charset="0"/>
+                                <a:cs typeface="Cambria Math" charset="0"/>
+                              </a:rPr>
+                              <m:t>𝑓</m:t>
+                            </m:r>
+                          </m:e>
+                          <m:sub>
+                            <m:r>
+                              <a:rPr lang="en-US" i="1">
+                                <a:latin typeface="Cambria Math" charset="0"/>
+                                <a:ea typeface="Cambria Math" charset="0"/>
+                                <a:cs typeface="Cambria Math" charset="0"/>
+                              </a:rPr>
+                              <m:t>0</m:t>
+                            </m:r>
+                          </m:sub>
+                        </m:sSub>
+                      </m:num>
+                      <m:den>
+                        <m:r>
+                          <a:rPr lang="en-US" i="1">
+                            <a:latin typeface="Cambria Math" charset="0"/>
+                            <a:ea typeface="Cambria Math" charset="0"/>
+                            <a:cs typeface="Cambria Math" charset="0"/>
+                          </a:rPr>
+                          <m:t>2</m:t>
+                        </m:r>
+                        <m:r>
+                          <a:rPr lang="en-US" i="1">
+                            <a:latin typeface="Cambria Math" charset="0"/>
+                            <a:ea typeface="Cambria Math" charset="0"/>
+                            <a:cs typeface="Cambria Math" charset="0"/>
+                          </a:rPr>
+                          <m:t>𝐻</m:t>
+                        </m:r>
+                        <m:sSub>
+                          <m:sSubPr>
+                            <m:ctrlPr>
+                              <a:rPr lang="en-US" i="1">
+                                <a:latin typeface="Cambria Math" charset="0"/>
+                                <a:ea typeface="Cambria Math" charset="0"/>
+                                <a:cs typeface="Cambria Math" charset="0"/>
+                              </a:rPr>
+                            </m:ctrlPr>
+                          </m:sSubPr>
+                          <m:e>
+                            <m:r>
+                              <a:rPr lang="en-US" i="1">
+                                <a:latin typeface="Cambria Math" charset="0"/>
+                                <a:ea typeface="Cambria Math" charset="0"/>
+                                <a:cs typeface="Cambria Math" charset="0"/>
+                              </a:rPr>
+                              <m:t>𝑆</m:t>
+                            </m:r>
+                          </m:e>
+                          <m:sub>
+                            <m:r>
+                              <a:rPr lang="en-US" i="1">
+                                <a:latin typeface="Cambria Math" charset="0"/>
+                                <a:ea typeface="Cambria Math" charset="0"/>
+                                <a:cs typeface="Cambria Math" charset="0"/>
+                              </a:rPr>
+                              <m:t>𝐵</m:t>
+                            </m:r>
+                          </m:sub>
+                        </m:sSub>
+                        <m:sSub>
+                          <m:sSubPr>
+                            <m:ctrlPr>
+                              <a:rPr lang="en-US" i="1">
+                                <a:latin typeface="Cambria Math" charset="0"/>
+                                <a:ea typeface="Cambria Math" charset="0"/>
+                                <a:cs typeface="Cambria Math" charset="0"/>
+                              </a:rPr>
+                            </m:ctrlPr>
+                          </m:sSubPr>
+                          <m:e>
+                            <m:r>
+                              <a:rPr lang="en-US" i="1">
+                                <a:latin typeface="Cambria Math" charset="0"/>
+                                <a:ea typeface="Cambria Math" charset="0"/>
+                                <a:cs typeface="Cambria Math" charset="0"/>
+                              </a:rPr>
+                              <m:t>𝐷</m:t>
+                            </m:r>
+                          </m:e>
+                          <m:sub>
+                            <m:r>
+                              <a:rPr lang="en-US" i="1">
+                                <a:latin typeface="Cambria Math" charset="0"/>
+                                <a:ea typeface="Cambria Math" charset="0"/>
+                                <a:cs typeface="Cambria Math" charset="0"/>
+                              </a:rPr>
+                              <m:t>𝑙𝑜𝑎𝑑</m:t>
+                            </m:r>
+                          </m:sub>
+                        </m:sSub>
+                      </m:den>
+                    </m:f>
+                    <m:r>
+                      <a:rPr lang="mr-IN" i="1">
+                        <a:latin typeface="Cambria Math" charset="0"/>
+                        <a:ea typeface="Cambria Math" charset="0"/>
+                        <a:cs typeface="Cambria Math" charset="0"/>
+                      </a:rPr>
+                      <m:t>∆</m:t>
+                    </m:r>
+                    <m:r>
+                      <a:rPr lang="en-US" i="1">
+                        <a:latin typeface="Cambria Math" charset="0"/>
+                        <a:ea typeface="Cambria Math" charset="0"/>
+                        <a:cs typeface="Cambria Math" charset="0"/>
+                      </a:rPr>
+                      <m:t>𝑓</m:t>
+                    </m:r>
+                    <m:r>
+                      <a:rPr lang="en-US" i="1">
+                        <a:latin typeface="Cambria Math" charset="0"/>
+                        <a:ea typeface="Cambria Math" charset="0"/>
+                        <a:cs typeface="Cambria Math" charset="0"/>
+                      </a:rPr>
+                      <m:t>+</m:t>
+                    </m:r>
+                    <m:f>
+                      <m:fPr>
+                        <m:ctrlPr>
+                          <a:rPr lang="mr-IN" i="1">
+                            <a:latin typeface="Cambria Math" charset="0"/>
+                            <a:ea typeface="Cambria Math" charset="0"/>
+                            <a:cs typeface="Cambria Math" charset="0"/>
+                          </a:rPr>
+                        </m:ctrlPr>
+                      </m:fPr>
+                      <m:num>
+                        <m:sSub>
+                          <m:sSubPr>
+                            <m:ctrlPr>
+                              <a:rPr lang="en-US" i="1">
+                                <a:latin typeface="Cambria Math" charset="0"/>
+                                <a:ea typeface="Cambria Math" charset="0"/>
+                                <a:cs typeface="Cambria Math" charset="0"/>
+                              </a:rPr>
+                            </m:ctrlPr>
+                          </m:sSubPr>
+                          <m:e>
+                            <m:r>
+                              <a:rPr lang="en-US" i="1">
+                                <a:latin typeface="Cambria Math" charset="0"/>
+                                <a:ea typeface="Cambria Math" charset="0"/>
+                                <a:cs typeface="Cambria Math" charset="0"/>
+                              </a:rPr>
+                              <m:t>𝑓</m:t>
+                            </m:r>
+                          </m:e>
+                          <m:sub>
+                            <m:r>
+                              <a:rPr lang="en-US" i="1">
+                                <a:latin typeface="Cambria Math" charset="0"/>
+                                <a:ea typeface="Cambria Math" charset="0"/>
+                                <a:cs typeface="Cambria Math" charset="0"/>
+                              </a:rPr>
+                              <m:t>0</m:t>
+                            </m:r>
+                          </m:sub>
+                        </m:sSub>
+                      </m:num>
+                      <m:den>
+                        <m:r>
+                          <a:rPr lang="en-US" i="1">
+                            <a:latin typeface="Cambria Math" charset="0"/>
+                            <a:ea typeface="Cambria Math" charset="0"/>
+                            <a:cs typeface="Cambria Math" charset="0"/>
+                          </a:rPr>
+                          <m:t>2</m:t>
+                        </m:r>
+                        <m:r>
+                          <a:rPr lang="en-US" i="1">
+                            <a:latin typeface="Cambria Math" charset="0"/>
+                            <a:ea typeface="Cambria Math" charset="0"/>
+                            <a:cs typeface="Cambria Math" charset="0"/>
+                          </a:rPr>
+                          <m:t>𝐻</m:t>
+                        </m:r>
+                        <m:sSub>
+                          <m:sSubPr>
+                            <m:ctrlPr>
+                              <a:rPr lang="en-US" i="1">
+                                <a:latin typeface="Cambria Math" charset="0"/>
+                                <a:ea typeface="Cambria Math" charset="0"/>
+                                <a:cs typeface="Cambria Math" charset="0"/>
+                              </a:rPr>
+                            </m:ctrlPr>
+                          </m:sSubPr>
+                          <m:e>
+                            <m:r>
+                              <a:rPr lang="en-US" i="1">
+                                <a:latin typeface="Cambria Math" charset="0"/>
+                                <a:ea typeface="Cambria Math" charset="0"/>
+                                <a:cs typeface="Cambria Math" charset="0"/>
+                              </a:rPr>
+                              <m:t>𝑆</m:t>
+                            </m:r>
+                          </m:e>
+                          <m:sub>
+                            <m:r>
+                              <a:rPr lang="en-US" i="1">
+                                <a:latin typeface="Cambria Math" charset="0"/>
+                                <a:ea typeface="Cambria Math" charset="0"/>
+                                <a:cs typeface="Cambria Math" charset="0"/>
+                              </a:rPr>
+                              <m:t>𝐵</m:t>
+                            </m:r>
+                          </m:sub>
+                        </m:sSub>
+                      </m:den>
+                    </m:f>
+                    <m:r>
+                      <a:rPr lang="en-US" i="1">
+                        <a:latin typeface="Cambria Math" charset="0"/>
+                        <a:ea typeface="Cambria Math" charset="0"/>
+                        <a:cs typeface="Cambria Math" charset="0"/>
+                      </a:rPr>
+                      <m:t>(∆</m:t>
+                    </m:r>
+                    <m:sSub>
+                      <m:sSubPr>
+                        <m:ctrlPr>
+                          <a:rPr lang="en-US" i="1">
+                            <a:latin typeface="Cambria Math" charset="0"/>
+                            <a:ea typeface="Cambria Math" charset="0"/>
+                            <a:cs typeface="Cambria Math" charset="0"/>
+                          </a:rPr>
+                        </m:ctrlPr>
+                      </m:sSubPr>
+                      <m:e>
+                        <m:r>
+                          <a:rPr lang="en-US" i="1">
+                            <a:latin typeface="Cambria Math" charset="0"/>
+                            <a:ea typeface="Cambria Math" charset="0"/>
+                            <a:cs typeface="Cambria Math" charset="0"/>
+                          </a:rPr>
+                          <m:t>𝑃</m:t>
+                        </m:r>
+                      </m:e>
+                      <m:sub>
+                        <m:r>
+                          <a:rPr lang="en-US" i="1">
+                            <a:latin typeface="Cambria Math" charset="0"/>
+                            <a:ea typeface="Cambria Math" charset="0"/>
+                            <a:cs typeface="Cambria Math" charset="0"/>
+                          </a:rPr>
+                          <m:t>𝑚</m:t>
+                        </m:r>
+                      </m:sub>
+                    </m:sSub>
+                    <m:r>
+                      <a:rPr lang="en-US" i="1">
+                        <a:latin typeface="Cambria Math" charset="0"/>
+                        <a:ea typeface="Cambria Math" charset="0"/>
+                        <a:cs typeface="Cambria Math" charset="0"/>
+                      </a:rPr>
+                      <m:t>−∆</m:t>
+                    </m:r>
+                    <m:sSub>
+                      <m:sSubPr>
+                        <m:ctrlPr>
+                          <a:rPr lang="en-US" i="1">
+                            <a:latin typeface="Cambria Math" charset="0"/>
+                            <a:ea typeface="Cambria Math" charset="0"/>
+                            <a:cs typeface="Cambria Math" charset="0"/>
+                          </a:rPr>
+                        </m:ctrlPr>
+                      </m:sSubPr>
+                      <m:e>
+                        <m:r>
+                          <a:rPr lang="en-US" i="1">
+                            <a:latin typeface="Cambria Math" charset="0"/>
+                            <a:ea typeface="Cambria Math" charset="0"/>
+                            <a:cs typeface="Cambria Math" charset="0"/>
+                          </a:rPr>
+                          <m:t>𝑃</m:t>
+                        </m:r>
+                      </m:e>
+                      <m:sub>
+                        <m:r>
+                          <a:rPr lang="en-US" i="1">
+                            <a:latin typeface="Cambria Math" charset="0"/>
+                            <a:ea typeface="Cambria Math" charset="0"/>
+                            <a:cs typeface="Cambria Math" charset="0"/>
+                          </a:rPr>
+                          <m:t>𝑙𝑜𝑎𝑑</m:t>
+                        </m:r>
+                      </m:sub>
+                    </m:sSub>
+                    <m:r>
+                      <a:rPr lang="en-US" b="0" i="1" smtClean="0">
+                        <a:latin typeface="Cambria Math" charset="0"/>
+                        <a:ea typeface="Cambria Math" charset="0"/>
+                        <a:cs typeface="Cambria Math" charset="0"/>
+                      </a:rPr>
+                      <m:t>+</m:t>
+                    </m:r>
+                    <m:r>
+                      <a:rPr lang="en-US" b="0" i="1" smtClean="0">
+                        <a:latin typeface="Cambria Math" charset="0"/>
+                        <a:ea typeface="Cambria Math" charset="0"/>
+                        <a:cs typeface="Cambria Math" charset="0"/>
+                      </a:rPr>
+                      <m:t>𝑞</m:t>
+                    </m:r>
+                    <m:r>
+                      <a:rPr lang="en-US" i="1">
+                        <a:latin typeface="Cambria Math" charset="0"/>
+                        <a:ea typeface="Cambria Math" charset="0"/>
+                        <a:cs typeface="Cambria Math" charset="0"/>
+                      </a:rPr>
+                      <m:t>)</m:t>
+                    </m:r>
+                  </m:oMath>
+                </a14:m>
+                <a:endParaRPr lang="en-US" dirty="0"/>
+              </a:p>
+              <a:p>
+                <a:endParaRPr lang="en-US" dirty="0"/>
+              </a:p>
+            </p:txBody>
+          </p:sp>
+        </mc:Choice>
+        <mc:Fallback>
+          <p:sp>
+            <p:nvSpPr>
+              <p:cNvPr id="3" name="Content Placeholder 2"/>
+              <p:cNvSpPr>
+                <a:spLocks noGrp="1" noRot="1" noChangeAspect="1" noMove="1" noResize="1" noEditPoints="1" noAdjustHandles="1" noChangeArrowheads="1" noChangeShapeType="1" noTextEdit="1"/>
+              </p:cNvSpPr>
+              <p:nvPr>
+                <p:ph idx="1"/>
+              </p:nvPr>
+            </p:nvSpPr>
+            <p:spPr>
+              <a:blipFill rotWithShape="0">
+                <a:blip r:embed="rId2"/>
+                <a:stretch>
+                  <a:fillRect l="-189"/>
+                </a:stretch>
+              </a:blipFill>
+            </p:spPr>
+            <p:txBody>
+              <a:bodyPr/>
+              <a:lstStyle/>
+              <a:p>
+                <a:r>
+                  <a:rPr lang="en-US">
+                    <a:noFill/>
+                  </a:rPr>
+                  <a:t> </a:t>
+                </a:r>
+              </a:p>
+            </p:txBody>
+          </p:sp>
+        </mc:Fallback>
+      </mc:AlternateContent>
     </p:spTree>
     <p:extLst>
       <p:ext uri="{BB962C8B-B14F-4D97-AF65-F5344CB8AC3E}">
@@ -4609,6 +5040,13 @@
   <p:clrMapOvr>
     <a:masterClrMapping/>
   </p:clrMapOvr>
+  <p:timing>
+    <p:tnLst>
+      <p:par>
+        <p:cTn id="1" dur="indefinite" restart="never" nodeType="tmRoot"/>
+      </p:par>
+    </p:tnLst>
+  </p:timing>
 </p:sld>
 </file>
 
@@ -4646,54 +5084,660 @@
           <a:p>
             <a:r>
               <a:rPr lang="en-US" dirty="0" smtClean="0"/>
-              <a:t>Proposed Methods</a:t>
+              <a:t>Droop Control</a:t>
             </a:r>
             <a:endParaRPr lang="en-US" dirty="0"/>
           </a:p>
         </p:txBody>
       </p:sp>
-      <p:sp>
-        <p:nvSpPr>
-          <p:cNvPr id="3" name="Content Placeholder 2"/>
-          <p:cNvSpPr>
-            <a:spLocks noGrp="1"/>
-          </p:cNvSpPr>
-          <p:nvPr>
-            <p:ph idx="1"/>
-          </p:nvPr>
-        </p:nvSpPr>
-        <p:spPr/>
-        <p:txBody>
-          <a:bodyPr/>
-          <a:lstStyle/>
-          <a:p>
-            <a:r>
-              <a:rPr lang="en-US" dirty="0" smtClean="0"/>
-              <a:t>Synthetic or Virtual Inertia</a:t>
-            </a:r>
-          </a:p>
-          <a:p>
-            <a:r>
-              <a:rPr lang="en-US" dirty="0" smtClean="0"/>
-              <a:t>Energy Storage Systems</a:t>
-            </a:r>
-          </a:p>
-          <a:p>
-            <a:r>
-              <a:rPr lang="en-US" dirty="0" err="1" smtClean="0"/>
-              <a:t>Deloading</a:t>
-            </a:r>
-            <a:endParaRPr lang="en-US" dirty="0" smtClean="0"/>
-          </a:p>
-          <a:p>
-            <a:endParaRPr lang="en-US" dirty="0" smtClean="0"/>
-          </a:p>
-        </p:txBody>
-      </p:sp>
+      <mc:AlternateContent xmlns:mc="http://schemas.openxmlformats.org/markup-compatibility/2006">
+        <mc:Choice xmlns:a14="http://schemas.microsoft.com/office/drawing/2010/main" Requires="a14">
+          <p:sp>
+            <p:nvSpPr>
+              <p:cNvPr id="3" name="Content Placeholder 2"/>
+              <p:cNvSpPr>
+                <a:spLocks noGrp="1"/>
+              </p:cNvSpPr>
+              <p:nvPr>
+                <p:ph idx="1"/>
+              </p:nvPr>
+            </p:nvSpPr>
+            <p:spPr/>
+            <p:txBody>
+              <a:bodyPr/>
+              <a:lstStyle/>
+              <a:p>
+                <a:pPr>
+                  <a:lnSpc>
+                    <a:spcPct val="100000"/>
+                  </a:lnSpc>
+                </a:pPr>
+                <a:r>
+                  <a:rPr lang="en-US" dirty="0" smtClean="0">
+                    <a:ea typeface="Cambria Math" charset="0"/>
+                    <a:cs typeface="Cambria Math" charset="0"/>
+                  </a:rPr>
+                  <a:t>Control Variable:</a:t>
+                </a:r>
+              </a:p>
+              <a:p>
+                <a:pPr marL="0" indent="0">
+                  <a:lnSpc>
+                    <a:spcPct val="100000"/>
+                  </a:lnSpc>
+                  <a:buNone/>
+                </a:pPr>
+                <a14:m>
+                  <m:oMathPara xmlns:m="http://schemas.openxmlformats.org/officeDocument/2006/math">
+                    <m:oMathParaPr>
+                      <m:jc m:val="centerGroup"/>
+                    </m:oMathParaPr>
+                    <m:oMath xmlns:m="http://schemas.openxmlformats.org/officeDocument/2006/math">
+                      <m:r>
+                        <a:rPr lang="en-US" b="0" i="1" smtClean="0">
+                          <a:latin typeface="Cambria Math" charset="0"/>
+                          <a:ea typeface="Cambria Math" charset="0"/>
+                          <a:cs typeface="Cambria Math" charset="0"/>
+                        </a:rPr>
+                        <m:t>𝑢</m:t>
+                      </m:r>
+                      <m:r>
+                        <a:rPr lang="en-US" b="0" i="1" smtClean="0">
+                          <a:latin typeface="Cambria Math" charset="0"/>
+                          <a:ea typeface="Cambria Math" charset="0"/>
+                          <a:cs typeface="Cambria Math" charset="0"/>
+                        </a:rPr>
+                        <m:t>=</m:t>
+                      </m:r>
+                      <m:r>
+                        <a:rPr lang="en-US" b="0" i="1" smtClean="0">
+                          <a:latin typeface="Cambria Math" charset="0"/>
+                          <a:ea typeface="Cambria Math" charset="0"/>
+                          <a:cs typeface="Cambria Math" charset="0"/>
+                        </a:rPr>
+                        <m:t>𝑞</m:t>
+                      </m:r>
+                      <m:r>
+                        <a:rPr lang="en-US" b="0" i="1" smtClean="0">
+                          <a:latin typeface="Cambria Math" charset="0"/>
+                          <a:ea typeface="Cambria Math" charset="0"/>
+                          <a:cs typeface="Cambria Math" charset="0"/>
+                        </a:rPr>
+                        <m:t>−</m:t>
+                      </m:r>
+                      <m:f>
+                        <m:fPr>
+                          <m:ctrlPr>
+                            <a:rPr lang="mr-IN" b="0" i="1" smtClean="0">
+                              <a:latin typeface="Cambria Math" charset="0"/>
+                              <a:ea typeface="Cambria Math" charset="0"/>
+                              <a:cs typeface="Cambria Math" charset="0"/>
+                            </a:rPr>
+                          </m:ctrlPr>
+                        </m:fPr>
+                        <m:num>
+                          <m:r>
+                            <a:rPr lang="en-US" b="0" i="1" smtClean="0">
+                              <a:latin typeface="Cambria Math" charset="0"/>
+                              <a:ea typeface="Cambria Math" charset="0"/>
+                              <a:cs typeface="Cambria Math" charset="0"/>
+                            </a:rPr>
+                            <m:t>1</m:t>
+                          </m:r>
+                        </m:num>
+                        <m:den>
+                          <m:r>
+                            <a:rPr lang="en-US" b="0" i="1" smtClean="0">
+                              <a:latin typeface="Cambria Math" charset="0"/>
+                              <a:ea typeface="Cambria Math" charset="0"/>
+                              <a:cs typeface="Cambria Math" charset="0"/>
+                            </a:rPr>
+                            <m:t>𝑅</m:t>
+                          </m:r>
+                        </m:den>
+                      </m:f>
+                      <m:r>
+                        <a:rPr lang="mr-IN" b="0" i="1" smtClean="0">
+                          <a:latin typeface="Cambria Math" charset="0"/>
+                          <a:ea typeface="Cambria Math" charset="0"/>
+                          <a:cs typeface="Cambria Math" charset="0"/>
+                        </a:rPr>
+                        <m:t>∆</m:t>
+                      </m:r>
+                      <m:r>
+                        <a:rPr lang="en-US" b="0" i="1" smtClean="0">
+                          <a:latin typeface="Cambria Math" charset="0"/>
+                          <a:ea typeface="Cambria Math" charset="0"/>
+                          <a:cs typeface="Cambria Math" charset="0"/>
+                        </a:rPr>
+                        <m:t>𝑓</m:t>
+                      </m:r>
+                    </m:oMath>
+                  </m:oMathPara>
+                </a14:m>
+                <a:endParaRPr lang="en-US" i="1" dirty="0" smtClean="0">
+                  <a:latin typeface="Cambria Math" charset="0"/>
+                  <a:ea typeface="Cambria Math" charset="0"/>
+                  <a:cs typeface="Cambria Math" charset="0"/>
+                </a:endParaRPr>
+              </a:p>
+              <a:p>
+                <a:pPr>
+                  <a:lnSpc>
+                    <a:spcPct val="100000"/>
+                  </a:lnSpc>
+                </a:pPr>
+                <a:r>
+                  <a:rPr lang="en-US" dirty="0" smtClean="0">
+                    <a:ea typeface="Cambria Math" charset="0"/>
+                    <a:cs typeface="Cambria Math" charset="0"/>
+                  </a:rPr>
+                  <a:t>Swing Equation:</a:t>
+                </a:r>
+              </a:p>
+              <a:p>
+                <a:pPr marL="0" indent="0">
+                  <a:lnSpc>
+                    <a:spcPct val="100000"/>
+                  </a:lnSpc>
+                  <a:buNone/>
+                </a:pPr>
+                <a14:m>
+                  <m:oMathPara xmlns:m="http://schemas.openxmlformats.org/officeDocument/2006/math">
+                    <m:oMathParaPr>
+                      <m:jc m:val="centerGroup"/>
+                    </m:oMathParaPr>
+                    <m:oMath xmlns:m="http://schemas.openxmlformats.org/officeDocument/2006/math">
+                      <m:r>
+                        <a:rPr lang="en-US" i="1" smtClean="0">
+                          <a:latin typeface="Cambria Math" charset="0"/>
+                          <a:ea typeface="Cambria Math" charset="0"/>
+                          <a:cs typeface="Cambria Math" charset="0"/>
+                        </a:rPr>
+                        <m:t>∆</m:t>
+                      </m:r>
+                      <m:acc>
+                        <m:accPr>
+                          <m:chr m:val="̇"/>
+                          <m:ctrlPr>
+                            <a:rPr lang="en-US" i="1">
+                              <a:latin typeface="Cambria Math" charset="0"/>
+                              <a:ea typeface="Cambria Math" charset="0"/>
+                              <a:cs typeface="Cambria Math" charset="0"/>
+                            </a:rPr>
+                          </m:ctrlPr>
+                        </m:accPr>
+                        <m:e>
+                          <m:r>
+                            <a:rPr lang="en-US" i="1">
+                              <a:latin typeface="Cambria Math" charset="0"/>
+                              <a:ea typeface="Cambria Math" charset="0"/>
+                              <a:cs typeface="Cambria Math" charset="0"/>
+                            </a:rPr>
+                            <m:t>𝑓</m:t>
+                          </m:r>
+                        </m:e>
+                      </m:acc>
+                      <m:r>
+                        <a:rPr lang="en-US" i="1">
+                          <a:latin typeface="Cambria Math" charset="0"/>
+                          <a:ea typeface="Cambria Math" charset="0"/>
+                          <a:cs typeface="Cambria Math" charset="0"/>
+                        </a:rPr>
+                        <m:t>=−</m:t>
+                      </m:r>
+                      <m:f>
+                        <m:fPr>
+                          <m:ctrlPr>
+                            <a:rPr lang="mr-IN" i="1">
+                              <a:latin typeface="Cambria Math" charset="0"/>
+                              <a:ea typeface="Cambria Math" charset="0"/>
+                              <a:cs typeface="Cambria Math" charset="0"/>
+                            </a:rPr>
+                          </m:ctrlPr>
+                        </m:fPr>
+                        <m:num>
+                          <m:sSub>
+                            <m:sSubPr>
+                              <m:ctrlPr>
+                                <a:rPr lang="en-US" i="1">
+                                  <a:latin typeface="Cambria Math" charset="0"/>
+                                  <a:ea typeface="Cambria Math" charset="0"/>
+                                  <a:cs typeface="Cambria Math" charset="0"/>
+                                </a:rPr>
+                              </m:ctrlPr>
+                            </m:sSubPr>
+                            <m:e>
+                              <m:r>
+                                <a:rPr lang="en-US" i="1">
+                                  <a:latin typeface="Cambria Math" charset="0"/>
+                                  <a:ea typeface="Cambria Math" charset="0"/>
+                                  <a:cs typeface="Cambria Math" charset="0"/>
+                                </a:rPr>
+                                <m:t>𝑓</m:t>
+                              </m:r>
+                            </m:e>
+                            <m:sub>
+                              <m:r>
+                                <a:rPr lang="en-US" i="1">
+                                  <a:latin typeface="Cambria Math" charset="0"/>
+                                  <a:ea typeface="Cambria Math" charset="0"/>
+                                  <a:cs typeface="Cambria Math" charset="0"/>
+                                </a:rPr>
+                                <m:t>0</m:t>
+                              </m:r>
+                            </m:sub>
+                          </m:sSub>
+                        </m:num>
+                        <m:den>
+                          <m:r>
+                            <a:rPr lang="en-US" i="1">
+                              <a:latin typeface="Cambria Math" charset="0"/>
+                              <a:ea typeface="Cambria Math" charset="0"/>
+                              <a:cs typeface="Cambria Math" charset="0"/>
+                            </a:rPr>
+                            <m:t>2</m:t>
+                          </m:r>
+                          <m:r>
+                            <a:rPr lang="en-US" i="1">
+                              <a:latin typeface="Cambria Math" charset="0"/>
+                              <a:ea typeface="Cambria Math" charset="0"/>
+                              <a:cs typeface="Cambria Math" charset="0"/>
+                            </a:rPr>
+                            <m:t>𝐻</m:t>
+                          </m:r>
+                          <m:sSub>
+                            <m:sSubPr>
+                              <m:ctrlPr>
+                                <a:rPr lang="en-US" i="1">
+                                  <a:latin typeface="Cambria Math" charset="0"/>
+                                  <a:ea typeface="Cambria Math" charset="0"/>
+                                  <a:cs typeface="Cambria Math" charset="0"/>
+                                </a:rPr>
+                              </m:ctrlPr>
+                            </m:sSubPr>
+                            <m:e>
+                              <m:r>
+                                <a:rPr lang="en-US" i="1">
+                                  <a:latin typeface="Cambria Math" charset="0"/>
+                                  <a:ea typeface="Cambria Math" charset="0"/>
+                                  <a:cs typeface="Cambria Math" charset="0"/>
+                                </a:rPr>
+                                <m:t>𝑆</m:t>
+                              </m:r>
+                            </m:e>
+                            <m:sub>
+                              <m:r>
+                                <a:rPr lang="en-US" i="1">
+                                  <a:latin typeface="Cambria Math" charset="0"/>
+                                  <a:ea typeface="Cambria Math" charset="0"/>
+                                  <a:cs typeface="Cambria Math" charset="0"/>
+                                </a:rPr>
+                                <m:t>𝐵</m:t>
+                              </m:r>
+                            </m:sub>
+                          </m:sSub>
+                          <m:sSub>
+                            <m:sSubPr>
+                              <m:ctrlPr>
+                                <a:rPr lang="en-US" i="1">
+                                  <a:latin typeface="Cambria Math" charset="0"/>
+                                  <a:ea typeface="Cambria Math" charset="0"/>
+                                  <a:cs typeface="Cambria Math" charset="0"/>
+                                </a:rPr>
+                              </m:ctrlPr>
+                            </m:sSubPr>
+                            <m:e>
+                              <m:r>
+                                <a:rPr lang="en-US" i="1">
+                                  <a:latin typeface="Cambria Math" charset="0"/>
+                                  <a:ea typeface="Cambria Math" charset="0"/>
+                                  <a:cs typeface="Cambria Math" charset="0"/>
+                                </a:rPr>
+                                <m:t>𝐷</m:t>
+                              </m:r>
+                            </m:e>
+                            <m:sub>
+                              <m:r>
+                                <a:rPr lang="en-US" i="1">
+                                  <a:latin typeface="Cambria Math" charset="0"/>
+                                  <a:ea typeface="Cambria Math" charset="0"/>
+                                  <a:cs typeface="Cambria Math" charset="0"/>
+                                </a:rPr>
+                                <m:t>𝑙𝑜𝑎𝑑</m:t>
+                              </m:r>
+                            </m:sub>
+                          </m:sSub>
+                        </m:den>
+                      </m:f>
+                      <m:r>
+                        <a:rPr lang="mr-IN" i="1">
+                          <a:latin typeface="Cambria Math" charset="0"/>
+                          <a:ea typeface="Cambria Math" charset="0"/>
+                          <a:cs typeface="Cambria Math" charset="0"/>
+                        </a:rPr>
+                        <m:t>∆</m:t>
+                      </m:r>
+                      <m:r>
+                        <a:rPr lang="en-US" i="1">
+                          <a:latin typeface="Cambria Math" charset="0"/>
+                          <a:ea typeface="Cambria Math" charset="0"/>
+                          <a:cs typeface="Cambria Math" charset="0"/>
+                        </a:rPr>
+                        <m:t>𝑓</m:t>
+                      </m:r>
+                      <m:r>
+                        <a:rPr lang="en-US" i="1">
+                          <a:latin typeface="Cambria Math" charset="0"/>
+                          <a:ea typeface="Cambria Math" charset="0"/>
+                          <a:cs typeface="Cambria Math" charset="0"/>
+                        </a:rPr>
+                        <m:t>+</m:t>
+                      </m:r>
+                      <m:f>
+                        <m:fPr>
+                          <m:ctrlPr>
+                            <a:rPr lang="mr-IN" i="1">
+                              <a:latin typeface="Cambria Math" charset="0"/>
+                              <a:ea typeface="Cambria Math" charset="0"/>
+                              <a:cs typeface="Cambria Math" charset="0"/>
+                            </a:rPr>
+                          </m:ctrlPr>
+                        </m:fPr>
+                        <m:num>
+                          <m:sSub>
+                            <m:sSubPr>
+                              <m:ctrlPr>
+                                <a:rPr lang="en-US" i="1">
+                                  <a:latin typeface="Cambria Math" charset="0"/>
+                                  <a:ea typeface="Cambria Math" charset="0"/>
+                                  <a:cs typeface="Cambria Math" charset="0"/>
+                                </a:rPr>
+                              </m:ctrlPr>
+                            </m:sSubPr>
+                            <m:e>
+                              <m:r>
+                                <a:rPr lang="en-US" i="1">
+                                  <a:latin typeface="Cambria Math" charset="0"/>
+                                  <a:ea typeface="Cambria Math" charset="0"/>
+                                  <a:cs typeface="Cambria Math" charset="0"/>
+                                </a:rPr>
+                                <m:t>𝑓</m:t>
+                              </m:r>
+                            </m:e>
+                            <m:sub>
+                              <m:r>
+                                <a:rPr lang="en-US" i="1">
+                                  <a:latin typeface="Cambria Math" charset="0"/>
+                                  <a:ea typeface="Cambria Math" charset="0"/>
+                                  <a:cs typeface="Cambria Math" charset="0"/>
+                                </a:rPr>
+                                <m:t>0</m:t>
+                              </m:r>
+                            </m:sub>
+                          </m:sSub>
+                        </m:num>
+                        <m:den>
+                          <m:r>
+                            <a:rPr lang="en-US" i="1">
+                              <a:latin typeface="Cambria Math" charset="0"/>
+                              <a:ea typeface="Cambria Math" charset="0"/>
+                              <a:cs typeface="Cambria Math" charset="0"/>
+                            </a:rPr>
+                            <m:t>2</m:t>
+                          </m:r>
+                          <m:r>
+                            <a:rPr lang="en-US" i="1">
+                              <a:latin typeface="Cambria Math" charset="0"/>
+                              <a:ea typeface="Cambria Math" charset="0"/>
+                              <a:cs typeface="Cambria Math" charset="0"/>
+                            </a:rPr>
+                            <m:t>𝐻</m:t>
+                          </m:r>
+                          <m:sSub>
+                            <m:sSubPr>
+                              <m:ctrlPr>
+                                <a:rPr lang="en-US" i="1">
+                                  <a:latin typeface="Cambria Math" charset="0"/>
+                                  <a:ea typeface="Cambria Math" charset="0"/>
+                                  <a:cs typeface="Cambria Math" charset="0"/>
+                                </a:rPr>
+                              </m:ctrlPr>
+                            </m:sSubPr>
+                            <m:e>
+                              <m:r>
+                                <a:rPr lang="en-US" i="1">
+                                  <a:latin typeface="Cambria Math" charset="0"/>
+                                  <a:ea typeface="Cambria Math" charset="0"/>
+                                  <a:cs typeface="Cambria Math" charset="0"/>
+                                </a:rPr>
+                                <m:t>𝑆</m:t>
+                              </m:r>
+                            </m:e>
+                            <m:sub>
+                              <m:r>
+                                <a:rPr lang="en-US" i="1">
+                                  <a:latin typeface="Cambria Math" charset="0"/>
+                                  <a:ea typeface="Cambria Math" charset="0"/>
+                                  <a:cs typeface="Cambria Math" charset="0"/>
+                                </a:rPr>
+                                <m:t>𝐵</m:t>
+                              </m:r>
+                            </m:sub>
+                          </m:sSub>
+                        </m:den>
+                      </m:f>
+                      <m:r>
+                        <a:rPr lang="en-US" i="1">
+                          <a:latin typeface="Cambria Math" charset="0"/>
+                          <a:ea typeface="Cambria Math" charset="0"/>
+                          <a:cs typeface="Cambria Math" charset="0"/>
+                        </a:rPr>
+                        <m:t>(∆</m:t>
+                      </m:r>
+                      <m:sSub>
+                        <m:sSubPr>
+                          <m:ctrlPr>
+                            <a:rPr lang="en-US" i="1">
+                              <a:latin typeface="Cambria Math" charset="0"/>
+                              <a:ea typeface="Cambria Math" charset="0"/>
+                              <a:cs typeface="Cambria Math" charset="0"/>
+                            </a:rPr>
+                          </m:ctrlPr>
+                        </m:sSubPr>
+                        <m:e>
+                          <m:r>
+                            <a:rPr lang="en-US" i="1">
+                              <a:latin typeface="Cambria Math" charset="0"/>
+                              <a:ea typeface="Cambria Math" charset="0"/>
+                              <a:cs typeface="Cambria Math" charset="0"/>
+                            </a:rPr>
+                            <m:t>𝑃</m:t>
+                          </m:r>
+                        </m:e>
+                        <m:sub>
+                          <m:r>
+                            <a:rPr lang="en-US" i="1">
+                              <a:latin typeface="Cambria Math" charset="0"/>
+                              <a:ea typeface="Cambria Math" charset="0"/>
+                              <a:cs typeface="Cambria Math" charset="0"/>
+                            </a:rPr>
+                            <m:t>𝑚</m:t>
+                          </m:r>
+                        </m:sub>
+                      </m:sSub>
+                      <m:r>
+                        <a:rPr lang="en-US" i="1">
+                          <a:latin typeface="Cambria Math" charset="0"/>
+                          <a:ea typeface="Cambria Math" charset="0"/>
+                          <a:cs typeface="Cambria Math" charset="0"/>
+                        </a:rPr>
+                        <m:t>−∆</m:t>
+                      </m:r>
+                      <m:sSub>
+                        <m:sSubPr>
+                          <m:ctrlPr>
+                            <a:rPr lang="en-US" i="1">
+                              <a:latin typeface="Cambria Math" charset="0"/>
+                              <a:ea typeface="Cambria Math" charset="0"/>
+                              <a:cs typeface="Cambria Math" charset="0"/>
+                            </a:rPr>
+                          </m:ctrlPr>
+                        </m:sSubPr>
+                        <m:e>
+                          <m:r>
+                            <a:rPr lang="en-US" i="1">
+                              <a:latin typeface="Cambria Math" charset="0"/>
+                              <a:ea typeface="Cambria Math" charset="0"/>
+                              <a:cs typeface="Cambria Math" charset="0"/>
+                            </a:rPr>
+                            <m:t>𝑃</m:t>
+                          </m:r>
+                        </m:e>
+                        <m:sub>
+                          <m:r>
+                            <a:rPr lang="en-US" i="1">
+                              <a:latin typeface="Cambria Math" charset="0"/>
+                              <a:ea typeface="Cambria Math" charset="0"/>
+                              <a:cs typeface="Cambria Math" charset="0"/>
+                            </a:rPr>
+                            <m:t>𝑙𝑜𝑎𝑑</m:t>
+                          </m:r>
+                        </m:sub>
+                      </m:sSub>
+                      <m:r>
+                        <a:rPr lang="en-US" i="1">
+                          <a:latin typeface="Cambria Math" charset="0"/>
+                          <a:ea typeface="Cambria Math" charset="0"/>
+                          <a:cs typeface="Cambria Math" charset="0"/>
+                        </a:rPr>
+                        <m:t>+</m:t>
+                      </m:r>
+                      <m:r>
+                        <a:rPr lang="en-US" i="1">
+                          <a:latin typeface="Cambria Math" charset="0"/>
+                          <a:ea typeface="Cambria Math" charset="0"/>
+                          <a:cs typeface="Cambria Math" charset="0"/>
+                        </a:rPr>
+                        <m:t>𝑞</m:t>
+                      </m:r>
+                      <m:r>
+                        <a:rPr lang="en-US" b="0" i="1" smtClean="0">
+                          <a:latin typeface="Cambria Math" charset="0"/>
+                          <a:ea typeface="Cambria Math" charset="0"/>
+                          <a:cs typeface="Cambria Math" charset="0"/>
+                        </a:rPr>
+                        <m:t> − </m:t>
+                      </m:r>
+                      <m:f>
+                        <m:fPr>
+                          <m:ctrlPr>
+                            <a:rPr lang="mr-IN" b="0" i="1" smtClean="0">
+                              <a:latin typeface="Cambria Math" charset="0"/>
+                              <a:ea typeface="Cambria Math" charset="0"/>
+                              <a:cs typeface="Cambria Math" charset="0"/>
+                            </a:rPr>
+                          </m:ctrlPr>
+                        </m:fPr>
+                        <m:num>
+                          <m:r>
+                            <a:rPr lang="en-US" b="0" i="1" smtClean="0">
+                              <a:latin typeface="Cambria Math" charset="0"/>
+                              <a:ea typeface="Cambria Math" charset="0"/>
+                              <a:cs typeface="Cambria Math" charset="0"/>
+                            </a:rPr>
+                            <m:t>1</m:t>
+                          </m:r>
+                        </m:num>
+                        <m:den>
+                          <m:r>
+                            <a:rPr lang="en-US" b="0" i="1" smtClean="0">
+                              <a:latin typeface="Cambria Math" charset="0"/>
+                              <a:ea typeface="Cambria Math" charset="0"/>
+                              <a:cs typeface="Cambria Math" charset="0"/>
+                            </a:rPr>
+                            <m:t>𝑅</m:t>
+                          </m:r>
+                        </m:den>
+                      </m:f>
+                      <m:r>
+                        <a:rPr lang="mr-IN" b="0" i="1" smtClean="0">
+                          <a:latin typeface="Cambria Math" charset="0"/>
+                          <a:ea typeface="Cambria Math" charset="0"/>
+                          <a:cs typeface="Cambria Math" charset="0"/>
+                        </a:rPr>
+                        <m:t>∆</m:t>
+                      </m:r>
+                      <m:r>
+                        <a:rPr lang="en-US" b="0" i="1" smtClean="0">
+                          <a:latin typeface="Cambria Math" charset="0"/>
+                          <a:ea typeface="Cambria Math" charset="0"/>
+                          <a:cs typeface="Cambria Math" charset="0"/>
+                        </a:rPr>
+                        <m:t>𝑓</m:t>
+                      </m:r>
+                      <m:r>
+                        <a:rPr lang="en-US" i="1">
+                          <a:latin typeface="Cambria Math" charset="0"/>
+                          <a:ea typeface="Cambria Math" charset="0"/>
+                          <a:cs typeface="Cambria Math" charset="0"/>
+                        </a:rPr>
+                        <m:t>)</m:t>
+                      </m:r>
+                    </m:oMath>
+                  </m:oMathPara>
+                </a14:m>
+                <a:endParaRPr lang="en-US" dirty="0"/>
+              </a:p>
+              <a:p>
+                <a:pPr>
+                  <a:lnSpc>
+                    <a:spcPct val="100000"/>
+                  </a:lnSpc>
+                </a:pPr>
+                <a:endParaRPr lang="en-US" dirty="0"/>
+              </a:p>
+            </p:txBody>
+          </p:sp>
+        </mc:Choice>
+        <mc:Fallback>
+          <p:sp>
+            <p:nvSpPr>
+              <p:cNvPr id="3" name="Content Placeholder 2"/>
+              <p:cNvSpPr>
+                <a:spLocks noGrp="1" noRot="1" noChangeAspect="1" noMove="1" noResize="1" noEditPoints="1" noAdjustHandles="1" noChangeArrowheads="1" noChangeShapeType="1" noTextEdit="1"/>
+              </p:cNvSpPr>
+              <p:nvPr>
+                <p:ph idx="1"/>
+              </p:nvPr>
+            </p:nvSpPr>
+            <p:spPr>
+              <a:blipFill rotWithShape="0">
+                <a:blip r:embed="rId2"/>
+                <a:stretch>
+                  <a:fillRect l="-189" t="-700"/>
+                </a:stretch>
+              </a:blipFill>
+            </p:spPr>
+            <p:txBody>
+              <a:bodyPr/>
+              <a:lstStyle/>
+              <a:p>
+                <a:r>
+                  <a:rPr lang="en-US">
+                    <a:noFill/>
+                  </a:rPr>
+                  <a:t> </a:t>
+                </a:r>
+              </a:p>
+            </p:txBody>
+          </p:sp>
+        </mc:Fallback>
+      </mc:AlternateContent>
     </p:spTree>
     <p:extLst>
       <p:ext uri="{BB962C8B-B14F-4D97-AF65-F5344CB8AC3E}">
-        <p14:creationId xmlns:p14="http://schemas.microsoft.com/office/powerpoint/2010/main" val="1775937893"/>
+        <p14:creationId xmlns:p14="http://schemas.microsoft.com/office/powerpoint/2010/main" val="1895126121"/>
       </p:ext>
     </p:extLst>
   </p:cSld>
@@ -4737,7 +5781,7 @@
           <a:p>
             <a:r>
               <a:rPr lang="en-US" dirty="0" smtClean="0"/>
-              <a:t>Virtual Inertia</a:t>
+              <a:t>Proposed Methods</a:t>
             </a:r>
             <a:endParaRPr lang="en-US" dirty="0"/>
           </a:p>
@@ -4760,22 +5804,31 @@
           <a:p>
             <a:r>
               <a:rPr lang="en-US" dirty="0" smtClean="0"/>
-              <a:t>Pros: Increases overall inertia</a:t>
+              <a:t>Synthetic or Virtual Inertia</a:t>
             </a:r>
           </a:p>
           <a:p>
             <a:r>
               <a:rPr lang="en-US" dirty="0" smtClean="0"/>
-              <a:t>Cons: High cost to update all facilities with the necessary control mechanisms</a:t>
-            </a:r>
-            <a:endParaRPr lang="en-US" dirty="0"/>
+              <a:t>Energy Storage Systems</a:t>
+            </a:r>
+          </a:p>
+          <a:p>
+            <a:r>
+              <a:rPr lang="en-US" dirty="0" err="1" smtClean="0"/>
+              <a:t>Deloading</a:t>
+            </a:r>
+            <a:endParaRPr lang="en-US" dirty="0" smtClean="0"/>
+          </a:p>
+          <a:p>
+            <a:endParaRPr lang="en-US" dirty="0" smtClean="0"/>
           </a:p>
         </p:txBody>
       </p:sp>
     </p:spTree>
     <p:extLst>
       <p:ext uri="{BB962C8B-B14F-4D97-AF65-F5344CB8AC3E}">
-        <p14:creationId xmlns:p14="http://schemas.microsoft.com/office/powerpoint/2010/main" val="708870289"/>
+        <p14:creationId xmlns:p14="http://schemas.microsoft.com/office/powerpoint/2010/main" val="1775937893"/>
       </p:ext>
     </p:extLst>
   </p:cSld>
@@ -4819,7 +5872,7 @@
           <a:p>
             <a:r>
               <a:rPr lang="en-US" dirty="0" smtClean="0"/>
-              <a:t>Energy Storage Systems</a:t>
+              <a:t>Virtual Inertia</a:t>
             </a:r>
             <a:endParaRPr lang="en-US" dirty="0"/>
           </a:p>
@@ -4842,16 +5895,14 @@
           <a:p>
             <a:r>
               <a:rPr lang="en-US" dirty="0" smtClean="0"/>
-              <a:t>Pros: Provides reserve power</a:t>
+              <a:t>Pros: Increases overall inertia</a:t>
             </a:r>
           </a:p>
           <a:p>
             <a:r>
               <a:rPr lang="en-US" dirty="0" smtClean="0"/>
-              <a:t>Cons: Costly</a:t>
-            </a:r>
-          </a:p>
-          <a:p>
+              <a:t>Cons: High cost to update all facilities with the necessary control mechanisms</a:t>
+            </a:r>
             <a:endParaRPr lang="en-US" dirty="0"/>
           </a:p>
         </p:txBody>
@@ -4859,7 +5910,7 @@
     </p:spTree>
     <p:extLst>
       <p:ext uri="{BB962C8B-B14F-4D97-AF65-F5344CB8AC3E}">
-        <p14:creationId xmlns:p14="http://schemas.microsoft.com/office/powerpoint/2010/main" val="1818619930"/>
+        <p14:creationId xmlns:p14="http://schemas.microsoft.com/office/powerpoint/2010/main" val="708870289"/>
       </p:ext>
     </p:extLst>
   </p:cSld>
@@ -4902,6 +5953,90 @@
           <a:lstStyle/>
           <a:p>
             <a:r>
+              <a:rPr lang="en-US" dirty="0" smtClean="0"/>
+              <a:t>Energy Storage Systems</a:t>
+            </a:r>
+            <a:endParaRPr lang="en-US" dirty="0"/>
+          </a:p>
+        </p:txBody>
+      </p:sp>
+      <p:sp>
+        <p:nvSpPr>
+          <p:cNvPr id="3" name="Content Placeholder 2"/>
+          <p:cNvSpPr>
+            <a:spLocks noGrp="1"/>
+          </p:cNvSpPr>
+          <p:nvPr>
+            <p:ph idx="1"/>
+          </p:nvPr>
+        </p:nvSpPr>
+        <p:spPr/>
+        <p:txBody>
+          <a:bodyPr/>
+          <a:lstStyle/>
+          <a:p>
+            <a:r>
+              <a:rPr lang="en-US" dirty="0" smtClean="0"/>
+              <a:t>Pros: Provides reserve power</a:t>
+            </a:r>
+          </a:p>
+          <a:p>
+            <a:r>
+              <a:rPr lang="en-US" dirty="0" smtClean="0"/>
+              <a:t>Cons: Costly</a:t>
+            </a:r>
+          </a:p>
+          <a:p>
+            <a:endParaRPr lang="en-US" dirty="0"/>
+          </a:p>
+        </p:txBody>
+      </p:sp>
+    </p:spTree>
+    <p:extLst>
+      <p:ext uri="{BB962C8B-B14F-4D97-AF65-F5344CB8AC3E}">
+        <p14:creationId xmlns:p14="http://schemas.microsoft.com/office/powerpoint/2010/main" val="1818619930"/>
+      </p:ext>
+    </p:extLst>
+  </p:cSld>
+  <p:clrMapOvr>
+    <a:masterClrMapping/>
+  </p:clrMapOvr>
+</p:sld>
+</file>
+
+<file path=ppt/slides/slide16.xml><?xml version="1.0" encoding="utf-8"?>
+<p:sld xmlns:a="http://schemas.openxmlformats.org/drawingml/2006/main" xmlns:r="http://schemas.openxmlformats.org/officeDocument/2006/relationships" xmlns:p="http://schemas.openxmlformats.org/presentationml/2006/main">
+  <p:cSld>
+    <p:spTree>
+      <p:nvGrpSpPr>
+        <p:cNvPr id="1" name=""/>
+        <p:cNvGrpSpPr/>
+        <p:nvPr/>
+      </p:nvGrpSpPr>
+      <p:grpSpPr>
+        <a:xfrm>
+          <a:off x="0" y="0"/>
+          <a:ext cx="0" cy="0"/>
+          <a:chOff x="0" y="0"/>
+          <a:chExt cx="0" cy="0"/>
+        </a:xfrm>
+      </p:grpSpPr>
+      <p:sp>
+        <p:nvSpPr>
+          <p:cNvPr id="2" name="Title 1"/>
+          <p:cNvSpPr>
+            <a:spLocks noGrp="1"/>
+          </p:cNvSpPr>
+          <p:nvPr>
+            <p:ph type="title"/>
+          </p:nvPr>
+        </p:nvSpPr>
+        <p:spPr/>
+        <p:txBody>
+          <a:bodyPr/>
+          <a:lstStyle/>
+          <a:p>
+            <a:r>
               <a:rPr lang="en-US" dirty="0" err="1" smtClean="0"/>
               <a:t>Deloading</a:t>
             </a:r>
@@ -4951,7 +6086,7 @@
 </p:sld>
 </file>
 
-<file path=ppt/slides/slide16.xml><?xml version="1.0" encoding="utf-8"?>
+<file path=ppt/slides/slide17.xml><?xml version="1.0" encoding="utf-8"?>
 <p:sld xmlns:a="http://schemas.openxmlformats.org/drawingml/2006/main" xmlns:r="http://schemas.openxmlformats.org/officeDocument/2006/relationships" xmlns:p="http://schemas.openxmlformats.org/presentationml/2006/main">
   <p:cSld>
     <p:spTree>
@@ -5756,14 +6891,12 @@
         </p:nvSpPr>
         <p:spPr/>
         <p:txBody>
-          <a:bodyPr>
-            <a:normAutofit/>
-          </a:bodyPr>
+          <a:bodyPr/>
           <a:lstStyle/>
           <a:p>
             <a:r>
               <a:rPr lang="en-US" dirty="0" smtClean="0"/>
-              <a:t>Modeling</a:t>
+              <a:t>Impact of Renewables</a:t>
             </a:r>
             <a:endParaRPr lang="en-US" dirty="0"/>
           </a:p>
@@ -5779,71 +6912,35 @@
             <p:ph idx="1"/>
           </p:nvPr>
         </p:nvSpPr>
-        <p:spPr>
-          <a:xfrm>
-            <a:off x="946404" y="1828801"/>
-            <a:ext cx="6685319" cy="4325814"/>
-          </a:xfrm>
-        </p:spPr>
-        <p:txBody>
-          <a:bodyPr>
-            <a:normAutofit/>
-          </a:bodyPr>
+        <p:spPr/>
+        <p:txBody>
+          <a:bodyPr/>
           <a:lstStyle/>
           <a:p>
             <a:r>
               <a:rPr lang="en-US" dirty="0" smtClean="0"/>
-              <a:t>Simulation </a:t>
-            </a:r>
+              <a:t>No inertia (H = 0) </a:t>
+            </a:r>
+          </a:p>
+          <a:p>
             <a:r>
               <a:rPr lang="en-US" dirty="0" smtClean="0"/>
-              <a:t>software (i.e. “insert simulation software name here”)</a:t>
-            </a:r>
-            <a:endParaRPr lang="en-US" dirty="0" smtClean="0"/>
-          </a:p>
-          <a:p>
-            <a:pPr lvl="1"/>
+              <a:t>Increased frequency response</a:t>
+            </a:r>
+          </a:p>
+          <a:p>
             <a:r>
               <a:rPr lang="en-US" dirty="0" smtClean="0"/>
-              <a:t>Used </a:t>
-            </a:r>
-            <a:r>
-              <a:rPr lang="en-US" dirty="0" smtClean="0"/>
-              <a:t>as a comparison tool to validate simplified models in THIS paper</a:t>
-            </a:r>
-          </a:p>
-          <a:p>
-            <a:pPr lvl="1"/>
-            <a:r>
-              <a:rPr lang="en-US" dirty="0" smtClean="0"/>
-              <a:t>Complicated </a:t>
-            </a:r>
-            <a:r>
-              <a:rPr lang="en-US" dirty="0" smtClean="0"/>
-              <a:t>(many variables)</a:t>
-            </a:r>
-          </a:p>
-          <a:p>
-            <a:pPr lvl="1"/>
-            <a:r>
-              <a:rPr lang="en-US" dirty="0" smtClean="0"/>
-              <a:t>Expensive (time and money)</a:t>
-            </a:r>
-          </a:p>
-          <a:p>
-            <a:pPr lvl="1"/>
+              <a:t>Less control</a:t>
+            </a:r>
             <a:endParaRPr lang="en-US" dirty="0"/>
-          </a:p>
-          <a:p>
-            <a:pPr lvl="1"/>
-            <a:endParaRPr lang="en-US" dirty="0" smtClean="0"/>
           </a:p>
         </p:txBody>
       </p:sp>
     </p:spTree>
     <p:extLst>
       <p:ext uri="{BB962C8B-B14F-4D97-AF65-F5344CB8AC3E}">
-        <p14:creationId xmlns:p14="http://schemas.microsoft.com/office/powerpoint/2010/main" val="3084728371"/>
+        <p14:creationId xmlns:p14="http://schemas.microsoft.com/office/powerpoint/2010/main" val="3602025122"/>
       </p:ext>
     </p:extLst>
   </p:cSld>
@@ -5882,7 +6979,9 @@
         </p:nvSpPr>
         <p:spPr/>
         <p:txBody>
-          <a:bodyPr/>
+          <a:bodyPr>
+            <a:normAutofit/>
+          </a:bodyPr>
           <a:lstStyle/>
           <a:p>
             <a:r>
@@ -5905,47 +7004,69 @@
         </p:nvSpPr>
         <p:spPr>
           <a:xfrm>
-            <a:off x="946404" y="1846385"/>
-            <a:ext cx="6446520" cy="4333753"/>
+            <a:off x="946404" y="1828801"/>
+            <a:ext cx="6685319" cy="4325814"/>
           </a:xfrm>
         </p:spPr>
         <p:txBody>
-          <a:bodyPr/>
+          <a:bodyPr>
+            <a:normAutofit/>
+          </a:bodyPr>
           <a:lstStyle/>
           <a:p>
             <a:r>
-              <a:rPr lang="en-US" dirty="0"/>
-              <a:t>Full network </a:t>
-            </a:r>
-            <a:r>
               <a:rPr lang="en-US" dirty="0" smtClean="0"/>
-              <a:t>models (as in THIS paper)</a:t>
-            </a:r>
+              <a:t>Simulation </a:t>
+            </a:r>
+            <a:r>
+              <a:rPr lang="en-US" dirty="0" smtClean="0"/>
+              <a:t>software (i.e. “insert simulation software name here”)</a:t>
+            </a:r>
+            <a:endParaRPr lang="en-US" dirty="0" smtClean="0"/>
+          </a:p>
+          <a:p>
+            <a:pPr lvl="1"/>
+            <a:r>
+              <a:rPr lang="en-US" dirty="0" smtClean="0"/>
+              <a:t>Used </a:t>
+            </a:r>
+            <a:r>
+              <a:rPr lang="en-US" dirty="0" smtClean="0"/>
+              <a:t>as a comparison tool to validate simplified models in THIS paper</a:t>
+            </a:r>
+          </a:p>
+          <a:p>
+            <a:pPr lvl="1"/>
+            <a:r>
+              <a:rPr lang="en-US" dirty="0" smtClean="0"/>
+              <a:t>Complicated </a:t>
+            </a:r>
+            <a:r>
+              <a:rPr lang="en-US" dirty="0" smtClean="0"/>
+              <a:t>(many variables)</a:t>
+            </a:r>
+          </a:p>
+          <a:p>
+            <a:pPr lvl="1"/>
+            <a:r>
+              <a:rPr lang="en-US" dirty="0" smtClean="0"/>
+              <a:t>Expensive (time and money)</a:t>
+            </a:r>
+          </a:p>
+          <a:p>
+            <a:pPr lvl="1"/>
             <a:endParaRPr lang="en-US" dirty="0"/>
           </a:p>
           <a:p>
             <a:pPr lvl="1"/>
-            <a:r>
-              <a:rPr lang="en-US" dirty="0"/>
-              <a:t>Complicated (many variables)</a:t>
-            </a:r>
-          </a:p>
-          <a:p>
-            <a:pPr lvl="1"/>
-            <a:r>
-              <a:rPr lang="en-US" dirty="0"/>
-              <a:t>Time</a:t>
-            </a:r>
-          </a:p>
-          <a:p>
-            <a:endParaRPr lang="en-US" dirty="0"/>
+            <a:endParaRPr lang="en-US" dirty="0" smtClean="0"/>
           </a:p>
         </p:txBody>
       </p:sp>
     </p:spTree>
     <p:extLst>
       <p:ext uri="{BB962C8B-B14F-4D97-AF65-F5344CB8AC3E}">
-        <p14:creationId xmlns:p14="http://schemas.microsoft.com/office/powerpoint/2010/main" val="1809242005"/>
+        <p14:creationId xmlns:p14="http://schemas.microsoft.com/office/powerpoint/2010/main" val="3084728371"/>
       </p:ext>
     </p:extLst>
   </p:cSld>
@@ -6005,28 +7126,38 @@
             <p:ph idx="1"/>
           </p:nvPr>
         </p:nvSpPr>
-        <p:spPr/>
+        <p:spPr>
+          <a:xfrm>
+            <a:off x="946404" y="1846385"/>
+            <a:ext cx="6446520" cy="4333753"/>
+          </a:xfrm>
+        </p:spPr>
         <p:txBody>
           <a:bodyPr/>
           <a:lstStyle/>
           <a:p>
             <a:r>
               <a:rPr lang="en-US" dirty="0"/>
-              <a:t>Simplified Models (Aggregated Swing eq. Average Freq.)</a:t>
-            </a:r>
+              <a:t>Full network </a:t>
+            </a:r>
+            <a:r>
+              <a:rPr lang="en-US" dirty="0" smtClean="0"/>
+              <a:t>models (as in THIS paper)</a:t>
+            </a:r>
+            <a:endParaRPr lang="en-US" dirty="0"/>
           </a:p>
           <a:p>
             <a:pPr lvl="1"/>
             <a:r>
               <a:rPr lang="en-US" dirty="0"/>
-              <a:t>Marginally less accurate</a:t>
+              <a:t>Complicated (many variables)</a:t>
             </a:r>
           </a:p>
           <a:p>
             <a:pPr lvl="1"/>
             <a:r>
               <a:rPr lang="en-US" dirty="0"/>
-              <a:t>Easy to use</a:t>
+              <a:t>Time</a:t>
             </a:r>
           </a:p>
           <a:p>
@@ -6037,7 +7168,7 @@
     </p:spTree>
     <p:extLst>
       <p:ext uri="{BB962C8B-B14F-4D97-AF65-F5344CB8AC3E}">
-        <p14:creationId xmlns:p14="http://schemas.microsoft.com/office/powerpoint/2010/main" val="1878603003"/>
+        <p14:creationId xmlns:p14="http://schemas.microsoft.com/office/powerpoint/2010/main" val="1809242005"/>
       </p:ext>
     </p:extLst>
   </p:cSld>
@@ -6081,11 +7212,103 @@
           <a:p>
             <a:r>
               <a:rPr lang="en-US" dirty="0" smtClean="0"/>
+              <a:t>Modeling</a:t>
+            </a:r>
+            <a:endParaRPr lang="en-US" dirty="0"/>
+          </a:p>
+        </p:txBody>
+      </p:sp>
+      <p:sp>
+        <p:nvSpPr>
+          <p:cNvPr id="3" name="Content Placeholder 2"/>
+          <p:cNvSpPr>
+            <a:spLocks noGrp="1"/>
+          </p:cNvSpPr>
+          <p:nvPr>
+            <p:ph idx="1"/>
+          </p:nvPr>
+        </p:nvSpPr>
+        <p:spPr/>
+        <p:txBody>
+          <a:bodyPr/>
+          <a:lstStyle/>
+          <a:p>
+            <a:r>
+              <a:rPr lang="en-US" dirty="0"/>
+              <a:t>Simplified Models (Aggregated Swing eq. Average Freq.)</a:t>
+            </a:r>
+          </a:p>
+          <a:p>
+            <a:pPr lvl="1"/>
+            <a:r>
+              <a:rPr lang="en-US" dirty="0"/>
+              <a:t>Marginally less accurate</a:t>
+            </a:r>
+          </a:p>
+          <a:p>
+            <a:pPr lvl="1"/>
+            <a:r>
+              <a:rPr lang="en-US" dirty="0"/>
+              <a:t>Easy to use</a:t>
+            </a:r>
+          </a:p>
+          <a:p>
+            <a:endParaRPr lang="en-US" dirty="0"/>
+          </a:p>
+        </p:txBody>
+      </p:sp>
+    </p:spTree>
+    <p:extLst>
+      <p:ext uri="{BB962C8B-B14F-4D97-AF65-F5344CB8AC3E}">
+        <p14:creationId xmlns:p14="http://schemas.microsoft.com/office/powerpoint/2010/main" val="1878603003"/>
+      </p:ext>
+    </p:extLst>
+  </p:cSld>
+  <p:clrMapOvr>
+    <a:masterClrMapping/>
+  </p:clrMapOvr>
+</p:sld>
+</file>
+
+<file path=ppt/slides/slide9.xml><?xml version="1.0" encoding="utf-8"?>
+<p:sld xmlns:a="http://schemas.openxmlformats.org/drawingml/2006/main" xmlns:r="http://schemas.openxmlformats.org/officeDocument/2006/relationships" xmlns:p="http://schemas.openxmlformats.org/presentationml/2006/main">
+  <p:cSld>
+    <p:spTree>
+      <p:nvGrpSpPr>
+        <p:cNvPr id="1" name=""/>
+        <p:cNvGrpSpPr/>
+        <p:nvPr/>
+      </p:nvGrpSpPr>
+      <p:grpSpPr>
+        <a:xfrm>
+          <a:off x="0" y="0"/>
+          <a:ext cx="0" cy="0"/>
+          <a:chOff x="0" y="0"/>
+          <a:chExt cx="0" cy="0"/>
+        </a:xfrm>
+      </p:grpSpPr>
+      <p:sp>
+        <p:nvSpPr>
+          <p:cNvPr id="2" name="Title 1"/>
+          <p:cNvSpPr>
+            <a:spLocks noGrp="1"/>
+          </p:cNvSpPr>
+          <p:nvPr>
+            <p:ph type="title"/>
+          </p:nvPr>
+        </p:nvSpPr>
+        <p:spPr/>
+        <p:txBody>
+          <a:bodyPr/>
+          <a:lstStyle/>
+          <a:p>
+            <a:r>
+              <a:rPr lang="en-US" dirty="0" smtClean="0"/>
               <a:t>Swing </a:t>
             </a:r>
             <a:r>
               <a:rPr lang="en-US" dirty="0" smtClean="0"/>
-              <a:t>Equation (no control)</a:t>
+              <a:t>Equation</a:t>
             </a:r>
             <a:endParaRPr lang="en-US" dirty="0"/>
           </a:p>
@@ -6105,8 +7328,8 @@
             </p:nvSpPr>
             <p:spPr>
               <a:xfrm>
-                <a:off x="457200" y="1916723"/>
-                <a:ext cx="7758684" cy="4413739"/>
+                <a:off x="747399" y="1828772"/>
+                <a:ext cx="7209692" cy="4413739"/>
               </a:xfrm>
             </p:spPr>
             <p:txBody>
@@ -6870,13 +8093,13 @@
             </p:nvSpPr>
             <p:spPr>
               <a:xfrm>
-                <a:off x="457200" y="1916723"/>
-                <a:ext cx="7758684" cy="4413739"/>
+                <a:off x="747399" y="1828772"/>
+                <a:ext cx="7209692" cy="4413739"/>
               </a:xfrm>
               <a:blipFill rotWithShape="0">
                 <a:blip r:embed="rId3"/>
                 <a:stretch>
-                  <a:fillRect l="-157" t="-138"/>
+                  <a:fillRect l="-169" t="-276"/>
                 </a:stretch>
               </a:blipFill>
             </p:spPr>
@@ -6929,78 +8152,6 @@
     <p:extLst>
       <p:ext uri="{BB962C8B-B14F-4D97-AF65-F5344CB8AC3E}">
         <p14:creationId xmlns:p14="http://schemas.microsoft.com/office/powerpoint/2010/main" val="1880205081"/>
-      </p:ext>
-    </p:extLst>
-  </p:cSld>
-  <p:clrMapOvr>
-    <a:masterClrMapping/>
-  </p:clrMapOvr>
-</p:sld>
-</file>
-
-<file path=ppt/slides/slide9.xml><?xml version="1.0" encoding="utf-8"?>
-<p:sld xmlns:a="http://schemas.openxmlformats.org/drawingml/2006/main" xmlns:r="http://schemas.openxmlformats.org/officeDocument/2006/relationships" xmlns:p="http://schemas.openxmlformats.org/presentationml/2006/main">
-  <p:cSld>
-    <p:spTree>
-      <p:nvGrpSpPr>
-        <p:cNvPr id="1" name=""/>
-        <p:cNvGrpSpPr/>
-        <p:nvPr/>
-      </p:nvGrpSpPr>
-      <p:grpSpPr>
-        <a:xfrm>
-          <a:off x="0" y="0"/>
-          <a:ext cx="0" cy="0"/>
-          <a:chOff x="0" y="0"/>
-          <a:chExt cx="0" cy="0"/>
-        </a:xfrm>
-      </p:grpSpPr>
-      <p:sp>
-        <p:nvSpPr>
-          <p:cNvPr id="2" name="Title 1"/>
-          <p:cNvSpPr>
-            <a:spLocks noGrp="1"/>
-          </p:cNvSpPr>
-          <p:nvPr>
-            <p:ph type="title"/>
-          </p:nvPr>
-        </p:nvSpPr>
-        <p:spPr/>
-        <p:txBody>
-          <a:bodyPr/>
-          <a:lstStyle/>
-          <a:p>
-            <a:r>
-              <a:rPr lang="en-US" dirty="0" smtClean="0"/>
-              <a:t>Results</a:t>
-            </a:r>
-            <a:endParaRPr lang="en-US" dirty="0"/>
-          </a:p>
-        </p:txBody>
-      </p:sp>
-      <p:sp>
-        <p:nvSpPr>
-          <p:cNvPr id="3" name="Content Placeholder 2"/>
-          <p:cNvSpPr>
-            <a:spLocks noGrp="1"/>
-          </p:cNvSpPr>
-          <p:nvPr>
-            <p:ph idx="1"/>
-          </p:nvPr>
-        </p:nvSpPr>
-        <p:spPr/>
-        <p:txBody>
-          <a:bodyPr/>
-          <a:lstStyle/>
-          <a:p>
-            <a:endParaRPr lang="en-US" dirty="0"/>
-          </a:p>
-        </p:txBody>
-      </p:sp>
-    </p:spTree>
-    <p:extLst>
-      <p:ext uri="{BB962C8B-B14F-4D97-AF65-F5344CB8AC3E}">
-        <p14:creationId xmlns:p14="http://schemas.microsoft.com/office/powerpoint/2010/main" val="1301709328"/>
       </p:ext>
     </p:extLst>
   </p:cSld>

--- a/Literature Review.pptx
+++ b/Literature Review.pptx
@@ -5,7 +5,7 @@
     <p:sldMasterId id="2147483766" r:id="rId1"/>
   </p:sldMasterIdLst>
   <p:notesMasterIdLst>
-    <p:notesMasterId r:id="rId19"/>
+    <p:notesMasterId r:id="rId24"/>
   </p:notesMasterIdLst>
   <p:sldIdLst>
     <p:sldId id="256" r:id="rId2"/>
@@ -19,12 +19,17 @@
     <p:sldId id="260" r:id="rId10"/>
     <p:sldId id="271" r:id="rId11"/>
     <p:sldId id="268" r:id="rId12"/>
-    <p:sldId id="272" r:id="rId13"/>
-    <p:sldId id="263" r:id="rId14"/>
-    <p:sldId id="264" r:id="rId15"/>
-    <p:sldId id="265" r:id="rId16"/>
-    <p:sldId id="267" r:id="rId17"/>
-    <p:sldId id="266" r:id="rId18"/>
+    <p:sldId id="274" r:id="rId13"/>
+    <p:sldId id="272" r:id="rId14"/>
+    <p:sldId id="275" r:id="rId15"/>
+    <p:sldId id="273" r:id="rId16"/>
+    <p:sldId id="276" r:id="rId17"/>
+    <p:sldId id="277" r:id="rId18"/>
+    <p:sldId id="263" r:id="rId19"/>
+    <p:sldId id="264" r:id="rId20"/>
+    <p:sldId id="265" r:id="rId21"/>
+    <p:sldId id="267" r:id="rId22"/>
+    <p:sldId id="266" r:id="rId23"/>
   </p:sldIdLst>
   <p:sldSz cx="9144000" cy="6858000" type="screen4x3"/>
   <p:notesSz cx="6858000" cy="9144000"/>
@@ -4603,390 +4608,462 @@
               <a:bodyPr/>
               <a:lstStyle/>
               <a:p>
+                <a:pPr>
+                  <a:lnSpc>
+                    <a:spcPct val="100000"/>
+                  </a:lnSpc>
+                </a:pPr>
                 <a14:m>
                   <m:oMath xmlns:m="http://schemas.openxmlformats.org/officeDocument/2006/math">
                     <m:r>
-                      <a:rPr lang="en-US" i="1" smtClean="0">
-                        <a:latin typeface="Cambria Math" charset="0"/>
+                      <m:rPr>
+                        <m:nor/>
+                      </m:rPr>
+                      <a:rPr lang="en-US" dirty="0" smtClean="0">
                         <a:ea typeface="Cambria Math" charset="0"/>
                         <a:cs typeface="Cambria Math" charset="0"/>
                       </a:rPr>
-                      <m:t>∆</m:t>
+                      <m:t>Control</m:t>
                     </m:r>
-                    <m:acc>
-                      <m:accPr>
-                        <m:chr m:val="̇"/>
-                        <m:ctrlPr>
-                          <a:rPr lang="en-US" i="1">
-                            <a:latin typeface="Cambria Math" charset="0"/>
-                            <a:ea typeface="Cambria Math" charset="0"/>
-                            <a:cs typeface="Cambria Math" charset="0"/>
-                          </a:rPr>
-                        </m:ctrlPr>
-                      </m:accPr>
-                      <m:e>
-                        <m:r>
-                          <a:rPr lang="en-US" i="1">
-                            <a:latin typeface="Cambria Math" charset="0"/>
-                            <a:ea typeface="Cambria Math" charset="0"/>
-                            <a:cs typeface="Cambria Math" charset="0"/>
-                          </a:rPr>
-                          <m:t>𝑓</m:t>
-                        </m:r>
-                      </m:e>
-                    </m:acc>
                     <m:r>
-                      <a:rPr lang="en-US" i="1">
-                        <a:latin typeface="Cambria Math" charset="0"/>
+                      <m:rPr>
+                        <m:nor/>
+                      </m:rPr>
+                      <a:rPr lang="en-US" dirty="0" smtClean="0">
                         <a:ea typeface="Cambria Math" charset="0"/>
                         <a:cs typeface="Cambria Math" charset="0"/>
                       </a:rPr>
-                      <m:t>=−</m:t>
+                      <m:t> </m:t>
                     </m:r>
-                    <m:f>
-                      <m:fPr>
-                        <m:ctrlPr>
-                          <a:rPr lang="mr-IN" i="1">
-                            <a:latin typeface="Cambria Math" charset="0"/>
-                            <a:ea typeface="Cambria Math" charset="0"/>
-                            <a:cs typeface="Cambria Math" charset="0"/>
-                          </a:rPr>
-                        </m:ctrlPr>
-                      </m:fPr>
-                      <m:num>
-                        <m:sSub>
-                          <m:sSubPr>
-                            <m:ctrlPr>
-                              <a:rPr lang="en-US" i="1">
-                                <a:latin typeface="Cambria Math" charset="0"/>
-                                <a:ea typeface="Cambria Math" charset="0"/>
-                                <a:cs typeface="Cambria Math" charset="0"/>
-                              </a:rPr>
-                            </m:ctrlPr>
-                          </m:sSubPr>
-                          <m:e>
-                            <m:r>
-                              <a:rPr lang="en-US" i="1">
-                                <a:latin typeface="Cambria Math" charset="0"/>
-                                <a:ea typeface="Cambria Math" charset="0"/>
-                                <a:cs typeface="Cambria Math" charset="0"/>
-                              </a:rPr>
-                              <m:t>𝑓</m:t>
-                            </m:r>
-                          </m:e>
-                          <m:sub>
-                            <m:r>
-                              <a:rPr lang="en-US" i="1">
-                                <a:latin typeface="Cambria Math" charset="0"/>
-                                <a:ea typeface="Cambria Math" charset="0"/>
-                                <a:cs typeface="Cambria Math" charset="0"/>
-                              </a:rPr>
-                              <m:t>0</m:t>
-                            </m:r>
-                          </m:sub>
-                        </m:sSub>
-                      </m:num>
-                      <m:den>
-                        <m:r>
-                          <a:rPr lang="en-US" i="1">
-                            <a:latin typeface="Cambria Math" charset="0"/>
-                            <a:ea typeface="Cambria Math" charset="0"/>
-                            <a:cs typeface="Cambria Math" charset="0"/>
-                          </a:rPr>
-                          <m:t>2</m:t>
-                        </m:r>
-                        <m:r>
-                          <a:rPr lang="en-US" i="1">
-                            <a:latin typeface="Cambria Math" charset="0"/>
-                            <a:ea typeface="Cambria Math" charset="0"/>
-                            <a:cs typeface="Cambria Math" charset="0"/>
-                          </a:rPr>
-                          <m:t>𝐻</m:t>
-                        </m:r>
-                        <m:sSub>
-                          <m:sSubPr>
-                            <m:ctrlPr>
-                              <a:rPr lang="en-US" i="1">
-                                <a:latin typeface="Cambria Math" charset="0"/>
-                                <a:ea typeface="Cambria Math" charset="0"/>
-                                <a:cs typeface="Cambria Math" charset="0"/>
-                              </a:rPr>
-                            </m:ctrlPr>
-                          </m:sSubPr>
-                          <m:e>
-                            <m:r>
-                              <a:rPr lang="en-US" i="1">
-                                <a:latin typeface="Cambria Math" charset="0"/>
-                                <a:ea typeface="Cambria Math" charset="0"/>
-                                <a:cs typeface="Cambria Math" charset="0"/>
-                              </a:rPr>
-                              <m:t>𝑆</m:t>
-                            </m:r>
-                          </m:e>
-                          <m:sub>
-                            <m:r>
-                              <a:rPr lang="en-US" i="1">
-                                <a:latin typeface="Cambria Math" charset="0"/>
-                                <a:ea typeface="Cambria Math" charset="0"/>
-                                <a:cs typeface="Cambria Math" charset="0"/>
-                              </a:rPr>
-                              <m:t>𝐵</m:t>
-                            </m:r>
-                          </m:sub>
-                        </m:sSub>
-                        <m:sSub>
-                          <m:sSubPr>
-                            <m:ctrlPr>
-                              <a:rPr lang="en-US" i="1">
-                                <a:latin typeface="Cambria Math" charset="0"/>
-                                <a:ea typeface="Cambria Math" charset="0"/>
-                                <a:cs typeface="Cambria Math" charset="0"/>
-                              </a:rPr>
-                            </m:ctrlPr>
-                          </m:sSubPr>
-                          <m:e>
-                            <m:r>
-                              <a:rPr lang="en-US" i="1">
-                                <a:latin typeface="Cambria Math" charset="0"/>
-                                <a:ea typeface="Cambria Math" charset="0"/>
-                                <a:cs typeface="Cambria Math" charset="0"/>
-                              </a:rPr>
-                              <m:t>𝐷</m:t>
-                            </m:r>
-                          </m:e>
-                          <m:sub>
-                            <m:r>
-                              <a:rPr lang="en-US" i="1">
-                                <a:latin typeface="Cambria Math" charset="0"/>
-                                <a:ea typeface="Cambria Math" charset="0"/>
-                                <a:cs typeface="Cambria Math" charset="0"/>
-                              </a:rPr>
-                              <m:t>𝑙𝑜𝑎𝑑</m:t>
-                            </m:r>
-                          </m:sub>
-                        </m:sSub>
-                      </m:den>
-                    </m:f>
                     <m:r>
-                      <a:rPr lang="mr-IN" i="1">
-                        <a:latin typeface="Cambria Math" charset="0"/>
+                      <m:rPr>
+                        <m:nor/>
+                      </m:rPr>
+                      <a:rPr lang="en-US" dirty="0" smtClean="0">
                         <a:ea typeface="Cambria Math" charset="0"/>
                         <a:cs typeface="Cambria Math" charset="0"/>
                       </a:rPr>
-                      <m:t>∆</m:t>
+                      <m:t>Variable</m:t>
                     </m:r>
                     <m:r>
-                      <a:rPr lang="en-US" i="1">
-                        <a:latin typeface="Cambria Math" charset="0"/>
+                      <m:rPr>
+                        <m:nor/>
+                      </m:rPr>
+                      <a:rPr lang="en-US" dirty="0" smtClean="0">
                         <a:ea typeface="Cambria Math" charset="0"/>
                         <a:cs typeface="Cambria Math" charset="0"/>
                       </a:rPr>
-                      <m:t>𝑓</m:t>
-                    </m:r>
-                    <m:r>
-                      <a:rPr lang="en-US" i="1">
-                        <a:latin typeface="Cambria Math" charset="0"/>
-                        <a:ea typeface="Cambria Math" charset="0"/>
-                        <a:cs typeface="Cambria Math" charset="0"/>
-                      </a:rPr>
-                      <m:t>+</m:t>
-                    </m:r>
-                    <m:f>
-                      <m:fPr>
-                        <m:ctrlPr>
-                          <a:rPr lang="mr-IN" i="1">
-                            <a:latin typeface="Cambria Math" charset="0"/>
-                            <a:ea typeface="Cambria Math" charset="0"/>
-                            <a:cs typeface="Cambria Math" charset="0"/>
-                          </a:rPr>
-                        </m:ctrlPr>
-                      </m:fPr>
-                      <m:num>
-                        <m:sSub>
-                          <m:sSubPr>
-                            <m:ctrlPr>
-                              <a:rPr lang="en-US" i="1">
-                                <a:latin typeface="Cambria Math" charset="0"/>
-                                <a:ea typeface="Cambria Math" charset="0"/>
-                                <a:cs typeface="Cambria Math" charset="0"/>
-                              </a:rPr>
-                            </m:ctrlPr>
-                          </m:sSubPr>
-                          <m:e>
-                            <m:r>
-                              <a:rPr lang="en-US" i="1">
-                                <a:latin typeface="Cambria Math" charset="0"/>
-                                <a:ea typeface="Cambria Math" charset="0"/>
-                                <a:cs typeface="Cambria Math" charset="0"/>
-                              </a:rPr>
-                              <m:t>𝑓</m:t>
-                            </m:r>
-                          </m:e>
-                          <m:sub>
-                            <m:r>
-                              <a:rPr lang="en-US" i="1">
-                                <a:latin typeface="Cambria Math" charset="0"/>
-                                <a:ea typeface="Cambria Math" charset="0"/>
-                                <a:cs typeface="Cambria Math" charset="0"/>
-                              </a:rPr>
-                              <m:t>0</m:t>
-                            </m:r>
-                          </m:sub>
-                        </m:sSub>
-                      </m:num>
-                      <m:den>
-                        <m:r>
-                          <a:rPr lang="en-US" i="1">
-                            <a:latin typeface="Cambria Math" charset="0"/>
-                            <a:ea typeface="Cambria Math" charset="0"/>
-                            <a:cs typeface="Cambria Math" charset="0"/>
-                          </a:rPr>
-                          <m:t>2</m:t>
-                        </m:r>
-                        <m:r>
-                          <a:rPr lang="en-US" i="1">
-                            <a:latin typeface="Cambria Math" charset="0"/>
-                            <a:ea typeface="Cambria Math" charset="0"/>
-                            <a:cs typeface="Cambria Math" charset="0"/>
-                          </a:rPr>
-                          <m:t>𝐻</m:t>
-                        </m:r>
-                        <m:sSub>
-                          <m:sSubPr>
-                            <m:ctrlPr>
-                              <a:rPr lang="en-US" i="1">
-                                <a:latin typeface="Cambria Math" charset="0"/>
-                                <a:ea typeface="Cambria Math" charset="0"/>
-                                <a:cs typeface="Cambria Math" charset="0"/>
-                              </a:rPr>
-                            </m:ctrlPr>
-                          </m:sSubPr>
-                          <m:e>
-                            <m:r>
-                              <a:rPr lang="en-US" i="1">
-                                <a:latin typeface="Cambria Math" charset="0"/>
-                                <a:ea typeface="Cambria Math" charset="0"/>
-                                <a:cs typeface="Cambria Math" charset="0"/>
-                              </a:rPr>
-                              <m:t>𝑆</m:t>
-                            </m:r>
-                          </m:e>
-                          <m:sub>
-                            <m:r>
-                              <a:rPr lang="en-US" i="1">
-                                <a:latin typeface="Cambria Math" charset="0"/>
-                                <a:ea typeface="Cambria Math" charset="0"/>
-                                <a:cs typeface="Cambria Math" charset="0"/>
-                              </a:rPr>
-                              <m:t>𝐵</m:t>
-                            </m:r>
-                          </m:sub>
-                        </m:sSub>
-                      </m:den>
-                    </m:f>
-                    <m:r>
-                      <a:rPr lang="en-US" i="1">
-                        <a:latin typeface="Cambria Math" charset="0"/>
-                        <a:ea typeface="Cambria Math" charset="0"/>
-                        <a:cs typeface="Cambria Math" charset="0"/>
-                      </a:rPr>
-                      <m:t>(∆</m:t>
-                    </m:r>
-                    <m:sSub>
-                      <m:sSubPr>
-                        <m:ctrlPr>
-                          <a:rPr lang="en-US" i="1">
-                            <a:latin typeface="Cambria Math" charset="0"/>
-                            <a:ea typeface="Cambria Math" charset="0"/>
-                            <a:cs typeface="Cambria Math" charset="0"/>
-                          </a:rPr>
-                        </m:ctrlPr>
-                      </m:sSubPr>
-                      <m:e>
-                        <m:r>
-                          <a:rPr lang="en-US" i="1">
-                            <a:latin typeface="Cambria Math" charset="0"/>
-                            <a:ea typeface="Cambria Math" charset="0"/>
-                            <a:cs typeface="Cambria Math" charset="0"/>
-                          </a:rPr>
-                          <m:t>𝑃</m:t>
-                        </m:r>
-                      </m:e>
-                      <m:sub>
-                        <m:r>
-                          <a:rPr lang="en-US" i="1">
-                            <a:latin typeface="Cambria Math" charset="0"/>
-                            <a:ea typeface="Cambria Math" charset="0"/>
-                            <a:cs typeface="Cambria Math" charset="0"/>
-                          </a:rPr>
-                          <m:t>𝑚</m:t>
-                        </m:r>
-                      </m:sub>
-                    </m:sSub>
-                    <m:r>
-                      <a:rPr lang="en-US" i="1">
-                        <a:latin typeface="Cambria Math" charset="0"/>
-                        <a:ea typeface="Cambria Math" charset="0"/>
-                        <a:cs typeface="Cambria Math" charset="0"/>
-                      </a:rPr>
-                      <m:t>−∆</m:t>
-                    </m:r>
-                    <m:sSub>
-                      <m:sSubPr>
-                        <m:ctrlPr>
-                          <a:rPr lang="en-US" i="1">
-                            <a:latin typeface="Cambria Math" charset="0"/>
-                            <a:ea typeface="Cambria Math" charset="0"/>
-                            <a:cs typeface="Cambria Math" charset="0"/>
-                          </a:rPr>
-                        </m:ctrlPr>
-                      </m:sSubPr>
-                      <m:e>
-                        <m:r>
-                          <a:rPr lang="en-US" i="1">
-                            <a:latin typeface="Cambria Math" charset="0"/>
-                            <a:ea typeface="Cambria Math" charset="0"/>
-                            <a:cs typeface="Cambria Math" charset="0"/>
-                          </a:rPr>
-                          <m:t>𝑃</m:t>
-                        </m:r>
-                      </m:e>
-                      <m:sub>
-                        <m:r>
-                          <a:rPr lang="en-US" i="1">
-                            <a:latin typeface="Cambria Math" charset="0"/>
-                            <a:ea typeface="Cambria Math" charset="0"/>
-                            <a:cs typeface="Cambria Math" charset="0"/>
-                          </a:rPr>
-                          <m:t>𝑙𝑜𝑎𝑑</m:t>
-                        </m:r>
-                      </m:sub>
-                    </m:sSub>
-                    <m:r>
-                      <a:rPr lang="en-US" b="0" i="1" smtClean="0">
-                        <a:latin typeface="Cambria Math" charset="0"/>
-                        <a:ea typeface="Cambria Math" charset="0"/>
-                        <a:cs typeface="Cambria Math" charset="0"/>
-                      </a:rPr>
-                      <m:t>+</m:t>
-                    </m:r>
-                    <m:r>
-                      <a:rPr lang="en-US" b="0" i="1" smtClean="0">
-                        <a:latin typeface="Cambria Math" charset="0"/>
-                        <a:ea typeface="Cambria Math" charset="0"/>
-                        <a:cs typeface="Cambria Math" charset="0"/>
-                      </a:rPr>
-                      <m:t>𝑞</m:t>
-                    </m:r>
-                    <m:r>
-                      <a:rPr lang="en-US" i="1">
-                        <a:latin typeface="Cambria Math" charset="0"/>
-                        <a:ea typeface="Cambria Math" charset="0"/>
-                        <a:cs typeface="Cambria Math" charset="0"/>
-                      </a:rPr>
-                      <m:t>)</m:t>
+                      <m:t>:</m:t>
                     </m:r>
                   </m:oMath>
+                </a14:m>
+                <a:endParaRPr lang="en-US" dirty="0">
+                  <a:ea typeface="Cambria Math" charset="0"/>
+                  <a:cs typeface="Cambria Math" charset="0"/>
+                </a:endParaRPr>
+              </a:p>
+              <a:p>
+                <a:pPr marL="0" indent="0">
+                  <a:lnSpc>
+                    <a:spcPct val="100000"/>
+                  </a:lnSpc>
+                  <a:buNone/>
+                </a:pPr>
+                <a14:m>
+                  <m:oMathPara xmlns:m="http://schemas.openxmlformats.org/officeDocument/2006/math">
+                    <m:oMathParaPr>
+                      <m:jc m:val="centerGroup"/>
+                    </m:oMathParaPr>
+                    <m:oMath xmlns:m="http://schemas.openxmlformats.org/officeDocument/2006/math">
+                      <m:r>
+                        <a:rPr lang="en-US" i="1">
+                          <a:latin typeface="Cambria Math" charset="0"/>
+                          <a:ea typeface="Cambria Math" charset="0"/>
+                          <a:cs typeface="Cambria Math" charset="0"/>
+                        </a:rPr>
+                        <m:t>𝑢</m:t>
+                      </m:r>
+                      <m:r>
+                        <a:rPr lang="en-US" i="1">
+                          <a:latin typeface="Cambria Math" charset="0"/>
+                          <a:ea typeface="Cambria Math" charset="0"/>
+                          <a:cs typeface="Cambria Math" charset="0"/>
+                        </a:rPr>
+                        <m:t>=</m:t>
+                      </m:r>
+                      <m:r>
+                        <a:rPr lang="en-US" i="1">
+                          <a:latin typeface="Cambria Math" charset="0"/>
+                          <a:ea typeface="Cambria Math" charset="0"/>
+                          <a:cs typeface="Cambria Math" charset="0"/>
+                        </a:rPr>
+                        <m:t>𝑞</m:t>
+                      </m:r>
+                    </m:oMath>
+                  </m:oMathPara>
+                </a14:m>
+                <a:endParaRPr lang="en-US" i="1" dirty="0">
+                  <a:latin typeface="Cambria Math" charset="0"/>
+                  <a:ea typeface="Cambria Math" charset="0"/>
+                  <a:cs typeface="Cambria Math" charset="0"/>
+                </a:endParaRPr>
+              </a:p>
+              <a:p>
+                <a:r>
+                  <a:rPr lang="en-US" dirty="0" smtClean="0">
+                    <a:ea typeface="Cambria Math" charset="0"/>
+                    <a:cs typeface="Cambria Math" charset="0"/>
+                  </a:rPr>
+                  <a:t>Swing Equation:</a:t>
+                </a:r>
+              </a:p>
+              <a:p>
+                <a:pPr marL="0" indent="0">
+                  <a:buNone/>
+                </a:pPr>
+                <a14:m>
+                  <m:oMathPara xmlns:m="http://schemas.openxmlformats.org/officeDocument/2006/math">
+                    <m:oMathParaPr>
+                      <m:jc m:val="centerGroup"/>
+                    </m:oMathParaPr>
+                    <m:oMath xmlns:m="http://schemas.openxmlformats.org/officeDocument/2006/math">
+                      <m:r>
+                        <a:rPr lang="en-US" i="1" smtClean="0">
+                          <a:latin typeface="Cambria Math" charset="0"/>
+                          <a:ea typeface="Cambria Math" charset="0"/>
+                          <a:cs typeface="Cambria Math" charset="0"/>
+                        </a:rPr>
+                        <m:t>∆</m:t>
+                      </m:r>
+                      <m:acc>
+                        <m:accPr>
+                          <m:chr m:val="̇"/>
+                          <m:ctrlPr>
+                            <a:rPr lang="en-US" i="1">
+                              <a:latin typeface="Cambria Math" charset="0"/>
+                              <a:ea typeface="Cambria Math" charset="0"/>
+                              <a:cs typeface="Cambria Math" charset="0"/>
+                            </a:rPr>
+                          </m:ctrlPr>
+                        </m:accPr>
+                        <m:e>
+                          <m:r>
+                            <a:rPr lang="en-US" i="1">
+                              <a:latin typeface="Cambria Math" charset="0"/>
+                              <a:ea typeface="Cambria Math" charset="0"/>
+                              <a:cs typeface="Cambria Math" charset="0"/>
+                            </a:rPr>
+                            <m:t>𝑓</m:t>
+                          </m:r>
+                        </m:e>
+                      </m:acc>
+                      <m:r>
+                        <a:rPr lang="en-US" i="1">
+                          <a:latin typeface="Cambria Math" charset="0"/>
+                          <a:ea typeface="Cambria Math" charset="0"/>
+                          <a:cs typeface="Cambria Math" charset="0"/>
+                        </a:rPr>
+                        <m:t>=−</m:t>
+                      </m:r>
+                      <m:f>
+                        <m:fPr>
+                          <m:ctrlPr>
+                            <a:rPr lang="mr-IN" i="1">
+                              <a:latin typeface="Cambria Math" charset="0"/>
+                              <a:ea typeface="Cambria Math" charset="0"/>
+                              <a:cs typeface="Cambria Math" charset="0"/>
+                            </a:rPr>
+                          </m:ctrlPr>
+                        </m:fPr>
+                        <m:num>
+                          <m:sSub>
+                            <m:sSubPr>
+                              <m:ctrlPr>
+                                <a:rPr lang="en-US" i="1">
+                                  <a:latin typeface="Cambria Math" charset="0"/>
+                                  <a:ea typeface="Cambria Math" charset="0"/>
+                                  <a:cs typeface="Cambria Math" charset="0"/>
+                                </a:rPr>
+                              </m:ctrlPr>
+                            </m:sSubPr>
+                            <m:e>
+                              <m:r>
+                                <a:rPr lang="en-US" i="1">
+                                  <a:latin typeface="Cambria Math" charset="0"/>
+                                  <a:ea typeface="Cambria Math" charset="0"/>
+                                  <a:cs typeface="Cambria Math" charset="0"/>
+                                </a:rPr>
+                                <m:t>𝑓</m:t>
+                              </m:r>
+                            </m:e>
+                            <m:sub>
+                              <m:r>
+                                <a:rPr lang="en-US" i="1">
+                                  <a:latin typeface="Cambria Math" charset="0"/>
+                                  <a:ea typeface="Cambria Math" charset="0"/>
+                                  <a:cs typeface="Cambria Math" charset="0"/>
+                                </a:rPr>
+                                <m:t>0</m:t>
+                              </m:r>
+                            </m:sub>
+                          </m:sSub>
+                        </m:num>
+                        <m:den>
+                          <m:r>
+                            <a:rPr lang="en-US" i="1">
+                              <a:latin typeface="Cambria Math" charset="0"/>
+                              <a:ea typeface="Cambria Math" charset="0"/>
+                              <a:cs typeface="Cambria Math" charset="0"/>
+                            </a:rPr>
+                            <m:t>2</m:t>
+                          </m:r>
+                          <m:r>
+                            <a:rPr lang="en-US" i="1">
+                              <a:latin typeface="Cambria Math" charset="0"/>
+                              <a:ea typeface="Cambria Math" charset="0"/>
+                              <a:cs typeface="Cambria Math" charset="0"/>
+                            </a:rPr>
+                            <m:t>𝐻</m:t>
+                          </m:r>
+                          <m:sSub>
+                            <m:sSubPr>
+                              <m:ctrlPr>
+                                <a:rPr lang="en-US" i="1">
+                                  <a:latin typeface="Cambria Math" charset="0"/>
+                                  <a:ea typeface="Cambria Math" charset="0"/>
+                                  <a:cs typeface="Cambria Math" charset="0"/>
+                                </a:rPr>
+                              </m:ctrlPr>
+                            </m:sSubPr>
+                            <m:e>
+                              <m:r>
+                                <a:rPr lang="en-US" i="1">
+                                  <a:latin typeface="Cambria Math" charset="0"/>
+                                  <a:ea typeface="Cambria Math" charset="0"/>
+                                  <a:cs typeface="Cambria Math" charset="0"/>
+                                </a:rPr>
+                                <m:t>𝑆</m:t>
+                              </m:r>
+                            </m:e>
+                            <m:sub>
+                              <m:r>
+                                <a:rPr lang="en-US" i="1">
+                                  <a:latin typeface="Cambria Math" charset="0"/>
+                                  <a:ea typeface="Cambria Math" charset="0"/>
+                                  <a:cs typeface="Cambria Math" charset="0"/>
+                                </a:rPr>
+                                <m:t>𝐵</m:t>
+                              </m:r>
+                            </m:sub>
+                          </m:sSub>
+                          <m:sSub>
+                            <m:sSubPr>
+                              <m:ctrlPr>
+                                <a:rPr lang="en-US" i="1">
+                                  <a:latin typeface="Cambria Math" charset="0"/>
+                                  <a:ea typeface="Cambria Math" charset="0"/>
+                                  <a:cs typeface="Cambria Math" charset="0"/>
+                                </a:rPr>
+                              </m:ctrlPr>
+                            </m:sSubPr>
+                            <m:e>
+                              <m:r>
+                                <a:rPr lang="en-US" i="1">
+                                  <a:latin typeface="Cambria Math" charset="0"/>
+                                  <a:ea typeface="Cambria Math" charset="0"/>
+                                  <a:cs typeface="Cambria Math" charset="0"/>
+                                </a:rPr>
+                                <m:t>𝐷</m:t>
+                              </m:r>
+                            </m:e>
+                            <m:sub>
+                              <m:r>
+                                <a:rPr lang="en-US" i="1">
+                                  <a:latin typeface="Cambria Math" charset="0"/>
+                                  <a:ea typeface="Cambria Math" charset="0"/>
+                                  <a:cs typeface="Cambria Math" charset="0"/>
+                                </a:rPr>
+                                <m:t>𝑙𝑜𝑎𝑑</m:t>
+                              </m:r>
+                            </m:sub>
+                          </m:sSub>
+                        </m:den>
+                      </m:f>
+                      <m:r>
+                        <a:rPr lang="mr-IN" i="1">
+                          <a:latin typeface="Cambria Math" charset="0"/>
+                          <a:ea typeface="Cambria Math" charset="0"/>
+                          <a:cs typeface="Cambria Math" charset="0"/>
+                        </a:rPr>
+                        <m:t>∆</m:t>
+                      </m:r>
+                      <m:r>
+                        <a:rPr lang="en-US" i="1">
+                          <a:latin typeface="Cambria Math" charset="0"/>
+                          <a:ea typeface="Cambria Math" charset="0"/>
+                          <a:cs typeface="Cambria Math" charset="0"/>
+                        </a:rPr>
+                        <m:t>𝑓</m:t>
+                      </m:r>
+                      <m:r>
+                        <a:rPr lang="en-US" i="1">
+                          <a:latin typeface="Cambria Math" charset="0"/>
+                          <a:ea typeface="Cambria Math" charset="0"/>
+                          <a:cs typeface="Cambria Math" charset="0"/>
+                        </a:rPr>
+                        <m:t>+</m:t>
+                      </m:r>
+                      <m:f>
+                        <m:fPr>
+                          <m:ctrlPr>
+                            <a:rPr lang="mr-IN" i="1">
+                              <a:latin typeface="Cambria Math" charset="0"/>
+                              <a:ea typeface="Cambria Math" charset="0"/>
+                              <a:cs typeface="Cambria Math" charset="0"/>
+                            </a:rPr>
+                          </m:ctrlPr>
+                        </m:fPr>
+                        <m:num>
+                          <m:sSub>
+                            <m:sSubPr>
+                              <m:ctrlPr>
+                                <a:rPr lang="en-US" i="1">
+                                  <a:latin typeface="Cambria Math" charset="0"/>
+                                  <a:ea typeface="Cambria Math" charset="0"/>
+                                  <a:cs typeface="Cambria Math" charset="0"/>
+                                </a:rPr>
+                              </m:ctrlPr>
+                            </m:sSubPr>
+                            <m:e>
+                              <m:r>
+                                <a:rPr lang="en-US" i="1">
+                                  <a:latin typeface="Cambria Math" charset="0"/>
+                                  <a:ea typeface="Cambria Math" charset="0"/>
+                                  <a:cs typeface="Cambria Math" charset="0"/>
+                                </a:rPr>
+                                <m:t>𝑓</m:t>
+                              </m:r>
+                            </m:e>
+                            <m:sub>
+                              <m:r>
+                                <a:rPr lang="en-US" i="1">
+                                  <a:latin typeface="Cambria Math" charset="0"/>
+                                  <a:ea typeface="Cambria Math" charset="0"/>
+                                  <a:cs typeface="Cambria Math" charset="0"/>
+                                </a:rPr>
+                                <m:t>0</m:t>
+                              </m:r>
+                            </m:sub>
+                          </m:sSub>
+                        </m:num>
+                        <m:den>
+                          <m:r>
+                            <a:rPr lang="en-US" i="1">
+                              <a:latin typeface="Cambria Math" charset="0"/>
+                              <a:ea typeface="Cambria Math" charset="0"/>
+                              <a:cs typeface="Cambria Math" charset="0"/>
+                            </a:rPr>
+                            <m:t>2</m:t>
+                          </m:r>
+                          <m:r>
+                            <a:rPr lang="en-US" i="1">
+                              <a:latin typeface="Cambria Math" charset="0"/>
+                              <a:ea typeface="Cambria Math" charset="0"/>
+                              <a:cs typeface="Cambria Math" charset="0"/>
+                            </a:rPr>
+                            <m:t>𝐻</m:t>
+                          </m:r>
+                          <m:sSub>
+                            <m:sSubPr>
+                              <m:ctrlPr>
+                                <a:rPr lang="en-US" i="1">
+                                  <a:latin typeface="Cambria Math" charset="0"/>
+                                  <a:ea typeface="Cambria Math" charset="0"/>
+                                  <a:cs typeface="Cambria Math" charset="0"/>
+                                </a:rPr>
+                              </m:ctrlPr>
+                            </m:sSubPr>
+                            <m:e>
+                              <m:r>
+                                <a:rPr lang="en-US" i="1">
+                                  <a:latin typeface="Cambria Math" charset="0"/>
+                                  <a:ea typeface="Cambria Math" charset="0"/>
+                                  <a:cs typeface="Cambria Math" charset="0"/>
+                                </a:rPr>
+                                <m:t>𝑆</m:t>
+                              </m:r>
+                            </m:e>
+                            <m:sub>
+                              <m:r>
+                                <a:rPr lang="en-US" i="1">
+                                  <a:latin typeface="Cambria Math" charset="0"/>
+                                  <a:ea typeface="Cambria Math" charset="0"/>
+                                  <a:cs typeface="Cambria Math" charset="0"/>
+                                </a:rPr>
+                                <m:t>𝐵</m:t>
+                              </m:r>
+                            </m:sub>
+                          </m:sSub>
+                        </m:den>
+                      </m:f>
+                      <m:r>
+                        <a:rPr lang="en-US" i="1">
+                          <a:latin typeface="Cambria Math" charset="0"/>
+                          <a:ea typeface="Cambria Math" charset="0"/>
+                          <a:cs typeface="Cambria Math" charset="0"/>
+                        </a:rPr>
+                        <m:t>(∆</m:t>
+                      </m:r>
+                      <m:r>
+                        <a:rPr lang="en-US" b="0" i="1" smtClean="0">
+                          <a:latin typeface="Cambria Math" charset="0"/>
+                          <a:ea typeface="Cambria Math" charset="0"/>
+                          <a:cs typeface="Cambria Math" charset="0"/>
+                        </a:rPr>
+                        <m:t>𝑃</m:t>
+                      </m:r>
+                      <m:r>
+                        <a:rPr lang="en-US" b="0" i="1" smtClean="0">
+                          <a:latin typeface="Cambria Math" charset="0"/>
+                          <a:ea typeface="Cambria Math" charset="0"/>
+                          <a:cs typeface="Cambria Math" charset="0"/>
+                        </a:rPr>
+                        <m:t>(</m:t>
+                      </m:r>
+                      <m:r>
+                        <a:rPr lang="en-US" b="0" i="1" smtClean="0">
+                          <a:latin typeface="Cambria Math" charset="0"/>
+                          <a:ea typeface="Cambria Math" charset="0"/>
+                          <a:cs typeface="Cambria Math" charset="0"/>
+                        </a:rPr>
+                        <m:t>𝑡</m:t>
+                      </m:r>
+                      <m:r>
+                        <a:rPr lang="en-US" b="0" i="1" smtClean="0">
+                          <a:latin typeface="Cambria Math" charset="0"/>
+                          <a:ea typeface="Cambria Math" charset="0"/>
+                          <a:cs typeface="Cambria Math" charset="0"/>
+                        </a:rPr>
+                        <m:t>)+</m:t>
+                      </m:r>
+                      <m:r>
+                        <a:rPr lang="en-US" b="0" i="1" smtClean="0">
+                          <a:latin typeface="Cambria Math" charset="0"/>
+                          <a:ea typeface="Cambria Math" charset="0"/>
+                          <a:cs typeface="Cambria Math" charset="0"/>
+                        </a:rPr>
+                        <m:t>𝑞</m:t>
+                      </m:r>
+                      <m:r>
+                        <a:rPr lang="en-US" i="1">
+                          <a:latin typeface="Cambria Math" charset="0"/>
+                          <a:ea typeface="Cambria Math" charset="0"/>
+                          <a:cs typeface="Cambria Math" charset="0"/>
+                        </a:rPr>
+                        <m:t>)</m:t>
+                      </m:r>
+                    </m:oMath>
+                  </m:oMathPara>
                 </a14:m>
                 <a:endParaRPr lang="en-US" dirty="0"/>
               </a:p>
@@ -5051,6 +5128,88 @@
 </file>
 
 <file path=ppt/slides/slide12.xml><?xml version="1.0" encoding="utf-8"?>
+<p:sld xmlns:a="http://schemas.openxmlformats.org/drawingml/2006/main" xmlns:r="http://schemas.openxmlformats.org/officeDocument/2006/relationships" xmlns:p="http://schemas.openxmlformats.org/presentationml/2006/main">
+  <p:cSld>
+    <p:spTree>
+      <p:nvGrpSpPr>
+        <p:cNvPr id="1" name=""/>
+        <p:cNvGrpSpPr/>
+        <p:nvPr/>
+      </p:nvGrpSpPr>
+      <p:grpSpPr>
+        <a:xfrm>
+          <a:off x="0" y="0"/>
+          <a:ext cx="0" cy="0"/>
+          <a:chOff x="0" y="0"/>
+          <a:chExt cx="0" cy="0"/>
+        </a:xfrm>
+      </p:grpSpPr>
+      <p:sp>
+        <p:nvSpPr>
+          <p:cNvPr id="2" name="Title 1"/>
+          <p:cNvSpPr>
+            <a:spLocks noGrp="1"/>
+          </p:cNvSpPr>
+          <p:nvPr>
+            <p:ph type="title"/>
+          </p:nvPr>
+        </p:nvSpPr>
+        <p:spPr/>
+        <p:txBody>
+          <a:bodyPr/>
+          <a:lstStyle/>
+          <a:p>
+            <a:r>
+              <a:rPr lang="en-US" dirty="0" smtClean="0"/>
+              <a:t>Results</a:t>
+            </a:r>
+            <a:endParaRPr lang="en-US" dirty="0"/>
+          </a:p>
+        </p:txBody>
+      </p:sp>
+      <p:pic>
+        <p:nvPicPr>
+          <p:cNvPr id="4" name="Content Placeholder 3"/>
+          <p:cNvPicPr>
+            <a:picLocks noGrp="1" noChangeAspect="1"/>
+          </p:cNvPicPr>
+          <p:nvPr>
+            <p:ph idx="1"/>
+          </p:nvPr>
+        </p:nvPicPr>
+        <p:blipFill>
+          <a:blip r:embed="rId2">
+            <a:extLst>
+              <a:ext uri="{28A0092B-C50C-407E-A947-70E740481C1C}">
+                <a14:useLocalDpi xmlns:a14="http://schemas.microsoft.com/office/drawing/2010/main" val="0"/>
+              </a:ext>
+            </a:extLst>
+          </a:blip>
+          <a:stretch>
+            <a:fillRect/>
+          </a:stretch>
+        </p:blipFill>
+        <p:spPr>
+          <a:xfrm>
+            <a:off x="502586" y="1691322"/>
+            <a:ext cx="7234644" cy="4958143"/>
+          </a:xfrm>
+        </p:spPr>
+      </p:pic>
+    </p:spTree>
+    <p:extLst>
+      <p:ext uri="{BB962C8B-B14F-4D97-AF65-F5344CB8AC3E}">
+        <p14:creationId xmlns:p14="http://schemas.microsoft.com/office/powerpoint/2010/main" val="1570597351"/>
+      </p:ext>
+    </p:extLst>
+  </p:cSld>
+  <p:clrMapOvr>
+    <a:masterClrMapping/>
+  </p:clrMapOvr>
+</p:sld>
+</file>
+
+<file path=ppt/slides/slide13.xml><?xml version="1.0" encoding="utf-8"?>
 <p:sld xmlns:a="http://schemas.openxmlformats.org/drawingml/2006/main" xmlns:r="http://schemas.openxmlformats.org/officeDocument/2006/relationships" xmlns:p="http://schemas.openxmlformats.org/presentationml/2006/main">
   <p:cSld>
     <p:spTree>
@@ -5535,78 +5694,37 @@
                         </a:rPr>
                         <m:t>(∆</m:t>
                       </m:r>
-                      <m:sSub>
-                        <m:sSubPr>
+                      <m:r>
+                        <a:rPr lang="en-US" b="0" i="1" smtClean="0">
+                          <a:latin typeface="Cambria Math" charset="0"/>
+                          <a:ea typeface="Cambria Math" charset="0"/>
+                          <a:cs typeface="Cambria Math" charset="0"/>
+                        </a:rPr>
+                        <m:t>𝑃</m:t>
+                      </m:r>
+                      <m:d>
+                        <m:dPr>
                           <m:ctrlPr>
-                            <a:rPr lang="en-US" i="1">
+                            <a:rPr lang="en-US" b="0" i="1" smtClean="0">
                               <a:latin typeface="Cambria Math" charset="0"/>
                               <a:ea typeface="Cambria Math" charset="0"/>
                               <a:cs typeface="Cambria Math" charset="0"/>
                             </a:rPr>
                           </m:ctrlPr>
-                        </m:sSubPr>
+                        </m:dPr>
                         <m:e>
                           <m:r>
-                            <a:rPr lang="en-US" i="1">
+                            <a:rPr lang="en-US" b="0" i="1" smtClean="0">
                               <a:latin typeface="Cambria Math" charset="0"/>
                               <a:ea typeface="Cambria Math" charset="0"/>
                               <a:cs typeface="Cambria Math" charset="0"/>
                             </a:rPr>
-                            <m:t>𝑃</m:t>
+                            <m:t>𝑡</m:t>
                           </m:r>
                         </m:e>
-                        <m:sub>
-                          <m:r>
-                            <a:rPr lang="en-US" i="1">
-                              <a:latin typeface="Cambria Math" charset="0"/>
-                              <a:ea typeface="Cambria Math" charset="0"/>
-                              <a:cs typeface="Cambria Math" charset="0"/>
-                            </a:rPr>
-                            <m:t>𝑚</m:t>
-                          </m:r>
-                        </m:sub>
-                      </m:sSub>
+                      </m:d>
                       <m:r>
-                        <a:rPr lang="en-US" i="1">
-                          <a:latin typeface="Cambria Math" charset="0"/>
-                          <a:ea typeface="Cambria Math" charset="0"/>
-                          <a:cs typeface="Cambria Math" charset="0"/>
-                        </a:rPr>
-                        <m:t>−∆</m:t>
-                      </m:r>
-                      <m:sSub>
-                        <m:sSubPr>
-                          <m:ctrlPr>
-                            <a:rPr lang="en-US" i="1">
-                              <a:latin typeface="Cambria Math" charset="0"/>
-                              <a:ea typeface="Cambria Math" charset="0"/>
-                              <a:cs typeface="Cambria Math" charset="0"/>
-                            </a:rPr>
-                          </m:ctrlPr>
-                        </m:sSubPr>
-                        <m:e>
-                          <m:r>
-                            <a:rPr lang="en-US" i="1">
-                              <a:latin typeface="Cambria Math" charset="0"/>
-                              <a:ea typeface="Cambria Math" charset="0"/>
-                              <a:cs typeface="Cambria Math" charset="0"/>
-                            </a:rPr>
-                            <m:t>𝑃</m:t>
-                          </m:r>
-                        </m:e>
-                        <m:sub>
-                          <m:r>
-                            <a:rPr lang="en-US" i="1">
-                              <a:latin typeface="Cambria Math" charset="0"/>
-                              <a:ea typeface="Cambria Math" charset="0"/>
-                              <a:cs typeface="Cambria Math" charset="0"/>
-                            </a:rPr>
-                            <m:t>𝑙𝑜𝑎𝑑</m:t>
-                          </m:r>
-                        </m:sub>
-                      </m:sSub>
-                      <m:r>
-                        <a:rPr lang="en-US" i="1">
+                        <a:rPr lang="en-US" b="0" i="1" smtClean="0">
                           <a:latin typeface="Cambria Math" charset="0"/>
                           <a:ea typeface="Cambria Math" charset="0"/>
                           <a:cs typeface="Cambria Math" charset="0"/>
@@ -5690,6 +5808,455 @@
                 <a:endParaRPr lang="en-US" dirty="0"/>
               </a:p>
               <a:p>
+                <a:pPr marL="0" indent="0">
+                  <a:lnSpc>
+                    <a:spcPct val="100000"/>
+                  </a:lnSpc>
+                  <a:buNone/>
+                </a:pPr>
+                <a:r>
+                  <a:rPr lang="en-US" dirty="0" smtClean="0">
+                    <a:ea typeface="Cambria Math" charset="0"/>
+                    <a:cs typeface="Cambria Math" charset="0"/>
+                  </a:rPr>
+                  <a:t>or</a:t>
+                </a:r>
+              </a:p>
+              <a:p>
+                <a:pPr marL="0" indent="0">
+                  <a:lnSpc>
+                    <a:spcPct val="100000"/>
+                  </a:lnSpc>
+                  <a:buNone/>
+                </a:pPr>
+                <a14:m>
+                  <m:oMathPara xmlns:m="http://schemas.openxmlformats.org/officeDocument/2006/math">
+                    <m:oMathParaPr>
+                      <m:jc m:val="centerGroup"/>
+                    </m:oMathParaPr>
+                    <m:oMath xmlns:m="http://schemas.openxmlformats.org/officeDocument/2006/math">
+                      <m:r>
+                        <a:rPr lang="en-US" i="1">
+                          <a:latin typeface="Cambria Math" charset="0"/>
+                          <a:ea typeface="Cambria Math" charset="0"/>
+                          <a:cs typeface="Cambria Math" charset="0"/>
+                        </a:rPr>
+                        <m:t>∆</m:t>
+                      </m:r>
+                      <m:acc>
+                        <m:accPr>
+                          <m:chr m:val="̇"/>
+                          <m:ctrlPr>
+                            <a:rPr lang="en-US" i="1">
+                              <a:latin typeface="Cambria Math" charset="0"/>
+                              <a:ea typeface="Cambria Math" charset="0"/>
+                              <a:cs typeface="Cambria Math" charset="0"/>
+                            </a:rPr>
+                          </m:ctrlPr>
+                        </m:accPr>
+                        <m:e>
+                          <m:r>
+                            <a:rPr lang="en-US" i="1">
+                              <a:latin typeface="Cambria Math" charset="0"/>
+                              <a:ea typeface="Cambria Math" charset="0"/>
+                              <a:cs typeface="Cambria Math" charset="0"/>
+                            </a:rPr>
+                            <m:t>𝑓</m:t>
+                          </m:r>
+                        </m:e>
+                      </m:acc>
+                      <m:r>
+                        <a:rPr lang="en-US" i="1">
+                          <a:latin typeface="Cambria Math" charset="0"/>
+                          <a:ea typeface="Cambria Math" charset="0"/>
+                          <a:cs typeface="Cambria Math" charset="0"/>
+                        </a:rPr>
+                        <m:t>=</m:t>
+                      </m:r>
+                      <m:d>
+                        <m:dPr>
+                          <m:ctrlPr>
+                            <a:rPr lang="mr-IN" i="1" smtClean="0">
+                              <a:latin typeface="Cambria Math" charset="0"/>
+                              <a:ea typeface="Cambria Math" charset="0"/>
+                              <a:cs typeface="Cambria Math" charset="0"/>
+                            </a:rPr>
+                          </m:ctrlPr>
+                        </m:dPr>
+                        <m:e>
+                          <m:r>
+                            <a:rPr lang="en-US" i="1">
+                              <a:latin typeface="Cambria Math" charset="0"/>
+                              <a:ea typeface="Cambria Math" charset="0"/>
+                              <a:cs typeface="Cambria Math" charset="0"/>
+                            </a:rPr>
+                            <m:t>−</m:t>
+                          </m:r>
+                          <m:f>
+                            <m:fPr>
+                              <m:ctrlPr>
+                                <a:rPr lang="mr-IN" i="1">
+                                  <a:latin typeface="Cambria Math" charset="0"/>
+                                  <a:ea typeface="Cambria Math" charset="0"/>
+                                  <a:cs typeface="Cambria Math" charset="0"/>
+                                </a:rPr>
+                              </m:ctrlPr>
+                            </m:fPr>
+                            <m:num>
+                              <m:sSub>
+                                <m:sSubPr>
+                                  <m:ctrlPr>
+                                    <a:rPr lang="en-US" i="1">
+                                      <a:latin typeface="Cambria Math" charset="0"/>
+                                      <a:ea typeface="Cambria Math" charset="0"/>
+                                      <a:cs typeface="Cambria Math" charset="0"/>
+                                    </a:rPr>
+                                  </m:ctrlPr>
+                                </m:sSubPr>
+                                <m:e>
+                                  <m:r>
+                                    <a:rPr lang="en-US" i="1">
+                                      <a:latin typeface="Cambria Math" charset="0"/>
+                                      <a:ea typeface="Cambria Math" charset="0"/>
+                                      <a:cs typeface="Cambria Math" charset="0"/>
+                                    </a:rPr>
+                                    <m:t>𝑓</m:t>
+                                  </m:r>
+                                </m:e>
+                                <m:sub>
+                                  <m:r>
+                                    <a:rPr lang="en-US" i="1">
+                                      <a:latin typeface="Cambria Math" charset="0"/>
+                                      <a:ea typeface="Cambria Math" charset="0"/>
+                                      <a:cs typeface="Cambria Math" charset="0"/>
+                                    </a:rPr>
+                                    <m:t>0</m:t>
+                                  </m:r>
+                                </m:sub>
+                              </m:sSub>
+                            </m:num>
+                            <m:den>
+                              <m:r>
+                                <a:rPr lang="en-US" i="1">
+                                  <a:latin typeface="Cambria Math" charset="0"/>
+                                  <a:ea typeface="Cambria Math" charset="0"/>
+                                  <a:cs typeface="Cambria Math" charset="0"/>
+                                </a:rPr>
+                                <m:t>2</m:t>
+                              </m:r>
+                              <m:r>
+                                <a:rPr lang="en-US" i="1">
+                                  <a:latin typeface="Cambria Math" charset="0"/>
+                                  <a:ea typeface="Cambria Math" charset="0"/>
+                                  <a:cs typeface="Cambria Math" charset="0"/>
+                                </a:rPr>
+                                <m:t>𝐻</m:t>
+                              </m:r>
+                              <m:sSub>
+                                <m:sSubPr>
+                                  <m:ctrlPr>
+                                    <a:rPr lang="en-US" i="1">
+                                      <a:latin typeface="Cambria Math" charset="0"/>
+                                      <a:ea typeface="Cambria Math" charset="0"/>
+                                      <a:cs typeface="Cambria Math" charset="0"/>
+                                    </a:rPr>
+                                  </m:ctrlPr>
+                                </m:sSubPr>
+                                <m:e>
+                                  <m:r>
+                                    <a:rPr lang="en-US" i="1">
+                                      <a:latin typeface="Cambria Math" charset="0"/>
+                                      <a:ea typeface="Cambria Math" charset="0"/>
+                                      <a:cs typeface="Cambria Math" charset="0"/>
+                                    </a:rPr>
+                                    <m:t>𝑆</m:t>
+                                  </m:r>
+                                </m:e>
+                                <m:sub>
+                                  <m:r>
+                                    <a:rPr lang="en-US" i="1">
+                                      <a:latin typeface="Cambria Math" charset="0"/>
+                                      <a:ea typeface="Cambria Math" charset="0"/>
+                                      <a:cs typeface="Cambria Math" charset="0"/>
+                                    </a:rPr>
+                                    <m:t>𝐵</m:t>
+                                  </m:r>
+                                </m:sub>
+                              </m:sSub>
+                              <m:sSub>
+                                <m:sSubPr>
+                                  <m:ctrlPr>
+                                    <a:rPr lang="en-US" i="1">
+                                      <a:latin typeface="Cambria Math" charset="0"/>
+                                      <a:ea typeface="Cambria Math" charset="0"/>
+                                      <a:cs typeface="Cambria Math" charset="0"/>
+                                    </a:rPr>
+                                  </m:ctrlPr>
+                                </m:sSubPr>
+                                <m:e>
+                                  <m:r>
+                                    <a:rPr lang="en-US" i="1">
+                                      <a:latin typeface="Cambria Math" charset="0"/>
+                                      <a:ea typeface="Cambria Math" charset="0"/>
+                                      <a:cs typeface="Cambria Math" charset="0"/>
+                                    </a:rPr>
+                                    <m:t>𝐷</m:t>
+                                  </m:r>
+                                </m:e>
+                                <m:sub>
+                                  <m:r>
+                                    <a:rPr lang="en-US" i="1">
+                                      <a:latin typeface="Cambria Math" charset="0"/>
+                                      <a:ea typeface="Cambria Math" charset="0"/>
+                                      <a:cs typeface="Cambria Math" charset="0"/>
+                                    </a:rPr>
+                                    <m:t>𝑙𝑜𝑎𝑑</m:t>
+                                  </m:r>
+                                </m:sub>
+                              </m:sSub>
+                            </m:den>
+                          </m:f>
+                          <m:r>
+                            <a:rPr lang="en-US" i="1">
+                              <a:latin typeface="Cambria Math" charset="0"/>
+                              <a:ea typeface="Cambria Math" charset="0"/>
+                              <a:cs typeface="Cambria Math" charset="0"/>
+                            </a:rPr>
+                            <m:t>−</m:t>
+                          </m:r>
+                          <m:f>
+                            <m:fPr>
+                              <m:ctrlPr>
+                                <a:rPr lang="mr-IN" i="1">
+                                  <a:latin typeface="Cambria Math" charset="0"/>
+                                  <a:ea typeface="Cambria Math" charset="0"/>
+                                  <a:cs typeface="Cambria Math" charset="0"/>
+                                </a:rPr>
+                              </m:ctrlPr>
+                            </m:fPr>
+                            <m:num>
+                              <m:r>
+                                <a:rPr lang="en-US" i="1">
+                                  <a:latin typeface="Cambria Math" charset="0"/>
+                                  <a:ea typeface="Cambria Math" charset="0"/>
+                                  <a:cs typeface="Cambria Math" charset="0"/>
+                                </a:rPr>
+                                <m:t>1</m:t>
+                              </m:r>
+                            </m:num>
+                            <m:den>
+                              <m:r>
+                                <a:rPr lang="en-US" i="1">
+                                  <a:latin typeface="Cambria Math" charset="0"/>
+                                  <a:ea typeface="Cambria Math" charset="0"/>
+                                  <a:cs typeface="Cambria Math" charset="0"/>
+                                </a:rPr>
+                                <m:t>𝑅</m:t>
+                              </m:r>
+                            </m:den>
+                          </m:f>
+                        </m:e>
+                      </m:d>
+                      <m:r>
+                        <a:rPr lang="mr-IN" i="1">
+                          <a:latin typeface="Cambria Math" charset="0"/>
+                          <a:ea typeface="Cambria Math" charset="0"/>
+                          <a:cs typeface="Cambria Math" charset="0"/>
+                        </a:rPr>
+                        <m:t>∆</m:t>
+                      </m:r>
+                      <m:r>
+                        <a:rPr lang="en-US" i="1">
+                          <a:latin typeface="Cambria Math" charset="0"/>
+                          <a:ea typeface="Cambria Math" charset="0"/>
+                          <a:cs typeface="Cambria Math" charset="0"/>
+                        </a:rPr>
+                        <m:t>𝑓</m:t>
+                      </m:r>
+                      <m:r>
+                        <a:rPr lang="en-US" i="1">
+                          <a:latin typeface="Cambria Math" charset="0"/>
+                          <a:ea typeface="Cambria Math" charset="0"/>
+                          <a:cs typeface="Cambria Math" charset="0"/>
+                        </a:rPr>
+                        <m:t>+</m:t>
+                      </m:r>
+                      <m:f>
+                        <m:fPr>
+                          <m:ctrlPr>
+                            <a:rPr lang="mr-IN" i="1">
+                              <a:latin typeface="Cambria Math" charset="0"/>
+                              <a:ea typeface="Cambria Math" charset="0"/>
+                              <a:cs typeface="Cambria Math" charset="0"/>
+                            </a:rPr>
+                          </m:ctrlPr>
+                        </m:fPr>
+                        <m:num>
+                          <m:sSub>
+                            <m:sSubPr>
+                              <m:ctrlPr>
+                                <a:rPr lang="en-US" i="1">
+                                  <a:latin typeface="Cambria Math" charset="0"/>
+                                  <a:ea typeface="Cambria Math" charset="0"/>
+                                  <a:cs typeface="Cambria Math" charset="0"/>
+                                </a:rPr>
+                              </m:ctrlPr>
+                            </m:sSubPr>
+                            <m:e>
+                              <m:r>
+                                <a:rPr lang="en-US" i="1">
+                                  <a:latin typeface="Cambria Math" charset="0"/>
+                                  <a:ea typeface="Cambria Math" charset="0"/>
+                                  <a:cs typeface="Cambria Math" charset="0"/>
+                                </a:rPr>
+                                <m:t>𝑓</m:t>
+                              </m:r>
+                            </m:e>
+                            <m:sub>
+                              <m:r>
+                                <a:rPr lang="en-US" i="1">
+                                  <a:latin typeface="Cambria Math" charset="0"/>
+                                  <a:ea typeface="Cambria Math" charset="0"/>
+                                  <a:cs typeface="Cambria Math" charset="0"/>
+                                </a:rPr>
+                                <m:t>0</m:t>
+                              </m:r>
+                            </m:sub>
+                          </m:sSub>
+                        </m:num>
+                        <m:den>
+                          <m:r>
+                            <a:rPr lang="en-US" i="1">
+                              <a:latin typeface="Cambria Math" charset="0"/>
+                              <a:ea typeface="Cambria Math" charset="0"/>
+                              <a:cs typeface="Cambria Math" charset="0"/>
+                            </a:rPr>
+                            <m:t>2</m:t>
+                          </m:r>
+                          <m:r>
+                            <a:rPr lang="en-US" i="1">
+                              <a:latin typeface="Cambria Math" charset="0"/>
+                              <a:ea typeface="Cambria Math" charset="0"/>
+                              <a:cs typeface="Cambria Math" charset="0"/>
+                            </a:rPr>
+                            <m:t>𝐻</m:t>
+                          </m:r>
+                          <m:sSub>
+                            <m:sSubPr>
+                              <m:ctrlPr>
+                                <a:rPr lang="en-US" i="1">
+                                  <a:latin typeface="Cambria Math" charset="0"/>
+                                  <a:ea typeface="Cambria Math" charset="0"/>
+                                  <a:cs typeface="Cambria Math" charset="0"/>
+                                </a:rPr>
+                              </m:ctrlPr>
+                            </m:sSubPr>
+                            <m:e>
+                              <m:r>
+                                <a:rPr lang="en-US" i="1">
+                                  <a:latin typeface="Cambria Math" charset="0"/>
+                                  <a:ea typeface="Cambria Math" charset="0"/>
+                                  <a:cs typeface="Cambria Math" charset="0"/>
+                                </a:rPr>
+                                <m:t>𝑆</m:t>
+                              </m:r>
+                            </m:e>
+                            <m:sub>
+                              <m:r>
+                                <a:rPr lang="en-US" i="1">
+                                  <a:latin typeface="Cambria Math" charset="0"/>
+                                  <a:ea typeface="Cambria Math" charset="0"/>
+                                  <a:cs typeface="Cambria Math" charset="0"/>
+                                </a:rPr>
+                                <m:t>𝐵</m:t>
+                              </m:r>
+                            </m:sub>
+                          </m:sSub>
+                        </m:den>
+                      </m:f>
+                      <m:r>
+                        <a:rPr lang="en-US" i="1">
+                          <a:latin typeface="Cambria Math" charset="0"/>
+                          <a:ea typeface="Cambria Math" charset="0"/>
+                          <a:cs typeface="Cambria Math" charset="0"/>
+                        </a:rPr>
+                        <m:t>(∆</m:t>
+                      </m:r>
+                      <m:r>
+                        <a:rPr lang="en-US" i="1">
+                          <a:latin typeface="Cambria Math" charset="0"/>
+                          <a:ea typeface="Cambria Math" charset="0"/>
+                          <a:cs typeface="Cambria Math" charset="0"/>
+                        </a:rPr>
+                        <m:t>𝑃</m:t>
+                      </m:r>
+                      <m:d>
+                        <m:dPr>
+                          <m:ctrlPr>
+                            <a:rPr lang="en-US" i="1">
+                              <a:latin typeface="Cambria Math" charset="0"/>
+                              <a:ea typeface="Cambria Math" charset="0"/>
+                              <a:cs typeface="Cambria Math" charset="0"/>
+                            </a:rPr>
+                          </m:ctrlPr>
+                        </m:dPr>
+                        <m:e>
+                          <m:r>
+                            <a:rPr lang="en-US" i="1">
+                              <a:latin typeface="Cambria Math" charset="0"/>
+                              <a:ea typeface="Cambria Math" charset="0"/>
+                              <a:cs typeface="Cambria Math" charset="0"/>
+                            </a:rPr>
+                            <m:t>𝑡</m:t>
+                          </m:r>
+                        </m:e>
+                      </m:d>
+                      <m:r>
+                        <a:rPr lang="en-US" i="1">
+                          <a:latin typeface="Cambria Math" charset="0"/>
+                          <a:ea typeface="Cambria Math" charset="0"/>
+                          <a:cs typeface="Cambria Math" charset="0"/>
+                        </a:rPr>
+                        <m:t>+</m:t>
+                      </m:r>
+                      <m:r>
+                        <a:rPr lang="en-US" i="1">
+                          <a:latin typeface="Cambria Math" charset="0"/>
+                          <a:ea typeface="Cambria Math" charset="0"/>
+                          <a:cs typeface="Cambria Math" charset="0"/>
+                        </a:rPr>
+                        <m:t>𝑞</m:t>
+                      </m:r>
+                      <m:r>
+                        <a:rPr lang="en-US" i="1">
+                          <a:latin typeface="Cambria Math" charset="0"/>
+                          <a:ea typeface="Cambria Math" charset="0"/>
+                          <a:cs typeface="Cambria Math" charset="0"/>
+                        </a:rPr>
+                        <m:t> </m:t>
+                      </m:r>
+                      <m:r>
+                        <a:rPr lang="en-US" i="1">
+                          <a:latin typeface="Cambria Math" charset="0"/>
+                          <a:ea typeface="Cambria Math" charset="0"/>
+                          <a:cs typeface="Cambria Math" charset="0"/>
+                        </a:rPr>
+                        <m:t>)</m:t>
+                      </m:r>
+                    </m:oMath>
+                  </m:oMathPara>
+                </a14:m>
+                <a:endParaRPr lang="en-US" dirty="0"/>
+              </a:p>
+              <a:p>
+                <a:pPr>
+                  <a:lnSpc>
+                    <a:spcPct val="100000"/>
+                  </a:lnSpc>
+                </a:pPr>
+                <a:endParaRPr lang="en-US" dirty="0"/>
+              </a:p>
+              <a:p>
                 <a:pPr>
                   <a:lnSpc>
                     <a:spcPct val="100000"/>
@@ -5715,7 +6282,7 @@
               <a:blipFill rotWithShape="0">
                 <a:blip r:embed="rId2"/>
                 <a:stretch>
-                  <a:fillRect l="-189" t="-700"/>
+                  <a:fillRect l="-756" t="-700"/>
                 </a:stretch>
               </a:blipFill>
             </p:spPr>
@@ -5747,97 +6314,6 @@
 </p:sld>
 </file>
 
-<file path=ppt/slides/slide13.xml><?xml version="1.0" encoding="utf-8"?>
-<p:sld xmlns:a="http://schemas.openxmlformats.org/drawingml/2006/main" xmlns:r="http://schemas.openxmlformats.org/officeDocument/2006/relationships" xmlns:p="http://schemas.openxmlformats.org/presentationml/2006/main">
-  <p:cSld>
-    <p:spTree>
-      <p:nvGrpSpPr>
-        <p:cNvPr id="1" name=""/>
-        <p:cNvGrpSpPr/>
-        <p:nvPr/>
-      </p:nvGrpSpPr>
-      <p:grpSpPr>
-        <a:xfrm>
-          <a:off x="0" y="0"/>
-          <a:ext cx="0" cy="0"/>
-          <a:chOff x="0" y="0"/>
-          <a:chExt cx="0" cy="0"/>
-        </a:xfrm>
-      </p:grpSpPr>
-      <p:sp>
-        <p:nvSpPr>
-          <p:cNvPr id="2" name="Title 1"/>
-          <p:cNvSpPr>
-            <a:spLocks noGrp="1"/>
-          </p:cNvSpPr>
-          <p:nvPr>
-            <p:ph type="title"/>
-          </p:nvPr>
-        </p:nvSpPr>
-        <p:spPr/>
-        <p:txBody>
-          <a:bodyPr/>
-          <a:lstStyle/>
-          <a:p>
-            <a:r>
-              <a:rPr lang="en-US" dirty="0" smtClean="0"/>
-              <a:t>Proposed Methods</a:t>
-            </a:r>
-            <a:endParaRPr lang="en-US" dirty="0"/>
-          </a:p>
-        </p:txBody>
-      </p:sp>
-      <p:sp>
-        <p:nvSpPr>
-          <p:cNvPr id="3" name="Content Placeholder 2"/>
-          <p:cNvSpPr>
-            <a:spLocks noGrp="1"/>
-          </p:cNvSpPr>
-          <p:nvPr>
-            <p:ph idx="1"/>
-          </p:nvPr>
-        </p:nvSpPr>
-        <p:spPr/>
-        <p:txBody>
-          <a:bodyPr/>
-          <a:lstStyle/>
-          <a:p>
-            <a:r>
-              <a:rPr lang="en-US" dirty="0" smtClean="0"/>
-              <a:t>Synthetic or Virtual Inertia</a:t>
-            </a:r>
-          </a:p>
-          <a:p>
-            <a:r>
-              <a:rPr lang="en-US" dirty="0" smtClean="0"/>
-              <a:t>Energy Storage Systems</a:t>
-            </a:r>
-          </a:p>
-          <a:p>
-            <a:r>
-              <a:rPr lang="en-US" dirty="0" err="1" smtClean="0"/>
-              <a:t>Deloading</a:t>
-            </a:r>
-            <a:endParaRPr lang="en-US" dirty="0" smtClean="0"/>
-          </a:p>
-          <a:p>
-            <a:endParaRPr lang="en-US" dirty="0" smtClean="0"/>
-          </a:p>
-        </p:txBody>
-      </p:sp>
-    </p:spTree>
-    <p:extLst>
-      <p:ext uri="{BB962C8B-B14F-4D97-AF65-F5344CB8AC3E}">
-        <p14:creationId xmlns:p14="http://schemas.microsoft.com/office/powerpoint/2010/main" val="1775937893"/>
-      </p:ext>
-    </p:extLst>
-  </p:cSld>
-  <p:clrMapOvr>
-    <a:masterClrMapping/>
-  </p:clrMapOvr>
-</p:sld>
-</file>
-
 <file path=ppt/slides/slide14.xml><?xml version="1.0" encoding="utf-8"?>
 <p:sld xmlns:a="http://schemas.openxmlformats.org/drawingml/2006/main" xmlns:r="http://schemas.openxmlformats.org/officeDocument/2006/relationships" xmlns:p="http://schemas.openxmlformats.org/presentationml/2006/main">
   <p:cSld>
@@ -5872,45 +6348,45 @@
           <a:p>
             <a:r>
               <a:rPr lang="en-US" dirty="0" smtClean="0"/>
-              <a:t>Virtual Inertia</a:t>
+              <a:t>Results</a:t>
             </a:r>
             <a:endParaRPr lang="en-US" dirty="0"/>
           </a:p>
         </p:txBody>
       </p:sp>
-      <p:sp>
-        <p:nvSpPr>
-          <p:cNvPr id="3" name="Content Placeholder 2"/>
-          <p:cNvSpPr>
-            <a:spLocks noGrp="1"/>
-          </p:cNvSpPr>
+      <p:pic>
+        <p:nvPicPr>
+          <p:cNvPr id="4" name="Content Placeholder 3"/>
+          <p:cNvPicPr>
+            <a:picLocks noGrp="1" noChangeAspect="1"/>
+          </p:cNvPicPr>
           <p:nvPr>
             <p:ph idx="1"/>
           </p:nvPr>
-        </p:nvSpPr>
-        <p:spPr/>
-        <p:txBody>
-          <a:bodyPr/>
-          <a:lstStyle/>
-          <a:p>
-            <a:r>
-              <a:rPr lang="en-US" dirty="0" smtClean="0"/>
-              <a:t>Pros: Increases overall inertia</a:t>
-            </a:r>
-          </a:p>
-          <a:p>
-            <a:r>
-              <a:rPr lang="en-US" dirty="0" smtClean="0"/>
-              <a:t>Cons: High cost to update all facilities with the necessary control mechanisms</a:t>
-            </a:r>
-            <a:endParaRPr lang="en-US" dirty="0"/>
-          </a:p>
-        </p:txBody>
-      </p:sp>
+        </p:nvPicPr>
+        <p:blipFill>
+          <a:blip r:embed="rId2">
+            <a:extLst>
+              <a:ext uri="{28A0092B-C50C-407E-A947-70E740481C1C}">
+                <a14:useLocalDpi xmlns:a14="http://schemas.microsoft.com/office/drawing/2010/main" val="0"/>
+              </a:ext>
+            </a:extLst>
+          </a:blip>
+          <a:stretch>
+            <a:fillRect/>
+          </a:stretch>
+        </p:blipFill>
+        <p:spPr>
+          <a:xfrm>
+            <a:off x="702832" y="1691322"/>
+            <a:ext cx="7003098" cy="5153041"/>
+          </a:xfrm>
+        </p:spPr>
+      </p:pic>
     </p:spTree>
     <p:extLst>
       <p:ext uri="{BB962C8B-B14F-4D97-AF65-F5344CB8AC3E}">
-        <p14:creationId xmlns:p14="http://schemas.microsoft.com/office/powerpoint/2010/main" val="708870289"/>
+        <p14:creationId xmlns:p14="http://schemas.microsoft.com/office/powerpoint/2010/main" val="154208574"/>
       </p:ext>
     </p:extLst>
   </p:cSld>
@@ -5954,47 +6430,1208 @@
           <a:p>
             <a:r>
               <a:rPr lang="en-US" dirty="0" smtClean="0"/>
-              <a:t>Energy Storage Systems</a:t>
+              <a:t>Virtual Inertia</a:t>
             </a:r>
             <a:endParaRPr lang="en-US" dirty="0"/>
           </a:p>
         </p:txBody>
       </p:sp>
-      <p:sp>
-        <p:nvSpPr>
-          <p:cNvPr id="3" name="Content Placeholder 2"/>
-          <p:cNvSpPr>
-            <a:spLocks noGrp="1"/>
-          </p:cNvSpPr>
-          <p:nvPr>
-            <p:ph idx="1"/>
-          </p:nvPr>
-        </p:nvSpPr>
-        <p:spPr/>
-        <p:txBody>
-          <a:bodyPr/>
-          <a:lstStyle/>
-          <a:p>
-            <a:r>
-              <a:rPr lang="en-US" dirty="0" smtClean="0"/>
-              <a:t>Pros: Provides reserve power</a:t>
-            </a:r>
-          </a:p>
-          <a:p>
-            <a:r>
-              <a:rPr lang="en-US" dirty="0" smtClean="0"/>
-              <a:t>Cons: Costly</a:t>
-            </a:r>
-          </a:p>
-          <a:p>
-            <a:endParaRPr lang="en-US" dirty="0"/>
-          </a:p>
-        </p:txBody>
-      </p:sp>
+      <mc:AlternateContent xmlns:mc="http://schemas.openxmlformats.org/markup-compatibility/2006">
+        <mc:Choice xmlns:a14="http://schemas.microsoft.com/office/drawing/2010/main" Requires="a14">
+          <p:sp>
+            <p:nvSpPr>
+              <p:cNvPr id="3" name="Content Placeholder 2"/>
+              <p:cNvSpPr>
+                <a:spLocks noGrp="1"/>
+              </p:cNvSpPr>
+              <p:nvPr>
+                <p:ph idx="1"/>
+              </p:nvPr>
+            </p:nvSpPr>
+            <p:spPr/>
+            <p:txBody>
+              <a:bodyPr/>
+              <a:lstStyle/>
+              <a:p>
+                <a:pPr>
+                  <a:lnSpc>
+                    <a:spcPct val="100000"/>
+                  </a:lnSpc>
+                </a:pPr>
+                <a:r>
+                  <a:rPr lang="en-US" dirty="0" smtClean="0">
+                    <a:ea typeface="Cambria Math" charset="0"/>
+                    <a:cs typeface="Cambria Math" charset="0"/>
+                  </a:rPr>
+                  <a:t>Control Variable:</a:t>
+                </a:r>
+              </a:p>
+              <a:p>
+                <a:pPr marL="0" indent="0">
+                  <a:lnSpc>
+                    <a:spcPct val="100000"/>
+                  </a:lnSpc>
+                  <a:buNone/>
+                </a:pPr>
+                <a14:m>
+                  <m:oMathPara xmlns:m="http://schemas.openxmlformats.org/officeDocument/2006/math">
+                    <m:oMathParaPr>
+                      <m:jc m:val="centerGroup"/>
+                    </m:oMathParaPr>
+                    <m:oMath xmlns:m="http://schemas.openxmlformats.org/officeDocument/2006/math">
+                      <m:r>
+                        <a:rPr lang="en-US" i="1">
+                          <a:latin typeface="Cambria Math" charset="0"/>
+                          <a:ea typeface="Cambria Math" charset="0"/>
+                          <a:cs typeface="Cambria Math" charset="0"/>
+                        </a:rPr>
+                        <m:t>𝑢</m:t>
+                      </m:r>
+                      <m:r>
+                        <a:rPr lang="en-US" i="1">
+                          <a:latin typeface="Cambria Math" charset="0"/>
+                          <a:ea typeface="Cambria Math" charset="0"/>
+                          <a:cs typeface="Cambria Math" charset="0"/>
+                        </a:rPr>
+                        <m:t>=</m:t>
+                      </m:r>
+                      <m:r>
+                        <a:rPr lang="en-US" i="1">
+                          <a:latin typeface="Cambria Math" charset="0"/>
+                          <a:ea typeface="Cambria Math" charset="0"/>
+                          <a:cs typeface="Cambria Math" charset="0"/>
+                        </a:rPr>
+                        <m:t>𝑞</m:t>
+                      </m:r>
+                      <m:r>
+                        <a:rPr lang="en-US" i="1">
+                          <a:latin typeface="Cambria Math" charset="0"/>
+                          <a:ea typeface="Cambria Math" charset="0"/>
+                          <a:cs typeface="Cambria Math" charset="0"/>
+                        </a:rPr>
+                        <m:t>−</m:t>
+                      </m:r>
+                      <m:f>
+                        <m:fPr>
+                          <m:ctrlPr>
+                            <a:rPr lang="mr-IN" i="1">
+                              <a:latin typeface="Cambria Math" charset="0"/>
+                              <a:ea typeface="Cambria Math" charset="0"/>
+                              <a:cs typeface="Cambria Math" charset="0"/>
+                            </a:rPr>
+                          </m:ctrlPr>
+                        </m:fPr>
+                        <m:num>
+                          <m:r>
+                            <a:rPr lang="en-US" i="1">
+                              <a:latin typeface="Cambria Math" charset="0"/>
+                              <a:ea typeface="Cambria Math" charset="0"/>
+                              <a:cs typeface="Cambria Math" charset="0"/>
+                            </a:rPr>
+                            <m:t>1</m:t>
+                          </m:r>
+                        </m:num>
+                        <m:den>
+                          <m:r>
+                            <a:rPr lang="en-US" i="1">
+                              <a:latin typeface="Cambria Math" charset="0"/>
+                              <a:ea typeface="Cambria Math" charset="0"/>
+                              <a:cs typeface="Cambria Math" charset="0"/>
+                            </a:rPr>
+                            <m:t>𝑅</m:t>
+                          </m:r>
+                        </m:den>
+                      </m:f>
+                      <m:r>
+                        <a:rPr lang="mr-IN" i="1">
+                          <a:latin typeface="Cambria Math" charset="0"/>
+                          <a:ea typeface="Cambria Math" charset="0"/>
+                          <a:cs typeface="Cambria Math" charset="0"/>
+                        </a:rPr>
+                        <m:t>∆</m:t>
+                      </m:r>
+                      <m:r>
+                        <a:rPr lang="en-US" i="1">
+                          <a:latin typeface="Cambria Math" charset="0"/>
+                          <a:ea typeface="Cambria Math" charset="0"/>
+                          <a:cs typeface="Cambria Math" charset="0"/>
+                        </a:rPr>
+                        <m:t>𝑓</m:t>
+                      </m:r>
+                      <m:r>
+                        <a:rPr lang="en-US" b="0" i="1" smtClean="0">
+                          <a:latin typeface="Cambria Math" charset="0"/>
+                          <a:ea typeface="Cambria Math" charset="0"/>
+                          <a:cs typeface="Cambria Math" charset="0"/>
+                        </a:rPr>
+                        <m:t>−</m:t>
+                      </m:r>
+                      <m:r>
+                        <a:rPr lang="en-US" b="0" i="1" smtClean="0">
+                          <a:latin typeface="Cambria Math" charset="0"/>
+                          <a:ea typeface="Cambria Math" charset="0"/>
+                          <a:cs typeface="Cambria Math" charset="0"/>
+                        </a:rPr>
+                        <m:t>𝑀</m:t>
+                      </m:r>
+                      <m:r>
+                        <a:rPr lang="en-US" b="0" i="1" smtClean="0">
+                          <a:latin typeface="Cambria Math" charset="0"/>
+                          <a:ea typeface="Cambria Math" charset="0"/>
+                          <a:cs typeface="Cambria Math" charset="0"/>
+                        </a:rPr>
+                        <m:t>∆</m:t>
+                      </m:r>
+                      <m:acc>
+                        <m:accPr>
+                          <m:chr m:val="̇"/>
+                          <m:ctrlPr>
+                            <a:rPr lang="en-US" b="0" i="1" smtClean="0">
+                              <a:latin typeface="Cambria Math" charset="0"/>
+                              <a:ea typeface="Cambria Math" charset="0"/>
+                              <a:cs typeface="Cambria Math" charset="0"/>
+                            </a:rPr>
+                          </m:ctrlPr>
+                        </m:accPr>
+                        <m:e>
+                          <m:r>
+                            <a:rPr lang="en-US" b="0" i="1" smtClean="0">
+                              <a:latin typeface="Cambria Math" charset="0"/>
+                              <a:ea typeface="Cambria Math" charset="0"/>
+                              <a:cs typeface="Cambria Math" charset="0"/>
+                            </a:rPr>
+                            <m:t>𝑓</m:t>
+                          </m:r>
+                        </m:e>
+                      </m:acc>
+                    </m:oMath>
+                  </m:oMathPara>
+                </a14:m>
+                <a:endParaRPr lang="en-US" i="1" dirty="0">
+                  <a:latin typeface="Cambria Math" charset="0"/>
+                  <a:ea typeface="Cambria Math" charset="0"/>
+                  <a:cs typeface="Cambria Math" charset="0"/>
+                </a:endParaRPr>
+              </a:p>
+              <a:p>
+                <a:pPr>
+                  <a:lnSpc>
+                    <a:spcPct val="100000"/>
+                  </a:lnSpc>
+                </a:pPr>
+                <a:r>
+                  <a:rPr lang="en-US" dirty="0">
+                    <a:ea typeface="Cambria Math" charset="0"/>
+                    <a:cs typeface="Cambria Math" charset="0"/>
+                  </a:rPr>
+                  <a:t>Swing </a:t>
+                </a:r>
+                <a:r>
+                  <a:rPr lang="en-US" dirty="0" smtClean="0">
+                    <a:ea typeface="Cambria Math" charset="0"/>
+                    <a:cs typeface="Cambria Math" charset="0"/>
+                  </a:rPr>
+                  <a:t>Equation:</a:t>
+                </a:r>
+              </a:p>
+              <a:p>
+                <a:pPr marL="0" indent="0">
+                  <a:lnSpc>
+                    <a:spcPct val="100000"/>
+                  </a:lnSpc>
+                  <a:buNone/>
+                </a:pPr>
+                <a14:m>
+                  <m:oMathPara xmlns:m="http://schemas.openxmlformats.org/officeDocument/2006/math">
+                    <m:oMathParaPr>
+                      <m:jc m:val="centerGroup"/>
+                    </m:oMathParaPr>
+                    <m:oMath xmlns:m="http://schemas.openxmlformats.org/officeDocument/2006/math">
+                      <m:r>
+                        <a:rPr lang="en-US" i="1">
+                          <a:latin typeface="Cambria Math" charset="0"/>
+                          <a:ea typeface="Cambria Math" charset="0"/>
+                          <a:cs typeface="Cambria Math" charset="0"/>
+                        </a:rPr>
+                        <m:t>∆</m:t>
+                      </m:r>
+                      <m:acc>
+                        <m:accPr>
+                          <m:chr m:val="̇"/>
+                          <m:ctrlPr>
+                            <a:rPr lang="en-US" i="1">
+                              <a:latin typeface="Cambria Math" charset="0"/>
+                              <a:ea typeface="Cambria Math" charset="0"/>
+                              <a:cs typeface="Cambria Math" charset="0"/>
+                            </a:rPr>
+                          </m:ctrlPr>
+                        </m:accPr>
+                        <m:e>
+                          <m:r>
+                            <a:rPr lang="en-US" i="1">
+                              <a:latin typeface="Cambria Math" charset="0"/>
+                              <a:ea typeface="Cambria Math" charset="0"/>
+                              <a:cs typeface="Cambria Math" charset="0"/>
+                            </a:rPr>
+                            <m:t>𝑓</m:t>
+                          </m:r>
+                        </m:e>
+                      </m:acc>
+                      <m:r>
+                        <a:rPr lang="en-US" i="1">
+                          <a:latin typeface="Cambria Math" charset="0"/>
+                          <a:ea typeface="Cambria Math" charset="0"/>
+                          <a:cs typeface="Cambria Math" charset="0"/>
+                        </a:rPr>
+                        <m:t>=−</m:t>
+                      </m:r>
+                      <m:f>
+                        <m:fPr>
+                          <m:ctrlPr>
+                            <a:rPr lang="mr-IN" i="1">
+                              <a:latin typeface="Cambria Math" charset="0"/>
+                              <a:ea typeface="Cambria Math" charset="0"/>
+                              <a:cs typeface="Cambria Math" charset="0"/>
+                            </a:rPr>
+                          </m:ctrlPr>
+                        </m:fPr>
+                        <m:num>
+                          <m:sSub>
+                            <m:sSubPr>
+                              <m:ctrlPr>
+                                <a:rPr lang="en-US" i="1">
+                                  <a:latin typeface="Cambria Math" charset="0"/>
+                                  <a:ea typeface="Cambria Math" charset="0"/>
+                                  <a:cs typeface="Cambria Math" charset="0"/>
+                                </a:rPr>
+                              </m:ctrlPr>
+                            </m:sSubPr>
+                            <m:e>
+                              <m:r>
+                                <a:rPr lang="en-US" i="1">
+                                  <a:latin typeface="Cambria Math" charset="0"/>
+                                  <a:ea typeface="Cambria Math" charset="0"/>
+                                  <a:cs typeface="Cambria Math" charset="0"/>
+                                </a:rPr>
+                                <m:t>𝑓</m:t>
+                              </m:r>
+                            </m:e>
+                            <m:sub>
+                              <m:r>
+                                <a:rPr lang="en-US" i="1">
+                                  <a:latin typeface="Cambria Math" charset="0"/>
+                                  <a:ea typeface="Cambria Math" charset="0"/>
+                                  <a:cs typeface="Cambria Math" charset="0"/>
+                                </a:rPr>
+                                <m:t>0</m:t>
+                              </m:r>
+                            </m:sub>
+                          </m:sSub>
+                        </m:num>
+                        <m:den>
+                          <m:r>
+                            <a:rPr lang="en-US" i="1">
+                              <a:latin typeface="Cambria Math" charset="0"/>
+                              <a:ea typeface="Cambria Math" charset="0"/>
+                              <a:cs typeface="Cambria Math" charset="0"/>
+                            </a:rPr>
+                            <m:t>2</m:t>
+                          </m:r>
+                          <m:r>
+                            <a:rPr lang="en-US" i="1">
+                              <a:latin typeface="Cambria Math" charset="0"/>
+                              <a:ea typeface="Cambria Math" charset="0"/>
+                              <a:cs typeface="Cambria Math" charset="0"/>
+                            </a:rPr>
+                            <m:t>𝐻</m:t>
+                          </m:r>
+                          <m:sSub>
+                            <m:sSubPr>
+                              <m:ctrlPr>
+                                <a:rPr lang="en-US" i="1">
+                                  <a:latin typeface="Cambria Math" charset="0"/>
+                                  <a:ea typeface="Cambria Math" charset="0"/>
+                                  <a:cs typeface="Cambria Math" charset="0"/>
+                                </a:rPr>
+                              </m:ctrlPr>
+                            </m:sSubPr>
+                            <m:e>
+                              <m:r>
+                                <a:rPr lang="en-US" i="1">
+                                  <a:latin typeface="Cambria Math" charset="0"/>
+                                  <a:ea typeface="Cambria Math" charset="0"/>
+                                  <a:cs typeface="Cambria Math" charset="0"/>
+                                </a:rPr>
+                                <m:t>𝑆</m:t>
+                              </m:r>
+                            </m:e>
+                            <m:sub>
+                              <m:r>
+                                <a:rPr lang="en-US" i="1">
+                                  <a:latin typeface="Cambria Math" charset="0"/>
+                                  <a:ea typeface="Cambria Math" charset="0"/>
+                                  <a:cs typeface="Cambria Math" charset="0"/>
+                                </a:rPr>
+                                <m:t>𝐵</m:t>
+                              </m:r>
+                            </m:sub>
+                          </m:sSub>
+                          <m:sSub>
+                            <m:sSubPr>
+                              <m:ctrlPr>
+                                <a:rPr lang="en-US" i="1">
+                                  <a:latin typeface="Cambria Math" charset="0"/>
+                                  <a:ea typeface="Cambria Math" charset="0"/>
+                                  <a:cs typeface="Cambria Math" charset="0"/>
+                                </a:rPr>
+                              </m:ctrlPr>
+                            </m:sSubPr>
+                            <m:e>
+                              <m:r>
+                                <a:rPr lang="en-US" i="1">
+                                  <a:latin typeface="Cambria Math" charset="0"/>
+                                  <a:ea typeface="Cambria Math" charset="0"/>
+                                  <a:cs typeface="Cambria Math" charset="0"/>
+                                </a:rPr>
+                                <m:t>𝐷</m:t>
+                              </m:r>
+                            </m:e>
+                            <m:sub>
+                              <m:r>
+                                <a:rPr lang="en-US" i="1">
+                                  <a:latin typeface="Cambria Math" charset="0"/>
+                                  <a:ea typeface="Cambria Math" charset="0"/>
+                                  <a:cs typeface="Cambria Math" charset="0"/>
+                                </a:rPr>
+                                <m:t>𝑙𝑜𝑎𝑑</m:t>
+                              </m:r>
+                            </m:sub>
+                          </m:sSub>
+                        </m:den>
+                      </m:f>
+                      <m:r>
+                        <a:rPr lang="mr-IN" i="1">
+                          <a:latin typeface="Cambria Math" charset="0"/>
+                          <a:ea typeface="Cambria Math" charset="0"/>
+                          <a:cs typeface="Cambria Math" charset="0"/>
+                        </a:rPr>
+                        <m:t>∆</m:t>
+                      </m:r>
+                      <m:r>
+                        <a:rPr lang="en-US" i="1">
+                          <a:latin typeface="Cambria Math" charset="0"/>
+                          <a:ea typeface="Cambria Math" charset="0"/>
+                          <a:cs typeface="Cambria Math" charset="0"/>
+                        </a:rPr>
+                        <m:t>𝑓</m:t>
+                      </m:r>
+                      <m:r>
+                        <a:rPr lang="en-US" i="1">
+                          <a:latin typeface="Cambria Math" charset="0"/>
+                          <a:ea typeface="Cambria Math" charset="0"/>
+                          <a:cs typeface="Cambria Math" charset="0"/>
+                        </a:rPr>
+                        <m:t>+</m:t>
+                      </m:r>
+                      <m:f>
+                        <m:fPr>
+                          <m:ctrlPr>
+                            <a:rPr lang="mr-IN" i="1">
+                              <a:latin typeface="Cambria Math" charset="0"/>
+                              <a:ea typeface="Cambria Math" charset="0"/>
+                              <a:cs typeface="Cambria Math" charset="0"/>
+                            </a:rPr>
+                          </m:ctrlPr>
+                        </m:fPr>
+                        <m:num>
+                          <m:sSub>
+                            <m:sSubPr>
+                              <m:ctrlPr>
+                                <a:rPr lang="en-US" i="1">
+                                  <a:latin typeface="Cambria Math" charset="0"/>
+                                  <a:ea typeface="Cambria Math" charset="0"/>
+                                  <a:cs typeface="Cambria Math" charset="0"/>
+                                </a:rPr>
+                              </m:ctrlPr>
+                            </m:sSubPr>
+                            <m:e>
+                              <m:r>
+                                <a:rPr lang="en-US" i="1">
+                                  <a:latin typeface="Cambria Math" charset="0"/>
+                                  <a:ea typeface="Cambria Math" charset="0"/>
+                                  <a:cs typeface="Cambria Math" charset="0"/>
+                                </a:rPr>
+                                <m:t>𝑓</m:t>
+                              </m:r>
+                            </m:e>
+                            <m:sub>
+                              <m:r>
+                                <a:rPr lang="en-US" i="1">
+                                  <a:latin typeface="Cambria Math" charset="0"/>
+                                  <a:ea typeface="Cambria Math" charset="0"/>
+                                  <a:cs typeface="Cambria Math" charset="0"/>
+                                </a:rPr>
+                                <m:t>0</m:t>
+                              </m:r>
+                            </m:sub>
+                          </m:sSub>
+                        </m:num>
+                        <m:den>
+                          <m:r>
+                            <a:rPr lang="en-US" i="1">
+                              <a:latin typeface="Cambria Math" charset="0"/>
+                              <a:ea typeface="Cambria Math" charset="0"/>
+                              <a:cs typeface="Cambria Math" charset="0"/>
+                            </a:rPr>
+                            <m:t>2</m:t>
+                          </m:r>
+                          <m:r>
+                            <a:rPr lang="en-US" i="1">
+                              <a:latin typeface="Cambria Math" charset="0"/>
+                              <a:ea typeface="Cambria Math" charset="0"/>
+                              <a:cs typeface="Cambria Math" charset="0"/>
+                            </a:rPr>
+                            <m:t>𝐻</m:t>
+                          </m:r>
+                          <m:sSub>
+                            <m:sSubPr>
+                              <m:ctrlPr>
+                                <a:rPr lang="en-US" i="1">
+                                  <a:latin typeface="Cambria Math" charset="0"/>
+                                  <a:ea typeface="Cambria Math" charset="0"/>
+                                  <a:cs typeface="Cambria Math" charset="0"/>
+                                </a:rPr>
+                              </m:ctrlPr>
+                            </m:sSubPr>
+                            <m:e>
+                              <m:r>
+                                <a:rPr lang="en-US" i="1">
+                                  <a:latin typeface="Cambria Math" charset="0"/>
+                                  <a:ea typeface="Cambria Math" charset="0"/>
+                                  <a:cs typeface="Cambria Math" charset="0"/>
+                                </a:rPr>
+                                <m:t>𝑆</m:t>
+                              </m:r>
+                            </m:e>
+                            <m:sub>
+                              <m:r>
+                                <a:rPr lang="en-US" i="1">
+                                  <a:latin typeface="Cambria Math" charset="0"/>
+                                  <a:ea typeface="Cambria Math" charset="0"/>
+                                  <a:cs typeface="Cambria Math" charset="0"/>
+                                </a:rPr>
+                                <m:t>𝐵</m:t>
+                              </m:r>
+                            </m:sub>
+                          </m:sSub>
+                        </m:den>
+                      </m:f>
+                      <m:r>
+                        <a:rPr lang="en-US" i="1">
+                          <a:latin typeface="Cambria Math" charset="0"/>
+                          <a:ea typeface="Cambria Math" charset="0"/>
+                          <a:cs typeface="Cambria Math" charset="0"/>
+                        </a:rPr>
+                        <m:t>(∆</m:t>
+                      </m:r>
+                      <m:r>
+                        <a:rPr lang="en-US" i="1">
+                          <a:latin typeface="Cambria Math" charset="0"/>
+                          <a:ea typeface="Cambria Math" charset="0"/>
+                          <a:cs typeface="Cambria Math" charset="0"/>
+                        </a:rPr>
+                        <m:t>𝑃</m:t>
+                      </m:r>
+                      <m:d>
+                        <m:dPr>
+                          <m:ctrlPr>
+                            <a:rPr lang="en-US" i="1">
+                              <a:latin typeface="Cambria Math" charset="0"/>
+                              <a:ea typeface="Cambria Math" charset="0"/>
+                              <a:cs typeface="Cambria Math" charset="0"/>
+                            </a:rPr>
+                          </m:ctrlPr>
+                        </m:dPr>
+                        <m:e>
+                          <m:r>
+                            <a:rPr lang="en-US" i="1">
+                              <a:latin typeface="Cambria Math" charset="0"/>
+                              <a:ea typeface="Cambria Math" charset="0"/>
+                              <a:cs typeface="Cambria Math" charset="0"/>
+                            </a:rPr>
+                            <m:t>𝑡</m:t>
+                          </m:r>
+                        </m:e>
+                      </m:d>
+                      <m:r>
+                        <a:rPr lang="en-US" i="1">
+                          <a:latin typeface="Cambria Math" charset="0"/>
+                          <a:ea typeface="Cambria Math" charset="0"/>
+                          <a:cs typeface="Cambria Math" charset="0"/>
+                        </a:rPr>
+                        <m:t>+</m:t>
+                      </m:r>
+                      <m:r>
+                        <a:rPr lang="en-US" i="1">
+                          <a:latin typeface="Cambria Math" charset="0"/>
+                          <a:ea typeface="Cambria Math" charset="0"/>
+                          <a:cs typeface="Cambria Math" charset="0"/>
+                        </a:rPr>
+                        <m:t>𝑞</m:t>
+                      </m:r>
+                      <m:r>
+                        <a:rPr lang="en-US" i="1">
+                          <a:latin typeface="Cambria Math" charset="0"/>
+                          <a:ea typeface="Cambria Math" charset="0"/>
+                          <a:cs typeface="Cambria Math" charset="0"/>
+                        </a:rPr>
+                        <m:t> − </m:t>
+                      </m:r>
+                      <m:f>
+                        <m:fPr>
+                          <m:ctrlPr>
+                            <a:rPr lang="mr-IN" i="1">
+                              <a:latin typeface="Cambria Math" charset="0"/>
+                              <a:ea typeface="Cambria Math" charset="0"/>
+                              <a:cs typeface="Cambria Math" charset="0"/>
+                            </a:rPr>
+                          </m:ctrlPr>
+                        </m:fPr>
+                        <m:num>
+                          <m:r>
+                            <a:rPr lang="en-US" i="1">
+                              <a:latin typeface="Cambria Math" charset="0"/>
+                              <a:ea typeface="Cambria Math" charset="0"/>
+                              <a:cs typeface="Cambria Math" charset="0"/>
+                            </a:rPr>
+                            <m:t>1</m:t>
+                          </m:r>
+                        </m:num>
+                        <m:den>
+                          <m:r>
+                            <a:rPr lang="en-US" i="1">
+                              <a:latin typeface="Cambria Math" charset="0"/>
+                              <a:ea typeface="Cambria Math" charset="0"/>
+                              <a:cs typeface="Cambria Math" charset="0"/>
+                            </a:rPr>
+                            <m:t>𝑅</m:t>
+                          </m:r>
+                        </m:den>
+                      </m:f>
+                      <m:r>
+                        <a:rPr lang="mr-IN" i="1">
+                          <a:latin typeface="Cambria Math" charset="0"/>
+                          <a:ea typeface="Cambria Math" charset="0"/>
+                          <a:cs typeface="Cambria Math" charset="0"/>
+                        </a:rPr>
+                        <m:t>∆</m:t>
+                      </m:r>
+                      <m:r>
+                        <a:rPr lang="en-US" i="1">
+                          <a:latin typeface="Cambria Math" charset="0"/>
+                          <a:ea typeface="Cambria Math" charset="0"/>
+                          <a:cs typeface="Cambria Math" charset="0"/>
+                        </a:rPr>
+                        <m:t>𝑓</m:t>
+                      </m:r>
+                      <m:r>
+                        <a:rPr lang="en-US" b="0" i="1" smtClean="0">
+                          <a:latin typeface="Cambria Math" charset="0"/>
+                          <a:ea typeface="Cambria Math" charset="0"/>
+                          <a:cs typeface="Cambria Math" charset="0"/>
+                        </a:rPr>
+                        <m:t>−</m:t>
+                      </m:r>
+                      <m:r>
+                        <a:rPr lang="en-US" b="0" i="1" smtClean="0">
+                          <a:latin typeface="Cambria Math" charset="0"/>
+                          <a:ea typeface="Cambria Math" charset="0"/>
+                          <a:cs typeface="Cambria Math" charset="0"/>
+                        </a:rPr>
+                        <m:t>𝑀</m:t>
+                      </m:r>
+                      <m:r>
+                        <a:rPr lang="en-US" b="0" i="1" smtClean="0">
+                          <a:latin typeface="Cambria Math" charset="0"/>
+                          <a:ea typeface="Cambria Math" charset="0"/>
+                          <a:cs typeface="Cambria Math" charset="0"/>
+                        </a:rPr>
+                        <m:t>∆</m:t>
+                      </m:r>
+                      <m:acc>
+                        <m:accPr>
+                          <m:chr m:val="̇"/>
+                          <m:ctrlPr>
+                            <a:rPr lang="en-US" b="0" i="1" smtClean="0">
+                              <a:latin typeface="Cambria Math" charset="0"/>
+                              <a:ea typeface="Cambria Math" charset="0"/>
+                              <a:cs typeface="Cambria Math" charset="0"/>
+                            </a:rPr>
+                          </m:ctrlPr>
+                        </m:accPr>
+                        <m:e>
+                          <m:r>
+                            <a:rPr lang="en-US" b="0" i="1" smtClean="0">
+                              <a:latin typeface="Cambria Math" charset="0"/>
+                              <a:ea typeface="Cambria Math" charset="0"/>
+                              <a:cs typeface="Cambria Math" charset="0"/>
+                            </a:rPr>
+                            <m:t>𝑓</m:t>
+                          </m:r>
+                        </m:e>
+                      </m:acc>
+                      <m:r>
+                        <a:rPr lang="en-US" i="1">
+                          <a:latin typeface="Cambria Math" charset="0"/>
+                          <a:ea typeface="Cambria Math" charset="0"/>
+                          <a:cs typeface="Cambria Math" charset="0"/>
+                        </a:rPr>
+                        <m:t>)</m:t>
+                      </m:r>
+                    </m:oMath>
+                  </m:oMathPara>
+                </a14:m>
+                <a:endParaRPr lang="en-US" dirty="0"/>
+              </a:p>
+              <a:p>
+                <a:pPr marL="0" indent="0">
+                  <a:lnSpc>
+                    <a:spcPct val="100000"/>
+                  </a:lnSpc>
+                  <a:buNone/>
+                </a:pPr>
+                <a:r>
+                  <a:rPr lang="en-US" dirty="0" smtClean="0">
+                    <a:ea typeface="Cambria Math" charset="0"/>
+                    <a:cs typeface="Cambria Math" charset="0"/>
+                  </a:rPr>
+                  <a:t>or</a:t>
+                </a:r>
+              </a:p>
+              <a:p>
+                <a:pPr marL="0" indent="0">
+                  <a:lnSpc>
+                    <a:spcPct val="100000"/>
+                  </a:lnSpc>
+                  <a:buNone/>
+                </a:pPr>
+                <a14:m>
+                  <m:oMathPara xmlns:m="http://schemas.openxmlformats.org/officeDocument/2006/math">
+                    <m:oMathParaPr>
+                      <m:jc m:val="centerGroup"/>
+                    </m:oMathParaPr>
+                    <m:oMath xmlns:m="http://schemas.openxmlformats.org/officeDocument/2006/math">
+                      <m:r>
+                        <a:rPr lang="en-US" i="1" smtClean="0">
+                          <a:latin typeface="Cambria Math" charset="0"/>
+                          <a:ea typeface="Cambria Math" charset="0"/>
+                          <a:cs typeface="Cambria Math" charset="0"/>
+                        </a:rPr>
+                        <m:t>∆</m:t>
+                      </m:r>
+                      <m:acc>
+                        <m:accPr>
+                          <m:chr m:val="̇"/>
+                          <m:ctrlPr>
+                            <a:rPr lang="en-US" i="1" smtClean="0">
+                              <a:latin typeface="Cambria Math" charset="0"/>
+                              <a:ea typeface="Cambria Math" charset="0"/>
+                              <a:cs typeface="Cambria Math" charset="0"/>
+                            </a:rPr>
+                          </m:ctrlPr>
+                        </m:accPr>
+                        <m:e>
+                          <m:r>
+                            <a:rPr lang="en-US" i="1">
+                              <a:latin typeface="Cambria Math" charset="0"/>
+                              <a:ea typeface="Cambria Math" charset="0"/>
+                              <a:cs typeface="Cambria Math" charset="0"/>
+                            </a:rPr>
+                            <m:t>𝑓</m:t>
+                          </m:r>
+                        </m:e>
+                      </m:acc>
+                      <m:r>
+                        <a:rPr lang="en-US" i="1" smtClean="0">
+                          <a:latin typeface="Cambria Math" charset="0"/>
+                          <a:ea typeface="Cambria Math" charset="0"/>
+                          <a:cs typeface="Cambria Math" charset="0"/>
+                        </a:rPr>
+                        <m:t>=</m:t>
+                      </m:r>
+                      <m:f>
+                        <m:fPr>
+                          <m:ctrlPr>
+                            <a:rPr lang="mr-IN" i="1" smtClean="0">
+                              <a:latin typeface="Cambria Math" charset="0"/>
+                              <a:ea typeface="Cambria Math" charset="0"/>
+                              <a:cs typeface="Cambria Math" charset="0"/>
+                            </a:rPr>
+                          </m:ctrlPr>
+                        </m:fPr>
+                        <m:num>
+                          <m:d>
+                            <m:dPr>
+                              <m:begChr m:val="["/>
+                              <m:endChr m:val="]"/>
+                              <m:ctrlPr>
+                                <a:rPr lang="en-US" i="1">
+                                  <a:latin typeface="Cambria Math" charset="0"/>
+                                  <a:ea typeface="Cambria Math" charset="0"/>
+                                  <a:cs typeface="Cambria Math" charset="0"/>
+                                </a:rPr>
+                              </m:ctrlPr>
+                            </m:dPr>
+                            <m:e>
+                              <m:d>
+                                <m:dPr>
+                                  <m:ctrlPr>
+                                    <a:rPr lang="en-US" i="1">
+                                      <a:latin typeface="Cambria Math" charset="0"/>
+                                      <a:ea typeface="Cambria Math" charset="0"/>
+                                      <a:cs typeface="Cambria Math" charset="0"/>
+                                    </a:rPr>
+                                  </m:ctrlPr>
+                                </m:dPr>
+                                <m:e>
+                                  <m:r>
+                                    <a:rPr lang="en-US" i="1">
+                                      <a:latin typeface="Cambria Math" charset="0"/>
+                                      <a:ea typeface="Cambria Math" charset="0"/>
+                                      <a:cs typeface="Cambria Math" charset="0"/>
+                                    </a:rPr>
+                                    <m:t>−</m:t>
+                                  </m:r>
+                                  <m:f>
+                                    <m:fPr>
+                                      <m:ctrlPr>
+                                        <a:rPr lang="mr-IN" i="1">
+                                          <a:latin typeface="Cambria Math" charset="0"/>
+                                          <a:ea typeface="Cambria Math" charset="0"/>
+                                          <a:cs typeface="Cambria Math" charset="0"/>
+                                        </a:rPr>
+                                      </m:ctrlPr>
+                                    </m:fPr>
+                                    <m:num>
+                                      <m:sSub>
+                                        <m:sSubPr>
+                                          <m:ctrlPr>
+                                            <a:rPr lang="en-US" i="1">
+                                              <a:latin typeface="Cambria Math" charset="0"/>
+                                              <a:ea typeface="Cambria Math" charset="0"/>
+                                              <a:cs typeface="Cambria Math" charset="0"/>
+                                            </a:rPr>
+                                          </m:ctrlPr>
+                                        </m:sSubPr>
+                                        <m:e>
+                                          <m:r>
+                                            <a:rPr lang="en-US" i="1">
+                                              <a:latin typeface="Cambria Math" charset="0"/>
+                                              <a:ea typeface="Cambria Math" charset="0"/>
+                                              <a:cs typeface="Cambria Math" charset="0"/>
+                                            </a:rPr>
+                                            <m:t>𝑓</m:t>
+                                          </m:r>
+                                        </m:e>
+                                        <m:sub>
+                                          <m:r>
+                                            <a:rPr lang="en-US" i="1">
+                                              <a:latin typeface="Cambria Math" charset="0"/>
+                                              <a:ea typeface="Cambria Math" charset="0"/>
+                                              <a:cs typeface="Cambria Math" charset="0"/>
+                                            </a:rPr>
+                                            <m:t>0</m:t>
+                                          </m:r>
+                                        </m:sub>
+                                      </m:sSub>
+                                    </m:num>
+                                    <m:den>
+                                      <m:r>
+                                        <a:rPr lang="en-US" i="1">
+                                          <a:latin typeface="Cambria Math" charset="0"/>
+                                          <a:ea typeface="Cambria Math" charset="0"/>
+                                          <a:cs typeface="Cambria Math" charset="0"/>
+                                        </a:rPr>
+                                        <m:t>2</m:t>
+                                      </m:r>
+                                      <m:r>
+                                        <a:rPr lang="en-US" i="1">
+                                          <a:latin typeface="Cambria Math" charset="0"/>
+                                          <a:ea typeface="Cambria Math" charset="0"/>
+                                          <a:cs typeface="Cambria Math" charset="0"/>
+                                        </a:rPr>
+                                        <m:t>𝐻</m:t>
+                                      </m:r>
+                                      <m:sSub>
+                                        <m:sSubPr>
+                                          <m:ctrlPr>
+                                            <a:rPr lang="en-US" i="1">
+                                              <a:latin typeface="Cambria Math" charset="0"/>
+                                              <a:ea typeface="Cambria Math" charset="0"/>
+                                              <a:cs typeface="Cambria Math" charset="0"/>
+                                            </a:rPr>
+                                          </m:ctrlPr>
+                                        </m:sSubPr>
+                                        <m:e>
+                                          <m:r>
+                                            <a:rPr lang="en-US" i="1">
+                                              <a:latin typeface="Cambria Math" charset="0"/>
+                                              <a:ea typeface="Cambria Math" charset="0"/>
+                                              <a:cs typeface="Cambria Math" charset="0"/>
+                                            </a:rPr>
+                                            <m:t>𝑆</m:t>
+                                          </m:r>
+                                        </m:e>
+                                        <m:sub>
+                                          <m:r>
+                                            <a:rPr lang="en-US" i="1">
+                                              <a:latin typeface="Cambria Math" charset="0"/>
+                                              <a:ea typeface="Cambria Math" charset="0"/>
+                                              <a:cs typeface="Cambria Math" charset="0"/>
+                                            </a:rPr>
+                                            <m:t>𝐵</m:t>
+                                          </m:r>
+                                        </m:sub>
+                                      </m:sSub>
+                                      <m:sSub>
+                                        <m:sSubPr>
+                                          <m:ctrlPr>
+                                            <a:rPr lang="en-US" i="1">
+                                              <a:latin typeface="Cambria Math" charset="0"/>
+                                              <a:ea typeface="Cambria Math" charset="0"/>
+                                              <a:cs typeface="Cambria Math" charset="0"/>
+                                            </a:rPr>
+                                          </m:ctrlPr>
+                                        </m:sSubPr>
+                                        <m:e>
+                                          <m:r>
+                                            <a:rPr lang="en-US" i="1">
+                                              <a:latin typeface="Cambria Math" charset="0"/>
+                                              <a:ea typeface="Cambria Math" charset="0"/>
+                                              <a:cs typeface="Cambria Math" charset="0"/>
+                                            </a:rPr>
+                                            <m:t>𝐷</m:t>
+                                          </m:r>
+                                        </m:e>
+                                        <m:sub>
+                                          <m:r>
+                                            <a:rPr lang="en-US" i="1">
+                                              <a:latin typeface="Cambria Math" charset="0"/>
+                                              <a:ea typeface="Cambria Math" charset="0"/>
+                                              <a:cs typeface="Cambria Math" charset="0"/>
+                                            </a:rPr>
+                                            <m:t>𝑙𝑜𝑎𝑑</m:t>
+                                          </m:r>
+                                        </m:sub>
+                                      </m:sSub>
+                                    </m:den>
+                                  </m:f>
+                                  <m:r>
+                                    <a:rPr lang="en-US" i="1">
+                                      <a:latin typeface="Cambria Math" charset="0"/>
+                                      <a:ea typeface="Cambria Math" charset="0"/>
+                                      <a:cs typeface="Cambria Math" charset="0"/>
+                                    </a:rPr>
+                                    <m:t>−</m:t>
+                                  </m:r>
+                                  <m:f>
+                                    <m:fPr>
+                                      <m:ctrlPr>
+                                        <a:rPr lang="mr-IN" i="1">
+                                          <a:latin typeface="Cambria Math" charset="0"/>
+                                          <a:ea typeface="Cambria Math" charset="0"/>
+                                          <a:cs typeface="Cambria Math" charset="0"/>
+                                        </a:rPr>
+                                      </m:ctrlPr>
+                                    </m:fPr>
+                                    <m:num>
+                                      <m:r>
+                                        <a:rPr lang="en-US" i="1">
+                                          <a:latin typeface="Cambria Math" charset="0"/>
+                                          <a:ea typeface="Cambria Math" charset="0"/>
+                                          <a:cs typeface="Cambria Math" charset="0"/>
+                                        </a:rPr>
+                                        <m:t>1</m:t>
+                                      </m:r>
+                                    </m:num>
+                                    <m:den>
+                                      <m:r>
+                                        <a:rPr lang="en-US" i="1">
+                                          <a:latin typeface="Cambria Math" charset="0"/>
+                                          <a:ea typeface="Cambria Math" charset="0"/>
+                                          <a:cs typeface="Cambria Math" charset="0"/>
+                                        </a:rPr>
+                                        <m:t>𝑅</m:t>
+                                      </m:r>
+                                    </m:den>
+                                  </m:f>
+                                </m:e>
+                              </m:d>
+                              <m:r>
+                                <a:rPr lang="mr-IN" i="1">
+                                  <a:latin typeface="Cambria Math" charset="0"/>
+                                  <a:ea typeface="Cambria Math" charset="0"/>
+                                  <a:cs typeface="Cambria Math" charset="0"/>
+                                </a:rPr>
+                                <m:t>∆</m:t>
+                              </m:r>
+                              <m:r>
+                                <a:rPr lang="en-US" i="1">
+                                  <a:latin typeface="Cambria Math" charset="0"/>
+                                  <a:ea typeface="Cambria Math" charset="0"/>
+                                  <a:cs typeface="Cambria Math" charset="0"/>
+                                </a:rPr>
+                                <m:t>𝑓</m:t>
+                              </m:r>
+                              <m:r>
+                                <a:rPr lang="en-US" i="1">
+                                  <a:latin typeface="Cambria Math" charset="0"/>
+                                  <a:ea typeface="Cambria Math" charset="0"/>
+                                  <a:cs typeface="Cambria Math" charset="0"/>
+                                </a:rPr>
+                                <m:t>+</m:t>
+                              </m:r>
+                              <m:f>
+                                <m:fPr>
+                                  <m:ctrlPr>
+                                    <a:rPr lang="mr-IN" i="1">
+                                      <a:latin typeface="Cambria Math" charset="0"/>
+                                      <a:ea typeface="Cambria Math" charset="0"/>
+                                      <a:cs typeface="Cambria Math" charset="0"/>
+                                    </a:rPr>
+                                  </m:ctrlPr>
+                                </m:fPr>
+                                <m:num>
+                                  <m:sSub>
+                                    <m:sSubPr>
+                                      <m:ctrlPr>
+                                        <a:rPr lang="en-US" i="1">
+                                          <a:latin typeface="Cambria Math" charset="0"/>
+                                          <a:ea typeface="Cambria Math" charset="0"/>
+                                          <a:cs typeface="Cambria Math" charset="0"/>
+                                        </a:rPr>
+                                      </m:ctrlPr>
+                                    </m:sSubPr>
+                                    <m:e>
+                                      <m:r>
+                                        <a:rPr lang="en-US" i="1">
+                                          <a:latin typeface="Cambria Math" charset="0"/>
+                                          <a:ea typeface="Cambria Math" charset="0"/>
+                                          <a:cs typeface="Cambria Math" charset="0"/>
+                                        </a:rPr>
+                                        <m:t>𝑓</m:t>
+                                      </m:r>
+                                    </m:e>
+                                    <m:sub>
+                                      <m:r>
+                                        <a:rPr lang="en-US" i="1">
+                                          <a:latin typeface="Cambria Math" charset="0"/>
+                                          <a:ea typeface="Cambria Math" charset="0"/>
+                                          <a:cs typeface="Cambria Math" charset="0"/>
+                                        </a:rPr>
+                                        <m:t>0</m:t>
+                                      </m:r>
+                                    </m:sub>
+                                  </m:sSub>
+                                </m:num>
+                                <m:den>
+                                  <m:r>
+                                    <a:rPr lang="en-US" i="1">
+                                      <a:latin typeface="Cambria Math" charset="0"/>
+                                      <a:ea typeface="Cambria Math" charset="0"/>
+                                      <a:cs typeface="Cambria Math" charset="0"/>
+                                    </a:rPr>
+                                    <m:t>2</m:t>
+                                  </m:r>
+                                  <m:r>
+                                    <a:rPr lang="en-US" i="1">
+                                      <a:latin typeface="Cambria Math" charset="0"/>
+                                      <a:ea typeface="Cambria Math" charset="0"/>
+                                      <a:cs typeface="Cambria Math" charset="0"/>
+                                    </a:rPr>
+                                    <m:t>𝐻</m:t>
+                                  </m:r>
+                                  <m:sSub>
+                                    <m:sSubPr>
+                                      <m:ctrlPr>
+                                        <a:rPr lang="en-US" i="1">
+                                          <a:latin typeface="Cambria Math" charset="0"/>
+                                          <a:ea typeface="Cambria Math" charset="0"/>
+                                          <a:cs typeface="Cambria Math" charset="0"/>
+                                        </a:rPr>
+                                      </m:ctrlPr>
+                                    </m:sSubPr>
+                                    <m:e>
+                                      <m:r>
+                                        <a:rPr lang="en-US" i="1">
+                                          <a:latin typeface="Cambria Math" charset="0"/>
+                                          <a:ea typeface="Cambria Math" charset="0"/>
+                                          <a:cs typeface="Cambria Math" charset="0"/>
+                                        </a:rPr>
+                                        <m:t>𝑆</m:t>
+                                      </m:r>
+                                    </m:e>
+                                    <m:sub>
+                                      <m:r>
+                                        <a:rPr lang="en-US" i="1">
+                                          <a:latin typeface="Cambria Math" charset="0"/>
+                                          <a:ea typeface="Cambria Math" charset="0"/>
+                                          <a:cs typeface="Cambria Math" charset="0"/>
+                                        </a:rPr>
+                                        <m:t>𝐵</m:t>
+                                      </m:r>
+                                    </m:sub>
+                                  </m:sSub>
+                                </m:den>
+                              </m:f>
+                              <m:d>
+                                <m:dPr>
+                                  <m:ctrlPr>
+                                    <a:rPr lang="en-US" i="1">
+                                      <a:latin typeface="Cambria Math" charset="0"/>
+                                      <a:ea typeface="Cambria Math" charset="0"/>
+                                      <a:cs typeface="Cambria Math" charset="0"/>
+                                    </a:rPr>
+                                  </m:ctrlPr>
+                                </m:dPr>
+                                <m:e>
+                                  <m:r>
+                                    <a:rPr lang="en-US" i="1">
+                                      <a:latin typeface="Cambria Math" charset="0"/>
+                                      <a:ea typeface="Cambria Math" charset="0"/>
+                                      <a:cs typeface="Cambria Math" charset="0"/>
+                                    </a:rPr>
+                                    <m:t>∆</m:t>
+                                  </m:r>
+                                  <m:r>
+                                    <a:rPr lang="en-US" b="0" i="1" smtClean="0">
+                                      <a:latin typeface="Cambria Math" charset="0"/>
+                                      <a:ea typeface="Cambria Math" charset="0"/>
+                                      <a:cs typeface="Cambria Math" charset="0"/>
+                                    </a:rPr>
+                                    <m:t>𝑃</m:t>
+                                  </m:r>
+                                  <m:r>
+                                    <a:rPr lang="en-US" b="0" i="1" smtClean="0">
+                                      <a:latin typeface="Cambria Math" charset="0"/>
+                                      <a:ea typeface="Cambria Math" charset="0"/>
+                                      <a:cs typeface="Cambria Math" charset="0"/>
+                                    </a:rPr>
+                                    <m:t>(</m:t>
+                                  </m:r>
+                                  <m:r>
+                                    <a:rPr lang="en-US" b="0" i="1" smtClean="0">
+                                      <a:latin typeface="Cambria Math" charset="0"/>
+                                      <a:ea typeface="Cambria Math" charset="0"/>
+                                      <a:cs typeface="Cambria Math" charset="0"/>
+                                    </a:rPr>
+                                    <m:t>𝑡</m:t>
+                                  </m:r>
+                                  <m:r>
+                                    <a:rPr lang="en-US" b="0" i="1" smtClean="0">
+                                      <a:latin typeface="Cambria Math" charset="0"/>
+                                      <a:ea typeface="Cambria Math" charset="0"/>
+                                      <a:cs typeface="Cambria Math" charset="0"/>
+                                    </a:rPr>
+                                    <m:t>)+</m:t>
+                                  </m:r>
+                                  <m:r>
+                                    <a:rPr lang="en-US" i="1">
+                                      <a:latin typeface="Cambria Math" charset="0"/>
+                                      <a:ea typeface="Cambria Math" charset="0"/>
+                                      <a:cs typeface="Cambria Math" charset="0"/>
+                                    </a:rPr>
+                                    <m:t>𝑞</m:t>
+                                  </m:r>
+                                  <m:r>
+                                    <a:rPr lang="en-US" i="1">
+                                      <a:latin typeface="Cambria Math" charset="0"/>
+                                      <a:ea typeface="Cambria Math" charset="0"/>
+                                      <a:cs typeface="Cambria Math" charset="0"/>
+                                    </a:rPr>
+                                    <m:t> </m:t>
+                                  </m:r>
+                                </m:e>
+                              </m:d>
+                            </m:e>
+                          </m:d>
+                        </m:num>
+                        <m:den>
+                          <m:r>
+                            <a:rPr lang="en-US" b="0" i="1" smtClean="0">
+                              <a:latin typeface="Cambria Math" charset="0"/>
+                              <a:ea typeface="Cambria Math" charset="0"/>
+                              <a:cs typeface="Cambria Math" charset="0"/>
+                            </a:rPr>
+                            <m:t>1+</m:t>
+                          </m:r>
+                          <m:r>
+                            <a:rPr lang="en-US" b="0" i="1" smtClean="0">
+                              <a:latin typeface="Cambria Math" charset="0"/>
+                              <a:ea typeface="Cambria Math" charset="0"/>
+                              <a:cs typeface="Cambria Math" charset="0"/>
+                            </a:rPr>
+                            <m:t>𝑀</m:t>
+                          </m:r>
+                        </m:den>
+                      </m:f>
+                    </m:oMath>
+                  </m:oMathPara>
+                </a14:m>
+                <a:endParaRPr lang="en-US" dirty="0"/>
+              </a:p>
+              <a:p>
+                <a:pPr>
+                  <a:lnSpc>
+                    <a:spcPct val="100000"/>
+                  </a:lnSpc>
+                </a:pPr>
+                <a:endParaRPr lang="en-US" dirty="0"/>
+              </a:p>
+              <a:p>
+                <a:endParaRPr lang="en-US" dirty="0"/>
+              </a:p>
+            </p:txBody>
+          </p:sp>
+        </mc:Choice>
+        <mc:Fallback>
+          <p:sp>
+            <p:nvSpPr>
+              <p:cNvPr id="3" name="Content Placeholder 2"/>
+              <p:cNvSpPr>
+                <a:spLocks noGrp="1" noRot="1" noChangeAspect="1" noMove="1" noResize="1" noEditPoints="1" noAdjustHandles="1" noChangeArrowheads="1" noChangeShapeType="1" noTextEdit="1"/>
+              </p:cNvSpPr>
+              <p:nvPr>
+                <p:ph idx="1"/>
+              </p:nvPr>
+            </p:nvSpPr>
+            <p:spPr>
+              <a:blipFill rotWithShape="0">
+                <a:blip r:embed="rId2"/>
+                <a:stretch>
+                  <a:fillRect l="-756" t="-700"/>
+                </a:stretch>
+              </a:blipFill>
+            </p:spPr>
+            <p:txBody>
+              <a:bodyPr/>
+              <a:lstStyle/>
+              <a:p>
+                <a:r>
+                  <a:rPr lang="en-US">
+                    <a:noFill/>
+                  </a:rPr>
+                  <a:t> </a:t>
+                </a:r>
+              </a:p>
+            </p:txBody>
+          </p:sp>
+        </mc:Fallback>
+      </mc:AlternateContent>
     </p:spTree>
     <p:extLst>
       <p:ext uri="{BB962C8B-B14F-4D97-AF65-F5344CB8AC3E}">
-        <p14:creationId xmlns:p14="http://schemas.microsoft.com/office/powerpoint/2010/main" val="1818619930"/>
+        <p14:creationId xmlns:p14="http://schemas.microsoft.com/office/powerpoint/2010/main" val="118948499"/>
       </p:ext>
     </p:extLst>
   </p:cSld>
@@ -6037,46 +7674,46 @@
           <a:lstStyle/>
           <a:p>
             <a:r>
-              <a:rPr lang="en-US" dirty="0" err="1" smtClean="0"/>
-              <a:t>Deloading</a:t>
+              <a:rPr lang="en-US" dirty="0" smtClean="0"/>
+              <a:t>Results</a:t>
             </a:r>
             <a:endParaRPr lang="en-US" dirty="0"/>
           </a:p>
         </p:txBody>
       </p:sp>
-      <p:sp>
-        <p:nvSpPr>
-          <p:cNvPr id="3" name="Content Placeholder 2"/>
-          <p:cNvSpPr>
-            <a:spLocks noGrp="1"/>
-          </p:cNvSpPr>
+      <p:pic>
+        <p:nvPicPr>
+          <p:cNvPr id="4" name="Content Placeholder 3"/>
+          <p:cNvPicPr>
+            <a:picLocks noGrp="1" noChangeAspect="1"/>
+          </p:cNvPicPr>
           <p:nvPr>
             <p:ph idx="1"/>
           </p:nvPr>
-        </p:nvSpPr>
-        <p:spPr/>
-        <p:txBody>
-          <a:bodyPr/>
-          <a:lstStyle/>
-          <a:p>
-            <a:r>
-              <a:rPr lang="en-US" dirty="0" smtClean="0"/>
-              <a:t>Pros: Provides primary control for longer periods of time</a:t>
-            </a:r>
-          </a:p>
-          <a:p>
-            <a:r>
-              <a:rPr lang="en-US" dirty="0" smtClean="0"/>
-              <a:t>Cons: Inefficient and expensive</a:t>
-            </a:r>
-            <a:endParaRPr lang="en-US" dirty="0"/>
-          </a:p>
-        </p:txBody>
-      </p:sp>
+        </p:nvPicPr>
+        <p:blipFill>
+          <a:blip r:embed="rId2">
+            <a:extLst>
+              <a:ext uri="{28A0092B-C50C-407E-A947-70E740481C1C}">
+                <a14:useLocalDpi xmlns:a14="http://schemas.microsoft.com/office/drawing/2010/main" val="0"/>
+              </a:ext>
+            </a:extLst>
+          </a:blip>
+          <a:stretch>
+            <a:fillRect/>
+          </a:stretch>
+        </p:blipFill>
+        <p:spPr>
+          <a:xfrm>
+            <a:off x="533326" y="1691322"/>
+            <a:ext cx="6746705" cy="5127859"/>
+          </a:xfrm>
+        </p:spPr>
+      </p:pic>
     </p:spTree>
     <p:extLst>
       <p:ext uri="{BB962C8B-B14F-4D97-AF65-F5344CB8AC3E}">
-        <p14:creationId xmlns:p14="http://schemas.microsoft.com/office/powerpoint/2010/main" val="1632728426"/>
+        <p14:creationId xmlns:p14="http://schemas.microsoft.com/office/powerpoint/2010/main" val="1364133726"/>
       </p:ext>
     </p:extLst>
   </p:cSld>
@@ -6103,436 +7740,211 @@
           <a:chExt cx="0" cy="0"/>
         </a:xfrm>
       </p:grpSpPr>
-      <p:sp>
-        <p:nvSpPr>
-          <p:cNvPr id="2" name="Title 1"/>
-          <p:cNvSpPr>
-            <a:spLocks noGrp="1"/>
-          </p:cNvSpPr>
-          <p:nvPr>
-            <p:ph type="title"/>
-          </p:nvPr>
-        </p:nvSpPr>
-        <p:spPr/>
-        <p:txBody>
-          <a:bodyPr/>
-          <a:lstStyle/>
-          <a:p>
-            <a:r>
-              <a:rPr lang="en-US" dirty="0" smtClean="0"/>
-              <a:t>References</a:t>
-            </a:r>
-            <a:endParaRPr lang="en-US" dirty="0"/>
-          </a:p>
-        </p:txBody>
-      </p:sp>
-      <p:sp>
-        <p:nvSpPr>
-          <p:cNvPr id="3" name="Content Placeholder 2"/>
-          <p:cNvSpPr>
-            <a:spLocks noGrp="1"/>
-          </p:cNvSpPr>
+      <p:pic>
+        <p:nvPicPr>
+          <p:cNvPr id="4" name="Content Placeholder 3"/>
+          <p:cNvPicPr>
+            <a:picLocks noGrp="1" noChangeAspect="1"/>
+          </p:cNvPicPr>
           <p:nvPr>
             <p:ph idx="1"/>
           </p:nvPr>
-        </p:nvSpPr>
+        </p:nvPicPr>
+        <p:blipFill rotWithShape="1">
+          <a:blip r:embed="rId2">
+            <a:extLst>
+              <a:ext uri="{28A0092B-C50C-407E-A947-70E740481C1C}">
+                <a14:useLocalDpi xmlns:a14="http://schemas.microsoft.com/office/drawing/2010/main" val="0"/>
+              </a:ext>
+            </a:extLst>
+          </a:blip>
+          <a:srcRect l="7321" r="6046"/>
+          <a:stretch/>
+        </p:blipFill>
         <p:spPr>
           <a:xfrm>
-            <a:off x="457200" y="1617453"/>
-            <a:ext cx="8229600" cy="4525963"/>
+            <a:off x="0" y="615462"/>
+            <a:ext cx="8222421" cy="5591908"/>
           </a:xfrm>
         </p:spPr>
-        <p:txBody>
-          <a:bodyPr>
-            <a:normAutofit fontScale="70000" lnSpcReduction="20000"/>
-          </a:bodyPr>
-          <a:lstStyle/>
-          <a:p>
-            <a:pPr marL="0" indent="0">
-              <a:buNone/>
-            </a:pPr>
-            <a:r>
-              <a:rPr lang="en-US" dirty="0"/>
-              <a:t>[1</a:t>
-            </a:r>
-            <a:r>
-              <a:rPr lang="en-US" dirty="0" smtClean="0"/>
-              <a:t>]	A</a:t>
-            </a:r>
-            <a:r>
-              <a:rPr lang="en-US" dirty="0"/>
-              <a:t>. </a:t>
-            </a:r>
-            <a:r>
-              <a:rPr lang="en-US" dirty="0" err="1"/>
-              <a:t>Ulbig</a:t>
-            </a:r>
-            <a:r>
-              <a:rPr lang="en-US" dirty="0"/>
-              <a:t>, T. </a:t>
-            </a:r>
-            <a:r>
-              <a:rPr lang="en-US" dirty="0" err="1"/>
-              <a:t>Borsche</a:t>
-            </a:r>
-            <a:r>
-              <a:rPr lang="en-US" dirty="0"/>
-              <a:t> and G. </a:t>
-            </a:r>
-            <a:r>
-              <a:rPr lang="en-US" dirty="0" err="1"/>
-              <a:t>Andersson</a:t>
-            </a:r>
-            <a:r>
-              <a:rPr lang="en-US" dirty="0"/>
-              <a:t>, "Impact of Low Rotational Inertia on Power System Stability </a:t>
-            </a:r>
-            <a:r>
-              <a:rPr lang="en-US" dirty="0" smtClean="0"/>
-              <a:t>	and </a:t>
-            </a:r>
-            <a:r>
-              <a:rPr lang="en-US" dirty="0"/>
-              <a:t>Operation", </a:t>
-            </a:r>
-            <a:r>
-              <a:rPr lang="en-US" i="1" dirty="0"/>
-              <a:t>IFAC Proceedings Volumes</a:t>
-            </a:r>
-            <a:r>
-              <a:rPr lang="en-US" dirty="0"/>
-              <a:t>, vol. 47, no. 3, pp. 7290-7297, 2014.</a:t>
-            </a:r>
-          </a:p>
-          <a:p>
-            <a:pPr marL="0" indent="0">
-              <a:buNone/>
-            </a:pPr>
-            <a:r>
-              <a:rPr lang="en-US" dirty="0"/>
-              <a:t>[2</a:t>
-            </a:r>
-            <a:r>
-              <a:rPr lang="en-US" dirty="0" smtClean="0"/>
-              <a:t>]	H</a:t>
-            </a:r>
-            <a:r>
-              <a:rPr lang="en-US" dirty="0"/>
-              <a:t>. Chiang, F. Wu and P. </a:t>
-            </a:r>
-            <a:r>
-              <a:rPr lang="en-US" dirty="0" err="1"/>
-              <a:t>Varaiya</a:t>
-            </a:r>
-            <a:r>
-              <a:rPr lang="en-US" dirty="0"/>
-              <a:t>, "Foundations of direct methods for power system transient </a:t>
-            </a:r>
-            <a:r>
-              <a:rPr lang="en-US" dirty="0" smtClean="0"/>
-              <a:t>	stability </a:t>
-            </a:r>
-            <a:r>
-              <a:rPr lang="en-US" dirty="0"/>
-              <a:t>analysis", </a:t>
-            </a:r>
-            <a:r>
-              <a:rPr lang="en-US" i="1" dirty="0"/>
-              <a:t>IEEE Transactions on Circuits and Systems</a:t>
-            </a:r>
-            <a:r>
-              <a:rPr lang="en-US" dirty="0"/>
-              <a:t>, vol. 34, no. 2, pp. 160-173, 1987.</a:t>
-            </a:r>
-          </a:p>
-          <a:p>
-            <a:pPr marL="0" indent="0">
-              <a:buNone/>
-            </a:pPr>
-            <a:r>
-              <a:rPr lang="en-US" dirty="0"/>
-              <a:t>[3</a:t>
-            </a:r>
-            <a:r>
-              <a:rPr lang="en-US" dirty="0" smtClean="0"/>
-              <a:t>]	P</a:t>
-            </a:r>
-            <a:r>
-              <a:rPr lang="en-US" dirty="0"/>
-              <a:t>. </a:t>
-            </a:r>
-            <a:r>
-              <a:rPr lang="en-US" dirty="0" err="1"/>
-              <a:t>Varaiya</a:t>
-            </a:r>
-            <a:r>
-              <a:rPr lang="en-US" dirty="0"/>
-              <a:t>, F. Wu and R. Chen, "Direct methods for transient stability analysis of power systems: </a:t>
-            </a:r>
-            <a:r>
-              <a:rPr lang="en-US" dirty="0" smtClean="0"/>
-              <a:t>	Recent </a:t>
-            </a:r>
-            <a:r>
-              <a:rPr lang="en-US" dirty="0"/>
-              <a:t>results", </a:t>
-            </a:r>
-            <a:r>
-              <a:rPr lang="en-US" i="1" dirty="0"/>
-              <a:t>Proceedings of the IEEE</a:t>
-            </a:r>
-            <a:r>
-              <a:rPr lang="en-US" dirty="0"/>
-              <a:t>, vol. 73, no. 12, pp. 1703-1715, 1985.</a:t>
-            </a:r>
-          </a:p>
-          <a:p>
-            <a:pPr marL="0" indent="0">
-              <a:buNone/>
-            </a:pPr>
-            <a:r>
-              <a:rPr lang="en-US" dirty="0"/>
-              <a:t>[</a:t>
-            </a:r>
-            <a:r>
-              <a:rPr lang="en-US" dirty="0" smtClean="0"/>
-              <a:t>4	]</a:t>
-            </a:r>
-            <a:r>
-              <a:rPr lang="en-US" dirty="0"/>
-              <a:t>R. Yan and T. </a:t>
-            </a:r>
-            <a:r>
-              <a:rPr lang="en-US" dirty="0" err="1"/>
-              <a:t>Saha</a:t>
-            </a:r>
-            <a:r>
-              <a:rPr lang="en-US" dirty="0"/>
-              <a:t>, "Frequency response estimation method for high wind penetration </a:t>
-            </a:r>
-            <a:r>
-              <a:rPr lang="en-US" dirty="0" smtClean="0"/>
-              <a:t>	considering </a:t>
-            </a:r>
-            <a:r>
-              <a:rPr lang="en-US" dirty="0"/>
-              <a:t>wind turbine frequency support functions", </a:t>
-            </a:r>
-            <a:r>
-              <a:rPr lang="en-US" i="1" dirty="0"/>
-              <a:t>IET Renewable Power Generation</a:t>
-            </a:r>
-            <a:r>
-              <a:rPr lang="en-US" dirty="0"/>
-              <a:t>, vol. 9, </a:t>
-            </a:r>
-            <a:r>
-              <a:rPr lang="en-US" dirty="0" smtClean="0"/>
-              <a:t>	no</a:t>
-            </a:r>
-            <a:r>
-              <a:rPr lang="en-US" dirty="0"/>
-              <a:t>. 7, pp. 775-782, 2015.</a:t>
-            </a:r>
-          </a:p>
-          <a:p>
-            <a:pPr marL="0" indent="0">
-              <a:buNone/>
-            </a:pPr>
-            <a:r>
-              <a:rPr lang="en-US" dirty="0"/>
-              <a:t>[5</a:t>
-            </a:r>
-            <a:r>
-              <a:rPr lang="en-US" dirty="0" smtClean="0"/>
-              <a:t>]	M</a:t>
-            </a:r>
-            <a:r>
-              <a:rPr lang="en-US" dirty="0"/>
-              <a:t>. Chan, R. Dunlop and F. </a:t>
-            </a:r>
-            <a:r>
-              <a:rPr lang="en-US" dirty="0" err="1"/>
-              <a:t>Schweppe</a:t>
-            </a:r>
-            <a:r>
-              <a:rPr lang="en-US" dirty="0"/>
-              <a:t>, "Dynamic Equivalents for Average System Frequency </a:t>
-            </a:r>
-            <a:r>
-              <a:rPr lang="en-US" dirty="0" smtClean="0"/>
-              <a:t>	Behavior </a:t>
-            </a:r>
-            <a:r>
-              <a:rPr lang="en-US" dirty="0"/>
-              <a:t>Following Major </a:t>
-            </a:r>
-            <a:r>
-              <a:rPr lang="en-US" dirty="0" smtClean="0"/>
-              <a:t>Disturbances</a:t>
-            </a:r>
-            <a:r>
-              <a:rPr lang="en-US" dirty="0"/>
-              <a:t>", </a:t>
-            </a:r>
-            <a:r>
-              <a:rPr lang="en-US" i="1" dirty="0"/>
-              <a:t>IEEE Transactions on Power Apparatus and Systems</a:t>
-            </a:r>
-            <a:r>
-              <a:rPr lang="en-US" dirty="0"/>
-              <a:t>, vol. </a:t>
-            </a:r>
-            <a:r>
-              <a:rPr lang="en-US" dirty="0" smtClean="0"/>
-              <a:t>-	91</a:t>
-            </a:r>
-            <a:r>
-              <a:rPr lang="en-US" dirty="0"/>
-              <a:t>, no. 4, pp. 1637-1642, 1972.</a:t>
-            </a:r>
-          </a:p>
-          <a:p>
-            <a:pPr marL="0" indent="0">
-              <a:buNone/>
-            </a:pPr>
-            <a:r>
-              <a:rPr lang="en-US" dirty="0"/>
-              <a:t>[6</a:t>
-            </a:r>
-            <a:r>
-              <a:rPr lang="en-US" dirty="0" smtClean="0"/>
-              <a:t>]	B</a:t>
-            </a:r>
-            <a:r>
-              <a:rPr lang="en-US" dirty="0"/>
-              <a:t>. </a:t>
-            </a:r>
-            <a:r>
-              <a:rPr lang="en-US" dirty="0" err="1"/>
-              <a:t>Poolla</a:t>
-            </a:r>
-            <a:r>
-              <a:rPr lang="en-US" dirty="0"/>
-              <a:t>, S. </a:t>
-            </a:r>
-            <a:r>
-              <a:rPr lang="en-US" dirty="0" err="1"/>
-              <a:t>Bolognani</a:t>
-            </a:r>
-            <a:r>
-              <a:rPr lang="en-US" dirty="0"/>
-              <a:t> and F. </a:t>
-            </a:r>
-            <a:r>
-              <a:rPr lang="en-US" dirty="0" err="1"/>
-              <a:t>Dorfler</a:t>
-            </a:r>
-            <a:r>
-              <a:rPr lang="en-US" dirty="0"/>
-              <a:t>, "Optimal Placement of Virtual Inertia in Power Grids", </a:t>
-            </a:r>
-            <a:r>
-              <a:rPr lang="en-US" i="1" dirty="0"/>
-              <a:t>IEEE </a:t>
-            </a:r>
-            <a:r>
-              <a:rPr lang="en-US" i="1" dirty="0" smtClean="0"/>
-              <a:t>	Transactions </a:t>
-            </a:r>
-            <a:r>
-              <a:rPr lang="en-US" i="1" dirty="0"/>
-              <a:t>on Automatic Control</a:t>
-            </a:r>
-            <a:r>
-              <a:rPr lang="en-US" dirty="0"/>
-              <a:t>, vol., no. 99, pp. 1-1, 2016.</a:t>
-            </a:r>
-          </a:p>
-          <a:p>
-            <a:pPr marL="0" indent="0">
-              <a:buNone/>
-            </a:pPr>
-            <a:r>
-              <a:rPr lang="en-US" dirty="0"/>
-              <a:t>[7</a:t>
-            </a:r>
-            <a:r>
-              <a:rPr lang="en-US" dirty="0" smtClean="0"/>
-              <a:t>]	N</a:t>
-            </a:r>
-            <a:r>
-              <a:rPr lang="en-US" dirty="0"/>
-              <a:t>. Miller, M. Shao, S. </a:t>
-            </a:r>
-            <a:r>
-              <a:rPr lang="en-US" dirty="0" err="1"/>
-              <a:t>Venkataraman</a:t>
-            </a:r>
-            <a:r>
-              <a:rPr lang="en-US" dirty="0"/>
-              <a:t>, C. </a:t>
-            </a:r>
-            <a:r>
-              <a:rPr lang="en-US" dirty="0" err="1"/>
-              <a:t>Loutan</a:t>
-            </a:r>
-            <a:r>
-              <a:rPr lang="en-US" dirty="0"/>
-              <a:t> and M. </a:t>
-            </a:r>
-            <a:r>
-              <a:rPr lang="en-US" dirty="0" err="1"/>
-              <a:t>Rothleder</a:t>
-            </a:r>
-            <a:r>
-              <a:rPr lang="en-US" dirty="0"/>
-              <a:t>, "Frequency response of </a:t>
-            </a:r>
-            <a:r>
-              <a:rPr lang="en-US" dirty="0" smtClean="0"/>
-              <a:t>	California </a:t>
-            </a:r>
-            <a:r>
-              <a:rPr lang="en-US" dirty="0"/>
-              <a:t>and WECC under high wind and solar conditions", </a:t>
-            </a:r>
-            <a:r>
-              <a:rPr lang="en-US" i="1" dirty="0"/>
-              <a:t>2012 IEEE Power and Energy Society </a:t>
-            </a:r>
-            <a:r>
-              <a:rPr lang="en-US" i="1" dirty="0" smtClean="0"/>
-              <a:t>	General </a:t>
-            </a:r>
-            <a:r>
-              <a:rPr lang="en-US" i="1" dirty="0"/>
-              <a:t>Meeting</a:t>
-            </a:r>
-            <a:r>
-              <a:rPr lang="en-US" dirty="0"/>
-              <a:t>, pp. 1-8, 2012.</a:t>
-            </a:r>
-          </a:p>
-          <a:p>
-            <a:pPr marL="0" indent="0">
-              <a:buNone/>
-            </a:pPr>
-            <a:r>
-              <a:rPr lang="en-US" dirty="0"/>
-              <a:t/>
-            </a:r>
-            <a:br>
-              <a:rPr lang="en-US" dirty="0"/>
-            </a:br>
-            <a:endParaRPr lang="en-US" dirty="0"/>
-          </a:p>
-        </p:txBody>
-      </p:sp>
+      </p:pic>
     </p:spTree>
     <p:extLst>
       <p:ext uri="{BB962C8B-B14F-4D97-AF65-F5344CB8AC3E}">
-        <p14:creationId xmlns:p14="http://schemas.microsoft.com/office/powerpoint/2010/main" val="2039904875"/>
+        <p14:creationId xmlns:p14="http://schemas.microsoft.com/office/powerpoint/2010/main" val="1032907517"/>
+      </p:ext>
+    </p:extLst>
+  </p:cSld>
+  <p:clrMapOvr>
+    <a:masterClrMapping/>
+  </p:clrMapOvr>
+</p:sld>
+</file>
+
+<file path=ppt/slides/slide18.xml><?xml version="1.0" encoding="utf-8"?>
+<p:sld xmlns:a="http://schemas.openxmlformats.org/drawingml/2006/main" xmlns:r="http://schemas.openxmlformats.org/officeDocument/2006/relationships" xmlns:p="http://schemas.openxmlformats.org/presentationml/2006/main">
+  <p:cSld>
+    <p:spTree>
+      <p:nvGrpSpPr>
+        <p:cNvPr id="1" name=""/>
+        <p:cNvGrpSpPr/>
+        <p:nvPr/>
+      </p:nvGrpSpPr>
+      <p:grpSpPr>
+        <a:xfrm>
+          <a:off x="0" y="0"/>
+          <a:ext cx="0" cy="0"/>
+          <a:chOff x="0" y="0"/>
+          <a:chExt cx="0" cy="0"/>
+        </a:xfrm>
+      </p:grpSpPr>
+      <p:sp>
+        <p:nvSpPr>
+          <p:cNvPr id="2" name="Title 1"/>
+          <p:cNvSpPr>
+            <a:spLocks noGrp="1"/>
+          </p:cNvSpPr>
+          <p:nvPr>
+            <p:ph type="title"/>
+          </p:nvPr>
+        </p:nvSpPr>
+        <p:spPr/>
+        <p:txBody>
+          <a:bodyPr/>
+          <a:lstStyle/>
+          <a:p>
+            <a:r>
+              <a:rPr lang="en-US" dirty="0" smtClean="0"/>
+              <a:t>Proposed Methods</a:t>
+            </a:r>
+            <a:endParaRPr lang="en-US" dirty="0"/>
+          </a:p>
+        </p:txBody>
+      </p:sp>
+      <p:sp>
+        <p:nvSpPr>
+          <p:cNvPr id="3" name="Content Placeholder 2"/>
+          <p:cNvSpPr>
+            <a:spLocks noGrp="1"/>
+          </p:cNvSpPr>
+          <p:nvPr>
+            <p:ph idx="1"/>
+          </p:nvPr>
+        </p:nvSpPr>
+        <p:spPr/>
+        <p:txBody>
+          <a:bodyPr/>
+          <a:lstStyle/>
+          <a:p>
+            <a:r>
+              <a:rPr lang="en-US" dirty="0" smtClean="0"/>
+              <a:t>Synthetic or Virtual Inertia</a:t>
+            </a:r>
+          </a:p>
+          <a:p>
+            <a:r>
+              <a:rPr lang="en-US" dirty="0" smtClean="0"/>
+              <a:t>Energy Storage Systems</a:t>
+            </a:r>
+          </a:p>
+          <a:p>
+            <a:r>
+              <a:rPr lang="en-US" dirty="0" err="1" smtClean="0"/>
+              <a:t>Deloading</a:t>
+            </a:r>
+            <a:endParaRPr lang="en-US" dirty="0" smtClean="0"/>
+          </a:p>
+          <a:p>
+            <a:endParaRPr lang="en-US" dirty="0" smtClean="0"/>
+          </a:p>
+        </p:txBody>
+      </p:sp>
+    </p:spTree>
+    <p:extLst>
+      <p:ext uri="{BB962C8B-B14F-4D97-AF65-F5344CB8AC3E}">
+        <p14:creationId xmlns:p14="http://schemas.microsoft.com/office/powerpoint/2010/main" val="1775937893"/>
+      </p:ext>
+    </p:extLst>
+  </p:cSld>
+  <p:clrMapOvr>
+    <a:masterClrMapping/>
+  </p:clrMapOvr>
+</p:sld>
+</file>
+
+<file path=ppt/slides/slide19.xml><?xml version="1.0" encoding="utf-8"?>
+<p:sld xmlns:a="http://schemas.openxmlformats.org/drawingml/2006/main" xmlns:r="http://schemas.openxmlformats.org/officeDocument/2006/relationships" xmlns:p="http://schemas.openxmlformats.org/presentationml/2006/main">
+  <p:cSld>
+    <p:spTree>
+      <p:nvGrpSpPr>
+        <p:cNvPr id="1" name=""/>
+        <p:cNvGrpSpPr/>
+        <p:nvPr/>
+      </p:nvGrpSpPr>
+      <p:grpSpPr>
+        <a:xfrm>
+          <a:off x="0" y="0"/>
+          <a:ext cx="0" cy="0"/>
+          <a:chOff x="0" y="0"/>
+          <a:chExt cx="0" cy="0"/>
+        </a:xfrm>
+      </p:grpSpPr>
+      <p:sp>
+        <p:nvSpPr>
+          <p:cNvPr id="2" name="Title 1"/>
+          <p:cNvSpPr>
+            <a:spLocks noGrp="1"/>
+          </p:cNvSpPr>
+          <p:nvPr>
+            <p:ph type="title"/>
+          </p:nvPr>
+        </p:nvSpPr>
+        <p:spPr/>
+        <p:txBody>
+          <a:bodyPr/>
+          <a:lstStyle/>
+          <a:p>
+            <a:r>
+              <a:rPr lang="en-US" dirty="0" smtClean="0"/>
+              <a:t>Virtual Inertia</a:t>
+            </a:r>
+            <a:endParaRPr lang="en-US" dirty="0"/>
+          </a:p>
+        </p:txBody>
+      </p:sp>
+      <p:sp>
+        <p:nvSpPr>
+          <p:cNvPr id="3" name="Content Placeholder 2"/>
+          <p:cNvSpPr>
+            <a:spLocks noGrp="1"/>
+          </p:cNvSpPr>
+          <p:nvPr>
+            <p:ph idx="1"/>
+          </p:nvPr>
+        </p:nvSpPr>
+        <p:spPr/>
+        <p:txBody>
+          <a:bodyPr/>
+          <a:lstStyle/>
+          <a:p>
+            <a:r>
+              <a:rPr lang="en-US" dirty="0" smtClean="0"/>
+              <a:t>Pros: Increases overall inertia</a:t>
+            </a:r>
+          </a:p>
+          <a:p>
+            <a:r>
+              <a:rPr lang="en-US" dirty="0" smtClean="0"/>
+              <a:t>Cons: High cost to update all facilities with the necessary control mechanisms</a:t>
+            </a:r>
+            <a:endParaRPr lang="en-US" dirty="0"/>
+          </a:p>
+        </p:txBody>
+      </p:sp>
+    </p:spTree>
+    <p:extLst>
+      <p:ext uri="{BB962C8B-B14F-4D97-AF65-F5344CB8AC3E}">
+        <p14:creationId xmlns:p14="http://schemas.microsoft.com/office/powerpoint/2010/main" val="708870289"/>
       </p:ext>
     </p:extLst>
   </p:cSld>
@@ -6664,6 +8076,628 @@
     <p:extLst>
       <p:ext uri="{BB962C8B-B14F-4D97-AF65-F5344CB8AC3E}">
         <p14:creationId xmlns:p14="http://schemas.microsoft.com/office/powerpoint/2010/main" val="2509952390"/>
+      </p:ext>
+    </p:extLst>
+  </p:cSld>
+  <p:clrMapOvr>
+    <a:masterClrMapping/>
+  </p:clrMapOvr>
+</p:sld>
+</file>
+
+<file path=ppt/slides/slide20.xml><?xml version="1.0" encoding="utf-8"?>
+<p:sld xmlns:a="http://schemas.openxmlformats.org/drawingml/2006/main" xmlns:r="http://schemas.openxmlformats.org/officeDocument/2006/relationships" xmlns:p="http://schemas.openxmlformats.org/presentationml/2006/main">
+  <p:cSld>
+    <p:spTree>
+      <p:nvGrpSpPr>
+        <p:cNvPr id="1" name=""/>
+        <p:cNvGrpSpPr/>
+        <p:nvPr/>
+      </p:nvGrpSpPr>
+      <p:grpSpPr>
+        <a:xfrm>
+          <a:off x="0" y="0"/>
+          <a:ext cx="0" cy="0"/>
+          <a:chOff x="0" y="0"/>
+          <a:chExt cx="0" cy="0"/>
+        </a:xfrm>
+      </p:grpSpPr>
+      <p:sp>
+        <p:nvSpPr>
+          <p:cNvPr id="2" name="Title 1"/>
+          <p:cNvSpPr>
+            <a:spLocks noGrp="1"/>
+          </p:cNvSpPr>
+          <p:nvPr>
+            <p:ph type="title"/>
+          </p:nvPr>
+        </p:nvSpPr>
+        <p:spPr/>
+        <p:txBody>
+          <a:bodyPr/>
+          <a:lstStyle/>
+          <a:p>
+            <a:r>
+              <a:rPr lang="en-US" dirty="0" smtClean="0"/>
+              <a:t>Energy Storage Systems</a:t>
+            </a:r>
+            <a:endParaRPr lang="en-US" dirty="0"/>
+          </a:p>
+        </p:txBody>
+      </p:sp>
+      <p:sp>
+        <p:nvSpPr>
+          <p:cNvPr id="3" name="Content Placeholder 2"/>
+          <p:cNvSpPr>
+            <a:spLocks noGrp="1"/>
+          </p:cNvSpPr>
+          <p:nvPr>
+            <p:ph idx="1"/>
+          </p:nvPr>
+        </p:nvSpPr>
+        <p:spPr/>
+        <p:txBody>
+          <a:bodyPr/>
+          <a:lstStyle/>
+          <a:p>
+            <a:r>
+              <a:rPr lang="en-US" dirty="0" smtClean="0"/>
+              <a:t>Pros: Provides reserve power</a:t>
+            </a:r>
+          </a:p>
+          <a:p>
+            <a:r>
+              <a:rPr lang="en-US" dirty="0" smtClean="0"/>
+              <a:t>Cons: Costly</a:t>
+            </a:r>
+          </a:p>
+          <a:p>
+            <a:endParaRPr lang="en-US" dirty="0"/>
+          </a:p>
+        </p:txBody>
+      </p:sp>
+    </p:spTree>
+    <p:extLst>
+      <p:ext uri="{BB962C8B-B14F-4D97-AF65-F5344CB8AC3E}">
+        <p14:creationId xmlns:p14="http://schemas.microsoft.com/office/powerpoint/2010/main" val="1818619930"/>
+      </p:ext>
+    </p:extLst>
+  </p:cSld>
+  <p:clrMapOvr>
+    <a:masterClrMapping/>
+  </p:clrMapOvr>
+</p:sld>
+</file>
+
+<file path=ppt/slides/slide21.xml><?xml version="1.0" encoding="utf-8"?>
+<p:sld xmlns:a="http://schemas.openxmlformats.org/drawingml/2006/main" xmlns:r="http://schemas.openxmlformats.org/officeDocument/2006/relationships" xmlns:p="http://schemas.openxmlformats.org/presentationml/2006/main">
+  <p:cSld>
+    <p:spTree>
+      <p:nvGrpSpPr>
+        <p:cNvPr id="1" name=""/>
+        <p:cNvGrpSpPr/>
+        <p:nvPr/>
+      </p:nvGrpSpPr>
+      <p:grpSpPr>
+        <a:xfrm>
+          <a:off x="0" y="0"/>
+          <a:ext cx="0" cy="0"/>
+          <a:chOff x="0" y="0"/>
+          <a:chExt cx="0" cy="0"/>
+        </a:xfrm>
+      </p:grpSpPr>
+      <p:sp>
+        <p:nvSpPr>
+          <p:cNvPr id="2" name="Title 1"/>
+          <p:cNvSpPr>
+            <a:spLocks noGrp="1"/>
+          </p:cNvSpPr>
+          <p:nvPr>
+            <p:ph type="title"/>
+          </p:nvPr>
+        </p:nvSpPr>
+        <p:spPr/>
+        <p:txBody>
+          <a:bodyPr/>
+          <a:lstStyle/>
+          <a:p>
+            <a:r>
+              <a:rPr lang="en-US" dirty="0" err="1" smtClean="0"/>
+              <a:t>Deloading</a:t>
+            </a:r>
+            <a:endParaRPr lang="en-US" dirty="0"/>
+          </a:p>
+        </p:txBody>
+      </p:sp>
+      <p:sp>
+        <p:nvSpPr>
+          <p:cNvPr id="3" name="Content Placeholder 2"/>
+          <p:cNvSpPr>
+            <a:spLocks noGrp="1"/>
+          </p:cNvSpPr>
+          <p:nvPr>
+            <p:ph idx="1"/>
+          </p:nvPr>
+        </p:nvSpPr>
+        <p:spPr/>
+        <p:txBody>
+          <a:bodyPr/>
+          <a:lstStyle/>
+          <a:p>
+            <a:r>
+              <a:rPr lang="en-US" dirty="0" smtClean="0"/>
+              <a:t>Pros: Provides primary control for longer periods of time</a:t>
+            </a:r>
+          </a:p>
+          <a:p>
+            <a:r>
+              <a:rPr lang="en-US" dirty="0" smtClean="0"/>
+              <a:t>Cons: Inefficient and expensive</a:t>
+            </a:r>
+            <a:endParaRPr lang="en-US" dirty="0"/>
+          </a:p>
+        </p:txBody>
+      </p:sp>
+    </p:spTree>
+    <p:extLst>
+      <p:ext uri="{BB962C8B-B14F-4D97-AF65-F5344CB8AC3E}">
+        <p14:creationId xmlns:p14="http://schemas.microsoft.com/office/powerpoint/2010/main" val="1632728426"/>
+      </p:ext>
+    </p:extLst>
+  </p:cSld>
+  <p:clrMapOvr>
+    <a:masterClrMapping/>
+  </p:clrMapOvr>
+</p:sld>
+</file>
+
+<file path=ppt/slides/slide22.xml><?xml version="1.0" encoding="utf-8"?>
+<p:sld xmlns:a="http://schemas.openxmlformats.org/drawingml/2006/main" xmlns:r="http://schemas.openxmlformats.org/officeDocument/2006/relationships" xmlns:p="http://schemas.openxmlformats.org/presentationml/2006/main">
+  <p:cSld>
+    <p:spTree>
+      <p:nvGrpSpPr>
+        <p:cNvPr id="1" name=""/>
+        <p:cNvGrpSpPr/>
+        <p:nvPr/>
+      </p:nvGrpSpPr>
+      <p:grpSpPr>
+        <a:xfrm>
+          <a:off x="0" y="0"/>
+          <a:ext cx="0" cy="0"/>
+          <a:chOff x="0" y="0"/>
+          <a:chExt cx="0" cy="0"/>
+        </a:xfrm>
+      </p:grpSpPr>
+      <p:sp>
+        <p:nvSpPr>
+          <p:cNvPr id="2" name="Title 1"/>
+          <p:cNvSpPr>
+            <a:spLocks noGrp="1"/>
+          </p:cNvSpPr>
+          <p:nvPr>
+            <p:ph type="title"/>
+          </p:nvPr>
+        </p:nvSpPr>
+        <p:spPr/>
+        <p:txBody>
+          <a:bodyPr/>
+          <a:lstStyle/>
+          <a:p>
+            <a:r>
+              <a:rPr lang="en-US" dirty="0" smtClean="0"/>
+              <a:t>References</a:t>
+            </a:r>
+            <a:endParaRPr lang="en-US" dirty="0"/>
+          </a:p>
+        </p:txBody>
+      </p:sp>
+      <p:sp>
+        <p:nvSpPr>
+          <p:cNvPr id="3" name="Content Placeholder 2"/>
+          <p:cNvSpPr>
+            <a:spLocks noGrp="1"/>
+          </p:cNvSpPr>
+          <p:nvPr>
+            <p:ph idx="1"/>
+          </p:nvPr>
+        </p:nvSpPr>
+        <p:spPr>
+          <a:xfrm>
+            <a:off x="457200" y="1617453"/>
+            <a:ext cx="8229600" cy="4525963"/>
+          </a:xfrm>
+        </p:spPr>
+        <p:txBody>
+          <a:bodyPr>
+            <a:normAutofit fontScale="70000" lnSpcReduction="20000"/>
+          </a:bodyPr>
+          <a:lstStyle/>
+          <a:p>
+            <a:pPr marL="0" indent="0">
+              <a:buNone/>
+            </a:pPr>
+            <a:r>
+              <a:rPr lang="en-US" dirty="0"/>
+              <a:t>[1</a:t>
+            </a:r>
+            <a:r>
+              <a:rPr lang="en-US" dirty="0" smtClean="0"/>
+              <a:t>]	A</a:t>
+            </a:r>
+            <a:r>
+              <a:rPr lang="en-US" dirty="0"/>
+              <a:t>. </a:t>
+            </a:r>
+            <a:r>
+              <a:rPr lang="en-US" dirty="0" err="1"/>
+              <a:t>Ulbig</a:t>
+            </a:r>
+            <a:r>
+              <a:rPr lang="en-US" dirty="0"/>
+              <a:t>, T. </a:t>
+            </a:r>
+            <a:r>
+              <a:rPr lang="en-US" dirty="0" err="1"/>
+              <a:t>Borsche</a:t>
+            </a:r>
+            <a:r>
+              <a:rPr lang="en-US" dirty="0"/>
+              <a:t> and G. </a:t>
+            </a:r>
+            <a:r>
+              <a:rPr lang="en-US" dirty="0" err="1"/>
+              <a:t>Andersson</a:t>
+            </a:r>
+            <a:r>
+              <a:rPr lang="en-US" dirty="0"/>
+              <a:t>, "Impact of Low Rotational Inertia on Power System Stability </a:t>
+            </a:r>
+            <a:r>
+              <a:rPr lang="en-US" dirty="0" smtClean="0"/>
+              <a:t>	and </a:t>
+            </a:r>
+            <a:r>
+              <a:rPr lang="en-US" dirty="0"/>
+              <a:t>Operation", </a:t>
+            </a:r>
+            <a:r>
+              <a:rPr lang="en-US" i="1" dirty="0"/>
+              <a:t>IFAC Proceedings Volumes</a:t>
+            </a:r>
+            <a:r>
+              <a:rPr lang="en-US" dirty="0"/>
+              <a:t>, vol. 47, no. 3, pp. 7290-7297, 2014.</a:t>
+            </a:r>
+          </a:p>
+          <a:p>
+            <a:pPr marL="0" indent="0">
+              <a:buNone/>
+            </a:pPr>
+            <a:r>
+              <a:rPr lang="en-US" dirty="0"/>
+              <a:t>[2</a:t>
+            </a:r>
+            <a:r>
+              <a:rPr lang="en-US" dirty="0" smtClean="0"/>
+              <a:t>]	H</a:t>
+            </a:r>
+            <a:r>
+              <a:rPr lang="en-US" dirty="0"/>
+              <a:t>. Chiang, F. Wu and P. </a:t>
+            </a:r>
+            <a:r>
+              <a:rPr lang="en-US" dirty="0" err="1"/>
+              <a:t>Varaiya</a:t>
+            </a:r>
+            <a:r>
+              <a:rPr lang="en-US" dirty="0"/>
+              <a:t>, "Foundations of direct methods for power system transient </a:t>
+            </a:r>
+            <a:r>
+              <a:rPr lang="en-US" dirty="0" smtClean="0"/>
+              <a:t>	stability </a:t>
+            </a:r>
+            <a:r>
+              <a:rPr lang="en-US" dirty="0"/>
+              <a:t>analysis", </a:t>
+            </a:r>
+            <a:r>
+              <a:rPr lang="en-US" i="1" dirty="0"/>
+              <a:t>IEEE Transactions on Circuits and Systems</a:t>
+            </a:r>
+            <a:r>
+              <a:rPr lang="en-US" dirty="0"/>
+              <a:t>, vol. 34, no. 2, pp. 160-173, 1987.</a:t>
+            </a:r>
+          </a:p>
+          <a:p>
+            <a:pPr marL="0" indent="0">
+              <a:buNone/>
+            </a:pPr>
+            <a:r>
+              <a:rPr lang="en-US" dirty="0"/>
+              <a:t>[3</a:t>
+            </a:r>
+            <a:r>
+              <a:rPr lang="en-US" dirty="0" smtClean="0"/>
+              <a:t>]	P</a:t>
+            </a:r>
+            <a:r>
+              <a:rPr lang="en-US" dirty="0"/>
+              <a:t>. </a:t>
+            </a:r>
+            <a:r>
+              <a:rPr lang="en-US" dirty="0" err="1"/>
+              <a:t>Varaiya</a:t>
+            </a:r>
+            <a:r>
+              <a:rPr lang="en-US" dirty="0"/>
+              <a:t>, F. Wu and R. Chen, "Direct methods for transient stability analysis of power systems: </a:t>
+            </a:r>
+            <a:r>
+              <a:rPr lang="en-US" dirty="0" smtClean="0"/>
+              <a:t>	Recent </a:t>
+            </a:r>
+            <a:r>
+              <a:rPr lang="en-US" dirty="0"/>
+              <a:t>results", </a:t>
+            </a:r>
+            <a:r>
+              <a:rPr lang="en-US" i="1" dirty="0"/>
+              <a:t>Proceedings of the IEEE</a:t>
+            </a:r>
+            <a:r>
+              <a:rPr lang="en-US" dirty="0"/>
+              <a:t>, vol. 73, no. 12, pp. 1703-1715, 1985.</a:t>
+            </a:r>
+          </a:p>
+          <a:p>
+            <a:pPr marL="0" indent="0">
+              <a:buNone/>
+            </a:pPr>
+            <a:r>
+              <a:rPr lang="en-US" dirty="0"/>
+              <a:t>[</a:t>
+            </a:r>
+            <a:r>
+              <a:rPr lang="en-US" dirty="0" smtClean="0"/>
+              <a:t>4	]</a:t>
+            </a:r>
+            <a:r>
+              <a:rPr lang="en-US" dirty="0"/>
+              <a:t>R. Yan and T. </a:t>
+            </a:r>
+            <a:r>
+              <a:rPr lang="en-US" dirty="0" err="1"/>
+              <a:t>Saha</a:t>
+            </a:r>
+            <a:r>
+              <a:rPr lang="en-US" dirty="0"/>
+              <a:t>, "Frequency response estimation method for high wind penetration </a:t>
+            </a:r>
+            <a:r>
+              <a:rPr lang="en-US" dirty="0" smtClean="0"/>
+              <a:t>	considering </a:t>
+            </a:r>
+            <a:r>
+              <a:rPr lang="en-US" dirty="0"/>
+              <a:t>wind turbine frequency support functions", </a:t>
+            </a:r>
+            <a:r>
+              <a:rPr lang="en-US" i="1" dirty="0"/>
+              <a:t>IET Renewable Power Generation</a:t>
+            </a:r>
+            <a:r>
+              <a:rPr lang="en-US" dirty="0"/>
+              <a:t>, vol. 9, </a:t>
+            </a:r>
+            <a:r>
+              <a:rPr lang="en-US" dirty="0" smtClean="0"/>
+              <a:t>	no</a:t>
+            </a:r>
+            <a:r>
+              <a:rPr lang="en-US" dirty="0"/>
+              <a:t>. 7, pp. 775-782, 2015.</a:t>
+            </a:r>
+          </a:p>
+          <a:p>
+            <a:pPr marL="0" indent="0">
+              <a:buNone/>
+            </a:pPr>
+            <a:r>
+              <a:rPr lang="en-US" dirty="0"/>
+              <a:t>[5</a:t>
+            </a:r>
+            <a:r>
+              <a:rPr lang="en-US" dirty="0" smtClean="0"/>
+              <a:t>]	M</a:t>
+            </a:r>
+            <a:r>
+              <a:rPr lang="en-US" dirty="0"/>
+              <a:t>. Chan, R. Dunlop and F. </a:t>
+            </a:r>
+            <a:r>
+              <a:rPr lang="en-US" dirty="0" err="1"/>
+              <a:t>Schweppe</a:t>
+            </a:r>
+            <a:r>
+              <a:rPr lang="en-US" dirty="0"/>
+              <a:t>, "Dynamic Equivalents for Average System Frequency </a:t>
+            </a:r>
+            <a:r>
+              <a:rPr lang="en-US" dirty="0" smtClean="0"/>
+              <a:t>	Behavior </a:t>
+            </a:r>
+            <a:r>
+              <a:rPr lang="en-US" dirty="0"/>
+              <a:t>Following Major </a:t>
+            </a:r>
+            <a:r>
+              <a:rPr lang="en-US" dirty="0" smtClean="0"/>
+              <a:t>Disturbances</a:t>
+            </a:r>
+            <a:r>
+              <a:rPr lang="en-US" dirty="0"/>
+              <a:t>", </a:t>
+            </a:r>
+            <a:r>
+              <a:rPr lang="en-US" i="1" dirty="0"/>
+              <a:t>IEEE Transactions on Power Apparatus and Systems</a:t>
+            </a:r>
+            <a:r>
+              <a:rPr lang="en-US" dirty="0"/>
+              <a:t>, vol. </a:t>
+            </a:r>
+            <a:r>
+              <a:rPr lang="en-US" dirty="0" smtClean="0"/>
+              <a:t>-	91</a:t>
+            </a:r>
+            <a:r>
+              <a:rPr lang="en-US" dirty="0"/>
+              <a:t>, no. 4, pp. 1637-1642, 1972.</a:t>
+            </a:r>
+          </a:p>
+          <a:p>
+            <a:pPr marL="0" indent="0">
+              <a:buNone/>
+            </a:pPr>
+            <a:r>
+              <a:rPr lang="en-US" dirty="0"/>
+              <a:t>[6</a:t>
+            </a:r>
+            <a:r>
+              <a:rPr lang="en-US" dirty="0" smtClean="0"/>
+              <a:t>]	B</a:t>
+            </a:r>
+            <a:r>
+              <a:rPr lang="en-US" dirty="0"/>
+              <a:t>. </a:t>
+            </a:r>
+            <a:r>
+              <a:rPr lang="en-US" dirty="0" err="1"/>
+              <a:t>Poolla</a:t>
+            </a:r>
+            <a:r>
+              <a:rPr lang="en-US" dirty="0"/>
+              <a:t>, S. </a:t>
+            </a:r>
+            <a:r>
+              <a:rPr lang="en-US" dirty="0" err="1"/>
+              <a:t>Bolognani</a:t>
+            </a:r>
+            <a:r>
+              <a:rPr lang="en-US" dirty="0"/>
+              <a:t> and F. </a:t>
+            </a:r>
+            <a:r>
+              <a:rPr lang="en-US" dirty="0" err="1"/>
+              <a:t>Dorfler</a:t>
+            </a:r>
+            <a:r>
+              <a:rPr lang="en-US" dirty="0"/>
+              <a:t>, "Optimal Placement of Virtual Inertia in Power Grids", </a:t>
+            </a:r>
+            <a:r>
+              <a:rPr lang="en-US" i="1" dirty="0"/>
+              <a:t>IEEE </a:t>
+            </a:r>
+            <a:r>
+              <a:rPr lang="en-US" i="1" dirty="0" smtClean="0"/>
+              <a:t>	Transactions </a:t>
+            </a:r>
+            <a:r>
+              <a:rPr lang="en-US" i="1" dirty="0"/>
+              <a:t>on Automatic Control</a:t>
+            </a:r>
+            <a:r>
+              <a:rPr lang="en-US" dirty="0"/>
+              <a:t>, vol., no. 99, pp. 1-1, 2016.</a:t>
+            </a:r>
+          </a:p>
+          <a:p>
+            <a:pPr marL="0" indent="0">
+              <a:buNone/>
+            </a:pPr>
+            <a:r>
+              <a:rPr lang="en-US" dirty="0"/>
+              <a:t>[7</a:t>
+            </a:r>
+            <a:r>
+              <a:rPr lang="en-US" dirty="0" smtClean="0"/>
+              <a:t>]	N</a:t>
+            </a:r>
+            <a:r>
+              <a:rPr lang="en-US" dirty="0"/>
+              <a:t>. Miller, M. Shao, S. </a:t>
+            </a:r>
+            <a:r>
+              <a:rPr lang="en-US" dirty="0" err="1"/>
+              <a:t>Venkataraman</a:t>
+            </a:r>
+            <a:r>
+              <a:rPr lang="en-US" dirty="0"/>
+              <a:t>, C. </a:t>
+            </a:r>
+            <a:r>
+              <a:rPr lang="en-US" dirty="0" err="1"/>
+              <a:t>Loutan</a:t>
+            </a:r>
+            <a:r>
+              <a:rPr lang="en-US" dirty="0"/>
+              <a:t> and M. </a:t>
+            </a:r>
+            <a:r>
+              <a:rPr lang="en-US" dirty="0" err="1"/>
+              <a:t>Rothleder</a:t>
+            </a:r>
+            <a:r>
+              <a:rPr lang="en-US" dirty="0"/>
+              <a:t>, "Frequency response of </a:t>
+            </a:r>
+            <a:r>
+              <a:rPr lang="en-US" dirty="0" smtClean="0"/>
+              <a:t>	California </a:t>
+            </a:r>
+            <a:r>
+              <a:rPr lang="en-US" dirty="0"/>
+              <a:t>and WECC under high wind and solar conditions", </a:t>
+            </a:r>
+            <a:r>
+              <a:rPr lang="en-US" i="1" dirty="0"/>
+              <a:t>2012 IEEE Power and Energy Society </a:t>
+            </a:r>
+            <a:r>
+              <a:rPr lang="en-US" i="1" dirty="0" smtClean="0"/>
+              <a:t>	General </a:t>
+            </a:r>
+            <a:r>
+              <a:rPr lang="en-US" i="1" dirty="0"/>
+              <a:t>Meeting</a:t>
+            </a:r>
+            <a:r>
+              <a:rPr lang="en-US" dirty="0"/>
+              <a:t>, pp. 1-8, 2012.</a:t>
+            </a:r>
+          </a:p>
+          <a:p>
+            <a:pPr marL="0" indent="0">
+              <a:buNone/>
+            </a:pPr>
+            <a:r>
+              <a:rPr lang="en-US" dirty="0"/>
+              <a:t/>
+            </a:r>
+            <a:br>
+              <a:rPr lang="en-US" dirty="0"/>
+            </a:br>
+            <a:endParaRPr lang="en-US" dirty="0"/>
+          </a:p>
+        </p:txBody>
+      </p:sp>
+    </p:spTree>
+    <p:extLst>
+      <p:ext uri="{BB962C8B-B14F-4D97-AF65-F5344CB8AC3E}">
+        <p14:creationId xmlns:p14="http://schemas.microsoft.com/office/powerpoint/2010/main" val="2039904875"/>
       </p:ext>
     </p:extLst>
   </p:cSld>
@@ -7297,7 +9331,12 @@
             <p:ph type="title"/>
           </p:nvPr>
         </p:nvSpPr>
-        <p:spPr/>
+        <p:spPr>
+          <a:xfrm>
+            <a:off x="809797" y="357189"/>
+            <a:ext cx="7020375" cy="873734"/>
+          </a:xfrm>
+        </p:spPr>
         <p:txBody>
           <a:bodyPr/>
           <a:lstStyle/>
@@ -7328,8 +9367,8 @@
             </p:nvSpPr>
             <p:spPr>
               <a:xfrm>
-                <a:off x="747399" y="1828772"/>
-                <a:ext cx="7209692" cy="4413739"/>
+                <a:off x="809797" y="1441938"/>
+                <a:ext cx="6776001" cy="4938024"/>
               </a:xfrm>
             </p:spPr>
             <p:txBody>
@@ -7974,107 +10013,254 @@
                     <a:spcPct val="120000"/>
                   </a:lnSpc>
                 </a:pPr>
-                <a:r>
-                  <a:rPr lang="en-US" b="0" dirty="0" smtClean="0"/>
-                  <a:t>Varying (</a:t>
-                </a:r>
                 <a14:m>
                   <m:oMath xmlns:m="http://schemas.openxmlformats.org/officeDocument/2006/math">
+                    <m:r>
+                      <a:rPr lang="en-US" i="1" smtClean="0">
+                        <a:latin typeface="Cambria Math" charset="0"/>
+                        <a:ea typeface="Cambria Math" charset="0"/>
+                        <a:cs typeface="Cambria Math" charset="0"/>
+                      </a:rPr>
+                      <m:t>∆</m:t>
+                    </m:r>
                     <m:r>
                       <a:rPr lang="en-US" b="0" i="1" smtClean="0">
                         <a:latin typeface="Cambria Math" charset="0"/>
                         <a:ea typeface="Cambria Math" charset="0"/>
                         <a:cs typeface="Cambria Math" charset="0"/>
                       </a:rPr>
-                      <m:t>∆</m:t>
+                      <m:t>𝑃</m:t>
                     </m:r>
-                    <m:sSub>
-                      <m:sSubPr>
-                        <m:ctrlPr>
-                          <a:rPr lang="en-US" b="0" i="1" smtClean="0">
-                            <a:latin typeface="Cambria Math" charset="0"/>
-                            <a:ea typeface="Cambria Math" charset="0"/>
-                            <a:cs typeface="Cambria Math" charset="0"/>
-                          </a:rPr>
-                        </m:ctrlPr>
-                      </m:sSubPr>
-                      <m:e>
-                        <m:r>
-                          <a:rPr lang="en-US" b="0" i="1" smtClean="0">
-                            <a:latin typeface="Cambria Math" charset="0"/>
-                            <a:ea typeface="Cambria Math" charset="0"/>
-                            <a:cs typeface="Cambria Math" charset="0"/>
-                          </a:rPr>
-                          <m:t>𝑃</m:t>
-                        </m:r>
-                      </m:e>
-                      <m:sub>
-                        <m:r>
-                          <a:rPr lang="en-US" b="0" i="1" smtClean="0">
-                            <a:latin typeface="Cambria Math" charset="0"/>
-                            <a:ea typeface="Cambria Math" charset="0"/>
-                            <a:cs typeface="Cambria Math" charset="0"/>
-                          </a:rPr>
-                          <m:t>𝑚</m:t>
-                        </m:r>
-                      </m:sub>
-                    </m:sSub>
                     <m:r>
                       <a:rPr lang="en-US" b="0" i="1" smtClean="0">
                         <a:latin typeface="Cambria Math" charset="0"/>
                         <a:ea typeface="Cambria Math" charset="0"/>
                         <a:cs typeface="Cambria Math" charset="0"/>
                       </a:rPr>
-                      <m:t>−∆</m:t>
+                      <m:t>(</m:t>
                     </m:r>
-                    <m:sSub>
-                      <m:sSubPr>
+                    <m:r>
+                      <a:rPr lang="en-US" b="0" i="1" smtClean="0">
+                        <a:latin typeface="Cambria Math" charset="0"/>
+                        <a:ea typeface="Cambria Math" charset="0"/>
+                        <a:cs typeface="Cambria Math" charset="0"/>
+                      </a:rPr>
+                      <m:t>𝑡</m:t>
+                    </m:r>
+                    <m:r>
+                      <a:rPr lang="en-US" b="0" i="1" smtClean="0">
+                        <a:latin typeface="Cambria Math" charset="0"/>
+                        <a:ea typeface="Cambria Math" charset="0"/>
+                        <a:cs typeface="Cambria Math" charset="0"/>
+                      </a:rPr>
+                      <m:t>)=</m:t>
+                    </m:r>
+                    <m:d>
+                      <m:dPr>
+                        <m:begChr m:val="{"/>
+                        <m:endChr m:val=""/>
                         <m:ctrlPr>
-                          <a:rPr lang="en-US" b="0" i="1" smtClean="0">
+                          <a:rPr lang="mr-IN" b="0" i="1" smtClean="0">
                             <a:latin typeface="Cambria Math" charset="0"/>
                             <a:ea typeface="Cambria Math" charset="0"/>
                             <a:cs typeface="Cambria Math" charset="0"/>
                           </a:rPr>
                         </m:ctrlPr>
-                      </m:sSubPr>
+                      </m:dPr>
                       <m:e>
-                        <m:r>
-                          <a:rPr lang="en-US" b="0" i="1" smtClean="0">
-                            <a:latin typeface="Cambria Math" charset="0"/>
-                            <a:ea typeface="Cambria Math" charset="0"/>
-                            <a:cs typeface="Cambria Math" charset="0"/>
-                          </a:rPr>
-                          <m:t>𝑃</m:t>
-                        </m:r>
+                        <m:eqArr>
+                          <m:eqArrPr>
+                            <m:ctrlPr>
+                              <a:rPr lang="mr-IN" b="0" i="1" smtClean="0">
+                                <a:latin typeface="Cambria Math" charset="0"/>
+                                <a:ea typeface="Cambria Math" charset="0"/>
+                                <a:cs typeface="Cambria Math" charset="0"/>
+                              </a:rPr>
+                            </m:ctrlPr>
+                          </m:eqArrPr>
+                          <m:e>
+                            <m:r>
+                              <a:rPr lang="en-US" b="0" i="1" smtClean="0">
+                                <a:latin typeface="Cambria Math" charset="0"/>
+                                <a:ea typeface="Cambria Math" charset="0"/>
+                                <a:cs typeface="Cambria Math" charset="0"/>
+                              </a:rPr>
+                              <m:t>20</m:t>
+                            </m:r>
+                            <m:d>
+                              <m:dPr>
+                                <m:ctrlPr>
+                                  <a:rPr lang="en-US" b="0" i="1" smtClean="0">
+                                    <a:latin typeface="Cambria Math" charset="0"/>
+                                    <a:ea typeface="Cambria Math" charset="0"/>
+                                    <a:cs typeface="Cambria Math" charset="0"/>
+                                  </a:rPr>
+                                </m:ctrlPr>
+                              </m:dPr>
+                              <m:e>
+                                <m:r>
+                                  <a:rPr lang="en-US" b="0" i="1" smtClean="0">
+                                    <a:latin typeface="Cambria Math" charset="0"/>
+                                    <a:ea typeface="Cambria Math" charset="0"/>
+                                    <a:cs typeface="Cambria Math" charset="0"/>
+                                  </a:rPr>
+                                  <m:t>𝑡</m:t>
+                                </m:r>
+                                <m:r>
+                                  <a:rPr lang="en-US" b="0" i="1" smtClean="0">
+                                    <a:latin typeface="Cambria Math" charset="0"/>
+                                    <a:ea typeface="Cambria Math" charset="0"/>
+                                    <a:cs typeface="Cambria Math" charset="0"/>
+                                  </a:rPr>
+                                  <m:t>−0.05</m:t>
+                                </m:r>
+                              </m:e>
+                            </m:d>
+                            <m:r>
+                              <a:rPr lang="en-US" b="0" i="1" smtClean="0">
+                                <a:latin typeface="Cambria Math" charset="0"/>
+                                <a:ea typeface="Cambria Math" charset="0"/>
+                                <a:cs typeface="Cambria Math" charset="0"/>
+                              </a:rPr>
+                              <m:t>,        0.05&lt;</m:t>
+                            </m:r>
+                            <m:r>
+                              <a:rPr lang="en-US" b="0" i="1" smtClean="0">
+                                <a:latin typeface="Cambria Math" charset="0"/>
+                                <a:ea typeface="Cambria Math" charset="0"/>
+                                <a:cs typeface="Cambria Math" charset="0"/>
+                              </a:rPr>
+                              <m:t>𝑡</m:t>
+                            </m:r>
+                            <m:r>
+                              <a:rPr lang="en-US" b="0" i="1" smtClean="0">
+                                <a:latin typeface="Cambria Math" charset="0"/>
+                                <a:ea typeface="Cambria Math" charset="0"/>
+                                <a:cs typeface="Cambria Math" charset="0"/>
+                              </a:rPr>
+                              <m:t>&lt;0.1</m:t>
+                            </m:r>
+                          </m:e>
+                          <m:e>
+                            <m:r>
+                              <a:rPr lang="en-US" b="0" i="1" smtClean="0">
+                                <a:latin typeface="Cambria Math" charset="0"/>
+                                <a:ea typeface="Cambria Math" charset="0"/>
+                                <a:cs typeface="Cambria Math" charset="0"/>
+                              </a:rPr>
+                              <m:t>−20</m:t>
+                            </m:r>
+                            <m:d>
+                              <m:dPr>
+                                <m:ctrlPr>
+                                  <a:rPr lang="en-US" b="0" i="1" smtClean="0">
+                                    <a:latin typeface="Cambria Math" charset="0"/>
+                                    <a:ea typeface="Cambria Math" charset="0"/>
+                                    <a:cs typeface="Cambria Math" charset="0"/>
+                                  </a:rPr>
+                                </m:ctrlPr>
+                              </m:dPr>
+                              <m:e>
+                                <m:r>
+                                  <a:rPr lang="en-US" b="0" i="1" smtClean="0">
+                                    <a:latin typeface="Cambria Math" charset="0"/>
+                                    <a:ea typeface="Cambria Math" charset="0"/>
+                                    <a:cs typeface="Cambria Math" charset="0"/>
+                                  </a:rPr>
+                                  <m:t>𝑡</m:t>
+                                </m:r>
+                                <m:r>
+                                  <a:rPr lang="en-US" b="0" i="1" smtClean="0">
+                                    <a:latin typeface="Cambria Math" charset="0"/>
+                                    <a:ea typeface="Cambria Math" charset="0"/>
+                                    <a:cs typeface="Cambria Math" charset="0"/>
+                                  </a:rPr>
+                                  <m:t>−0.15</m:t>
+                                </m:r>
+                              </m:e>
+                            </m:d>
+                            <m:r>
+                              <a:rPr lang="en-US" b="0" i="1" smtClean="0">
+                                <a:latin typeface="Cambria Math" charset="0"/>
+                                <a:ea typeface="Cambria Math" charset="0"/>
+                                <a:cs typeface="Cambria Math" charset="0"/>
+                              </a:rPr>
+                              <m:t>,     0.15&lt;</m:t>
+                            </m:r>
+                            <m:r>
+                              <a:rPr lang="en-US" b="0" i="1" smtClean="0">
+                                <a:latin typeface="Cambria Math" charset="0"/>
+                                <a:ea typeface="Cambria Math" charset="0"/>
+                                <a:cs typeface="Cambria Math" charset="0"/>
+                              </a:rPr>
+                              <m:t>𝑡</m:t>
+                            </m:r>
+                            <m:r>
+                              <a:rPr lang="en-US" b="0" i="1" smtClean="0">
+                                <a:latin typeface="Cambria Math" charset="0"/>
+                                <a:ea typeface="Cambria Math" charset="0"/>
+                                <a:cs typeface="Cambria Math" charset="0"/>
+                              </a:rPr>
+                              <m:t>&lt;0.2</m:t>
+                            </m:r>
+                          </m:e>
+                          <m:e>
+                            <m:r>
+                              <a:rPr lang="en-US" b="0" i="1" smtClean="0">
+                                <a:latin typeface="Cambria Math" charset="0"/>
+                                <a:ea typeface="Cambria Math" charset="0"/>
+                                <a:cs typeface="Cambria Math" charset="0"/>
+                              </a:rPr>
+                              <m:t>1,                              0.25&lt;</m:t>
+                            </m:r>
+                            <m:r>
+                              <a:rPr lang="en-US" b="0" i="1" smtClean="0">
+                                <a:latin typeface="Cambria Math" charset="0"/>
+                                <a:ea typeface="Cambria Math" charset="0"/>
+                                <a:cs typeface="Cambria Math" charset="0"/>
+                              </a:rPr>
+                              <m:t>𝑡</m:t>
+                            </m:r>
+                            <m:r>
+                              <a:rPr lang="en-US" b="0" i="1" smtClean="0">
+                                <a:latin typeface="Cambria Math" charset="0"/>
+                                <a:ea typeface="Cambria Math" charset="0"/>
+                                <a:cs typeface="Cambria Math" charset="0"/>
+                              </a:rPr>
+                              <m:t>&lt;0.3</m:t>
+                            </m:r>
+                          </m:e>
+                          <m:e>
+                            <m:r>
+                              <a:rPr lang="en-US" b="0" i="1" smtClean="0">
+                                <a:latin typeface="Cambria Math" charset="0"/>
+                                <a:ea typeface="Cambria Math" charset="0"/>
+                                <a:cs typeface="Cambria Math" charset="0"/>
+                              </a:rPr>
+                              <m:t>−1,                           0.35&lt;</m:t>
+                            </m:r>
+                            <m:r>
+                              <a:rPr lang="en-US" b="0" i="1" smtClean="0">
+                                <a:latin typeface="Cambria Math" charset="0"/>
+                                <a:ea typeface="Cambria Math" charset="0"/>
+                                <a:cs typeface="Cambria Math" charset="0"/>
+                              </a:rPr>
+                              <m:t>𝑡</m:t>
+                            </m:r>
+                            <m:r>
+                              <a:rPr lang="en-US" b="0" i="1" smtClean="0">
+                                <a:latin typeface="Cambria Math" charset="0"/>
+                                <a:ea typeface="Cambria Math" charset="0"/>
+                                <a:cs typeface="Cambria Math" charset="0"/>
+                              </a:rPr>
+                              <m:t>&lt;0.4</m:t>
+                            </m:r>
+                          </m:e>
+                        </m:eqArr>
                       </m:e>
-                      <m:sub>
-                        <m:r>
-                          <a:rPr lang="en-US" b="0" i="1" smtClean="0">
-                            <a:latin typeface="Cambria Math" charset="0"/>
-                            <a:ea typeface="Cambria Math" charset="0"/>
-                            <a:cs typeface="Cambria Math" charset="0"/>
-                          </a:rPr>
-                          <m:t>𝑙𝑜𝑎𝑑</m:t>
-                        </m:r>
-                      </m:sub>
-                    </m:sSub>
+                    </m:d>
                   </m:oMath>
                 </a14:m>
-                <a:r>
-                  <a:rPr lang="en-US" b="0" dirty="0" smtClean="0">
-                    <a:ea typeface="Cambria Math" charset="0"/>
-                    <a:cs typeface="Cambria Math" charset="0"/>
-                  </a:rPr>
-                  <a:t> ) as a function of time (shown on next slide)</a:t>
-                </a:r>
-                <a:endParaRPr lang="en-US" dirty="0" smtClean="0"/>
-              </a:p>
-              <a:p>
-                <a:pPr>
-                  <a:lnSpc>
-                    <a:spcPct val="120000"/>
-                  </a:lnSpc>
-                </a:pPr>
                 <a:endParaRPr lang="en-US" dirty="0" smtClean="0"/>
               </a:p>
             </p:txBody>
@@ -8093,13 +10279,13 @@
             </p:nvSpPr>
             <p:spPr>
               <a:xfrm>
-                <a:off x="747399" y="1828772"/>
-                <a:ext cx="7209692" cy="4413739"/>
+                <a:off x="809797" y="1441938"/>
+                <a:ext cx="6776001" cy="4938024"/>
               </a:xfrm>
               <a:blipFill rotWithShape="0">
                 <a:blip r:embed="rId3"/>
                 <a:stretch>
-                  <a:fillRect l="-169" t="-276"/>
+                  <a:fillRect l="-180" t="-247"/>
                 </a:stretch>
               </a:blipFill>
             </p:spPr>

--- a/Literature Review.pptx
+++ b/Literature Review.pptx
@@ -3,33 +3,28 @@
 <p:presentation xmlns:a="http://schemas.openxmlformats.org/drawingml/2006/main" xmlns:r="http://schemas.openxmlformats.org/officeDocument/2006/relationships" xmlns:p="http://schemas.openxmlformats.org/presentationml/2006/main" saveSubsetFonts="1" autoCompressPictures="0">
   <p:sldMasterIdLst>
     <p:sldMasterId id="2147483766" r:id="rId1"/>
+    <p:sldMasterId id="2147483778" r:id="rId2"/>
   </p:sldMasterIdLst>
   <p:notesMasterIdLst>
-    <p:notesMasterId r:id="rId24"/>
+    <p:notesMasterId r:id="rId19"/>
   </p:notesMasterIdLst>
   <p:sldIdLst>
-    <p:sldId id="256" r:id="rId2"/>
-    <p:sldId id="257" r:id="rId3"/>
-    <p:sldId id="258" r:id="rId4"/>
-    <p:sldId id="261" r:id="rId5"/>
-    <p:sldId id="262" r:id="rId6"/>
+    <p:sldId id="256" r:id="rId3"/>
+    <p:sldId id="257" r:id="rId4"/>
+    <p:sldId id="258" r:id="rId5"/>
+    <p:sldId id="261" r:id="rId6"/>
     <p:sldId id="259" r:id="rId7"/>
-    <p:sldId id="269" r:id="rId8"/>
-    <p:sldId id="270" r:id="rId9"/>
-    <p:sldId id="260" r:id="rId10"/>
-    <p:sldId id="271" r:id="rId11"/>
-    <p:sldId id="268" r:id="rId12"/>
-    <p:sldId id="274" r:id="rId13"/>
-    <p:sldId id="272" r:id="rId14"/>
-    <p:sldId id="275" r:id="rId15"/>
-    <p:sldId id="273" r:id="rId16"/>
-    <p:sldId id="276" r:id="rId17"/>
-    <p:sldId id="277" r:id="rId18"/>
-    <p:sldId id="263" r:id="rId19"/>
-    <p:sldId id="264" r:id="rId20"/>
-    <p:sldId id="265" r:id="rId21"/>
-    <p:sldId id="267" r:id="rId22"/>
-    <p:sldId id="266" r:id="rId23"/>
+    <p:sldId id="260" r:id="rId8"/>
+    <p:sldId id="271" r:id="rId9"/>
+    <p:sldId id="268" r:id="rId10"/>
+    <p:sldId id="274" r:id="rId11"/>
+    <p:sldId id="272" r:id="rId12"/>
+    <p:sldId id="275" r:id="rId13"/>
+    <p:sldId id="273" r:id="rId14"/>
+    <p:sldId id="276" r:id="rId15"/>
+    <p:sldId id="277" r:id="rId16"/>
+    <p:sldId id="263" r:id="rId17"/>
+    <p:sldId id="266" r:id="rId18"/>
   </p:sldIdLst>
   <p:sldSz cx="9144000" cy="6858000" type="screen4x3"/>
   <p:notesSz cx="6858000" cy="9144000"/>
@@ -541,20 +536,6 @@
           <a:bodyPr/>
           <a:lstStyle/>
           <a:p>
-            <a:r>
-              <a:rPr lang="en-US" dirty="0" smtClean="0"/>
-              <a:t>Frequency Response</a:t>
-            </a:r>
-            <a:r>
-              <a:rPr lang="en-US" baseline="0" dirty="0" smtClean="0"/>
-              <a:t> is how the system responds after a significant loss of generation. </a:t>
-            </a:r>
-          </a:p>
-          <a:p>
-            <a:r>
-              <a:rPr lang="en-US" baseline="0" dirty="0" smtClean="0"/>
-              <a:t>Frequency control in power systems is made possible because of the rotational inertia from conventional generators in the system. This inertia is what keeps the system frequency from deviating too much when generation losses occur because the inertia from the generators keep spinning at the same rate for a set time and the PFR is able to kick in before it changes too much. Without this inertia, or with decreased inertia, the system frequency will change much faster, often too quickly for the PFR to to kick in before it drops below the safe values which can cause a cascade of trips and interrupt service. </a:t>
-            </a:r>
             <a:endParaRPr lang="en-US" dirty="0"/>
           </a:p>
         </p:txBody>
@@ -576,7 +557,7 @@
           <a:p>
             <a:fld id="{063B06ED-AAE6-1643-931F-B078EBBEF119}" type="slidenum">
               <a:rPr lang="en-US" smtClean="0"/>
-              <a:t>4</a:t>
+              <a:t>1</a:t>
             </a:fld>
             <a:endParaRPr lang="en-US"/>
           </a:p>
@@ -585,7 +566,7 @@
     </p:spTree>
     <p:extLst>
       <p:ext uri="{BB962C8B-B14F-4D97-AF65-F5344CB8AC3E}">
-        <p14:creationId xmlns:p14="http://schemas.microsoft.com/office/powerpoint/2010/main" val="2648709478"/>
+        <p14:creationId xmlns:p14="http://schemas.microsoft.com/office/powerpoint/2010/main" val="917392308"/>
       </p:ext>
     </p:extLst>
   </p:cSld>
@@ -641,11 +622,11 @@
           <a:p>
             <a:r>
               <a:rPr lang="en-US" dirty="0" smtClean="0"/>
-              <a:t>Variable</a:t>
+              <a:t>The purpose of this project is to model a power</a:t>
             </a:r>
             <a:r>
               <a:rPr lang="en-US" baseline="0" dirty="0" smtClean="0"/>
-              <a:t> renewable energy sources like wind and solar do not contribute any rotational inertia. Because of this, when more renewables are incorporated into power systems, the overall system inertia decreases. A decrease in inertia means that the frequency response in the event of a major fault or loss of generation (basically any major power imbalance) will be much more severe because the entire system will react faster when there is less inertia to maintain the frequency. This response will be too quick for the primary frequency response controls and could cause cascading trips and wide spread blackouts. </a:t>
+              <a:t> system and analyze the frequency response of the system after disturbances with respect to different levels of inertia in the system</a:t>
             </a:r>
             <a:endParaRPr lang="en-US" dirty="0"/>
           </a:p>
@@ -668,7 +649,7 @@
           <a:p>
             <a:fld id="{063B06ED-AAE6-1643-931F-B078EBBEF119}" type="slidenum">
               <a:rPr lang="en-US" smtClean="0"/>
-              <a:t>5</a:t>
+              <a:t>3</a:t>
             </a:fld>
             <a:endParaRPr lang="en-US"/>
           </a:p>
@@ -677,7 +658,7 @@
     </p:spTree>
     <p:extLst>
       <p:ext uri="{BB962C8B-B14F-4D97-AF65-F5344CB8AC3E}">
-        <p14:creationId xmlns:p14="http://schemas.microsoft.com/office/powerpoint/2010/main" val="26804224"/>
+        <p14:creationId xmlns:p14="http://schemas.microsoft.com/office/powerpoint/2010/main" val="2053585135"/>
       </p:ext>
     </p:extLst>
   </p:cSld>
@@ -733,11 +714,17 @@
           <a:p>
             <a:r>
               <a:rPr lang="en-US" dirty="0" smtClean="0"/>
-              <a:t>In</a:t>
+              <a:t>Frequency Response</a:t>
             </a:r>
             <a:r>
               <a:rPr lang="en-US" baseline="0" dirty="0" smtClean="0"/>
-              <a:t> power systems, the frequency response can be modeled with equations or simulation software. Simulations offer very precise results, however, they require knowledge of many different parameters related to all components of a system and are therefore difficult to use for large systems. Similarly, full network models have a similar restraint in which many parameters are necessary to be concise and they become very difficult to manage for large systems. Therefore, researchers tend to use simplified models to examine larger systems because they can be adapted to take less variables and still produce a relatively accurate result.</a:t>
+              <a:t> is how the system responds after a significant loss of generation. </a:t>
+            </a:r>
+          </a:p>
+          <a:p>
+            <a:r>
+              <a:rPr lang="en-US" baseline="0" dirty="0" smtClean="0"/>
+              <a:t>Frequency control in power systems is made possible because of the rotational inertia from conventional generators in the system. This inertia is what keeps the system frequency from deviating too much when generation losses occur because the inertia from the generators keep spinning at the same rate for a set time and the PFR is able to kick in before it changes too much. Without this inertia, or with decreased inertia, the system frequency will change much faster, often too quickly for the PFR to to kick in before it drops below the safe values which can cause a cascade of trips and interrupt service. </a:t>
             </a:r>
             <a:endParaRPr lang="en-US" dirty="0"/>
           </a:p>
@@ -760,7 +747,7 @@
           <a:p>
             <a:fld id="{063B06ED-AAE6-1643-931F-B078EBBEF119}" type="slidenum">
               <a:rPr lang="en-US" smtClean="0"/>
-              <a:t>6</a:t>
+              <a:t>4</a:t>
             </a:fld>
             <a:endParaRPr lang="en-US"/>
           </a:p>
@@ -769,7 +756,7 @@
     </p:spTree>
     <p:extLst>
       <p:ext uri="{BB962C8B-B14F-4D97-AF65-F5344CB8AC3E}">
-        <p14:creationId xmlns:p14="http://schemas.microsoft.com/office/powerpoint/2010/main" val="560159780"/>
+        <p14:creationId xmlns:p14="http://schemas.microsoft.com/office/powerpoint/2010/main" val="2648709478"/>
       </p:ext>
     </p:extLst>
   </p:cSld>
@@ -825,11 +812,11 @@
           <a:p>
             <a:r>
               <a:rPr lang="en-US" dirty="0" smtClean="0"/>
-              <a:t>Full network modeling requires</a:t>
+              <a:t>In</a:t>
             </a:r>
             <a:r>
               <a:rPr lang="en-US" baseline="0" dirty="0" smtClean="0"/>
-              <a:t> information about all components in the network for each parameter used which is unfeasible for larger systems. Because of the great number of inputs, it also takes a lot of time.</a:t>
+              <a:t> power systems, the frequency response can be modeled with equations or simulation software. Simulations offer very precise results, however, they require knowledge of many different parameters related to all components of a system and are therefore difficult to use for large systems. Similarly, full network models have a similar restraint in which many parameters are necessary to be concise and they become very difficult to manage for large systems. Therefore, researchers tend to use simplified models to examine larger systems because they can be adapted to take less variables and still produce a relatively accurate result.</a:t>
             </a:r>
             <a:endParaRPr lang="en-US" dirty="0"/>
           </a:p>
@@ -852,7 +839,7 @@
           <a:p>
             <a:fld id="{063B06ED-AAE6-1643-931F-B078EBBEF119}" type="slidenum">
               <a:rPr lang="en-US" smtClean="0"/>
-              <a:t>7</a:t>
+              <a:t>5</a:t>
             </a:fld>
             <a:endParaRPr lang="en-US"/>
           </a:p>
@@ -861,7 +848,7 @@
     </p:spTree>
     <p:extLst>
       <p:ext uri="{BB962C8B-B14F-4D97-AF65-F5344CB8AC3E}">
-        <p14:creationId xmlns:p14="http://schemas.microsoft.com/office/powerpoint/2010/main" val="651235159"/>
+        <p14:creationId xmlns:p14="http://schemas.microsoft.com/office/powerpoint/2010/main" val="560159780"/>
       </p:ext>
     </p:extLst>
   </p:cSld>
@@ -917,11 +904,22 @@
           <a:p>
             <a:r>
               <a:rPr lang="en-US" dirty="0" smtClean="0"/>
-              <a:t>Simplified models are less accurate but require much less</a:t>
+              <a:t>We are going to use the swing equation to</a:t>
             </a:r>
             <a:r>
               <a:rPr lang="en-US" baseline="0" dirty="0" smtClean="0"/>
-              <a:t> information which makes it feasible for large network modeling. Also, as THIS paper has shown, the Aggregated Swing eq. is pretty accurate when compared to a simulation.</a:t>
+              <a:t> model the frequency response because it is more accurate than</a:t>
+            </a:r>
+            <a:r>
+              <a:rPr lang="mr-IN" baseline="0" dirty="0" smtClean="0"/>
+              <a:t>…</a:t>
+            </a:r>
+            <a:endParaRPr lang="is-IS" baseline="0" dirty="0" smtClean="0"/>
+          </a:p>
+          <a:p>
+            <a:r>
+              <a:rPr lang="is-IS" baseline="0" dirty="0" smtClean="0"/>
+              <a:t>We are using the aggregated swing equation to adapt the equation to model a whole network. </a:t>
             </a:r>
             <a:endParaRPr lang="en-US" dirty="0"/>
           </a:p>
@@ -944,110 +942,7 @@
           <a:p>
             <a:fld id="{063B06ED-AAE6-1643-931F-B078EBBEF119}" type="slidenum">
               <a:rPr lang="en-US" smtClean="0"/>
-              <a:t>8</a:t>
-            </a:fld>
-            <a:endParaRPr lang="en-US"/>
-          </a:p>
-        </p:txBody>
-      </p:sp>
-    </p:spTree>
-    <p:extLst>
-      <p:ext uri="{BB962C8B-B14F-4D97-AF65-F5344CB8AC3E}">
-        <p14:creationId xmlns:p14="http://schemas.microsoft.com/office/powerpoint/2010/main" val="1944213096"/>
-      </p:ext>
-    </p:extLst>
-  </p:cSld>
-  <p:clrMapOvr>
-    <a:masterClrMapping/>
-  </p:clrMapOvr>
-</p:notes>
-</file>
-
-<file path=ppt/notesSlides/notesSlide6.xml><?xml version="1.0" encoding="utf-8"?>
-<p:notes xmlns:a="http://schemas.openxmlformats.org/drawingml/2006/main" xmlns:r="http://schemas.openxmlformats.org/officeDocument/2006/relationships" xmlns:p="http://schemas.openxmlformats.org/presentationml/2006/main">
-  <p:cSld>
-    <p:spTree>
-      <p:nvGrpSpPr>
-        <p:cNvPr id="1" name=""/>
-        <p:cNvGrpSpPr/>
-        <p:nvPr/>
-      </p:nvGrpSpPr>
-      <p:grpSpPr>
-        <a:xfrm>
-          <a:off x="0" y="0"/>
-          <a:ext cx="0" cy="0"/>
-          <a:chOff x="0" y="0"/>
-          <a:chExt cx="0" cy="0"/>
-        </a:xfrm>
-      </p:grpSpPr>
-      <p:sp>
-        <p:nvSpPr>
-          <p:cNvPr id="2" name="Slide Image Placeholder 1"/>
-          <p:cNvSpPr>
-            <a:spLocks noGrp="1" noRot="1" noChangeAspect="1"/>
-          </p:cNvSpPr>
-          <p:nvPr>
-            <p:ph type="sldImg"/>
-          </p:nvPr>
-        </p:nvSpPr>
-        <p:spPr/>
-      </p:sp>
-      <p:sp>
-        <p:nvSpPr>
-          <p:cNvPr id="3" name="Notes Placeholder 2"/>
-          <p:cNvSpPr>
-            <a:spLocks noGrp="1"/>
-          </p:cNvSpPr>
-          <p:nvPr>
-            <p:ph type="body" idx="1"/>
-          </p:nvPr>
-        </p:nvSpPr>
-        <p:spPr/>
-        <p:txBody>
-          <a:bodyPr/>
-          <a:lstStyle/>
-          <a:p>
-            <a:r>
-              <a:rPr lang="en-US" dirty="0" smtClean="0"/>
-              <a:t>We are going to use the swing equation to</a:t>
-            </a:r>
-            <a:r>
-              <a:rPr lang="en-US" baseline="0" dirty="0" smtClean="0"/>
-              <a:t> model the frequency response because it is more accurate than</a:t>
-            </a:r>
-            <a:r>
-              <a:rPr lang="mr-IN" baseline="0" dirty="0" smtClean="0"/>
-              <a:t>…</a:t>
-            </a:r>
-            <a:endParaRPr lang="is-IS" baseline="0" dirty="0" smtClean="0"/>
-          </a:p>
-          <a:p>
-            <a:r>
-              <a:rPr lang="is-IS" baseline="0" dirty="0" smtClean="0"/>
-              <a:t>We are using the aggregated swing equation to adapt the equation to model a whole network. </a:t>
-            </a:r>
-            <a:endParaRPr lang="en-US" dirty="0"/>
-          </a:p>
-        </p:txBody>
-      </p:sp>
-      <p:sp>
-        <p:nvSpPr>
-          <p:cNvPr id="4" name="Slide Number Placeholder 3"/>
-          <p:cNvSpPr>
-            <a:spLocks noGrp="1"/>
-          </p:cNvSpPr>
-          <p:nvPr>
-            <p:ph type="sldNum" sz="quarter" idx="10"/>
-          </p:nvPr>
-        </p:nvSpPr>
-        <p:spPr/>
-        <p:txBody>
-          <a:bodyPr/>
-          <a:lstStyle/>
-          <a:p>
-            <a:fld id="{063B06ED-AAE6-1643-931F-B078EBBEF119}" type="slidenum">
-              <a:rPr lang="en-US" smtClean="0"/>
-              <a:t>9</a:t>
+              <a:t>6</a:t>
             </a:fld>
             <a:endParaRPr lang="en-US"/>
           </a:p>
@@ -1706,8 +1601,298 @@
 </p:sldLayout>
 </file>
 
-<file path=ppt/slideLayouts/slideLayout2.xml><?xml version="1.0" encoding="utf-8"?>
-<p:sldLayout xmlns:a="http://schemas.openxmlformats.org/drawingml/2006/main" xmlns:r="http://schemas.openxmlformats.org/officeDocument/2006/relationships" xmlns:p="http://schemas.openxmlformats.org/presentationml/2006/main" type="obj" preserve="1">
+<file path=ppt/slideLayouts/slideLayout12.xml><?xml version="1.0" encoding="utf-8"?>
+<p:sldLayout xmlns:a="http://schemas.openxmlformats.org/drawingml/2006/main" xmlns:r="http://schemas.openxmlformats.org/officeDocument/2006/relationships" xmlns:p="http://schemas.openxmlformats.org/presentationml/2006/main" showMasterSp="0" type="title" preserve="1">
+  <p:cSld name="Title Slide">
+    <p:bg>
+      <p:bgPr>
+        <a:solidFill>
+          <a:schemeClr val="bg2">
+            <a:lumMod val="75000"/>
+          </a:schemeClr>
+        </a:solidFill>
+        <a:effectLst/>
+      </p:bgPr>
+    </p:bg>
+    <p:spTree>
+      <p:nvGrpSpPr>
+        <p:cNvPr id="1" name=""/>
+        <p:cNvGrpSpPr/>
+        <p:nvPr/>
+      </p:nvGrpSpPr>
+      <p:grpSpPr>
+        <a:xfrm>
+          <a:off x="0" y="0"/>
+          <a:ext cx="0" cy="0"/>
+          <a:chOff x="0" y="0"/>
+          <a:chExt cx="0" cy="0"/>
+        </a:xfrm>
+      </p:grpSpPr>
+      <p:sp>
+        <p:nvSpPr>
+          <p:cNvPr id="2" name="Title 1"/>
+          <p:cNvSpPr>
+            <a:spLocks noGrp="1"/>
+          </p:cNvSpPr>
+          <p:nvPr>
+            <p:ph type="ctrTitle"/>
+          </p:nvPr>
+        </p:nvSpPr>
+        <p:spPr>
+          <a:xfrm>
+            <a:off x="946404" y="758952"/>
+            <a:ext cx="7063740" cy="4041648"/>
+          </a:xfrm>
+        </p:spPr>
+        <p:txBody>
+          <a:bodyPr anchor="b">
+            <a:normAutofit/>
+          </a:bodyPr>
+          <a:lstStyle>
+            <a:lvl1pPr algn="l">
+              <a:lnSpc>
+                <a:spcPct val="85000"/>
+              </a:lnSpc>
+              <a:defRPr sz="6600" baseline="0">
+                <a:solidFill>
+                  <a:schemeClr val="tx1"/>
+                </a:solidFill>
+              </a:defRPr>
+            </a:lvl1pPr>
+          </a:lstStyle>
+          <a:p>
+            <a:r>
+              <a:rPr lang="en-US" smtClean="0"/>
+              <a:t>Click to edit Master title style</a:t>
+            </a:r>
+            <a:endParaRPr lang="en-US" dirty="0"/>
+          </a:p>
+        </p:txBody>
+      </p:sp>
+      <p:sp>
+        <p:nvSpPr>
+          <p:cNvPr id="3" name="Subtitle 2"/>
+          <p:cNvSpPr>
+            <a:spLocks noGrp="1"/>
+          </p:cNvSpPr>
+          <p:nvPr>
+            <p:ph type="subTitle" idx="1"/>
+          </p:nvPr>
+        </p:nvSpPr>
+        <p:spPr>
+          <a:xfrm>
+            <a:off x="946404" y="4800600"/>
+            <a:ext cx="7063740" cy="1691640"/>
+          </a:xfrm>
+        </p:spPr>
+        <p:txBody>
+          <a:bodyPr>
+            <a:normAutofit/>
+          </a:bodyPr>
+          <a:lstStyle>
+            <a:lvl1pPr marL="0" indent="0" algn="l">
+              <a:buNone/>
+              <a:defRPr sz="2000" baseline="0">
+                <a:solidFill>
+                  <a:schemeClr val="tx1">
+                    <a:lumMod val="85000"/>
+                  </a:schemeClr>
+                </a:solidFill>
+              </a:defRPr>
+            </a:lvl1pPr>
+            <a:lvl2pPr marL="457200" indent="0" algn="ctr">
+              <a:buNone/>
+              <a:defRPr sz="2000"/>
+            </a:lvl2pPr>
+            <a:lvl3pPr marL="914400" indent="0" algn="ctr">
+              <a:buNone/>
+              <a:defRPr sz="2000"/>
+            </a:lvl3pPr>
+            <a:lvl4pPr marL="1371600" indent="0" algn="ctr">
+              <a:buNone/>
+              <a:defRPr sz="2000"/>
+            </a:lvl4pPr>
+            <a:lvl5pPr marL="1828800" indent="0" algn="ctr">
+              <a:buNone/>
+              <a:defRPr sz="2000"/>
+            </a:lvl5pPr>
+            <a:lvl6pPr marL="2286000" indent="0" algn="ctr">
+              <a:buNone/>
+              <a:defRPr sz="2000"/>
+            </a:lvl6pPr>
+            <a:lvl7pPr marL="2743200" indent="0" algn="ctr">
+              <a:buNone/>
+              <a:defRPr sz="2000"/>
+            </a:lvl7pPr>
+            <a:lvl8pPr marL="3200400" indent="0" algn="ctr">
+              <a:buNone/>
+              <a:defRPr sz="2000"/>
+            </a:lvl8pPr>
+            <a:lvl9pPr marL="3657600" indent="0" algn="ctr">
+              <a:buNone/>
+              <a:defRPr sz="2000"/>
+            </a:lvl9pPr>
+          </a:lstStyle>
+          <a:p>
+            <a:r>
+              <a:rPr lang="en-US" smtClean="0"/>
+              <a:t>Click to edit Master subtitle style</a:t>
+            </a:r>
+            <a:endParaRPr lang="en-US" dirty="0"/>
+          </a:p>
+        </p:txBody>
+      </p:sp>
+      <p:sp>
+        <p:nvSpPr>
+          <p:cNvPr id="7" name="Rectangle 6"/>
+          <p:cNvSpPr/>
+          <p:nvPr/>
+        </p:nvSpPr>
+        <p:spPr>
+          <a:xfrm>
+            <a:off x="0" y="0"/>
+            <a:ext cx="342900" cy="6858000"/>
+          </a:xfrm>
+          <a:prstGeom prst="rect">
+            <a:avLst/>
+          </a:prstGeom>
+          <a:solidFill>
+            <a:schemeClr val="accent1"/>
+          </a:solidFill>
+          <a:ln>
+            <a:noFill/>
+          </a:ln>
+        </p:spPr>
+        <p:style>
+          <a:lnRef idx="2">
+            <a:schemeClr val="accent1">
+              <a:shade val="50000"/>
+            </a:schemeClr>
+          </a:lnRef>
+          <a:fillRef idx="1">
+            <a:schemeClr val="accent1"/>
+          </a:fillRef>
+          <a:effectRef idx="0">
+            <a:schemeClr val="accent1"/>
+          </a:effectRef>
+          <a:fontRef idx="minor">
+            <a:schemeClr val="lt1"/>
+          </a:fontRef>
+        </p:style>
+      </p:sp>
+      <p:sp>
+        <p:nvSpPr>
+          <p:cNvPr id="8" name="Date Placeholder 7"/>
+          <p:cNvSpPr>
+            <a:spLocks noGrp="1"/>
+          </p:cNvSpPr>
+          <p:nvPr>
+            <p:ph type="dt" sz="half" idx="10"/>
+          </p:nvPr>
+        </p:nvSpPr>
+        <p:spPr/>
+        <p:txBody>
+          <a:bodyPr/>
+          <a:lstStyle>
+            <a:lvl1pPr>
+              <a:defRPr>
+                <a:solidFill>
+                  <a:schemeClr val="bg2">
+                    <a:lumMod val="20000"/>
+                    <a:lumOff val="80000"/>
+                  </a:schemeClr>
+                </a:solidFill>
+              </a:defRPr>
+            </a:lvl1pPr>
+          </a:lstStyle>
+          <a:p>
+            <a:fld id="{16D63410-F318-9644-9110-6B614613545F}" type="datetimeFigureOut">
+              <a:rPr lang="en-US" smtClean="0"/>
+              <a:t>7/19/17</a:t>
+            </a:fld>
+            <a:endParaRPr lang="en-US"/>
+          </a:p>
+        </p:txBody>
+      </p:sp>
+      <p:sp>
+        <p:nvSpPr>
+          <p:cNvPr id="9" name="Footer Placeholder 8"/>
+          <p:cNvSpPr>
+            <a:spLocks noGrp="1"/>
+          </p:cNvSpPr>
+          <p:nvPr>
+            <p:ph type="ftr" sz="quarter" idx="11"/>
+          </p:nvPr>
+        </p:nvSpPr>
+        <p:spPr/>
+        <p:txBody>
+          <a:bodyPr/>
+          <a:lstStyle>
+            <a:lvl1pPr>
+              <a:defRPr>
+                <a:solidFill>
+                  <a:schemeClr val="bg2">
+                    <a:lumMod val="20000"/>
+                    <a:lumOff val="80000"/>
+                  </a:schemeClr>
+                </a:solidFill>
+              </a:defRPr>
+            </a:lvl1pPr>
+          </a:lstStyle>
+          <a:p>
+            <a:endParaRPr lang="en-US"/>
+          </a:p>
+        </p:txBody>
+      </p:sp>
+      <p:sp>
+        <p:nvSpPr>
+          <p:cNvPr id="10" name="Slide Number Placeholder 9"/>
+          <p:cNvSpPr>
+            <a:spLocks noGrp="1"/>
+          </p:cNvSpPr>
+          <p:nvPr>
+            <p:ph type="sldNum" sz="quarter" idx="12"/>
+          </p:nvPr>
+        </p:nvSpPr>
+        <p:spPr/>
+        <p:txBody>
+          <a:bodyPr/>
+          <a:lstStyle>
+            <a:lvl1pPr>
+              <a:defRPr>
+                <a:solidFill>
+                  <a:schemeClr val="bg2">
+                    <a:lumMod val="60000"/>
+                    <a:lumOff val="40000"/>
+                  </a:schemeClr>
+                </a:solidFill>
+              </a:defRPr>
+            </a:lvl1pPr>
+          </a:lstStyle>
+          <a:p>
+            <a:fld id="{D9B2932B-FC26-324E-BFB3-EF3B29A304B4}" type="slidenum">
+              <a:rPr lang="en-US" smtClean="0"/>
+              <a:t>‹#›</a:t>
+            </a:fld>
+            <a:endParaRPr lang="en-US"/>
+          </a:p>
+        </p:txBody>
+      </p:sp>
+    </p:spTree>
+    <p:extLst>
+      <p:ext uri="{BB962C8B-B14F-4D97-AF65-F5344CB8AC3E}">
+        <p14:creationId xmlns:p14="http://schemas.microsoft.com/office/powerpoint/2010/main" val="1310972486"/>
+      </p:ext>
+    </p:extLst>
+  </p:cSld>
+  <p:clrMapOvr>
+    <a:overrideClrMapping bg1="dk1" tx1="lt1" bg2="dk2" tx2="lt2" accent1="accent1" accent2="accent2" accent3="accent3" accent4="accent4" accent5="accent5" accent6="accent6" hlink="hlink" folHlink="folHlink"/>
+  </p:clrMapOvr>
+</p:sldLayout>
+</file>
+
+<file path=ppt/slideLayouts/slideLayout13.xml><?xml version="1.0" encoding="utf-8"?>
+<p:sldLayout xmlns:a="http://schemas.openxmlformats.org/drawingml/2006/main" xmlns:r="http://schemas.openxmlformats.org/officeDocument/2006/relationships" xmlns:p="http://schemas.openxmlformats.org/presentationml/2006/main" preserve="1" userDrawn="1">
   <p:cSld name="Title and Content">
     <p:spTree>
       <p:nvGrpSpPr>
@@ -1725,12 +1910,12 @@
       </p:grpSpPr>
       <p:sp>
         <p:nvSpPr>
-          <p:cNvPr id="2" name="Title 1"/>
-          <p:cNvSpPr>
-            <a:spLocks noGrp="1"/>
-          </p:cNvSpPr>
-          <p:nvPr>
-            <p:ph type="title"/>
+          <p:cNvPr id="4" name="Date Placeholder 3"/>
+          <p:cNvSpPr>
+            <a:spLocks noGrp="1"/>
+          </p:cNvSpPr>
+          <p:nvPr>
+            <p:ph type="dt" sz="half" idx="10"/>
           </p:nvPr>
         </p:nvSpPr>
         <p:spPr/>
@@ -1738,84 +1923,9 @@
           <a:bodyPr/>
           <a:lstStyle/>
           <a:p>
-            <a:r>
-              <a:rPr lang="en-US" smtClean="0"/>
-              <a:t>Click to edit Master title style</a:t>
-            </a:r>
-            <a:endParaRPr lang="en-US" dirty="0"/>
-          </a:p>
-        </p:txBody>
-      </p:sp>
-      <p:sp>
-        <p:nvSpPr>
-          <p:cNvPr id="3" name="Content Placeholder 2"/>
-          <p:cNvSpPr>
-            <a:spLocks noGrp="1"/>
-          </p:cNvSpPr>
-          <p:nvPr>
-            <p:ph idx="1"/>
-          </p:nvPr>
-        </p:nvSpPr>
-        <p:spPr/>
-        <p:txBody>
-          <a:bodyPr/>
-          <a:lstStyle/>
-          <a:p>
-            <a:pPr lvl="0"/>
-            <a:r>
-              <a:rPr lang="en-US" smtClean="0"/>
-              <a:t>Click to edit Master text styles</a:t>
-            </a:r>
-          </a:p>
-          <a:p>
-            <a:pPr lvl="1"/>
-            <a:r>
-              <a:rPr lang="en-US" smtClean="0"/>
-              <a:t>Second level</a:t>
-            </a:r>
-          </a:p>
-          <a:p>
-            <a:pPr lvl="2"/>
-            <a:r>
-              <a:rPr lang="en-US" smtClean="0"/>
-              <a:t>Third level</a:t>
-            </a:r>
-          </a:p>
-          <a:p>
-            <a:pPr lvl="3"/>
-            <a:r>
-              <a:rPr lang="en-US" smtClean="0"/>
-              <a:t>Fourth level</a:t>
-            </a:r>
-          </a:p>
-          <a:p>
-            <a:pPr lvl="4"/>
-            <a:r>
-              <a:rPr lang="en-US" smtClean="0"/>
-              <a:t>Fifth level</a:t>
-            </a:r>
-            <a:endParaRPr lang="en-US" dirty="0"/>
-          </a:p>
-        </p:txBody>
-      </p:sp>
-      <p:sp>
-        <p:nvSpPr>
-          <p:cNvPr id="4" name="Date Placeholder 3"/>
-          <p:cNvSpPr>
-            <a:spLocks noGrp="1"/>
-          </p:cNvSpPr>
-          <p:nvPr>
-            <p:ph type="dt" sz="half" idx="10"/>
-          </p:nvPr>
-        </p:nvSpPr>
-        <p:spPr/>
-        <p:txBody>
-          <a:bodyPr/>
-          <a:lstStyle/>
-          <a:p>
             <a:fld id="{16D63410-F318-9644-9110-6B614613545F}" type="datetimeFigureOut">
               <a:rPr lang="en-US" smtClean="0"/>
-              <a:t>7/18/17</a:t>
+              <a:t>7/19/17</a:t>
             </a:fld>
             <a:endParaRPr lang="en-US"/>
           </a:p>
@@ -1863,10 +1973,121 @@
           </a:p>
         </p:txBody>
       </p:sp>
+      <p:sp>
+        <p:nvSpPr>
+          <p:cNvPr id="7" name="Title Placeholder 1"/>
+          <p:cNvSpPr txBox="1">
+            <a:spLocks/>
+          </p:cNvSpPr>
+          <p:nvPr userDrawn="1"/>
+        </p:nvSpPr>
+        <p:spPr>
+          <a:xfrm>
+            <a:off x="946404" y="365760"/>
+            <a:ext cx="7269480" cy="1325562"/>
+          </a:xfrm>
+          <a:prstGeom prst="rect">
+            <a:avLst/>
+          </a:prstGeom>
+        </p:spPr>
+        <p:txBody>
+          <a:bodyPr vert="horz" lIns="91440" tIns="45720" rIns="91440" bIns="45720" rtlCol="0" anchor="b">
+            <a:normAutofit/>
+          </a:bodyPr>
+          <a:lstStyle>
+            <a:lvl1pPr algn="l" defTabSz="914400" rtl="0" eaLnBrk="1" latinLnBrk="0" hangingPunct="1">
+              <a:lnSpc>
+                <a:spcPct val="90000"/>
+              </a:lnSpc>
+              <a:spcBef>
+                <a:spcPct val="0"/>
+              </a:spcBef>
+              <a:buNone/>
+              <a:defRPr sz="4000" kern="1200" spc="-50" baseline="0">
+                <a:solidFill>
+                  <a:schemeClr val="tx1"/>
+                </a:solidFill>
+                <a:latin typeface="+mj-lt"/>
+                <a:ea typeface="+mj-ea"/>
+                <a:cs typeface="+mj-cs"/>
+              </a:defRPr>
+            </a:lvl1pPr>
+          </a:lstStyle>
+          <a:p>
+            <a:r>
+              <a:rPr lang="en-US" smtClean="0"/>
+              <a:t>Click to edit Master title style</a:t>
+            </a:r>
+            <a:endParaRPr lang="en-US" dirty="0"/>
+          </a:p>
+        </p:txBody>
+      </p:sp>
+      <p:sp>
+        <p:nvSpPr>
+          <p:cNvPr id="8" name="Text Placeholder 2"/>
+          <p:cNvSpPr>
+            <a:spLocks noGrp="1"/>
+          </p:cNvSpPr>
+          <p:nvPr>
+            <p:ph idx="1"/>
+          </p:nvPr>
+        </p:nvSpPr>
+        <p:spPr>
+          <a:xfrm>
+            <a:off x="946404" y="1828801"/>
+            <a:ext cx="6446520" cy="4351337"/>
+          </a:xfrm>
+          <a:prstGeom prst="rect">
+            <a:avLst/>
+          </a:prstGeom>
+        </p:spPr>
+        <p:txBody>
+          <a:bodyPr vert="horz" lIns="91440" tIns="45720" rIns="91440" bIns="45720" rtlCol="0">
+            <a:normAutofit/>
+          </a:bodyPr>
+          <a:lstStyle/>
+          <a:p>
+            <a:pPr lvl="0"/>
+            <a:r>
+              <a:rPr lang="en-US" smtClean="0"/>
+              <a:t>Click to edit Master text styles</a:t>
+            </a:r>
+          </a:p>
+          <a:p>
+            <a:pPr lvl="1"/>
+            <a:r>
+              <a:rPr lang="en-US" smtClean="0"/>
+              <a:t>Second level</a:t>
+            </a:r>
+          </a:p>
+          <a:p>
+            <a:pPr lvl="2"/>
+            <a:r>
+              <a:rPr lang="en-US" smtClean="0"/>
+              <a:t>Third level</a:t>
+            </a:r>
+          </a:p>
+          <a:p>
+            <a:pPr lvl="3"/>
+            <a:r>
+              <a:rPr lang="en-US" smtClean="0"/>
+              <a:t>Fourth level</a:t>
+            </a:r>
+          </a:p>
+          <a:p>
+            <a:pPr lvl="4"/>
+            <a:r>
+              <a:rPr lang="en-US" smtClean="0"/>
+              <a:t>Fifth level</a:t>
+            </a:r>
+            <a:endParaRPr lang="en-US" dirty="0"/>
+          </a:p>
+        </p:txBody>
+      </p:sp>
     </p:spTree>
     <p:extLst>
       <p:ext uri="{BB962C8B-B14F-4D97-AF65-F5344CB8AC3E}">
-        <p14:creationId xmlns:p14="http://schemas.microsoft.com/office/powerpoint/2010/main" val="1721320608"/>
+        <p14:creationId xmlns:p14="http://schemas.microsoft.com/office/powerpoint/2010/main" val="268409627"/>
       </p:ext>
     </p:extLst>
   </p:cSld>
@@ -1876,7 +2097,7 @@
 </p:sldLayout>
 </file>
 
-<file path=ppt/slideLayouts/slideLayout3.xml><?xml version="1.0" encoding="utf-8"?>
+<file path=ppt/slideLayouts/slideLayout14.xml><?xml version="1.0" encoding="utf-8"?>
 <p:sldLayout xmlns:a="http://schemas.openxmlformats.org/drawingml/2006/main" xmlns:r="http://schemas.openxmlformats.org/officeDocument/2006/relationships" xmlns:p="http://schemas.openxmlformats.org/presentationml/2006/main" type="secHead" preserve="1">
   <p:cSld name="Section Header">
     <p:spTree>
@@ -2069,7 +2290,7 @@
           <a:p>
             <a:fld id="{16D63410-F318-9644-9110-6B614613545F}" type="datetimeFigureOut">
               <a:rPr lang="en-US" smtClean="0"/>
-              <a:t>7/18/17</a:t>
+              <a:t>7/19/17</a:t>
             </a:fld>
             <a:endParaRPr lang="en-US"/>
           </a:p>
@@ -2158,7 +2379,7 @@
     </p:spTree>
     <p:extLst>
       <p:ext uri="{BB962C8B-B14F-4D97-AF65-F5344CB8AC3E}">
-        <p14:creationId xmlns:p14="http://schemas.microsoft.com/office/powerpoint/2010/main" val="1483249919"/>
+        <p14:creationId xmlns:p14="http://schemas.microsoft.com/office/powerpoint/2010/main" val="1399970947"/>
       </p:ext>
     </p:extLst>
   </p:cSld>
@@ -2168,7 +2389,7 @@
 </p:sldLayout>
 </file>
 
-<file path=ppt/slideLayouts/slideLayout4.xml><?xml version="1.0" encoding="utf-8"?>
+<file path=ppt/slideLayouts/slideLayout15.xml><?xml version="1.0" encoding="utf-8"?>
 <p:sldLayout xmlns:a="http://schemas.openxmlformats.org/drawingml/2006/main" xmlns:r="http://schemas.openxmlformats.org/officeDocument/2006/relationships" xmlns:p="http://schemas.openxmlformats.org/presentationml/2006/main" type="twoObj" preserve="1">
   <p:cSld name="Two Content">
     <p:spTree>
@@ -2395,7 +2616,7 @@
           <a:p>
             <a:fld id="{16D63410-F318-9644-9110-6B614613545F}" type="datetimeFigureOut">
               <a:rPr lang="en-US" smtClean="0"/>
-              <a:t>7/18/17</a:t>
+              <a:t>7/19/17</a:t>
             </a:fld>
             <a:endParaRPr lang="en-US"/>
           </a:p>
@@ -2446,7 +2667,7 @@
     </p:spTree>
     <p:extLst>
       <p:ext uri="{BB962C8B-B14F-4D97-AF65-F5344CB8AC3E}">
-        <p14:creationId xmlns:p14="http://schemas.microsoft.com/office/powerpoint/2010/main" val="991214257"/>
+        <p14:creationId xmlns:p14="http://schemas.microsoft.com/office/powerpoint/2010/main" val="1789012396"/>
       </p:ext>
     </p:extLst>
   </p:cSld>
@@ -2456,7 +2677,7 @@
 </p:sldLayout>
 </file>
 
-<file path=ppt/slideLayouts/slideLayout5.xml><?xml version="1.0" encoding="utf-8"?>
+<file path=ppt/slideLayouts/slideLayout16.xml><?xml version="1.0" encoding="utf-8"?>
 <p:sldLayout xmlns:a="http://schemas.openxmlformats.org/drawingml/2006/main" xmlns:r="http://schemas.openxmlformats.org/officeDocument/2006/relationships" xmlns:p="http://schemas.openxmlformats.org/presentationml/2006/main" type="twoTxTwoObj" preserve="1">
   <p:cSld name="Comparison">
     <p:spTree>
@@ -2815,7 +3036,7 @@
           <a:p>
             <a:fld id="{16D63410-F318-9644-9110-6B614613545F}" type="datetimeFigureOut">
               <a:rPr lang="en-US" smtClean="0"/>
-              <a:t>7/18/17</a:t>
+              <a:t>7/19/17</a:t>
             </a:fld>
             <a:endParaRPr lang="en-US"/>
           </a:p>
@@ -2866,7 +3087,7 @@
     </p:spTree>
     <p:extLst>
       <p:ext uri="{BB962C8B-B14F-4D97-AF65-F5344CB8AC3E}">
-        <p14:creationId xmlns:p14="http://schemas.microsoft.com/office/powerpoint/2010/main" val="1307367620"/>
+        <p14:creationId xmlns:p14="http://schemas.microsoft.com/office/powerpoint/2010/main" val="1139339353"/>
       </p:ext>
     </p:extLst>
   </p:cSld>
@@ -2876,7 +3097,7 @@
 </p:sldLayout>
 </file>
 
-<file path=ppt/slideLayouts/slideLayout6.xml><?xml version="1.0" encoding="utf-8"?>
+<file path=ppt/slideLayouts/slideLayout17.xml><?xml version="1.0" encoding="utf-8"?>
 <p:sldLayout xmlns:a="http://schemas.openxmlformats.org/drawingml/2006/main" xmlns:r="http://schemas.openxmlformats.org/officeDocument/2006/relationships" xmlns:p="http://schemas.openxmlformats.org/presentationml/2006/main" type="titleOnly" preserve="1">
   <p:cSld name="Title Only">
     <p:spTree>
@@ -2933,7 +3154,7 @@
           <a:p>
             <a:fld id="{16D63410-F318-9644-9110-6B614613545F}" type="datetimeFigureOut">
               <a:rPr lang="en-US" smtClean="0"/>
-              <a:t>7/18/17</a:t>
+              <a:t>7/19/17</a:t>
             </a:fld>
             <a:endParaRPr lang="en-US"/>
           </a:p>
@@ -2984,7 +3205,7 @@
     </p:spTree>
     <p:extLst>
       <p:ext uri="{BB962C8B-B14F-4D97-AF65-F5344CB8AC3E}">
-        <p14:creationId xmlns:p14="http://schemas.microsoft.com/office/powerpoint/2010/main" val="2022396883"/>
+        <p14:creationId xmlns:p14="http://schemas.microsoft.com/office/powerpoint/2010/main" val="940782731"/>
       </p:ext>
     </p:extLst>
   </p:cSld>
@@ -2994,7 +3215,7 @@
 </p:sldLayout>
 </file>
 
-<file path=ppt/slideLayouts/slideLayout7.xml><?xml version="1.0" encoding="utf-8"?>
+<file path=ppt/slideLayouts/slideLayout18.xml><?xml version="1.0" encoding="utf-8"?>
 <p:sldLayout xmlns:a="http://schemas.openxmlformats.org/drawingml/2006/main" xmlns:r="http://schemas.openxmlformats.org/officeDocument/2006/relationships" xmlns:p="http://schemas.openxmlformats.org/presentationml/2006/main" type="blank" preserve="1">
   <p:cSld name="Blank">
     <p:spTree>
@@ -3028,7 +3249,7 @@
           <a:p>
             <a:fld id="{16D63410-F318-9644-9110-6B614613545F}" type="datetimeFigureOut">
               <a:rPr lang="en-US" smtClean="0"/>
-              <a:t>7/18/17</a:t>
+              <a:t>7/19/17</a:t>
             </a:fld>
             <a:endParaRPr lang="en-US"/>
           </a:p>
@@ -3079,7 +3300,7 @@
     </p:spTree>
     <p:extLst>
       <p:ext uri="{BB962C8B-B14F-4D97-AF65-F5344CB8AC3E}">
-        <p14:creationId xmlns:p14="http://schemas.microsoft.com/office/powerpoint/2010/main" val="53247865"/>
+        <p14:creationId xmlns:p14="http://schemas.microsoft.com/office/powerpoint/2010/main" val="1200502106"/>
       </p:ext>
     </p:extLst>
   </p:cSld>
@@ -3089,7 +3310,7 @@
 </p:sldLayout>
 </file>
 
-<file path=ppt/slideLayouts/slideLayout8.xml><?xml version="1.0" encoding="utf-8"?>
+<file path=ppt/slideLayouts/slideLayout19.xml><?xml version="1.0" encoding="utf-8"?>
 <p:sldLayout xmlns:a="http://schemas.openxmlformats.org/drawingml/2006/main" xmlns:r="http://schemas.openxmlformats.org/officeDocument/2006/relationships" xmlns:p="http://schemas.openxmlformats.org/presentationml/2006/main" type="objTx" preserve="1">
   <p:cSld name="Content with Caption">
     <p:spTree>
@@ -3315,7 +3536,7 @@
           <a:p>
             <a:fld id="{16D63410-F318-9644-9110-6B614613545F}" type="datetimeFigureOut">
               <a:rPr lang="en-US" smtClean="0"/>
-              <a:t>7/18/17</a:t>
+              <a:t>7/19/17</a:t>
             </a:fld>
             <a:endParaRPr lang="en-US"/>
           </a:p>
@@ -3366,7 +3587,7 @@
     </p:spTree>
     <p:extLst>
       <p:ext uri="{BB962C8B-B14F-4D97-AF65-F5344CB8AC3E}">
-        <p14:creationId xmlns:p14="http://schemas.microsoft.com/office/powerpoint/2010/main" val="1583669903"/>
+        <p14:creationId xmlns:p14="http://schemas.microsoft.com/office/powerpoint/2010/main" val="1469851417"/>
       </p:ext>
     </p:extLst>
   </p:cSld>
@@ -3376,7 +3597,187 @@
 </p:sldLayout>
 </file>
 
-<file path=ppt/slideLayouts/slideLayout9.xml><?xml version="1.0" encoding="utf-8"?>
+<file path=ppt/slideLayouts/slideLayout2.xml><?xml version="1.0" encoding="utf-8"?>
+<p:sldLayout xmlns:a="http://schemas.openxmlformats.org/drawingml/2006/main" xmlns:r="http://schemas.openxmlformats.org/officeDocument/2006/relationships" xmlns:p="http://schemas.openxmlformats.org/presentationml/2006/main" type="obj" preserve="1">
+  <p:cSld name="Title and Content">
+    <p:spTree>
+      <p:nvGrpSpPr>
+        <p:cNvPr id="1" name=""/>
+        <p:cNvGrpSpPr/>
+        <p:nvPr/>
+      </p:nvGrpSpPr>
+      <p:grpSpPr>
+        <a:xfrm>
+          <a:off x="0" y="0"/>
+          <a:ext cx="0" cy="0"/>
+          <a:chOff x="0" y="0"/>
+          <a:chExt cx="0" cy="0"/>
+        </a:xfrm>
+      </p:grpSpPr>
+      <p:sp>
+        <p:nvSpPr>
+          <p:cNvPr id="2" name="Title 1"/>
+          <p:cNvSpPr>
+            <a:spLocks noGrp="1"/>
+          </p:cNvSpPr>
+          <p:nvPr>
+            <p:ph type="title"/>
+          </p:nvPr>
+        </p:nvSpPr>
+        <p:spPr>
+          <a:xfrm>
+            <a:off x="914400" y="522514"/>
+            <a:ext cx="7269480" cy="1045029"/>
+          </a:xfrm>
+        </p:spPr>
+        <p:txBody>
+          <a:bodyPr/>
+          <a:lstStyle/>
+          <a:p>
+            <a:r>
+              <a:rPr lang="en-US" dirty="0" smtClean="0"/>
+              <a:t>Click to edit Master title style</a:t>
+            </a:r>
+            <a:endParaRPr lang="en-US" dirty="0"/>
+          </a:p>
+        </p:txBody>
+      </p:sp>
+      <p:sp>
+        <p:nvSpPr>
+          <p:cNvPr id="3" name="Content Placeholder 2"/>
+          <p:cNvSpPr>
+            <a:spLocks noGrp="1"/>
+          </p:cNvSpPr>
+          <p:nvPr>
+            <p:ph idx="1"/>
+          </p:nvPr>
+        </p:nvSpPr>
+        <p:spPr>
+          <a:xfrm>
+            <a:off x="914400" y="1814650"/>
+            <a:ext cx="6505303" cy="4357551"/>
+          </a:xfrm>
+        </p:spPr>
+        <p:txBody>
+          <a:bodyPr/>
+          <a:lstStyle/>
+          <a:p>
+            <a:pPr lvl="0"/>
+            <a:r>
+              <a:rPr lang="en-US" dirty="0" smtClean="0"/>
+              <a:t>Click to edit Master text styles</a:t>
+            </a:r>
+          </a:p>
+          <a:p>
+            <a:pPr lvl="1"/>
+            <a:r>
+              <a:rPr lang="en-US" dirty="0" smtClean="0"/>
+              <a:t>Second level</a:t>
+            </a:r>
+          </a:p>
+          <a:p>
+            <a:pPr lvl="2"/>
+            <a:r>
+              <a:rPr lang="en-US" dirty="0" smtClean="0"/>
+              <a:t>Third level</a:t>
+            </a:r>
+          </a:p>
+          <a:p>
+            <a:pPr lvl="3"/>
+            <a:r>
+              <a:rPr lang="en-US" dirty="0" smtClean="0"/>
+              <a:t>Fourth level</a:t>
+            </a:r>
+          </a:p>
+          <a:p>
+            <a:pPr lvl="4"/>
+            <a:r>
+              <a:rPr lang="en-US" dirty="0" smtClean="0"/>
+              <a:t>Fifth level</a:t>
+            </a:r>
+            <a:endParaRPr lang="en-US" dirty="0"/>
+          </a:p>
+        </p:txBody>
+      </p:sp>
+      <p:sp>
+        <p:nvSpPr>
+          <p:cNvPr id="4" name="Date Placeholder 3"/>
+          <p:cNvSpPr>
+            <a:spLocks noGrp="1"/>
+          </p:cNvSpPr>
+          <p:nvPr>
+            <p:ph type="dt" sz="half" idx="10"/>
+          </p:nvPr>
+        </p:nvSpPr>
+        <p:spPr/>
+        <p:txBody>
+          <a:bodyPr/>
+          <a:lstStyle/>
+          <a:p>
+            <a:fld id="{16D63410-F318-9644-9110-6B614613545F}" type="datetimeFigureOut">
+              <a:rPr lang="en-US" smtClean="0"/>
+              <a:t>7/18/17</a:t>
+            </a:fld>
+            <a:endParaRPr lang="en-US"/>
+          </a:p>
+        </p:txBody>
+      </p:sp>
+      <p:sp>
+        <p:nvSpPr>
+          <p:cNvPr id="5" name="Footer Placeholder 4"/>
+          <p:cNvSpPr>
+            <a:spLocks noGrp="1"/>
+          </p:cNvSpPr>
+          <p:nvPr>
+            <p:ph type="ftr" sz="quarter" idx="11"/>
+          </p:nvPr>
+        </p:nvSpPr>
+        <p:spPr/>
+        <p:txBody>
+          <a:bodyPr/>
+          <a:lstStyle/>
+          <a:p>
+            <a:endParaRPr lang="en-US"/>
+          </a:p>
+        </p:txBody>
+      </p:sp>
+      <p:sp>
+        <p:nvSpPr>
+          <p:cNvPr id="6" name="Slide Number Placeholder 5"/>
+          <p:cNvSpPr>
+            <a:spLocks noGrp="1"/>
+          </p:cNvSpPr>
+          <p:nvPr>
+            <p:ph type="sldNum" sz="quarter" idx="12"/>
+          </p:nvPr>
+        </p:nvSpPr>
+        <p:spPr/>
+        <p:txBody>
+          <a:bodyPr/>
+          <a:lstStyle/>
+          <a:p>
+            <a:fld id="{D9B2932B-FC26-324E-BFB3-EF3B29A304B4}" type="slidenum">
+              <a:rPr lang="en-US" smtClean="0"/>
+              <a:t>‹#›</a:t>
+            </a:fld>
+            <a:endParaRPr lang="en-US"/>
+          </a:p>
+        </p:txBody>
+      </p:sp>
+    </p:spTree>
+    <p:extLst>
+      <p:ext uri="{BB962C8B-B14F-4D97-AF65-F5344CB8AC3E}">
+        <p14:creationId xmlns:p14="http://schemas.microsoft.com/office/powerpoint/2010/main" val="1721320608"/>
+      </p:ext>
+    </p:extLst>
+  </p:cSld>
+  <p:clrMapOvr>
+    <a:masterClrMapping/>
+  </p:clrMapOvr>
+</p:sldLayout>
+</file>
+
+<file path=ppt/slideLayouts/slideLayout20.xml><?xml version="1.0" encoding="utf-8"?>
 <p:sldLayout xmlns:a="http://schemas.openxmlformats.org/drawingml/2006/main" xmlns:r="http://schemas.openxmlformats.org/officeDocument/2006/relationships" xmlns:p="http://schemas.openxmlformats.org/presentationml/2006/main" type="picTx" preserve="1">
   <p:cSld name="Picture with Caption">
     <p:spTree>
@@ -3640,6 +4041,2181 @@
           <a:p>
             <a:fld id="{16D63410-F318-9644-9110-6B614613545F}" type="datetimeFigureOut">
               <a:rPr lang="en-US" smtClean="0"/>
+              <a:t>7/19/17</a:t>
+            </a:fld>
+            <a:endParaRPr lang="en-US"/>
+          </a:p>
+        </p:txBody>
+      </p:sp>
+      <p:sp>
+        <p:nvSpPr>
+          <p:cNvPr id="6" name="Footer Placeholder 5"/>
+          <p:cNvSpPr>
+            <a:spLocks noGrp="1"/>
+          </p:cNvSpPr>
+          <p:nvPr>
+            <p:ph type="ftr" sz="quarter" idx="11"/>
+          </p:nvPr>
+        </p:nvSpPr>
+        <p:spPr/>
+        <p:txBody>
+          <a:bodyPr/>
+          <a:lstStyle/>
+          <a:p>
+            <a:endParaRPr lang="en-US"/>
+          </a:p>
+        </p:txBody>
+      </p:sp>
+      <p:sp>
+        <p:nvSpPr>
+          <p:cNvPr id="7" name="Slide Number Placeholder 6"/>
+          <p:cNvSpPr>
+            <a:spLocks noGrp="1"/>
+          </p:cNvSpPr>
+          <p:nvPr>
+            <p:ph type="sldNum" sz="quarter" idx="12"/>
+          </p:nvPr>
+        </p:nvSpPr>
+        <p:spPr/>
+        <p:txBody>
+          <a:bodyPr/>
+          <a:lstStyle/>
+          <a:p>
+            <a:fld id="{D9B2932B-FC26-324E-BFB3-EF3B29A304B4}" type="slidenum">
+              <a:rPr lang="en-US" smtClean="0"/>
+              <a:t>‹#›</a:t>
+            </a:fld>
+            <a:endParaRPr lang="en-US"/>
+          </a:p>
+        </p:txBody>
+      </p:sp>
+    </p:spTree>
+    <p:extLst>
+      <p:ext uri="{BB962C8B-B14F-4D97-AF65-F5344CB8AC3E}">
+        <p14:creationId xmlns:p14="http://schemas.microsoft.com/office/powerpoint/2010/main" val="625516245"/>
+      </p:ext>
+    </p:extLst>
+  </p:cSld>
+  <p:clrMapOvr>
+    <a:masterClrMapping/>
+  </p:clrMapOvr>
+</p:sldLayout>
+</file>
+
+<file path=ppt/slideLayouts/slideLayout21.xml><?xml version="1.0" encoding="utf-8"?>
+<p:sldLayout xmlns:a="http://schemas.openxmlformats.org/drawingml/2006/main" xmlns:r="http://schemas.openxmlformats.org/officeDocument/2006/relationships" xmlns:p="http://schemas.openxmlformats.org/presentationml/2006/main" type="vertTx" preserve="1">
+  <p:cSld name="Title and Vertical Text">
+    <p:spTree>
+      <p:nvGrpSpPr>
+        <p:cNvPr id="1" name=""/>
+        <p:cNvGrpSpPr/>
+        <p:nvPr/>
+      </p:nvGrpSpPr>
+      <p:grpSpPr>
+        <a:xfrm>
+          <a:off x="0" y="0"/>
+          <a:ext cx="0" cy="0"/>
+          <a:chOff x="0" y="0"/>
+          <a:chExt cx="0" cy="0"/>
+        </a:xfrm>
+      </p:grpSpPr>
+      <p:sp>
+        <p:nvSpPr>
+          <p:cNvPr id="2" name="Title 1"/>
+          <p:cNvSpPr>
+            <a:spLocks noGrp="1"/>
+          </p:cNvSpPr>
+          <p:nvPr>
+            <p:ph type="title"/>
+          </p:nvPr>
+        </p:nvSpPr>
+        <p:spPr/>
+        <p:txBody>
+          <a:bodyPr/>
+          <a:lstStyle/>
+          <a:p>
+            <a:r>
+              <a:rPr lang="en-US" smtClean="0"/>
+              <a:t>Click to edit Master title style</a:t>
+            </a:r>
+            <a:endParaRPr lang="en-US" dirty="0"/>
+          </a:p>
+        </p:txBody>
+      </p:sp>
+      <p:sp>
+        <p:nvSpPr>
+          <p:cNvPr id="3" name="Vertical Text Placeholder 2"/>
+          <p:cNvSpPr>
+            <a:spLocks noGrp="1"/>
+          </p:cNvSpPr>
+          <p:nvPr>
+            <p:ph type="body" orient="vert" idx="1"/>
+          </p:nvPr>
+        </p:nvSpPr>
+        <p:spPr/>
+        <p:txBody>
+          <a:bodyPr vert="eaVert"/>
+          <a:lstStyle/>
+          <a:p>
+            <a:pPr lvl="0"/>
+            <a:r>
+              <a:rPr lang="en-US" smtClean="0"/>
+              <a:t>Click to edit Master text styles</a:t>
+            </a:r>
+          </a:p>
+          <a:p>
+            <a:pPr lvl="1"/>
+            <a:r>
+              <a:rPr lang="en-US" smtClean="0"/>
+              <a:t>Second level</a:t>
+            </a:r>
+          </a:p>
+          <a:p>
+            <a:pPr lvl="2"/>
+            <a:r>
+              <a:rPr lang="en-US" smtClean="0"/>
+              <a:t>Third level</a:t>
+            </a:r>
+          </a:p>
+          <a:p>
+            <a:pPr lvl="3"/>
+            <a:r>
+              <a:rPr lang="en-US" smtClean="0"/>
+              <a:t>Fourth level</a:t>
+            </a:r>
+          </a:p>
+          <a:p>
+            <a:pPr lvl="4"/>
+            <a:r>
+              <a:rPr lang="en-US" smtClean="0"/>
+              <a:t>Fifth level</a:t>
+            </a:r>
+            <a:endParaRPr lang="en-US" dirty="0"/>
+          </a:p>
+        </p:txBody>
+      </p:sp>
+      <p:sp>
+        <p:nvSpPr>
+          <p:cNvPr id="4" name="Date Placeholder 3"/>
+          <p:cNvSpPr>
+            <a:spLocks noGrp="1"/>
+          </p:cNvSpPr>
+          <p:nvPr>
+            <p:ph type="dt" sz="half" idx="10"/>
+          </p:nvPr>
+        </p:nvSpPr>
+        <p:spPr/>
+        <p:txBody>
+          <a:bodyPr/>
+          <a:lstStyle/>
+          <a:p>
+            <a:fld id="{16D63410-F318-9644-9110-6B614613545F}" type="datetimeFigureOut">
+              <a:rPr lang="en-US" smtClean="0"/>
+              <a:t>7/19/17</a:t>
+            </a:fld>
+            <a:endParaRPr lang="en-US"/>
+          </a:p>
+        </p:txBody>
+      </p:sp>
+      <p:sp>
+        <p:nvSpPr>
+          <p:cNvPr id="5" name="Footer Placeholder 4"/>
+          <p:cNvSpPr>
+            <a:spLocks noGrp="1"/>
+          </p:cNvSpPr>
+          <p:nvPr>
+            <p:ph type="ftr" sz="quarter" idx="11"/>
+          </p:nvPr>
+        </p:nvSpPr>
+        <p:spPr/>
+        <p:txBody>
+          <a:bodyPr/>
+          <a:lstStyle/>
+          <a:p>
+            <a:endParaRPr lang="en-US"/>
+          </a:p>
+        </p:txBody>
+      </p:sp>
+      <p:sp>
+        <p:nvSpPr>
+          <p:cNvPr id="6" name="Slide Number Placeholder 5"/>
+          <p:cNvSpPr>
+            <a:spLocks noGrp="1"/>
+          </p:cNvSpPr>
+          <p:nvPr>
+            <p:ph type="sldNum" sz="quarter" idx="12"/>
+          </p:nvPr>
+        </p:nvSpPr>
+        <p:spPr/>
+        <p:txBody>
+          <a:bodyPr/>
+          <a:lstStyle/>
+          <a:p>
+            <a:fld id="{D9B2932B-FC26-324E-BFB3-EF3B29A304B4}" type="slidenum">
+              <a:rPr lang="en-US" smtClean="0"/>
+              <a:t>‹#›</a:t>
+            </a:fld>
+            <a:endParaRPr lang="en-US"/>
+          </a:p>
+        </p:txBody>
+      </p:sp>
+    </p:spTree>
+    <p:extLst>
+      <p:ext uri="{BB962C8B-B14F-4D97-AF65-F5344CB8AC3E}">
+        <p14:creationId xmlns:p14="http://schemas.microsoft.com/office/powerpoint/2010/main" val="676283124"/>
+      </p:ext>
+    </p:extLst>
+  </p:cSld>
+  <p:clrMapOvr>
+    <a:masterClrMapping/>
+  </p:clrMapOvr>
+</p:sldLayout>
+</file>
+
+<file path=ppt/slideLayouts/slideLayout22.xml><?xml version="1.0" encoding="utf-8"?>
+<p:sldLayout xmlns:a="http://schemas.openxmlformats.org/drawingml/2006/main" xmlns:r="http://schemas.openxmlformats.org/officeDocument/2006/relationships" xmlns:p="http://schemas.openxmlformats.org/presentationml/2006/main" type="vertTitleAndTx" preserve="1">
+  <p:cSld name="Vertical Title and Text">
+    <p:spTree>
+      <p:nvGrpSpPr>
+        <p:cNvPr id="1" name=""/>
+        <p:cNvGrpSpPr/>
+        <p:nvPr/>
+      </p:nvGrpSpPr>
+      <p:grpSpPr>
+        <a:xfrm>
+          <a:off x="0" y="0"/>
+          <a:ext cx="0" cy="0"/>
+          <a:chOff x="0" y="0"/>
+          <a:chExt cx="0" cy="0"/>
+        </a:xfrm>
+      </p:grpSpPr>
+      <p:sp>
+        <p:nvSpPr>
+          <p:cNvPr id="2" name="Vertical Title 1"/>
+          <p:cNvSpPr>
+            <a:spLocks noGrp="1"/>
+          </p:cNvSpPr>
+          <p:nvPr>
+            <p:ph type="title" orient="vert"/>
+          </p:nvPr>
+        </p:nvSpPr>
+        <p:spPr>
+          <a:xfrm>
+            <a:off x="6486525" y="381000"/>
+            <a:ext cx="1857375" cy="5897562"/>
+          </a:xfrm>
+        </p:spPr>
+        <p:txBody>
+          <a:bodyPr vert="eaVert"/>
+          <a:lstStyle/>
+          <a:p>
+            <a:r>
+              <a:rPr lang="en-US" smtClean="0"/>
+              <a:t>Click to edit Master title style</a:t>
+            </a:r>
+            <a:endParaRPr lang="en-US" dirty="0"/>
+          </a:p>
+        </p:txBody>
+      </p:sp>
+      <p:sp>
+        <p:nvSpPr>
+          <p:cNvPr id="3" name="Vertical Text Placeholder 2"/>
+          <p:cNvSpPr>
+            <a:spLocks noGrp="1"/>
+          </p:cNvSpPr>
+          <p:nvPr>
+            <p:ph type="body" orient="vert" idx="1"/>
+          </p:nvPr>
+        </p:nvSpPr>
+        <p:spPr>
+          <a:xfrm>
+            <a:off x="571500" y="381000"/>
+            <a:ext cx="5800725" cy="5897562"/>
+          </a:xfrm>
+        </p:spPr>
+        <p:txBody>
+          <a:bodyPr vert="eaVert"/>
+          <a:lstStyle/>
+          <a:p>
+            <a:pPr lvl="0"/>
+            <a:r>
+              <a:rPr lang="en-US" smtClean="0"/>
+              <a:t>Click to edit Master text styles</a:t>
+            </a:r>
+          </a:p>
+          <a:p>
+            <a:pPr lvl="1"/>
+            <a:r>
+              <a:rPr lang="en-US" smtClean="0"/>
+              <a:t>Second level</a:t>
+            </a:r>
+          </a:p>
+          <a:p>
+            <a:pPr lvl="2"/>
+            <a:r>
+              <a:rPr lang="en-US" smtClean="0"/>
+              <a:t>Third level</a:t>
+            </a:r>
+          </a:p>
+          <a:p>
+            <a:pPr lvl="3"/>
+            <a:r>
+              <a:rPr lang="en-US" smtClean="0"/>
+              <a:t>Fourth level</a:t>
+            </a:r>
+          </a:p>
+          <a:p>
+            <a:pPr lvl="4"/>
+            <a:r>
+              <a:rPr lang="en-US" smtClean="0"/>
+              <a:t>Fifth level</a:t>
+            </a:r>
+            <a:endParaRPr lang="en-US" dirty="0"/>
+          </a:p>
+        </p:txBody>
+      </p:sp>
+      <p:sp>
+        <p:nvSpPr>
+          <p:cNvPr id="4" name="Date Placeholder 3"/>
+          <p:cNvSpPr>
+            <a:spLocks noGrp="1"/>
+          </p:cNvSpPr>
+          <p:nvPr>
+            <p:ph type="dt" sz="half" idx="10"/>
+          </p:nvPr>
+        </p:nvSpPr>
+        <p:spPr/>
+        <p:txBody>
+          <a:bodyPr/>
+          <a:lstStyle/>
+          <a:p>
+            <a:fld id="{16D63410-F318-9644-9110-6B614613545F}" type="datetimeFigureOut">
+              <a:rPr lang="en-US" smtClean="0"/>
+              <a:t>7/19/17</a:t>
+            </a:fld>
+            <a:endParaRPr lang="en-US"/>
+          </a:p>
+        </p:txBody>
+      </p:sp>
+      <p:sp>
+        <p:nvSpPr>
+          <p:cNvPr id="5" name="Footer Placeholder 4"/>
+          <p:cNvSpPr>
+            <a:spLocks noGrp="1"/>
+          </p:cNvSpPr>
+          <p:nvPr>
+            <p:ph type="ftr" sz="quarter" idx="11"/>
+          </p:nvPr>
+        </p:nvSpPr>
+        <p:spPr/>
+        <p:txBody>
+          <a:bodyPr/>
+          <a:lstStyle/>
+          <a:p>
+            <a:endParaRPr lang="en-US"/>
+          </a:p>
+        </p:txBody>
+      </p:sp>
+      <p:sp>
+        <p:nvSpPr>
+          <p:cNvPr id="6" name="Slide Number Placeholder 5"/>
+          <p:cNvSpPr>
+            <a:spLocks noGrp="1"/>
+          </p:cNvSpPr>
+          <p:nvPr>
+            <p:ph type="sldNum" sz="quarter" idx="12"/>
+          </p:nvPr>
+        </p:nvSpPr>
+        <p:spPr/>
+        <p:txBody>
+          <a:bodyPr/>
+          <a:lstStyle/>
+          <a:p>
+            <a:fld id="{D9B2932B-FC26-324E-BFB3-EF3B29A304B4}" type="slidenum">
+              <a:rPr lang="en-US" smtClean="0"/>
+              <a:t>‹#›</a:t>
+            </a:fld>
+            <a:endParaRPr lang="en-US"/>
+          </a:p>
+        </p:txBody>
+      </p:sp>
+    </p:spTree>
+    <p:extLst>
+      <p:ext uri="{BB962C8B-B14F-4D97-AF65-F5344CB8AC3E}">
+        <p14:creationId xmlns:p14="http://schemas.microsoft.com/office/powerpoint/2010/main" val="621719334"/>
+      </p:ext>
+    </p:extLst>
+  </p:cSld>
+  <p:clrMapOvr>
+    <a:masterClrMapping/>
+  </p:clrMapOvr>
+</p:sldLayout>
+</file>
+
+<file path=ppt/slideLayouts/slideLayout3.xml><?xml version="1.0" encoding="utf-8"?>
+<p:sldLayout xmlns:a="http://schemas.openxmlformats.org/drawingml/2006/main" xmlns:r="http://schemas.openxmlformats.org/officeDocument/2006/relationships" xmlns:p="http://schemas.openxmlformats.org/presentationml/2006/main" type="secHead" preserve="1">
+  <p:cSld name="Section Header">
+    <p:spTree>
+      <p:nvGrpSpPr>
+        <p:cNvPr id="1" name=""/>
+        <p:cNvGrpSpPr/>
+        <p:nvPr/>
+      </p:nvGrpSpPr>
+      <p:grpSpPr>
+        <a:xfrm>
+          <a:off x="0" y="0"/>
+          <a:ext cx="0" cy="0"/>
+          <a:chOff x="0" y="0"/>
+          <a:chExt cx="0" cy="0"/>
+        </a:xfrm>
+      </p:grpSpPr>
+      <p:sp>
+        <p:nvSpPr>
+          <p:cNvPr id="2" name="Title 1"/>
+          <p:cNvSpPr>
+            <a:spLocks noGrp="1"/>
+          </p:cNvSpPr>
+          <p:nvPr>
+            <p:ph type="title"/>
+          </p:nvPr>
+        </p:nvSpPr>
+        <p:spPr>
+          <a:xfrm>
+            <a:off x="946404" y="758952"/>
+            <a:ext cx="7063740" cy="4041648"/>
+          </a:xfrm>
+        </p:spPr>
+        <p:txBody>
+          <a:bodyPr anchor="b">
+            <a:normAutofit/>
+          </a:bodyPr>
+          <a:lstStyle>
+            <a:lvl1pPr>
+              <a:lnSpc>
+                <a:spcPct val="85000"/>
+              </a:lnSpc>
+              <a:defRPr sz="6600" b="0"/>
+            </a:lvl1pPr>
+          </a:lstStyle>
+          <a:p>
+            <a:r>
+              <a:rPr lang="en-US" smtClean="0"/>
+              <a:t>Click to edit Master title style</a:t>
+            </a:r>
+            <a:endParaRPr lang="en-US" dirty="0"/>
+          </a:p>
+        </p:txBody>
+      </p:sp>
+      <p:sp>
+        <p:nvSpPr>
+          <p:cNvPr id="3" name="Text Placeholder 2"/>
+          <p:cNvSpPr>
+            <a:spLocks noGrp="1"/>
+          </p:cNvSpPr>
+          <p:nvPr>
+            <p:ph type="body" idx="1"/>
+          </p:nvPr>
+        </p:nvSpPr>
+        <p:spPr>
+          <a:xfrm>
+            <a:off x="946404" y="4800600"/>
+            <a:ext cx="7063740" cy="1691640"/>
+          </a:xfrm>
+        </p:spPr>
+        <p:txBody>
+          <a:bodyPr anchor="t">
+            <a:normAutofit/>
+          </a:bodyPr>
+          <a:lstStyle>
+            <a:lvl1pPr marL="0" indent="0">
+              <a:buNone/>
+              <a:defRPr sz="2000">
+                <a:solidFill>
+                  <a:schemeClr val="tx1">
+                    <a:lumMod val="75000"/>
+                    <a:lumOff val="25000"/>
+                  </a:schemeClr>
+                </a:solidFill>
+              </a:defRPr>
+            </a:lvl1pPr>
+            <a:lvl2pPr marL="457200" indent="0">
+              <a:buNone/>
+              <a:defRPr sz="1800">
+                <a:solidFill>
+                  <a:schemeClr val="tx1">
+                    <a:tint val="75000"/>
+                  </a:schemeClr>
+                </a:solidFill>
+              </a:defRPr>
+            </a:lvl2pPr>
+            <a:lvl3pPr marL="914400" indent="0">
+              <a:buNone/>
+              <a:defRPr sz="1600">
+                <a:solidFill>
+                  <a:schemeClr val="tx1">
+                    <a:tint val="75000"/>
+                  </a:schemeClr>
+                </a:solidFill>
+              </a:defRPr>
+            </a:lvl3pPr>
+            <a:lvl4pPr marL="1371600" indent="0">
+              <a:buNone/>
+              <a:defRPr sz="1400">
+                <a:solidFill>
+                  <a:schemeClr val="tx1">
+                    <a:tint val="75000"/>
+                  </a:schemeClr>
+                </a:solidFill>
+              </a:defRPr>
+            </a:lvl4pPr>
+            <a:lvl5pPr marL="1828800" indent="0">
+              <a:buNone/>
+              <a:defRPr sz="1400">
+                <a:solidFill>
+                  <a:schemeClr val="tx1">
+                    <a:tint val="75000"/>
+                  </a:schemeClr>
+                </a:solidFill>
+              </a:defRPr>
+            </a:lvl5pPr>
+            <a:lvl6pPr marL="2286000" indent="0">
+              <a:buNone/>
+              <a:defRPr sz="1400">
+                <a:solidFill>
+                  <a:schemeClr val="tx1">
+                    <a:tint val="75000"/>
+                  </a:schemeClr>
+                </a:solidFill>
+              </a:defRPr>
+            </a:lvl6pPr>
+            <a:lvl7pPr marL="2743200" indent="0">
+              <a:buNone/>
+              <a:defRPr sz="1400">
+                <a:solidFill>
+                  <a:schemeClr val="tx1">
+                    <a:tint val="75000"/>
+                  </a:schemeClr>
+                </a:solidFill>
+              </a:defRPr>
+            </a:lvl7pPr>
+            <a:lvl8pPr marL="3200400" indent="0">
+              <a:buNone/>
+              <a:defRPr sz="1400">
+                <a:solidFill>
+                  <a:schemeClr val="tx1">
+                    <a:tint val="75000"/>
+                  </a:schemeClr>
+                </a:solidFill>
+              </a:defRPr>
+            </a:lvl8pPr>
+            <a:lvl9pPr marL="3657600" indent="0">
+              <a:buNone/>
+              <a:defRPr sz="1400">
+                <a:solidFill>
+                  <a:schemeClr val="tx1">
+                    <a:tint val="75000"/>
+                  </a:schemeClr>
+                </a:solidFill>
+              </a:defRPr>
+            </a:lvl9pPr>
+          </a:lstStyle>
+          <a:p>
+            <a:pPr lvl="0"/>
+            <a:r>
+              <a:rPr lang="en-US" smtClean="0"/>
+              <a:t>Click to edit Master text styles</a:t>
+            </a:r>
+          </a:p>
+        </p:txBody>
+      </p:sp>
+      <p:sp>
+        <p:nvSpPr>
+          <p:cNvPr id="4" name="Date Placeholder 3"/>
+          <p:cNvSpPr>
+            <a:spLocks noGrp="1"/>
+          </p:cNvSpPr>
+          <p:nvPr>
+            <p:ph type="dt" sz="half" idx="10"/>
+          </p:nvPr>
+        </p:nvSpPr>
+        <p:spPr/>
+        <p:txBody>
+          <a:bodyPr/>
+          <a:lstStyle/>
+          <a:p>
+            <a:fld id="{16D63410-F318-9644-9110-6B614613545F}" type="datetimeFigureOut">
+              <a:rPr lang="en-US" smtClean="0"/>
+              <a:t>7/18/17</a:t>
+            </a:fld>
+            <a:endParaRPr lang="en-US"/>
+          </a:p>
+        </p:txBody>
+      </p:sp>
+      <p:sp>
+        <p:nvSpPr>
+          <p:cNvPr id="5" name="Footer Placeholder 4"/>
+          <p:cNvSpPr>
+            <a:spLocks noGrp="1"/>
+          </p:cNvSpPr>
+          <p:nvPr>
+            <p:ph type="ftr" sz="quarter" idx="11"/>
+          </p:nvPr>
+        </p:nvSpPr>
+        <p:spPr/>
+        <p:txBody>
+          <a:bodyPr/>
+          <a:lstStyle/>
+          <a:p>
+            <a:endParaRPr lang="en-US"/>
+          </a:p>
+        </p:txBody>
+      </p:sp>
+      <p:sp>
+        <p:nvSpPr>
+          <p:cNvPr id="6" name="Slide Number Placeholder 5"/>
+          <p:cNvSpPr>
+            <a:spLocks noGrp="1"/>
+          </p:cNvSpPr>
+          <p:nvPr>
+            <p:ph type="sldNum" sz="quarter" idx="12"/>
+          </p:nvPr>
+        </p:nvSpPr>
+        <p:spPr/>
+        <p:txBody>
+          <a:bodyPr/>
+          <a:lstStyle/>
+          <a:p>
+            <a:fld id="{D9B2932B-FC26-324E-BFB3-EF3B29A304B4}" type="slidenum">
+              <a:rPr lang="en-US" smtClean="0"/>
+              <a:t>‹#›</a:t>
+            </a:fld>
+            <a:endParaRPr lang="en-US"/>
+          </a:p>
+        </p:txBody>
+      </p:sp>
+      <p:sp>
+        <p:nvSpPr>
+          <p:cNvPr id="7" name="Rectangle 6"/>
+          <p:cNvSpPr/>
+          <p:nvPr/>
+        </p:nvSpPr>
+        <p:spPr>
+          <a:xfrm>
+            <a:off x="0" y="0"/>
+            <a:ext cx="342900" cy="6858000"/>
+          </a:xfrm>
+          <a:prstGeom prst="rect">
+            <a:avLst/>
+          </a:prstGeom>
+          <a:solidFill>
+            <a:schemeClr val="accent1"/>
+          </a:solidFill>
+          <a:ln>
+            <a:noFill/>
+          </a:ln>
+        </p:spPr>
+        <p:style>
+          <a:lnRef idx="2">
+            <a:schemeClr val="accent1">
+              <a:shade val="50000"/>
+            </a:schemeClr>
+          </a:lnRef>
+          <a:fillRef idx="1">
+            <a:schemeClr val="accent1"/>
+          </a:fillRef>
+          <a:effectRef idx="0">
+            <a:schemeClr val="accent1"/>
+          </a:effectRef>
+          <a:fontRef idx="minor">
+            <a:schemeClr val="lt1"/>
+          </a:fontRef>
+        </p:style>
+      </p:sp>
+    </p:spTree>
+    <p:extLst>
+      <p:ext uri="{BB962C8B-B14F-4D97-AF65-F5344CB8AC3E}">
+        <p14:creationId xmlns:p14="http://schemas.microsoft.com/office/powerpoint/2010/main" val="1483249919"/>
+      </p:ext>
+    </p:extLst>
+  </p:cSld>
+  <p:clrMapOvr>
+    <a:masterClrMapping/>
+  </p:clrMapOvr>
+</p:sldLayout>
+</file>
+
+<file path=ppt/slideLayouts/slideLayout4.xml><?xml version="1.0" encoding="utf-8"?>
+<p:sldLayout xmlns:a="http://schemas.openxmlformats.org/drawingml/2006/main" xmlns:r="http://schemas.openxmlformats.org/officeDocument/2006/relationships" xmlns:p="http://schemas.openxmlformats.org/presentationml/2006/main" type="twoObj" preserve="1">
+  <p:cSld name="Two Content">
+    <p:spTree>
+      <p:nvGrpSpPr>
+        <p:cNvPr id="1" name=""/>
+        <p:cNvGrpSpPr/>
+        <p:nvPr/>
+      </p:nvGrpSpPr>
+      <p:grpSpPr>
+        <a:xfrm>
+          <a:off x="0" y="0"/>
+          <a:ext cx="0" cy="0"/>
+          <a:chOff x="0" y="0"/>
+          <a:chExt cx="0" cy="0"/>
+        </a:xfrm>
+      </p:grpSpPr>
+      <p:sp>
+        <p:nvSpPr>
+          <p:cNvPr id="2" name="Title 1"/>
+          <p:cNvSpPr>
+            <a:spLocks noGrp="1"/>
+          </p:cNvSpPr>
+          <p:nvPr>
+            <p:ph type="title"/>
+          </p:nvPr>
+        </p:nvSpPr>
+        <p:spPr/>
+        <p:txBody>
+          <a:bodyPr/>
+          <a:lstStyle/>
+          <a:p>
+            <a:r>
+              <a:rPr lang="en-US" smtClean="0"/>
+              <a:t>Click to edit Master title style</a:t>
+            </a:r>
+            <a:endParaRPr lang="en-US" dirty="0"/>
+          </a:p>
+        </p:txBody>
+      </p:sp>
+      <p:sp>
+        <p:nvSpPr>
+          <p:cNvPr id="3" name="Content Placeholder 2"/>
+          <p:cNvSpPr>
+            <a:spLocks noGrp="1"/>
+          </p:cNvSpPr>
+          <p:nvPr>
+            <p:ph sz="half" idx="1"/>
+          </p:nvPr>
+        </p:nvSpPr>
+        <p:spPr>
+          <a:xfrm>
+            <a:off x="946404" y="1828801"/>
+            <a:ext cx="3360420" cy="4351337"/>
+          </a:xfrm>
+        </p:spPr>
+        <p:txBody>
+          <a:bodyPr/>
+          <a:lstStyle>
+            <a:lvl1pPr>
+              <a:defRPr sz="1800"/>
+            </a:lvl1pPr>
+            <a:lvl2pPr>
+              <a:defRPr sz="1600"/>
+            </a:lvl2pPr>
+            <a:lvl3pPr>
+              <a:defRPr sz="1400"/>
+            </a:lvl3pPr>
+            <a:lvl4pPr>
+              <a:defRPr sz="1400"/>
+            </a:lvl4pPr>
+            <a:lvl5pPr>
+              <a:defRPr sz="1400"/>
+            </a:lvl5pPr>
+            <a:lvl6pPr>
+              <a:defRPr sz="1400"/>
+            </a:lvl6pPr>
+            <a:lvl7pPr>
+              <a:defRPr sz="1400"/>
+            </a:lvl7pPr>
+            <a:lvl8pPr>
+              <a:defRPr sz="1400"/>
+            </a:lvl8pPr>
+            <a:lvl9pPr>
+              <a:defRPr sz="1400"/>
+            </a:lvl9pPr>
+          </a:lstStyle>
+          <a:p>
+            <a:pPr lvl="0"/>
+            <a:r>
+              <a:rPr lang="en-US" smtClean="0"/>
+              <a:t>Click to edit Master text styles</a:t>
+            </a:r>
+          </a:p>
+          <a:p>
+            <a:pPr lvl="1"/>
+            <a:r>
+              <a:rPr lang="en-US" smtClean="0"/>
+              <a:t>Second level</a:t>
+            </a:r>
+          </a:p>
+          <a:p>
+            <a:pPr lvl="2"/>
+            <a:r>
+              <a:rPr lang="en-US" smtClean="0"/>
+              <a:t>Third level</a:t>
+            </a:r>
+          </a:p>
+          <a:p>
+            <a:pPr lvl="3"/>
+            <a:r>
+              <a:rPr lang="en-US" smtClean="0"/>
+              <a:t>Fourth level</a:t>
+            </a:r>
+          </a:p>
+          <a:p>
+            <a:pPr lvl="4"/>
+            <a:r>
+              <a:rPr lang="en-US" smtClean="0"/>
+              <a:t>Fifth level</a:t>
+            </a:r>
+            <a:endParaRPr lang="en-US" dirty="0"/>
+          </a:p>
+        </p:txBody>
+      </p:sp>
+      <p:sp>
+        <p:nvSpPr>
+          <p:cNvPr id="4" name="Content Placeholder 3"/>
+          <p:cNvSpPr>
+            <a:spLocks noGrp="1"/>
+          </p:cNvSpPr>
+          <p:nvPr>
+            <p:ph sz="half" idx="2"/>
+          </p:nvPr>
+        </p:nvSpPr>
+        <p:spPr>
+          <a:xfrm>
+            <a:off x="4594860" y="1828801"/>
+            <a:ext cx="3360420" cy="4351337"/>
+          </a:xfrm>
+        </p:spPr>
+        <p:txBody>
+          <a:bodyPr/>
+          <a:lstStyle>
+            <a:lvl1pPr>
+              <a:defRPr sz="1800"/>
+            </a:lvl1pPr>
+            <a:lvl2pPr>
+              <a:defRPr sz="1600"/>
+            </a:lvl2pPr>
+            <a:lvl3pPr>
+              <a:defRPr sz="1400"/>
+            </a:lvl3pPr>
+            <a:lvl4pPr>
+              <a:defRPr sz="1400"/>
+            </a:lvl4pPr>
+            <a:lvl5pPr>
+              <a:defRPr sz="1400"/>
+            </a:lvl5pPr>
+            <a:lvl6pPr>
+              <a:defRPr sz="1400"/>
+            </a:lvl6pPr>
+            <a:lvl7pPr>
+              <a:defRPr sz="1400"/>
+            </a:lvl7pPr>
+            <a:lvl8pPr>
+              <a:defRPr sz="1400"/>
+            </a:lvl8pPr>
+            <a:lvl9pPr>
+              <a:defRPr sz="1400"/>
+            </a:lvl9pPr>
+          </a:lstStyle>
+          <a:p>
+            <a:pPr lvl="0"/>
+            <a:r>
+              <a:rPr lang="en-US" smtClean="0"/>
+              <a:t>Click to edit Master text styles</a:t>
+            </a:r>
+          </a:p>
+          <a:p>
+            <a:pPr lvl="1"/>
+            <a:r>
+              <a:rPr lang="en-US" smtClean="0"/>
+              <a:t>Second level</a:t>
+            </a:r>
+          </a:p>
+          <a:p>
+            <a:pPr lvl="2"/>
+            <a:r>
+              <a:rPr lang="en-US" smtClean="0"/>
+              <a:t>Third level</a:t>
+            </a:r>
+          </a:p>
+          <a:p>
+            <a:pPr lvl="3"/>
+            <a:r>
+              <a:rPr lang="en-US" smtClean="0"/>
+              <a:t>Fourth level</a:t>
+            </a:r>
+          </a:p>
+          <a:p>
+            <a:pPr lvl="4"/>
+            <a:r>
+              <a:rPr lang="en-US" smtClean="0"/>
+              <a:t>Fifth level</a:t>
+            </a:r>
+            <a:endParaRPr lang="en-US" dirty="0"/>
+          </a:p>
+        </p:txBody>
+      </p:sp>
+      <p:sp>
+        <p:nvSpPr>
+          <p:cNvPr id="5" name="Date Placeholder 4"/>
+          <p:cNvSpPr>
+            <a:spLocks noGrp="1"/>
+          </p:cNvSpPr>
+          <p:nvPr>
+            <p:ph type="dt" sz="half" idx="10"/>
+          </p:nvPr>
+        </p:nvSpPr>
+        <p:spPr/>
+        <p:txBody>
+          <a:bodyPr/>
+          <a:lstStyle/>
+          <a:p>
+            <a:fld id="{16D63410-F318-9644-9110-6B614613545F}" type="datetimeFigureOut">
+              <a:rPr lang="en-US" smtClean="0"/>
+              <a:t>7/18/17</a:t>
+            </a:fld>
+            <a:endParaRPr lang="en-US"/>
+          </a:p>
+        </p:txBody>
+      </p:sp>
+      <p:sp>
+        <p:nvSpPr>
+          <p:cNvPr id="6" name="Footer Placeholder 5"/>
+          <p:cNvSpPr>
+            <a:spLocks noGrp="1"/>
+          </p:cNvSpPr>
+          <p:nvPr>
+            <p:ph type="ftr" sz="quarter" idx="11"/>
+          </p:nvPr>
+        </p:nvSpPr>
+        <p:spPr/>
+        <p:txBody>
+          <a:bodyPr/>
+          <a:lstStyle/>
+          <a:p>
+            <a:endParaRPr lang="en-US"/>
+          </a:p>
+        </p:txBody>
+      </p:sp>
+      <p:sp>
+        <p:nvSpPr>
+          <p:cNvPr id="7" name="Slide Number Placeholder 6"/>
+          <p:cNvSpPr>
+            <a:spLocks noGrp="1"/>
+          </p:cNvSpPr>
+          <p:nvPr>
+            <p:ph type="sldNum" sz="quarter" idx="12"/>
+          </p:nvPr>
+        </p:nvSpPr>
+        <p:spPr/>
+        <p:txBody>
+          <a:bodyPr/>
+          <a:lstStyle/>
+          <a:p>
+            <a:fld id="{D9B2932B-FC26-324E-BFB3-EF3B29A304B4}" type="slidenum">
+              <a:rPr lang="en-US" smtClean="0"/>
+              <a:t>‹#›</a:t>
+            </a:fld>
+            <a:endParaRPr lang="en-US"/>
+          </a:p>
+        </p:txBody>
+      </p:sp>
+    </p:spTree>
+    <p:extLst>
+      <p:ext uri="{BB962C8B-B14F-4D97-AF65-F5344CB8AC3E}">
+        <p14:creationId xmlns:p14="http://schemas.microsoft.com/office/powerpoint/2010/main" val="991214257"/>
+      </p:ext>
+    </p:extLst>
+  </p:cSld>
+  <p:clrMapOvr>
+    <a:masterClrMapping/>
+  </p:clrMapOvr>
+</p:sldLayout>
+</file>
+
+<file path=ppt/slideLayouts/slideLayout5.xml><?xml version="1.0" encoding="utf-8"?>
+<p:sldLayout xmlns:a="http://schemas.openxmlformats.org/drawingml/2006/main" xmlns:r="http://schemas.openxmlformats.org/officeDocument/2006/relationships" xmlns:p="http://schemas.openxmlformats.org/presentationml/2006/main" type="twoTxTwoObj" preserve="1">
+  <p:cSld name="Comparison">
+    <p:spTree>
+      <p:nvGrpSpPr>
+        <p:cNvPr id="1" name=""/>
+        <p:cNvGrpSpPr/>
+        <p:nvPr/>
+      </p:nvGrpSpPr>
+      <p:grpSpPr>
+        <a:xfrm>
+          <a:off x="0" y="0"/>
+          <a:ext cx="0" cy="0"/>
+          <a:chOff x="0" y="0"/>
+          <a:chExt cx="0" cy="0"/>
+        </a:xfrm>
+      </p:grpSpPr>
+      <p:sp>
+        <p:nvSpPr>
+          <p:cNvPr id="10" name="Title 9"/>
+          <p:cNvSpPr>
+            <a:spLocks noGrp="1"/>
+          </p:cNvSpPr>
+          <p:nvPr>
+            <p:ph type="title"/>
+          </p:nvPr>
+        </p:nvSpPr>
+        <p:spPr/>
+        <p:txBody>
+          <a:bodyPr/>
+          <a:lstStyle/>
+          <a:p>
+            <a:r>
+              <a:rPr lang="en-US" smtClean="0"/>
+              <a:t>Click to edit Master title style</a:t>
+            </a:r>
+            <a:endParaRPr lang="en-US" dirty="0"/>
+          </a:p>
+        </p:txBody>
+      </p:sp>
+      <p:sp>
+        <p:nvSpPr>
+          <p:cNvPr id="3" name="Text Placeholder 2"/>
+          <p:cNvSpPr>
+            <a:spLocks noGrp="1"/>
+          </p:cNvSpPr>
+          <p:nvPr>
+            <p:ph type="body" idx="1"/>
+          </p:nvPr>
+        </p:nvSpPr>
+        <p:spPr>
+          <a:xfrm>
+            <a:off x="946404" y="1717185"/>
+            <a:ext cx="3360420" cy="731520"/>
+          </a:xfrm>
+        </p:spPr>
+        <p:txBody>
+          <a:bodyPr anchor="b">
+            <a:normAutofit/>
+          </a:bodyPr>
+          <a:lstStyle>
+            <a:lvl1pPr marL="0" indent="0">
+              <a:spcBef>
+                <a:spcPts val="0"/>
+              </a:spcBef>
+              <a:buNone/>
+              <a:defRPr sz="1800" b="0">
+                <a:solidFill>
+                  <a:schemeClr val="tx2"/>
+                </a:solidFill>
+              </a:defRPr>
+            </a:lvl1pPr>
+            <a:lvl2pPr marL="457200" indent="0">
+              <a:buNone/>
+              <a:defRPr sz="1800" b="1"/>
+            </a:lvl2pPr>
+            <a:lvl3pPr marL="914400" indent="0">
+              <a:buNone/>
+              <a:defRPr sz="1800" b="1"/>
+            </a:lvl3pPr>
+            <a:lvl4pPr marL="1371600" indent="0">
+              <a:buNone/>
+              <a:defRPr sz="1600" b="1"/>
+            </a:lvl4pPr>
+            <a:lvl5pPr marL="1828800" indent="0">
+              <a:buNone/>
+              <a:defRPr sz="1600" b="1"/>
+            </a:lvl5pPr>
+            <a:lvl6pPr marL="2286000" indent="0">
+              <a:buNone/>
+              <a:defRPr sz="1600" b="1"/>
+            </a:lvl6pPr>
+            <a:lvl7pPr marL="2743200" indent="0">
+              <a:buNone/>
+              <a:defRPr sz="1600" b="1"/>
+            </a:lvl7pPr>
+            <a:lvl8pPr marL="3200400" indent="0">
+              <a:buNone/>
+              <a:defRPr sz="1600" b="1"/>
+            </a:lvl8pPr>
+            <a:lvl9pPr marL="3657600" indent="0">
+              <a:buNone/>
+              <a:defRPr sz="1600" b="1"/>
+            </a:lvl9pPr>
+          </a:lstStyle>
+          <a:p>
+            <a:pPr lvl="0"/>
+            <a:r>
+              <a:rPr lang="en-US" smtClean="0"/>
+              <a:t>Click to edit Master text styles</a:t>
+            </a:r>
+          </a:p>
+        </p:txBody>
+      </p:sp>
+      <p:sp>
+        <p:nvSpPr>
+          <p:cNvPr id="4" name="Content Placeholder 3"/>
+          <p:cNvSpPr>
+            <a:spLocks noGrp="1"/>
+          </p:cNvSpPr>
+          <p:nvPr>
+            <p:ph sz="half" idx="2"/>
+          </p:nvPr>
+        </p:nvSpPr>
+        <p:spPr>
+          <a:xfrm>
+            <a:off x="946404" y="2507550"/>
+            <a:ext cx="3360420" cy="3664650"/>
+          </a:xfrm>
+        </p:spPr>
+        <p:txBody>
+          <a:bodyPr/>
+          <a:lstStyle>
+            <a:lvl1pPr>
+              <a:defRPr sz="1800"/>
+            </a:lvl1pPr>
+            <a:lvl2pPr>
+              <a:defRPr sz="1600"/>
+            </a:lvl2pPr>
+            <a:lvl3pPr>
+              <a:defRPr sz="1400"/>
+            </a:lvl3pPr>
+            <a:lvl4pPr>
+              <a:defRPr sz="1400"/>
+            </a:lvl4pPr>
+            <a:lvl5pPr>
+              <a:defRPr sz="1400"/>
+            </a:lvl5pPr>
+            <a:lvl6pPr>
+              <a:defRPr sz="1400"/>
+            </a:lvl6pPr>
+            <a:lvl7pPr>
+              <a:defRPr sz="1400"/>
+            </a:lvl7pPr>
+            <a:lvl8pPr>
+              <a:defRPr sz="1400"/>
+            </a:lvl8pPr>
+            <a:lvl9pPr>
+              <a:defRPr sz="1400"/>
+            </a:lvl9pPr>
+          </a:lstStyle>
+          <a:p>
+            <a:pPr lvl="0"/>
+            <a:r>
+              <a:rPr lang="en-US" smtClean="0"/>
+              <a:t>Click to edit Master text styles</a:t>
+            </a:r>
+          </a:p>
+          <a:p>
+            <a:pPr lvl="1"/>
+            <a:r>
+              <a:rPr lang="en-US" smtClean="0"/>
+              <a:t>Second level</a:t>
+            </a:r>
+          </a:p>
+          <a:p>
+            <a:pPr lvl="2"/>
+            <a:r>
+              <a:rPr lang="en-US" smtClean="0"/>
+              <a:t>Third level</a:t>
+            </a:r>
+          </a:p>
+          <a:p>
+            <a:pPr lvl="3"/>
+            <a:r>
+              <a:rPr lang="en-US" smtClean="0"/>
+              <a:t>Fourth level</a:t>
+            </a:r>
+          </a:p>
+          <a:p>
+            <a:pPr lvl="4"/>
+            <a:r>
+              <a:rPr lang="en-US" smtClean="0"/>
+              <a:t>Fifth level</a:t>
+            </a:r>
+            <a:endParaRPr lang="en-US" dirty="0"/>
+          </a:p>
+        </p:txBody>
+      </p:sp>
+      <p:sp>
+        <p:nvSpPr>
+          <p:cNvPr id="11" name="Text Placeholder 10"/>
+          <p:cNvSpPr>
+            <a:spLocks noGrp="1"/>
+          </p:cNvSpPr>
+          <p:nvPr>
+            <p:ph type="body" sz="quarter" idx="13"/>
+          </p:nvPr>
+        </p:nvSpPr>
+        <p:spPr>
+          <a:xfrm>
+            <a:off x="4599432" y="1717185"/>
+            <a:ext cx="3364992" cy="731520"/>
+          </a:xfrm>
+        </p:spPr>
+        <p:txBody>
+          <a:bodyPr anchor="b">
+            <a:normAutofit/>
+          </a:bodyPr>
+          <a:lstStyle>
+            <a:lvl1pPr marL="0" indent="0">
+              <a:buFontTx/>
+              <a:buNone/>
+              <a:defRPr lang="en-US" sz="1800" b="0" kern="1200" spc="10" baseline="0" dirty="0">
+                <a:solidFill>
+                  <a:schemeClr val="tx2"/>
+                </a:solidFill>
+                <a:latin typeface="+mn-lt"/>
+                <a:ea typeface="+mn-ea"/>
+                <a:cs typeface="+mn-cs"/>
+              </a:defRPr>
+            </a:lvl1pPr>
+          </a:lstStyle>
+          <a:p>
+            <a:pPr marL="0" lvl="0" indent="0" algn="l" defTabSz="914400" rtl="0" eaLnBrk="1" latinLnBrk="0" hangingPunct="1">
+              <a:lnSpc>
+                <a:spcPct val="95000"/>
+              </a:lnSpc>
+              <a:spcBef>
+                <a:spcPts val="0"/>
+              </a:spcBef>
+              <a:spcAft>
+                <a:spcPts val="200"/>
+              </a:spcAft>
+              <a:buClr>
+                <a:schemeClr val="accent1"/>
+              </a:buClr>
+              <a:buSzPct val="80000"/>
+              <a:buNone/>
+            </a:pPr>
+            <a:r>
+              <a:rPr lang="en-US" smtClean="0"/>
+              <a:t>Click to edit Master text styles</a:t>
+            </a:r>
+          </a:p>
+        </p:txBody>
+      </p:sp>
+      <p:sp>
+        <p:nvSpPr>
+          <p:cNvPr id="6" name="Content Placeholder 5"/>
+          <p:cNvSpPr>
+            <a:spLocks noGrp="1"/>
+          </p:cNvSpPr>
+          <p:nvPr>
+            <p:ph sz="quarter" idx="4"/>
+          </p:nvPr>
+        </p:nvSpPr>
+        <p:spPr>
+          <a:xfrm>
+            <a:off x="4594860" y="2507550"/>
+            <a:ext cx="3360420" cy="3664650"/>
+          </a:xfrm>
+        </p:spPr>
+        <p:txBody>
+          <a:bodyPr/>
+          <a:lstStyle>
+            <a:lvl1pPr>
+              <a:defRPr sz="1800"/>
+            </a:lvl1pPr>
+            <a:lvl2pPr>
+              <a:defRPr sz="1600"/>
+            </a:lvl2pPr>
+            <a:lvl3pPr>
+              <a:defRPr sz="1400"/>
+            </a:lvl3pPr>
+            <a:lvl4pPr>
+              <a:defRPr sz="1400"/>
+            </a:lvl4pPr>
+            <a:lvl5pPr>
+              <a:defRPr sz="1400"/>
+            </a:lvl5pPr>
+            <a:lvl6pPr>
+              <a:defRPr sz="1400"/>
+            </a:lvl6pPr>
+            <a:lvl7pPr>
+              <a:defRPr sz="1400"/>
+            </a:lvl7pPr>
+            <a:lvl8pPr>
+              <a:defRPr sz="1400"/>
+            </a:lvl8pPr>
+            <a:lvl9pPr>
+              <a:defRPr sz="1400"/>
+            </a:lvl9pPr>
+          </a:lstStyle>
+          <a:p>
+            <a:pPr lvl="0"/>
+            <a:r>
+              <a:rPr lang="en-US" smtClean="0"/>
+              <a:t>Click to edit Master text styles</a:t>
+            </a:r>
+          </a:p>
+          <a:p>
+            <a:pPr lvl="1"/>
+            <a:r>
+              <a:rPr lang="en-US" smtClean="0"/>
+              <a:t>Second level</a:t>
+            </a:r>
+          </a:p>
+          <a:p>
+            <a:pPr lvl="2"/>
+            <a:r>
+              <a:rPr lang="en-US" smtClean="0"/>
+              <a:t>Third level</a:t>
+            </a:r>
+          </a:p>
+          <a:p>
+            <a:pPr lvl="3"/>
+            <a:r>
+              <a:rPr lang="en-US" smtClean="0"/>
+              <a:t>Fourth level</a:t>
+            </a:r>
+          </a:p>
+          <a:p>
+            <a:pPr lvl="4"/>
+            <a:r>
+              <a:rPr lang="en-US" smtClean="0"/>
+              <a:t>Fifth level</a:t>
+            </a:r>
+            <a:endParaRPr lang="en-US" dirty="0"/>
+          </a:p>
+        </p:txBody>
+      </p:sp>
+      <p:sp>
+        <p:nvSpPr>
+          <p:cNvPr id="7" name="Date Placeholder 6"/>
+          <p:cNvSpPr>
+            <a:spLocks noGrp="1"/>
+          </p:cNvSpPr>
+          <p:nvPr>
+            <p:ph type="dt" sz="half" idx="10"/>
+          </p:nvPr>
+        </p:nvSpPr>
+        <p:spPr/>
+        <p:txBody>
+          <a:bodyPr/>
+          <a:lstStyle/>
+          <a:p>
+            <a:fld id="{16D63410-F318-9644-9110-6B614613545F}" type="datetimeFigureOut">
+              <a:rPr lang="en-US" smtClean="0"/>
+              <a:t>7/18/17</a:t>
+            </a:fld>
+            <a:endParaRPr lang="en-US"/>
+          </a:p>
+        </p:txBody>
+      </p:sp>
+      <p:sp>
+        <p:nvSpPr>
+          <p:cNvPr id="8" name="Footer Placeholder 7"/>
+          <p:cNvSpPr>
+            <a:spLocks noGrp="1"/>
+          </p:cNvSpPr>
+          <p:nvPr>
+            <p:ph type="ftr" sz="quarter" idx="11"/>
+          </p:nvPr>
+        </p:nvSpPr>
+        <p:spPr/>
+        <p:txBody>
+          <a:bodyPr/>
+          <a:lstStyle/>
+          <a:p>
+            <a:endParaRPr lang="en-US"/>
+          </a:p>
+        </p:txBody>
+      </p:sp>
+      <p:sp>
+        <p:nvSpPr>
+          <p:cNvPr id="9" name="Slide Number Placeholder 8"/>
+          <p:cNvSpPr>
+            <a:spLocks noGrp="1"/>
+          </p:cNvSpPr>
+          <p:nvPr>
+            <p:ph type="sldNum" sz="quarter" idx="12"/>
+          </p:nvPr>
+        </p:nvSpPr>
+        <p:spPr/>
+        <p:txBody>
+          <a:bodyPr/>
+          <a:lstStyle/>
+          <a:p>
+            <a:fld id="{D9B2932B-FC26-324E-BFB3-EF3B29A304B4}" type="slidenum">
+              <a:rPr lang="en-US" smtClean="0"/>
+              <a:t>‹#›</a:t>
+            </a:fld>
+            <a:endParaRPr lang="en-US"/>
+          </a:p>
+        </p:txBody>
+      </p:sp>
+    </p:spTree>
+    <p:extLst>
+      <p:ext uri="{BB962C8B-B14F-4D97-AF65-F5344CB8AC3E}">
+        <p14:creationId xmlns:p14="http://schemas.microsoft.com/office/powerpoint/2010/main" val="1307367620"/>
+      </p:ext>
+    </p:extLst>
+  </p:cSld>
+  <p:clrMapOvr>
+    <a:masterClrMapping/>
+  </p:clrMapOvr>
+</p:sldLayout>
+</file>
+
+<file path=ppt/slideLayouts/slideLayout6.xml><?xml version="1.0" encoding="utf-8"?>
+<p:sldLayout xmlns:a="http://schemas.openxmlformats.org/drawingml/2006/main" xmlns:r="http://schemas.openxmlformats.org/officeDocument/2006/relationships" xmlns:p="http://schemas.openxmlformats.org/presentationml/2006/main" type="titleOnly" preserve="1">
+  <p:cSld name="Title Only">
+    <p:spTree>
+      <p:nvGrpSpPr>
+        <p:cNvPr id="1" name=""/>
+        <p:cNvGrpSpPr/>
+        <p:nvPr/>
+      </p:nvGrpSpPr>
+      <p:grpSpPr>
+        <a:xfrm>
+          <a:off x="0" y="0"/>
+          <a:ext cx="0" cy="0"/>
+          <a:chOff x="0" y="0"/>
+          <a:chExt cx="0" cy="0"/>
+        </a:xfrm>
+      </p:grpSpPr>
+      <p:sp>
+        <p:nvSpPr>
+          <p:cNvPr id="6" name="Title 5"/>
+          <p:cNvSpPr>
+            <a:spLocks noGrp="1"/>
+          </p:cNvSpPr>
+          <p:nvPr>
+            <p:ph type="title"/>
+          </p:nvPr>
+        </p:nvSpPr>
+        <p:spPr/>
+        <p:txBody>
+          <a:bodyPr/>
+          <a:lstStyle/>
+          <a:p>
+            <a:r>
+              <a:rPr lang="en-US" smtClean="0"/>
+              <a:t>Click to edit Master title style</a:t>
+            </a:r>
+            <a:endParaRPr lang="en-US" dirty="0"/>
+          </a:p>
+        </p:txBody>
+      </p:sp>
+      <p:sp>
+        <p:nvSpPr>
+          <p:cNvPr id="3" name="Date Placeholder 2"/>
+          <p:cNvSpPr>
+            <a:spLocks noGrp="1"/>
+          </p:cNvSpPr>
+          <p:nvPr>
+            <p:ph type="dt" sz="half" idx="10"/>
+          </p:nvPr>
+        </p:nvSpPr>
+        <p:spPr/>
+        <p:txBody>
+          <a:bodyPr/>
+          <a:lstStyle/>
+          <a:p>
+            <a:fld id="{16D63410-F318-9644-9110-6B614613545F}" type="datetimeFigureOut">
+              <a:rPr lang="en-US" smtClean="0"/>
+              <a:t>7/18/17</a:t>
+            </a:fld>
+            <a:endParaRPr lang="en-US"/>
+          </a:p>
+        </p:txBody>
+      </p:sp>
+      <p:sp>
+        <p:nvSpPr>
+          <p:cNvPr id="4" name="Footer Placeholder 3"/>
+          <p:cNvSpPr>
+            <a:spLocks noGrp="1"/>
+          </p:cNvSpPr>
+          <p:nvPr>
+            <p:ph type="ftr" sz="quarter" idx="11"/>
+          </p:nvPr>
+        </p:nvSpPr>
+        <p:spPr/>
+        <p:txBody>
+          <a:bodyPr/>
+          <a:lstStyle/>
+          <a:p>
+            <a:endParaRPr lang="en-US"/>
+          </a:p>
+        </p:txBody>
+      </p:sp>
+      <p:sp>
+        <p:nvSpPr>
+          <p:cNvPr id="5" name="Slide Number Placeholder 4"/>
+          <p:cNvSpPr>
+            <a:spLocks noGrp="1"/>
+          </p:cNvSpPr>
+          <p:nvPr>
+            <p:ph type="sldNum" sz="quarter" idx="12"/>
+          </p:nvPr>
+        </p:nvSpPr>
+        <p:spPr/>
+        <p:txBody>
+          <a:bodyPr/>
+          <a:lstStyle/>
+          <a:p>
+            <a:fld id="{D9B2932B-FC26-324E-BFB3-EF3B29A304B4}" type="slidenum">
+              <a:rPr lang="en-US" smtClean="0"/>
+              <a:t>‹#›</a:t>
+            </a:fld>
+            <a:endParaRPr lang="en-US"/>
+          </a:p>
+        </p:txBody>
+      </p:sp>
+    </p:spTree>
+    <p:extLst>
+      <p:ext uri="{BB962C8B-B14F-4D97-AF65-F5344CB8AC3E}">
+        <p14:creationId xmlns:p14="http://schemas.microsoft.com/office/powerpoint/2010/main" val="2022396883"/>
+      </p:ext>
+    </p:extLst>
+  </p:cSld>
+  <p:clrMapOvr>
+    <a:masterClrMapping/>
+  </p:clrMapOvr>
+</p:sldLayout>
+</file>
+
+<file path=ppt/slideLayouts/slideLayout7.xml><?xml version="1.0" encoding="utf-8"?>
+<p:sldLayout xmlns:a="http://schemas.openxmlformats.org/drawingml/2006/main" xmlns:r="http://schemas.openxmlformats.org/officeDocument/2006/relationships" xmlns:p="http://schemas.openxmlformats.org/presentationml/2006/main" type="blank" preserve="1">
+  <p:cSld name="Blank">
+    <p:spTree>
+      <p:nvGrpSpPr>
+        <p:cNvPr id="1" name=""/>
+        <p:cNvGrpSpPr/>
+        <p:nvPr/>
+      </p:nvGrpSpPr>
+      <p:grpSpPr>
+        <a:xfrm>
+          <a:off x="0" y="0"/>
+          <a:ext cx="0" cy="0"/>
+          <a:chOff x="0" y="0"/>
+          <a:chExt cx="0" cy="0"/>
+        </a:xfrm>
+      </p:grpSpPr>
+      <p:sp>
+        <p:nvSpPr>
+          <p:cNvPr id="2" name="Date Placeholder 1"/>
+          <p:cNvSpPr>
+            <a:spLocks noGrp="1"/>
+          </p:cNvSpPr>
+          <p:nvPr>
+            <p:ph type="dt" sz="half" idx="10"/>
+          </p:nvPr>
+        </p:nvSpPr>
+        <p:spPr/>
+        <p:txBody>
+          <a:bodyPr/>
+          <a:lstStyle/>
+          <a:p>
+            <a:fld id="{16D63410-F318-9644-9110-6B614613545F}" type="datetimeFigureOut">
+              <a:rPr lang="en-US" smtClean="0"/>
+              <a:t>7/18/17</a:t>
+            </a:fld>
+            <a:endParaRPr lang="en-US"/>
+          </a:p>
+        </p:txBody>
+      </p:sp>
+      <p:sp>
+        <p:nvSpPr>
+          <p:cNvPr id="3" name="Footer Placeholder 2"/>
+          <p:cNvSpPr>
+            <a:spLocks noGrp="1"/>
+          </p:cNvSpPr>
+          <p:nvPr>
+            <p:ph type="ftr" sz="quarter" idx="11"/>
+          </p:nvPr>
+        </p:nvSpPr>
+        <p:spPr/>
+        <p:txBody>
+          <a:bodyPr/>
+          <a:lstStyle/>
+          <a:p>
+            <a:endParaRPr lang="en-US"/>
+          </a:p>
+        </p:txBody>
+      </p:sp>
+      <p:sp>
+        <p:nvSpPr>
+          <p:cNvPr id="4" name="Slide Number Placeholder 3"/>
+          <p:cNvSpPr>
+            <a:spLocks noGrp="1"/>
+          </p:cNvSpPr>
+          <p:nvPr>
+            <p:ph type="sldNum" sz="quarter" idx="12"/>
+          </p:nvPr>
+        </p:nvSpPr>
+        <p:spPr/>
+        <p:txBody>
+          <a:bodyPr/>
+          <a:lstStyle/>
+          <a:p>
+            <a:fld id="{D9B2932B-FC26-324E-BFB3-EF3B29A304B4}" type="slidenum">
+              <a:rPr lang="en-US" smtClean="0"/>
+              <a:t>‹#›</a:t>
+            </a:fld>
+            <a:endParaRPr lang="en-US"/>
+          </a:p>
+        </p:txBody>
+      </p:sp>
+    </p:spTree>
+    <p:extLst>
+      <p:ext uri="{BB962C8B-B14F-4D97-AF65-F5344CB8AC3E}">
+        <p14:creationId xmlns:p14="http://schemas.microsoft.com/office/powerpoint/2010/main" val="53247865"/>
+      </p:ext>
+    </p:extLst>
+  </p:cSld>
+  <p:clrMapOvr>
+    <a:masterClrMapping/>
+  </p:clrMapOvr>
+</p:sldLayout>
+</file>
+
+<file path=ppt/slideLayouts/slideLayout8.xml><?xml version="1.0" encoding="utf-8"?>
+<p:sldLayout xmlns:a="http://schemas.openxmlformats.org/drawingml/2006/main" xmlns:r="http://schemas.openxmlformats.org/officeDocument/2006/relationships" xmlns:p="http://schemas.openxmlformats.org/presentationml/2006/main" type="objTx" preserve="1">
+  <p:cSld name="Content with Caption">
+    <p:spTree>
+      <p:nvGrpSpPr>
+        <p:cNvPr id="1" name=""/>
+        <p:cNvGrpSpPr/>
+        <p:nvPr/>
+      </p:nvGrpSpPr>
+      <p:grpSpPr>
+        <a:xfrm>
+          <a:off x="0" y="0"/>
+          <a:ext cx="0" cy="0"/>
+          <a:chOff x="0" y="0"/>
+          <a:chExt cx="0" cy="0"/>
+        </a:xfrm>
+      </p:grpSpPr>
+      <p:sp>
+        <p:nvSpPr>
+          <p:cNvPr id="2" name="Title 1"/>
+          <p:cNvSpPr>
+            <a:spLocks noGrp="1"/>
+          </p:cNvSpPr>
+          <p:nvPr>
+            <p:ph type="title"/>
+          </p:nvPr>
+        </p:nvSpPr>
+        <p:spPr>
+          <a:xfrm>
+            <a:off x="630936" y="457201"/>
+            <a:ext cx="2400300" cy="1600197"/>
+          </a:xfrm>
+        </p:spPr>
+        <p:txBody>
+          <a:bodyPr anchor="b">
+            <a:normAutofit/>
+          </a:bodyPr>
+          <a:lstStyle>
+            <a:lvl1pPr>
+              <a:defRPr sz="2800" b="0" baseline="0"/>
+            </a:lvl1pPr>
+          </a:lstStyle>
+          <a:p>
+            <a:r>
+              <a:rPr lang="en-US" smtClean="0"/>
+              <a:t>Click to edit Master title style</a:t>
+            </a:r>
+            <a:endParaRPr lang="en-US" dirty="0"/>
+          </a:p>
+        </p:txBody>
+      </p:sp>
+      <p:sp>
+        <p:nvSpPr>
+          <p:cNvPr id="3" name="Content Placeholder 2"/>
+          <p:cNvSpPr>
+            <a:spLocks noGrp="1"/>
+          </p:cNvSpPr>
+          <p:nvPr>
+            <p:ph idx="1"/>
+          </p:nvPr>
+        </p:nvSpPr>
+        <p:spPr>
+          <a:xfrm>
+            <a:off x="3378200" y="685800"/>
+            <a:ext cx="4559300" cy="5486400"/>
+          </a:xfrm>
+        </p:spPr>
+        <p:txBody>
+          <a:bodyPr/>
+          <a:lstStyle>
+            <a:lvl1pPr>
+              <a:defRPr sz="1800"/>
+            </a:lvl1pPr>
+            <a:lvl2pPr>
+              <a:defRPr sz="1600"/>
+            </a:lvl2pPr>
+            <a:lvl3pPr>
+              <a:defRPr sz="1400"/>
+            </a:lvl3pPr>
+            <a:lvl4pPr>
+              <a:defRPr sz="1400"/>
+            </a:lvl4pPr>
+            <a:lvl5pPr>
+              <a:defRPr sz="1400"/>
+            </a:lvl5pPr>
+            <a:lvl6pPr>
+              <a:defRPr sz="1400"/>
+            </a:lvl6pPr>
+            <a:lvl7pPr>
+              <a:defRPr sz="1400"/>
+            </a:lvl7pPr>
+            <a:lvl8pPr>
+              <a:defRPr sz="1400"/>
+            </a:lvl8pPr>
+            <a:lvl9pPr>
+              <a:defRPr sz="1400"/>
+            </a:lvl9pPr>
+          </a:lstStyle>
+          <a:p>
+            <a:pPr lvl="0"/>
+            <a:r>
+              <a:rPr lang="en-US" smtClean="0"/>
+              <a:t>Click to edit Master text styles</a:t>
+            </a:r>
+          </a:p>
+          <a:p>
+            <a:pPr lvl="1"/>
+            <a:r>
+              <a:rPr lang="en-US" smtClean="0"/>
+              <a:t>Second level</a:t>
+            </a:r>
+          </a:p>
+          <a:p>
+            <a:pPr lvl="2"/>
+            <a:r>
+              <a:rPr lang="en-US" smtClean="0"/>
+              <a:t>Third level</a:t>
+            </a:r>
+          </a:p>
+          <a:p>
+            <a:pPr lvl="3"/>
+            <a:r>
+              <a:rPr lang="en-US" smtClean="0"/>
+              <a:t>Fourth level</a:t>
+            </a:r>
+          </a:p>
+          <a:p>
+            <a:pPr lvl="4"/>
+            <a:r>
+              <a:rPr lang="en-US" smtClean="0"/>
+              <a:t>Fifth level</a:t>
+            </a:r>
+            <a:endParaRPr lang="en-US" dirty="0"/>
+          </a:p>
+        </p:txBody>
+      </p:sp>
+      <p:sp>
+        <p:nvSpPr>
+          <p:cNvPr id="4" name="Text Placeholder 3"/>
+          <p:cNvSpPr>
+            <a:spLocks noGrp="1"/>
+          </p:cNvSpPr>
+          <p:nvPr>
+            <p:ph type="body" sz="half" idx="2"/>
+          </p:nvPr>
+        </p:nvSpPr>
+        <p:spPr>
+          <a:xfrm>
+            <a:off x="630936" y="2099735"/>
+            <a:ext cx="2400300" cy="3810001"/>
+          </a:xfrm>
+        </p:spPr>
+        <p:txBody>
+          <a:bodyPr>
+            <a:normAutofit/>
+          </a:bodyPr>
+          <a:lstStyle>
+            <a:lvl1pPr marL="0" indent="0">
+              <a:lnSpc>
+                <a:spcPct val="114000"/>
+              </a:lnSpc>
+              <a:spcBef>
+                <a:spcPts val="800"/>
+              </a:spcBef>
+              <a:buNone/>
+              <a:defRPr sz="1300"/>
+            </a:lvl1pPr>
+            <a:lvl2pPr marL="457200" indent="0">
+              <a:buNone/>
+              <a:defRPr sz="1200"/>
+            </a:lvl2pPr>
+            <a:lvl3pPr marL="914400" indent="0">
+              <a:buNone/>
+              <a:defRPr sz="1000"/>
+            </a:lvl3pPr>
+            <a:lvl4pPr marL="1371600" indent="0">
+              <a:buNone/>
+              <a:defRPr sz="900"/>
+            </a:lvl4pPr>
+            <a:lvl5pPr marL="1828800" indent="0">
+              <a:buNone/>
+              <a:defRPr sz="900"/>
+            </a:lvl5pPr>
+            <a:lvl6pPr marL="2286000" indent="0">
+              <a:buNone/>
+              <a:defRPr sz="900"/>
+            </a:lvl6pPr>
+            <a:lvl7pPr marL="2743200" indent="0">
+              <a:buNone/>
+              <a:defRPr sz="900"/>
+            </a:lvl7pPr>
+            <a:lvl8pPr marL="3200400" indent="0">
+              <a:buNone/>
+              <a:defRPr sz="900"/>
+            </a:lvl8pPr>
+            <a:lvl9pPr marL="3657600" indent="0">
+              <a:buNone/>
+              <a:defRPr sz="900"/>
+            </a:lvl9pPr>
+          </a:lstStyle>
+          <a:p>
+            <a:pPr lvl="0"/>
+            <a:r>
+              <a:rPr lang="en-US" smtClean="0"/>
+              <a:t>Click to edit Master text styles</a:t>
+            </a:r>
+          </a:p>
+        </p:txBody>
+      </p:sp>
+      <p:sp>
+        <p:nvSpPr>
+          <p:cNvPr id="5" name="Date Placeholder 4"/>
+          <p:cNvSpPr>
+            <a:spLocks noGrp="1"/>
+          </p:cNvSpPr>
+          <p:nvPr>
+            <p:ph type="dt" sz="half" idx="10"/>
+          </p:nvPr>
+        </p:nvSpPr>
+        <p:spPr/>
+        <p:txBody>
+          <a:bodyPr/>
+          <a:lstStyle/>
+          <a:p>
+            <a:fld id="{16D63410-F318-9644-9110-6B614613545F}" type="datetimeFigureOut">
+              <a:rPr lang="en-US" smtClean="0"/>
+              <a:t>7/18/17</a:t>
+            </a:fld>
+            <a:endParaRPr lang="en-US"/>
+          </a:p>
+        </p:txBody>
+      </p:sp>
+      <p:sp>
+        <p:nvSpPr>
+          <p:cNvPr id="6" name="Footer Placeholder 5"/>
+          <p:cNvSpPr>
+            <a:spLocks noGrp="1"/>
+          </p:cNvSpPr>
+          <p:nvPr>
+            <p:ph type="ftr" sz="quarter" idx="11"/>
+          </p:nvPr>
+        </p:nvSpPr>
+        <p:spPr/>
+        <p:txBody>
+          <a:bodyPr/>
+          <a:lstStyle/>
+          <a:p>
+            <a:endParaRPr lang="en-US"/>
+          </a:p>
+        </p:txBody>
+      </p:sp>
+      <p:sp>
+        <p:nvSpPr>
+          <p:cNvPr id="7" name="Slide Number Placeholder 6"/>
+          <p:cNvSpPr>
+            <a:spLocks noGrp="1"/>
+          </p:cNvSpPr>
+          <p:nvPr>
+            <p:ph type="sldNum" sz="quarter" idx="12"/>
+          </p:nvPr>
+        </p:nvSpPr>
+        <p:spPr/>
+        <p:txBody>
+          <a:bodyPr/>
+          <a:lstStyle/>
+          <a:p>
+            <a:fld id="{D9B2932B-FC26-324E-BFB3-EF3B29A304B4}" type="slidenum">
+              <a:rPr lang="en-US" smtClean="0"/>
+              <a:t>‹#›</a:t>
+            </a:fld>
+            <a:endParaRPr lang="en-US"/>
+          </a:p>
+        </p:txBody>
+      </p:sp>
+    </p:spTree>
+    <p:extLst>
+      <p:ext uri="{BB962C8B-B14F-4D97-AF65-F5344CB8AC3E}">
+        <p14:creationId xmlns:p14="http://schemas.microsoft.com/office/powerpoint/2010/main" val="1583669903"/>
+      </p:ext>
+    </p:extLst>
+  </p:cSld>
+  <p:clrMapOvr>
+    <a:masterClrMapping/>
+  </p:clrMapOvr>
+</p:sldLayout>
+</file>
+
+<file path=ppt/slideLayouts/slideLayout9.xml><?xml version="1.0" encoding="utf-8"?>
+<p:sldLayout xmlns:a="http://schemas.openxmlformats.org/drawingml/2006/main" xmlns:r="http://schemas.openxmlformats.org/officeDocument/2006/relationships" xmlns:p="http://schemas.openxmlformats.org/presentationml/2006/main" type="picTx" preserve="1">
+  <p:cSld name="Picture with Caption">
+    <p:spTree>
+      <p:nvGrpSpPr>
+        <p:cNvPr id="1" name=""/>
+        <p:cNvGrpSpPr/>
+        <p:nvPr/>
+      </p:nvGrpSpPr>
+      <p:grpSpPr>
+        <a:xfrm>
+          <a:off x="0" y="0"/>
+          <a:ext cx="0" cy="0"/>
+          <a:chOff x="0" y="0"/>
+          <a:chExt cx="0" cy="0"/>
+        </a:xfrm>
+      </p:grpSpPr>
+      <p:sp>
+        <p:nvSpPr>
+          <p:cNvPr id="8" name="Rectangle 7"/>
+          <p:cNvSpPr/>
+          <p:nvPr/>
+        </p:nvSpPr>
+        <p:spPr>
+          <a:xfrm>
+            <a:off x="0" y="5105400"/>
+            <a:ext cx="8469630" cy="1752600"/>
+          </a:xfrm>
+          <a:prstGeom prst="rect">
+            <a:avLst/>
+          </a:prstGeom>
+          <a:solidFill>
+            <a:srgbClr val="000000"/>
+          </a:solidFill>
+          <a:ln>
+            <a:noFill/>
+          </a:ln>
+        </p:spPr>
+        <p:style>
+          <a:lnRef idx="2">
+            <a:schemeClr val="accent1">
+              <a:shade val="50000"/>
+            </a:schemeClr>
+          </a:lnRef>
+          <a:fillRef idx="1">
+            <a:schemeClr val="accent1"/>
+          </a:fillRef>
+          <a:effectRef idx="0">
+            <a:schemeClr val="accent1"/>
+          </a:effectRef>
+          <a:fontRef idx="minor">
+            <a:schemeClr val="lt1"/>
+          </a:fontRef>
+        </p:style>
+      </p:sp>
+      <p:sp>
+        <p:nvSpPr>
+          <p:cNvPr id="2" name="Title 1"/>
+          <p:cNvSpPr>
+            <a:spLocks noGrp="1"/>
+          </p:cNvSpPr>
+          <p:nvPr>
+            <p:ph type="title"/>
+          </p:nvPr>
+        </p:nvSpPr>
+        <p:spPr>
+          <a:xfrm>
+            <a:off x="685800" y="5257800"/>
+            <a:ext cx="7486650" cy="914400"/>
+          </a:xfrm>
+        </p:spPr>
+        <p:txBody>
+          <a:bodyPr anchor="b">
+            <a:normAutofit/>
+          </a:bodyPr>
+          <a:lstStyle>
+            <a:lvl1pPr>
+              <a:defRPr sz="2800" b="0">
+                <a:solidFill>
+                  <a:schemeClr val="bg1"/>
+                </a:solidFill>
+              </a:defRPr>
+            </a:lvl1pPr>
+          </a:lstStyle>
+          <a:p>
+            <a:r>
+              <a:rPr lang="en-US" smtClean="0"/>
+              <a:t>Click to edit Master title style</a:t>
+            </a:r>
+            <a:endParaRPr lang="en-US" dirty="0"/>
+          </a:p>
+        </p:txBody>
+      </p:sp>
+      <p:sp>
+        <p:nvSpPr>
+          <p:cNvPr id="3" name="Picture Placeholder 2"/>
+          <p:cNvSpPr>
+            <a:spLocks noGrp="1" noChangeAspect="1"/>
+          </p:cNvSpPr>
+          <p:nvPr>
+            <p:ph type="pic" idx="1"/>
+          </p:nvPr>
+        </p:nvSpPr>
+        <p:spPr>
+          <a:xfrm>
+            <a:off x="0" y="1"/>
+            <a:ext cx="8469630" cy="5128923"/>
+          </a:xfrm>
+          <a:blipFill>
+            <a:blip r:embed="rId2"/>
+            <a:stretch>
+              <a:fillRect/>
+            </a:stretch>
+          </a:blipFill>
+        </p:spPr>
+        <p:txBody>
+          <a:bodyPr anchor="t"/>
+          <a:lstStyle>
+            <a:lvl1pPr marL="0" indent="0">
+              <a:buNone/>
+              <a:defRPr sz="3200">
+                <a:solidFill>
+                  <a:schemeClr val="bg1"/>
+                </a:solidFill>
+              </a:defRPr>
+            </a:lvl1pPr>
+            <a:lvl2pPr marL="457200" indent="0">
+              <a:buNone/>
+              <a:defRPr sz="2800"/>
+            </a:lvl2pPr>
+            <a:lvl3pPr marL="914400" indent="0">
+              <a:buNone/>
+              <a:defRPr sz="2400"/>
+            </a:lvl3pPr>
+            <a:lvl4pPr marL="1371600" indent="0">
+              <a:buNone/>
+              <a:defRPr sz="2000"/>
+            </a:lvl4pPr>
+            <a:lvl5pPr marL="1828800" indent="0">
+              <a:buNone/>
+              <a:defRPr sz="2000"/>
+            </a:lvl5pPr>
+            <a:lvl6pPr marL="2286000" indent="0">
+              <a:buNone/>
+              <a:defRPr sz="2000"/>
+            </a:lvl6pPr>
+            <a:lvl7pPr marL="2743200" indent="0">
+              <a:buNone/>
+              <a:defRPr sz="2000"/>
+            </a:lvl7pPr>
+            <a:lvl8pPr marL="3200400" indent="0">
+              <a:buNone/>
+              <a:defRPr sz="2000"/>
+            </a:lvl8pPr>
+            <a:lvl9pPr marL="3657600" indent="0">
+              <a:buNone/>
+              <a:defRPr sz="2000"/>
+            </a:lvl9pPr>
+          </a:lstStyle>
+          <a:p>
+            <a:r>
+              <a:rPr lang="en-US" smtClean="0"/>
+              <a:t>Drag picture to placeholder or click icon to add</a:t>
+            </a:r>
+            <a:endParaRPr lang="en-US" dirty="0"/>
+          </a:p>
+        </p:txBody>
+      </p:sp>
+      <p:sp>
+        <p:nvSpPr>
+          <p:cNvPr id="4" name="Text Placeholder 3"/>
+          <p:cNvSpPr>
+            <a:spLocks noGrp="1"/>
+          </p:cNvSpPr>
+          <p:nvPr>
+            <p:ph type="body" sz="half" idx="2"/>
+          </p:nvPr>
+        </p:nvSpPr>
+        <p:spPr>
+          <a:xfrm>
+            <a:off x="685800" y="6108590"/>
+            <a:ext cx="7486650" cy="597011"/>
+          </a:xfrm>
+        </p:spPr>
+        <p:txBody>
+          <a:bodyPr>
+            <a:normAutofit/>
+          </a:bodyPr>
+          <a:lstStyle>
+            <a:lvl1pPr marL="0" indent="0">
+              <a:lnSpc>
+                <a:spcPct val="100000"/>
+              </a:lnSpc>
+              <a:spcBef>
+                <a:spcPts val="800"/>
+              </a:spcBef>
+              <a:buNone/>
+              <a:defRPr sz="1300">
+                <a:solidFill>
+                  <a:schemeClr val="bg1">
+                    <a:lumMod val="85000"/>
+                  </a:schemeClr>
+                </a:solidFill>
+              </a:defRPr>
+            </a:lvl1pPr>
+            <a:lvl2pPr marL="457200" indent="0">
+              <a:buNone/>
+              <a:defRPr sz="1200"/>
+            </a:lvl2pPr>
+            <a:lvl3pPr marL="914400" indent="0">
+              <a:buNone/>
+              <a:defRPr sz="1000"/>
+            </a:lvl3pPr>
+            <a:lvl4pPr marL="1371600" indent="0">
+              <a:buNone/>
+              <a:defRPr sz="900"/>
+            </a:lvl4pPr>
+            <a:lvl5pPr marL="1828800" indent="0">
+              <a:buNone/>
+              <a:defRPr sz="900"/>
+            </a:lvl5pPr>
+            <a:lvl6pPr marL="2286000" indent="0">
+              <a:buNone/>
+              <a:defRPr sz="900"/>
+            </a:lvl6pPr>
+            <a:lvl7pPr marL="2743200" indent="0">
+              <a:buNone/>
+              <a:defRPr sz="900"/>
+            </a:lvl7pPr>
+            <a:lvl8pPr marL="3200400" indent="0">
+              <a:buNone/>
+              <a:defRPr sz="900"/>
+            </a:lvl8pPr>
+            <a:lvl9pPr marL="3657600" indent="0">
+              <a:buNone/>
+              <a:defRPr sz="900"/>
+            </a:lvl9pPr>
+          </a:lstStyle>
+          <a:p>
+            <a:pPr lvl="0"/>
+            <a:r>
+              <a:rPr lang="en-US" smtClean="0"/>
+              <a:t>Click to edit Master text styles</a:t>
+            </a:r>
+          </a:p>
+        </p:txBody>
+      </p:sp>
+      <p:sp>
+        <p:nvSpPr>
+          <p:cNvPr id="5" name="Date Placeholder 4"/>
+          <p:cNvSpPr>
+            <a:spLocks noGrp="1"/>
+          </p:cNvSpPr>
+          <p:nvPr>
+            <p:ph type="dt" sz="half" idx="10"/>
+          </p:nvPr>
+        </p:nvSpPr>
+        <p:spPr/>
+        <p:txBody>
+          <a:bodyPr/>
+          <a:lstStyle/>
+          <a:p>
+            <a:fld id="{16D63410-F318-9644-9110-6B614613545F}" type="datetimeFigureOut">
+              <a:rPr lang="en-US" smtClean="0"/>
               <a:t>7/18/17</a:t>
             </a:fld>
             <a:endParaRPr lang="en-US"/>
@@ -3808,7 +6384,7 @@
         </p:nvSpPr>
         <p:spPr>
           <a:xfrm>
-            <a:off x="946404" y="1828801"/>
+            <a:off x="946404" y="1820864"/>
             <a:ext cx="6446520" cy="4351337"/>
           </a:xfrm>
           <a:prstGeom prst="rect">
@@ -3823,35 +6399,35 @@
           <a:p>
             <a:pPr lvl="0"/>
             <a:r>
-              <a:rPr lang="en-US" smtClean="0"/>
+              <a:rPr lang="en-US" dirty="0" smtClean="0"/>
               <a:t>Click to edit Master text styles</a:t>
             </a:r>
           </a:p>
           <a:p>
             <a:pPr lvl="1"/>
             <a:r>
-              <a:rPr lang="en-US" smtClean="0"/>
+              <a:rPr lang="en-US" dirty="0" smtClean="0"/>
               <a:t>Second level</a:t>
             </a:r>
           </a:p>
           <a:p>
             <a:pPr lvl="2"/>
             <a:r>
-              <a:rPr lang="en-US" smtClean="0"/>
+              <a:rPr lang="en-US" dirty="0" smtClean="0"/>
               <a:t>Third level</a:t>
             </a:r>
           </a:p>
           <a:p>
             <a:pPr lvl="3"/>
             <a:r>
-              <a:rPr lang="en-US" smtClean="0"/>
+              <a:rPr lang="en-US" dirty="0" smtClean="0"/>
               <a:t>Fourth level</a:t>
             </a:r>
           </a:p>
           <a:p>
             <a:pPr lvl="4"/>
             <a:r>
-              <a:rPr lang="en-US" smtClean="0"/>
+              <a:rPr lang="en-US" dirty="0" smtClean="0"/>
               <a:t>Fifth level</a:t>
             </a:r>
             <a:endParaRPr lang="en-US" dirty="0"/>
@@ -4370,6 +6946,675 @@
 </p:sldMaster>
 </file>
 
+<file path=ppt/slideMasters/slideMaster2.xml><?xml version="1.0" encoding="utf-8"?>
+<p:sldMaster xmlns:a="http://schemas.openxmlformats.org/drawingml/2006/main" xmlns:r="http://schemas.openxmlformats.org/officeDocument/2006/relationships" xmlns:p="http://schemas.openxmlformats.org/presentationml/2006/main" preserve="1">
+  <p:cSld>
+    <p:bg>
+      <p:bgRef idx="1001">
+        <a:schemeClr val="bg1"/>
+      </p:bgRef>
+    </p:bg>
+    <p:spTree>
+      <p:nvGrpSpPr>
+        <p:cNvPr id="1" name=""/>
+        <p:cNvGrpSpPr/>
+        <p:nvPr/>
+      </p:nvGrpSpPr>
+      <p:grpSpPr>
+        <a:xfrm>
+          <a:off x="0" y="0"/>
+          <a:ext cx="0" cy="0"/>
+          <a:chOff x="0" y="0"/>
+          <a:chExt cx="0" cy="0"/>
+        </a:xfrm>
+      </p:grpSpPr>
+      <p:sp>
+        <p:nvSpPr>
+          <p:cNvPr id="7" name="Rectangle 6"/>
+          <p:cNvSpPr/>
+          <p:nvPr/>
+        </p:nvSpPr>
+        <p:spPr>
+          <a:xfrm>
+            <a:off x="8418195" y="0"/>
+            <a:ext cx="731520" cy="6858000"/>
+          </a:xfrm>
+          <a:prstGeom prst="rect">
+            <a:avLst/>
+          </a:prstGeom>
+          <a:solidFill>
+            <a:schemeClr val="tx2">
+              <a:lumMod val="75000"/>
+            </a:schemeClr>
+          </a:solidFill>
+          <a:ln>
+            <a:noFill/>
+          </a:ln>
+        </p:spPr>
+        <p:style>
+          <a:lnRef idx="2">
+            <a:schemeClr val="accent1">
+              <a:shade val="50000"/>
+            </a:schemeClr>
+          </a:lnRef>
+          <a:fillRef idx="1">
+            <a:schemeClr val="accent1"/>
+          </a:fillRef>
+          <a:effectRef idx="0">
+            <a:schemeClr val="accent1"/>
+          </a:effectRef>
+          <a:fontRef idx="minor">
+            <a:schemeClr val="lt1"/>
+          </a:fontRef>
+        </p:style>
+      </p:sp>
+      <p:sp>
+        <p:nvSpPr>
+          <p:cNvPr id="2" name="Title Placeholder 1"/>
+          <p:cNvSpPr>
+            <a:spLocks noGrp="1"/>
+          </p:cNvSpPr>
+          <p:nvPr>
+            <p:ph type="title"/>
+          </p:nvPr>
+        </p:nvSpPr>
+        <p:spPr>
+          <a:xfrm>
+            <a:off x="946404" y="365760"/>
+            <a:ext cx="7269480" cy="1325562"/>
+          </a:xfrm>
+          <a:prstGeom prst="rect">
+            <a:avLst/>
+          </a:prstGeom>
+        </p:spPr>
+        <p:txBody>
+          <a:bodyPr vert="horz" lIns="91440" tIns="45720" rIns="91440" bIns="45720" rtlCol="0" anchor="b">
+            <a:normAutofit/>
+          </a:bodyPr>
+          <a:lstStyle/>
+          <a:p>
+            <a:r>
+              <a:rPr lang="en-US" smtClean="0"/>
+              <a:t>Click to edit Master title style</a:t>
+            </a:r>
+            <a:endParaRPr lang="en-US" dirty="0"/>
+          </a:p>
+        </p:txBody>
+      </p:sp>
+      <p:sp>
+        <p:nvSpPr>
+          <p:cNvPr id="3" name="Text Placeholder 2"/>
+          <p:cNvSpPr>
+            <a:spLocks noGrp="1"/>
+          </p:cNvSpPr>
+          <p:nvPr>
+            <p:ph type="body" idx="1"/>
+          </p:nvPr>
+        </p:nvSpPr>
+        <p:spPr>
+          <a:xfrm>
+            <a:off x="946404" y="1828801"/>
+            <a:ext cx="6446520" cy="4351337"/>
+          </a:xfrm>
+          <a:prstGeom prst="rect">
+            <a:avLst/>
+          </a:prstGeom>
+        </p:spPr>
+        <p:txBody>
+          <a:bodyPr vert="horz" lIns="91440" tIns="45720" rIns="91440" bIns="45720" rtlCol="0">
+            <a:normAutofit/>
+          </a:bodyPr>
+          <a:lstStyle/>
+          <a:p>
+            <a:pPr lvl="0"/>
+            <a:r>
+              <a:rPr lang="en-US" smtClean="0"/>
+              <a:t>Click to edit Master text styles</a:t>
+            </a:r>
+          </a:p>
+          <a:p>
+            <a:pPr lvl="1"/>
+            <a:r>
+              <a:rPr lang="en-US" smtClean="0"/>
+              <a:t>Second level</a:t>
+            </a:r>
+          </a:p>
+          <a:p>
+            <a:pPr lvl="2"/>
+            <a:r>
+              <a:rPr lang="en-US" smtClean="0"/>
+              <a:t>Third level</a:t>
+            </a:r>
+          </a:p>
+          <a:p>
+            <a:pPr lvl="3"/>
+            <a:r>
+              <a:rPr lang="en-US" smtClean="0"/>
+              <a:t>Fourth level</a:t>
+            </a:r>
+          </a:p>
+          <a:p>
+            <a:pPr lvl="4"/>
+            <a:r>
+              <a:rPr lang="en-US" smtClean="0"/>
+              <a:t>Fifth level</a:t>
+            </a:r>
+            <a:endParaRPr lang="en-US" dirty="0"/>
+          </a:p>
+        </p:txBody>
+      </p:sp>
+      <p:sp>
+        <p:nvSpPr>
+          <p:cNvPr id="4" name="Date Placeholder 3"/>
+          <p:cNvSpPr>
+            <a:spLocks noGrp="1"/>
+          </p:cNvSpPr>
+          <p:nvPr>
+            <p:ph type="dt" sz="half" idx="2"/>
+          </p:nvPr>
+        </p:nvSpPr>
+        <p:spPr>
+          <a:xfrm rot="16200000">
+            <a:off x="7831456" y="1044178"/>
+            <a:ext cx="1904999" cy="273844"/>
+          </a:xfrm>
+          <a:prstGeom prst="rect">
+            <a:avLst/>
+          </a:prstGeom>
+        </p:spPr>
+        <p:txBody>
+          <a:bodyPr vert="horz" lIns="91440" tIns="45720" rIns="91440" bIns="45720" rtlCol="0" anchor="ctr"/>
+          <a:lstStyle>
+            <a:lvl1pPr algn="r">
+              <a:defRPr sz="1050" b="0">
+                <a:solidFill>
+                  <a:schemeClr val="tx2">
+                    <a:lumMod val="20000"/>
+                    <a:lumOff val="80000"/>
+                  </a:schemeClr>
+                </a:solidFill>
+              </a:defRPr>
+            </a:lvl1pPr>
+          </a:lstStyle>
+          <a:p>
+            <a:fld id="{16D63410-F318-9644-9110-6B614613545F}" type="datetimeFigureOut">
+              <a:rPr lang="en-US" smtClean="0"/>
+              <a:t>7/19/17</a:t>
+            </a:fld>
+            <a:endParaRPr lang="en-US"/>
+          </a:p>
+        </p:txBody>
+      </p:sp>
+      <p:sp>
+        <p:nvSpPr>
+          <p:cNvPr id="5" name="Footer Placeholder 4"/>
+          <p:cNvSpPr>
+            <a:spLocks noGrp="1"/>
+          </p:cNvSpPr>
+          <p:nvPr>
+            <p:ph type="ftr" sz="quarter" idx="3"/>
+          </p:nvPr>
+        </p:nvSpPr>
+        <p:spPr>
+          <a:xfrm rot="16200000">
+            <a:off x="6993255" y="4092178"/>
+            <a:ext cx="3581400" cy="273844"/>
+          </a:xfrm>
+          <a:prstGeom prst="rect">
+            <a:avLst/>
+          </a:prstGeom>
+        </p:spPr>
+        <p:txBody>
+          <a:bodyPr vert="horz" lIns="91440" tIns="45720" rIns="91440" bIns="45720" rtlCol="0" anchor="ctr"/>
+          <a:lstStyle>
+            <a:lvl1pPr algn="l">
+              <a:defRPr sz="1050">
+                <a:solidFill>
+                  <a:schemeClr val="tx2">
+                    <a:lumMod val="20000"/>
+                    <a:lumOff val="80000"/>
+                  </a:schemeClr>
+                </a:solidFill>
+              </a:defRPr>
+            </a:lvl1pPr>
+          </a:lstStyle>
+          <a:p>
+            <a:endParaRPr lang="en-US"/>
+          </a:p>
+        </p:txBody>
+      </p:sp>
+      <p:sp>
+        <p:nvSpPr>
+          <p:cNvPr id="6" name="Slide Number Placeholder 5"/>
+          <p:cNvSpPr>
+            <a:spLocks noGrp="1"/>
+          </p:cNvSpPr>
+          <p:nvPr>
+            <p:ph type="sldNum" sz="quarter" idx="4"/>
+          </p:nvPr>
+        </p:nvSpPr>
+        <p:spPr>
+          <a:xfrm>
+            <a:off x="8441055" y="6172201"/>
+            <a:ext cx="685800" cy="593725"/>
+          </a:xfrm>
+          <a:prstGeom prst="rect">
+            <a:avLst/>
+          </a:prstGeom>
+        </p:spPr>
+        <p:txBody>
+          <a:bodyPr vert="horz" lIns="27432" tIns="45720" rIns="27432" bIns="45720" rtlCol="0" anchor="ctr">
+            <a:normAutofit/>
+          </a:bodyPr>
+          <a:lstStyle>
+            <a:lvl1pPr algn="ctr">
+              <a:defRPr sz="3200">
+                <a:solidFill>
+                  <a:schemeClr val="tx2">
+                    <a:lumMod val="60000"/>
+                    <a:lumOff val="40000"/>
+                  </a:schemeClr>
+                </a:solidFill>
+              </a:defRPr>
+            </a:lvl1pPr>
+          </a:lstStyle>
+          <a:p>
+            <a:fld id="{D9B2932B-FC26-324E-BFB3-EF3B29A304B4}" type="slidenum">
+              <a:rPr lang="en-US" smtClean="0"/>
+              <a:t>‹#›</a:t>
+            </a:fld>
+            <a:endParaRPr lang="en-US"/>
+          </a:p>
+        </p:txBody>
+      </p:sp>
+    </p:spTree>
+    <p:extLst>
+      <p:ext uri="{BB962C8B-B14F-4D97-AF65-F5344CB8AC3E}">
+        <p14:creationId xmlns:p14="http://schemas.microsoft.com/office/powerpoint/2010/main" val="1021366472"/>
+      </p:ext>
+    </p:extLst>
+  </p:cSld>
+  <p:clrMap bg1="lt1" tx1="dk1" bg2="lt2" tx2="dk2" accent1="accent1" accent2="accent2" accent3="accent3" accent4="accent4" accent5="accent5" accent6="accent6" hlink="hlink" folHlink="folHlink"/>
+  <p:sldLayoutIdLst>
+    <p:sldLayoutId id="2147483779" r:id="rId1"/>
+    <p:sldLayoutId id="2147483780" r:id="rId2"/>
+    <p:sldLayoutId id="2147483781" r:id="rId3"/>
+    <p:sldLayoutId id="2147483782" r:id="rId4"/>
+    <p:sldLayoutId id="2147483783" r:id="rId5"/>
+    <p:sldLayoutId id="2147483784" r:id="rId6"/>
+    <p:sldLayoutId id="2147483785" r:id="rId7"/>
+    <p:sldLayoutId id="2147483786" r:id="rId8"/>
+    <p:sldLayoutId id="2147483787" r:id="rId9"/>
+    <p:sldLayoutId id="2147483788" r:id="rId10"/>
+    <p:sldLayoutId id="2147483789" r:id="rId11"/>
+  </p:sldLayoutIdLst>
+  <p:txStyles>
+    <p:titleStyle>
+      <a:lvl1pPr algn="l" defTabSz="914400" rtl="0" eaLnBrk="1" latinLnBrk="0" hangingPunct="1">
+        <a:lnSpc>
+          <a:spcPct val="90000"/>
+        </a:lnSpc>
+        <a:spcBef>
+          <a:spcPct val="0"/>
+        </a:spcBef>
+        <a:buNone/>
+        <a:defRPr sz="4000" kern="1200" spc="-50" baseline="0">
+          <a:solidFill>
+            <a:schemeClr val="tx1"/>
+          </a:solidFill>
+          <a:latin typeface="+mj-lt"/>
+          <a:ea typeface="+mj-ea"/>
+          <a:cs typeface="+mj-cs"/>
+        </a:defRPr>
+      </a:lvl1pPr>
+    </p:titleStyle>
+    <p:bodyStyle>
+      <a:lvl1pPr marL="182880" indent="-182880" algn="l" defTabSz="914400" rtl="0" eaLnBrk="1" latinLnBrk="0" hangingPunct="1">
+        <a:lnSpc>
+          <a:spcPct val="95000"/>
+        </a:lnSpc>
+        <a:spcBef>
+          <a:spcPts val="1400"/>
+        </a:spcBef>
+        <a:spcAft>
+          <a:spcPts val="200"/>
+        </a:spcAft>
+        <a:buClr>
+          <a:schemeClr val="accent1"/>
+        </a:buClr>
+        <a:buSzPct val="80000"/>
+        <a:buFont typeface="Arial" pitchFamily="34" charset="0"/>
+        <a:buChar char="•"/>
+        <a:defRPr sz="1800" kern="1200" spc="10" baseline="0">
+          <a:solidFill>
+            <a:schemeClr val="tx1"/>
+          </a:solidFill>
+          <a:latin typeface="+mn-lt"/>
+          <a:ea typeface="+mn-ea"/>
+          <a:cs typeface="+mn-cs"/>
+        </a:defRPr>
+      </a:lvl1pPr>
+      <a:lvl2pPr marL="457200" indent="-182880" algn="l" defTabSz="914400" rtl="0" eaLnBrk="1" latinLnBrk="0" hangingPunct="1">
+        <a:lnSpc>
+          <a:spcPct val="90000"/>
+        </a:lnSpc>
+        <a:spcBef>
+          <a:spcPts val="300"/>
+        </a:spcBef>
+        <a:spcAft>
+          <a:spcPts val="300"/>
+        </a:spcAft>
+        <a:buClr>
+          <a:schemeClr val="accent1"/>
+        </a:buClr>
+        <a:buFont typeface="Wingdings 2" pitchFamily="18" charset="2"/>
+        <a:buChar char=""/>
+        <a:defRPr sz="1600" kern="1200">
+          <a:solidFill>
+            <a:schemeClr val="tx1">
+              <a:lumMod val="85000"/>
+              <a:lumOff val="15000"/>
+            </a:schemeClr>
+          </a:solidFill>
+          <a:latin typeface="+mn-lt"/>
+          <a:ea typeface="+mn-ea"/>
+          <a:cs typeface="+mn-cs"/>
+        </a:defRPr>
+      </a:lvl2pPr>
+      <a:lvl3pPr marL="731520" indent="-182880" algn="l" defTabSz="914400" rtl="0" eaLnBrk="1" latinLnBrk="0" hangingPunct="1">
+        <a:lnSpc>
+          <a:spcPct val="90000"/>
+        </a:lnSpc>
+        <a:spcBef>
+          <a:spcPts val="300"/>
+        </a:spcBef>
+        <a:spcAft>
+          <a:spcPts val="300"/>
+        </a:spcAft>
+        <a:buClr>
+          <a:schemeClr val="accent1"/>
+        </a:buClr>
+        <a:buFont typeface="Wingdings 2" pitchFamily="18" charset="2"/>
+        <a:buChar char=""/>
+        <a:defRPr sz="1400" kern="1200">
+          <a:solidFill>
+            <a:schemeClr val="tx1">
+              <a:lumMod val="85000"/>
+              <a:lumOff val="15000"/>
+            </a:schemeClr>
+          </a:solidFill>
+          <a:latin typeface="+mn-lt"/>
+          <a:ea typeface="+mn-ea"/>
+          <a:cs typeface="+mn-cs"/>
+        </a:defRPr>
+      </a:lvl3pPr>
+      <a:lvl4pPr marL="1005840" indent="-182880" algn="l" defTabSz="914400" rtl="0" eaLnBrk="1" latinLnBrk="0" hangingPunct="1">
+        <a:lnSpc>
+          <a:spcPct val="90000"/>
+        </a:lnSpc>
+        <a:spcBef>
+          <a:spcPts val="300"/>
+        </a:spcBef>
+        <a:spcAft>
+          <a:spcPts val="300"/>
+        </a:spcAft>
+        <a:buClr>
+          <a:schemeClr val="accent1"/>
+        </a:buClr>
+        <a:buFont typeface="Wingdings 2" pitchFamily="18" charset="2"/>
+        <a:buChar char=""/>
+        <a:defRPr sz="1400" kern="1200">
+          <a:solidFill>
+            <a:schemeClr val="tx1">
+              <a:lumMod val="85000"/>
+              <a:lumOff val="15000"/>
+            </a:schemeClr>
+          </a:solidFill>
+          <a:latin typeface="+mn-lt"/>
+          <a:ea typeface="+mn-ea"/>
+          <a:cs typeface="+mn-cs"/>
+        </a:defRPr>
+      </a:lvl4pPr>
+      <a:lvl5pPr marL="1280160" indent="-182880" algn="l" defTabSz="914400" rtl="0" eaLnBrk="1" latinLnBrk="0" hangingPunct="1">
+        <a:lnSpc>
+          <a:spcPct val="90000"/>
+        </a:lnSpc>
+        <a:spcBef>
+          <a:spcPts val="300"/>
+        </a:spcBef>
+        <a:spcAft>
+          <a:spcPts val="300"/>
+        </a:spcAft>
+        <a:buClr>
+          <a:schemeClr val="accent1"/>
+        </a:buClr>
+        <a:buFont typeface="Wingdings 2" pitchFamily="18" charset="2"/>
+        <a:buChar char=""/>
+        <a:defRPr sz="1400" kern="1200">
+          <a:solidFill>
+            <a:schemeClr val="tx1">
+              <a:lumMod val="85000"/>
+              <a:lumOff val="15000"/>
+            </a:schemeClr>
+          </a:solidFill>
+          <a:latin typeface="+mn-lt"/>
+          <a:ea typeface="+mn-ea"/>
+          <a:cs typeface="+mn-cs"/>
+        </a:defRPr>
+      </a:lvl5pPr>
+      <a:lvl6pPr marL="1600000" indent="-228600" algn="l" defTabSz="914400" rtl="0" eaLnBrk="1" latinLnBrk="0" hangingPunct="1">
+        <a:lnSpc>
+          <a:spcPct val="90000"/>
+        </a:lnSpc>
+        <a:spcBef>
+          <a:spcPts val="300"/>
+        </a:spcBef>
+        <a:spcAft>
+          <a:spcPts val="300"/>
+        </a:spcAft>
+        <a:buClr>
+          <a:schemeClr val="accent1"/>
+        </a:buClr>
+        <a:buFont typeface="Wingdings 2" pitchFamily="18" charset="2"/>
+        <a:buChar char=""/>
+        <a:defRPr sz="1400" kern="1200">
+          <a:solidFill>
+            <a:schemeClr val="tx1">
+              <a:lumMod val="85000"/>
+              <a:lumOff val="15000"/>
+            </a:schemeClr>
+          </a:solidFill>
+          <a:latin typeface="+mn-lt"/>
+          <a:ea typeface="+mn-ea"/>
+          <a:cs typeface="+mn-cs"/>
+        </a:defRPr>
+      </a:lvl6pPr>
+      <a:lvl7pPr marL="1900000" indent="-228600" algn="l" defTabSz="914400" rtl="0" eaLnBrk="1" latinLnBrk="0" hangingPunct="1">
+        <a:lnSpc>
+          <a:spcPct val="90000"/>
+        </a:lnSpc>
+        <a:spcBef>
+          <a:spcPts val="300"/>
+        </a:spcBef>
+        <a:spcAft>
+          <a:spcPts val="300"/>
+        </a:spcAft>
+        <a:buClr>
+          <a:schemeClr val="accent1"/>
+        </a:buClr>
+        <a:buFont typeface="Wingdings 2" pitchFamily="18" charset="2"/>
+        <a:buChar char=""/>
+        <a:defRPr sz="1400" kern="1200">
+          <a:solidFill>
+            <a:schemeClr val="tx1">
+              <a:lumMod val="85000"/>
+              <a:lumOff val="15000"/>
+            </a:schemeClr>
+          </a:solidFill>
+          <a:latin typeface="+mn-lt"/>
+          <a:ea typeface="+mn-ea"/>
+          <a:cs typeface="+mn-cs"/>
+        </a:defRPr>
+      </a:lvl7pPr>
+      <a:lvl8pPr marL="2200000" indent="-228600" algn="l" defTabSz="914400" rtl="0" eaLnBrk="1" latinLnBrk="0" hangingPunct="1">
+        <a:lnSpc>
+          <a:spcPct val="90000"/>
+        </a:lnSpc>
+        <a:spcBef>
+          <a:spcPts val="300"/>
+        </a:spcBef>
+        <a:spcAft>
+          <a:spcPts val="300"/>
+        </a:spcAft>
+        <a:buClr>
+          <a:schemeClr val="accent1"/>
+        </a:buClr>
+        <a:buFont typeface="Wingdings 2" pitchFamily="18" charset="2"/>
+        <a:buChar char=""/>
+        <a:defRPr sz="1400" kern="1200">
+          <a:solidFill>
+            <a:schemeClr val="tx1">
+              <a:lumMod val="85000"/>
+              <a:lumOff val="15000"/>
+            </a:schemeClr>
+          </a:solidFill>
+          <a:latin typeface="+mn-lt"/>
+          <a:ea typeface="+mn-ea"/>
+          <a:cs typeface="+mn-cs"/>
+        </a:defRPr>
+      </a:lvl8pPr>
+      <a:lvl9pPr marL="2500000" indent="-228600" algn="l" defTabSz="914400" rtl="0" eaLnBrk="1" latinLnBrk="0" hangingPunct="1">
+        <a:lnSpc>
+          <a:spcPct val="90000"/>
+        </a:lnSpc>
+        <a:spcBef>
+          <a:spcPts val="300"/>
+        </a:spcBef>
+        <a:spcAft>
+          <a:spcPts val="300"/>
+        </a:spcAft>
+        <a:buClr>
+          <a:schemeClr val="accent1"/>
+        </a:buClr>
+        <a:buFont typeface="Wingdings 2" pitchFamily="18" charset="2"/>
+        <a:buChar char=""/>
+        <a:defRPr sz="1400" kern="1200">
+          <a:solidFill>
+            <a:schemeClr val="tx1">
+              <a:lumMod val="85000"/>
+              <a:lumOff val="15000"/>
+            </a:schemeClr>
+          </a:solidFill>
+          <a:latin typeface="+mn-lt"/>
+          <a:ea typeface="+mn-ea"/>
+          <a:cs typeface="+mn-cs"/>
+        </a:defRPr>
+      </a:lvl9pPr>
+    </p:bodyStyle>
+    <p:otherStyle>
+      <a:defPPr>
+        <a:defRPr lang="en-US"/>
+      </a:defPPr>
+      <a:lvl1pPr marL="0" algn="l" defTabSz="914400" rtl="0" eaLnBrk="1" latinLnBrk="0" hangingPunct="1">
+        <a:defRPr sz="1800" kern="1200">
+          <a:solidFill>
+            <a:schemeClr val="tx1"/>
+          </a:solidFill>
+          <a:latin typeface="+mn-lt"/>
+          <a:ea typeface="+mn-ea"/>
+          <a:cs typeface="+mn-cs"/>
+        </a:defRPr>
+      </a:lvl1pPr>
+      <a:lvl2pPr marL="457200" algn="l" defTabSz="914400" rtl="0" eaLnBrk="1" latinLnBrk="0" hangingPunct="1">
+        <a:defRPr sz="1800" kern="1200">
+          <a:solidFill>
+            <a:schemeClr val="tx1"/>
+          </a:solidFill>
+          <a:latin typeface="+mn-lt"/>
+          <a:ea typeface="+mn-ea"/>
+          <a:cs typeface="+mn-cs"/>
+        </a:defRPr>
+      </a:lvl2pPr>
+      <a:lvl3pPr marL="914400" algn="l" defTabSz="914400" rtl="0" eaLnBrk="1" latinLnBrk="0" hangingPunct="1">
+        <a:defRPr sz="1800" kern="1200">
+          <a:solidFill>
+            <a:schemeClr val="tx1"/>
+          </a:solidFill>
+          <a:latin typeface="+mn-lt"/>
+          <a:ea typeface="+mn-ea"/>
+          <a:cs typeface="+mn-cs"/>
+        </a:defRPr>
+      </a:lvl3pPr>
+      <a:lvl4pPr marL="1371600" algn="l" defTabSz="914400" rtl="0" eaLnBrk="1" latinLnBrk="0" hangingPunct="1">
+        <a:defRPr sz="1800" kern="1200">
+          <a:solidFill>
+            <a:schemeClr val="tx1"/>
+          </a:solidFill>
+          <a:latin typeface="+mn-lt"/>
+          <a:ea typeface="+mn-ea"/>
+          <a:cs typeface="+mn-cs"/>
+        </a:defRPr>
+      </a:lvl4pPr>
+      <a:lvl5pPr marL="1828800" algn="l" defTabSz="914400" rtl="0" eaLnBrk="1" latinLnBrk="0" hangingPunct="1">
+        <a:defRPr sz="1800" kern="1200">
+          <a:solidFill>
+            <a:schemeClr val="tx1"/>
+          </a:solidFill>
+          <a:latin typeface="+mn-lt"/>
+          <a:ea typeface="+mn-ea"/>
+          <a:cs typeface="+mn-cs"/>
+        </a:defRPr>
+      </a:lvl5pPr>
+      <a:lvl6pPr marL="2286000" algn="l" defTabSz="914400" rtl="0" eaLnBrk="1" latinLnBrk="0" hangingPunct="1">
+        <a:defRPr sz="1800" kern="1200">
+          <a:solidFill>
+            <a:schemeClr val="tx1"/>
+          </a:solidFill>
+          <a:latin typeface="+mn-lt"/>
+          <a:ea typeface="+mn-ea"/>
+          <a:cs typeface="+mn-cs"/>
+        </a:defRPr>
+      </a:lvl6pPr>
+      <a:lvl7pPr marL="2743200" algn="l" defTabSz="914400" rtl="0" eaLnBrk="1" latinLnBrk="0" hangingPunct="1">
+        <a:defRPr sz="1800" kern="1200">
+          <a:solidFill>
+            <a:schemeClr val="tx1"/>
+          </a:solidFill>
+          <a:latin typeface="+mn-lt"/>
+          <a:ea typeface="+mn-ea"/>
+          <a:cs typeface="+mn-cs"/>
+        </a:defRPr>
+      </a:lvl7pPr>
+      <a:lvl8pPr marL="3200400" algn="l" defTabSz="914400" rtl="0" eaLnBrk="1" latinLnBrk="0" hangingPunct="1">
+        <a:defRPr sz="1800" kern="1200">
+          <a:solidFill>
+            <a:schemeClr val="tx1"/>
+          </a:solidFill>
+          <a:latin typeface="+mn-lt"/>
+          <a:ea typeface="+mn-ea"/>
+          <a:cs typeface="+mn-cs"/>
+        </a:defRPr>
+      </a:lvl8pPr>
+      <a:lvl9pPr marL="3657600" algn="l" defTabSz="914400" rtl="0" eaLnBrk="1" latinLnBrk="0" hangingPunct="1">
+        <a:defRPr sz="1800" kern="1200">
+          <a:solidFill>
+            <a:schemeClr val="tx1"/>
+          </a:solidFill>
+          <a:latin typeface="+mn-lt"/>
+          <a:ea typeface="+mn-ea"/>
+          <a:cs typeface="+mn-cs"/>
+        </a:defRPr>
+      </a:lvl9pPr>
+    </p:otherStyle>
+  </p:txStyles>
+  <p:extLst>
+    <p:ext uri="{27BBF7A9-308A-43DC-89C8-2F10F3537804}">
+      <p15:sldGuideLst xmlns:p15="http://schemas.microsoft.com/office/powerpoint/2012/main"/>
+    </p:ext>
+  </p:extLst>
+</p:sldMaster>
+</file>
+
 <file path=ppt/slides/slide1.xml><?xml version="1.0" encoding="utf-8"?>
 <p:sld xmlns:a="http://schemas.openxmlformats.org/drawingml/2006/main" xmlns:r="http://schemas.openxmlformats.org/officeDocument/2006/relationships" xmlns:p="http://schemas.openxmlformats.org/presentationml/2006/main">
   <p:cSld>
@@ -4459,88 +7704,6 @@
   <p:clrMapOvr>
     <a:masterClrMapping/>
   </p:clrMapOvr>
-</p:sld>
-</file>
-
-<file path=ppt/slides/slide10.xml><?xml version="1.0" encoding="utf-8"?>
-<p:sld xmlns:a="http://schemas.openxmlformats.org/drawingml/2006/main" xmlns:r="http://schemas.openxmlformats.org/officeDocument/2006/relationships" xmlns:p="http://schemas.openxmlformats.org/presentationml/2006/main">
-  <p:cSld>
-    <p:spTree>
-      <p:nvGrpSpPr>
-        <p:cNvPr id="1" name=""/>
-        <p:cNvGrpSpPr/>
-        <p:nvPr/>
-      </p:nvGrpSpPr>
-      <p:grpSpPr>
-        <a:xfrm>
-          <a:off x="0" y="0"/>
-          <a:ext cx="0" cy="0"/>
-          <a:chOff x="0" y="0"/>
-          <a:chExt cx="0" cy="0"/>
-        </a:xfrm>
-      </p:grpSpPr>
-      <p:sp>
-        <p:nvSpPr>
-          <p:cNvPr id="2" name="Title 1"/>
-          <p:cNvSpPr>
-            <a:spLocks noGrp="1"/>
-          </p:cNvSpPr>
-          <p:nvPr>
-            <p:ph type="title"/>
-          </p:nvPr>
-        </p:nvSpPr>
-        <p:spPr/>
-        <p:txBody>
-          <a:bodyPr/>
-          <a:lstStyle/>
-          <a:p>
-            <a:r>
-              <a:rPr lang="en-US" dirty="0" smtClean="0"/>
-              <a:t>Results</a:t>
-            </a:r>
-            <a:endParaRPr lang="en-US" dirty="0"/>
-          </a:p>
-        </p:txBody>
-      </p:sp>
-      <p:pic>
-        <p:nvPicPr>
-          <p:cNvPr id="6" name="Content Placeholder 5"/>
-          <p:cNvPicPr>
-            <a:picLocks noGrp="1" noChangeAspect="1"/>
-          </p:cNvPicPr>
-          <p:nvPr>
-            <p:ph idx="1"/>
-          </p:nvPr>
-        </p:nvPicPr>
-        <p:blipFill>
-          <a:blip r:embed="rId2">
-            <a:extLst>
-              <a:ext uri="{28A0092B-C50C-407E-A947-70E740481C1C}">
-                <a14:useLocalDpi xmlns:a14="http://schemas.microsoft.com/office/drawing/2010/main" val="0"/>
-              </a:ext>
-            </a:extLst>
-          </a:blip>
-          <a:stretch>
-            <a:fillRect/>
-          </a:stretch>
-        </p:blipFill>
-        <p:spPr>
-          <a:xfrm>
-            <a:off x="946404" y="1691322"/>
-            <a:ext cx="6734907" cy="4950069"/>
-          </a:xfrm>
-        </p:spPr>
-      </p:pic>
-    </p:spTree>
-    <p:extLst>
-      <p:ext uri="{BB962C8B-B14F-4D97-AF65-F5344CB8AC3E}">
-        <p14:creationId xmlns:p14="http://schemas.microsoft.com/office/powerpoint/2010/main" val="1301709328"/>
-      </p:ext>
-    </p:extLst>
-  </p:cSld>
-  <p:clrMapOvr>
-    <a:masterClrMapping/>
-  </p:clrMapOvr>
   <p:timing>
     <p:tnLst>
       <p:par>
@@ -4551,665 +7714,7 @@
 </p:sld>
 </file>
 
-<file path=ppt/slides/slide11.xml><?xml version="1.0" encoding="utf-8"?>
-<p:sld xmlns:a="http://schemas.openxmlformats.org/drawingml/2006/main" xmlns:r="http://schemas.openxmlformats.org/officeDocument/2006/relationships" xmlns:p="http://schemas.openxmlformats.org/presentationml/2006/main">
-  <p:cSld>
-    <p:spTree>
-      <p:nvGrpSpPr>
-        <p:cNvPr id="1" name=""/>
-        <p:cNvGrpSpPr/>
-        <p:nvPr/>
-      </p:nvGrpSpPr>
-      <p:grpSpPr>
-        <a:xfrm>
-          <a:off x="0" y="0"/>
-          <a:ext cx="0" cy="0"/>
-          <a:chOff x="0" y="0"/>
-          <a:chExt cx="0" cy="0"/>
-        </a:xfrm>
-      </p:grpSpPr>
-      <p:sp>
-        <p:nvSpPr>
-          <p:cNvPr id="2" name="Title 1"/>
-          <p:cNvSpPr>
-            <a:spLocks noGrp="1"/>
-          </p:cNvSpPr>
-          <p:nvPr>
-            <p:ph type="title"/>
-          </p:nvPr>
-        </p:nvSpPr>
-        <p:spPr/>
-        <p:txBody>
-          <a:bodyPr/>
-          <a:lstStyle/>
-          <a:p>
-            <a:r>
-              <a:rPr lang="en-US" dirty="0" smtClean="0"/>
-              <a:t>Constant Power</a:t>
-            </a:r>
-            <a:endParaRPr lang="en-US" dirty="0"/>
-          </a:p>
-        </p:txBody>
-      </p:sp>
-      <mc:AlternateContent xmlns:mc="http://schemas.openxmlformats.org/markup-compatibility/2006">
-        <mc:Choice xmlns:a14="http://schemas.microsoft.com/office/drawing/2010/main" Requires="a14">
-          <p:sp>
-            <p:nvSpPr>
-              <p:cNvPr id="3" name="Content Placeholder 2"/>
-              <p:cNvSpPr>
-                <a:spLocks noGrp="1"/>
-              </p:cNvSpPr>
-              <p:nvPr>
-                <p:ph idx="1"/>
-              </p:nvPr>
-            </p:nvSpPr>
-            <p:spPr/>
-            <p:txBody>
-              <a:bodyPr/>
-              <a:lstStyle/>
-              <a:p>
-                <a:pPr>
-                  <a:lnSpc>
-                    <a:spcPct val="100000"/>
-                  </a:lnSpc>
-                </a:pPr>
-                <a14:m>
-                  <m:oMath xmlns:m="http://schemas.openxmlformats.org/officeDocument/2006/math">
-                    <m:r>
-                      <m:rPr>
-                        <m:nor/>
-                      </m:rPr>
-                      <a:rPr lang="en-US" dirty="0" smtClean="0">
-                        <a:ea typeface="Cambria Math" charset="0"/>
-                        <a:cs typeface="Cambria Math" charset="0"/>
-                      </a:rPr>
-                      <m:t>Control</m:t>
-                    </m:r>
-                    <m:r>
-                      <m:rPr>
-                        <m:nor/>
-                      </m:rPr>
-                      <a:rPr lang="en-US" dirty="0" smtClean="0">
-                        <a:ea typeface="Cambria Math" charset="0"/>
-                        <a:cs typeface="Cambria Math" charset="0"/>
-                      </a:rPr>
-                      <m:t> </m:t>
-                    </m:r>
-                    <m:r>
-                      <m:rPr>
-                        <m:nor/>
-                      </m:rPr>
-                      <a:rPr lang="en-US" dirty="0" smtClean="0">
-                        <a:ea typeface="Cambria Math" charset="0"/>
-                        <a:cs typeface="Cambria Math" charset="0"/>
-                      </a:rPr>
-                      <m:t>Variable</m:t>
-                    </m:r>
-                    <m:r>
-                      <m:rPr>
-                        <m:nor/>
-                      </m:rPr>
-                      <a:rPr lang="en-US" dirty="0" smtClean="0">
-                        <a:ea typeface="Cambria Math" charset="0"/>
-                        <a:cs typeface="Cambria Math" charset="0"/>
-                      </a:rPr>
-                      <m:t>:</m:t>
-                    </m:r>
-                  </m:oMath>
-                </a14:m>
-                <a:endParaRPr lang="en-US" dirty="0">
-                  <a:ea typeface="Cambria Math" charset="0"/>
-                  <a:cs typeface="Cambria Math" charset="0"/>
-                </a:endParaRPr>
-              </a:p>
-              <a:p>
-                <a:pPr marL="0" indent="0">
-                  <a:lnSpc>
-                    <a:spcPct val="100000"/>
-                  </a:lnSpc>
-                  <a:buNone/>
-                </a:pPr>
-                <a14:m>
-                  <m:oMathPara xmlns:m="http://schemas.openxmlformats.org/officeDocument/2006/math">
-                    <m:oMathParaPr>
-                      <m:jc m:val="centerGroup"/>
-                    </m:oMathParaPr>
-                    <m:oMath xmlns:m="http://schemas.openxmlformats.org/officeDocument/2006/math">
-                      <m:r>
-                        <a:rPr lang="en-US" i="1">
-                          <a:latin typeface="Cambria Math" charset="0"/>
-                          <a:ea typeface="Cambria Math" charset="0"/>
-                          <a:cs typeface="Cambria Math" charset="0"/>
-                        </a:rPr>
-                        <m:t>𝑢</m:t>
-                      </m:r>
-                      <m:r>
-                        <a:rPr lang="en-US" i="1">
-                          <a:latin typeface="Cambria Math" charset="0"/>
-                          <a:ea typeface="Cambria Math" charset="0"/>
-                          <a:cs typeface="Cambria Math" charset="0"/>
-                        </a:rPr>
-                        <m:t>=</m:t>
-                      </m:r>
-                      <m:r>
-                        <a:rPr lang="en-US" i="1">
-                          <a:latin typeface="Cambria Math" charset="0"/>
-                          <a:ea typeface="Cambria Math" charset="0"/>
-                          <a:cs typeface="Cambria Math" charset="0"/>
-                        </a:rPr>
-                        <m:t>𝑞</m:t>
-                      </m:r>
-                    </m:oMath>
-                  </m:oMathPara>
-                </a14:m>
-                <a:endParaRPr lang="en-US" i="1" dirty="0">
-                  <a:latin typeface="Cambria Math" charset="0"/>
-                  <a:ea typeface="Cambria Math" charset="0"/>
-                  <a:cs typeface="Cambria Math" charset="0"/>
-                </a:endParaRPr>
-              </a:p>
-              <a:p>
-                <a:r>
-                  <a:rPr lang="en-US" dirty="0" smtClean="0">
-                    <a:ea typeface="Cambria Math" charset="0"/>
-                    <a:cs typeface="Cambria Math" charset="0"/>
-                  </a:rPr>
-                  <a:t>Swing Equation:</a:t>
-                </a:r>
-              </a:p>
-              <a:p>
-                <a:pPr marL="0" indent="0">
-                  <a:buNone/>
-                </a:pPr>
-                <a14:m>
-                  <m:oMathPara xmlns:m="http://schemas.openxmlformats.org/officeDocument/2006/math">
-                    <m:oMathParaPr>
-                      <m:jc m:val="centerGroup"/>
-                    </m:oMathParaPr>
-                    <m:oMath xmlns:m="http://schemas.openxmlformats.org/officeDocument/2006/math">
-                      <m:r>
-                        <a:rPr lang="en-US" i="1" smtClean="0">
-                          <a:latin typeface="Cambria Math" charset="0"/>
-                          <a:ea typeface="Cambria Math" charset="0"/>
-                          <a:cs typeface="Cambria Math" charset="0"/>
-                        </a:rPr>
-                        <m:t>∆</m:t>
-                      </m:r>
-                      <m:acc>
-                        <m:accPr>
-                          <m:chr m:val="̇"/>
-                          <m:ctrlPr>
-                            <a:rPr lang="en-US" i="1">
-                              <a:latin typeface="Cambria Math" charset="0"/>
-                              <a:ea typeface="Cambria Math" charset="0"/>
-                              <a:cs typeface="Cambria Math" charset="0"/>
-                            </a:rPr>
-                          </m:ctrlPr>
-                        </m:accPr>
-                        <m:e>
-                          <m:r>
-                            <a:rPr lang="en-US" i="1">
-                              <a:latin typeface="Cambria Math" charset="0"/>
-                              <a:ea typeface="Cambria Math" charset="0"/>
-                              <a:cs typeface="Cambria Math" charset="0"/>
-                            </a:rPr>
-                            <m:t>𝑓</m:t>
-                          </m:r>
-                        </m:e>
-                      </m:acc>
-                      <m:r>
-                        <a:rPr lang="en-US" i="1">
-                          <a:latin typeface="Cambria Math" charset="0"/>
-                          <a:ea typeface="Cambria Math" charset="0"/>
-                          <a:cs typeface="Cambria Math" charset="0"/>
-                        </a:rPr>
-                        <m:t>=−</m:t>
-                      </m:r>
-                      <m:f>
-                        <m:fPr>
-                          <m:ctrlPr>
-                            <a:rPr lang="mr-IN" i="1">
-                              <a:latin typeface="Cambria Math" charset="0"/>
-                              <a:ea typeface="Cambria Math" charset="0"/>
-                              <a:cs typeface="Cambria Math" charset="0"/>
-                            </a:rPr>
-                          </m:ctrlPr>
-                        </m:fPr>
-                        <m:num>
-                          <m:sSub>
-                            <m:sSubPr>
-                              <m:ctrlPr>
-                                <a:rPr lang="en-US" i="1">
-                                  <a:latin typeface="Cambria Math" charset="0"/>
-                                  <a:ea typeface="Cambria Math" charset="0"/>
-                                  <a:cs typeface="Cambria Math" charset="0"/>
-                                </a:rPr>
-                              </m:ctrlPr>
-                            </m:sSubPr>
-                            <m:e>
-                              <m:r>
-                                <a:rPr lang="en-US" i="1">
-                                  <a:latin typeface="Cambria Math" charset="0"/>
-                                  <a:ea typeface="Cambria Math" charset="0"/>
-                                  <a:cs typeface="Cambria Math" charset="0"/>
-                                </a:rPr>
-                                <m:t>𝑓</m:t>
-                              </m:r>
-                            </m:e>
-                            <m:sub>
-                              <m:r>
-                                <a:rPr lang="en-US" i="1">
-                                  <a:latin typeface="Cambria Math" charset="0"/>
-                                  <a:ea typeface="Cambria Math" charset="0"/>
-                                  <a:cs typeface="Cambria Math" charset="0"/>
-                                </a:rPr>
-                                <m:t>0</m:t>
-                              </m:r>
-                            </m:sub>
-                          </m:sSub>
-                        </m:num>
-                        <m:den>
-                          <m:r>
-                            <a:rPr lang="en-US" i="1">
-                              <a:latin typeface="Cambria Math" charset="0"/>
-                              <a:ea typeface="Cambria Math" charset="0"/>
-                              <a:cs typeface="Cambria Math" charset="0"/>
-                            </a:rPr>
-                            <m:t>2</m:t>
-                          </m:r>
-                          <m:r>
-                            <a:rPr lang="en-US" i="1">
-                              <a:latin typeface="Cambria Math" charset="0"/>
-                              <a:ea typeface="Cambria Math" charset="0"/>
-                              <a:cs typeface="Cambria Math" charset="0"/>
-                            </a:rPr>
-                            <m:t>𝐻</m:t>
-                          </m:r>
-                          <m:sSub>
-                            <m:sSubPr>
-                              <m:ctrlPr>
-                                <a:rPr lang="en-US" i="1">
-                                  <a:latin typeface="Cambria Math" charset="0"/>
-                                  <a:ea typeface="Cambria Math" charset="0"/>
-                                  <a:cs typeface="Cambria Math" charset="0"/>
-                                </a:rPr>
-                              </m:ctrlPr>
-                            </m:sSubPr>
-                            <m:e>
-                              <m:r>
-                                <a:rPr lang="en-US" i="1">
-                                  <a:latin typeface="Cambria Math" charset="0"/>
-                                  <a:ea typeface="Cambria Math" charset="0"/>
-                                  <a:cs typeface="Cambria Math" charset="0"/>
-                                </a:rPr>
-                                <m:t>𝑆</m:t>
-                              </m:r>
-                            </m:e>
-                            <m:sub>
-                              <m:r>
-                                <a:rPr lang="en-US" i="1">
-                                  <a:latin typeface="Cambria Math" charset="0"/>
-                                  <a:ea typeface="Cambria Math" charset="0"/>
-                                  <a:cs typeface="Cambria Math" charset="0"/>
-                                </a:rPr>
-                                <m:t>𝐵</m:t>
-                              </m:r>
-                            </m:sub>
-                          </m:sSub>
-                          <m:sSub>
-                            <m:sSubPr>
-                              <m:ctrlPr>
-                                <a:rPr lang="en-US" i="1">
-                                  <a:latin typeface="Cambria Math" charset="0"/>
-                                  <a:ea typeface="Cambria Math" charset="0"/>
-                                  <a:cs typeface="Cambria Math" charset="0"/>
-                                </a:rPr>
-                              </m:ctrlPr>
-                            </m:sSubPr>
-                            <m:e>
-                              <m:r>
-                                <a:rPr lang="en-US" i="1">
-                                  <a:latin typeface="Cambria Math" charset="0"/>
-                                  <a:ea typeface="Cambria Math" charset="0"/>
-                                  <a:cs typeface="Cambria Math" charset="0"/>
-                                </a:rPr>
-                                <m:t>𝐷</m:t>
-                              </m:r>
-                            </m:e>
-                            <m:sub>
-                              <m:r>
-                                <a:rPr lang="en-US" i="1">
-                                  <a:latin typeface="Cambria Math" charset="0"/>
-                                  <a:ea typeface="Cambria Math" charset="0"/>
-                                  <a:cs typeface="Cambria Math" charset="0"/>
-                                </a:rPr>
-                                <m:t>𝑙𝑜𝑎𝑑</m:t>
-                              </m:r>
-                            </m:sub>
-                          </m:sSub>
-                        </m:den>
-                      </m:f>
-                      <m:r>
-                        <a:rPr lang="mr-IN" i="1">
-                          <a:latin typeface="Cambria Math" charset="0"/>
-                          <a:ea typeface="Cambria Math" charset="0"/>
-                          <a:cs typeface="Cambria Math" charset="0"/>
-                        </a:rPr>
-                        <m:t>∆</m:t>
-                      </m:r>
-                      <m:r>
-                        <a:rPr lang="en-US" i="1">
-                          <a:latin typeface="Cambria Math" charset="0"/>
-                          <a:ea typeface="Cambria Math" charset="0"/>
-                          <a:cs typeface="Cambria Math" charset="0"/>
-                        </a:rPr>
-                        <m:t>𝑓</m:t>
-                      </m:r>
-                      <m:r>
-                        <a:rPr lang="en-US" i="1">
-                          <a:latin typeface="Cambria Math" charset="0"/>
-                          <a:ea typeface="Cambria Math" charset="0"/>
-                          <a:cs typeface="Cambria Math" charset="0"/>
-                        </a:rPr>
-                        <m:t>+</m:t>
-                      </m:r>
-                      <m:f>
-                        <m:fPr>
-                          <m:ctrlPr>
-                            <a:rPr lang="mr-IN" i="1">
-                              <a:latin typeface="Cambria Math" charset="0"/>
-                              <a:ea typeface="Cambria Math" charset="0"/>
-                              <a:cs typeface="Cambria Math" charset="0"/>
-                            </a:rPr>
-                          </m:ctrlPr>
-                        </m:fPr>
-                        <m:num>
-                          <m:sSub>
-                            <m:sSubPr>
-                              <m:ctrlPr>
-                                <a:rPr lang="en-US" i="1">
-                                  <a:latin typeface="Cambria Math" charset="0"/>
-                                  <a:ea typeface="Cambria Math" charset="0"/>
-                                  <a:cs typeface="Cambria Math" charset="0"/>
-                                </a:rPr>
-                              </m:ctrlPr>
-                            </m:sSubPr>
-                            <m:e>
-                              <m:r>
-                                <a:rPr lang="en-US" i="1">
-                                  <a:latin typeface="Cambria Math" charset="0"/>
-                                  <a:ea typeface="Cambria Math" charset="0"/>
-                                  <a:cs typeface="Cambria Math" charset="0"/>
-                                </a:rPr>
-                                <m:t>𝑓</m:t>
-                              </m:r>
-                            </m:e>
-                            <m:sub>
-                              <m:r>
-                                <a:rPr lang="en-US" i="1">
-                                  <a:latin typeface="Cambria Math" charset="0"/>
-                                  <a:ea typeface="Cambria Math" charset="0"/>
-                                  <a:cs typeface="Cambria Math" charset="0"/>
-                                </a:rPr>
-                                <m:t>0</m:t>
-                              </m:r>
-                            </m:sub>
-                          </m:sSub>
-                        </m:num>
-                        <m:den>
-                          <m:r>
-                            <a:rPr lang="en-US" i="1">
-                              <a:latin typeface="Cambria Math" charset="0"/>
-                              <a:ea typeface="Cambria Math" charset="0"/>
-                              <a:cs typeface="Cambria Math" charset="0"/>
-                            </a:rPr>
-                            <m:t>2</m:t>
-                          </m:r>
-                          <m:r>
-                            <a:rPr lang="en-US" i="1">
-                              <a:latin typeface="Cambria Math" charset="0"/>
-                              <a:ea typeface="Cambria Math" charset="0"/>
-                              <a:cs typeface="Cambria Math" charset="0"/>
-                            </a:rPr>
-                            <m:t>𝐻</m:t>
-                          </m:r>
-                          <m:sSub>
-                            <m:sSubPr>
-                              <m:ctrlPr>
-                                <a:rPr lang="en-US" i="1">
-                                  <a:latin typeface="Cambria Math" charset="0"/>
-                                  <a:ea typeface="Cambria Math" charset="0"/>
-                                  <a:cs typeface="Cambria Math" charset="0"/>
-                                </a:rPr>
-                              </m:ctrlPr>
-                            </m:sSubPr>
-                            <m:e>
-                              <m:r>
-                                <a:rPr lang="en-US" i="1">
-                                  <a:latin typeface="Cambria Math" charset="0"/>
-                                  <a:ea typeface="Cambria Math" charset="0"/>
-                                  <a:cs typeface="Cambria Math" charset="0"/>
-                                </a:rPr>
-                                <m:t>𝑆</m:t>
-                              </m:r>
-                            </m:e>
-                            <m:sub>
-                              <m:r>
-                                <a:rPr lang="en-US" i="1">
-                                  <a:latin typeface="Cambria Math" charset="0"/>
-                                  <a:ea typeface="Cambria Math" charset="0"/>
-                                  <a:cs typeface="Cambria Math" charset="0"/>
-                                </a:rPr>
-                                <m:t>𝐵</m:t>
-                              </m:r>
-                            </m:sub>
-                          </m:sSub>
-                        </m:den>
-                      </m:f>
-                      <m:r>
-                        <a:rPr lang="en-US" i="1">
-                          <a:latin typeface="Cambria Math" charset="0"/>
-                          <a:ea typeface="Cambria Math" charset="0"/>
-                          <a:cs typeface="Cambria Math" charset="0"/>
-                        </a:rPr>
-                        <m:t>(∆</m:t>
-                      </m:r>
-                      <m:r>
-                        <a:rPr lang="en-US" b="0" i="1" smtClean="0">
-                          <a:latin typeface="Cambria Math" charset="0"/>
-                          <a:ea typeface="Cambria Math" charset="0"/>
-                          <a:cs typeface="Cambria Math" charset="0"/>
-                        </a:rPr>
-                        <m:t>𝑃</m:t>
-                      </m:r>
-                      <m:r>
-                        <a:rPr lang="en-US" b="0" i="1" smtClean="0">
-                          <a:latin typeface="Cambria Math" charset="0"/>
-                          <a:ea typeface="Cambria Math" charset="0"/>
-                          <a:cs typeface="Cambria Math" charset="0"/>
-                        </a:rPr>
-                        <m:t>(</m:t>
-                      </m:r>
-                      <m:r>
-                        <a:rPr lang="en-US" b="0" i="1" smtClean="0">
-                          <a:latin typeface="Cambria Math" charset="0"/>
-                          <a:ea typeface="Cambria Math" charset="0"/>
-                          <a:cs typeface="Cambria Math" charset="0"/>
-                        </a:rPr>
-                        <m:t>𝑡</m:t>
-                      </m:r>
-                      <m:r>
-                        <a:rPr lang="en-US" b="0" i="1" smtClean="0">
-                          <a:latin typeface="Cambria Math" charset="0"/>
-                          <a:ea typeface="Cambria Math" charset="0"/>
-                          <a:cs typeface="Cambria Math" charset="0"/>
-                        </a:rPr>
-                        <m:t>)+</m:t>
-                      </m:r>
-                      <m:r>
-                        <a:rPr lang="en-US" b="0" i="1" smtClean="0">
-                          <a:latin typeface="Cambria Math" charset="0"/>
-                          <a:ea typeface="Cambria Math" charset="0"/>
-                          <a:cs typeface="Cambria Math" charset="0"/>
-                        </a:rPr>
-                        <m:t>𝑞</m:t>
-                      </m:r>
-                      <m:r>
-                        <a:rPr lang="en-US" i="1">
-                          <a:latin typeface="Cambria Math" charset="0"/>
-                          <a:ea typeface="Cambria Math" charset="0"/>
-                          <a:cs typeface="Cambria Math" charset="0"/>
-                        </a:rPr>
-                        <m:t>)</m:t>
-                      </m:r>
-                    </m:oMath>
-                  </m:oMathPara>
-                </a14:m>
-                <a:endParaRPr lang="en-US" dirty="0"/>
-              </a:p>
-              <a:p>
-                <a:endParaRPr lang="en-US" dirty="0"/>
-              </a:p>
-            </p:txBody>
-          </p:sp>
-        </mc:Choice>
-        <mc:Fallback>
-          <p:sp>
-            <p:nvSpPr>
-              <p:cNvPr id="3" name="Content Placeholder 2"/>
-              <p:cNvSpPr>
-                <a:spLocks noGrp="1" noRot="1" noChangeAspect="1" noMove="1" noResize="1" noEditPoints="1" noAdjustHandles="1" noChangeArrowheads="1" noChangeShapeType="1" noTextEdit="1"/>
-              </p:cNvSpPr>
-              <p:nvPr>
-                <p:ph idx="1"/>
-              </p:nvPr>
-            </p:nvSpPr>
-            <p:spPr>
-              <a:blipFill rotWithShape="0">
-                <a:blip r:embed="rId2"/>
-                <a:stretch>
-                  <a:fillRect l="-189"/>
-                </a:stretch>
-              </a:blipFill>
-            </p:spPr>
-            <p:txBody>
-              <a:bodyPr/>
-              <a:lstStyle/>
-              <a:p>
-                <a:r>
-                  <a:rPr lang="en-US">
-                    <a:noFill/>
-                  </a:rPr>
-                  <a:t> </a:t>
-                </a:r>
-              </a:p>
-            </p:txBody>
-          </p:sp>
-        </mc:Fallback>
-      </mc:AlternateContent>
-    </p:spTree>
-    <p:extLst>
-      <p:ext uri="{BB962C8B-B14F-4D97-AF65-F5344CB8AC3E}">
-        <p14:creationId xmlns:p14="http://schemas.microsoft.com/office/powerpoint/2010/main" val="132979184"/>
-      </p:ext>
-    </p:extLst>
-  </p:cSld>
-  <p:clrMapOvr>
-    <a:masterClrMapping/>
-  </p:clrMapOvr>
-  <p:timing>
-    <p:tnLst>
-      <p:par>
-        <p:cTn id="1" dur="indefinite" restart="never" nodeType="tmRoot"/>
-      </p:par>
-    </p:tnLst>
-  </p:timing>
-</p:sld>
-</file>
-
-<file path=ppt/slides/slide12.xml><?xml version="1.0" encoding="utf-8"?>
-<p:sld xmlns:a="http://schemas.openxmlformats.org/drawingml/2006/main" xmlns:r="http://schemas.openxmlformats.org/officeDocument/2006/relationships" xmlns:p="http://schemas.openxmlformats.org/presentationml/2006/main">
-  <p:cSld>
-    <p:spTree>
-      <p:nvGrpSpPr>
-        <p:cNvPr id="1" name=""/>
-        <p:cNvGrpSpPr/>
-        <p:nvPr/>
-      </p:nvGrpSpPr>
-      <p:grpSpPr>
-        <a:xfrm>
-          <a:off x="0" y="0"/>
-          <a:ext cx="0" cy="0"/>
-          <a:chOff x="0" y="0"/>
-          <a:chExt cx="0" cy="0"/>
-        </a:xfrm>
-      </p:grpSpPr>
-      <p:sp>
-        <p:nvSpPr>
-          <p:cNvPr id="2" name="Title 1"/>
-          <p:cNvSpPr>
-            <a:spLocks noGrp="1"/>
-          </p:cNvSpPr>
-          <p:nvPr>
-            <p:ph type="title"/>
-          </p:nvPr>
-        </p:nvSpPr>
-        <p:spPr/>
-        <p:txBody>
-          <a:bodyPr/>
-          <a:lstStyle/>
-          <a:p>
-            <a:r>
-              <a:rPr lang="en-US" dirty="0" smtClean="0"/>
-              <a:t>Results</a:t>
-            </a:r>
-            <a:endParaRPr lang="en-US" dirty="0"/>
-          </a:p>
-        </p:txBody>
-      </p:sp>
-      <p:pic>
-        <p:nvPicPr>
-          <p:cNvPr id="4" name="Content Placeholder 3"/>
-          <p:cNvPicPr>
-            <a:picLocks noGrp="1" noChangeAspect="1"/>
-          </p:cNvPicPr>
-          <p:nvPr>
-            <p:ph idx="1"/>
-          </p:nvPr>
-        </p:nvPicPr>
-        <p:blipFill>
-          <a:blip r:embed="rId2">
-            <a:extLst>
-              <a:ext uri="{28A0092B-C50C-407E-A947-70E740481C1C}">
-                <a14:useLocalDpi xmlns:a14="http://schemas.microsoft.com/office/drawing/2010/main" val="0"/>
-              </a:ext>
-            </a:extLst>
-          </a:blip>
-          <a:stretch>
-            <a:fillRect/>
-          </a:stretch>
-        </p:blipFill>
-        <p:spPr>
-          <a:xfrm>
-            <a:off x="502586" y="1691322"/>
-            <a:ext cx="7234644" cy="4958143"/>
-          </a:xfrm>
-        </p:spPr>
-      </p:pic>
-    </p:spTree>
-    <p:extLst>
-      <p:ext uri="{BB962C8B-B14F-4D97-AF65-F5344CB8AC3E}">
-        <p14:creationId xmlns:p14="http://schemas.microsoft.com/office/powerpoint/2010/main" val="1570597351"/>
-      </p:ext>
-    </p:extLst>
-  </p:cSld>
-  <p:clrMapOvr>
-    <a:masterClrMapping/>
-  </p:clrMapOvr>
-</p:sld>
-</file>
-
-<file path=ppt/slides/slide13.xml><?xml version="1.0" encoding="utf-8"?>
+<file path=ppt/slides/slide10.xml><?xml version="1.0" encoding="utf-8"?>
 <p:sld xmlns:a="http://schemas.openxmlformats.org/drawingml/2006/main" xmlns:r="http://schemas.openxmlformats.org/officeDocument/2006/relationships" xmlns:p="http://schemas.openxmlformats.org/presentationml/2006/main">
   <p:cSld>
     <p:spTree>
@@ -6282,7 +8787,7 @@
               <a:blipFill rotWithShape="0">
                 <a:blip r:embed="rId2"/>
                 <a:stretch>
-                  <a:fillRect l="-756" t="-700"/>
+                  <a:fillRect l="-750" t="-839"/>
                 </a:stretch>
               </a:blipFill>
             </p:spPr>
@@ -6301,6 +8806,40 @@
           </p:sp>
         </mc:Fallback>
       </mc:AlternateContent>
+      <p:sp>
+        <p:nvSpPr>
+          <p:cNvPr id="4" name="TextBox 3"/>
+          <p:cNvSpPr txBox="1"/>
+          <p:nvPr/>
+        </p:nvSpPr>
+        <p:spPr>
+          <a:xfrm>
+            <a:off x="7957091" y="6379962"/>
+            <a:ext cx="517585" cy="369332"/>
+          </a:xfrm>
+          <a:prstGeom prst="rect">
+            <a:avLst/>
+          </a:prstGeom>
+          <a:noFill/>
+        </p:spPr>
+        <p:txBody>
+          <a:bodyPr wrap="square" rtlCol="0">
+            <a:spAutoFit/>
+          </a:bodyPr>
+          <a:lstStyle/>
+          <a:p>
+            <a:r>
+              <a:rPr lang="en-US" dirty="0" smtClean="0"/>
+              <a:t>[</a:t>
+            </a:r>
+            <a:r>
+              <a:rPr lang="en-US" dirty="0" smtClean="0"/>
+              <a:t>2]</a:t>
+            </a:r>
+            <a:endParaRPr lang="en-US" dirty="0"/>
+          </a:p>
+        </p:txBody>
+      </p:sp>
     </p:spTree>
     <p:extLst>
       <p:ext uri="{BB962C8B-B14F-4D97-AF65-F5344CB8AC3E}">
@@ -6314,7 +8853,7 @@
 </p:sld>
 </file>
 
-<file path=ppt/slides/slide14.xml><?xml version="1.0" encoding="utf-8"?>
+<file path=ppt/slides/slide11.xml><?xml version="1.0" encoding="utf-8"?>
 <p:sld xmlns:a="http://schemas.openxmlformats.org/drawingml/2006/main" xmlns:r="http://schemas.openxmlformats.org/officeDocument/2006/relationships" xmlns:p="http://schemas.openxmlformats.org/presentationml/2006/main">
   <p:cSld>
     <p:spTree>
@@ -6396,7 +8935,7 @@
 </p:sld>
 </file>
 
-<file path=ppt/slides/slide15.xml><?xml version="1.0" encoding="utf-8"?>
+<file path=ppt/slides/slide12.xml><?xml version="1.0" encoding="utf-8"?>
 <p:sld xmlns:a="http://schemas.openxmlformats.org/drawingml/2006/main" xmlns:r="http://schemas.openxmlformats.org/officeDocument/2006/relationships" xmlns:p="http://schemas.openxmlformats.org/presentationml/2006/main">
   <p:cSld>
     <p:spTree>
@@ -7609,7 +10148,7 @@
               <a:blipFill rotWithShape="0">
                 <a:blip r:embed="rId2"/>
                 <a:stretch>
-                  <a:fillRect l="-756" t="-700"/>
+                  <a:fillRect l="-750" t="-839"/>
                 </a:stretch>
               </a:blipFill>
             </p:spPr>
@@ -7628,6 +10167,36 @@
           </p:sp>
         </mc:Fallback>
       </mc:AlternateContent>
+      <p:sp>
+        <p:nvSpPr>
+          <p:cNvPr id="4" name="TextBox 3"/>
+          <p:cNvSpPr txBox="1"/>
+          <p:nvPr/>
+        </p:nvSpPr>
+        <p:spPr>
+          <a:xfrm>
+            <a:off x="7957091" y="6379962"/>
+            <a:ext cx="517585" cy="369332"/>
+          </a:xfrm>
+          <a:prstGeom prst="rect">
+            <a:avLst/>
+          </a:prstGeom>
+          <a:noFill/>
+        </p:spPr>
+        <p:txBody>
+          <a:bodyPr wrap="square" rtlCol="0">
+            <a:spAutoFit/>
+          </a:bodyPr>
+          <a:lstStyle/>
+          <a:p>
+            <a:r>
+              <a:rPr lang="en-US" dirty="0" smtClean="0"/>
+              <a:t>[2]</a:t>
+            </a:r>
+            <a:endParaRPr lang="en-US" dirty="0"/>
+          </a:p>
+        </p:txBody>
+      </p:sp>
     </p:spTree>
     <p:extLst>
       <p:ext uri="{BB962C8B-B14F-4D97-AF65-F5344CB8AC3E}">
@@ -7641,7 +10210,7 @@
 </p:sld>
 </file>
 
-<file path=ppt/slides/slide16.xml><?xml version="1.0" encoding="utf-8"?>
+<file path=ppt/slides/slide13.xml><?xml version="1.0" encoding="utf-8"?>
 <p:sld xmlns:a="http://schemas.openxmlformats.org/drawingml/2006/main" xmlns:r="http://schemas.openxmlformats.org/officeDocument/2006/relationships" xmlns:p="http://schemas.openxmlformats.org/presentationml/2006/main">
   <p:cSld>
     <p:spTree>
@@ -7723,7 +10292,7 @@
 </p:sld>
 </file>
 
-<file path=ppt/slides/slide17.xml><?xml version="1.0" encoding="utf-8"?>
+<file path=ppt/slides/slide14.xml><?xml version="1.0" encoding="utf-8"?>
 <p:sld xmlns:a="http://schemas.openxmlformats.org/drawingml/2006/main" xmlns:r="http://schemas.openxmlformats.org/officeDocument/2006/relationships" xmlns:p="http://schemas.openxmlformats.org/presentationml/2006/main">
   <p:cSld>
     <p:spTree>
@@ -7781,7 +10350,7 @@
 </p:sld>
 </file>
 
-<file path=ppt/slides/slide18.xml><?xml version="1.0" encoding="utf-8"?>
+<file path=ppt/slides/slide15.xml><?xml version="1.0" encoding="utf-8"?>
 <p:sld xmlns:a="http://schemas.openxmlformats.org/drawingml/2006/main" xmlns:r="http://schemas.openxmlformats.org/officeDocument/2006/relationships" xmlns:p="http://schemas.openxmlformats.org/presentationml/2006/main">
   <p:cSld>
     <p:spTree>
@@ -7833,25 +10402,88 @@
         </p:nvSpPr>
         <p:spPr/>
         <p:txBody>
-          <a:bodyPr/>
+          <a:bodyPr>
+            <a:normAutofit/>
+          </a:bodyPr>
           <a:lstStyle/>
           <a:p>
             <a:r>
               <a:rPr lang="en-US" dirty="0" smtClean="0"/>
-              <a:t>Synthetic or Virtual Inertia</a:t>
-            </a:r>
-          </a:p>
-          <a:p>
+              <a:t>Synthetic or Virtual </a:t>
+            </a:r>
             <a:r>
               <a:rPr lang="en-US" dirty="0" smtClean="0"/>
-              <a:t>Energy Storage Systems</a:t>
-            </a:r>
+              <a:t>Inertia</a:t>
+            </a:r>
+          </a:p>
+          <a:p>
+            <a:pPr lvl="1"/>
+            <a:r>
+              <a:rPr lang="en-US" dirty="0"/>
+              <a:t>Pros: Increases overall inertia</a:t>
+            </a:r>
+          </a:p>
+          <a:p>
+            <a:pPr lvl="1"/>
+            <a:r>
+              <a:rPr lang="en-US" dirty="0"/>
+              <a:t>Cons: High cost to update all facilities with the necessary control mechanisms</a:t>
+            </a:r>
+          </a:p>
+          <a:p>
+            <a:pPr lvl="1"/>
+            <a:endParaRPr lang="en-US" dirty="0" smtClean="0"/>
+          </a:p>
+          <a:p>
+            <a:r>
+              <a:rPr lang="en-US" dirty="0" smtClean="0"/>
+              <a:t>Energy Storage </a:t>
+            </a:r>
+            <a:r>
+              <a:rPr lang="en-US" dirty="0" smtClean="0"/>
+              <a:t>Systems</a:t>
+            </a:r>
+          </a:p>
+          <a:p>
+            <a:pPr lvl="1"/>
+            <a:r>
+              <a:rPr lang="en-US" dirty="0"/>
+              <a:t>Pros: Provides reserve power</a:t>
+            </a:r>
+          </a:p>
+          <a:p>
+            <a:pPr lvl="1"/>
+            <a:r>
+              <a:rPr lang="en-US" dirty="0"/>
+              <a:t>Cons: Costly</a:t>
+            </a:r>
+          </a:p>
+          <a:p>
+            <a:pPr lvl="1"/>
+            <a:endParaRPr lang="en-US" dirty="0" smtClean="0"/>
           </a:p>
           <a:p>
             <a:r>
               <a:rPr lang="en-US" dirty="0" err="1" smtClean="0"/>
               <a:t>Deloading</a:t>
             </a:r>
+            <a:endParaRPr lang="en-US" dirty="0" smtClean="0"/>
+          </a:p>
+          <a:p>
+            <a:pPr lvl="1"/>
+            <a:r>
+              <a:rPr lang="en-US" dirty="0"/>
+              <a:t>Pros: Provides primary control for longer periods of time</a:t>
+            </a:r>
+          </a:p>
+          <a:p>
+            <a:pPr lvl="1"/>
+            <a:r>
+              <a:rPr lang="en-US" dirty="0"/>
+              <a:t>Cons: Inefficient and expensive</a:t>
+            </a:r>
+          </a:p>
+          <a:p>
             <a:endParaRPr lang="en-US" dirty="0" smtClean="0"/>
           </a:p>
           <a:p>
@@ -7872,7 +10504,7 @@
 </p:sld>
 </file>
 
-<file path=ppt/slides/slide19.xml><?xml version="1.0" encoding="utf-8"?>
+<file path=ppt/slides/slide16.xml><?xml version="1.0" encoding="utf-8"?>
 <p:sld xmlns:a="http://schemas.openxmlformats.org/drawingml/2006/main" xmlns:r="http://schemas.openxmlformats.org/officeDocument/2006/relationships" xmlns:p="http://schemas.openxmlformats.org/presentationml/2006/main">
   <p:cSld>
     <p:spTree>
@@ -7899,14 +10531,19 @@
             <p:ph type="title"/>
           </p:nvPr>
         </p:nvSpPr>
-        <p:spPr/>
+        <p:spPr>
+          <a:xfrm>
+            <a:off x="457200" y="193430"/>
+            <a:ext cx="7269480" cy="688999"/>
+          </a:xfrm>
+        </p:spPr>
         <p:txBody>
           <a:bodyPr/>
           <a:lstStyle/>
           <a:p>
             <a:r>
               <a:rPr lang="en-US" dirty="0" smtClean="0"/>
-              <a:t>Virtual Inertia</a:t>
+              <a:t>References</a:t>
             </a:r>
             <a:endParaRPr lang="en-US" dirty="0"/>
           </a:p>
@@ -7922,20 +10559,428 @@
             <p:ph idx="1"/>
           </p:nvPr>
         </p:nvSpPr>
-        <p:spPr/>
-        <p:txBody>
-          <a:bodyPr/>
+        <p:spPr>
+          <a:xfrm>
+            <a:off x="457200" y="1037492"/>
+            <a:ext cx="7772400" cy="5591907"/>
+          </a:xfrm>
+        </p:spPr>
+        <p:txBody>
+          <a:bodyPr>
+            <a:normAutofit fontScale="70000" lnSpcReduction="20000"/>
+          </a:bodyPr>
           <a:lstStyle/>
           <a:p>
+            <a:pPr marL="0" indent="0">
+              <a:buNone/>
+            </a:pPr>
+            <a:r>
+              <a:rPr lang="en-US" dirty="0"/>
+              <a:t>[</a:t>
+            </a:r>
             <a:r>
               <a:rPr lang="en-US" dirty="0" smtClean="0"/>
-              <a:t>Pros: Increases overall inertia</a:t>
-            </a:r>
-          </a:p>
-          <a:p>
+              <a:t>1]A. </a:t>
+            </a:r>
+            <a:r>
+              <a:rPr lang="en-US" dirty="0" err="1" smtClean="0"/>
+              <a:t>Ulbig</a:t>
+            </a:r>
             <a:r>
               <a:rPr lang="en-US" dirty="0" smtClean="0"/>
-              <a:t>Cons: High cost to update all facilities with the necessary control mechanisms</a:t>
+              <a:t>,, T. </a:t>
+            </a:r>
+            <a:r>
+              <a:rPr lang="en-US" dirty="0" err="1" smtClean="0"/>
+              <a:t>Borsche</a:t>
+            </a:r>
+            <a:r>
+              <a:rPr lang="en-US" dirty="0" smtClean="0"/>
+              <a:t>, and G. </a:t>
+            </a:r>
+            <a:r>
+              <a:rPr lang="en-US" dirty="0" err="1"/>
+              <a:t>Andersson</a:t>
+            </a:r>
+            <a:r>
+              <a:rPr lang="en-US" dirty="0" smtClean="0"/>
+              <a:t>, </a:t>
+            </a:r>
+            <a:r>
+              <a:rPr lang="en-US" dirty="0"/>
+              <a:t>"Impact of Low Rotational Inertia on Power System Stability </a:t>
+            </a:r>
+            <a:r>
+              <a:rPr lang="en-US" dirty="0" smtClean="0"/>
+              <a:t>and </a:t>
+            </a:r>
+            <a:r>
+              <a:rPr lang="en-US" dirty="0"/>
+              <a:t>Operation", </a:t>
+            </a:r>
+            <a:r>
+              <a:rPr lang="en-US" i="1" dirty="0"/>
+              <a:t>IFAC Proceedings Volumes</a:t>
+            </a:r>
+            <a:r>
+              <a:rPr lang="en-US" dirty="0"/>
+              <a:t>, vol. 47, no. 3, pp. 7290-7297, 2014.</a:t>
+            </a:r>
+          </a:p>
+          <a:p>
+            <a:pPr marL="0" indent="0">
+              <a:buNone/>
+            </a:pPr>
+            <a:r>
+              <a:rPr lang="en-US" dirty="0"/>
+              <a:t>[2]A. </a:t>
+            </a:r>
+            <a:r>
+              <a:rPr lang="en-US" dirty="0" err="1"/>
+              <a:t>Ulbig</a:t>
+            </a:r>
+            <a:r>
+              <a:rPr lang="en-US" dirty="0"/>
+              <a:t>, T. Rinke, S. </a:t>
+            </a:r>
+            <a:r>
+              <a:rPr lang="en-US" dirty="0" err="1"/>
+              <a:t>Chatzivasileiadis</a:t>
+            </a:r>
+            <a:r>
+              <a:rPr lang="en-US" dirty="0"/>
+              <a:t> and G. </a:t>
+            </a:r>
+            <a:r>
+              <a:rPr lang="en-US" dirty="0" err="1"/>
+              <a:t>Andersson</a:t>
+            </a:r>
+            <a:r>
+              <a:rPr lang="en-US" dirty="0"/>
+              <a:t>, "Predictive control for real-time frequency regulation and rotational inertia provision in power systems", </a:t>
+            </a:r>
+            <a:r>
+              <a:rPr lang="en-US" i="1" dirty="0"/>
+              <a:t>52nd IEEE Conference on Decision and Control</a:t>
+            </a:r>
+            <a:r>
+              <a:rPr lang="en-US" dirty="0"/>
+              <a:t>, pp. 2946-2953, 2013.</a:t>
+            </a:r>
+          </a:p>
+          <a:p>
+            <a:pPr marL="0" indent="0">
+              <a:buNone/>
+            </a:pPr>
+            <a:r>
+              <a:rPr lang="en-US" dirty="0" smtClean="0"/>
+              <a:t>[3]B</a:t>
+            </a:r>
+            <a:r>
+              <a:rPr lang="en-US" dirty="0"/>
+              <a:t>. </a:t>
+            </a:r>
+            <a:r>
+              <a:rPr lang="en-US" dirty="0" err="1"/>
+              <a:t>Poolla</a:t>
+            </a:r>
+            <a:r>
+              <a:rPr lang="en-US" dirty="0"/>
+              <a:t>, S. </a:t>
+            </a:r>
+            <a:r>
+              <a:rPr lang="en-US" dirty="0" err="1"/>
+              <a:t>Bolognani</a:t>
+            </a:r>
+            <a:r>
+              <a:rPr lang="en-US" dirty="0"/>
+              <a:t> and F. </a:t>
+            </a:r>
+            <a:r>
+              <a:rPr lang="en-US" dirty="0" err="1"/>
+              <a:t>Dorfler</a:t>
+            </a:r>
+            <a:r>
+              <a:rPr lang="en-US" dirty="0"/>
+              <a:t>, "Optimal Placement of Virtual Inertia in Power Grids", </a:t>
+            </a:r>
+            <a:r>
+              <a:rPr lang="en-US" i="1" dirty="0"/>
+              <a:t>IEEE Transactions on Automatic Control</a:t>
+            </a:r>
+            <a:r>
+              <a:rPr lang="en-US" dirty="0"/>
+              <a:t>, vol., no. 99, pp. 1-1, 2016.</a:t>
+            </a:r>
+          </a:p>
+          <a:p>
+            <a:pPr marL="0" indent="0">
+              <a:buNone/>
+            </a:pPr>
+            <a:r>
+              <a:rPr lang="en-US" dirty="0" smtClean="0"/>
+              <a:t>[4]E</a:t>
+            </a:r>
+            <a:r>
+              <a:rPr lang="en-US" dirty="0"/>
+              <a:t>. </a:t>
+            </a:r>
+            <a:r>
+              <a:rPr lang="en-US" dirty="0" err="1"/>
+              <a:t>Mallada</a:t>
+            </a:r>
+            <a:r>
+              <a:rPr lang="en-US" dirty="0"/>
+              <a:t>, "</a:t>
+            </a:r>
+            <a:r>
+              <a:rPr lang="en-US" dirty="0" err="1"/>
+              <a:t>iDroop</a:t>
+            </a:r>
+            <a:r>
+              <a:rPr lang="en-US" dirty="0"/>
+              <a:t>: A Dynamic Droop controller to decouple power grid's steady-state and dynamic performance", </a:t>
+            </a:r>
+            <a:r>
+              <a:rPr lang="en-US" i="1" dirty="0"/>
+              <a:t>2016 IEEE 55th Conference on Decision and Control (CDC)</a:t>
+            </a:r>
+            <a:r>
+              <a:rPr lang="en-US" dirty="0"/>
+              <a:t>, 2016.</a:t>
+            </a:r>
+          </a:p>
+          <a:p>
+            <a:pPr marL="0" indent="0">
+              <a:buNone/>
+            </a:pPr>
+            <a:r>
+              <a:rPr lang="en-US" dirty="0" smtClean="0"/>
+              <a:t>[5]H. Chiang</a:t>
+            </a:r>
+            <a:r>
+              <a:rPr lang="en-US" dirty="0"/>
+              <a:t>, </a:t>
+            </a:r>
+            <a:r>
+              <a:rPr lang="en-US" dirty="0" smtClean="0"/>
+              <a:t>F. Wu </a:t>
+            </a:r>
+            <a:r>
+              <a:rPr lang="en-US" dirty="0"/>
+              <a:t>and </a:t>
+            </a:r>
+            <a:r>
+              <a:rPr lang="en-US" dirty="0" smtClean="0"/>
+              <a:t>P. </a:t>
+            </a:r>
+            <a:r>
+              <a:rPr lang="en-US" dirty="0" err="1" smtClean="0"/>
+              <a:t>Varaiya</a:t>
+            </a:r>
+            <a:r>
+              <a:rPr lang="en-US" dirty="0" smtClean="0"/>
+              <a:t>, </a:t>
+            </a:r>
+            <a:r>
+              <a:rPr lang="en-US" dirty="0"/>
+              <a:t>"Foundations of direct methods for power system transient </a:t>
+            </a:r>
+            <a:r>
+              <a:rPr lang="en-US" dirty="0" smtClean="0"/>
+              <a:t>stability </a:t>
+            </a:r>
+            <a:r>
+              <a:rPr lang="en-US" dirty="0"/>
+              <a:t>analysis", </a:t>
+            </a:r>
+            <a:r>
+              <a:rPr lang="en-US" i="1" dirty="0"/>
+              <a:t>IEEE Transactions on Circuits and Systems</a:t>
+            </a:r>
+            <a:r>
+              <a:rPr lang="en-US" dirty="0"/>
+              <a:t>, vol. 34, no. 2, pp. 160-173, 1987.</a:t>
+            </a:r>
+          </a:p>
+          <a:p>
+            <a:pPr marL="0" indent="0">
+              <a:buNone/>
+            </a:pPr>
+            <a:r>
+              <a:rPr lang="en-US" dirty="0" smtClean="0"/>
+              <a:t>[6]M</a:t>
+            </a:r>
+            <a:r>
+              <a:rPr lang="en-US" dirty="0"/>
+              <a:t>. Chan, R. Dunlop and F. </a:t>
+            </a:r>
+            <a:r>
+              <a:rPr lang="en-US" dirty="0" err="1"/>
+              <a:t>Schweppe</a:t>
+            </a:r>
+            <a:r>
+              <a:rPr lang="en-US" dirty="0"/>
+              <a:t>, "Dynamic Equivalents for Average System Frequency Behavior Following Major Disturbances", </a:t>
+            </a:r>
+            <a:r>
+              <a:rPr lang="en-US" i="1" dirty="0"/>
+              <a:t>IEEE Transactions on Power Apparatus and Systems</a:t>
+            </a:r>
+            <a:r>
+              <a:rPr lang="en-US" dirty="0"/>
+              <a:t>, vol. </a:t>
+            </a:r>
+            <a:r>
+              <a:rPr lang="en-US" dirty="0" smtClean="0"/>
+              <a:t>-91</a:t>
+            </a:r>
+            <a:r>
+              <a:rPr lang="en-US" dirty="0"/>
+              <a:t>, no. 4, pp. 1637-1642, 1972.</a:t>
+            </a:r>
+          </a:p>
+          <a:p>
+            <a:pPr marL="0" indent="0">
+              <a:buNone/>
+            </a:pPr>
+            <a:r>
+              <a:rPr lang="en-US" dirty="0"/>
+              <a:t>[7]N. Miller, M. Shao, S. </a:t>
+            </a:r>
+            <a:r>
+              <a:rPr lang="en-US" dirty="0" err="1"/>
+              <a:t>Venkataraman</a:t>
+            </a:r>
+            <a:r>
+              <a:rPr lang="en-US" dirty="0"/>
+              <a:t>, C. </a:t>
+            </a:r>
+            <a:r>
+              <a:rPr lang="en-US" dirty="0" err="1"/>
+              <a:t>Loutan</a:t>
+            </a:r>
+            <a:r>
+              <a:rPr lang="en-US" dirty="0"/>
+              <a:t> and M. </a:t>
+            </a:r>
+            <a:r>
+              <a:rPr lang="en-US" dirty="0" err="1"/>
+              <a:t>Rothleder</a:t>
+            </a:r>
+            <a:r>
+              <a:rPr lang="en-US" dirty="0"/>
+              <a:t>, "Frequency response of California and WECC under high wind and solar conditions", </a:t>
+            </a:r>
+            <a:r>
+              <a:rPr lang="en-US" i="1" dirty="0"/>
+              <a:t>2012 IEEE Power and Energy Society General Meeting</a:t>
+            </a:r>
+            <a:r>
+              <a:rPr lang="en-US" dirty="0"/>
+              <a:t>, pp. 1-8, 2012.</a:t>
+            </a:r>
+          </a:p>
+          <a:p>
+            <a:pPr marL="0" indent="0">
+              <a:buNone/>
+            </a:pPr>
+            <a:r>
+              <a:rPr lang="en-US" dirty="0" smtClean="0"/>
+              <a:t>[8]P. </a:t>
+            </a:r>
+            <a:r>
+              <a:rPr lang="en-US" dirty="0" err="1" smtClean="0"/>
+              <a:t>Varaiya</a:t>
+            </a:r>
+            <a:r>
+              <a:rPr lang="en-US" dirty="0" smtClean="0"/>
+              <a:t>, F. Wu and R. Chen, </a:t>
+            </a:r>
+            <a:r>
+              <a:rPr lang="en-US" dirty="0"/>
+              <a:t>"Direct methods for transient stability analysis of power systems: </a:t>
+            </a:r>
+            <a:r>
+              <a:rPr lang="en-US" dirty="0" smtClean="0"/>
+              <a:t>Recent </a:t>
+            </a:r>
+            <a:r>
+              <a:rPr lang="en-US" dirty="0"/>
+              <a:t>results", </a:t>
+            </a:r>
+            <a:r>
+              <a:rPr lang="en-US" i="1" dirty="0"/>
+              <a:t>Proceedings of the IEEE</a:t>
+            </a:r>
+            <a:r>
+              <a:rPr lang="en-US" dirty="0"/>
+              <a:t>, vol. 73, no. 12, pp. 1703-1715, 1985.</a:t>
+            </a:r>
+          </a:p>
+          <a:p>
+            <a:pPr marL="0" indent="0">
+              <a:buNone/>
+            </a:pPr>
+            <a:r>
+              <a:rPr lang="en-US" dirty="0" smtClean="0"/>
+              <a:t>[</a:t>
+            </a:r>
+            <a:r>
+              <a:rPr lang="en-US" dirty="0"/>
+              <a:t>9</a:t>
+            </a:r>
+            <a:r>
+              <a:rPr lang="en-US" dirty="0" smtClean="0"/>
+              <a:t>]R</a:t>
+            </a:r>
+            <a:r>
+              <a:rPr lang="en-US" dirty="0"/>
+              <a:t>. Yan </a:t>
+            </a:r>
+            <a:r>
+              <a:rPr lang="en-US" dirty="0" smtClean="0"/>
+              <a:t>and </a:t>
+            </a:r>
+            <a:r>
+              <a:rPr lang="en-US" dirty="0"/>
+              <a:t>T. </a:t>
+            </a:r>
+            <a:r>
+              <a:rPr lang="en-US" dirty="0" err="1"/>
+              <a:t>Saha</a:t>
+            </a:r>
+            <a:r>
+              <a:rPr lang="en-US" dirty="0"/>
+              <a:t>, "Frequency response estimation method for high wind penetration </a:t>
+            </a:r>
+            <a:r>
+              <a:rPr lang="en-US" dirty="0" smtClean="0"/>
+              <a:t>considering </a:t>
+            </a:r>
+            <a:r>
+              <a:rPr lang="en-US" dirty="0"/>
+              <a:t>wind turbine frequency support functions", </a:t>
+            </a:r>
+            <a:r>
+              <a:rPr lang="en-US" i="1" dirty="0"/>
+              <a:t>IET Renewable Power Generation</a:t>
+            </a:r>
+            <a:r>
+              <a:rPr lang="en-US" dirty="0"/>
+              <a:t>, vol. 9, </a:t>
+            </a:r>
+            <a:r>
+              <a:rPr lang="en-US" dirty="0" smtClean="0"/>
+              <a:t>no</a:t>
+            </a:r>
+            <a:r>
+              <a:rPr lang="en-US" dirty="0"/>
+              <a:t>. 7, pp. 775-782, 2015</a:t>
+            </a:r>
+            <a:r>
+              <a:rPr lang="en-US" dirty="0" smtClean="0"/>
+              <a:t>.</a:t>
             </a:r>
             <a:endParaRPr lang="en-US" dirty="0"/>
           </a:p>
@@ -7944,7 +10989,7 @@
     </p:spTree>
     <p:extLst>
       <p:ext uri="{BB962C8B-B14F-4D97-AF65-F5344CB8AC3E}">
-        <p14:creationId xmlns:p14="http://schemas.microsoft.com/office/powerpoint/2010/main" val="708870289"/>
+        <p14:creationId xmlns:p14="http://schemas.microsoft.com/office/powerpoint/2010/main" val="2039904875"/>
       </p:ext>
     </p:extLst>
   </p:cSld>
@@ -8013,8 +11058,9 @@
           <a:p>
             <a:r>
               <a:rPr lang="en-US" dirty="0" smtClean="0"/>
-              <a:t>Purpose</a:t>
-            </a:r>
+              <a:t>Purpose and Motivation</a:t>
+            </a:r>
+            <a:endParaRPr lang="en-US" dirty="0" smtClean="0"/>
           </a:p>
           <a:p>
             <a:r>
@@ -8043,32 +11089,36 @@
           <a:p>
             <a:r>
               <a:rPr lang="en-US" dirty="0" smtClean="0"/>
-              <a:t>Results</a:t>
+              <a:t>Control Models:</a:t>
+            </a:r>
+          </a:p>
+          <a:p>
+            <a:pPr lvl="1"/>
+            <a:r>
+              <a:rPr lang="en-US" dirty="0" smtClean="0"/>
+              <a:t>Constant Power</a:t>
+            </a:r>
+          </a:p>
+          <a:p>
+            <a:pPr lvl="1"/>
+            <a:r>
+              <a:rPr lang="en-US" dirty="0" smtClean="0"/>
+              <a:t>Droop Control</a:t>
+            </a:r>
+          </a:p>
+          <a:p>
+            <a:pPr lvl="1"/>
+            <a:r>
+              <a:rPr lang="en-US" dirty="0" smtClean="0"/>
+              <a:t>Virtual Inertia</a:t>
             </a:r>
             <a:endParaRPr lang="en-US" dirty="0" smtClean="0"/>
           </a:p>
           <a:p>
             <a:r>
               <a:rPr lang="en-US" dirty="0" smtClean="0"/>
-              <a:t>Impact of Renewables</a:t>
-            </a:r>
-          </a:p>
-          <a:p>
-            <a:r>
-              <a:rPr lang="en-US" dirty="0" smtClean="0"/>
-              <a:t>Proposed </a:t>
-            </a:r>
-            <a:r>
-              <a:rPr lang="en-US" dirty="0" smtClean="0"/>
-              <a:t>methods</a:t>
-            </a:r>
-          </a:p>
-          <a:p>
-            <a:r>
-              <a:rPr lang="en-US" dirty="0" smtClean="0"/>
-              <a:t>Results</a:t>
-            </a:r>
-            <a:endParaRPr lang="en-US" dirty="0"/>
+              <a:t>Proposed methods</a:t>
+            </a:r>
           </a:p>
         </p:txBody>
       </p:sp>
@@ -8082,628 +11132,13 @@
   <p:clrMapOvr>
     <a:masterClrMapping/>
   </p:clrMapOvr>
-</p:sld>
-</file>
-
-<file path=ppt/slides/slide20.xml><?xml version="1.0" encoding="utf-8"?>
-<p:sld xmlns:a="http://schemas.openxmlformats.org/drawingml/2006/main" xmlns:r="http://schemas.openxmlformats.org/officeDocument/2006/relationships" xmlns:p="http://schemas.openxmlformats.org/presentationml/2006/main">
-  <p:cSld>
-    <p:spTree>
-      <p:nvGrpSpPr>
-        <p:cNvPr id="1" name=""/>
-        <p:cNvGrpSpPr/>
-        <p:nvPr/>
-      </p:nvGrpSpPr>
-      <p:grpSpPr>
-        <a:xfrm>
-          <a:off x="0" y="0"/>
-          <a:ext cx="0" cy="0"/>
-          <a:chOff x="0" y="0"/>
-          <a:chExt cx="0" cy="0"/>
-        </a:xfrm>
-      </p:grpSpPr>
-      <p:sp>
-        <p:nvSpPr>
-          <p:cNvPr id="2" name="Title 1"/>
-          <p:cNvSpPr>
-            <a:spLocks noGrp="1"/>
-          </p:cNvSpPr>
-          <p:nvPr>
-            <p:ph type="title"/>
-          </p:nvPr>
-        </p:nvSpPr>
-        <p:spPr/>
-        <p:txBody>
-          <a:bodyPr/>
-          <a:lstStyle/>
-          <a:p>
-            <a:r>
-              <a:rPr lang="en-US" dirty="0" smtClean="0"/>
-              <a:t>Energy Storage Systems</a:t>
-            </a:r>
-            <a:endParaRPr lang="en-US" dirty="0"/>
-          </a:p>
-        </p:txBody>
-      </p:sp>
-      <p:sp>
-        <p:nvSpPr>
-          <p:cNvPr id="3" name="Content Placeholder 2"/>
-          <p:cNvSpPr>
-            <a:spLocks noGrp="1"/>
-          </p:cNvSpPr>
-          <p:nvPr>
-            <p:ph idx="1"/>
-          </p:nvPr>
-        </p:nvSpPr>
-        <p:spPr/>
-        <p:txBody>
-          <a:bodyPr/>
-          <a:lstStyle/>
-          <a:p>
-            <a:r>
-              <a:rPr lang="en-US" dirty="0" smtClean="0"/>
-              <a:t>Pros: Provides reserve power</a:t>
-            </a:r>
-          </a:p>
-          <a:p>
-            <a:r>
-              <a:rPr lang="en-US" dirty="0" smtClean="0"/>
-              <a:t>Cons: Costly</a:t>
-            </a:r>
-          </a:p>
-          <a:p>
-            <a:endParaRPr lang="en-US" dirty="0"/>
-          </a:p>
-        </p:txBody>
-      </p:sp>
-    </p:spTree>
-    <p:extLst>
-      <p:ext uri="{BB962C8B-B14F-4D97-AF65-F5344CB8AC3E}">
-        <p14:creationId xmlns:p14="http://schemas.microsoft.com/office/powerpoint/2010/main" val="1818619930"/>
-      </p:ext>
-    </p:extLst>
-  </p:cSld>
-  <p:clrMapOvr>
-    <a:masterClrMapping/>
-  </p:clrMapOvr>
-</p:sld>
-</file>
-
-<file path=ppt/slides/slide21.xml><?xml version="1.0" encoding="utf-8"?>
-<p:sld xmlns:a="http://schemas.openxmlformats.org/drawingml/2006/main" xmlns:r="http://schemas.openxmlformats.org/officeDocument/2006/relationships" xmlns:p="http://schemas.openxmlformats.org/presentationml/2006/main">
-  <p:cSld>
-    <p:spTree>
-      <p:nvGrpSpPr>
-        <p:cNvPr id="1" name=""/>
-        <p:cNvGrpSpPr/>
-        <p:nvPr/>
-      </p:nvGrpSpPr>
-      <p:grpSpPr>
-        <a:xfrm>
-          <a:off x="0" y="0"/>
-          <a:ext cx="0" cy="0"/>
-          <a:chOff x="0" y="0"/>
-          <a:chExt cx="0" cy="0"/>
-        </a:xfrm>
-      </p:grpSpPr>
-      <p:sp>
-        <p:nvSpPr>
-          <p:cNvPr id="2" name="Title 1"/>
-          <p:cNvSpPr>
-            <a:spLocks noGrp="1"/>
-          </p:cNvSpPr>
-          <p:nvPr>
-            <p:ph type="title"/>
-          </p:nvPr>
-        </p:nvSpPr>
-        <p:spPr/>
-        <p:txBody>
-          <a:bodyPr/>
-          <a:lstStyle/>
-          <a:p>
-            <a:r>
-              <a:rPr lang="en-US" dirty="0" err="1" smtClean="0"/>
-              <a:t>Deloading</a:t>
-            </a:r>
-            <a:endParaRPr lang="en-US" dirty="0"/>
-          </a:p>
-        </p:txBody>
-      </p:sp>
-      <p:sp>
-        <p:nvSpPr>
-          <p:cNvPr id="3" name="Content Placeholder 2"/>
-          <p:cNvSpPr>
-            <a:spLocks noGrp="1"/>
-          </p:cNvSpPr>
-          <p:nvPr>
-            <p:ph idx="1"/>
-          </p:nvPr>
-        </p:nvSpPr>
-        <p:spPr/>
-        <p:txBody>
-          <a:bodyPr/>
-          <a:lstStyle/>
-          <a:p>
-            <a:r>
-              <a:rPr lang="en-US" dirty="0" smtClean="0"/>
-              <a:t>Pros: Provides primary control for longer periods of time</a:t>
-            </a:r>
-          </a:p>
-          <a:p>
-            <a:r>
-              <a:rPr lang="en-US" dirty="0" smtClean="0"/>
-              <a:t>Cons: Inefficient and expensive</a:t>
-            </a:r>
-            <a:endParaRPr lang="en-US" dirty="0"/>
-          </a:p>
-        </p:txBody>
-      </p:sp>
-    </p:spTree>
-    <p:extLst>
-      <p:ext uri="{BB962C8B-B14F-4D97-AF65-F5344CB8AC3E}">
-        <p14:creationId xmlns:p14="http://schemas.microsoft.com/office/powerpoint/2010/main" val="1632728426"/>
-      </p:ext>
-    </p:extLst>
-  </p:cSld>
-  <p:clrMapOvr>
-    <a:masterClrMapping/>
-  </p:clrMapOvr>
-</p:sld>
-</file>
-
-<file path=ppt/slides/slide22.xml><?xml version="1.0" encoding="utf-8"?>
-<p:sld xmlns:a="http://schemas.openxmlformats.org/drawingml/2006/main" xmlns:r="http://schemas.openxmlformats.org/officeDocument/2006/relationships" xmlns:p="http://schemas.openxmlformats.org/presentationml/2006/main">
-  <p:cSld>
-    <p:spTree>
-      <p:nvGrpSpPr>
-        <p:cNvPr id="1" name=""/>
-        <p:cNvGrpSpPr/>
-        <p:nvPr/>
-      </p:nvGrpSpPr>
-      <p:grpSpPr>
-        <a:xfrm>
-          <a:off x="0" y="0"/>
-          <a:ext cx="0" cy="0"/>
-          <a:chOff x="0" y="0"/>
-          <a:chExt cx="0" cy="0"/>
-        </a:xfrm>
-      </p:grpSpPr>
-      <p:sp>
-        <p:nvSpPr>
-          <p:cNvPr id="2" name="Title 1"/>
-          <p:cNvSpPr>
-            <a:spLocks noGrp="1"/>
-          </p:cNvSpPr>
-          <p:nvPr>
-            <p:ph type="title"/>
-          </p:nvPr>
-        </p:nvSpPr>
-        <p:spPr/>
-        <p:txBody>
-          <a:bodyPr/>
-          <a:lstStyle/>
-          <a:p>
-            <a:r>
-              <a:rPr lang="en-US" dirty="0" smtClean="0"/>
-              <a:t>References</a:t>
-            </a:r>
-            <a:endParaRPr lang="en-US" dirty="0"/>
-          </a:p>
-        </p:txBody>
-      </p:sp>
-      <p:sp>
-        <p:nvSpPr>
-          <p:cNvPr id="3" name="Content Placeholder 2"/>
-          <p:cNvSpPr>
-            <a:spLocks noGrp="1"/>
-          </p:cNvSpPr>
-          <p:nvPr>
-            <p:ph idx="1"/>
-          </p:nvPr>
-        </p:nvSpPr>
-        <p:spPr>
-          <a:xfrm>
-            <a:off x="457200" y="1617453"/>
-            <a:ext cx="8229600" cy="4525963"/>
-          </a:xfrm>
-        </p:spPr>
-        <p:txBody>
-          <a:bodyPr>
-            <a:normAutofit fontScale="70000" lnSpcReduction="20000"/>
-          </a:bodyPr>
-          <a:lstStyle/>
-          <a:p>
-            <a:pPr marL="0" indent="0">
-              <a:buNone/>
-            </a:pPr>
-            <a:r>
-              <a:rPr lang="en-US" dirty="0"/>
-              <a:t>[1</a:t>
-            </a:r>
-            <a:r>
-              <a:rPr lang="en-US" dirty="0" smtClean="0"/>
-              <a:t>]	A</a:t>
-            </a:r>
-            <a:r>
-              <a:rPr lang="en-US" dirty="0"/>
-              <a:t>. </a:t>
-            </a:r>
-            <a:r>
-              <a:rPr lang="en-US" dirty="0" err="1"/>
-              <a:t>Ulbig</a:t>
-            </a:r>
-            <a:r>
-              <a:rPr lang="en-US" dirty="0"/>
-              <a:t>, T. </a:t>
-            </a:r>
-            <a:r>
-              <a:rPr lang="en-US" dirty="0" err="1"/>
-              <a:t>Borsche</a:t>
-            </a:r>
-            <a:r>
-              <a:rPr lang="en-US" dirty="0"/>
-              <a:t> and G. </a:t>
-            </a:r>
-            <a:r>
-              <a:rPr lang="en-US" dirty="0" err="1"/>
-              <a:t>Andersson</a:t>
-            </a:r>
-            <a:r>
-              <a:rPr lang="en-US" dirty="0"/>
-              <a:t>, "Impact of Low Rotational Inertia on Power System Stability </a:t>
-            </a:r>
-            <a:r>
-              <a:rPr lang="en-US" dirty="0" smtClean="0"/>
-              <a:t>	and </a:t>
-            </a:r>
-            <a:r>
-              <a:rPr lang="en-US" dirty="0"/>
-              <a:t>Operation", </a:t>
-            </a:r>
-            <a:r>
-              <a:rPr lang="en-US" i="1" dirty="0"/>
-              <a:t>IFAC Proceedings Volumes</a:t>
-            </a:r>
-            <a:r>
-              <a:rPr lang="en-US" dirty="0"/>
-              <a:t>, vol. 47, no. 3, pp. 7290-7297, 2014.</a:t>
-            </a:r>
-          </a:p>
-          <a:p>
-            <a:pPr marL="0" indent="0">
-              <a:buNone/>
-            </a:pPr>
-            <a:r>
-              <a:rPr lang="en-US" dirty="0"/>
-              <a:t>[2</a:t>
-            </a:r>
-            <a:r>
-              <a:rPr lang="en-US" dirty="0" smtClean="0"/>
-              <a:t>]	H</a:t>
-            </a:r>
-            <a:r>
-              <a:rPr lang="en-US" dirty="0"/>
-              <a:t>. Chiang, F. Wu and P. </a:t>
-            </a:r>
-            <a:r>
-              <a:rPr lang="en-US" dirty="0" err="1"/>
-              <a:t>Varaiya</a:t>
-            </a:r>
-            <a:r>
-              <a:rPr lang="en-US" dirty="0"/>
-              <a:t>, "Foundations of direct methods for power system transient </a:t>
-            </a:r>
-            <a:r>
-              <a:rPr lang="en-US" dirty="0" smtClean="0"/>
-              <a:t>	stability </a:t>
-            </a:r>
-            <a:r>
-              <a:rPr lang="en-US" dirty="0"/>
-              <a:t>analysis", </a:t>
-            </a:r>
-            <a:r>
-              <a:rPr lang="en-US" i="1" dirty="0"/>
-              <a:t>IEEE Transactions on Circuits and Systems</a:t>
-            </a:r>
-            <a:r>
-              <a:rPr lang="en-US" dirty="0"/>
-              <a:t>, vol. 34, no. 2, pp. 160-173, 1987.</a:t>
-            </a:r>
-          </a:p>
-          <a:p>
-            <a:pPr marL="0" indent="0">
-              <a:buNone/>
-            </a:pPr>
-            <a:r>
-              <a:rPr lang="en-US" dirty="0"/>
-              <a:t>[3</a:t>
-            </a:r>
-            <a:r>
-              <a:rPr lang="en-US" dirty="0" smtClean="0"/>
-              <a:t>]	P</a:t>
-            </a:r>
-            <a:r>
-              <a:rPr lang="en-US" dirty="0"/>
-              <a:t>. </a:t>
-            </a:r>
-            <a:r>
-              <a:rPr lang="en-US" dirty="0" err="1"/>
-              <a:t>Varaiya</a:t>
-            </a:r>
-            <a:r>
-              <a:rPr lang="en-US" dirty="0"/>
-              <a:t>, F. Wu and R. Chen, "Direct methods for transient stability analysis of power systems: </a:t>
-            </a:r>
-            <a:r>
-              <a:rPr lang="en-US" dirty="0" smtClean="0"/>
-              <a:t>	Recent </a:t>
-            </a:r>
-            <a:r>
-              <a:rPr lang="en-US" dirty="0"/>
-              <a:t>results", </a:t>
-            </a:r>
-            <a:r>
-              <a:rPr lang="en-US" i="1" dirty="0"/>
-              <a:t>Proceedings of the IEEE</a:t>
-            </a:r>
-            <a:r>
-              <a:rPr lang="en-US" dirty="0"/>
-              <a:t>, vol. 73, no. 12, pp. 1703-1715, 1985.</a:t>
-            </a:r>
-          </a:p>
-          <a:p>
-            <a:pPr marL="0" indent="0">
-              <a:buNone/>
-            </a:pPr>
-            <a:r>
-              <a:rPr lang="en-US" dirty="0"/>
-              <a:t>[</a:t>
-            </a:r>
-            <a:r>
-              <a:rPr lang="en-US" dirty="0" smtClean="0"/>
-              <a:t>4	]</a:t>
-            </a:r>
-            <a:r>
-              <a:rPr lang="en-US" dirty="0"/>
-              <a:t>R. Yan and T. </a:t>
-            </a:r>
-            <a:r>
-              <a:rPr lang="en-US" dirty="0" err="1"/>
-              <a:t>Saha</a:t>
-            </a:r>
-            <a:r>
-              <a:rPr lang="en-US" dirty="0"/>
-              <a:t>, "Frequency response estimation method for high wind penetration </a:t>
-            </a:r>
-            <a:r>
-              <a:rPr lang="en-US" dirty="0" smtClean="0"/>
-              <a:t>	considering </a:t>
-            </a:r>
-            <a:r>
-              <a:rPr lang="en-US" dirty="0"/>
-              <a:t>wind turbine frequency support functions", </a:t>
-            </a:r>
-            <a:r>
-              <a:rPr lang="en-US" i="1" dirty="0"/>
-              <a:t>IET Renewable Power Generation</a:t>
-            </a:r>
-            <a:r>
-              <a:rPr lang="en-US" dirty="0"/>
-              <a:t>, vol. 9, </a:t>
-            </a:r>
-            <a:r>
-              <a:rPr lang="en-US" dirty="0" smtClean="0"/>
-              <a:t>	no</a:t>
-            </a:r>
-            <a:r>
-              <a:rPr lang="en-US" dirty="0"/>
-              <a:t>. 7, pp. 775-782, 2015.</a:t>
-            </a:r>
-          </a:p>
-          <a:p>
-            <a:pPr marL="0" indent="0">
-              <a:buNone/>
-            </a:pPr>
-            <a:r>
-              <a:rPr lang="en-US" dirty="0"/>
-              <a:t>[5</a:t>
-            </a:r>
-            <a:r>
-              <a:rPr lang="en-US" dirty="0" smtClean="0"/>
-              <a:t>]	M</a:t>
-            </a:r>
-            <a:r>
-              <a:rPr lang="en-US" dirty="0"/>
-              <a:t>. Chan, R. Dunlop and F. </a:t>
-            </a:r>
-            <a:r>
-              <a:rPr lang="en-US" dirty="0" err="1"/>
-              <a:t>Schweppe</a:t>
-            </a:r>
-            <a:r>
-              <a:rPr lang="en-US" dirty="0"/>
-              <a:t>, "Dynamic Equivalents for Average System Frequency </a:t>
-            </a:r>
-            <a:r>
-              <a:rPr lang="en-US" dirty="0" smtClean="0"/>
-              <a:t>	Behavior </a:t>
-            </a:r>
-            <a:r>
-              <a:rPr lang="en-US" dirty="0"/>
-              <a:t>Following Major </a:t>
-            </a:r>
-            <a:r>
-              <a:rPr lang="en-US" dirty="0" smtClean="0"/>
-              <a:t>Disturbances</a:t>
-            </a:r>
-            <a:r>
-              <a:rPr lang="en-US" dirty="0"/>
-              <a:t>", </a:t>
-            </a:r>
-            <a:r>
-              <a:rPr lang="en-US" i="1" dirty="0"/>
-              <a:t>IEEE Transactions on Power Apparatus and Systems</a:t>
-            </a:r>
-            <a:r>
-              <a:rPr lang="en-US" dirty="0"/>
-              <a:t>, vol. </a:t>
-            </a:r>
-            <a:r>
-              <a:rPr lang="en-US" dirty="0" smtClean="0"/>
-              <a:t>-	91</a:t>
-            </a:r>
-            <a:r>
-              <a:rPr lang="en-US" dirty="0"/>
-              <a:t>, no. 4, pp. 1637-1642, 1972.</a:t>
-            </a:r>
-          </a:p>
-          <a:p>
-            <a:pPr marL="0" indent="0">
-              <a:buNone/>
-            </a:pPr>
-            <a:r>
-              <a:rPr lang="en-US" dirty="0"/>
-              <a:t>[6</a:t>
-            </a:r>
-            <a:r>
-              <a:rPr lang="en-US" dirty="0" smtClean="0"/>
-              <a:t>]	B</a:t>
-            </a:r>
-            <a:r>
-              <a:rPr lang="en-US" dirty="0"/>
-              <a:t>. </a:t>
-            </a:r>
-            <a:r>
-              <a:rPr lang="en-US" dirty="0" err="1"/>
-              <a:t>Poolla</a:t>
-            </a:r>
-            <a:r>
-              <a:rPr lang="en-US" dirty="0"/>
-              <a:t>, S. </a:t>
-            </a:r>
-            <a:r>
-              <a:rPr lang="en-US" dirty="0" err="1"/>
-              <a:t>Bolognani</a:t>
-            </a:r>
-            <a:r>
-              <a:rPr lang="en-US" dirty="0"/>
-              <a:t> and F. </a:t>
-            </a:r>
-            <a:r>
-              <a:rPr lang="en-US" dirty="0" err="1"/>
-              <a:t>Dorfler</a:t>
-            </a:r>
-            <a:r>
-              <a:rPr lang="en-US" dirty="0"/>
-              <a:t>, "Optimal Placement of Virtual Inertia in Power Grids", </a:t>
-            </a:r>
-            <a:r>
-              <a:rPr lang="en-US" i="1" dirty="0"/>
-              <a:t>IEEE </a:t>
-            </a:r>
-            <a:r>
-              <a:rPr lang="en-US" i="1" dirty="0" smtClean="0"/>
-              <a:t>	Transactions </a:t>
-            </a:r>
-            <a:r>
-              <a:rPr lang="en-US" i="1" dirty="0"/>
-              <a:t>on Automatic Control</a:t>
-            </a:r>
-            <a:r>
-              <a:rPr lang="en-US" dirty="0"/>
-              <a:t>, vol., no. 99, pp. 1-1, 2016.</a:t>
-            </a:r>
-          </a:p>
-          <a:p>
-            <a:pPr marL="0" indent="0">
-              <a:buNone/>
-            </a:pPr>
-            <a:r>
-              <a:rPr lang="en-US" dirty="0"/>
-              <a:t>[7</a:t>
-            </a:r>
-            <a:r>
-              <a:rPr lang="en-US" dirty="0" smtClean="0"/>
-              <a:t>]	N</a:t>
-            </a:r>
-            <a:r>
-              <a:rPr lang="en-US" dirty="0"/>
-              <a:t>. Miller, M. Shao, S. </a:t>
-            </a:r>
-            <a:r>
-              <a:rPr lang="en-US" dirty="0" err="1"/>
-              <a:t>Venkataraman</a:t>
-            </a:r>
-            <a:r>
-              <a:rPr lang="en-US" dirty="0"/>
-              <a:t>, C. </a:t>
-            </a:r>
-            <a:r>
-              <a:rPr lang="en-US" dirty="0" err="1"/>
-              <a:t>Loutan</a:t>
-            </a:r>
-            <a:r>
-              <a:rPr lang="en-US" dirty="0"/>
-              <a:t> and M. </a:t>
-            </a:r>
-            <a:r>
-              <a:rPr lang="en-US" dirty="0" err="1"/>
-              <a:t>Rothleder</a:t>
-            </a:r>
-            <a:r>
-              <a:rPr lang="en-US" dirty="0"/>
-              <a:t>, "Frequency response of </a:t>
-            </a:r>
-            <a:r>
-              <a:rPr lang="en-US" dirty="0" smtClean="0"/>
-              <a:t>	California </a:t>
-            </a:r>
-            <a:r>
-              <a:rPr lang="en-US" dirty="0"/>
-              <a:t>and WECC under high wind and solar conditions", </a:t>
-            </a:r>
-            <a:r>
-              <a:rPr lang="en-US" i="1" dirty="0"/>
-              <a:t>2012 IEEE Power and Energy Society </a:t>
-            </a:r>
-            <a:r>
-              <a:rPr lang="en-US" i="1" dirty="0" smtClean="0"/>
-              <a:t>	General </a:t>
-            </a:r>
-            <a:r>
-              <a:rPr lang="en-US" i="1" dirty="0"/>
-              <a:t>Meeting</a:t>
-            </a:r>
-            <a:r>
-              <a:rPr lang="en-US" dirty="0"/>
-              <a:t>, pp. 1-8, 2012.</a:t>
-            </a:r>
-          </a:p>
-          <a:p>
-            <a:pPr marL="0" indent="0">
-              <a:buNone/>
-            </a:pPr>
-            <a:r>
-              <a:rPr lang="en-US" dirty="0"/>
-              <a:t/>
-            </a:r>
-            <a:br>
-              <a:rPr lang="en-US" dirty="0"/>
-            </a:br>
-            <a:endParaRPr lang="en-US" dirty="0"/>
-          </a:p>
-        </p:txBody>
-      </p:sp>
-    </p:spTree>
-    <p:extLst>
-      <p:ext uri="{BB962C8B-B14F-4D97-AF65-F5344CB8AC3E}">
-        <p14:creationId xmlns:p14="http://schemas.microsoft.com/office/powerpoint/2010/main" val="2039904875"/>
-      </p:ext>
-    </p:extLst>
-  </p:cSld>
-  <p:clrMapOvr>
-    <a:masterClrMapping/>
-  </p:clrMapOvr>
+  <p:timing>
+    <p:tnLst>
+      <p:par>
+        <p:cTn id="1" dur="indefinite" restart="never" nodeType="tmRoot"/>
+      </p:par>
+    </p:tnLst>
+  </p:timing>
 </p:sld>
 </file>
 
@@ -8743,7 +11178,7 @@
           <a:p>
             <a:r>
               <a:rPr lang="en-US" dirty="0" smtClean="0"/>
-              <a:t>Purpose</a:t>
+              <a:t>Purpose and Motivation</a:t>
             </a:r>
             <a:endParaRPr lang="en-US" dirty="0"/>
           </a:p>
@@ -8769,7 +11204,30 @@
             </a:pPr>
             <a:r>
               <a:rPr lang="en-US" dirty="0" smtClean="0"/>
-              <a:t>The purpose of this review is to increase my understanding of frequency response and control in power systems with a focus on how variable renewable energy affects the system.</a:t>
+              <a:t>The purpose of this project is to analyze the effect of increased renewable power </a:t>
+            </a:r>
+            <a:r>
+              <a:rPr lang="en-US" smtClean="0"/>
+              <a:t>source penetration </a:t>
+            </a:r>
+            <a:r>
+              <a:rPr lang="en-US" dirty="0" smtClean="0"/>
+              <a:t>on the frequency response of the grid. </a:t>
+            </a:r>
+          </a:p>
+          <a:p>
+            <a:pPr marL="0" indent="0">
+              <a:buNone/>
+            </a:pPr>
+            <a:endParaRPr lang="en-US" dirty="0"/>
+          </a:p>
+          <a:p>
+            <a:pPr marL="0" indent="0">
+              <a:buNone/>
+            </a:pPr>
+            <a:r>
+              <a:rPr lang="en-US" dirty="0" smtClean="0"/>
+              <a:t>With more and more renewable sources being used, we need to know how these changes will effect the gird in terms of safety and robustness.</a:t>
             </a:r>
             <a:endParaRPr lang="en-US" dirty="0"/>
           </a:p>
@@ -8785,6 +11243,13 @@
   <p:clrMapOvr>
     <a:masterClrMapping/>
   </p:clrMapOvr>
+  <p:timing>
+    <p:tnLst>
+      <p:par>
+        <p:cTn id="1" dur="indefinite" restart="never" nodeType="tmRoot"/>
+      </p:par>
+    </p:tnLst>
+  </p:timing>
 </p:sld>
 </file>
 
@@ -8824,7 +11289,7 @@
           <a:p>
             <a:r>
               <a:rPr lang="en-US" dirty="0" smtClean="0"/>
-              <a:t>Frequency Response and Control in Power Systems</a:t>
+              <a:t>Background</a:t>
             </a:r>
             <a:endParaRPr lang="en-US" dirty="0"/>
           </a:p>
@@ -8842,7 +11307,9 @@
         </p:nvSpPr>
         <p:spPr/>
         <p:txBody>
-          <a:bodyPr/>
+          <a:bodyPr>
+            <a:normAutofit/>
+          </a:bodyPr>
           <a:lstStyle/>
           <a:p>
             <a:r>
@@ -8873,8 +11340,46 @@
           <a:p>
             <a:r>
               <a:rPr lang="en-US" dirty="0" smtClean="0"/>
-              <a:t>Faster frequency response = more severe consequences</a:t>
-            </a:r>
+              <a:t>Faster frequency response = more severe </a:t>
+            </a:r>
+            <a:r>
+              <a:rPr lang="en-US" dirty="0" smtClean="0"/>
+              <a:t>consequences</a:t>
+            </a:r>
+            <a:endParaRPr lang="en-US" dirty="0"/>
+          </a:p>
+          <a:p>
+            <a:pPr marL="0" indent="0">
+              <a:buNone/>
+            </a:pPr>
+            <a:r>
+              <a:rPr lang="en-US" sz="2400" dirty="0" smtClean="0"/>
+              <a:t>Renewables</a:t>
+            </a:r>
+            <a:r>
+              <a:rPr lang="en-US" dirty="0" smtClean="0"/>
+              <a:t>:</a:t>
+            </a:r>
+          </a:p>
+          <a:p>
+            <a:r>
+              <a:rPr lang="en-US" dirty="0"/>
+              <a:t>No inertia (H = 0) </a:t>
+            </a:r>
+          </a:p>
+          <a:p>
+            <a:r>
+              <a:rPr lang="en-US" dirty="0"/>
+              <a:t>Increased frequency response</a:t>
+            </a:r>
+          </a:p>
+          <a:p>
+            <a:r>
+              <a:rPr lang="en-US" dirty="0"/>
+              <a:t>Less control</a:t>
+            </a:r>
+          </a:p>
+          <a:p>
             <a:endParaRPr lang="en-US" dirty="0"/>
           </a:p>
           <a:p>
@@ -8893,6 +11398,13 @@
   <p:clrMapOvr>
     <a:masterClrMapping/>
   </p:clrMapOvr>
+  <p:timing>
+    <p:tnLst>
+      <p:par>
+        <p:cTn id="1" dur="indefinite" restart="never" nodeType="tmRoot"/>
+      </p:par>
+    </p:tnLst>
+  </p:timing>
 </p:sld>
 </file>
 
@@ -8925,94 +11437,6 @@
         </p:nvSpPr>
         <p:spPr/>
         <p:txBody>
-          <a:bodyPr/>
-          <a:lstStyle/>
-          <a:p>
-            <a:r>
-              <a:rPr lang="en-US" dirty="0" smtClean="0"/>
-              <a:t>Impact of Renewables</a:t>
-            </a:r>
-            <a:endParaRPr lang="en-US" dirty="0"/>
-          </a:p>
-        </p:txBody>
-      </p:sp>
-      <p:sp>
-        <p:nvSpPr>
-          <p:cNvPr id="3" name="Content Placeholder 2"/>
-          <p:cNvSpPr>
-            <a:spLocks noGrp="1"/>
-          </p:cNvSpPr>
-          <p:nvPr>
-            <p:ph idx="1"/>
-          </p:nvPr>
-        </p:nvSpPr>
-        <p:spPr/>
-        <p:txBody>
-          <a:bodyPr/>
-          <a:lstStyle/>
-          <a:p>
-            <a:r>
-              <a:rPr lang="en-US" dirty="0" smtClean="0"/>
-              <a:t>No inertia (H = 0) </a:t>
-            </a:r>
-          </a:p>
-          <a:p>
-            <a:r>
-              <a:rPr lang="en-US" dirty="0" smtClean="0"/>
-              <a:t>Increased frequency response</a:t>
-            </a:r>
-          </a:p>
-          <a:p>
-            <a:r>
-              <a:rPr lang="en-US" dirty="0" smtClean="0"/>
-              <a:t>Less control</a:t>
-            </a:r>
-            <a:endParaRPr lang="en-US" dirty="0"/>
-          </a:p>
-        </p:txBody>
-      </p:sp>
-    </p:spTree>
-    <p:extLst>
-      <p:ext uri="{BB962C8B-B14F-4D97-AF65-F5344CB8AC3E}">
-        <p14:creationId xmlns:p14="http://schemas.microsoft.com/office/powerpoint/2010/main" val="3602025122"/>
-      </p:ext>
-    </p:extLst>
-  </p:cSld>
-  <p:clrMapOvr>
-    <a:masterClrMapping/>
-  </p:clrMapOvr>
-</p:sld>
-</file>
-
-<file path=ppt/slides/slide6.xml><?xml version="1.0" encoding="utf-8"?>
-<p:sld xmlns:a="http://schemas.openxmlformats.org/drawingml/2006/main" xmlns:r="http://schemas.openxmlformats.org/officeDocument/2006/relationships" xmlns:p="http://schemas.openxmlformats.org/presentationml/2006/main">
-  <p:cSld>
-    <p:spTree>
-      <p:nvGrpSpPr>
-        <p:cNvPr id="1" name=""/>
-        <p:cNvGrpSpPr/>
-        <p:nvPr/>
-      </p:nvGrpSpPr>
-      <p:grpSpPr>
-        <a:xfrm>
-          <a:off x="0" y="0"/>
-          <a:ext cx="0" cy="0"/>
-          <a:chOff x="0" y="0"/>
-          <a:chExt cx="0" cy="0"/>
-        </a:xfrm>
-      </p:grpSpPr>
-      <p:sp>
-        <p:nvSpPr>
-          <p:cNvPr id="2" name="Title 1"/>
-          <p:cNvSpPr>
-            <a:spLocks noGrp="1"/>
-          </p:cNvSpPr>
-          <p:nvPr>
-            <p:ph type="title"/>
-          </p:nvPr>
-        </p:nvSpPr>
-        <p:spPr/>
-        <p:txBody>
           <a:bodyPr>
             <a:normAutofit/>
           </a:bodyPr>
@@ -9054,19 +11478,7 @@
             </a:r>
             <a:r>
               <a:rPr lang="en-US" dirty="0" smtClean="0"/>
-              <a:t>software (i.e. “insert simulation software name here”)</a:t>
-            </a:r>
-            <a:endParaRPr lang="en-US" dirty="0" smtClean="0"/>
-          </a:p>
-          <a:p>
-            <a:pPr lvl="1"/>
-            <a:r>
-              <a:rPr lang="en-US" dirty="0" smtClean="0"/>
-              <a:t>Used </a:t>
-            </a:r>
-            <a:r>
-              <a:rPr lang="en-US" dirty="0" smtClean="0"/>
-              <a:t>as a comparison tool to validate simplified models in THIS paper</a:t>
+              <a:t>software </a:t>
             </a:r>
           </a:p>
           <a:p>
@@ -9088,8 +11500,50 @@
             </a:r>
           </a:p>
           <a:p>
+            <a:r>
+              <a:rPr lang="en-US" dirty="0"/>
+              <a:t>Full network </a:t>
+            </a:r>
+            <a:r>
+              <a:rPr lang="en-US" dirty="0" smtClean="0"/>
+              <a:t>models</a:t>
+            </a:r>
+            <a:endParaRPr lang="en-US" dirty="0"/>
+          </a:p>
+          <a:p>
             <a:pPr lvl="1"/>
+            <a:r>
+              <a:rPr lang="en-US" dirty="0"/>
+              <a:t>Complicated (many variables)</a:t>
+            </a:r>
+          </a:p>
+          <a:p>
+            <a:pPr lvl="1"/>
+            <a:r>
+              <a:rPr lang="en-US" dirty="0" smtClean="0"/>
+              <a:t>Time</a:t>
+            </a:r>
             <a:endParaRPr lang="en-US" dirty="0"/>
+          </a:p>
+          <a:p>
+            <a:r>
+              <a:rPr lang="en-US" dirty="0"/>
+              <a:t>Simplified Models (Aggregated Swing eq. Average Freq.)</a:t>
+            </a:r>
+          </a:p>
+          <a:p>
+            <a:pPr lvl="1"/>
+            <a:r>
+              <a:rPr lang="en-US" dirty="0"/>
+              <a:t>Marginally less accurate</a:t>
+            </a:r>
+          </a:p>
+          <a:p>
+            <a:pPr lvl="1"/>
+            <a:r>
+              <a:rPr lang="en-US" dirty="0"/>
+              <a:t>Easy to use</a:t>
+            </a:r>
           </a:p>
           <a:p>
             <a:pPr lvl="1"/>
@@ -9110,201 +11564,7 @@
 </p:sld>
 </file>
 
-<file path=ppt/slides/slide7.xml><?xml version="1.0" encoding="utf-8"?>
-<p:sld xmlns:a="http://schemas.openxmlformats.org/drawingml/2006/main" xmlns:r="http://schemas.openxmlformats.org/officeDocument/2006/relationships" xmlns:p="http://schemas.openxmlformats.org/presentationml/2006/main">
-  <p:cSld>
-    <p:spTree>
-      <p:nvGrpSpPr>
-        <p:cNvPr id="1" name=""/>
-        <p:cNvGrpSpPr/>
-        <p:nvPr/>
-      </p:nvGrpSpPr>
-      <p:grpSpPr>
-        <a:xfrm>
-          <a:off x="0" y="0"/>
-          <a:ext cx="0" cy="0"/>
-          <a:chOff x="0" y="0"/>
-          <a:chExt cx="0" cy="0"/>
-        </a:xfrm>
-      </p:grpSpPr>
-      <p:sp>
-        <p:nvSpPr>
-          <p:cNvPr id="2" name="Title 1"/>
-          <p:cNvSpPr>
-            <a:spLocks noGrp="1"/>
-          </p:cNvSpPr>
-          <p:nvPr>
-            <p:ph type="title"/>
-          </p:nvPr>
-        </p:nvSpPr>
-        <p:spPr/>
-        <p:txBody>
-          <a:bodyPr/>
-          <a:lstStyle/>
-          <a:p>
-            <a:r>
-              <a:rPr lang="en-US" dirty="0" smtClean="0"/>
-              <a:t>Modeling</a:t>
-            </a:r>
-            <a:endParaRPr lang="en-US" dirty="0"/>
-          </a:p>
-        </p:txBody>
-      </p:sp>
-      <p:sp>
-        <p:nvSpPr>
-          <p:cNvPr id="3" name="Content Placeholder 2"/>
-          <p:cNvSpPr>
-            <a:spLocks noGrp="1"/>
-          </p:cNvSpPr>
-          <p:nvPr>
-            <p:ph idx="1"/>
-          </p:nvPr>
-        </p:nvSpPr>
-        <p:spPr>
-          <a:xfrm>
-            <a:off x="946404" y="1846385"/>
-            <a:ext cx="6446520" cy="4333753"/>
-          </a:xfrm>
-        </p:spPr>
-        <p:txBody>
-          <a:bodyPr/>
-          <a:lstStyle/>
-          <a:p>
-            <a:r>
-              <a:rPr lang="en-US" dirty="0"/>
-              <a:t>Full network </a:t>
-            </a:r>
-            <a:r>
-              <a:rPr lang="en-US" dirty="0" smtClean="0"/>
-              <a:t>models (as in THIS paper)</a:t>
-            </a:r>
-            <a:endParaRPr lang="en-US" dirty="0"/>
-          </a:p>
-          <a:p>
-            <a:pPr lvl="1"/>
-            <a:r>
-              <a:rPr lang="en-US" dirty="0"/>
-              <a:t>Complicated (many variables)</a:t>
-            </a:r>
-          </a:p>
-          <a:p>
-            <a:pPr lvl="1"/>
-            <a:r>
-              <a:rPr lang="en-US" dirty="0"/>
-              <a:t>Time</a:t>
-            </a:r>
-          </a:p>
-          <a:p>
-            <a:endParaRPr lang="en-US" dirty="0"/>
-          </a:p>
-        </p:txBody>
-      </p:sp>
-    </p:spTree>
-    <p:extLst>
-      <p:ext uri="{BB962C8B-B14F-4D97-AF65-F5344CB8AC3E}">
-        <p14:creationId xmlns:p14="http://schemas.microsoft.com/office/powerpoint/2010/main" val="1809242005"/>
-      </p:ext>
-    </p:extLst>
-  </p:cSld>
-  <p:clrMapOvr>
-    <a:masterClrMapping/>
-  </p:clrMapOvr>
-</p:sld>
-</file>
-
-<file path=ppt/slides/slide8.xml><?xml version="1.0" encoding="utf-8"?>
-<p:sld xmlns:a="http://schemas.openxmlformats.org/drawingml/2006/main" xmlns:r="http://schemas.openxmlformats.org/officeDocument/2006/relationships" xmlns:p="http://schemas.openxmlformats.org/presentationml/2006/main">
-  <p:cSld>
-    <p:spTree>
-      <p:nvGrpSpPr>
-        <p:cNvPr id="1" name=""/>
-        <p:cNvGrpSpPr/>
-        <p:nvPr/>
-      </p:nvGrpSpPr>
-      <p:grpSpPr>
-        <a:xfrm>
-          <a:off x="0" y="0"/>
-          <a:ext cx="0" cy="0"/>
-          <a:chOff x="0" y="0"/>
-          <a:chExt cx="0" cy="0"/>
-        </a:xfrm>
-      </p:grpSpPr>
-      <p:sp>
-        <p:nvSpPr>
-          <p:cNvPr id="2" name="Title 1"/>
-          <p:cNvSpPr>
-            <a:spLocks noGrp="1"/>
-          </p:cNvSpPr>
-          <p:nvPr>
-            <p:ph type="title"/>
-          </p:nvPr>
-        </p:nvSpPr>
-        <p:spPr/>
-        <p:txBody>
-          <a:bodyPr/>
-          <a:lstStyle/>
-          <a:p>
-            <a:r>
-              <a:rPr lang="en-US" dirty="0" smtClean="0"/>
-              <a:t>Modeling</a:t>
-            </a:r>
-            <a:endParaRPr lang="en-US" dirty="0"/>
-          </a:p>
-        </p:txBody>
-      </p:sp>
-      <p:sp>
-        <p:nvSpPr>
-          <p:cNvPr id="3" name="Content Placeholder 2"/>
-          <p:cNvSpPr>
-            <a:spLocks noGrp="1"/>
-          </p:cNvSpPr>
-          <p:nvPr>
-            <p:ph idx="1"/>
-          </p:nvPr>
-        </p:nvSpPr>
-        <p:spPr/>
-        <p:txBody>
-          <a:bodyPr/>
-          <a:lstStyle/>
-          <a:p>
-            <a:r>
-              <a:rPr lang="en-US" dirty="0"/>
-              <a:t>Simplified Models (Aggregated Swing eq. Average Freq.)</a:t>
-            </a:r>
-          </a:p>
-          <a:p>
-            <a:pPr lvl="1"/>
-            <a:r>
-              <a:rPr lang="en-US" dirty="0"/>
-              <a:t>Marginally less accurate</a:t>
-            </a:r>
-          </a:p>
-          <a:p>
-            <a:pPr lvl="1"/>
-            <a:r>
-              <a:rPr lang="en-US" dirty="0"/>
-              <a:t>Easy to use</a:t>
-            </a:r>
-          </a:p>
-          <a:p>
-            <a:endParaRPr lang="en-US" dirty="0"/>
-          </a:p>
-        </p:txBody>
-      </p:sp>
-    </p:spTree>
-    <p:extLst>
-      <p:ext uri="{BB962C8B-B14F-4D97-AF65-F5344CB8AC3E}">
-        <p14:creationId xmlns:p14="http://schemas.microsoft.com/office/powerpoint/2010/main" val="1878603003"/>
-      </p:ext>
-    </p:extLst>
-  </p:cSld>
-  <p:clrMapOvr>
-    <a:masterClrMapping/>
-  </p:clrMapOvr>
-</p:sld>
-</file>
-
-<file path=ppt/slides/slide9.xml><?xml version="1.0" encoding="utf-8"?>
+<file path=ppt/slides/slide6.xml><?xml version="1.0" encoding="utf-8"?>
 <p:sld xmlns:a="http://schemas.openxmlformats.org/drawingml/2006/main" xmlns:r="http://schemas.openxmlformats.org/officeDocument/2006/relationships" xmlns:p="http://schemas.openxmlformats.org/presentationml/2006/main">
   <p:cSld>
     <p:spTree>
@@ -10347,6 +12607,783 @@
 </p:sld>
 </file>
 
+<file path=ppt/slides/slide7.xml><?xml version="1.0" encoding="utf-8"?>
+<p:sld xmlns:a="http://schemas.openxmlformats.org/drawingml/2006/main" xmlns:r="http://schemas.openxmlformats.org/officeDocument/2006/relationships" xmlns:p="http://schemas.openxmlformats.org/presentationml/2006/main">
+  <p:cSld>
+    <p:spTree>
+      <p:nvGrpSpPr>
+        <p:cNvPr id="1" name=""/>
+        <p:cNvGrpSpPr/>
+        <p:nvPr/>
+      </p:nvGrpSpPr>
+      <p:grpSpPr>
+        <a:xfrm>
+          <a:off x="0" y="0"/>
+          <a:ext cx="0" cy="0"/>
+          <a:chOff x="0" y="0"/>
+          <a:chExt cx="0" cy="0"/>
+        </a:xfrm>
+      </p:grpSpPr>
+      <p:sp>
+        <p:nvSpPr>
+          <p:cNvPr id="2" name="Title 1"/>
+          <p:cNvSpPr>
+            <a:spLocks noGrp="1"/>
+          </p:cNvSpPr>
+          <p:nvPr>
+            <p:ph type="title"/>
+          </p:nvPr>
+        </p:nvSpPr>
+        <p:spPr/>
+        <p:txBody>
+          <a:bodyPr/>
+          <a:lstStyle/>
+          <a:p>
+            <a:r>
+              <a:rPr lang="en-US" dirty="0" smtClean="0"/>
+              <a:t>Results</a:t>
+            </a:r>
+            <a:endParaRPr lang="en-US" dirty="0"/>
+          </a:p>
+        </p:txBody>
+      </p:sp>
+      <p:pic>
+        <p:nvPicPr>
+          <p:cNvPr id="6" name="Content Placeholder 5"/>
+          <p:cNvPicPr>
+            <a:picLocks noGrp="1" noChangeAspect="1"/>
+          </p:cNvPicPr>
+          <p:nvPr>
+            <p:ph idx="1"/>
+          </p:nvPr>
+        </p:nvPicPr>
+        <p:blipFill>
+          <a:blip r:embed="rId2">
+            <a:extLst>
+              <a:ext uri="{28A0092B-C50C-407E-A947-70E740481C1C}">
+                <a14:useLocalDpi xmlns:a14="http://schemas.microsoft.com/office/drawing/2010/main" val="0"/>
+              </a:ext>
+            </a:extLst>
+          </a:blip>
+          <a:stretch>
+            <a:fillRect/>
+          </a:stretch>
+        </p:blipFill>
+        <p:spPr>
+          <a:xfrm>
+            <a:off x="489204" y="1567543"/>
+            <a:ext cx="6861165" cy="5042867"/>
+          </a:xfrm>
+        </p:spPr>
+      </p:pic>
+    </p:spTree>
+    <p:extLst>
+      <p:ext uri="{BB962C8B-B14F-4D97-AF65-F5344CB8AC3E}">
+        <p14:creationId xmlns:p14="http://schemas.microsoft.com/office/powerpoint/2010/main" val="1301709328"/>
+      </p:ext>
+    </p:extLst>
+  </p:cSld>
+  <p:clrMapOvr>
+    <a:masterClrMapping/>
+  </p:clrMapOvr>
+  <p:timing>
+    <p:tnLst>
+      <p:par>
+        <p:cTn id="1" dur="indefinite" restart="never" nodeType="tmRoot"/>
+      </p:par>
+    </p:tnLst>
+  </p:timing>
+</p:sld>
+</file>
+
+<file path=ppt/slides/slide8.xml><?xml version="1.0" encoding="utf-8"?>
+<p:sld xmlns:a="http://schemas.openxmlformats.org/drawingml/2006/main" xmlns:r="http://schemas.openxmlformats.org/officeDocument/2006/relationships" xmlns:p="http://schemas.openxmlformats.org/presentationml/2006/main">
+  <p:cSld>
+    <p:spTree>
+      <p:nvGrpSpPr>
+        <p:cNvPr id="1" name=""/>
+        <p:cNvGrpSpPr/>
+        <p:nvPr/>
+      </p:nvGrpSpPr>
+      <p:grpSpPr>
+        <a:xfrm>
+          <a:off x="0" y="0"/>
+          <a:ext cx="0" cy="0"/>
+          <a:chOff x="0" y="0"/>
+          <a:chExt cx="0" cy="0"/>
+        </a:xfrm>
+      </p:grpSpPr>
+      <p:sp>
+        <p:nvSpPr>
+          <p:cNvPr id="2" name="Title 1"/>
+          <p:cNvSpPr>
+            <a:spLocks noGrp="1"/>
+          </p:cNvSpPr>
+          <p:nvPr>
+            <p:ph type="title"/>
+          </p:nvPr>
+        </p:nvSpPr>
+        <p:spPr/>
+        <p:txBody>
+          <a:bodyPr/>
+          <a:lstStyle/>
+          <a:p>
+            <a:r>
+              <a:rPr lang="en-US" dirty="0" smtClean="0"/>
+              <a:t>Constant Power</a:t>
+            </a:r>
+            <a:endParaRPr lang="en-US" dirty="0"/>
+          </a:p>
+        </p:txBody>
+      </p:sp>
+      <mc:AlternateContent xmlns:mc="http://schemas.openxmlformats.org/markup-compatibility/2006">
+        <mc:Choice xmlns:a14="http://schemas.microsoft.com/office/drawing/2010/main" Requires="a14">
+          <p:sp>
+            <p:nvSpPr>
+              <p:cNvPr id="3" name="Content Placeholder 2"/>
+              <p:cNvSpPr>
+                <a:spLocks noGrp="1"/>
+              </p:cNvSpPr>
+              <p:nvPr>
+                <p:ph idx="1"/>
+              </p:nvPr>
+            </p:nvSpPr>
+            <p:spPr/>
+            <p:txBody>
+              <a:bodyPr/>
+              <a:lstStyle/>
+              <a:p>
+                <a:pPr>
+                  <a:lnSpc>
+                    <a:spcPct val="100000"/>
+                  </a:lnSpc>
+                </a:pPr>
+                <a14:m>
+                  <m:oMath xmlns:m="http://schemas.openxmlformats.org/officeDocument/2006/math">
+                    <m:r>
+                      <m:rPr>
+                        <m:nor/>
+                      </m:rPr>
+                      <a:rPr lang="en-US" dirty="0" smtClean="0">
+                        <a:ea typeface="Cambria Math" charset="0"/>
+                        <a:cs typeface="Cambria Math" charset="0"/>
+                      </a:rPr>
+                      <m:t>Control</m:t>
+                    </m:r>
+                    <m:r>
+                      <m:rPr>
+                        <m:nor/>
+                      </m:rPr>
+                      <a:rPr lang="en-US" dirty="0" smtClean="0">
+                        <a:ea typeface="Cambria Math" charset="0"/>
+                        <a:cs typeface="Cambria Math" charset="0"/>
+                      </a:rPr>
+                      <m:t> </m:t>
+                    </m:r>
+                    <m:r>
+                      <m:rPr>
+                        <m:nor/>
+                      </m:rPr>
+                      <a:rPr lang="en-US" dirty="0" smtClean="0">
+                        <a:ea typeface="Cambria Math" charset="0"/>
+                        <a:cs typeface="Cambria Math" charset="0"/>
+                      </a:rPr>
+                      <m:t>Variable</m:t>
+                    </m:r>
+                    <m:r>
+                      <m:rPr>
+                        <m:nor/>
+                      </m:rPr>
+                      <a:rPr lang="en-US" dirty="0" smtClean="0">
+                        <a:ea typeface="Cambria Math" charset="0"/>
+                        <a:cs typeface="Cambria Math" charset="0"/>
+                      </a:rPr>
+                      <m:t>:</m:t>
+                    </m:r>
+                  </m:oMath>
+                </a14:m>
+                <a:endParaRPr lang="en-US" dirty="0">
+                  <a:ea typeface="Cambria Math" charset="0"/>
+                  <a:cs typeface="Cambria Math" charset="0"/>
+                </a:endParaRPr>
+              </a:p>
+              <a:p>
+                <a:pPr marL="0" indent="0">
+                  <a:lnSpc>
+                    <a:spcPct val="100000"/>
+                  </a:lnSpc>
+                  <a:buNone/>
+                </a:pPr>
+                <a14:m>
+                  <m:oMathPara xmlns:m="http://schemas.openxmlformats.org/officeDocument/2006/math">
+                    <m:oMathParaPr>
+                      <m:jc m:val="centerGroup"/>
+                    </m:oMathParaPr>
+                    <m:oMath xmlns:m="http://schemas.openxmlformats.org/officeDocument/2006/math">
+                      <m:r>
+                        <a:rPr lang="en-US" i="1">
+                          <a:latin typeface="Cambria Math" charset="0"/>
+                          <a:ea typeface="Cambria Math" charset="0"/>
+                          <a:cs typeface="Cambria Math" charset="0"/>
+                        </a:rPr>
+                        <m:t>𝑢</m:t>
+                      </m:r>
+                      <m:r>
+                        <a:rPr lang="en-US" i="1">
+                          <a:latin typeface="Cambria Math" charset="0"/>
+                          <a:ea typeface="Cambria Math" charset="0"/>
+                          <a:cs typeface="Cambria Math" charset="0"/>
+                        </a:rPr>
+                        <m:t>=</m:t>
+                      </m:r>
+                      <m:r>
+                        <a:rPr lang="en-US" i="1">
+                          <a:latin typeface="Cambria Math" charset="0"/>
+                          <a:ea typeface="Cambria Math" charset="0"/>
+                          <a:cs typeface="Cambria Math" charset="0"/>
+                        </a:rPr>
+                        <m:t>𝑞</m:t>
+                      </m:r>
+                    </m:oMath>
+                  </m:oMathPara>
+                </a14:m>
+                <a:endParaRPr lang="en-US" i="1" dirty="0">
+                  <a:latin typeface="Cambria Math" charset="0"/>
+                  <a:ea typeface="Cambria Math" charset="0"/>
+                  <a:cs typeface="Cambria Math" charset="0"/>
+                </a:endParaRPr>
+              </a:p>
+              <a:p>
+                <a:r>
+                  <a:rPr lang="en-US" dirty="0" smtClean="0">
+                    <a:ea typeface="Cambria Math" charset="0"/>
+                    <a:cs typeface="Cambria Math" charset="0"/>
+                  </a:rPr>
+                  <a:t>Swing Equation:</a:t>
+                </a:r>
+              </a:p>
+              <a:p>
+                <a:pPr marL="0" indent="0">
+                  <a:buNone/>
+                </a:pPr>
+                <a14:m>
+                  <m:oMathPara xmlns:m="http://schemas.openxmlformats.org/officeDocument/2006/math">
+                    <m:oMathParaPr>
+                      <m:jc m:val="centerGroup"/>
+                    </m:oMathParaPr>
+                    <m:oMath xmlns:m="http://schemas.openxmlformats.org/officeDocument/2006/math">
+                      <m:r>
+                        <a:rPr lang="en-US" i="1" smtClean="0">
+                          <a:latin typeface="Cambria Math" charset="0"/>
+                          <a:ea typeface="Cambria Math" charset="0"/>
+                          <a:cs typeface="Cambria Math" charset="0"/>
+                        </a:rPr>
+                        <m:t>∆</m:t>
+                      </m:r>
+                      <m:acc>
+                        <m:accPr>
+                          <m:chr m:val="̇"/>
+                          <m:ctrlPr>
+                            <a:rPr lang="en-US" i="1">
+                              <a:latin typeface="Cambria Math" charset="0"/>
+                              <a:ea typeface="Cambria Math" charset="0"/>
+                              <a:cs typeface="Cambria Math" charset="0"/>
+                            </a:rPr>
+                          </m:ctrlPr>
+                        </m:accPr>
+                        <m:e>
+                          <m:r>
+                            <a:rPr lang="en-US" i="1">
+                              <a:latin typeface="Cambria Math" charset="0"/>
+                              <a:ea typeface="Cambria Math" charset="0"/>
+                              <a:cs typeface="Cambria Math" charset="0"/>
+                            </a:rPr>
+                            <m:t>𝑓</m:t>
+                          </m:r>
+                        </m:e>
+                      </m:acc>
+                      <m:r>
+                        <a:rPr lang="en-US" i="1">
+                          <a:latin typeface="Cambria Math" charset="0"/>
+                          <a:ea typeface="Cambria Math" charset="0"/>
+                          <a:cs typeface="Cambria Math" charset="0"/>
+                        </a:rPr>
+                        <m:t>=−</m:t>
+                      </m:r>
+                      <m:f>
+                        <m:fPr>
+                          <m:ctrlPr>
+                            <a:rPr lang="mr-IN" i="1">
+                              <a:latin typeface="Cambria Math" charset="0"/>
+                              <a:ea typeface="Cambria Math" charset="0"/>
+                              <a:cs typeface="Cambria Math" charset="0"/>
+                            </a:rPr>
+                          </m:ctrlPr>
+                        </m:fPr>
+                        <m:num>
+                          <m:sSub>
+                            <m:sSubPr>
+                              <m:ctrlPr>
+                                <a:rPr lang="en-US" i="1">
+                                  <a:latin typeface="Cambria Math" charset="0"/>
+                                  <a:ea typeface="Cambria Math" charset="0"/>
+                                  <a:cs typeface="Cambria Math" charset="0"/>
+                                </a:rPr>
+                              </m:ctrlPr>
+                            </m:sSubPr>
+                            <m:e>
+                              <m:r>
+                                <a:rPr lang="en-US" i="1">
+                                  <a:latin typeface="Cambria Math" charset="0"/>
+                                  <a:ea typeface="Cambria Math" charset="0"/>
+                                  <a:cs typeface="Cambria Math" charset="0"/>
+                                </a:rPr>
+                                <m:t>𝑓</m:t>
+                              </m:r>
+                            </m:e>
+                            <m:sub>
+                              <m:r>
+                                <a:rPr lang="en-US" i="1">
+                                  <a:latin typeface="Cambria Math" charset="0"/>
+                                  <a:ea typeface="Cambria Math" charset="0"/>
+                                  <a:cs typeface="Cambria Math" charset="0"/>
+                                </a:rPr>
+                                <m:t>0</m:t>
+                              </m:r>
+                            </m:sub>
+                          </m:sSub>
+                        </m:num>
+                        <m:den>
+                          <m:r>
+                            <a:rPr lang="en-US" i="1">
+                              <a:latin typeface="Cambria Math" charset="0"/>
+                              <a:ea typeface="Cambria Math" charset="0"/>
+                              <a:cs typeface="Cambria Math" charset="0"/>
+                            </a:rPr>
+                            <m:t>2</m:t>
+                          </m:r>
+                          <m:r>
+                            <a:rPr lang="en-US" i="1">
+                              <a:latin typeface="Cambria Math" charset="0"/>
+                              <a:ea typeface="Cambria Math" charset="0"/>
+                              <a:cs typeface="Cambria Math" charset="0"/>
+                            </a:rPr>
+                            <m:t>𝐻</m:t>
+                          </m:r>
+                          <m:sSub>
+                            <m:sSubPr>
+                              <m:ctrlPr>
+                                <a:rPr lang="en-US" i="1">
+                                  <a:latin typeface="Cambria Math" charset="0"/>
+                                  <a:ea typeface="Cambria Math" charset="0"/>
+                                  <a:cs typeface="Cambria Math" charset="0"/>
+                                </a:rPr>
+                              </m:ctrlPr>
+                            </m:sSubPr>
+                            <m:e>
+                              <m:r>
+                                <a:rPr lang="en-US" i="1">
+                                  <a:latin typeface="Cambria Math" charset="0"/>
+                                  <a:ea typeface="Cambria Math" charset="0"/>
+                                  <a:cs typeface="Cambria Math" charset="0"/>
+                                </a:rPr>
+                                <m:t>𝑆</m:t>
+                              </m:r>
+                            </m:e>
+                            <m:sub>
+                              <m:r>
+                                <a:rPr lang="en-US" i="1">
+                                  <a:latin typeface="Cambria Math" charset="0"/>
+                                  <a:ea typeface="Cambria Math" charset="0"/>
+                                  <a:cs typeface="Cambria Math" charset="0"/>
+                                </a:rPr>
+                                <m:t>𝐵</m:t>
+                              </m:r>
+                            </m:sub>
+                          </m:sSub>
+                          <m:sSub>
+                            <m:sSubPr>
+                              <m:ctrlPr>
+                                <a:rPr lang="en-US" i="1">
+                                  <a:latin typeface="Cambria Math" charset="0"/>
+                                  <a:ea typeface="Cambria Math" charset="0"/>
+                                  <a:cs typeface="Cambria Math" charset="0"/>
+                                </a:rPr>
+                              </m:ctrlPr>
+                            </m:sSubPr>
+                            <m:e>
+                              <m:r>
+                                <a:rPr lang="en-US" i="1">
+                                  <a:latin typeface="Cambria Math" charset="0"/>
+                                  <a:ea typeface="Cambria Math" charset="0"/>
+                                  <a:cs typeface="Cambria Math" charset="0"/>
+                                </a:rPr>
+                                <m:t>𝐷</m:t>
+                              </m:r>
+                            </m:e>
+                            <m:sub>
+                              <m:r>
+                                <a:rPr lang="en-US" i="1">
+                                  <a:latin typeface="Cambria Math" charset="0"/>
+                                  <a:ea typeface="Cambria Math" charset="0"/>
+                                  <a:cs typeface="Cambria Math" charset="0"/>
+                                </a:rPr>
+                                <m:t>𝑙𝑜𝑎𝑑</m:t>
+                              </m:r>
+                            </m:sub>
+                          </m:sSub>
+                        </m:den>
+                      </m:f>
+                      <m:r>
+                        <a:rPr lang="mr-IN" i="1">
+                          <a:latin typeface="Cambria Math" charset="0"/>
+                          <a:ea typeface="Cambria Math" charset="0"/>
+                          <a:cs typeface="Cambria Math" charset="0"/>
+                        </a:rPr>
+                        <m:t>∆</m:t>
+                      </m:r>
+                      <m:r>
+                        <a:rPr lang="en-US" i="1">
+                          <a:latin typeface="Cambria Math" charset="0"/>
+                          <a:ea typeface="Cambria Math" charset="0"/>
+                          <a:cs typeface="Cambria Math" charset="0"/>
+                        </a:rPr>
+                        <m:t>𝑓</m:t>
+                      </m:r>
+                      <m:r>
+                        <a:rPr lang="en-US" i="1">
+                          <a:latin typeface="Cambria Math" charset="0"/>
+                          <a:ea typeface="Cambria Math" charset="0"/>
+                          <a:cs typeface="Cambria Math" charset="0"/>
+                        </a:rPr>
+                        <m:t>+</m:t>
+                      </m:r>
+                      <m:f>
+                        <m:fPr>
+                          <m:ctrlPr>
+                            <a:rPr lang="mr-IN" i="1">
+                              <a:latin typeface="Cambria Math" charset="0"/>
+                              <a:ea typeface="Cambria Math" charset="0"/>
+                              <a:cs typeface="Cambria Math" charset="0"/>
+                            </a:rPr>
+                          </m:ctrlPr>
+                        </m:fPr>
+                        <m:num>
+                          <m:sSub>
+                            <m:sSubPr>
+                              <m:ctrlPr>
+                                <a:rPr lang="en-US" i="1">
+                                  <a:latin typeface="Cambria Math" charset="0"/>
+                                  <a:ea typeface="Cambria Math" charset="0"/>
+                                  <a:cs typeface="Cambria Math" charset="0"/>
+                                </a:rPr>
+                              </m:ctrlPr>
+                            </m:sSubPr>
+                            <m:e>
+                              <m:r>
+                                <a:rPr lang="en-US" i="1">
+                                  <a:latin typeface="Cambria Math" charset="0"/>
+                                  <a:ea typeface="Cambria Math" charset="0"/>
+                                  <a:cs typeface="Cambria Math" charset="0"/>
+                                </a:rPr>
+                                <m:t>𝑓</m:t>
+                              </m:r>
+                            </m:e>
+                            <m:sub>
+                              <m:r>
+                                <a:rPr lang="en-US" i="1">
+                                  <a:latin typeface="Cambria Math" charset="0"/>
+                                  <a:ea typeface="Cambria Math" charset="0"/>
+                                  <a:cs typeface="Cambria Math" charset="0"/>
+                                </a:rPr>
+                                <m:t>0</m:t>
+                              </m:r>
+                            </m:sub>
+                          </m:sSub>
+                        </m:num>
+                        <m:den>
+                          <m:r>
+                            <a:rPr lang="en-US" i="1">
+                              <a:latin typeface="Cambria Math" charset="0"/>
+                              <a:ea typeface="Cambria Math" charset="0"/>
+                              <a:cs typeface="Cambria Math" charset="0"/>
+                            </a:rPr>
+                            <m:t>2</m:t>
+                          </m:r>
+                          <m:r>
+                            <a:rPr lang="en-US" i="1">
+                              <a:latin typeface="Cambria Math" charset="0"/>
+                              <a:ea typeface="Cambria Math" charset="0"/>
+                              <a:cs typeface="Cambria Math" charset="0"/>
+                            </a:rPr>
+                            <m:t>𝐻</m:t>
+                          </m:r>
+                          <m:sSub>
+                            <m:sSubPr>
+                              <m:ctrlPr>
+                                <a:rPr lang="en-US" i="1">
+                                  <a:latin typeface="Cambria Math" charset="0"/>
+                                  <a:ea typeface="Cambria Math" charset="0"/>
+                                  <a:cs typeface="Cambria Math" charset="0"/>
+                                </a:rPr>
+                              </m:ctrlPr>
+                            </m:sSubPr>
+                            <m:e>
+                              <m:r>
+                                <a:rPr lang="en-US" i="1">
+                                  <a:latin typeface="Cambria Math" charset="0"/>
+                                  <a:ea typeface="Cambria Math" charset="0"/>
+                                  <a:cs typeface="Cambria Math" charset="0"/>
+                                </a:rPr>
+                                <m:t>𝑆</m:t>
+                              </m:r>
+                            </m:e>
+                            <m:sub>
+                              <m:r>
+                                <a:rPr lang="en-US" i="1">
+                                  <a:latin typeface="Cambria Math" charset="0"/>
+                                  <a:ea typeface="Cambria Math" charset="0"/>
+                                  <a:cs typeface="Cambria Math" charset="0"/>
+                                </a:rPr>
+                                <m:t>𝐵</m:t>
+                              </m:r>
+                            </m:sub>
+                          </m:sSub>
+                        </m:den>
+                      </m:f>
+                      <m:r>
+                        <a:rPr lang="en-US" i="1">
+                          <a:latin typeface="Cambria Math" charset="0"/>
+                          <a:ea typeface="Cambria Math" charset="0"/>
+                          <a:cs typeface="Cambria Math" charset="0"/>
+                        </a:rPr>
+                        <m:t>(∆</m:t>
+                      </m:r>
+                      <m:r>
+                        <a:rPr lang="en-US" b="0" i="1" smtClean="0">
+                          <a:latin typeface="Cambria Math" charset="0"/>
+                          <a:ea typeface="Cambria Math" charset="0"/>
+                          <a:cs typeface="Cambria Math" charset="0"/>
+                        </a:rPr>
+                        <m:t>𝑃</m:t>
+                      </m:r>
+                      <m:r>
+                        <a:rPr lang="en-US" b="0" i="1" smtClean="0">
+                          <a:latin typeface="Cambria Math" charset="0"/>
+                          <a:ea typeface="Cambria Math" charset="0"/>
+                          <a:cs typeface="Cambria Math" charset="0"/>
+                        </a:rPr>
+                        <m:t>(</m:t>
+                      </m:r>
+                      <m:r>
+                        <a:rPr lang="en-US" b="0" i="1" smtClean="0">
+                          <a:latin typeface="Cambria Math" charset="0"/>
+                          <a:ea typeface="Cambria Math" charset="0"/>
+                          <a:cs typeface="Cambria Math" charset="0"/>
+                        </a:rPr>
+                        <m:t>𝑡</m:t>
+                      </m:r>
+                      <m:r>
+                        <a:rPr lang="en-US" b="0" i="1" smtClean="0">
+                          <a:latin typeface="Cambria Math" charset="0"/>
+                          <a:ea typeface="Cambria Math" charset="0"/>
+                          <a:cs typeface="Cambria Math" charset="0"/>
+                        </a:rPr>
+                        <m:t>)+</m:t>
+                      </m:r>
+                      <m:r>
+                        <a:rPr lang="en-US" b="0" i="1" smtClean="0">
+                          <a:latin typeface="Cambria Math" charset="0"/>
+                          <a:ea typeface="Cambria Math" charset="0"/>
+                          <a:cs typeface="Cambria Math" charset="0"/>
+                        </a:rPr>
+                        <m:t>𝑞</m:t>
+                      </m:r>
+                      <m:r>
+                        <a:rPr lang="en-US" i="1">
+                          <a:latin typeface="Cambria Math" charset="0"/>
+                          <a:ea typeface="Cambria Math" charset="0"/>
+                          <a:cs typeface="Cambria Math" charset="0"/>
+                        </a:rPr>
+                        <m:t>)</m:t>
+                      </m:r>
+                    </m:oMath>
+                  </m:oMathPara>
+                </a14:m>
+                <a:endParaRPr lang="en-US" dirty="0"/>
+              </a:p>
+              <a:p>
+                <a:endParaRPr lang="en-US" dirty="0"/>
+              </a:p>
+            </p:txBody>
+          </p:sp>
+        </mc:Choice>
+        <mc:Fallback>
+          <p:sp>
+            <p:nvSpPr>
+              <p:cNvPr id="3" name="Content Placeholder 2"/>
+              <p:cNvSpPr>
+                <a:spLocks noGrp="1" noRot="1" noChangeAspect="1" noMove="1" noResize="1" noEditPoints="1" noAdjustHandles="1" noChangeArrowheads="1" noChangeShapeType="1" noTextEdit="1"/>
+              </p:cNvSpPr>
+              <p:nvPr>
+                <p:ph idx="1"/>
+              </p:nvPr>
+            </p:nvSpPr>
+            <p:spPr>
+              <a:blipFill rotWithShape="0">
+                <a:blip r:embed="rId2"/>
+                <a:stretch>
+                  <a:fillRect l="-187"/>
+                </a:stretch>
+              </a:blipFill>
+            </p:spPr>
+            <p:txBody>
+              <a:bodyPr/>
+              <a:lstStyle/>
+              <a:p>
+                <a:r>
+                  <a:rPr lang="en-US">
+                    <a:noFill/>
+                  </a:rPr>
+                  <a:t> </a:t>
+                </a:r>
+              </a:p>
+            </p:txBody>
+          </p:sp>
+        </mc:Fallback>
+      </mc:AlternateContent>
+      <p:sp>
+        <p:nvSpPr>
+          <p:cNvPr id="5" name="TextBox 4"/>
+          <p:cNvSpPr txBox="1"/>
+          <p:nvPr/>
+        </p:nvSpPr>
+        <p:spPr>
+          <a:xfrm>
+            <a:off x="7957091" y="6379962"/>
+            <a:ext cx="517585" cy="369332"/>
+          </a:xfrm>
+          <a:prstGeom prst="rect">
+            <a:avLst/>
+          </a:prstGeom>
+          <a:noFill/>
+        </p:spPr>
+        <p:txBody>
+          <a:bodyPr wrap="square" rtlCol="0">
+            <a:spAutoFit/>
+          </a:bodyPr>
+          <a:lstStyle/>
+          <a:p>
+            <a:r>
+              <a:rPr lang="en-US" dirty="0" smtClean="0"/>
+              <a:t>[2]</a:t>
+            </a:r>
+            <a:endParaRPr lang="en-US" dirty="0"/>
+          </a:p>
+        </p:txBody>
+      </p:sp>
+    </p:spTree>
+    <p:extLst>
+      <p:ext uri="{BB962C8B-B14F-4D97-AF65-F5344CB8AC3E}">
+        <p14:creationId xmlns:p14="http://schemas.microsoft.com/office/powerpoint/2010/main" val="132979184"/>
+      </p:ext>
+    </p:extLst>
+  </p:cSld>
+  <p:clrMapOvr>
+    <a:masterClrMapping/>
+  </p:clrMapOvr>
+  <p:timing>
+    <p:tnLst>
+      <p:par>
+        <p:cTn id="1" dur="indefinite" restart="never" nodeType="tmRoot"/>
+      </p:par>
+    </p:tnLst>
+  </p:timing>
+</p:sld>
+</file>
+
+<file path=ppt/slides/slide9.xml><?xml version="1.0" encoding="utf-8"?>
+<p:sld xmlns:a="http://schemas.openxmlformats.org/drawingml/2006/main" xmlns:r="http://schemas.openxmlformats.org/officeDocument/2006/relationships" xmlns:p="http://schemas.openxmlformats.org/presentationml/2006/main">
+  <p:cSld>
+    <p:spTree>
+      <p:nvGrpSpPr>
+        <p:cNvPr id="1" name=""/>
+        <p:cNvGrpSpPr/>
+        <p:nvPr/>
+      </p:nvGrpSpPr>
+      <p:grpSpPr>
+        <a:xfrm>
+          <a:off x="0" y="0"/>
+          <a:ext cx="0" cy="0"/>
+          <a:chOff x="0" y="0"/>
+          <a:chExt cx="0" cy="0"/>
+        </a:xfrm>
+      </p:grpSpPr>
+      <p:sp>
+        <p:nvSpPr>
+          <p:cNvPr id="2" name="Title 1"/>
+          <p:cNvSpPr>
+            <a:spLocks noGrp="1"/>
+          </p:cNvSpPr>
+          <p:nvPr>
+            <p:ph type="title"/>
+          </p:nvPr>
+        </p:nvSpPr>
+        <p:spPr/>
+        <p:txBody>
+          <a:bodyPr/>
+          <a:lstStyle/>
+          <a:p>
+            <a:r>
+              <a:rPr lang="en-US" dirty="0" smtClean="0"/>
+              <a:t>Results</a:t>
+            </a:r>
+            <a:endParaRPr lang="en-US" dirty="0"/>
+          </a:p>
+        </p:txBody>
+      </p:sp>
+      <p:pic>
+        <p:nvPicPr>
+          <p:cNvPr id="4" name="Content Placeholder 3"/>
+          <p:cNvPicPr>
+            <a:picLocks noGrp="1" noChangeAspect="1"/>
+          </p:cNvPicPr>
+          <p:nvPr>
+            <p:ph idx="1"/>
+          </p:nvPr>
+        </p:nvPicPr>
+        <p:blipFill>
+          <a:blip r:embed="rId2">
+            <a:extLst>
+              <a:ext uri="{28A0092B-C50C-407E-A947-70E740481C1C}">
+                <a14:useLocalDpi xmlns:a14="http://schemas.microsoft.com/office/drawing/2010/main" val="0"/>
+              </a:ext>
+            </a:extLst>
+          </a:blip>
+          <a:stretch>
+            <a:fillRect/>
+          </a:stretch>
+        </p:blipFill>
+        <p:spPr>
+          <a:xfrm>
+            <a:off x="502586" y="1691322"/>
+            <a:ext cx="7234644" cy="4958143"/>
+          </a:xfrm>
+        </p:spPr>
+      </p:pic>
+    </p:spTree>
+    <p:extLst>
+      <p:ext uri="{BB962C8B-B14F-4D97-AF65-F5344CB8AC3E}">
+        <p14:creationId xmlns:p14="http://schemas.microsoft.com/office/powerpoint/2010/main" val="1570597351"/>
+      </p:ext>
+    </p:extLst>
+  </p:cSld>
+  <p:clrMapOvr>
+    <a:masterClrMapping/>
+  </p:clrMapOvr>
+</p:sld>
+</file>
+
 <file path=ppt/theme/theme1.xml><?xml version="1.0" encoding="utf-8"?>
 <a:theme xmlns:a="http://schemas.openxmlformats.org/drawingml/2006/main" name="View">
   <a:themeElements>
@@ -10601,6 +13638,259 @@
 </file>
 
 <file path=ppt/theme/theme2.xml><?xml version="1.0" encoding="utf-8"?>
+<a:theme xmlns:a="http://schemas.openxmlformats.org/drawingml/2006/main" name="1_View">
+  <a:themeElements>
+    <a:clrScheme name="View">
+      <a:dk1>
+        <a:srgbClr val="000000"/>
+      </a:dk1>
+      <a:lt1>
+        <a:srgbClr val="FFFFFF"/>
+      </a:lt1>
+      <a:dk2>
+        <a:srgbClr val="46464A"/>
+      </a:dk2>
+      <a:lt2>
+        <a:srgbClr val="D6D3CC"/>
+      </a:lt2>
+      <a:accent1>
+        <a:srgbClr val="6F6F74"/>
+      </a:accent1>
+      <a:accent2>
+        <a:srgbClr val="92A9B9"/>
+      </a:accent2>
+      <a:accent3>
+        <a:srgbClr val="A7B789"/>
+      </a:accent3>
+      <a:accent4>
+        <a:srgbClr val="B9A489"/>
+      </a:accent4>
+      <a:accent5>
+        <a:srgbClr val="8D6374"/>
+      </a:accent5>
+      <a:accent6>
+        <a:srgbClr val="9B7362"/>
+      </a:accent6>
+      <a:hlink>
+        <a:srgbClr val="67AABF"/>
+      </a:hlink>
+      <a:folHlink>
+        <a:srgbClr val="ABAFA5"/>
+      </a:folHlink>
+    </a:clrScheme>
+    <a:fontScheme name="View">
+      <a:majorFont>
+        <a:latin typeface="Century Schoolbook" panose="02040604050505020304"/>
+        <a:ea typeface=""/>
+        <a:cs typeface=""/>
+        <a:font script="Jpan" typeface="ＭＳ ゴシック"/>
+        <a:font script="Hang" typeface="맑은 고딕"/>
+        <a:font script="Hans" typeface="宋体"/>
+        <a:font script="Hant" typeface="新細明體"/>
+        <a:font script="Arab" typeface="Tahoma"/>
+        <a:font script="Hebr" typeface="Gisha"/>
+        <a:font script="Thai" typeface="DilleniaUPC"/>
+        <a:font script="Ethi" typeface="Nyala"/>
+        <a:font script="Beng" typeface="Vrinda"/>
+        <a:font script="Gujr" typeface="Shruti"/>
+        <a:font script="Khmr" typeface="DaunPenh"/>
+        <a:font script="Knda" typeface="Tunga"/>
+        <a:font script="Guru" typeface="Raavi"/>
+        <a:font script="Cans" typeface="Euphemia"/>
+        <a:font script="Cher" typeface="Plantagenet Cherokee"/>
+        <a:font script="Yiii" typeface="Microsoft Yi Baiti"/>
+        <a:font script="Tibt" typeface="Microsoft Himalaya"/>
+        <a:font script="Thaa" typeface="MV Boli"/>
+        <a:font script="Deva" typeface="Mangal"/>
+        <a:font script="Telu" typeface="Gautami"/>
+        <a:font script="Taml" typeface="Latha"/>
+        <a:font script="Syrc" typeface="Estrangelo Edessa"/>
+        <a:font script="Orya" typeface="Kalinga"/>
+        <a:font script="Mlym" typeface="Kartika"/>
+        <a:font script="Laoo" typeface="DokChampa"/>
+        <a:font script="Sinh" typeface="Iskoola Pota"/>
+        <a:font script="Mong" typeface="Mongolian Baiti"/>
+        <a:font script="Viet" typeface="Tahoma"/>
+        <a:font script="Uigh" typeface="Microsoft Uighur"/>
+        <a:font script="Geor" typeface="Sylfaen"/>
+      </a:majorFont>
+      <a:minorFont>
+        <a:latin typeface="Century Schoolbook" panose="02040604050505020304"/>
+        <a:ea typeface=""/>
+        <a:cs typeface=""/>
+        <a:font script="Jpan" typeface="ＭＳ ゴシック"/>
+        <a:font script="Hang" typeface="맑은 고딕"/>
+        <a:font script="Hans" typeface="宋体"/>
+        <a:font script="Hant" typeface="新細明體"/>
+        <a:font script="Arab" typeface="Tahoma"/>
+        <a:font script="Hebr" typeface="Gisha"/>
+        <a:font script="Thai" typeface="DilleniaUPC"/>
+        <a:font script="Ethi" typeface="Nyala"/>
+        <a:font script="Beng" typeface="Vrinda"/>
+        <a:font script="Gujr" typeface="Shruti"/>
+        <a:font script="Khmr" typeface="DaunPenh"/>
+        <a:font script="Knda" typeface="Tunga"/>
+        <a:font script="Guru" typeface="Raavi"/>
+        <a:font script="Cans" typeface="Euphemia"/>
+        <a:font script="Cher" typeface="Plantagenet Cherokee"/>
+        <a:font script="Yiii" typeface="Microsoft Yi Baiti"/>
+        <a:font script="Tibt" typeface="Microsoft Himalaya"/>
+        <a:font script="Thaa" typeface="MV Boli"/>
+        <a:font script="Deva" typeface="Mangal"/>
+        <a:font script="Telu" typeface="Gautami"/>
+        <a:font script="Taml" typeface="Latha"/>
+        <a:font script="Syrc" typeface="Estrangelo Edessa"/>
+        <a:font script="Orya" typeface="Kalinga"/>
+        <a:font script="Mlym" typeface="Kartika"/>
+        <a:font script="Laoo" typeface="DokChampa"/>
+        <a:font script="Sinh" typeface="Iskoola Pota"/>
+        <a:font script="Mong" typeface="Mongolian Baiti"/>
+        <a:font script="Viet" typeface="Verdana"/>
+        <a:font script="Uigh" typeface="Microsoft Uighur"/>
+        <a:font script="Geor" typeface="Sylfaen"/>
+      </a:minorFont>
+    </a:fontScheme>
+    <a:fmtScheme name="View">
+      <a:fillStyleLst>
+        <a:solidFill>
+          <a:schemeClr val="phClr"/>
+        </a:solidFill>
+        <a:solidFill>
+          <a:schemeClr val="phClr">
+            <a:tint val="60000"/>
+            <a:satMod val="120000"/>
+          </a:schemeClr>
+        </a:solidFill>
+        <a:solidFill>
+          <a:schemeClr val="phClr">
+            <a:shade val="75000"/>
+            <a:satMod val="160000"/>
+          </a:schemeClr>
+        </a:solidFill>
+      </a:fillStyleLst>
+      <a:lnStyleLst>
+        <a:ln w="9525" cap="flat" cmpd="sng" algn="ctr">
+          <a:solidFill>
+            <a:schemeClr val="phClr"/>
+          </a:solidFill>
+          <a:prstDash val="solid"/>
+        </a:ln>
+        <a:ln w="13970" cap="flat" cmpd="sng" algn="ctr">
+          <a:solidFill>
+            <a:schemeClr val="phClr"/>
+          </a:solidFill>
+          <a:prstDash val="solid"/>
+        </a:ln>
+        <a:ln w="17145" cap="flat" cmpd="sng" algn="ctr">
+          <a:solidFill>
+            <a:schemeClr val="phClr">
+              <a:shade val="95000"/>
+              <a:alpha val="95000"/>
+              <a:satMod val="150000"/>
+            </a:schemeClr>
+          </a:solidFill>
+          <a:prstDash val="solid"/>
+        </a:ln>
+      </a:lnStyleLst>
+      <a:effectStyleLst>
+        <a:effectStyle>
+          <a:effectLst/>
+        </a:effectStyle>
+        <a:effectStyle>
+          <a:effectLst>
+            <a:outerShdw blurRad="50800" dist="15240" dir="5400000" algn="tl" rotWithShape="0">
+              <a:srgbClr val="000000">
+                <a:alpha val="75000"/>
+              </a:srgbClr>
+            </a:outerShdw>
+          </a:effectLst>
+          <a:scene3d>
+            <a:camera prst="orthographicFront">
+              <a:rot lat="0" lon="0" rev="0"/>
+            </a:camera>
+            <a:lightRig rig="brightRoom" dir="tl"/>
+          </a:scene3d>
+          <a:sp3d contourW="9525" prstMaterial="flat">
+            <a:bevelT w="0" h="0" prst="coolSlant"/>
+            <a:contourClr>
+              <a:schemeClr val="phClr">
+                <a:shade val="35000"/>
+                <a:satMod val="130000"/>
+              </a:schemeClr>
+            </a:contourClr>
+          </a:sp3d>
+        </a:effectStyle>
+        <a:effectStyle>
+          <a:effectLst>
+            <a:outerShdw blurRad="76200" dist="25400" dir="5400000" algn="tl" rotWithShape="0">
+              <a:srgbClr val="000000">
+                <a:alpha val="55000"/>
+              </a:srgbClr>
+            </a:outerShdw>
+          </a:effectLst>
+          <a:scene3d>
+            <a:camera prst="orthographicFront">
+              <a:rot lat="0" lon="0" rev="0"/>
+            </a:camera>
+            <a:lightRig rig="brightRoom" dir="tl"/>
+          </a:scene3d>
+          <a:sp3d contourW="19050" prstMaterial="flat">
+            <a:bevelT w="0" h="0" prst="coolSlant"/>
+            <a:contourClr>
+              <a:schemeClr val="phClr">
+                <a:shade val="25000"/>
+                <a:satMod val="140000"/>
+              </a:schemeClr>
+            </a:contourClr>
+          </a:sp3d>
+        </a:effectStyle>
+      </a:effectStyleLst>
+      <a:bgFillStyleLst>
+        <a:solidFill>
+          <a:schemeClr val="phClr"/>
+        </a:solidFill>
+        <a:solidFill>
+          <a:schemeClr val="phClr">
+            <a:tint val="95000"/>
+            <a:satMod val="170000"/>
+          </a:schemeClr>
+        </a:solidFill>
+        <a:gradFill rotWithShape="1">
+          <a:gsLst>
+            <a:gs pos="0">
+              <a:schemeClr val="phClr">
+                <a:tint val="94000"/>
+                <a:shade val="98000"/>
+                <a:satMod val="130000"/>
+                <a:lumMod val="102000"/>
+              </a:schemeClr>
+            </a:gs>
+            <a:gs pos="100000">
+              <a:schemeClr val="phClr">
+                <a:tint val="98000"/>
+                <a:shade val="78000"/>
+                <a:satMod val="140000"/>
+              </a:schemeClr>
+            </a:gs>
+          </a:gsLst>
+          <a:path path="circle">
+            <a:fillToRect l="100000" t="100000" r="100000" b="100000"/>
+          </a:path>
+        </a:gradFill>
+      </a:bgFillStyleLst>
+    </a:fmtScheme>
+  </a:themeElements>
+  <a:objectDefaults/>
+  <a:extraClrSchemeLst/>
+  <a:extLst>
+    <a:ext uri="{05A4C25C-085E-4340-85A3-A5531E510DB2}">
+      <thm15:themeFamily xmlns:thm15="http://schemas.microsoft.com/office/thememl/2012/main" name="View" id="{BA0EB5A6-F2D4-4F82-977B-64ADEE4A2A69}" vid="{3969A8A2-35DB-4E3B-8885-16FD20568674}"/>
+    </a:ext>
+  </a:extLst>
+</a:theme>
+</file>
+
+<file path=ppt/theme/theme3.xml><?xml version="1.0" encoding="utf-8"?>
 <a:theme xmlns:a="http://schemas.openxmlformats.org/drawingml/2006/main" name="Office Theme">
   <a:themeElements>
     <a:clrScheme name="Office">

--- a/Literature Review.pptx
+++ b/Literature Review.pptx
@@ -224,7 +224,7 @@
           <a:p>
             <a:fld id="{112A0E23-1B25-1A4E-BE77-9E66B1F818DF}" type="datetimeFigureOut">
               <a:rPr lang="en-US" smtClean="0"/>
-              <a:t>7/18/17</a:t>
+              <a:t>7/21/17</a:t>
             </a:fld>
             <a:endParaRPr lang="en-US"/>
           </a:p>
@@ -726,6 +726,23 @@
               <a:rPr lang="en-US" baseline="0" dirty="0" smtClean="0"/>
               <a:t>Frequency control in power systems is made possible because of the rotational inertia from conventional generators in the system. This inertia is what keeps the system frequency from deviating too much when generation losses occur because the inertia from the generators keep spinning at the same rate for a set time and the PFR is able to kick in before it changes too much. Without this inertia, or with decreased inertia, the system frequency will change much faster, often too quickly for the PFR to to kick in before it drops below the safe values which can cause a cascade of trips and interrupt service. </a:t>
             </a:r>
+          </a:p>
+          <a:p>
+            <a:endParaRPr lang="en-US" baseline="0" dirty="0" smtClean="0"/>
+          </a:p>
+          <a:p>
+            <a:r>
+              <a:rPr lang="en-US" baseline="0" dirty="0" smtClean="0"/>
+              <a:t>One slide defining frequency response and all terms using. Include </a:t>
+            </a:r>
+            <a:r>
+              <a:rPr lang="en-US" baseline="0" dirty="0" err="1" smtClean="0"/>
+              <a:t>fugre</a:t>
+            </a:r>
+            <a:r>
+              <a:rPr lang="en-US" baseline="0" dirty="0" smtClean="0"/>
+              <a:t> of f response after fault</a:t>
+            </a:r>
             <a:endParaRPr lang="en-US" dirty="0"/>
           </a:p>
         </p:txBody>
@@ -1168,7 +1185,7 @@
           <a:p>
             <a:fld id="{16D63410-F318-9644-9110-6B614613545F}" type="datetimeFigureOut">
               <a:rPr lang="en-US" smtClean="0"/>
-              <a:t>7/18/17</a:t>
+              <a:t>7/21/17</a:t>
             </a:fld>
             <a:endParaRPr lang="en-US"/>
           </a:p>
@@ -1360,7 +1377,7 @@
           <a:p>
             <a:fld id="{16D63410-F318-9644-9110-6B614613545F}" type="datetimeFigureOut">
               <a:rPr lang="en-US" smtClean="0"/>
-              <a:t>7/18/17</a:t>
+              <a:t>7/21/17</a:t>
             </a:fld>
             <a:endParaRPr lang="en-US"/>
           </a:p>
@@ -1540,7 +1557,7 @@
           <a:p>
             <a:fld id="{16D63410-F318-9644-9110-6B614613545F}" type="datetimeFigureOut">
               <a:rPr lang="en-US" smtClean="0"/>
-              <a:t>7/18/17</a:t>
+              <a:t>7/21/17</a:t>
             </a:fld>
             <a:endParaRPr lang="en-US"/>
           </a:p>
@@ -1808,7 +1825,7 @@
           <a:p>
             <a:fld id="{16D63410-F318-9644-9110-6B614613545F}" type="datetimeFigureOut">
               <a:rPr lang="en-US" smtClean="0"/>
-              <a:t>7/19/17</a:t>
+              <a:t>7/21/17</a:t>
             </a:fld>
             <a:endParaRPr lang="en-US"/>
           </a:p>
@@ -1925,7 +1942,7 @@
           <a:p>
             <a:fld id="{16D63410-F318-9644-9110-6B614613545F}" type="datetimeFigureOut">
               <a:rPr lang="en-US" smtClean="0"/>
-              <a:t>7/19/17</a:t>
+              <a:t>7/21/17</a:t>
             </a:fld>
             <a:endParaRPr lang="en-US"/>
           </a:p>
@@ -2290,7 +2307,7 @@
           <a:p>
             <a:fld id="{16D63410-F318-9644-9110-6B614613545F}" type="datetimeFigureOut">
               <a:rPr lang="en-US" smtClean="0"/>
-              <a:t>7/19/17</a:t>
+              <a:t>7/21/17</a:t>
             </a:fld>
             <a:endParaRPr lang="en-US"/>
           </a:p>
@@ -2616,7 +2633,7 @@
           <a:p>
             <a:fld id="{16D63410-F318-9644-9110-6B614613545F}" type="datetimeFigureOut">
               <a:rPr lang="en-US" smtClean="0"/>
-              <a:t>7/19/17</a:t>
+              <a:t>7/21/17</a:t>
             </a:fld>
             <a:endParaRPr lang="en-US"/>
           </a:p>
@@ -3036,7 +3053,7 @@
           <a:p>
             <a:fld id="{16D63410-F318-9644-9110-6B614613545F}" type="datetimeFigureOut">
               <a:rPr lang="en-US" smtClean="0"/>
-              <a:t>7/19/17</a:t>
+              <a:t>7/21/17</a:t>
             </a:fld>
             <a:endParaRPr lang="en-US"/>
           </a:p>
@@ -3154,7 +3171,7 @@
           <a:p>
             <a:fld id="{16D63410-F318-9644-9110-6B614613545F}" type="datetimeFigureOut">
               <a:rPr lang="en-US" smtClean="0"/>
-              <a:t>7/19/17</a:t>
+              <a:t>7/21/17</a:t>
             </a:fld>
             <a:endParaRPr lang="en-US"/>
           </a:p>
@@ -3249,7 +3266,7 @@
           <a:p>
             <a:fld id="{16D63410-F318-9644-9110-6B614613545F}" type="datetimeFigureOut">
               <a:rPr lang="en-US" smtClean="0"/>
-              <a:t>7/19/17</a:t>
+              <a:t>7/21/17</a:t>
             </a:fld>
             <a:endParaRPr lang="en-US"/>
           </a:p>
@@ -3536,7 +3553,7 @@
           <a:p>
             <a:fld id="{16D63410-F318-9644-9110-6B614613545F}" type="datetimeFigureOut">
               <a:rPr lang="en-US" smtClean="0"/>
-              <a:t>7/19/17</a:t>
+              <a:t>7/21/17</a:t>
             </a:fld>
             <a:endParaRPr lang="en-US"/>
           </a:p>
@@ -3716,7 +3733,7 @@
           <a:p>
             <a:fld id="{16D63410-F318-9644-9110-6B614613545F}" type="datetimeFigureOut">
               <a:rPr lang="en-US" smtClean="0"/>
-              <a:t>7/18/17</a:t>
+              <a:t>7/21/17</a:t>
             </a:fld>
             <a:endParaRPr lang="en-US"/>
           </a:p>
@@ -4041,7 +4058,7 @@
           <a:p>
             <a:fld id="{16D63410-F318-9644-9110-6B614613545F}" type="datetimeFigureOut">
               <a:rPr lang="en-US" smtClean="0"/>
-              <a:t>7/19/17</a:t>
+              <a:t>7/21/17</a:t>
             </a:fld>
             <a:endParaRPr lang="en-US"/>
           </a:p>
@@ -4211,7 +4228,7 @@
           <a:p>
             <a:fld id="{16D63410-F318-9644-9110-6B614613545F}" type="datetimeFigureOut">
               <a:rPr lang="en-US" smtClean="0"/>
-              <a:t>7/19/17</a:t>
+              <a:t>7/21/17</a:t>
             </a:fld>
             <a:endParaRPr lang="en-US"/>
           </a:p>
@@ -4391,7 +4408,7 @@
           <a:p>
             <a:fld id="{16D63410-F318-9644-9110-6B614613545F}" type="datetimeFigureOut">
               <a:rPr lang="en-US" smtClean="0"/>
-              <a:t>7/19/17</a:t>
+              <a:t>7/21/17</a:t>
             </a:fld>
             <a:endParaRPr lang="en-US"/>
           </a:p>
@@ -4645,7 +4662,7 @@
           <a:p>
             <a:fld id="{16D63410-F318-9644-9110-6B614613545F}" type="datetimeFigureOut">
               <a:rPr lang="en-US" smtClean="0"/>
-              <a:t>7/18/17</a:t>
+              <a:t>7/21/17</a:t>
             </a:fld>
             <a:endParaRPr lang="en-US"/>
           </a:p>
@@ -4971,7 +4988,7 @@
           <a:p>
             <a:fld id="{16D63410-F318-9644-9110-6B614613545F}" type="datetimeFigureOut">
               <a:rPr lang="en-US" smtClean="0"/>
-              <a:t>7/18/17</a:t>
+              <a:t>7/21/17</a:t>
             </a:fld>
             <a:endParaRPr lang="en-US"/>
           </a:p>
@@ -5391,7 +5408,7 @@
           <a:p>
             <a:fld id="{16D63410-F318-9644-9110-6B614613545F}" type="datetimeFigureOut">
               <a:rPr lang="en-US" smtClean="0"/>
-              <a:t>7/18/17</a:t>
+              <a:t>7/21/17</a:t>
             </a:fld>
             <a:endParaRPr lang="en-US"/>
           </a:p>
@@ -5509,7 +5526,7 @@
           <a:p>
             <a:fld id="{16D63410-F318-9644-9110-6B614613545F}" type="datetimeFigureOut">
               <a:rPr lang="en-US" smtClean="0"/>
-              <a:t>7/18/17</a:t>
+              <a:t>7/21/17</a:t>
             </a:fld>
             <a:endParaRPr lang="en-US"/>
           </a:p>
@@ -5604,7 +5621,7 @@
           <a:p>
             <a:fld id="{16D63410-F318-9644-9110-6B614613545F}" type="datetimeFigureOut">
               <a:rPr lang="en-US" smtClean="0"/>
-              <a:t>7/18/17</a:t>
+              <a:t>7/21/17</a:t>
             </a:fld>
             <a:endParaRPr lang="en-US"/>
           </a:p>
@@ -5891,7 +5908,7 @@
           <a:p>
             <a:fld id="{16D63410-F318-9644-9110-6B614613545F}" type="datetimeFigureOut">
               <a:rPr lang="en-US" smtClean="0"/>
-              <a:t>7/18/17</a:t>
+              <a:t>7/21/17</a:t>
             </a:fld>
             <a:endParaRPr lang="en-US"/>
           </a:p>
@@ -6216,7 +6233,7 @@
           <a:p>
             <a:fld id="{16D63410-F318-9644-9110-6B614613545F}" type="datetimeFigureOut">
               <a:rPr lang="en-US" smtClean="0"/>
-              <a:t>7/18/17</a:t>
+              <a:t>7/21/17</a:t>
             </a:fld>
             <a:endParaRPr lang="en-US"/>
           </a:p>
@@ -6470,7 +6487,7 @@
           <a:p>
             <a:fld id="{16D63410-F318-9644-9110-6B614613545F}" type="datetimeFigureOut">
               <a:rPr lang="en-US" smtClean="0"/>
-              <a:t>7/18/17</a:t>
+              <a:t>7/21/17</a:t>
             </a:fld>
             <a:endParaRPr lang="en-US"/>
           </a:p>
@@ -7139,7 +7156,7 @@
           <a:p>
             <a:fld id="{16D63410-F318-9644-9110-6B614613545F}" type="datetimeFigureOut">
               <a:rPr lang="en-US" smtClean="0"/>
-              <a:t>7/19/17</a:t>
+              <a:t>7/21/17</a:t>
             </a:fld>
             <a:endParaRPr lang="en-US"/>
           </a:p>
@@ -7754,8 +7771,8 @@
           </a:p>
         </p:txBody>
       </p:sp>
-      <mc:AlternateContent xmlns:mc="http://schemas.openxmlformats.org/markup-compatibility/2006">
-        <mc:Choice xmlns:a14="http://schemas.microsoft.com/office/drawing/2010/main" Requires="a14">
+      <mc:AlternateContent xmlns:mc="http://schemas.openxmlformats.org/markup-compatibility/2006" xmlns:a14="http://schemas.microsoft.com/office/drawing/2010/main">
+        <mc:Choice Requires="a14">
           <p:sp>
             <p:nvSpPr>
               <p:cNvPr id="3" name="Content Placeholder 2"/>
@@ -8738,15 +8755,7 @@
                           <a:ea typeface="Cambria Math" charset="0"/>
                           <a:cs typeface="Cambria Math" charset="0"/>
                         </a:rPr>
-                        <m:t> </m:t>
-                      </m:r>
-                      <m:r>
-                        <a:rPr lang="en-US" i="1">
-                          <a:latin typeface="Cambria Math" charset="0"/>
-                          <a:ea typeface="Cambria Math" charset="0"/>
-                          <a:cs typeface="Cambria Math" charset="0"/>
-                        </a:rPr>
-                        <m:t>)</m:t>
+                        <m:t> )</m:t>
                       </m:r>
                     </m:oMath>
                   </m:oMathPara>
@@ -8772,7 +8781,7 @@
             </p:txBody>
           </p:sp>
         </mc:Choice>
-        <mc:Fallback>
+        <mc:Fallback xmlns="">
           <p:sp>
             <p:nvSpPr>
               <p:cNvPr id="3" name="Content Placeholder 2"/>
@@ -8830,11 +8839,7 @@
           <a:p>
             <a:r>
               <a:rPr lang="en-US" dirty="0" smtClean="0"/>
-              <a:t>[</a:t>
-            </a:r>
-            <a:r>
-              <a:rPr lang="en-US" dirty="0" smtClean="0"/>
-              <a:t>2]</a:t>
+              <a:t>[2]</a:t>
             </a:r>
             <a:endParaRPr lang="en-US" dirty="0"/>
           </a:p>
@@ -8975,8 +8980,8 @@
           </a:p>
         </p:txBody>
       </p:sp>
-      <mc:AlternateContent xmlns:mc="http://schemas.openxmlformats.org/markup-compatibility/2006">
-        <mc:Choice xmlns:a14="http://schemas.microsoft.com/office/drawing/2010/main" Requires="a14">
+      <mc:AlternateContent xmlns:mc="http://schemas.openxmlformats.org/markup-compatibility/2006" xmlns:a14="http://schemas.microsoft.com/office/drawing/2010/main">
+        <mc:Choice Requires="a14">
           <p:sp>
             <p:nvSpPr>
               <p:cNvPr id="3" name="Content Placeholder 2"/>
@@ -10133,7 +10138,7 @@
             </p:txBody>
           </p:sp>
         </mc:Choice>
-        <mc:Fallback>
+        <mc:Fallback xmlns="">
           <p:sp>
             <p:nvSpPr>
               <p:cNvPr id="3" name="Content Placeholder 2"/>
@@ -10409,11 +10414,7 @@
           <a:p>
             <a:r>
               <a:rPr lang="en-US" dirty="0" smtClean="0"/>
-              <a:t>Synthetic or Virtual </a:t>
-            </a:r>
-            <a:r>
-              <a:rPr lang="en-US" dirty="0" smtClean="0"/>
-              <a:t>Inertia</a:t>
+              <a:t>Synthetic or Virtual Inertia</a:t>
             </a:r>
           </a:p>
           <a:p>
@@ -10437,11 +10438,7 @@
           <a:p>
             <a:r>
               <a:rPr lang="en-US" dirty="0" smtClean="0"/>
-              <a:t>Energy Storage </a:t>
-            </a:r>
-            <a:r>
-              <a:rPr lang="en-US" dirty="0" smtClean="0"/>
-              <a:t>Systems</a:t>
+              <a:t>Energy Storage Systems</a:t>
             </a:r>
           </a:p>
           <a:p>
@@ -11060,30 +11057,23 @@
               <a:rPr lang="en-US" dirty="0" smtClean="0"/>
               <a:t>Purpose and Motivation</a:t>
             </a:r>
-            <a:endParaRPr lang="en-US" dirty="0" smtClean="0"/>
           </a:p>
           <a:p>
             <a:r>
               <a:rPr lang="en-US" dirty="0" smtClean="0"/>
               <a:t>Background</a:t>
             </a:r>
-            <a:endParaRPr lang="en-US" dirty="0" smtClean="0"/>
           </a:p>
           <a:p>
             <a:r>
               <a:rPr lang="en-US" dirty="0" smtClean="0"/>
               <a:t>Modeling</a:t>
             </a:r>
-            <a:endParaRPr lang="en-US" dirty="0" smtClean="0"/>
           </a:p>
           <a:p>
             <a:r>
               <a:rPr lang="en-US" dirty="0" smtClean="0"/>
-              <a:t>Swing </a:t>
-            </a:r>
-            <a:r>
-              <a:rPr lang="en-US" dirty="0" smtClean="0"/>
-              <a:t>Equation</a:t>
+              <a:t>Swing Equation</a:t>
             </a:r>
           </a:p>
           <a:p>
@@ -11112,7 +11102,6 @@
               <a:rPr lang="en-US" dirty="0" smtClean="0"/>
               <a:t>Virtual Inertia</a:t>
             </a:r>
-            <a:endParaRPr lang="en-US" dirty="0" smtClean="0"/>
           </a:p>
           <a:p>
             <a:r>
@@ -11204,15 +11193,7 @@
             </a:pPr>
             <a:r>
               <a:rPr lang="en-US" dirty="0" smtClean="0"/>
-              <a:t>The purpose of this project is to analyze the effect of increased renewable power </a:t>
-            </a:r>
-            <a:r>
-              <a:rPr lang="en-US" smtClean="0"/>
-              <a:t>source penetration </a:t>
-            </a:r>
-            <a:r>
-              <a:rPr lang="en-US" dirty="0" smtClean="0"/>
-              <a:t>on the frequency response of the grid. </a:t>
+              <a:t>The purpose of this project is to analyze the effect of increased renewable power source penetration on the frequency response of the grid. </a:t>
             </a:r>
           </a:p>
           <a:p>
@@ -11340,11 +11321,7 @@
           <a:p>
             <a:r>
               <a:rPr lang="en-US" dirty="0" smtClean="0"/>
-              <a:t>Faster frequency response = more severe </a:t>
-            </a:r>
-            <a:r>
-              <a:rPr lang="en-US" dirty="0" smtClean="0"/>
-              <a:t>consequences</a:t>
+              <a:t>Faster frequency response = more severe consequences</a:t>
             </a:r>
             <a:endParaRPr lang="en-US" dirty="0"/>
           </a:p>
@@ -11474,22 +11451,22 @@
           <a:p>
             <a:r>
               <a:rPr lang="en-US" dirty="0" smtClean="0"/>
-              <a:t>Simulation </a:t>
+              <a:t>3</a:t>
+            </a:r>
+            <a:r>
+              <a:rPr lang="en-US" baseline="30000" dirty="0" smtClean="0"/>
+              <a:t>rd</a:t>
             </a:r>
             <a:r>
               <a:rPr lang="en-US" dirty="0" smtClean="0"/>
-              <a:t>software </a:t>
+              <a:t> Party Simulation software </a:t>
             </a:r>
           </a:p>
           <a:p>
             <a:pPr lvl="1"/>
             <a:r>
               <a:rPr lang="en-US" dirty="0" smtClean="0"/>
-              <a:t>Complicated </a:t>
-            </a:r>
-            <a:r>
-              <a:rPr lang="en-US" dirty="0" smtClean="0"/>
-              <a:t>(many variables)</a:t>
+              <a:t>Complicated (many variables)</a:t>
             </a:r>
           </a:p>
           <a:p>
@@ -11561,6 +11538,13 @@
   <p:clrMapOvr>
     <a:masterClrMapping/>
   </p:clrMapOvr>
+  <p:timing>
+    <p:tnLst>
+      <p:par>
+        <p:cTn id="1" dur="indefinite" restart="never" nodeType="tmRoot"/>
+      </p:par>
+    </p:tnLst>
+  </p:timing>
 </p:sld>
 </file>
 
@@ -11603,18 +11587,14 @@
           <a:p>
             <a:r>
               <a:rPr lang="en-US" dirty="0" smtClean="0"/>
-              <a:t>Swing </a:t>
-            </a:r>
-            <a:r>
-              <a:rPr lang="en-US" dirty="0" smtClean="0"/>
-              <a:t>Equation</a:t>
+              <a:t>Swing Equation</a:t>
             </a:r>
             <a:endParaRPr lang="en-US" dirty="0"/>
           </a:p>
         </p:txBody>
       </p:sp>
-      <mc:AlternateContent xmlns:mc="http://schemas.openxmlformats.org/markup-compatibility/2006">
-        <mc:Choice xmlns:a14="http://schemas.microsoft.com/office/drawing/2010/main" Requires="a14">
+      <mc:AlternateContent xmlns:mc="http://schemas.openxmlformats.org/markup-compatibility/2006" xmlns:a14="http://schemas.microsoft.com/office/drawing/2010/main">
+        <mc:Choice Requires="a14">
           <p:sp>
             <p:nvSpPr>
               <p:cNvPr id="3" name="Content Placeholder 2"/>
@@ -12526,7 +12506,7 @@
             </p:txBody>
           </p:sp>
         </mc:Choice>
-        <mc:Fallback>
+        <mc:Fallback xmlns="">
           <p:sp>
             <p:nvSpPr>
               <p:cNvPr id="3" name="Content Placeholder 2"/>
@@ -12604,6 +12584,13 @@
   <p:clrMapOvr>
     <a:masterClrMapping/>
   </p:clrMapOvr>
+  <p:timing>
+    <p:tnLst>
+      <p:par>
+        <p:cTn id="1" dur="indefinite" restart="never" nodeType="tmRoot"/>
+      </p:par>
+    </p:tnLst>
+  </p:timing>
 </p:sld>
 </file>
 
@@ -12736,8 +12723,8 @@
           </a:p>
         </p:txBody>
       </p:sp>
-      <mc:AlternateContent xmlns:mc="http://schemas.openxmlformats.org/markup-compatibility/2006">
-        <mc:Choice xmlns:a14="http://schemas.microsoft.com/office/drawing/2010/main" Requires="a14">
+      <mc:AlternateContent xmlns:mc="http://schemas.openxmlformats.org/markup-compatibility/2006" xmlns:a14="http://schemas.microsoft.com/office/drawing/2010/main">
+        <mc:Choice Requires="a14">
           <p:sp>
             <p:nvSpPr>
               <p:cNvPr id="3" name="Content Placeholder 2"/>
@@ -13218,7 +13205,7 @@
             </p:txBody>
           </p:sp>
         </mc:Choice>
-        <mc:Fallback>
+        <mc:Fallback xmlns="">
           <p:sp>
             <p:nvSpPr>
               <p:cNvPr id="3" name="Content Placeholder 2"/>

--- a/Literature Review.pptx
+++ b/Literature Review.pptx
@@ -224,7 +224,7 @@
           <a:p>
             <a:fld id="{112A0E23-1B25-1A4E-BE77-9E66B1F818DF}" type="datetimeFigureOut">
               <a:rPr lang="en-US" smtClean="0"/>
-              <a:t>7/21/17</a:t>
+              <a:t>7/26/17</a:t>
             </a:fld>
             <a:endParaRPr lang="en-US"/>
           </a:p>
@@ -1185,7 +1185,7 @@
           <a:p>
             <a:fld id="{16D63410-F318-9644-9110-6B614613545F}" type="datetimeFigureOut">
               <a:rPr lang="en-US" smtClean="0"/>
-              <a:t>7/21/17</a:t>
+              <a:t>7/26/17</a:t>
             </a:fld>
             <a:endParaRPr lang="en-US"/>
           </a:p>
@@ -1377,7 +1377,7 @@
           <a:p>
             <a:fld id="{16D63410-F318-9644-9110-6B614613545F}" type="datetimeFigureOut">
               <a:rPr lang="en-US" smtClean="0"/>
-              <a:t>7/21/17</a:t>
+              <a:t>7/26/17</a:t>
             </a:fld>
             <a:endParaRPr lang="en-US"/>
           </a:p>
@@ -1557,7 +1557,7 @@
           <a:p>
             <a:fld id="{16D63410-F318-9644-9110-6B614613545F}" type="datetimeFigureOut">
               <a:rPr lang="en-US" smtClean="0"/>
-              <a:t>7/21/17</a:t>
+              <a:t>7/26/17</a:t>
             </a:fld>
             <a:endParaRPr lang="en-US"/>
           </a:p>
@@ -1825,7 +1825,7 @@
           <a:p>
             <a:fld id="{16D63410-F318-9644-9110-6B614613545F}" type="datetimeFigureOut">
               <a:rPr lang="en-US" smtClean="0"/>
-              <a:t>7/21/17</a:t>
+              <a:t>7/26/17</a:t>
             </a:fld>
             <a:endParaRPr lang="en-US"/>
           </a:p>
@@ -1942,7 +1942,7 @@
           <a:p>
             <a:fld id="{16D63410-F318-9644-9110-6B614613545F}" type="datetimeFigureOut">
               <a:rPr lang="en-US" smtClean="0"/>
-              <a:t>7/21/17</a:t>
+              <a:t>7/26/17</a:t>
             </a:fld>
             <a:endParaRPr lang="en-US"/>
           </a:p>
@@ -2307,7 +2307,7 @@
           <a:p>
             <a:fld id="{16D63410-F318-9644-9110-6B614613545F}" type="datetimeFigureOut">
               <a:rPr lang="en-US" smtClean="0"/>
-              <a:t>7/21/17</a:t>
+              <a:t>7/26/17</a:t>
             </a:fld>
             <a:endParaRPr lang="en-US"/>
           </a:p>
@@ -2633,7 +2633,7 @@
           <a:p>
             <a:fld id="{16D63410-F318-9644-9110-6B614613545F}" type="datetimeFigureOut">
               <a:rPr lang="en-US" smtClean="0"/>
-              <a:t>7/21/17</a:t>
+              <a:t>7/26/17</a:t>
             </a:fld>
             <a:endParaRPr lang="en-US"/>
           </a:p>
@@ -3053,7 +3053,7 @@
           <a:p>
             <a:fld id="{16D63410-F318-9644-9110-6B614613545F}" type="datetimeFigureOut">
               <a:rPr lang="en-US" smtClean="0"/>
-              <a:t>7/21/17</a:t>
+              <a:t>7/26/17</a:t>
             </a:fld>
             <a:endParaRPr lang="en-US"/>
           </a:p>
@@ -3171,7 +3171,7 @@
           <a:p>
             <a:fld id="{16D63410-F318-9644-9110-6B614613545F}" type="datetimeFigureOut">
               <a:rPr lang="en-US" smtClean="0"/>
-              <a:t>7/21/17</a:t>
+              <a:t>7/26/17</a:t>
             </a:fld>
             <a:endParaRPr lang="en-US"/>
           </a:p>
@@ -3266,7 +3266,7 @@
           <a:p>
             <a:fld id="{16D63410-F318-9644-9110-6B614613545F}" type="datetimeFigureOut">
               <a:rPr lang="en-US" smtClean="0"/>
-              <a:t>7/21/17</a:t>
+              <a:t>7/26/17</a:t>
             </a:fld>
             <a:endParaRPr lang="en-US"/>
           </a:p>
@@ -3553,7 +3553,7 @@
           <a:p>
             <a:fld id="{16D63410-F318-9644-9110-6B614613545F}" type="datetimeFigureOut">
               <a:rPr lang="en-US" smtClean="0"/>
-              <a:t>7/21/17</a:t>
+              <a:t>7/26/17</a:t>
             </a:fld>
             <a:endParaRPr lang="en-US"/>
           </a:p>
@@ -3733,7 +3733,7 @@
           <a:p>
             <a:fld id="{16D63410-F318-9644-9110-6B614613545F}" type="datetimeFigureOut">
               <a:rPr lang="en-US" smtClean="0"/>
-              <a:t>7/21/17</a:t>
+              <a:t>7/26/17</a:t>
             </a:fld>
             <a:endParaRPr lang="en-US"/>
           </a:p>
@@ -4058,7 +4058,7 @@
           <a:p>
             <a:fld id="{16D63410-F318-9644-9110-6B614613545F}" type="datetimeFigureOut">
               <a:rPr lang="en-US" smtClean="0"/>
-              <a:t>7/21/17</a:t>
+              <a:t>7/26/17</a:t>
             </a:fld>
             <a:endParaRPr lang="en-US"/>
           </a:p>
@@ -4228,7 +4228,7 @@
           <a:p>
             <a:fld id="{16D63410-F318-9644-9110-6B614613545F}" type="datetimeFigureOut">
               <a:rPr lang="en-US" smtClean="0"/>
-              <a:t>7/21/17</a:t>
+              <a:t>7/26/17</a:t>
             </a:fld>
             <a:endParaRPr lang="en-US"/>
           </a:p>
@@ -4408,7 +4408,7 @@
           <a:p>
             <a:fld id="{16D63410-F318-9644-9110-6B614613545F}" type="datetimeFigureOut">
               <a:rPr lang="en-US" smtClean="0"/>
-              <a:t>7/21/17</a:t>
+              <a:t>7/26/17</a:t>
             </a:fld>
             <a:endParaRPr lang="en-US"/>
           </a:p>
@@ -4662,7 +4662,7 @@
           <a:p>
             <a:fld id="{16D63410-F318-9644-9110-6B614613545F}" type="datetimeFigureOut">
               <a:rPr lang="en-US" smtClean="0"/>
-              <a:t>7/21/17</a:t>
+              <a:t>7/26/17</a:t>
             </a:fld>
             <a:endParaRPr lang="en-US"/>
           </a:p>
@@ -4988,7 +4988,7 @@
           <a:p>
             <a:fld id="{16D63410-F318-9644-9110-6B614613545F}" type="datetimeFigureOut">
               <a:rPr lang="en-US" smtClean="0"/>
-              <a:t>7/21/17</a:t>
+              <a:t>7/26/17</a:t>
             </a:fld>
             <a:endParaRPr lang="en-US"/>
           </a:p>
@@ -5408,7 +5408,7 @@
           <a:p>
             <a:fld id="{16D63410-F318-9644-9110-6B614613545F}" type="datetimeFigureOut">
               <a:rPr lang="en-US" smtClean="0"/>
-              <a:t>7/21/17</a:t>
+              <a:t>7/26/17</a:t>
             </a:fld>
             <a:endParaRPr lang="en-US"/>
           </a:p>
@@ -5526,7 +5526,7 @@
           <a:p>
             <a:fld id="{16D63410-F318-9644-9110-6B614613545F}" type="datetimeFigureOut">
               <a:rPr lang="en-US" smtClean="0"/>
-              <a:t>7/21/17</a:t>
+              <a:t>7/26/17</a:t>
             </a:fld>
             <a:endParaRPr lang="en-US"/>
           </a:p>
@@ -5621,7 +5621,7 @@
           <a:p>
             <a:fld id="{16D63410-F318-9644-9110-6B614613545F}" type="datetimeFigureOut">
               <a:rPr lang="en-US" smtClean="0"/>
-              <a:t>7/21/17</a:t>
+              <a:t>7/26/17</a:t>
             </a:fld>
             <a:endParaRPr lang="en-US"/>
           </a:p>
@@ -5908,7 +5908,7 @@
           <a:p>
             <a:fld id="{16D63410-F318-9644-9110-6B614613545F}" type="datetimeFigureOut">
               <a:rPr lang="en-US" smtClean="0"/>
-              <a:t>7/21/17</a:t>
+              <a:t>7/26/17</a:t>
             </a:fld>
             <a:endParaRPr lang="en-US"/>
           </a:p>
@@ -6233,7 +6233,7 @@
           <a:p>
             <a:fld id="{16D63410-F318-9644-9110-6B614613545F}" type="datetimeFigureOut">
               <a:rPr lang="en-US" smtClean="0"/>
-              <a:t>7/21/17</a:t>
+              <a:t>7/26/17</a:t>
             </a:fld>
             <a:endParaRPr lang="en-US"/>
           </a:p>
@@ -6487,7 +6487,7 @@
           <a:p>
             <a:fld id="{16D63410-F318-9644-9110-6B614613545F}" type="datetimeFigureOut">
               <a:rPr lang="en-US" smtClean="0"/>
-              <a:t>7/21/17</a:t>
+              <a:t>7/26/17</a:t>
             </a:fld>
             <a:endParaRPr lang="en-US"/>
           </a:p>
@@ -7156,7 +7156,7 @@
           <a:p>
             <a:fld id="{16D63410-F318-9644-9110-6B614613545F}" type="datetimeFigureOut">
               <a:rPr lang="en-US" smtClean="0"/>
-              <a:t>7/21/17</a:t>
+              <a:t>7/26/17</a:t>
             </a:fld>
             <a:endParaRPr lang="en-US"/>
           </a:p>
@@ -7771,8 +7771,8 @@
           </a:p>
         </p:txBody>
       </p:sp>
-      <mc:AlternateContent xmlns:mc="http://schemas.openxmlformats.org/markup-compatibility/2006" xmlns:a14="http://schemas.microsoft.com/office/drawing/2010/main">
-        <mc:Choice Requires="a14">
+      <mc:AlternateContent xmlns:mc="http://schemas.openxmlformats.org/markup-compatibility/2006">
+        <mc:Choice xmlns:a14="http://schemas.microsoft.com/office/drawing/2010/main" Requires="a14">
           <p:sp>
             <p:nvSpPr>
               <p:cNvPr id="3" name="Content Placeholder 2"/>
@@ -8781,7 +8781,7 @@
             </p:txBody>
           </p:sp>
         </mc:Choice>
-        <mc:Fallback xmlns="">
+        <mc:Fallback>
           <p:sp>
             <p:nvSpPr>
               <p:cNvPr id="3" name="Content Placeholder 2"/>
@@ -8980,8 +8980,8 @@
           </a:p>
         </p:txBody>
       </p:sp>
-      <mc:AlternateContent xmlns:mc="http://schemas.openxmlformats.org/markup-compatibility/2006" xmlns:a14="http://schemas.microsoft.com/office/drawing/2010/main">
-        <mc:Choice Requires="a14">
+      <mc:AlternateContent xmlns:mc="http://schemas.openxmlformats.org/markup-compatibility/2006">
+        <mc:Choice xmlns:a14="http://schemas.microsoft.com/office/drawing/2010/main" Requires="a14">
           <p:sp>
             <p:nvSpPr>
               <p:cNvPr id="3" name="Content Placeholder 2"/>
@@ -9037,78 +9037,7 @@
                           <a:ea typeface="Cambria Math" charset="0"/>
                           <a:cs typeface="Cambria Math" charset="0"/>
                         </a:rPr>
-                        <m:t>=</m:t>
-                      </m:r>
-                      <m:r>
-                        <a:rPr lang="en-US" i="1">
-                          <a:latin typeface="Cambria Math" charset="0"/>
-                          <a:ea typeface="Cambria Math" charset="0"/>
-                          <a:cs typeface="Cambria Math" charset="0"/>
-                        </a:rPr>
-                        <m:t>𝑞</m:t>
-                      </m:r>
-                      <m:r>
-                        <a:rPr lang="en-US" i="1">
-                          <a:latin typeface="Cambria Math" charset="0"/>
-                          <a:ea typeface="Cambria Math" charset="0"/>
-                          <a:cs typeface="Cambria Math" charset="0"/>
-                        </a:rPr>
-                        <m:t>−</m:t>
-                      </m:r>
-                      <m:f>
-                        <m:fPr>
-                          <m:ctrlPr>
-                            <a:rPr lang="mr-IN" i="1">
-                              <a:latin typeface="Cambria Math" charset="0"/>
-                              <a:ea typeface="Cambria Math" charset="0"/>
-                              <a:cs typeface="Cambria Math" charset="0"/>
-                            </a:rPr>
-                          </m:ctrlPr>
-                        </m:fPr>
-                        <m:num>
-                          <m:r>
-                            <a:rPr lang="en-US" i="1">
-                              <a:latin typeface="Cambria Math" charset="0"/>
-                              <a:ea typeface="Cambria Math" charset="0"/>
-                              <a:cs typeface="Cambria Math" charset="0"/>
-                            </a:rPr>
-                            <m:t>1</m:t>
-                          </m:r>
-                        </m:num>
-                        <m:den>
-                          <m:r>
-                            <a:rPr lang="en-US" i="1">
-                              <a:latin typeface="Cambria Math" charset="0"/>
-                              <a:ea typeface="Cambria Math" charset="0"/>
-                              <a:cs typeface="Cambria Math" charset="0"/>
-                            </a:rPr>
-                            <m:t>𝑅</m:t>
-                          </m:r>
-                        </m:den>
-                      </m:f>
-                      <m:r>
-                        <a:rPr lang="mr-IN" i="1">
-                          <a:latin typeface="Cambria Math" charset="0"/>
-                          <a:ea typeface="Cambria Math" charset="0"/>
-                          <a:cs typeface="Cambria Math" charset="0"/>
-                        </a:rPr>
-                        <m:t>∆</m:t>
-                      </m:r>
-                      <m:r>
-                        <a:rPr lang="en-US" i="1">
-                          <a:latin typeface="Cambria Math" charset="0"/>
-                          <a:ea typeface="Cambria Math" charset="0"/>
-                          <a:cs typeface="Cambria Math" charset="0"/>
-                        </a:rPr>
-                        <m:t>𝑓</m:t>
-                      </m:r>
-                      <m:r>
-                        <a:rPr lang="en-US" b="0" i="1" smtClean="0">
-                          <a:latin typeface="Cambria Math" charset="0"/>
-                          <a:ea typeface="Cambria Math" charset="0"/>
-                          <a:cs typeface="Cambria Math" charset="0"/>
-                        </a:rPr>
-                        <m:t>−</m:t>
+                        <m:t>=−</m:t>
                       </m:r>
                       <m:r>
                         <a:rPr lang="en-US" b="0" i="1" smtClean="0">
@@ -10138,7 +10067,7 @@
             </p:txBody>
           </p:sp>
         </mc:Choice>
-        <mc:Fallback xmlns="">
+        <mc:Fallback>
           <p:sp>
             <p:nvSpPr>
               <p:cNvPr id="3" name="Content Placeholder 2"/>
@@ -11593,8 +11522,8 @@
           </a:p>
         </p:txBody>
       </p:sp>
-      <mc:AlternateContent xmlns:mc="http://schemas.openxmlformats.org/markup-compatibility/2006" xmlns:a14="http://schemas.microsoft.com/office/drawing/2010/main">
-        <mc:Choice Requires="a14">
+      <mc:AlternateContent xmlns:mc="http://schemas.openxmlformats.org/markup-compatibility/2006">
+        <mc:Choice xmlns:a14="http://schemas.microsoft.com/office/drawing/2010/main" Requires="a14">
           <p:sp>
             <p:nvSpPr>
               <p:cNvPr id="3" name="Content Placeholder 2"/>
@@ -11927,76 +11856,30 @@
                         </a:rPr>
                         <m:t>(∆</m:t>
                       </m:r>
-                      <m:sSub>
-                        <m:sSubPr>
-                          <m:ctrlPr>
-                            <a:rPr lang="en-US" b="0" i="1" smtClean="0">
-                              <a:latin typeface="Cambria Math" charset="0"/>
-                              <a:ea typeface="Cambria Math" charset="0"/>
-                              <a:cs typeface="Cambria Math" charset="0"/>
-                            </a:rPr>
-                          </m:ctrlPr>
-                        </m:sSubPr>
-                        <m:e>
-                          <m:r>
-                            <a:rPr lang="en-US" b="0" i="1" smtClean="0">
-                              <a:latin typeface="Cambria Math" charset="0"/>
-                              <a:ea typeface="Cambria Math" charset="0"/>
-                              <a:cs typeface="Cambria Math" charset="0"/>
-                            </a:rPr>
-                            <m:t>𝑃</m:t>
-                          </m:r>
-                        </m:e>
-                        <m:sub>
-                          <m:r>
-                            <a:rPr lang="en-US" b="0" i="1" smtClean="0">
-                              <a:latin typeface="Cambria Math" charset="0"/>
-                              <a:ea typeface="Cambria Math" charset="0"/>
-                              <a:cs typeface="Cambria Math" charset="0"/>
-                            </a:rPr>
-                            <m:t>𝑚</m:t>
-                          </m:r>
-                        </m:sub>
-                      </m:sSub>
                       <m:r>
                         <a:rPr lang="en-US" b="0" i="1" smtClean="0">
                           <a:latin typeface="Cambria Math" charset="0"/>
                           <a:ea typeface="Cambria Math" charset="0"/>
                           <a:cs typeface="Cambria Math" charset="0"/>
                         </a:rPr>
-                        <m:t>−∆</m:t>
+                        <m:t>𝑃</m:t>
                       </m:r>
-                      <m:sSub>
-                        <m:sSubPr>
-                          <m:ctrlPr>
-                            <a:rPr lang="en-US" b="0" i="1" smtClean="0">
-                              <a:latin typeface="Cambria Math" charset="0"/>
-                              <a:ea typeface="Cambria Math" charset="0"/>
-                              <a:cs typeface="Cambria Math" charset="0"/>
-                            </a:rPr>
-                          </m:ctrlPr>
-                        </m:sSubPr>
-                        <m:e>
-                          <m:r>
-                            <a:rPr lang="en-US" b="0" i="1" smtClean="0">
-                              <a:latin typeface="Cambria Math" charset="0"/>
-                              <a:ea typeface="Cambria Math" charset="0"/>
-                              <a:cs typeface="Cambria Math" charset="0"/>
-                            </a:rPr>
-                            <m:t>𝑃</m:t>
-                          </m:r>
-                        </m:e>
-                        <m:sub>
-                          <m:r>
-                            <a:rPr lang="en-US" b="0" i="1" smtClean="0">
-                              <a:latin typeface="Cambria Math" charset="0"/>
-                              <a:ea typeface="Cambria Math" charset="0"/>
-                              <a:cs typeface="Cambria Math" charset="0"/>
-                            </a:rPr>
-                            <m:t>𝑙𝑜𝑎𝑑</m:t>
-                          </m:r>
-                        </m:sub>
-                      </m:sSub>
+                      <m:r>
+                        <a:rPr lang="en-US" b="0" i="1" smtClean="0">
+                          <a:latin typeface="Cambria Math" charset="0"/>
+                          <a:ea typeface="Cambria Math" charset="0"/>
+                          <a:cs typeface="Cambria Math" charset="0"/>
+                        </a:rPr>
+                        <m:t>+</m:t>
+                      </m:r>
+                      <m:r>
+                        <a:rPr lang="en-US" b="0" i="1" smtClean="0">
+                          <a:latin typeface="Cambria Math" charset="0"/>
+                          <a:ea typeface="Cambria Math" charset="0"/>
+                          <a:cs typeface="Cambria Math" charset="0"/>
+                        </a:rPr>
+                        <m:t>𝑢</m:t>
+                      </m:r>
                       <m:r>
                         <a:rPr lang="en-US" b="0" i="1" smtClean="0">
                           <a:latin typeface="Cambria Math" charset="0"/>
@@ -12256,54 +12139,50 @@
                 <a14:m>
                   <m:oMath xmlns:m="http://schemas.openxmlformats.org/officeDocument/2006/math">
                     <m:r>
-                      <a:rPr lang="en-US" i="1" smtClean="0">
+                      <a:rPr lang="en-US" b="0" i="0" smtClean="0">
                         <a:latin typeface="Cambria Math" charset="0"/>
-                        <a:ea typeface="Cambria Math" charset="0"/>
-                        <a:cs typeface="Cambria Math" charset="0"/>
                       </a:rPr>
                       <m:t>∆</m:t>
                     </m:r>
                     <m:r>
-                      <a:rPr lang="en-US" b="0" i="1" smtClean="0">
+                      <m:rPr>
+                        <m:sty m:val="p"/>
+                      </m:rPr>
+                      <a:rPr lang="en-US" b="0" i="0" smtClean="0">
                         <a:latin typeface="Cambria Math" charset="0"/>
-                        <a:ea typeface="Cambria Math" charset="0"/>
-                        <a:cs typeface="Cambria Math" charset="0"/>
                       </a:rPr>
-                      <m:t>𝑃</m:t>
+                      <m:t>P</m:t>
                     </m:r>
+                    <m:d>
+                      <m:dPr>
+                        <m:ctrlPr>
+                          <a:rPr lang="mr-IN" i="1" smtClean="0">
+                            <a:latin typeface="Cambria Math" charset="0"/>
+                          </a:rPr>
+                        </m:ctrlPr>
+                      </m:dPr>
+                      <m:e>
+                        <m:r>
+                          <a:rPr lang="en-US" b="0" i="1" smtClean="0">
+                            <a:latin typeface="Cambria Math" charset="0"/>
+                          </a:rPr>
+                          <m:t>𝑡</m:t>
+                        </m:r>
+                      </m:e>
+                    </m:d>
                     <m:r>
-                      <a:rPr lang="en-US" b="0" i="1" smtClean="0">
+                      <a:rPr lang="mr-IN" i="1" smtClean="0">
                         <a:latin typeface="Cambria Math" charset="0"/>
-                        <a:ea typeface="Cambria Math" charset="0"/>
-                        <a:cs typeface="Cambria Math" charset="0"/>
                       </a:rPr>
-                      <m:t>(</m:t>
-                    </m:r>
-                    <m:r>
-                      <a:rPr lang="en-US" b="0" i="1" smtClean="0">
-                        <a:latin typeface="Cambria Math" charset="0"/>
-                        <a:ea typeface="Cambria Math" charset="0"/>
-                        <a:cs typeface="Cambria Math" charset="0"/>
-                      </a:rPr>
-                      <m:t>𝑡</m:t>
-                    </m:r>
-                    <m:r>
-                      <a:rPr lang="en-US" b="0" i="1" smtClean="0">
-                        <a:latin typeface="Cambria Math" charset="0"/>
-                        <a:ea typeface="Cambria Math" charset="0"/>
-                        <a:cs typeface="Cambria Math" charset="0"/>
-                      </a:rPr>
-                      <m:t>)=</m:t>
+                      <m:t>=</m:t>
                     </m:r>
                     <m:d>
                       <m:dPr>
                         <m:begChr m:val="{"/>
                         <m:endChr m:val=""/>
                         <m:ctrlPr>
-                          <a:rPr lang="mr-IN" b="0" i="1" smtClean="0">
+                          <a:rPr lang="mr-IN" i="1" smtClean="0">
                             <a:latin typeface="Cambria Math" charset="0"/>
-                            <a:ea typeface="Cambria Math" charset="0"/>
-                            <a:cs typeface="Cambria Math" charset="0"/>
                           </a:rPr>
                         </m:ctrlPr>
                       </m:dPr>
@@ -12311,189 +12190,106 @@
                         <m:eqArr>
                           <m:eqArrPr>
                             <m:ctrlPr>
-                              <a:rPr lang="mr-IN" b="0" i="1" smtClean="0">
+                              <a:rPr lang="mr-IN" i="1" smtClean="0">
                                 <a:latin typeface="Cambria Math" charset="0"/>
-                                <a:ea typeface="Cambria Math" charset="0"/>
-                                <a:cs typeface="Cambria Math" charset="0"/>
                               </a:rPr>
                             </m:ctrlPr>
                           </m:eqArrPr>
                           <m:e>
                             <m:r>
-                              <a:rPr lang="en-US" b="0" i="1" smtClean="0">
+                              <a:rPr lang="mr-IN" i="1" smtClean="0">
                                 <a:latin typeface="Cambria Math" charset="0"/>
-                                <a:ea typeface="Cambria Math" charset="0"/>
-                                <a:cs typeface="Cambria Math" charset="0"/>
                               </a:rPr>
-                              <m:t>20</m:t>
-                            </m:r>
-                            <m:d>
-                              <m:dPr>
-                                <m:ctrlPr>
-                                  <a:rPr lang="en-US" b="0" i="1" smtClean="0">
-                                    <a:latin typeface="Cambria Math" charset="0"/>
-                                    <a:ea typeface="Cambria Math" charset="0"/>
-                                    <a:cs typeface="Cambria Math" charset="0"/>
-                                  </a:rPr>
-                                </m:ctrlPr>
-                              </m:dPr>
-                              <m:e>
-                                <m:r>
-                                  <a:rPr lang="en-US" b="0" i="1" smtClean="0">
-                                    <a:latin typeface="Cambria Math" charset="0"/>
-                                    <a:ea typeface="Cambria Math" charset="0"/>
-                                    <a:cs typeface="Cambria Math" charset="0"/>
-                                  </a:rPr>
-                                  <m:t>𝑡</m:t>
-                                </m:r>
-                                <m:r>
-                                  <a:rPr lang="en-US" b="0" i="1" smtClean="0">
-                                    <a:latin typeface="Cambria Math" charset="0"/>
-                                    <a:ea typeface="Cambria Math" charset="0"/>
-                                    <a:cs typeface="Cambria Math" charset="0"/>
-                                  </a:rPr>
-                                  <m:t>−0.05</m:t>
-                                </m:r>
-                              </m:e>
-                            </m:d>
-                            <m:r>
-                              <a:rPr lang="en-US" b="0" i="1" smtClean="0">
-                                <a:latin typeface="Cambria Math" charset="0"/>
-                                <a:ea typeface="Cambria Math" charset="0"/>
-                                <a:cs typeface="Cambria Math" charset="0"/>
-                              </a:rPr>
-                              <m:t>,        0.05&lt;</m:t>
+                              <m:t>−&amp;</m:t>
                             </m:r>
                             <m:r>
                               <a:rPr lang="en-US" b="0" i="1" smtClean="0">
                                 <a:latin typeface="Cambria Math" charset="0"/>
-                                <a:ea typeface="Cambria Math" charset="0"/>
-                                <a:cs typeface="Cambria Math" charset="0"/>
+                              </a:rPr>
+                              <m:t>1</m:t>
+                            </m:r>
+                            <m:r>
+                              <a:rPr lang="mr-IN" i="1" smtClean="0">
+                                <a:latin typeface="Cambria Math" charset="0"/>
+                              </a:rPr>
+                              <m:t>,  </m:t>
+                            </m:r>
+                            <m:r>
+                              <a:rPr lang="en-US" b="0" i="1" smtClean="0">
+                                <a:latin typeface="Cambria Math" charset="0"/>
+                              </a:rPr>
+                              <m:t>0.05≤</m:t>
+                            </m:r>
+                            <m:r>
+                              <a:rPr lang="en-US" b="0" i="1" smtClean="0">
+                                <a:latin typeface="Cambria Math" charset="0"/>
                               </a:rPr>
                               <m:t>𝑡</m:t>
                             </m:r>
                             <m:r>
                               <a:rPr lang="en-US" b="0" i="1" smtClean="0">
                                 <a:latin typeface="Cambria Math" charset="0"/>
-                                <a:ea typeface="Cambria Math" charset="0"/>
-                                <a:cs typeface="Cambria Math" charset="0"/>
                               </a:rPr>
-                              <m:t>&lt;0.1</m:t>
+                              <m:t>≤0.1</m:t>
                             </m:r>
                           </m:e>
                           <m:e>
                             <m:r>
-                              <a:rPr lang="en-US" b="0" i="1" smtClean="0">
+                              <a:rPr lang="mr-IN" i="1" smtClean="0">
                                 <a:latin typeface="Cambria Math" charset="0"/>
-                                <a:ea typeface="Cambria Math" charset="0"/>
-                                <a:cs typeface="Cambria Math" charset="0"/>
                               </a:rPr>
-                              <m:t>−20</m:t>
-                            </m:r>
-                            <m:d>
-                              <m:dPr>
-                                <m:ctrlPr>
-                                  <a:rPr lang="en-US" b="0" i="1" smtClean="0">
-                                    <a:latin typeface="Cambria Math" charset="0"/>
-                                    <a:ea typeface="Cambria Math" charset="0"/>
-                                    <a:cs typeface="Cambria Math" charset="0"/>
-                                  </a:rPr>
-                                </m:ctrlPr>
-                              </m:dPr>
-                              <m:e>
-                                <m:r>
-                                  <a:rPr lang="en-US" b="0" i="1" smtClean="0">
-                                    <a:latin typeface="Cambria Math" charset="0"/>
-                                    <a:ea typeface="Cambria Math" charset="0"/>
-                                    <a:cs typeface="Cambria Math" charset="0"/>
-                                  </a:rPr>
-                                  <m:t>𝑡</m:t>
-                                </m:r>
-                                <m:r>
-                                  <a:rPr lang="en-US" b="0" i="1" smtClean="0">
-                                    <a:latin typeface="Cambria Math" charset="0"/>
-                                    <a:ea typeface="Cambria Math" charset="0"/>
-                                    <a:cs typeface="Cambria Math" charset="0"/>
-                                  </a:rPr>
-                                  <m:t>−0.15</m:t>
-                                </m:r>
-                              </m:e>
-                            </m:d>
-                            <m:r>
-                              <a:rPr lang="en-US" b="0" i="1" smtClean="0">
-                                <a:latin typeface="Cambria Math" charset="0"/>
-                                <a:ea typeface="Cambria Math" charset="0"/>
-                                <a:cs typeface="Cambria Math" charset="0"/>
-                              </a:rPr>
-                              <m:t>,     0.15&lt;</m:t>
+                              <m:t>&amp;</m:t>
                             </m:r>
                             <m:r>
                               <a:rPr lang="en-US" b="0" i="1" smtClean="0">
                                 <a:latin typeface="Cambria Math" charset="0"/>
-                                <a:ea typeface="Cambria Math" charset="0"/>
-                                <a:cs typeface="Cambria Math" charset="0"/>
+                              </a:rPr>
+                              <m:t>0</m:t>
+                            </m:r>
+                            <m:r>
+                              <a:rPr lang="mr-IN" i="1" smtClean="0">
+                                <a:latin typeface="Cambria Math" charset="0"/>
+                              </a:rPr>
+                              <m:t>,  </m:t>
+                            </m:r>
+                            <m:r>
+                              <a:rPr lang="en-US" b="0" i="1" smtClean="0">
+                                <a:latin typeface="Cambria Math" charset="0"/>
                               </a:rPr>
                               <m:t>𝑡</m:t>
                             </m:r>
                             <m:r>
                               <a:rPr lang="en-US" b="0" i="1" smtClean="0">
                                 <a:latin typeface="Cambria Math" charset="0"/>
-                                <a:ea typeface="Cambria Math" charset="0"/>
-                                <a:cs typeface="Cambria Math" charset="0"/>
                               </a:rPr>
-                              <m:t>&lt;0.2</m:t>
+                              <m:t>&lt;0.05 </m:t>
                             </m:r>
-                          </m:e>
-                          <m:e>
                             <m:r>
-                              <a:rPr lang="en-US" b="0" i="1" smtClean="0">
+                              <m:rPr>
+                                <m:sty m:val="p"/>
+                              </m:rPr>
+                              <a:rPr lang="en-US" b="0" i="0" smtClean="0">
                                 <a:latin typeface="Cambria Math" charset="0"/>
-                                <a:ea typeface="Cambria Math" charset="0"/>
-                                <a:cs typeface="Cambria Math" charset="0"/>
                               </a:rPr>
-                              <m:t>1,                              0.25&lt;</m:t>
+                              <m:t>and</m:t>
+                            </m:r>
+                            <m:r>
+                              <a:rPr lang="en-US" b="0" i="0" smtClean="0">
+                                <a:latin typeface="Cambria Math" charset="0"/>
+                              </a:rPr>
+                              <m:t> </m:t>
                             </m:r>
                             <m:r>
                               <a:rPr lang="en-US" b="0" i="1" smtClean="0">
                                 <a:latin typeface="Cambria Math" charset="0"/>
-                                <a:ea typeface="Cambria Math" charset="0"/>
-                                <a:cs typeface="Cambria Math" charset="0"/>
                               </a:rPr>
                               <m:t>𝑡</m:t>
                             </m:r>
                             <m:r>
                               <a:rPr lang="en-US" b="0" i="1" smtClean="0">
                                 <a:latin typeface="Cambria Math" charset="0"/>
-                                <a:ea typeface="Cambria Math" charset="0"/>
-                                <a:cs typeface="Cambria Math" charset="0"/>
                               </a:rPr>
-                              <m:t>&lt;0.3</m:t>
-                            </m:r>
-                          </m:e>
-                          <m:e>
-                            <m:r>
-                              <a:rPr lang="en-US" b="0" i="1" smtClean="0">
-                                <a:latin typeface="Cambria Math" charset="0"/>
-                                <a:ea typeface="Cambria Math" charset="0"/>
-                                <a:cs typeface="Cambria Math" charset="0"/>
-                              </a:rPr>
-                              <m:t>−1,                           0.35&lt;</m:t>
-                            </m:r>
-                            <m:r>
-                              <a:rPr lang="en-US" b="0" i="1" smtClean="0">
-                                <a:latin typeface="Cambria Math" charset="0"/>
-                                <a:ea typeface="Cambria Math" charset="0"/>
-                                <a:cs typeface="Cambria Math" charset="0"/>
-                              </a:rPr>
-                              <m:t>𝑡</m:t>
-                            </m:r>
-                            <m:r>
-                              <a:rPr lang="en-US" b="0" i="1" smtClean="0">
-                                <a:latin typeface="Cambria Math" charset="0"/>
-                                <a:ea typeface="Cambria Math" charset="0"/>
-                                <a:cs typeface="Cambria Math" charset="0"/>
-                              </a:rPr>
-                              <m:t>&lt;0.4</m:t>
+                              <m:t>&gt;0.1</m:t>
                             </m:r>
                           </m:e>
                         </m:eqArr>
@@ -12506,7 +12302,7 @@
             </p:txBody>
           </p:sp>
         </mc:Choice>
-        <mc:Fallback xmlns="">
+        <mc:Fallback>
           <p:sp>
             <p:nvSpPr>
               <p:cNvPr id="3" name="Content Placeholder 2"/>
